--- a/courses/apcsp/lect23.pptx
+++ b/courses/apcsp/lect23.pptx
@@ -137,7 +137,7 @@
 <file path=ppt/revisionInfo.xml><?xml version="1.0" encoding="utf-8"?>
 <p1510:revInfo xmlns:a="http://schemas.openxmlformats.org/drawingml/2006/main" xmlns:r="http://schemas.openxmlformats.org/officeDocument/2006/relationships" xmlns:p1510="http://schemas.microsoft.com/office/powerpoint/2015/10/main">
   <p1510:revLst>
-    <p1510:client id="{09EBCD6D-3E32-1447-A1AF-87925F52689B}" v="466" dt="2021-05-17T13:13:13.905"/>
+    <p1510:client id="{09EBCD6D-3E32-1447-A1AF-87925F52689B}" v="468" dt="2021-05-17T14:35:00.472"/>
   </p1510:revLst>
 </p1510:revInfo>
 </file>
@@ -3307,7 +3307,7 @@
   <pc:docChgLst>
     <pc:chgData name="Long B Nguyen" userId="f59fb8f3-a021-417a-8bc1-65c8d471c621" providerId="ADAL" clId="{09EBCD6D-3E32-1447-A1AF-87925F52689B}"/>
     <pc:docChg chg="custSel addSld delSld modSld">
-      <pc:chgData name="Long B Nguyen" userId="f59fb8f3-a021-417a-8bc1-65c8d471c621" providerId="ADAL" clId="{09EBCD6D-3E32-1447-A1AF-87925F52689B}" dt="2021-05-17T13:14:54.313" v="2073" actId="2696"/>
+      <pc:chgData name="Long B Nguyen" userId="f59fb8f3-a021-417a-8bc1-65c8d471c621" providerId="ADAL" clId="{09EBCD6D-3E32-1447-A1AF-87925F52689B}" dt="2021-05-17T14:35:00.472" v="2275"/>
       <pc:docMkLst>
         <pc:docMk/>
       </pc:docMkLst>
@@ -3426,7 +3426,7 @@
         </pc:picChg>
       </pc:sldChg>
       <pc:sldChg chg="modSp add mod">
-        <pc:chgData name="Long B Nguyen" userId="f59fb8f3-a021-417a-8bc1-65c8d471c621" providerId="ADAL" clId="{09EBCD6D-3E32-1447-A1AF-87925F52689B}" dt="2021-05-17T12:27:47.549" v="568" actId="20577"/>
+        <pc:chgData name="Long B Nguyen" userId="f59fb8f3-a021-417a-8bc1-65c8d471c621" providerId="ADAL" clId="{09EBCD6D-3E32-1447-A1AF-87925F52689B}" dt="2021-05-17T14:02:04.947" v="2076" actId="20577"/>
         <pc:sldMkLst>
           <pc:docMk/>
           <pc:sldMk cId="805492927" sldId="544"/>
@@ -3440,7 +3440,7 @@
           </ac:spMkLst>
         </pc:spChg>
         <pc:spChg chg="mod">
-          <ac:chgData name="Long B Nguyen" userId="f59fb8f3-a021-417a-8bc1-65c8d471c621" providerId="ADAL" clId="{09EBCD6D-3E32-1447-A1AF-87925F52689B}" dt="2021-05-17T12:27:47.549" v="568" actId="20577"/>
+          <ac:chgData name="Long B Nguyen" userId="f59fb8f3-a021-417a-8bc1-65c8d471c621" providerId="ADAL" clId="{09EBCD6D-3E32-1447-A1AF-87925F52689B}" dt="2021-05-17T14:02:04.947" v="2076" actId="20577"/>
           <ac:spMkLst>
             <pc:docMk/>
             <pc:sldMk cId="805492927" sldId="544"/>
@@ -3755,14 +3755,14 @@
           </ac:picMkLst>
         </pc:picChg>
       </pc:sldChg>
-      <pc:sldChg chg="addSp delSp modSp add mod">
-        <pc:chgData name="Long B Nguyen" userId="f59fb8f3-a021-417a-8bc1-65c8d471c621" providerId="ADAL" clId="{09EBCD6D-3E32-1447-A1AF-87925F52689B}" dt="2021-05-17T13:06:09.219" v="1564" actId="1076"/>
+      <pc:sldChg chg="addSp delSp modSp add mod modAnim">
+        <pc:chgData name="Long B Nguyen" userId="f59fb8f3-a021-417a-8bc1-65c8d471c621" providerId="ADAL" clId="{09EBCD6D-3E32-1447-A1AF-87925F52689B}" dt="2021-05-17T14:35:00.472" v="2275"/>
         <pc:sldMkLst>
           <pc:docMk/>
           <pc:sldMk cId="709272090" sldId="558"/>
         </pc:sldMkLst>
         <pc:spChg chg="mod">
-          <ac:chgData name="Long B Nguyen" userId="f59fb8f3-a021-417a-8bc1-65c8d471c621" providerId="ADAL" clId="{09EBCD6D-3E32-1447-A1AF-87925F52689B}" dt="2021-05-17T13:06:05.538" v="1563" actId="20577"/>
+          <ac:chgData name="Long B Nguyen" userId="f59fb8f3-a021-417a-8bc1-65c8d471c621" providerId="ADAL" clId="{09EBCD6D-3E32-1447-A1AF-87925F52689B}" dt="2021-05-17T14:34:53.123" v="2274" actId="20577"/>
           <ac:spMkLst>
             <pc:docMk/>
             <pc:sldMk cId="709272090" sldId="558"/>
@@ -3777,12 +3777,20 @@
             <ac:picMk id="5" creationId="{3278C868-0CA9-294E-9D02-FACB9C3D4C52}"/>
           </ac:picMkLst>
         </pc:picChg>
-        <pc:picChg chg="add mod">
-          <ac:chgData name="Long B Nguyen" userId="f59fb8f3-a021-417a-8bc1-65c8d471c621" providerId="ADAL" clId="{09EBCD6D-3E32-1447-A1AF-87925F52689B}" dt="2021-05-17T13:06:09.219" v="1564" actId="1076"/>
+        <pc:picChg chg="add del mod">
+          <ac:chgData name="Long B Nguyen" userId="f59fb8f3-a021-417a-8bc1-65c8d471c621" providerId="ADAL" clId="{09EBCD6D-3E32-1447-A1AF-87925F52689B}" dt="2021-05-17T14:18:57.892" v="2077" actId="478"/>
           <ac:picMkLst>
             <pc:docMk/>
             <pc:sldMk cId="709272090" sldId="558"/>
             <ac:picMk id="6" creationId="{BCFCA236-B751-EA47-BABB-67EA43DD36B2}"/>
+          </ac:picMkLst>
+        </pc:picChg>
+        <pc:picChg chg="add mod">
+          <ac:chgData name="Long B Nguyen" userId="f59fb8f3-a021-417a-8bc1-65c8d471c621" providerId="ADAL" clId="{09EBCD6D-3E32-1447-A1AF-87925F52689B}" dt="2021-05-17T14:34:35.512" v="2187" actId="14100"/>
+          <ac:picMkLst>
+            <pc:docMk/>
+            <pc:sldMk cId="709272090" sldId="558"/>
+            <ac:picMk id="7" creationId="{7A5C2D1D-0A80-0949-8104-F3D9F197AED3}"/>
           </ac:picMkLst>
         </pc:picChg>
       </pc:sldChg>
@@ -14493,7 +14501,78 @@
             </a:pPr>
             <a:r>
               <a:rPr lang="en-US" dirty="0"/>
-              <a:t>Read the code below. Identify the error. What kind of error is it?</a:t>
+              <a:t>Read the code below. Assume that </a:t>
+            </a:r>
+            <a:r>
+              <a:rPr lang="en-US" dirty="0" err="1"/>
+              <a:t>myList</a:t>
+            </a:r>
+            <a:r>
+              <a:rPr lang="en-US" dirty="0"/>
+              <a:t> is a nonempty list of numbers.  Identify the error. What kind of error is it?</a:t>
+            </a:r>
+          </a:p>
+          <a:p>
+            <a:pPr marL="0" indent="0">
+              <a:buNone/>
+            </a:pPr>
+            <a:endParaRPr lang="en-US" dirty="0"/>
+          </a:p>
+          <a:p>
+            <a:pPr marL="0" indent="0">
+              <a:buNone/>
+            </a:pPr>
+            <a:endParaRPr lang="en-US" dirty="0"/>
+          </a:p>
+          <a:p>
+            <a:pPr marL="0" indent="0">
+              <a:buNone/>
+            </a:pPr>
+            <a:endParaRPr lang="en-US" dirty="0"/>
+          </a:p>
+          <a:p>
+            <a:pPr marL="0" indent="0">
+              <a:buNone/>
+            </a:pPr>
+            <a:endParaRPr lang="en-US" dirty="0"/>
+          </a:p>
+          <a:p>
+            <a:pPr marL="0" indent="0">
+              <a:buNone/>
+            </a:pPr>
+            <a:endParaRPr lang="en-US" dirty="0"/>
+          </a:p>
+          <a:p>
+            <a:pPr marL="0" indent="0">
+              <a:buNone/>
+            </a:pPr>
+            <a:endParaRPr lang="en-US" dirty="0"/>
+          </a:p>
+          <a:p>
+            <a:pPr marL="0" indent="0">
+              <a:buNone/>
+            </a:pPr>
+            <a:endParaRPr lang="en-US" dirty="0"/>
+          </a:p>
+          <a:p>
+            <a:pPr marL="0" indent="0">
+              <a:buNone/>
+            </a:pPr>
+            <a:endParaRPr lang="en-US" dirty="0"/>
+          </a:p>
+          <a:p>
+            <a:pPr marL="0" indent="0">
+              <a:buNone/>
+            </a:pPr>
+            <a:endParaRPr lang="en-US" dirty="0"/>
+          </a:p>
+          <a:p>
+            <a:pPr marL="0" indent="0">
+              <a:buNone/>
+            </a:pPr>
+            <a:r>
+              <a:rPr lang="en-US" dirty="0"/>
+              <a:t>Logic Error.  The code adds the first number twice in the sum.</a:t>
             </a:r>
           </a:p>
         </p:txBody>
@@ -14529,10 +14608,10 @@
       </p:sp>
       <p:pic>
         <p:nvPicPr>
-          <p:cNvPr id="6" name="Picture 5">
+          <p:cNvPr id="7" name="Picture 6">
             <a:extLst>
               <a:ext uri="{FF2B5EF4-FFF2-40B4-BE49-F238E27FC236}">
-                <a16:creationId xmlns:a16="http://schemas.microsoft.com/office/drawing/2014/main" id="{BCFCA236-B751-EA47-BABB-67EA43DD36B2}"/>
+                <a16:creationId xmlns:a16="http://schemas.microsoft.com/office/drawing/2014/main" id="{7A5C2D1D-0A80-0949-8104-F3D9F197AED3}"/>
               </a:ext>
             </a:extLst>
           </p:cNvPr>
@@ -14549,8 +14628,8 @@
         </p:blipFill>
         <p:spPr>
           <a:xfrm>
-            <a:off x="1574800" y="1492468"/>
-            <a:ext cx="5994400" cy="3568700"/>
+            <a:off x="1748263" y="1549881"/>
+            <a:ext cx="5254704" cy="3324405"/>
           </a:xfrm>
           <a:prstGeom prst="rect">
             <a:avLst/>
@@ -14567,6 +14646,85 @@
   <p:clrMapOvr>
     <a:masterClrMapping/>
   </p:clrMapOvr>
+  <p:timing>
+    <p:tnLst>
+      <p:par>
+        <p:cTn id="1" dur="indefinite" restart="never" nodeType="tmRoot">
+          <p:childTnLst>
+            <p:seq concurrent="1" nextAc="seek">
+              <p:cTn id="2" dur="indefinite" nodeType="mainSeq">
+                <p:childTnLst>
+                  <p:par>
+                    <p:cTn id="3" fill="hold">
+                      <p:stCondLst>
+                        <p:cond delay="indefinite"/>
+                      </p:stCondLst>
+                      <p:childTnLst>
+                        <p:par>
+                          <p:cTn id="4" fill="hold">
+                            <p:stCondLst>
+                              <p:cond delay="0"/>
+                            </p:stCondLst>
+                            <p:childTnLst>
+                              <p:par>
+                                <p:cTn id="5" presetID="1" presetClass="entr" presetSubtype="0" fill="hold" nodeType="clickEffect">
+                                  <p:stCondLst>
+                                    <p:cond delay="0"/>
+                                  </p:stCondLst>
+                                  <p:childTnLst>
+                                    <p:set>
+                                      <p:cBhvr>
+                                        <p:cTn id="6" dur="1" fill="hold">
+                                          <p:stCondLst>
+                                            <p:cond delay="0"/>
+                                          </p:stCondLst>
+                                        </p:cTn>
+                                        <p:tgtEl>
+                                          <p:spTgt spid="3">
+                                            <p:txEl>
+                                              <p:pRg st="10" end="10"/>
+                                            </p:txEl>
+                                          </p:spTgt>
+                                        </p:tgtEl>
+                                        <p:attrNameLst>
+                                          <p:attrName>style.visibility</p:attrName>
+                                        </p:attrNameLst>
+                                      </p:cBhvr>
+                                      <p:to>
+                                        <p:strVal val="visible"/>
+                                      </p:to>
+                                    </p:set>
+                                  </p:childTnLst>
+                                </p:cTn>
+                              </p:par>
+                            </p:childTnLst>
+                          </p:cTn>
+                        </p:par>
+                      </p:childTnLst>
+                    </p:cTn>
+                  </p:par>
+                </p:childTnLst>
+              </p:cTn>
+              <p:prevCondLst>
+                <p:cond evt="onPrev" delay="0">
+                  <p:tgtEl>
+                    <p:sldTgt/>
+                  </p:tgtEl>
+                </p:cond>
+              </p:prevCondLst>
+              <p:nextCondLst>
+                <p:cond evt="onNext" delay="0">
+                  <p:tgtEl>
+                    <p:sldTgt/>
+                  </p:tgtEl>
+                </p:cond>
+              </p:nextCondLst>
+            </p:seq>
+          </p:childTnLst>
+        </p:cTn>
+      </p:par>
+    </p:tnLst>
+  </p:timing>
 </p:sld>
 </file>
 
@@ -15470,7 +15628,7 @@
             </a:pPr>
             <a:r>
               <a:rPr lang="en-US" dirty="0"/>
-              <a:t>Impacting of Computing</a:t>
+              <a:t>Impact of Computing</a:t>
             </a:r>
           </a:p>
         </p:txBody>

--- a/courses/apcsp/lect23.pptx
+++ b/courses/apcsp/lect23.pptx
@@ -5,15 +5,15 @@
     <p:sldMasterId id="2147483791" r:id="rId1"/>
   </p:sldMasterIdLst>
   <p:notesMasterIdLst>
-    <p:notesMasterId r:id="rId22"/>
+    <p:notesMasterId r:id="rId27"/>
   </p:notesMasterIdLst>
   <p:sldIdLst>
     <p:sldId id="256" r:id="rId2"/>
     <p:sldId id="542" r:id="rId3"/>
     <p:sldId id="541" r:id="rId4"/>
     <p:sldId id="544" r:id="rId5"/>
-    <p:sldId id="545" r:id="rId6"/>
-    <p:sldId id="543" r:id="rId7"/>
+    <p:sldId id="543" r:id="rId6"/>
+    <p:sldId id="545" r:id="rId7"/>
     <p:sldId id="559" r:id="rId8"/>
     <p:sldId id="546" r:id="rId9"/>
     <p:sldId id="547" r:id="rId10"/>
@@ -27,7 +27,12 @@
     <p:sldId id="556" r:id="rId18"/>
     <p:sldId id="557" r:id="rId19"/>
     <p:sldId id="558" r:id="rId20"/>
-    <p:sldId id="549" r:id="rId21"/>
+    <p:sldId id="560" r:id="rId21"/>
+    <p:sldId id="561" r:id="rId22"/>
+    <p:sldId id="562" r:id="rId23"/>
+    <p:sldId id="563" r:id="rId24"/>
+    <p:sldId id="564" r:id="rId25"/>
+    <p:sldId id="549" r:id="rId26"/>
   </p:sldIdLst>
   <p:sldSz cx="9144000" cy="5715000" type="screen16x10"/>
   <p:notesSz cx="6858000" cy="9144000"/>
@@ -137,7 +142,7 @@
 <file path=ppt/revisionInfo.xml><?xml version="1.0" encoding="utf-8"?>
 <p1510:revInfo xmlns:a="http://schemas.openxmlformats.org/drawingml/2006/main" xmlns:r="http://schemas.openxmlformats.org/officeDocument/2006/relationships" xmlns:p1510="http://schemas.microsoft.com/office/powerpoint/2015/10/main">
   <p1510:revLst>
-    <p1510:client id="{09EBCD6D-3E32-1447-A1AF-87925F52689B}" v="468" dt="2021-05-17T14:35:00.472"/>
+    <p1510:client id="{09EBCD6D-3E32-1447-A1AF-87925F52689B}" v="498" dt="2021-05-19T13:29:09.104"/>
   </p1510:revLst>
 </p1510:revInfo>
 </file>
@@ -3307,7 +3312,7 @@
   <pc:docChgLst>
     <pc:chgData name="Long B Nguyen" userId="f59fb8f3-a021-417a-8bc1-65c8d471c621" providerId="ADAL" clId="{09EBCD6D-3E32-1447-A1AF-87925F52689B}"/>
     <pc:docChg chg="custSel addSld delSld modSld">
-      <pc:chgData name="Long B Nguyen" userId="f59fb8f3-a021-417a-8bc1-65c8d471c621" providerId="ADAL" clId="{09EBCD6D-3E32-1447-A1AF-87925F52689B}" dt="2021-05-17T14:35:00.472" v="2275"/>
+      <pc:chgData name="Long B Nguyen" userId="f59fb8f3-a021-417a-8bc1-65c8d471c621" providerId="ADAL" clId="{09EBCD6D-3E32-1447-A1AF-87925F52689B}" dt="2021-05-19T13:29:14.551" v="2702" actId="680"/>
       <pc:docMkLst>
         <pc:docMk/>
       </pc:docMkLst>
@@ -3426,7 +3431,7 @@
         </pc:picChg>
       </pc:sldChg>
       <pc:sldChg chg="modSp add mod">
-        <pc:chgData name="Long B Nguyen" userId="f59fb8f3-a021-417a-8bc1-65c8d471c621" providerId="ADAL" clId="{09EBCD6D-3E32-1447-A1AF-87925F52689B}" dt="2021-05-17T14:02:04.947" v="2076" actId="20577"/>
+        <pc:chgData name="Long B Nguyen" userId="f59fb8f3-a021-417a-8bc1-65c8d471c621" providerId="ADAL" clId="{09EBCD6D-3E32-1447-A1AF-87925F52689B}" dt="2021-05-18T17:55:30.701" v="2328" actId="20577"/>
         <pc:sldMkLst>
           <pc:docMk/>
           <pc:sldMk cId="805492927" sldId="544"/>
@@ -3440,7 +3445,7 @@
           </ac:spMkLst>
         </pc:spChg>
         <pc:spChg chg="mod">
-          <ac:chgData name="Long B Nguyen" userId="f59fb8f3-a021-417a-8bc1-65c8d471c621" providerId="ADAL" clId="{09EBCD6D-3E32-1447-A1AF-87925F52689B}" dt="2021-05-17T14:02:04.947" v="2076" actId="20577"/>
+          <ac:chgData name="Long B Nguyen" userId="f59fb8f3-a021-417a-8bc1-65c8d471c621" providerId="ADAL" clId="{09EBCD6D-3E32-1447-A1AF-87925F52689B}" dt="2021-05-18T17:55:30.701" v="2328" actId="20577"/>
           <ac:spMkLst>
             <pc:docMk/>
             <pc:sldMk cId="805492927" sldId="544"/>
@@ -3455,8 +3460,15 @@
           <pc:sldMk cId="3743420203" sldId="544"/>
         </pc:sldMkLst>
       </pc:sldChg>
-      <pc:sldChg chg="addSp modSp new mod">
-        <pc:chgData name="Long B Nguyen" userId="f59fb8f3-a021-417a-8bc1-65c8d471c621" providerId="ADAL" clId="{09EBCD6D-3E32-1447-A1AF-87925F52689B}" dt="2021-05-17T12:32:53.071" v="583" actId="1076"/>
+      <pc:sldChg chg="add">
+        <pc:chgData name="Long B Nguyen" userId="f59fb8f3-a021-417a-8bc1-65c8d471c621" providerId="ADAL" clId="{09EBCD6D-3E32-1447-A1AF-87925F52689B}" dt="2021-05-18T17:53:07.750" v="2277"/>
+        <pc:sldMkLst>
+          <pc:docMk/>
+          <pc:sldMk cId="593690865" sldId="545"/>
+        </pc:sldMkLst>
+      </pc:sldChg>
+      <pc:sldChg chg="addSp modSp new del mod">
+        <pc:chgData name="Long B Nguyen" userId="f59fb8f3-a021-417a-8bc1-65c8d471c621" providerId="ADAL" clId="{09EBCD6D-3E32-1447-A1AF-87925F52689B}" dt="2021-05-18T17:53:05.035" v="2276" actId="2696"/>
         <pc:sldMkLst>
           <pc:docMk/>
           <pc:sldMk cId="3021435203" sldId="545"/>
@@ -3823,6 +3835,45 @@
           <pc:sldMk cId="2659410340" sldId="560"/>
         </pc:sldMkLst>
       </pc:sldChg>
+      <pc:sldChg chg="addSp delSp modSp add mod modAnim">
+        <pc:chgData name="Long B Nguyen" userId="f59fb8f3-a021-417a-8bc1-65c8d471c621" providerId="ADAL" clId="{09EBCD6D-3E32-1447-A1AF-87925F52689B}" dt="2021-05-19T13:18:24.642" v="2406" actId="20577"/>
+        <pc:sldMkLst>
+          <pc:docMk/>
+          <pc:sldMk cId="2939906830" sldId="560"/>
+        </pc:sldMkLst>
+        <pc:spChg chg="mod">
+          <ac:chgData name="Long B Nguyen" userId="f59fb8f3-a021-417a-8bc1-65c8d471c621" providerId="ADAL" clId="{09EBCD6D-3E32-1447-A1AF-87925F52689B}" dt="2021-05-19T13:16:24.668" v="2397" actId="20577"/>
+          <ac:spMkLst>
+            <pc:docMk/>
+            <pc:sldMk cId="2939906830" sldId="560"/>
+            <ac:spMk id="2" creationId="{893AF10F-C12D-6B4A-84C5-206A244BF7C6}"/>
+          </ac:spMkLst>
+        </pc:spChg>
+        <pc:spChg chg="mod">
+          <ac:chgData name="Long B Nguyen" userId="f59fb8f3-a021-417a-8bc1-65c8d471c621" providerId="ADAL" clId="{09EBCD6D-3E32-1447-A1AF-87925F52689B}" dt="2021-05-19T13:18:24.642" v="2406" actId="20577"/>
+          <ac:spMkLst>
+            <pc:docMk/>
+            <pc:sldMk cId="2939906830" sldId="560"/>
+            <ac:spMk id="3" creationId="{8EE44610-8AB0-B84C-9003-2B8BA850F328}"/>
+          </ac:spMkLst>
+        </pc:spChg>
+        <pc:picChg chg="add del mod">
+          <ac:chgData name="Long B Nguyen" userId="f59fb8f3-a021-417a-8bc1-65c8d471c621" providerId="ADAL" clId="{09EBCD6D-3E32-1447-A1AF-87925F52689B}" dt="2021-05-19T13:16:32.127" v="2398" actId="478"/>
+          <ac:picMkLst>
+            <pc:docMk/>
+            <pc:sldMk cId="2939906830" sldId="560"/>
+            <ac:picMk id="5" creationId="{615A3C70-A212-3244-91FB-F6D8F29D15D1}"/>
+          </ac:picMkLst>
+        </pc:picChg>
+        <pc:picChg chg="del">
+          <ac:chgData name="Long B Nguyen" userId="f59fb8f3-a021-417a-8bc1-65c8d471c621" providerId="ADAL" clId="{09EBCD6D-3E32-1447-A1AF-87925F52689B}" dt="2021-05-18T18:00:18.572" v="2330" actId="478"/>
+          <ac:picMkLst>
+            <pc:docMk/>
+            <pc:sldMk cId="2939906830" sldId="560"/>
+            <ac:picMk id="7" creationId="{7A5C2D1D-0A80-0949-8104-F3D9F197AED3}"/>
+          </ac:picMkLst>
+        </pc:picChg>
+      </pc:sldChg>
       <pc:sldChg chg="modSp new del mod">
         <pc:chgData name="Long B Nguyen" userId="f59fb8f3-a021-417a-8bc1-65c8d471c621" providerId="ADAL" clId="{09EBCD6D-3E32-1447-A1AF-87925F52689B}" dt="2021-05-17T13:14:54.313" v="2073" actId="2696"/>
         <pc:sldMkLst>
@@ -3851,6 +3902,171 @@
         <pc:sldMkLst>
           <pc:docMk/>
           <pc:sldMk cId="1610208212" sldId="561"/>
+        </pc:sldMkLst>
+      </pc:sldChg>
+      <pc:sldChg chg="addSp modSp add mod">
+        <pc:chgData name="Long B Nguyen" userId="f59fb8f3-a021-417a-8bc1-65c8d471c621" providerId="ADAL" clId="{09EBCD6D-3E32-1447-A1AF-87925F52689B}" dt="2021-05-19T13:22:26.178" v="2622" actId="20577"/>
+        <pc:sldMkLst>
+          <pc:docMk/>
+          <pc:sldMk cId="2594530262" sldId="561"/>
+        </pc:sldMkLst>
+        <pc:spChg chg="mod">
+          <ac:chgData name="Long B Nguyen" userId="f59fb8f3-a021-417a-8bc1-65c8d471c621" providerId="ADAL" clId="{09EBCD6D-3E32-1447-A1AF-87925F52689B}" dt="2021-05-19T13:20:14.001" v="2420" actId="1076"/>
+          <ac:spMkLst>
+            <pc:docMk/>
+            <pc:sldMk cId="2594530262" sldId="561"/>
+            <ac:spMk id="2" creationId="{893AF10F-C12D-6B4A-84C5-206A244BF7C6}"/>
+          </ac:spMkLst>
+        </pc:spChg>
+        <pc:spChg chg="mod">
+          <ac:chgData name="Long B Nguyen" userId="f59fb8f3-a021-417a-8bc1-65c8d471c621" providerId="ADAL" clId="{09EBCD6D-3E32-1447-A1AF-87925F52689B}" dt="2021-05-19T13:22:26.178" v="2622" actId="20577"/>
+          <ac:spMkLst>
+            <pc:docMk/>
+            <pc:sldMk cId="2594530262" sldId="561"/>
+            <ac:spMk id="3" creationId="{8EE44610-8AB0-B84C-9003-2B8BA850F328}"/>
+          </ac:spMkLst>
+        </pc:spChg>
+        <pc:picChg chg="add mod">
+          <ac:chgData name="Long B Nguyen" userId="f59fb8f3-a021-417a-8bc1-65c8d471c621" providerId="ADAL" clId="{09EBCD6D-3E32-1447-A1AF-87925F52689B}" dt="2021-05-19T13:20:19.332" v="2422" actId="14100"/>
+          <ac:picMkLst>
+            <pc:docMk/>
+            <pc:sldMk cId="2594530262" sldId="561"/>
+            <ac:picMk id="5" creationId="{1625F087-9D2E-6944-ACD8-7A1956E47B0A}"/>
+          </ac:picMkLst>
+        </pc:picChg>
+        <pc:picChg chg="add mod">
+          <ac:chgData name="Long B Nguyen" userId="f59fb8f3-a021-417a-8bc1-65c8d471c621" providerId="ADAL" clId="{09EBCD6D-3E32-1447-A1AF-87925F52689B}" dt="2021-05-19T13:20:22.067" v="2424" actId="14100"/>
+          <ac:picMkLst>
+            <pc:docMk/>
+            <pc:sldMk cId="2594530262" sldId="561"/>
+            <ac:picMk id="6" creationId="{0EC6DA0F-572D-CF4A-A629-F5E4855C3710}"/>
+          </ac:picMkLst>
+        </pc:picChg>
+      </pc:sldChg>
+      <pc:sldChg chg="delSp modSp add del mod modAnim">
+        <pc:chgData name="Long B Nguyen" userId="f59fb8f3-a021-417a-8bc1-65c8d471c621" providerId="ADAL" clId="{09EBCD6D-3E32-1447-A1AF-87925F52689B}" dt="2021-05-19T13:16:39.784" v="2399" actId="2696"/>
+        <pc:sldMkLst>
+          <pc:docMk/>
+          <pc:sldMk cId="3239617378" sldId="561"/>
+        </pc:sldMkLst>
+        <pc:spChg chg="mod">
+          <ac:chgData name="Long B Nguyen" userId="f59fb8f3-a021-417a-8bc1-65c8d471c621" providerId="ADAL" clId="{09EBCD6D-3E32-1447-A1AF-87925F52689B}" dt="2021-05-18T18:01:24.894" v="2352" actId="20577"/>
+          <ac:spMkLst>
+            <pc:docMk/>
+            <pc:sldMk cId="3239617378" sldId="561"/>
+            <ac:spMk id="2" creationId="{893AF10F-C12D-6B4A-84C5-206A244BF7C6}"/>
+          </ac:spMkLst>
+        </pc:spChg>
+        <pc:spChg chg="mod">
+          <ac:chgData name="Long B Nguyen" userId="f59fb8f3-a021-417a-8bc1-65c8d471c621" providerId="ADAL" clId="{09EBCD6D-3E32-1447-A1AF-87925F52689B}" dt="2021-05-18T18:01:27.749" v="2354" actId="20577"/>
+          <ac:spMkLst>
+            <pc:docMk/>
+            <pc:sldMk cId="3239617378" sldId="561"/>
+            <ac:spMk id="3" creationId="{8EE44610-8AB0-B84C-9003-2B8BA850F328}"/>
+          </ac:spMkLst>
+        </pc:spChg>
+        <pc:picChg chg="del">
+          <ac:chgData name="Long B Nguyen" userId="f59fb8f3-a021-417a-8bc1-65c8d471c621" providerId="ADAL" clId="{09EBCD6D-3E32-1447-A1AF-87925F52689B}" dt="2021-05-18T18:01:26.218" v="2353" actId="478"/>
+          <ac:picMkLst>
+            <pc:docMk/>
+            <pc:sldMk cId="3239617378" sldId="561"/>
+            <ac:picMk id="7" creationId="{7A5C2D1D-0A80-0949-8104-F3D9F197AED3}"/>
+          </ac:picMkLst>
+        </pc:picChg>
+      </pc:sldChg>
+      <pc:sldChg chg="delSp modSp add mod">
+        <pc:chgData name="Long B Nguyen" userId="f59fb8f3-a021-417a-8bc1-65c8d471c621" providerId="ADAL" clId="{09EBCD6D-3E32-1447-A1AF-87925F52689B}" dt="2021-05-19T13:27:07.319" v="2678" actId="20577"/>
+        <pc:sldMkLst>
+          <pc:docMk/>
+          <pc:sldMk cId="1250322943" sldId="562"/>
+        </pc:sldMkLst>
+        <pc:spChg chg="mod">
+          <ac:chgData name="Long B Nguyen" userId="f59fb8f3-a021-417a-8bc1-65c8d471c621" providerId="ADAL" clId="{09EBCD6D-3E32-1447-A1AF-87925F52689B}" dt="2021-05-19T13:27:07.319" v="2678" actId="20577"/>
+          <ac:spMkLst>
+            <pc:docMk/>
+            <pc:sldMk cId="1250322943" sldId="562"/>
+            <ac:spMk id="3" creationId="{8EE44610-8AB0-B84C-9003-2B8BA850F328}"/>
+          </ac:spMkLst>
+        </pc:spChg>
+        <pc:picChg chg="del">
+          <ac:chgData name="Long B Nguyen" userId="f59fb8f3-a021-417a-8bc1-65c8d471c621" providerId="ADAL" clId="{09EBCD6D-3E32-1447-A1AF-87925F52689B}" dt="2021-05-19T13:22:36.539" v="2627" actId="478"/>
+          <ac:picMkLst>
+            <pc:docMk/>
+            <pc:sldMk cId="1250322943" sldId="562"/>
+            <ac:picMk id="5" creationId="{1625F087-9D2E-6944-ACD8-7A1956E47B0A}"/>
+          </ac:picMkLst>
+        </pc:picChg>
+        <pc:picChg chg="del">
+          <ac:chgData name="Long B Nguyen" userId="f59fb8f3-a021-417a-8bc1-65c8d471c621" providerId="ADAL" clId="{09EBCD6D-3E32-1447-A1AF-87925F52689B}" dt="2021-05-19T13:22:34.813" v="2626" actId="478"/>
+          <ac:picMkLst>
+            <pc:docMk/>
+            <pc:sldMk cId="1250322943" sldId="562"/>
+            <ac:picMk id="6" creationId="{0EC6DA0F-572D-CF4A-A629-F5E4855C3710}"/>
+          </ac:picMkLst>
+        </pc:picChg>
+      </pc:sldChg>
+      <pc:sldChg chg="add del">
+        <pc:chgData name="Long B Nguyen" userId="f59fb8f3-a021-417a-8bc1-65c8d471c621" providerId="ADAL" clId="{09EBCD6D-3E32-1447-A1AF-87925F52689B}" dt="2021-05-19T13:16:39.784" v="2399" actId="2696"/>
+        <pc:sldMkLst>
+          <pc:docMk/>
+          <pc:sldMk cId="3726617262" sldId="562"/>
+        </pc:sldMkLst>
+      </pc:sldChg>
+      <pc:sldChg chg="add del">
+        <pc:chgData name="Long B Nguyen" userId="f59fb8f3-a021-417a-8bc1-65c8d471c621" providerId="ADAL" clId="{09EBCD6D-3E32-1447-A1AF-87925F52689B}" dt="2021-05-19T13:16:39.784" v="2399" actId="2696"/>
+        <pc:sldMkLst>
+          <pc:docMk/>
+          <pc:sldMk cId="621797290" sldId="563"/>
+        </pc:sldMkLst>
+      </pc:sldChg>
+      <pc:sldChg chg="modSp add mod">
+        <pc:chgData name="Long B Nguyen" userId="f59fb8f3-a021-417a-8bc1-65c8d471c621" providerId="ADAL" clId="{09EBCD6D-3E32-1447-A1AF-87925F52689B}" dt="2021-05-19T13:29:11.088" v="2701" actId="20577"/>
+        <pc:sldMkLst>
+          <pc:docMk/>
+          <pc:sldMk cId="2551255002" sldId="563"/>
+        </pc:sldMkLst>
+        <pc:spChg chg="mod">
+          <ac:chgData name="Long B Nguyen" userId="f59fb8f3-a021-417a-8bc1-65c8d471c621" providerId="ADAL" clId="{09EBCD6D-3E32-1447-A1AF-87925F52689B}" dt="2021-05-19T13:29:11.088" v="2701" actId="20577"/>
+          <ac:spMkLst>
+            <pc:docMk/>
+            <pc:sldMk cId="2551255002" sldId="563"/>
+            <ac:spMk id="3" creationId="{8EE44610-8AB0-B84C-9003-2B8BA850F328}"/>
+          </ac:spMkLst>
+        </pc:spChg>
+      </pc:sldChg>
+      <pc:sldChg chg="add del">
+        <pc:chgData name="Long B Nguyen" userId="f59fb8f3-a021-417a-8bc1-65c8d471c621" providerId="ADAL" clId="{09EBCD6D-3E32-1447-A1AF-87925F52689B}" dt="2021-05-19T13:23:25.468" v="2655"/>
+        <pc:sldMkLst>
+          <pc:docMk/>
+          <pc:sldMk cId="2616877189" sldId="563"/>
+        </pc:sldMkLst>
+      </pc:sldChg>
+      <pc:sldChg chg="add del">
+        <pc:chgData name="Long B Nguyen" userId="f59fb8f3-a021-417a-8bc1-65c8d471c621" providerId="ADAL" clId="{09EBCD6D-3E32-1447-A1AF-87925F52689B}" dt="2021-05-19T13:16:39.784" v="2399" actId="2696"/>
+        <pc:sldMkLst>
+          <pc:docMk/>
+          <pc:sldMk cId="1056713440" sldId="564"/>
+        </pc:sldMkLst>
+      </pc:sldChg>
+      <pc:sldChg chg="new">
+        <pc:chgData name="Long B Nguyen" userId="f59fb8f3-a021-417a-8bc1-65c8d471c621" providerId="ADAL" clId="{09EBCD6D-3E32-1447-A1AF-87925F52689B}" dt="2021-05-19T13:29:14.551" v="2702" actId="680"/>
+        <pc:sldMkLst>
+          <pc:docMk/>
+          <pc:sldMk cId="2129320295" sldId="564"/>
+        </pc:sldMkLst>
+      </pc:sldChg>
+      <pc:sldChg chg="add del">
+        <pc:chgData name="Long B Nguyen" userId="f59fb8f3-a021-417a-8bc1-65c8d471c621" providerId="ADAL" clId="{09EBCD6D-3E32-1447-A1AF-87925F52689B}" dt="2021-05-19T13:16:39.784" v="2399" actId="2696"/>
+        <pc:sldMkLst>
+          <pc:docMk/>
+          <pc:sldMk cId="2208502013" sldId="565"/>
+        </pc:sldMkLst>
+      </pc:sldChg>
+      <pc:sldChg chg="add del">
+        <pc:chgData name="Long B Nguyen" userId="f59fb8f3-a021-417a-8bc1-65c8d471c621" providerId="ADAL" clId="{09EBCD6D-3E32-1447-A1AF-87925F52689B}" dt="2021-05-19T13:16:39.784" v="2399" actId="2696"/>
+        <pc:sldMkLst>
+          <pc:docMk/>
+          <pc:sldMk cId="2592351575" sldId="566"/>
         </pc:sldMkLst>
       </pc:sldChg>
       <pc:sldChg chg="del">
@@ -7666,7 +7882,7 @@
           <a:p>
             <a:fld id="{6EDD99D2-A624-5E4F-A4E3-584054837B5A}" type="datetimeFigureOut">
               <a:rPr lang="en-US" smtClean="0"/>
-              <a:t>5/17/21</a:t>
+              <a:t>5/19/21</a:t>
             </a:fld>
             <a:endParaRPr lang="en-US"/>
           </a:p>
@@ -8064,7 +8280,7 @@
           <a:p>
             <a:fld id="{C96F47CA-F895-6945-BE27-26692229FACF}" type="datetime1">
               <a:rPr lang="en-US" smtClean="0"/>
-              <a:t>5/17/21</a:t>
+              <a:t>5/19/21</a:t>
             </a:fld>
             <a:endParaRPr lang="en-US" dirty="0"/>
           </a:p>
@@ -8234,7 +8450,7 @@
           <a:p>
             <a:fld id="{AF706D67-2012-D043-9F80-5C2BDD609BD3}" type="datetime1">
               <a:rPr lang="en-US" smtClean="0"/>
-              <a:t>5/17/21</a:t>
+              <a:t>5/19/21</a:t>
             </a:fld>
             <a:endParaRPr lang="en-US" dirty="0"/>
           </a:p>
@@ -8414,7 +8630,7 @@
           <a:p>
             <a:fld id="{5B79ACE4-03B6-794A-A48C-13F9598CCD28}" type="datetime1">
               <a:rPr lang="en-US" smtClean="0"/>
-              <a:t>5/17/21</a:t>
+              <a:t>5/19/21</a:t>
             </a:fld>
             <a:endParaRPr lang="en-US" dirty="0"/>
           </a:p>
@@ -8584,7 +8800,7 @@
           <a:p>
             <a:fld id="{6DA7C96B-D6FF-5D47-8EF3-542FD5A88E7C}" type="datetime1">
               <a:rPr lang="en-US" smtClean="0"/>
-              <a:t>5/17/21</a:t>
+              <a:t>5/19/21</a:t>
             </a:fld>
             <a:endParaRPr lang="en-US" dirty="0"/>
           </a:p>
@@ -8830,7 +9046,7 @@
           <a:p>
             <a:fld id="{5A6358E7-4856-3046-9420-8ADBF7A86D8C}" type="datetime1">
               <a:rPr lang="en-US" smtClean="0"/>
-              <a:t>5/17/21</a:t>
+              <a:t>5/19/21</a:t>
             </a:fld>
             <a:endParaRPr lang="en-US" dirty="0"/>
           </a:p>
@@ -9062,7 +9278,7 @@
           <a:p>
             <a:fld id="{6779F35A-9F43-7048-AA95-2DCA7E8C0780}" type="datetime1">
               <a:rPr lang="en-US" smtClean="0"/>
-              <a:t>5/17/21</a:t>
+              <a:t>5/19/21</a:t>
             </a:fld>
             <a:endParaRPr lang="en-US" dirty="0"/>
           </a:p>
@@ -9429,7 +9645,7 @@
           <a:p>
             <a:fld id="{B7CB2D7C-E370-DC40-8D10-DF8CB1A188CA}" type="datetime1">
               <a:rPr lang="en-US" smtClean="0"/>
-              <a:t>5/17/21</a:t>
+              <a:t>5/19/21</a:t>
             </a:fld>
             <a:endParaRPr lang="en-US" dirty="0"/>
           </a:p>
@@ -9547,7 +9763,7 @@
           <a:p>
             <a:fld id="{68AA69A2-3CD0-BE49-AF6E-9E037A40F43F}" type="datetime1">
               <a:rPr lang="en-US" smtClean="0"/>
-              <a:t>5/17/21</a:t>
+              <a:t>5/19/21</a:t>
             </a:fld>
             <a:endParaRPr lang="en-US" dirty="0"/>
           </a:p>
@@ -9642,7 +9858,7 @@
           <a:p>
             <a:fld id="{1EB50D9D-ACA9-3C4A-A3FC-7A265C0CEBD3}" type="datetime1">
               <a:rPr lang="en-US" smtClean="0"/>
-              <a:t>5/17/21</a:t>
+              <a:t>5/19/21</a:t>
             </a:fld>
             <a:endParaRPr lang="en-US" dirty="0"/>
           </a:p>
@@ -9919,7 +10135,7 @@
           <a:p>
             <a:fld id="{A08B2DD4-8739-D748-B308-CD7D801B0131}" type="datetime1">
               <a:rPr lang="en-US" smtClean="0"/>
-              <a:t>5/17/21</a:t>
+              <a:t>5/19/21</a:t>
             </a:fld>
             <a:endParaRPr lang="en-US" dirty="0"/>
           </a:p>
@@ -10176,7 +10392,7 @@
           <a:p>
             <a:fld id="{98622575-E24A-D548-838B-E385F9D0E59A}" type="datetime1">
               <a:rPr lang="en-US" smtClean="0"/>
-              <a:t>5/17/21</a:t>
+              <a:t>5/19/21</a:t>
             </a:fld>
             <a:endParaRPr lang="en-US" dirty="0"/>
           </a:p>
@@ -10389,7 +10605,7 @@
           <a:p>
             <a:fld id="{272BAF4E-9F7C-284D-B40D-0B83E546F887}" type="datetime1">
               <a:rPr lang="en-US" smtClean="0"/>
-              <a:t>5/17/21</a:t>
+              <a:t>5/19/21</a:t>
             </a:fld>
             <a:endParaRPr lang="en-US" dirty="0"/>
           </a:p>
@@ -15219,7 +15435,7 @@
           <a:p>
             <a:r>
               <a:rPr lang="en-US" dirty="0"/>
-              <a:t>References</a:t>
+              <a:t>Big Idea 3: Programming and Algorithms</a:t>
             </a:r>
           </a:p>
         </p:txBody>
@@ -15253,7 +15469,18 @@
             <a:pPr marL="0" indent="0">
               <a:buNone/>
             </a:pPr>
-            <a:endParaRPr lang="en-US" dirty="0"/>
+            <a:r>
+              <a:rPr lang="en-US" dirty="0"/>
+              <a:t>﻿In computer science, an </a:t>
+            </a:r>
+            <a:r>
+              <a:rPr lang="en-US" b="1" dirty="0"/>
+              <a:t>abstraction</a:t>
+            </a:r>
+            <a:r>
+              <a:rPr lang="en-US" dirty="0"/>
+              <a:t> is a way to represent essential features without including the background details or explanations. Abstractions reduce complexity and allow for efficient design and implementation of complex software systems. </a:t>
+            </a:r>
           </a:p>
           <a:p>
             <a:pPr marL="0" indent="0">
@@ -15265,6 +15492,15 @@
             <a:pPr marL="0" indent="0">
               <a:buNone/>
             </a:pPr>
+            <a:r>
+              <a:rPr lang="en-US" dirty="0"/>
+              <a:t>Abstractions become a necessity as systems become more complex. For example, anytime you check your stories on Instagram, you are using a bunch of processes in the background that you have no control over. </a:t>
+            </a:r>
+          </a:p>
+          <a:p>
+            <a:pPr marL="0" indent="0">
+              <a:buNone/>
+            </a:pPr>
             <a:endParaRPr lang="en-US" dirty="0"/>
           </a:p>
           <a:p>
@@ -15272,21 +15508,63 @@
               <a:buNone/>
             </a:pPr>
             <a:r>
-              <a:rPr lang="en-US" dirty="0" err="1"/>
-              <a:t>Reichelson</a:t>
-            </a:r>
-            <a:r>
               <a:rPr lang="en-US" dirty="0"/>
-              <a:t>, Seth. AP Computer Science Principles Premium with 6 Practice Tests (Barron's Test Prep) (p. 92). </a:t>
-            </a:r>
-            <a:r>
-              <a:rPr lang="en-US" dirty="0" err="1"/>
-              <a:t>Barrons</a:t>
-            </a:r>
-            <a:r>
-              <a:rPr lang="en-US" dirty="0"/>
-              <a:t> Educational Series. </a:t>
-            </a:r>
+              <a:t>Without these abstractions, it would be difficult to send a message to a friend. With the use of abstractions, you can focus on content, not the technical details of how the application works.</a:t>
+            </a:r>
+          </a:p>
+          <a:p>
+            <a:pPr marL="0" indent="0">
+              <a:buNone/>
+            </a:pPr>
+            <a:endParaRPr lang="en-US" dirty="0"/>
+          </a:p>
+          <a:p>
+            <a:pPr marL="0" indent="0">
+              <a:buNone/>
+            </a:pPr>
+            <a:endParaRPr lang="en-US" dirty="0"/>
+          </a:p>
+          <a:p>
+            <a:pPr marL="0" indent="0">
+              <a:buNone/>
+            </a:pPr>
+            <a:endParaRPr lang="en-US" dirty="0"/>
+          </a:p>
+          <a:p>
+            <a:pPr marL="0" indent="0">
+              <a:buNone/>
+            </a:pPr>
+            <a:endParaRPr lang="en-US" dirty="0"/>
+          </a:p>
+          <a:p>
+            <a:pPr marL="0" indent="0">
+              <a:buNone/>
+            </a:pPr>
+            <a:endParaRPr lang="en-US" dirty="0"/>
+          </a:p>
+          <a:p>
+            <a:pPr marL="0" indent="0">
+              <a:buNone/>
+            </a:pPr>
+            <a:endParaRPr lang="en-US" dirty="0"/>
+          </a:p>
+          <a:p>
+            <a:pPr marL="0" indent="0">
+              <a:buNone/>
+            </a:pPr>
+            <a:endParaRPr lang="en-US" dirty="0"/>
+          </a:p>
+          <a:p>
+            <a:pPr marL="0" indent="0">
+              <a:buNone/>
+            </a:pPr>
+            <a:endParaRPr lang="en-US" dirty="0"/>
+          </a:p>
+          <a:p>
+            <a:pPr marL="0" indent="0">
+              <a:buNone/>
+            </a:pPr>
+            <a:endParaRPr lang="en-US" dirty="0"/>
           </a:p>
         </p:txBody>
       </p:sp>
@@ -15314,6 +15592,940 @@
             <a:fld id="{D57F1E4F-1CFF-5643-939E-02111984F565}" type="slidenum">
               <a:rPr lang="en-US" smtClean="0"/>
               <a:t>20</a:t>
+            </a:fld>
+            <a:endParaRPr lang="en-US" dirty="0"/>
+          </a:p>
+        </p:txBody>
+      </p:sp>
+    </p:spTree>
+    <p:extLst>
+      <p:ext uri="{BB962C8B-B14F-4D97-AF65-F5344CB8AC3E}">
+        <p14:creationId xmlns:p14="http://schemas.microsoft.com/office/powerpoint/2010/main" val="2939906830"/>
+      </p:ext>
+    </p:extLst>
+  </p:cSld>
+  <p:clrMapOvr>
+    <a:masterClrMapping/>
+  </p:clrMapOvr>
+</p:sld>
+</file>
+
+<file path=ppt/slides/slide21.xml><?xml version="1.0" encoding="utf-8"?>
+<p:sld xmlns:a="http://schemas.openxmlformats.org/drawingml/2006/main" xmlns:r="http://schemas.openxmlformats.org/officeDocument/2006/relationships" xmlns:p="http://schemas.openxmlformats.org/presentationml/2006/main">
+  <p:cSld>
+    <p:spTree>
+      <p:nvGrpSpPr>
+        <p:cNvPr id="1" name=""/>
+        <p:cNvGrpSpPr/>
+        <p:nvPr/>
+      </p:nvGrpSpPr>
+      <p:grpSpPr>
+        <a:xfrm>
+          <a:off x="0" y="0"/>
+          <a:ext cx="0" cy="0"/>
+          <a:chOff x="0" y="0"/>
+          <a:chExt cx="0" cy="0"/>
+        </a:xfrm>
+      </p:grpSpPr>
+      <p:sp>
+        <p:nvSpPr>
+          <p:cNvPr id="2" name="Title 1">
+            <a:extLst>
+              <a:ext uri="{FF2B5EF4-FFF2-40B4-BE49-F238E27FC236}">
+                <a16:creationId xmlns:a16="http://schemas.microsoft.com/office/drawing/2014/main" id="{893AF10F-C12D-6B4A-84C5-206A244BF7C6}"/>
+              </a:ext>
+            </a:extLst>
+          </p:cNvPr>
+          <p:cNvSpPr>
+            <a:spLocks noGrp="1"/>
+          </p:cNvSpPr>
+          <p:nvPr>
+            <p:ph type="title"/>
+          </p:nvPr>
+        </p:nvSpPr>
+        <p:spPr>
+          <a:xfrm>
+            <a:off x="0" y="13562"/>
+            <a:ext cx="7886700" cy="841376"/>
+          </a:xfrm>
+        </p:spPr>
+        <p:txBody>
+          <a:bodyPr/>
+          <a:lstStyle/>
+          <a:p>
+            <a:r>
+              <a:rPr lang="en-US" dirty="0"/>
+              <a:t>Big Idea 3: Programming and Algorithms</a:t>
+            </a:r>
+          </a:p>
+        </p:txBody>
+      </p:sp>
+      <p:sp>
+        <p:nvSpPr>
+          <p:cNvPr id="3" name="Content Placeholder 2">
+            <a:extLst>
+              <a:ext uri="{FF2B5EF4-FFF2-40B4-BE49-F238E27FC236}">
+                <a16:creationId xmlns:a16="http://schemas.microsoft.com/office/drawing/2014/main" id="{8EE44610-8AB0-B84C-9003-2B8BA850F328}"/>
+              </a:ext>
+            </a:extLst>
+          </p:cNvPr>
+          <p:cNvSpPr>
+            <a:spLocks noGrp="1"/>
+          </p:cNvSpPr>
+          <p:nvPr>
+            <p:ph idx="1"/>
+          </p:nvPr>
+        </p:nvSpPr>
+        <p:spPr>
+          <a:xfrm>
+            <a:off x="162839" y="713984"/>
+            <a:ext cx="8735356" cy="4887246"/>
+          </a:xfrm>
+        </p:spPr>
+        <p:txBody>
+          <a:bodyPr/>
+          <a:lstStyle/>
+          <a:p>
+            <a:pPr marL="0" indent="0">
+              <a:buNone/>
+            </a:pPr>
+            <a:r>
+              <a:rPr lang="en-US" dirty="0"/>
+              <a:t>﻿Programmers also use abstractions. The purpose of abstraction is to hide coding details so the programmer can focus on the current problem. </a:t>
+            </a:r>
+          </a:p>
+          <a:p>
+            <a:pPr marL="0" indent="0">
+              <a:buNone/>
+            </a:pPr>
+            <a:endParaRPr lang="en-US" dirty="0"/>
+          </a:p>
+          <a:p>
+            <a:pPr marL="0" indent="0">
+              <a:buNone/>
+            </a:pPr>
+            <a:r>
+              <a:rPr lang="en-US" dirty="0"/>
+              <a:t>Computers can understand only binary machine code. Machine code is a strictly numerical language that runs fast but is hard to use.</a:t>
+            </a:r>
+          </a:p>
+          <a:p>
+            <a:pPr marL="0" indent="0">
+              <a:buNone/>
+            </a:pPr>
+            <a:endParaRPr lang="en-US" dirty="0"/>
+          </a:p>
+          <a:p>
+            <a:pPr marL="0" indent="0">
+              <a:buNone/>
+            </a:pPr>
+            <a:r>
+              <a:rPr lang="en-US" dirty="0"/>
+              <a:t>The code on the right is written in machine</a:t>
+            </a:r>
+          </a:p>
+          <a:p>
+            <a:pPr marL="0" indent="0">
+              <a:buNone/>
+            </a:pPr>
+            <a:r>
+              <a:rPr lang="en-US" dirty="0"/>
+              <a:t>code to outputs "Hello World" to the</a:t>
+            </a:r>
+          </a:p>
+          <a:p>
+            <a:pPr marL="0" indent="0">
+              <a:buNone/>
+            </a:pPr>
+            <a:r>
+              <a:rPr lang="en-US" dirty="0"/>
+              <a:t>screen.</a:t>
+            </a:r>
+          </a:p>
+          <a:p>
+            <a:pPr marL="0" indent="0">
+              <a:buNone/>
+            </a:pPr>
+            <a:endParaRPr lang="en-US" dirty="0"/>
+          </a:p>
+          <a:p>
+            <a:pPr marL="0" indent="0">
+              <a:buNone/>
+            </a:pPr>
+            <a:r>
+              <a:rPr lang="en-US" dirty="0"/>
+              <a:t>In Python it can be done using the print()</a:t>
+            </a:r>
+          </a:p>
+          <a:p>
+            <a:pPr marL="0" indent="0">
+              <a:buNone/>
+            </a:pPr>
+            <a:r>
+              <a:rPr lang="en-US" dirty="0"/>
+              <a:t>abstraction:</a:t>
+            </a:r>
+          </a:p>
+          <a:p>
+            <a:pPr marL="0" indent="0">
+              <a:buNone/>
+            </a:pPr>
+            <a:r>
+              <a:rPr lang="en-US" b="1" dirty="0"/>
+              <a:t>print("Hello World")</a:t>
+            </a:r>
+          </a:p>
+        </p:txBody>
+      </p:sp>
+      <p:sp>
+        <p:nvSpPr>
+          <p:cNvPr id="4" name="Slide Number Placeholder 3">
+            <a:extLst>
+              <a:ext uri="{FF2B5EF4-FFF2-40B4-BE49-F238E27FC236}">
+                <a16:creationId xmlns:a16="http://schemas.microsoft.com/office/drawing/2014/main" id="{75C7B0F0-6928-7047-81B0-E8C50BC3208B}"/>
+              </a:ext>
+            </a:extLst>
+          </p:cNvPr>
+          <p:cNvSpPr>
+            <a:spLocks noGrp="1"/>
+          </p:cNvSpPr>
+          <p:nvPr>
+            <p:ph type="sldNum" sz="quarter" idx="12"/>
+          </p:nvPr>
+        </p:nvSpPr>
+        <p:spPr/>
+        <p:txBody>
+          <a:bodyPr/>
+          <a:lstStyle/>
+          <a:p>
+            <a:fld id="{D57F1E4F-1CFF-5643-939E-02111984F565}" type="slidenum">
+              <a:rPr lang="en-US" smtClean="0"/>
+              <a:t>21</a:t>
+            </a:fld>
+            <a:endParaRPr lang="en-US" dirty="0"/>
+          </a:p>
+        </p:txBody>
+      </p:sp>
+      <p:pic>
+        <p:nvPicPr>
+          <p:cNvPr id="5" name="Picture 4">
+            <a:extLst>
+              <a:ext uri="{FF2B5EF4-FFF2-40B4-BE49-F238E27FC236}">
+                <a16:creationId xmlns:a16="http://schemas.microsoft.com/office/drawing/2014/main" id="{1625F087-9D2E-6944-ACD8-7A1956E47B0A}"/>
+              </a:ext>
+            </a:extLst>
+          </p:cNvPr>
+          <p:cNvPicPr>
+            <a:picLocks noChangeAspect="1"/>
+          </p:cNvPicPr>
+          <p:nvPr/>
+        </p:nvPicPr>
+        <p:blipFill>
+          <a:blip r:embed="rId2"/>
+          <a:stretch>
+            <a:fillRect/>
+          </a:stretch>
+        </p:blipFill>
+        <p:spPr>
+          <a:xfrm>
+            <a:off x="4926295" y="2376415"/>
+            <a:ext cx="3971900" cy="3338585"/>
+          </a:xfrm>
+          <a:prstGeom prst="rect">
+            <a:avLst/>
+          </a:prstGeom>
+        </p:spPr>
+      </p:pic>
+      <p:pic>
+        <p:nvPicPr>
+          <p:cNvPr id="6" name="Picture 5">
+            <a:extLst>
+              <a:ext uri="{FF2B5EF4-FFF2-40B4-BE49-F238E27FC236}">
+                <a16:creationId xmlns:a16="http://schemas.microsoft.com/office/drawing/2014/main" id="{0EC6DA0F-572D-CF4A-A629-F5E4855C3710}"/>
+              </a:ext>
+            </a:extLst>
+          </p:cNvPr>
+          <p:cNvPicPr>
+            <a:picLocks noChangeAspect="1"/>
+          </p:cNvPicPr>
+          <p:nvPr/>
+        </p:nvPicPr>
+        <p:blipFill>
+          <a:blip r:embed="rId2"/>
+          <a:stretch>
+            <a:fillRect/>
+          </a:stretch>
+        </p:blipFill>
+        <p:spPr>
+          <a:xfrm>
+            <a:off x="5009261" y="2446152"/>
+            <a:ext cx="3888934" cy="3268848"/>
+          </a:xfrm>
+          <a:prstGeom prst="rect">
+            <a:avLst/>
+          </a:prstGeom>
+        </p:spPr>
+      </p:pic>
+    </p:spTree>
+    <p:extLst>
+      <p:ext uri="{BB962C8B-B14F-4D97-AF65-F5344CB8AC3E}">
+        <p14:creationId xmlns:p14="http://schemas.microsoft.com/office/powerpoint/2010/main" val="2594530262"/>
+      </p:ext>
+    </p:extLst>
+  </p:cSld>
+  <p:clrMapOvr>
+    <a:masterClrMapping/>
+  </p:clrMapOvr>
+</p:sld>
+</file>
+
+<file path=ppt/slides/slide22.xml><?xml version="1.0" encoding="utf-8"?>
+<p:sld xmlns:a="http://schemas.openxmlformats.org/drawingml/2006/main" xmlns:r="http://schemas.openxmlformats.org/officeDocument/2006/relationships" xmlns:p="http://schemas.openxmlformats.org/presentationml/2006/main">
+  <p:cSld>
+    <p:spTree>
+      <p:nvGrpSpPr>
+        <p:cNvPr id="1" name=""/>
+        <p:cNvGrpSpPr/>
+        <p:nvPr/>
+      </p:nvGrpSpPr>
+      <p:grpSpPr>
+        <a:xfrm>
+          <a:off x="0" y="0"/>
+          <a:ext cx="0" cy="0"/>
+          <a:chOff x="0" y="0"/>
+          <a:chExt cx="0" cy="0"/>
+        </a:xfrm>
+      </p:grpSpPr>
+      <p:sp>
+        <p:nvSpPr>
+          <p:cNvPr id="2" name="Title 1">
+            <a:extLst>
+              <a:ext uri="{FF2B5EF4-FFF2-40B4-BE49-F238E27FC236}">
+                <a16:creationId xmlns:a16="http://schemas.microsoft.com/office/drawing/2014/main" id="{893AF10F-C12D-6B4A-84C5-206A244BF7C6}"/>
+              </a:ext>
+            </a:extLst>
+          </p:cNvPr>
+          <p:cNvSpPr>
+            <a:spLocks noGrp="1"/>
+          </p:cNvSpPr>
+          <p:nvPr>
+            <p:ph type="title"/>
+          </p:nvPr>
+        </p:nvSpPr>
+        <p:spPr>
+          <a:xfrm>
+            <a:off x="0" y="13562"/>
+            <a:ext cx="7886700" cy="841376"/>
+          </a:xfrm>
+        </p:spPr>
+        <p:txBody>
+          <a:bodyPr/>
+          <a:lstStyle/>
+          <a:p>
+            <a:r>
+              <a:rPr lang="en-US" dirty="0"/>
+              <a:t>Big Idea 3: Programming and Algorithms</a:t>
+            </a:r>
+          </a:p>
+        </p:txBody>
+      </p:sp>
+      <p:sp>
+        <p:nvSpPr>
+          <p:cNvPr id="3" name="Content Placeholder 2">
+            <a:extLst>
+              <a:ext uri="{FF2B5EF4-FFF2-40B4-BE49-F238E27FC236}">
+                <a16:creationId xmlns:a16="http://schemas.microsoft.com/office/drawing/2014/main" id="{8EE44610-8AB0-B84C-9003-2B8BA850F328}"/>
+              </a:ext>
+            </a:extLst>
+          </p:cNvPr>
+          <p:cNvSpPr>
+            <a:spLocks noGrp="1"/>
+          </p:cNvSpPr>
+          <p:nvPr>
+            <p:ph idx="1"/>
+          </p:nvPr>
+        </p:nvSpPr>
+        <p:spPr>
+          <a:xfrm>
+            <a:off x="162839" y="713984"/>
+            <a:ext cx="8735356" cy="4887246"/>
+          </a:xfrm>
+        </p:spPr>
+        <p:txBody>
+          <a:bodyPr/>
+          <a:lstStyle/>
+          <a:p>
+            <a:pPr marL="0" indent="0">
+              <a:buNone/>
+            </a:pPr>
+            <a:r>
+              <a:rPr lang="en-US" dirty="0"/>
+              <a:t>﻿Abstractions allow for programmers to use </a:t>
+            </a:r>
+            <a:r>
+              <a:rPr lang="en-US" dirty="0" err="1"/>
+              <a:t>semihuman</a:t>
+            </a:r>
+            <a:r>
+              <a:rPr lang="en-US" dirty="0"/>
+              <a:t> language to program(Python, Java, </a:t>
+            </a:r>
+            <a:r>
+              <a:rPr lang="en-US" dirty="0" err="1"/>
+              <a:t>etc</a:t>
+            </a:r>
+            <a:r>
+              <a:rPr lang="en-US" dirty="0"/>
+              <a:t>…).</a:t>
+            </a:r>
+          </a:p>
+          <a:p>
+            <a:pPr marL="0" indent="0">
+              <a:buNone/>
+            </a:pPr>
+            <a:endParaRPr lang="en-US" b="1" dirty="0"/>
+          </a:p>
+          <a:p>
+            <a:pPr marL="0" indent="0">
+              <a:buNone/>
+            </a:pPr>
+            <a:r>
+              <a:rPr lang="en-US" dirty="0"/>
+              <a:t>﻿Rarely will programmers deal directly in machine code. Machine code is a base language where no abstractions are implemented. Programmers have worked to hide details by using abstractions.</a:t>
+            </a:r>
+          </a:p>
+          <a:p>
+            <a:pPr marL="0" indent="0">
+              <a:buNone/>
+            </a:pPr>
+            <a:endParaRPr lang="en-US" dirty="0"/>
+          </a:p>
+          <a:p>
+            <a:pPr marL="0" indent="0">
+              <a:buNone/>
+            </a:pPr>
+            <a:r>
+              <a:rPr lang="en-US" dirty="0"/>
+              <a:t>﻿Different program languages offer different levels of abstractions. High-level programming languages provide more abstractions than do lower-level languages. </a:t>
+            </a:r>
+          </a:p>
+          <a:p>
+            <a:pPr marL="0" indent="0">
+              <a:buNone/>
+            </a:pPr>
+            <a:endParaRPr lang="en-US" dirty="0"/>
+          </a:p>
+          <a:p>
+            <a:pPr marL="0" indent="0">
+              <a:buNone/>
+            </a:pPr>
+            <a:r>
+              <a:rPr lang="en-US" dirty="0"/>
+              <a:t>Coding in a programming language is often translated into code in another low-level language that the computer can execute.</a:t>
+            </a:r>
+          </a:p>
+          <a:p>
+            <a:pPr marL="0" indent="0">
+              <a:buNone/>
+            </a:pPr>
+            <a:endParaRPr lang="en-US" dirty="0"/>
+          </a:p>
+          <a:p>
+            <a:pPr marL="0" indent="0">
+              <a:buNone/>
+            </a:pPr>
+            <a:endParaRPr lang="en-US" dirty="0"/>
+          </a:p>
+          <a:p>
+            <a:pPr marL="0" indent="0">
+              <a:buNone/>
+            </a:pPr>
+            <a:endParaRPr lang="en-US" dirty="0"/>
+          </a:p>
+          <a:p>
+            <a:pPr marL="0" indent="0">
+              <a:buNone/>
+            </a:pPr>
+            <a:endParaRPr lang="en-US" b="1" dirty="0"/>
+          </a:p>
+          <a:p>
+            <a:pPr marL="0" indent="0">
+              <a:buNone/>
+            </a:pPr>
+            <a:endParaRPr lang="en-US" b="1" dirty="0"/>
+          </a:p>
+        </p:txBody>
+      </p:sp>
+      <p:sp>
+        <p:nvSpPr>
+          <p:cNvPr id="4" name="Slide Number Placeholder 3">
+            <a:extLst>
+              <a:ext uri="{FF2B5EF4-FFF2-40B4-BE49-F238E27FC236}">
+                <a16:creationId xmlns:a16="http://schemas.microsoft.com/office/drawing/2014/main" id="{75C7B0F0-6928-7047-81B0-E8C50BC3208B}"/>
+              </a:ext>
+            </a:extLst>
+          </p:cNvPr>
+          <p:cNvSpPr>
+            <a:spLocks noGrp="1"/>
+          </p:cNvSpPr>
+          <p:nvPr>
+            <p:ph type="sldNum" sz="quarter" idx="12"/>
+          </p:nvPr>
+        </p:nvSpPr>
+        <p:spPr/>
+        <p:txBody>
+          <a:bodyPr/>
+          <a:lstStyle/>
+          <a:p>
+            <a:fld id="{D57F1E4F-1CFF-5643-939E-02111984F565}" type="slidenum">
+              <a:rPr lang="en-US" smtClean="0"/>
+              <a:t>22</a:t>
+            </a:fld>
+            <a:endParaRPr lang="en-US" dirty="0"/>
+          </a:p>
+        </p:txBody>
+      </p:sp>
+    </p:spTree>
+    <p:extLst>
+      <p:ext uri="{BB962C8B-B14F-4D97-AF65-F5344CB8AC3E}">
+        <p14:creationId xmlns:p14="http://schemas.microsoft.com/office/powerpoint/2010/main" val="1250322943"/>
+      </p:ext>
+    </p:extLst>
+  </p:cSld>
+  <p:clrMapOvr>
+    <a:masterClrMapping/>
+  </p:clrMapOvr>
+</p:sld>
+</file>
+
+<file path=ppt/slides/slide23.xml><?xml version="1.0" encoding="utf-8"?>
+<p:sld xmlns:a="http://schemas.openxmlformats.org/drawingml/2006/main" xmlns:r="http://schemas.openxmlformats.org/officeDocument/2006/relationships" xmlns:p="http://schemas.openxmlformats.org/presentationml/2006/main">
+  <p:cSld>
+    <p:spTree>
+      <p:nvGrpSpPr>
+        <p:cNvPr id="1" name=""/>
+        <p:cNvGrpSpPr/>
+        <p:nvPr/>
+      </p:nvGrpSpPr>
+      <p:grpSpPr>
+        <a:xfrm>
+          <a:off x="0" y="0"/>
+          <a:ext cx="0" cy="0"/>
+          <a:chOff x="0" y="0"/>
+          <a:chExt cx="0" cy="0"/>
+        </a:xfrm>
+      </p:grpSpPr>
+      <p:sp>
+        <p:nvSpPr>
+          <p:cNvPr id="2" name="Title 1">
+            <a:extLst>
+              <a:ext uri="{FF2B5EF4-FFF2-40B4-BE49-F238E27FC236}">
+                <a16:creationId xmlns:a16="http://schemas.microsoft.com/office/drawing/2014/main" id="{893AF10F-C12D-6B4A-84C5-206A244BF7C6}"/>
+              </a:ext>
+            </a:extLst>
+          </p:cNvPr>
+          <p:cNvSpPr>
+            <a:spLocks noGrp="1"/>
+          </p:cNvSpPr>
+          <p:nvPr>
+            <p:ph type="title"/>
+          </p:nvPr>
+        </p:nvSpPr>
+        <p:spPr>
+          <a:xfrm>
+            <a:off x="0" y="13562"/>
+            <a:ext cx="7886700" cy="841376"/>
+          </a:xfrm>
+        </p:spPr>
+        <p:txBody>
+          <a:bodyPr/>
+          <a:lstStyle/>
+          <a:p>
+            <a:r>
+              <a:rPr lang="en-US" dirty="0"/>
+              <a:t>Big Idea 3: Programming and Algorithms</a:t>
+            </a:r>
+          </a:p>
+        </p:txBody>
+      </p:sp>
+      <p:sp>
+        <p:nvSpPr>
+          <p:cNvPr id="3" name="Content Placeholder 2">
+            <a:extLst>
+              <a:ext uri="{FF2B5EF4-FFF2-40B4-BE49-F238E27FC236}">
+                <a16:creationId xmlns:a16="http://schemas.microsoft.com/office/drawing/2014/main" id="{8EE44610-8AB0-B84C-9003-2B8BA850F328}"/>
+              </a:ext>
+            </a:extLst>
+          </p:cNvPr>
+          <p:cNvSpPr>
+            <a:spLocks noGrp="1"/>
+          </p:cNvSpPr>
+          <p:nvPr>
+            <p:ph idx="1"/>
+          </p:nvPr>
+        </p:nvSpPr>
+        <p:spPr>
+          <a:xfrm>
+            <a:off x="162839" y="713984"/>
+            <a:ext cx="8735356" cy="4887246"/>
+          </a:xfrm>
+        </p:spPr>
+        <p:txBody>
+          <a:bodyPr/>
+          <a:lstStyle/>
+          <a:p>
+            <a:pPr marL="0" indent="0">
+              <a:buNone/>
+            </a:pPr>
+            <a:r>
+              <a:rPr lang="en-US" sz="2400" dirty="0"/>
+              <a:t>﻿Abstraction Examples Used on the AP Exam:</a:t>
+            </a:r>
+          </a:p>
+          <a:p>
+            <a:pPr marL="0" indent="0">
+              <a:buNone/>
+            </a:pPr>
+            <a:endParaRPr lang="en-US" dirty="0"/>
+          </a:p>
+          <a:p>
+            <a:pPr marL="0" indent="0">
+              <a:buNone/>
+            </a:pPr>
+            <a:r>
+              <a:rPr lang="en-US" dirty="0"/>
+              <a:t>﻿DISPLAY(expression) is an abstraction that is used on your AP exam to display a value of expression followed by a space. The input parameter for the DISPLAY abstraction is expression.</a:t>
+            </a:r>
+          </a:p>
+          <a:p>
+            <a:pPr marL="0" indent="0">
+              <a:buNone/>
+            </a:pPr>
+            <a:endParaRPr lang="en-US" dirty="0"/>
+          </a:p>
+          <a:p>
+            <a:pPr marL="0" indent="0">
+              <a:buNone/>
+            </a:pPr>
+            <a:r>
+              <a:rPr lang="en-US" dirty="0"/>
+              <a:t>﻿Another abstraction used on your AP exam is RANDOM(a, b), which evaluates to a random number from a to b inclusive. The input parameters in this abstraction are a and b.</a:t>
+            </a:r>
+          </a:p>
+          <a:p>
+            <a:pPr marL="0" indent="0">
+              <a:buNone/>
+            </a:pPr>
+            <a:endParaRPr lang="en-US" dirty="0"/>
+          </a:p>
+          <a:p>
+            <a:pPr marL="0" indent="0">
+              <a:buNone/>
+            </a:pPr>
+            <a:r>
+              <a:rPr lang="en-US" dirty="0"/>
+              <a:t>﻿An abstraction generalizes functionality with input parameters that allow software reuse. Being aware of and using multiple levels of abstractions in developing programs helps to apply available resources and tools more effectively to solve problems.</a:t>
+            </a:r>
+          </a:p>
+          <a:p>
+            <a:pPr marL="0" indent="0">
+              <a:buNone/>
+            </a:pPr>
+            <a:endParaRPr lang="en-US" dirty="0"/>
+          </a:p>
+        </p:txBody>
+      </p:sp>
+      <p:sp>
+        <p:nvSpPr>
+          <p:cNvPr id="4" name="Slide Number Placeholder 3">
+            <a:extLst>
+              <a:ext uri="{FF2B5EF4-FFF2-40B4-BE49-F238E27FC236}">
+                <a16:creationId xmlns:a16="http://schemas.microsoft.com/office/drawing/2014/main" id="{75C7B0F0-6928-7047-81B0-E8C50BC3208B}"/>
+              </a:ext>
+            </a:extLst>
+          </p:cNvPr>
+          <p:cNvSpPr>
+            <a:spLocks noGrp="1"/>
+          </p:cNvSpPr>
+          <p:nvPr>
+            <p:ph type="sldNum" sz="quarter" idx="12"/>
+          </p:nvPr>
+        </p:nvSpPr>
+        <p:spPr/>
+        <p:txBody>
+          <a:bodyPr/>
+          <a:lstStyle/>
+          <a:p>
+            <a:fld id="{D57F1E4F-1CFF-5643-939E-02111984F565}" type="slidenum">
+              <a:rPr lang="en-US" smtClean="0"/>
+              <a:t>23</a:t>
+            </a:fld>
+            <a:endParaRPr lang="en-US" dirty="0"/>
+          </a:p>
+        </p:txBody>
+      </p:sp>
+    </p:spTree>
+    <p:extLst>
+      <p:ext uri="{BB962C8B-B14F-4D97-AF65-F5344CB8AC3E}">
+        <p14:creationId xmlns:p14="http://schemas.microsoft.com/office/powerpoint/2010/main" val="2551255002"/>
+      </p:ext>
+    </p:extLst>
+  </p:cSld>
+  <p:clrMapOvr>
+    <a:masterClrMapping/>
+  </p:clrMapOvr>
+</p:sld>
+</file>
+
+<file path=ppt/slides/slide24.xml><?xml version="1.0" encoding="utf-8"?>
+<p:sld xmlns:a="http://schemas.openxmlformats.org/drawingml/2006/main" xmlns:r="http://schemas.openxmlformats.org/officeDocument/2006/relationships" xmlns:p="http://schemas.openxmlformats.org/presentationml/2006/main">
+  <p:cSld>
+    <p:spTree>
+      <p:nvGrpSpPr>
+        <p:cNvPr id="1" name=""/>
+        <p:cNvGrpSpPr/>
+        <p:nvPr/>
+      </p:nvGrpSpPr>
+      <p:grpSpPr>
+        <a:xfrm>
+          <a:off x="0" y="0"/>
+          <a:ext cx="0" cy="0"/>
+          <a:chOff x="0" y="0"/>
+          <a:chExt cx="0" cy="0"/>
+        </a:xfrm>
+      </p:grpSpPr>
+      <p:sp>
+        <p:nvSpPr>
+          <p:cNvPr id="2" name="Title 1">
+            <a:extLst>
+              <a:ext uri="{FF2B5EF4-FFF2-40B4-BE49-F238E27FC236}">
+                <a16:creationId xmlns:a16="http://schemas.microsoft.com/office/drawing/2014/main" id="{BDFCE8CA-1273-5249-8C2C-2E1AF0E6A7AD}"/>
+              </a:ext>
+            </a:extLst>
+          </p:cNvPr>
+          <p:cNvSpPr>
+            <a:spLocks noGrp="1"/>
+          </p:cNvSpPr>
+          <p:nvPr>
+            <p:ph type="title"/>
+          </p:nvPr>
+        </p:nvSpPr>
+        <p:spPr/>
+        <p:txBody>
+          <a:bodyPr/>
+          <a:lstStyle/>
+          <a:p>
+            <a:endParaRPr lang="en-US"/>
+          </a:p>
+        </p:txBody>
+      </p:sp>
+      <p:sp>
+        <p:nvSpPr>
+          <p:cNvPr id="3" name="Content Placeholder 2">
+            <a:extLst>
+              <a:ext uri="{FF2B5EF4-FFF2-40B4-BE49-F238E27FC236}">
+                <a16:creationId xmlns:a16="http://schemas.microsoft.com/office/drawing/2014/main" id="{07540578-58D4-F540-9D6B-33E2EE264403}"/>
+              </a:ext>
+            </a:extLst>
+          </p:cNvPr>
+          <p:cNvSpPr>
+            <a:spLocks noGrp="1"/>
+          </p:cNvSpPr>
+          <p:nvPr>
+            <p:ph idx="1"/>
+          </p:nvPr>
+        </p:nvSpPr>
+        <p:spPr/>
+        <p:txBody>
+          <a:bodyPr/>
+          <a:lstStyle/>
+          <a:p>
+            <a:endParaRPr lang="en-US"/>
+          </a:p>
+        </p:txBody>
+      </p:sp>
+      <p:sp>
+        <p:nvSpPr>
+          <p:cNvPr id="4" name="Slide Number Placeholder 3">
+            <a:extLst>
+              <a:ext uri="{FF2B5EF4-FFF2-40B4-BE49-F238E27FC236}">
+                <a16:creationId xmlns:a16="http://schemas.microsoft.com/office/drawing/2014/main" id="{4EF38FFD-6328-8546-BA0E-97F9FCAE9C35}"/>
+              </a:ext>
+            </a:extLst>
+          </p:cNvPr>
+          <p:cNvSpPr>
+            <a:spLocks noGrp="1"/>
+          </p:cNvSpPr>
+          <p:nvPr>
+            <p:ph type="sldNum" sz="quarter" idx="12"/>
+          </p:nvPr>
+        </p:nvSpPr>
+        <p:spPr/>
+        <p:txBody>
+          <a:bodyPr/>
+          <a:lstStyle/>
+          <a:p>
+            <a:fld id="{D57F1E4F-1CFF-5643-939E-02111984F565}" type="slidenum">
+              <a:rPr lang="en-US" smtClean="0"/>
+              <a:t>24</a:t>
+            </a:fld>
+            <a:endParaRPr lang="en-US" dirty="0"/>
+          </a:p>
+        </p:txBody>
+      </p:sp>
+    </p:spTree>
+    <p:extLst>
+      <p:ext uri="{BB962C8B-B14F-4D97-AF65-F5344CB8AC3E}">
+        <p14:creationId xmlns:p14="http://schemas.microsoft.com/office/powerpoint/2010/main" val="2129320295"/>
+      </p:ext>
+    </p:extLst>
+  </p:cSld>
+  <p:clrMapOvr>
+    <a:masterClrMapping/>
+  </p:clrMapOvr>
+</p:sld>
+</file>
+
+<file path=ppt/slides/slide25.xml><?xml version="1.0" encoding="utf-8"?>
+<p:sld xmlns:a="http://schemas.openxmlformats.org/drawingml/2006/main" xmlns:r="http://schemas.openxmlformats.org/officeDocument/2006/relationships" xmlns:p="http://schemas.openxmlformats.org/presentationml/2006/main">
+  <p:cSld>
+    <p:spTree>
+      <p:nvGrpSpPr>
+        <p:cNvPr id="1" name=""/>
+        <p:cNvGrpSpPr/>
+        <p:nvPr/>
+      </p:nvGrpSpPr>
+      <p:grpSpPr>
+        <a:xfrm>
+          <a:off x="0" y="0"/>
+          <a:ext cx="0" cy="0"/>
+          <a:chOff x="0" y="0"/>
+          <a:chExt cx="0" cy="0"/>
+        </a:xfrm>
+      </p:grpSpPr>
+      <p:sp>
+        <p:nvSpPr>
+          <p:cNvPr id="2" name="Title 1">
+            <a:extLst>
+              <a:ext uri="{FF2B5EF4-FFF2-40B4-BE49-F238E27FC236}">
+                <a16:creationId xmlns:a16="http://schemas.microsoft.com/office/drawing/2014/main" id="{893AF10F-C12D-6B4A-84C5-206A244BF7C6}"/>
+              </a:ext>
+            </a:extLst>
+          </p:cNvPr>
+          <p:cNvSpPr>
+            <a:spLocks noGrp="1"/>
+          </p:cNvSpPr>
+          <p:nvPr>
+            <p:ph type="title"/>
+          </p:nvPr>
+        </p:nvSpPr>
+        <p:spPr>
+          <a:xfrm>
+            <a:off x="127205" y="111030"/>
+            <a:ext cx="7886700" cy="841376"/>
+          </a:xfrm>
+        </p:spPr>
+        <p:txBody>
+          <a:bodyPr/>
+          <a:lstStyle/>
+          <a:p>
+            <a:r>
+              <a:rPr lang="en-US" dirty="0"/>
+              <a:t>References</a:t>
+            </a:r>
+          </a:p>
+        </p:txBody>
+      </p:sp>
+      <p:sp>
+        <p:nvSpPr>
+          <p:cNvPr id="3" name="Content Placeholder 2">
+            <a:extLst>
+              <a:ext uri="{FF2B5EF4-FFF2-40B4-BE49-F238E27FC236}">
+                <a16:creationId xmlns:a16="http://schemas.microsoft.com/office/drawing/2014/main" id="{8EE44610-8AB0-B84C-9003-2B8BA850F328}"/>
+              </a:ext>
+            </a:extLst>
+          </p:cNvPr>
+          <p:cNvSpPr>
+            <a:spLocks noGrp="1"/>
+          </p:cNvSpPr>
+          <p:nvPr>
+            <p:ph idx="1"/>
+          </p:nvPr>
+        </p:nvSpPr>
+        <p:spPr>
+          <a:xfrm>
+            <a:off x="196645" y="855406"/>
+            <a:ext cx="8701549" cy="4745824"/>
+          </a:xfrm>
+        </p:spPr>
+        <p:txBody>
+          <a:bodyPr/>
+          <a:lstStyle/>
+          <a:p>
+            <a:pPr marL="0" indent="0">
+              <a:buNone/>
+            </a:pPr>
+            <a:endParaRPr lang="en-US" dirty="0"/>
+          </a:p>
+          <a:p>
+            <a:pPr marL="0" indent="0">
+              <a:buNone/>
+            </a:pPr>
+            <a:endParaRPr lang="en-US" dirty="0"/>
+          </a:p>
+          <a:p>
+            <a:pPr marL="0" indent="0">
+              <a:buNone/>
+            </a:pPr>
+            <a:endParaRPr lang="en-US" dirty="0"/>
+          </a:p>
+          <a:p>
+            <a:pPr marL="0" indent="0">
+              <a:buNone/>
+            </a:pPr>
+            <a:r>
+              <a:rPr lang="en-US" dirty="0" err="1"/>
+              <a:t>Reichelson</a:t>
+            </a:r>
+            <a:r>
+              <a:rPr lang="en-US" dirty="0"/>
+              <a:t>, Seth. AP Computer Science Principles Premium with 6 Practice Tests (Barron's Test Prep) (p. 92). </a:t>
+            </a:r>
+            <a:r>
+              <a:rPr lang="en-US" dirty="0" err="1"/>
+              <a:t>Barrons</a:t>
+            </a:r>
+            <a:r>
+              <a:rPr lang="en-US" dirty="0"/>
+              <a:t> Educational Series. </a:t>
+            </a:r>
+          </a:p>
+        </p:txBody>
+      </p:sp>
+      <p:sp>
+        <p:nvSpPr>
+          <p:cNvPr id="4" name="Slide Number Placeholder 3">
+            <a:extLst>
+              <a:ext uri="{FF2B5EF4-FFF2-40B4-BE49-F238E27FC236}">
+                <a16:creationId xmlns:a16="http://schemas.microsoft.com/office/drawing/2014/main" id="{75C7B0F0-6928-7047-81B0-E8C50BC3208B}"/>
+              </a:ext>
+            </a:extLst>
+          </p:cNvPr>
+          <p:cNvSpPr>
+            <a:spLocks noGrp="1"/>
+          </p:cNvSpPr>
+          <p:nvPr>
+            <p:ph type="sldNum" sz="quarter" idx="12"/>
+          </p:nvPr>
+        </p:nvSpPr>
+        <p:spPr/>
+        <p:txBody>
+          <a:bodyPr/>
+          <a:lstStyle/>
+          <a:p>
+            <a:fld id="{D57F1E4F-1CFF-5643-939E-02111984F565}" type="slidenum">
+              <a:rPr lang="en-US" smtClean="0"/>
+              <a:t>25</a:t>
             </a:fld>
             <a:endParaRPr lang="en-US" dirty="0"/>
           </a:p>
@@ -15592,7 +16804,7 @@
             </a:pPr>
             <a:r>
               <a:rPr lang="en-US" dirty="0"/>
-              <a:t>Creative Development</a:t>
+              <a:t>Creative Development(10%-13%)</a:t>
             </a:r>
           </a:p>
           <a:p>
@@ -15601,7 +16813,7 @@
             </a:pPr>
             <a:r>
               <a:rPr lang="en-US" dirty="0"/>
-              <a:t>Data</a:t>
+              <a:t>Data(17%-22%)</a:t>
             </a:r>
           </a:p>
           <a:p>
@@ -15610,7 +16822,7 @@
             </a:pPr>
             <a:r>
               <a:rPr lang="en-US" dirty="0"/>
-              <a:t>Algorithms and Programming</a:t>
+              <a:t>Algorithms and Programming(30%-35%)</a:t>
             </a:r>
           </a:p>
           <a:p>
@@ -15619,7 +16831,7 @@
             </a:pPr>
             <a:r>
               <a:rPr lang="en-US" dirty="0"/>
-              <a:t>Computer Systems and Networks</a:t>
+              <a:t>Computer Systems and Networks(11%-15%)</a:t>
             </a:r>
           </a:p>
           <a:p>
@@ -15628,7 +16840,7 @@
             </a:pPr>
             <a:r>
               <a:rPr lang="en-US" dirty="0"/>
-              <a:t>Impact of Computing</a:t>
+              <a:t>Impact of Computing(21%-26%)</a:t>
             </a:r>
           </a:p>
         </p:txBody>
@@ -15676,153 +16888,6 @@
 </file>
 
 <file path=ppt/slides/slide5.xml><?xml version="1.0" encoding="utf-8"?>
-<p:sld xmlns:a="http://schemas.openxmlformats.org/drawingml/2006/main" xmlns:r="http://schemas.openxmlformats.org/officeDocument/2006/relationships" xmlns:p="http://schemas.openxmlformats.org/presentationml/2006/main">
-  <p:cSld>
-    <p:spTree>
-      <p:nvGrpSpPr>
-        <p:cNvPr id="1" name=""/>
-        <p:cNvGrpSpPr/>
-        <p:nvPr/>
-      </p:nvGrpSpPr>
-      <p:grpSpPr>
-        <a:xfrm>
-          <a:off x="0" y="0"/>
-          <a:ext cx="0" cy="0"/>
-          <a:chOff x="0" y="0"/>
-          <a:chExt cx="0" cy="0"/>
-        </a:xfrm>
-      </p:grpSpPr>
-      <p:sp>
-        <p:nvSpPr>
-          <p:cNvPr id="2" name="Title 1">
-            <a:extLst>
-              <a:ext uri="{FF2B5EF4-FFF2-40B4-BE49-F238E27FC236}">
-                <a16:creationId xmlns:a16="http://schemas.microsoft.com/office/drawing/2014/main" id="{DFC6737B-C2EF-3F44-90BB-2743686986C3}"/>
-              </a:ext>
-            </a:extLst>
-          </p:cNvPr>
-          <p:cNvSpPr>
-            <a:spLocks noGrp="1"/>
-          </p:cNvSpPr>
-          <p:nvPr>
-            <p:ph type="title"/>
-          </p:nvPr>
-        </p:nvSpPr>
-        <p:spPr>
-          <a:xfrm>
-            <a:off x="87876" y="15213"/>
-            <a:ext cx="7886700" cy="1104636"/>
-          </a:xfrm>
-        </p:spPr>
-        <p:txBody>
-          <a:bodyPr/>
-          <a:lstStyle/>
-          <a:p>
-            <a:r>
-              <a:rPr lang="en-US" dirty="0"/>
-              <a:t>Big Idea 1</a:t>
-            </a:r>
-          </a:p>
-        </p:txBody>
-      </p:sp>
-      <p:sp>
-        <p:nvSpPr>
-          <p:cNvPr id="3" name="Content Placeholder 2">
-            <a:extLst>
-              <a:ext uri="{FF2B5EF4-FFF2-40B4-BE49-F238E27FC236}">
-                <a16:creationId xmlns:a16="http://schemas.microsoft.com/office/drawing/2014/main" id="{891D5E54-6C6E-A142-AA4A-FD4D80701797}"/>
-              </a:ext>
-            </a:extLst>
-          </p:cNvPr>
-          <p:cNvSpPr>
-            <a:spLocks noGrp="1"/>
-          </p:cNvSpPr>
-          <p:nvPr>
-            <p:ph idx="1"/>
-          </p:nvPr>
-        </p:nvSpPr>
-        <p:spPr/>
-        <p:txBody>
-          <a:bodyPr/>
-          <a:lstStyle/>
-          <a:p>
-            <a:endParaRPr lang="en-US" dirty="0"/>
-          </a:p>
-        </p:txBody>
-      </p:sp>
-      <p:sp>
-        <p:nvSpPr>
-          <p:cNvPr id="4" name="Slide Number Placeholder 3">
-            <a:extLst>
-              <a:ext uri="{FF2B5EF4-FFF2-40B4-BE49-F238E27FC236}">
-                <a16:creationId xmlns:a16="http://schemas.microsoft.com/office/drawing/2014/main" id="{18A2786D-28FA-B647-BAA2-FF2564358153}"/>
-              </a:ext>
-            </a:extLst>
-          </p:cNvPr>
-          <p:cNvSpPr>
-            <a:spLocks noGrp="1"/>
-          </p:cNvSpPr>
-          <p:nvPr>
-            <p:ph type="sldNum" sz="quarter" idx="12"/>
-          </p:nvPr>
-        </p:nvSpPr>
-        <p:spPr/>
-        <p:txBody>
-          <a:bodyPr/>
-          <a:lstStyle/>
-          <a:p>
-            <a:fld id="{D57F1E4F-1CFF-5643-939E-02111984F565}" type="slidenum">
-              <a:rPr lang="en-US" smtClean="0"/>
-              <a:t>5</a:t>
-            </a:fld>
-            <a:endParaRPr lang="en-US" dirty="0"/>
-          </a:p>
-        </p:txBody>
-      </p:sp>
-      <p:pic>
-        <p:nvPicPr>
-          <p:cNvPr id="5" name="Picture 4">
-            <a:extLst>
-              <a:ext uri="{FF2B5EF4-FFF2-40B4-BE49-F238E27FC236}">
-                <a16:creationId xmlns:a16="http://schemas.microsoft.com/office/drawing/2014/main" id="{85B581F6-849D-7642-BAC8-DF1ECE9A39D6}"/>
-              </a:ext>
-            </a:extLst>
-          </p:cNvPr>
-          <p:cNvPicPr>
-            <a:picLocks noChangeAspect="1"/>
-          </p:cNvPicPr>
-          <p:nvPr/>
-        </p:nvPicPr>
-        <p:blipFill>
-          <a:blip r:embed="rId2"/>
-          <a:stretch>
-            <a:fillRect/>
-          </a:stretch>
-        </p:blipFill>
-        <p:spPr>
-          <a:xfrm>
-            <a:off x="2198601" y="-15213"/>
-            <a:ext cx="6083986" cy="5715000"/>
-          </a:xfrm>
-          <a:prstGeom prst="rect">
-            <a:avLst/>
-          </a:prstGeom>
-        </p:spPr>
-      </p:pic>
-    </p:spTree>
-    <p:extLst>
-      <p:ext uri="{BB962C8B-B14F-4D97-AF65-F5344CB8AC3E}">
-        <p14:creationId xmlns:p14="http://schemas.microsoft.com/office/powerpoint/2010/main" val="3021435203"/>
-      </p:ext>
-    </p:extLst>
-  </p:cSld>
-  <p:clrMapOvr>
-    <a:masterClrMapping/>
-  </p:clrMapOvr>
-</p:sld>
-</file>
-
-<file path=ppt/slides/slide6.xml><?xml version="1.0" encoding="utf-8"?>
 <p:sld xmlns:a="http://schemas.openxmlformats.org/drawingml/2006/main" xmlns:r="http://schemas.openxmlformats.org/officeDocument/2006/relationships" xmlns:p="http://schemas.openxmlformats.org/presentationml/2006/main">
   <p:cSld>
     <p:spTree>
@@ -15985,7 +17050,7 @@
           <a:p>
             <a:fld id="{D57F1E4F-1CFF-5643-939E-02111984F565}" type="slidenum">
               <a:rPr lang="en-US" smtClean="0"/>
-              <a:t>6</a:t>
+              <a:t>5</a:t>
             </a:fld>
             <a:endParaRPr lang="en-US" dirty="0"/>
           </a:p>
@@ -16129,6 +17194,153 @@
       </p:par>
     </p:tnLst>
   </p:timing>
+</p:sld>
+</file>
+
+<file path=ppt/slides/slide6.xml><?xml version="1.0" encoding="utf-8"?>
+<p:sld xmlns:a="http://schemas.openxmlformats.org/drawingml/2006/main" xmlns:r="http://schemas.openxmlformats.org/officeDocument/2006/relationships" xmlns:p="http://schemas.openxmlformats.org/presentationml/2006/main">
+  <p:cSld>
+    <p:spTree>
+      <p:nvGrpSpPr>
+        <p:cNvPr id="1" name=""/>
+        <p:cNvGrpSpPr/>
+        <p:nvPr/>
+      </p:nvGrpSpPr>
+      <p:grpSpPr>
+        <a:xfrm>
+          <a:off x="0" y="0"/>
+          <a:ext cx="0" cy="0"/>
+          <a:chOff x="0" y="0"/>
+          <a:chExt cx="0" cy="0"/>
+        </a:xfrm>
+      </p:grpSpPr>
+      <p:sp>
+        <p:nvSpPr>
+          <p:cNvPr id="2" name="Title 1">
+            <a:extLst>
+              <a:ext uri="{FF2B5EF4-FFF2-40B4-BE49-F238E27FC236}">
+                <a16:creationId xmlns:a16="http://schemas.microsoft.com/office/drawing/2014/main" id="{DFC6737B-C2EF-3F44-90BB-2743686986C3}"/>
+              </a:ext>
+            </a:extLst>
+          </p:cNvPr>
+          <p:cNvSpPr>
+            <a:spLocks noGrp="1"/>
+          </p:cNvSpPr>
+          <p:nvPr>
+            <p:ph type="title"/>
+          </p:nvPr>
+        </p:nvSpPr>
+        <p:spPr>
+          <a:xfrm>
+            <a:off x="87876" y="15213"/>
+            <a:ext cx="7886700" cy="1104636"/>
+          </a:xfrm>
+        </p:spPr>
+        <p:txBody>
+          <a:bodyPr/>
+          <a:lstStyle/>
+          <a:p>
+            <a:r>
+              <a:rPr lang="en-US" dirty="0"/>
+              <a:t>Big Idea 1</a:t>
+            </a:r>
+          </a:p>
+        </p:txBody>
+      </p:sp>
+      <p:sp>
+        <p:nvSpPr>
+          <p:cNvPr id="3" name="Content Placeholder 2">
+            <a:extLst>
+              <a:ext uri="{FF2B5EF4-FFF2-40B4-BE49-F238E27FC236}">
+                <a16:creationId xmlns:a16="http://schemas.microsoft.com/office/drawing/2014/main" id="{891D5E54-6C6E-A142-AA4A-FD4D80701797}"/>
+              </a:ext>
+            </a:extLst>
+          </p:cNvPr>
+          <p:cNvSpPr>
+            <a:spLocks noGrp="1"/>
+          </p:cNvSpPr>
+          <p:nvPr>
+            <p:ph idx="1"/>
+          </p:nvPr>
+        </p:nvSpPr>
+        <p:spPr/>
+        <p:txBody>
+          <a:bodyPr/>
+          <a:lstStyle/>
+          <a:p>
+            <a:endParaRPr lang="en-US" dirty="0"/>
+          </a:p>
+        </p:txBody>
+      </p:sp>
+      <p:sp>
+        <p:nvSpPr>
+          <p:cNvPr id="4" name="Slide Number Placeholder 3">
+            <a:extLst>
+              <a:ext uri="{FF2B5EF4-FFF2-40B4-BE49-F238E27FC236}">
+                <a16:creationId xmlns:a16="http://schemas.microsoft.com/office/drawing/2014/main" id="{18A2786D-28FA-B647-BAA2-FF2564358153}"/>
+              </a:ext>
+            </a:extLst>
+          </p:cNvPr>
+          <p:cNvSpPr>
+            <a:spLocks noGrp="1"/>
+          </p:cNvSpPr>
+          <p:nvPr>
+            <p:ph type="sldNum" sz="quarter" idx="12"/>
+          </p:nvPr>
+        </p:nvSpPr>
+        <p:spPr/>
+        <p:txBody>
+          <a:bodyPr/>
+          <a:lstStyle/>
+          <a:p>
+            <a:fld id="{D57F1E4F-1CFF-5643-939E-02111984F565}" type="slidenum">
+              <a:rPr lang="en-US" smtClean="0"/>
+              <a:t>6</a:t>
+            </a:fld>
+            <a:endParaRPr lang="en-US" dirty="0"/>
+          </a:p>
+        </p:txBody>
+      </p:sp>
+      <p:pic>
+        <p:nvPicPr>
+          <p:cNvPr id="5" name="Picture 4">
+            <a:extLst>
+              <a:ext uri="{FF2B5EF4-FFF2-40B4-BE49-F238E27FC236}">
+                <a16:creationId xmlns:a16="http://schemas.microsoft.com/office/drawing/2014/main" id="{85B581F6-849D-7642-BAC8-DF1ECE9A39D6}"/>
+              </a:ext>
+            </a:extLst>
+          </p:cNvPr>
+          <p:cNvPicPr>
+            <a:picLocks noChangeAspect="1"/>
+          </p:cNvPicPr>
+          <p:nvPr/>
+        </p:nvPicPr>
+        <p:blipFill>
+          <a:blip r:embed="rId2"/>
+          <a:stretch>
+            <a:fillRect/>
+          </a:stretch>
+        </p:blipFill>
+        <p:spPr>
+          <a:xfrm>
+            <a:off x="2198601" y="-15213"/>
+            <a:ext cx="6083986" cy="5715000"/>
+          </a:xfrm>
+          <a:prstGeom prst="rect">
+            <a:avLst/>
+          </a:prstGeom>
+        </p:spPr>
+      </p:pic>
+    </p:spTree>
+    <p:extLst>
+      <p:ext uri="{BB962C8B-B14F-4D97-AF65-F5344CB8AC3E}">
+        <p14:creationId xmlns:p14="http://schemas.microsoft.com/office/powerpoint/2010/main" val="593690865"/>
+      </p:ext>
+    </p:extLst>
+  </p:cSld>
+  <p:clrMapOvr>
+    <a:masterClrMapping/>
+  </p:clrMapOvr>
 </p:sld>
 </file>
 

--- a/courses/apcsp/lect23.pptx
+++ b/courses/apcsp/lect23.pptx
@@ -5,7 +5,7 @@
     <p:sldMasterId id="2147483791" r:id="rId1"/>
   </p:sldMasterIdLst>
   <p:notesMasterIdLst>
-    <p:notesMasterId r:id="rId27"/>
+    <p:notesMasterId r:id="rId53"/>
   </p:notesMasterIdLst>
   <p:sldIdLst>
     <p:sldId id="256" r:id="rId2"/>
@@ -28,11 +28,37 @@
     <p:sldId id="557" r:id="rId19"/>
     <p:sldId id="558" r:id="rId20"/>
     <p:sldId id="560" r:id="rId21"/>
-    <p:sldId id="561" r:id="rId22"/>
-    <p:sldId id="562" r:id="rId23"/>
-    <p:sldId id="563" r:id="rId24"/>
-    <p:sldId id="564" r:id="rId25"/>
-    <p:sldId id="549" r:id="rId26"/>
+    <p:sldId id="565" r:id="rId22"/>
+    <p:sldId id="561" r:id="rId23"/>
+    <p:sldId id="562" r:id="rId24"/>
+    <p:sldId id="563" r:id="rId25"/>
+    <p:sldId id="564" r:id="rId26"/>
+    <p:sldId id="566" r:id="rId27"/>
+    <p:sldId id="567" r:id="rId28"/>
+    <p:sldId id="568" r:id="rId29"/>
+    <p:sldId id="569" r:id="rId30"/>
+    <p:sldId id="575" r:id="rId31"/>
+    <p:sldId id="576" r:id="rId32"/>
+    <p:sldId id="571" r:id="rId33"/>
+    <p:sldId id="577" r:id="rId34"/>
+    <p:sldId id="578" r:id="rId35"/>
+    <p:sldId id="579" r:id="rId36"/>
+    <p:sldId id="580" r:id="rId37"/>
+    <p:sldId id="581" r:id="rId38"/>
+    <p:sldId id="570" r:id="rId39"/>
+    <p:sldId id="582" r:id="rId40"/>
+    <p:sldId id="583" r:id="rId41"/>
+    <p:sldId id="572" r:id="rId42"/>
+    <p:sldId id="573" r:id="rId43"/>
+    <p:sldId id="584" r:id="rId44"/>
+    <p:sldId id="585" r:id="rId45"/>
+    <p:sldId id="586" r:id="rId46"/>
+    <p:sldId id="574" r:id="rId47"/>
+    <p:sldId id="587" r:id="rId48"/>
+    <p:sldId id="588" r:id="rId49"/>
+    <p:sldId id="589" r:id="rId50"/>
+    <p:sldId id="590" r:id="rId51"/>
+    <p:sldId id="549" r:id="rId52"/>
   </p:sldIdLst>
   <p:sldSz cx="9144000" cy="5715000" type="screen16x10"/>
   <p:notesSz cx="6858000" cy="9144000"/>
@@ -142,7 +168,7 @@
 <file path=ppt/revisionInfo.xml><?xml version="1.0" encoding="utf-8"?>
 <p1510:revInfo xmlns:a="http://schemas.openxmlformats.org/drawingml/2006/main" xmlns:r="http://schemas.openxmlformats.org/officeDocument/2006/relationships" xmlns:p1510="http://schemas.microsoft.com/office/powerpoint/2015/10/main">
   <p1510:revLst>
-    <p1510:client id="{09EBCD6D-3E32-1447-A1AF-87925F52689B}" v="498" dt="2021-05-19T13:29:09.104"/>
+    <p1510:client id="{09EBCD6D-3E32-1447-A1AF-87925F52689B}" v="620" dt="2021-05-20T12:39:35.832"/>
   </p1510:revLst>
 </p1510:revInfo>
 </file>
@@ -3311,8 +3337,8 @@
   </pc:docChgLst>
   <pc:docChgLst>
     <pc:chgData name="Long B Nguyen" userId="f59fb8f3-a021-417a-8bc1-65c8d471c621" providerId="ADAL" clId="{09EBCD6D-3E32-1447-A1AF-87925F52689B}"/>
-    <pc:docChg chg="custSel addSld delSld modSld">
-      <pc:chgData name="Long B Nguyen" userId="f59fb8f3-a021-417a-8bc1-65c8d471c621" providerId="ADAL" clId="{09EBCD6D-3E32-1447-A1AF-87925F52689B}" dt="2021-05-19T13:29:14.551" v="2702" actId="680"/>
+    <pc:docChg chg="undo custSel addSld delSld modSld">
+      <pc:chgData name="Long B Nguyen" userId="f59fb8f3-a021-417a-8bc1-65c8d471c621" providerId="ADAL" clId="{09EBCD6D-3E32-1447-A1AF-87925F52689B}" dt="2021-05-20T12:39:35.832" v="3715"/>
       <pc:docMkLst>
         <pc:docMk/>
       </pc:docMkLst>
@@ -3836,7 +3862,7 @@
         </pc:sldMkLst>
       </pc:sldChg>
       <pc:sldChg chg="addSp delSp modSp add mod modAnim">
-        <pc:chgData name="Long B Nguyen" userId="f59fb8f3-a021-417a-8bc1-65c8d471c621" providerId="ADAL" clId="{09EBCD6D-3E32-1447-A1AF-87925F52689B}" dt="2021-05-19T13:18:24.642" v="2406" actId="20577"/>
+        <pc:chgData name="Long B Nguyen" userId="f59fb8f3-a021-417a-8bc1-65c8d471c621" providerId="ADAL" clId="{09EBCD6D-3E32-1447-A1AF-87925F52689B}" dt="2021-05-19T16:34:57.578" v="2951" actId="20577"/>
         <pc:sldMkLst>
           <pc:docMk/>
           <pc:sldMk cId="2939906830" sldId="560"/>
@@ -3850,7 +3876,7 @@
           </ac:spMkLst>
         </pc:spChg>
         <pc:spChg chg="mod">
-          <ac:chgData name="Long B Nguyen" userId="f59fb8f3-a021-417a-8bc1-65c8d471c621" providerId="ADAL" clId="{09EBCD6D-3E32-1447-A1AF-87925F52689B}" dt="2021-05-19T13:18:24.642" v="2406" actId="20577"/>
+          <ac:chgData name="Long B Nguyen" userId="f59fb8f3-a021-417a-8bc1-65c8d471c621" providerId="ADAL" clId="{09EBCD6D-3E32-1447-A1AF-87925F52689B}" dt="2021-05-19T16:34:57.578" v="2951" actId="20577"/>
           <ac:spMkLst>
             <pc:docMk/>
             <pc:sldMk cId="2939906830" sldId="560"/>
@@ -3904,8 +3930,8 @@
           <pc:sldMk cId="1610208212" sldId="561"/>
         </pc:sldMkLst>
       </pc:sldChg>
-      <pc:sldChg chg="addSp modSp add mod">
-        <pc:chgData name="Long B Nguyen" userId="f59fb8f3-a021-417a-8bc1-65c8d471c621" providerId="ADAL" clId="{09EBCD6D-3E32-1447-A1AF-87925F52689B}" dt="2021-05-19T13:22:26.178" v="2622" actId="20577"/>
+      <pc:sldChg chg="addSp delSp modSp add mod modAnim">
+        <pc:chgData name="Long B Nguyen" userId="f59fb8f3-a021-417a-8bc1-65c8d471c621" providerId="ADAL" clId="{09EBCD6D-3E32-1447-A1AF-87925F52689B}" dt="2021-05-20T12:34:57.155" v="3666"/>
         <pc:sldMkLst>
           <pc:docMk/>
           <pc:sldMk cId="2594530262" sldId="561"/>
@@ -3926,8 +3952,8 @@
             <ac:spMk id="3" creationId="{8EE44610-8AB0-B84C-9003-2B8BA850F328}"/>
           </ac:spMkLst>
         </pc:spChg>
-        <pc:picChg chg="add mod">
-          <ac:chgData name="Long B Nguyen" userId="f59fb8f3-a021-417a-8bc1-65c8d471c621" providerId="ADAL" clId="{09EBCD6D-3E32-1447-A1AF-87925F52689B}" dt="2021-05-19T13:20:19.332" v="2422" actId="14100"/>
+        <pc:picChg chg="add del mod">
+          <ac:chgData name="Long B Nguyen" userId="f59fb8f3-a021-417a-8bc1-65c8d471c621" providerId="ADAL" clId="{09EBCD6D-3E32-1447-A1AF-87925F52689B}" dt="2021-05-20T12:34:41.383" v="3660" actId="478"/>
           <ac:picMkLst>
             <pc:docMk/>
             <pc:sldMk cId="2594530262" sldId="561"/>
@@ -3935,7 +3961,7 @@
           </ac:picMkLst>
         </pc:picChg>
         <pc:picChg chg="add mod">
-          <ac:chgData name="Long B Nguyen" userId="f59fb8f3-a021-417a-8bc1-65c8d471c621" providerId="ADAL" clId="{09EBCD6D-3E32-1447-A1AF-87925F52689B}" dt="2021-05-19T13:20:22.067" v="2424" actId="14100"/>
+          <ac:chgData name="Long B Nguyen" userId="f59fb8f3-a021-417a-8bc1-65c8d471c621" providerId="ADAL" clId="{09EBCD6D-3E32-1447-A1AF-87925F52689B}" dt="2021-05-20T12:34:44.025" v="3663" actId="1038"/>
           <ac:picMkLst>
             <pc:docMk/>
             <pc:sldMk cId="2594530262" sldId="561"/>
@@ -3974,8 +4000,8 @@
           </ac:picMkLst>
         </pc:picChg>
       </pc:sldChg>
-      <pc:sldChg chg="delSp modSp add mod">
-        <pc:chgData name="Long B Nguyen" userId="f59fb8f3-a021-417a-8bc1-65c8d471c621" providerId="ADAL" clId="{09EBCD6D-3E32-1447-A1AF-87925F52689B}" dt="2021-05-19T13:27:07.319" v="2678" actId="20577"/>
+      <pc:sldChg chg="delSp modSp add mod modAnim">
+        <pc:chgData name="Long B Nguyen" userId="f59fb8f3-a021-417a-8bc1-65c8d471c621" providerId="ADAL" clId="{09EBCD6D-3E32-1447-A1AF-87925F52689B}" dt="2021-05-20T12:35:06.949" v="3669"/>
         <pc:sldMkLst>
           <pc:docMk/>
           <pc:sldMk cId="1250322943" sldId="562"/>
@@ -4019,8 +4045,8 @@
           <pc:sldMk cId="621797290" sldId="563"/>
         </pc:sldMkLst>
       </pc:sldChg>
-      <pc:sldChg chg="modSp add mod">
-        <pc:chgData name="Long B Nguyen" userId="f59fb8f3-a021-417a-8bc1-65c8d471c621" providerId="ADAL" clId="{09EBCD6D-3E32-1447-A1AF-87925F52689B}" dt="2021-05-19T13:29:11.088" v="2701" actId="20577"/>
+      <pc:sldChg chg="modSp add mod modAnim">
+        <pc:chgData name="Long B Nguyen" userId="f59fb8f3-a021-417a-8bc1-65c8d471c621" providerId="ADAL" clId="{09EBCD6D-3E32-1447-A1AF-87925F52689B}" dt="2021-05-20T12:35:54.946" v="3672"/>
         <pc:sldMkLst>
           <pc:docMk/>
           <pc:sldMk cId="2551255002" sldId="563"/>
@@ -4048,11 +4074,34 @@
           <pc:sldMk cId="1056713440" sldId="564"/>
         </pc:sldMkLst>
       </pc:sldChg>
-      <pc:sldChg chg="new">
-        <pc:chgData name="Long B Nguyen" userId="f59fb8f3-a021-417a-8bc1-65c8d471c621" providerId="ADAL" clId="{09EBCD6D-3E32-1447-A1AF-87925F52689B}" dt="2021-05-19T13:29:14.551" v="2702" actId="680"/>
+      <pc:sldChg chg="addSp delSp modSp new mod">
+        <pc:chgData name="Long B Nguyen" userId="f59fb8f3-a021-417a-8bc1-65c8d471c621" providerId="ADAL" clId="{09EBCD6D-3E32-1447-A1AF-87925F52689B}" dt="2021-05-19T16:36:27.164" v="2954"/>
         <pc:sldMkLst>
           <pc:docMk/>
           <pc:sldMk cId="2129320295" sldId="564"/>
+        </pc:sldMkLst>
+        <pc:spChg chg="add del mod">
+          <ac:chgData name="Long B Nguyen" userId="f59fb8f3-a021-417a-8bc1-65c8d471c621" providerId="ADAL" clId="{09EBCD6D-3E32-1447-A1AF-87925F52689B}" dt="2021-05-19T16:36:26.547" v="2953" actId="478"/>
+          <ac:spMkLst>
+            <pc:docMk/>
+            <pc:sldMk cId="2129320295" sldId="564"/>
+            <ac:spMk id="5" creationId="{958C3B06-37F7-8640-B16B-17FA487ABCC5}"/>
+          </ac:spMkLst>
+        </pc:spChg>
+        <pc:picChg chg="add">
+          <ac:chgData name="Long B Nguyen" userId="f59fb8f3-a021-417a-8bc1-65c8d471c621" providerId="ADAL" clId="{09EBCD6D-3E32-1447-A1AF-87925F52689B}" dt="2021-05-19T16:36:27.164" v="2954"/>
+          <ac:picMkLst>
+            <pc:docMk/>
+            <pc:sldMk cId="2129320295" sldId="564"/>
+            <ac:picMk id="6" creationId="{E9811727-E219-674C-BE3C-CCC19588441C}"/>
+          </ac:picMkLst>
+        </pc:picChg>
+      </pc:sldChg>
+      <pc:sldChg chg="add modAnim">
+        <pc:chgData name="Long B Nguyen" userId="f59fb8f3-a021-417a-8bc1-65c8d471c621" providerId="ADAL" clId="{09EBCD6D-3E32-1447-A1AF-87925F52689B}" dt="2021-05-20T12:34:28.525" v="3647"/>
+        <pc:sldMkLst>
+          <pc:docMk/>
+          <pc:sldMk cId="813742219" sldId="565"/>
         </pc:sldMkLst>
       </pc:sldChg>
       <pc:sldChg chg="add del">
@@ -4069,6 +4118,797 @@
           <pc:sldMk cId="2592351575" sldId="566"/>
         </pc:sldMkLst>
       </pc:sldChg>
+      <pc:sldChg chg="addSp modSp add mod modAnim">
+        <pc:chgData name="Long B Nguyen" userId="f59fb8f3-a021-417a-8bc1-65c8d471c621" providerId="ADAL" clId="{09EBCD6D-3E32-1447-A1AF-87925F52689B}" dt="2021-05-20T12:36:13.817" v="3675"/>
+        <pc:sldMkLst>
+          <pc:docMk/>
+          <pc:sldMk cId="2801617392" sldId="566"/>
+        </pc:sldMkLst>
+        <pc:spChg chg="mod">
+          <ac:chgData name="Long B Nguyen" userId="f59fb8f3-a021-417a-8bc1-65c8d471c621" providerId="ADAL" clId="{09EBCD6D-3E32-1447-A1AF-87925F52689B}" dt="2021-05-19T16:36:37.085" v="2956" actId="20577"/>
+          <ac:spMkLst>
+            <pc:docMk/>
+            <pc:sldMk cId="2801617392" sldId="566"/>
+            <ac:spMk id="3" creationId="{8EE44610-8AB0-B84C-9003-2B8BA850F328}"/>
+          </ac:spMkLst>
+        </pc:spChg>
+        <pc:picChg chg="add mod">
+          <ac:chgData name="Long B Nguyen" userId="f59fb8f3-a021-417a-8bc1-65c8d471c621" providerId="ADAL" clId="{09EBCD6D-3E32-1447-A1AF-87925F52689B}" dt="2021-05-19T16:38:27.016" v="2964" actId="1076"/>
+          <ac:picMkLst>
+            <pc:docMk/>
+            <pc:sldMk cId="2801617392" sldId="566"/>
+            <ac:picMk id="5" creationId="{656603D8-E142-C447-A9BF-1C6389196A98}"/>
+          </ac:picMkLst>
+        </pc:picChg>
+        <pc:picChg chg="add mod">
+          <ac:chgData name="Long B Nguyen" userId="f59fb8f3-a021-417a-8bc1-65c8d471c621" providerId="ADAL" clId="{09EBCD6D-3E32-1447-A1AF-87925F52689B}" dt="2021-05-19T16:38:28.986" v="2965" actId="1076"/>
+          <ac:picMkLst>
+            <pc:docMk/>
+            <pc:sldMk cId="2801617392" sldId="566"/>
+            <ac:picMk id="6" creationId="{70CE6961-63CF-A349-966D-D9D99DA41399}"/>
+          </ac:picMkLst>
+        </pc:picChg>
+        <pc:picChg chg="add mod">
+          <ac:chgData name="Long B Nguyen" userId="f59fb8f3-a021-417a-8bc1-65c8d471c621" providerId="ADAL" clId="{09EBCD6D-3E32-1447-A1AF-87925F52689B}" dt="2021-05-19T16:38:32.672" v="2967" actId="1076"/>
+          <ac:picMkLst>
+            <pc:docMk/>
+            <pc:sldMk cId="2801617392" sldId="566"/>
+            <ac:picMk id="7" creationId="{C70255EC-20D0-F748-B54B-23625BC0ACDF}"/>
+          </ac:picMkLst>
+        </pc:picChg>
+        <pc:picChg chg="add mod">
+          <ac:chgData name="Long B Nguyen" userId="f59fb8f3-a021-417a-8bc1-65c8d471c621" providerId="ADAL" clId="{09EBCD6D-3E32-1447-A1AF-87925F52689B}" dt="2021-05-19T16:38:45.335" v="2971" actId="1037"/>
+          <ac:picMkLst>
+            <pc:docMk/>
+            <pc:sldMk cId="2801617392" sldId="566"/>
+            <ac:picMk id="8" creationId="{3982326A-E326-FC48-94CE-69EA14F9DDA3}"/>
+          </ac:picMkLst>
+        </pc:picChg>
+      </pc:sldChg>
+      <pc:sldChg chg="addSp modSp add mod modAnim">
+        <pc:chgData name="Long B Nguyen" userId="f59fb8f3-a021-417a-8bc1-65c8d471c621" providerId="ADAL" clId="{09EBCD6D-3E32-1447-A1AF-87925F52689B}" dt="2021-05-20T12:36:24.871" v="3676"/>
+        <pc:sldMkLst>
+          <pc:docMk/>
+          <pc:sldMk cId="3824741165" sldId="567"/>
+        </pc:sldMkLst>
+        <pc:picChg chg="add mod">
+          <ac:chgData name="Long B Nguyen" userId="f59fb8f3-a021-417a-8bc1-65c8d471c621" providerId="ADAL" clId="{09EBCD6D-3E32-1447-A1AF-87925F52689B}" dt="2021-05-19T16:39:17.826" v="2973" actId="1076"/>
+          <ac:picMkLst>
+            <pc:docMk/>
+            <pc:sldMk cId="3824741165" sldId="567"/>
+            <ac:picMk id="5" creationId="{C72E7738-2869-7D47-AFD4-6A456C536AF4}"/>
+          </ac:picMkLst>
+        </pc:picChg>
+        <pc:picChg chg="add mod">
+          <ac:chgData name="Long B Nguyen" userId="f59fb8f3-a021-417a-8bc1-65c8d471c621" providerId="ADAL" clId="{09EBCD6D-3E32-1447-A1AF-87925F52689B}" dt="2021-05-19T16:39:34.189" v="2986" actId="1035"/>
+          <ac:picMkLst>
+            <pc:docMk/>
+            <pc:sldMk cId="3824741165" sldId="567"/>
+            <ac:picMk id="6" creationId="{B1796799-2810-574B-880A-67F662F703C7}"/>
+          </ac:picMkLst>
+        </pc:picChg>
+      </pc:sldChg>
+      <pc:sldChg chg="addSp delSp modSp add mod modAnim">
+        <pc:chgData name="Long B Nguyen" userId="f59fb8f3-a021-417a-8bc1-65c8d471c621" providerId="ADAL" clId="{09EBCD6D-3E32-1447-A1AF-87925F52689B}" dt="2021-05-20T12:36:29.423" v="3677"/>
+        <pc:sldMkLst>
+          <pc:docMk/>
+          <pc:sldMk cId="863077976" sldId="568"/>
+        </pc:sldMkLst>
+        <pc:picChg chg="add mod">
+          <ac:chgData name="Long B Nguyen" userId="f59fb8f3-a021-417a-8bc1-65c8d471c621" providerId="ADAL" clId="{09EBCD6D-3E32-1447-A1AF-87925F52689B}" dt="2021-05-19T16:41:28.107" v="2988" actId="1076"/>
+          <ac:picMkLst>
+            <pc:docMk/>
+            <pc:sldMk cId="863077976" sldId="568"/>
+            <ac:picMk id="5" creationId="{34D173BA-B559-2C41-B3ED-7EDB394710D2}"/>
+          </ac:picMkLst>
+        </pc:picChg>
+        <pc:picChg chg="add mod">
+          <ac:chgData name="Long B Nguyen" userId="f59fb8f3-a021-417a-8bc1-65c8d471c621" providerId="ADAL" clId="{09EBCD6D-3E32-1447-A1AF-87925F52689B}" dt="2021-05-19T16:41:40.284" v="2990" actId="1076"/>
+          <ac:picMkLst>
+            <pc:docMk/>
+            <pc:sldMk cId="863077976" sldId="568"/>
+            <ac:picMk id="6" creationId="{2770836F-0E38-5746-95B0-92F9EFCCA365}"/>
+          </ac:picMkLst>
+        </pc:picChg>
+        <pc:picChg chg="add del mod">
+          <ac:chgData name="Long B Nguyen" userId="f59fb8f3-a021-417a-8bc1-65c8d471c621" providerId="ADAL" clId="{09EBCD6D-3E32-1447-A1AF-87925F52689B}" dt="2021-05-19T16:42:08.049" v="2993" actId="21"/>
+          <ac:picMkLst>
+            <pc:docMk/>
+            <pc:sldMk cId="863077976" sldId="568"/>
+            <ac:picMk id="7" creationId="{59122401-B27F-4B42-A4B1-9AF273ED68B3}"/>
+          </ac:picMkLst>
+        </pc:picChg>
+      </pc:sldChg>
+      <pc:sldChg chg="addSp delSp modSp add mod modAnim">
+        <pc:chgData name="Long B Nguyen" userId="f59fb8f3-a021-417a-8bc1-65c8d471c621" providerId="ADAL" clId="{09EBCD6D-3E32-1447-A1AF-87925F52689B}" dt="2021-05-20T12:36:39.964" v="3680"/>
+        <pc:sldMkLst>
+          <pc:docMk/>
+          <pc:sldMk cId="2077516868" sldId="569"/>
+        </pc:sldMkLst>
+        <pc:picChg chg="add mod">
+          <ac:chgData name="Long B Nguyen" userId="f59fb8f3-a021-417a-8bc1-65c8d471c621" providerId="ADAL" clId="{09EBCD6D-3E32-1447-A1AF-87925F52689B}" dt="2021-05-19T16:42:57.365" v="3000" actId="1076"/>
+          <ac:picMkLst>
+            <pc:docMk/>
+            <pc:sldMk cId="2077516868" sldId="569"/>
+            <ac:picMk id="5" creationId="{509A77BD-1E48-AA46-8E26-ADA18B5627F7}"/>
+          </ac:picMkLst>
+        </pc:picChg>
+        <pc:picChg chg="add mod">
+          <ac:chgData name="Long B Nguyen" userId="f59fb8f3-a021-417a-8bc1-65c8d471c621" providerId="ADAL" clId="{09EBCD6D-3E32-1447-A1AF-87925F52689B}" dt="2021-05-19T16:42:59.402" v="3001" actId="1076"/>
+          <ac:picMkLst>
+            <pc:docMk/>
+            <pc:sldMk cId="2077516868" sldId="569"/>
+            <ac:picMk id="6" creationId="{239C95C1-FF5A-BF41-A0AA-E2B9102A09CB}"/>
+          </ac:picMkLst>
+        </pc:picChg>
+        <pc:picChg chg="add mod">
+          <ac:chgData name="Long B Nguyen" userId="f59fb8f3-a021-417a-8bc1-65c8d471c621" providerId="ADAL" clId="{09EBCD6D-3E32-1447-A1AF-87925F52689B}" dt="2021-05-19T16:43:05.481" v="3004" actId="1076"/>
+          <ac:picMkLst>
+            <pc:docMk/>
+            <pc:sldMk cId="2077516868" sldId="569"/>
+            <ac:picMk id="7" creationId="{2D122B8E-8888-9A47-8CDC-C13706878B4F}"/>
+          </ac:picMkLst>
+        </pc:picChg>
+        <pc:picChg chg="add mod">
+          <ac:chgData name="Long B Nguyen" userId="f59fb8f3-a021-417a-8bc1-65c8d471c621" providerId="ADAL" clId="{09EBCD6D-3E32-1447-A1AF-87925F52689B}" dt="2021-05-19T16:43:24.253" v="3006" actId="1076"/>
+          <ac:picMkLst>
+            <pc:docMk/>
+            <pc:sldMk cId="2077516868" sldId="569"/>
+            <ac:picMk id="8" creationId="{E0422F40-6157-9742-9077-88F983EF8C3B}"/>
+          </ac:picMkLst>
+        </pc:picChg>
+        <pc:picChg chg="add del">
+          <ac:chgData name="Long B Nguyen" userId="f59fb8f3-a021-417a-8bc1-65c8d471c621" providerId="ADAL" clId="{09EBCD6D-3E32-1447-A1AF-87925F52689B}" dt="2021-05-19T16:52:28.306" v="3030" actId="478"/>
+          <ac:picMkLst>
+            <pc:docMk/>
+            <pc:sldMk cId="2077516868" sldId="569"/>
+            <ac:picMk id="9" creationId="{4665B12E-C343-3C48-9C9B-6CB2DB9514BE}"/>
+          </ac:picMkLst>
+        </pc:picChg>
+      </pc:sldChg>
+      <pc:sldChg chg="addSp delSp modSp new mod modAnim">
+        <pc:chgData name="Long B Nguyen" userId="f59fb8f3-a021-417a-8bc1-65c8d471c621" providerId="ADAL" clId="{09EBCD6D-3E32-1447-A1AF-87925F52689B}" dt="2021-05-20T12:38:02.647" v="3696"/>
+        <pc:sldMkLst>
+          <pc:docMk/>
+          <pc:sldMk cId="2343131900" sldId="570"/>
+        </pc:sldMkLst>
+        <pc:spChg chg="mod">
+          <ac:chgData name="Long B Nguyen" userId="f59fb8f3-a021-417a-8bc1-65c8d471c621" providerId="ADAL" clId="{09EBCD6D-3E32-1447-A1AF-87925F52689B}" dt="2021-05-20T12:07:09.416" v="3476" actId="20577"/>
+          <ac:spMkLst>
+            <pc:docMk/>
+            <pc:sldMk cId="2343131900" sldId="570"/>
+            <ac:spMk id="3" creationId="{39F63C40-C1B9-5E43-822C-1EE1EE79D949}"/>
+          </ac:spMkLst>
+        </pc:spChg>
+        <pc:picChg chg="add del">
+          <ac:chgData name="Long B Nguyen" userId="f59fb8f3-a021-417a-8bc1-65c8d471c621" providerId="ADAL" clId="{09EBCD6D-3E32-1447-A1AF-87925F52689B}" dt="2021-05-19T16:43:01.262" v="3002" actId="21"/>
+          <ac:picMkLst>
+            <pc:docMk/>
+            <pc:sldMk cId="2343131900" sldId="570"/>
+            <ac:picMk id="5" creationId="{F18CAA4C-3278-6249-A4C5-D8E9DD06179B}"/>
+          </ac:picMkLst>
+        </pc:picChg>
+        <pc:picChg chg="add del mod">
+          <ac:chgData name="Long B Nguyen" userId="f59fb8f3-a021-417a-8bc1-65c8d471c621" providerId="ADAL" clId="{09EBCD6D-3E32-1447-A1AF-87925F52689B}" dt="2021-05-19T16:51:24.263" v="3012" actId="478"/>
+          <ac:picMkLst>
+            <pc:docMk/>
+            <pc:sldMk cId="2343131900" sldId="570"/>
+            <ac:picMk id="6" creationId="{28B86F79-A8B8-D44A-87CF-FA42CC3AD003}"/>
+          </ac:picMkLst>
+        </pc:picChg>
+        <pc:picChg chg="add del mod">
+          <ac:chgData name="Long B Nguyen" userId="f59fb8f3-a021-417a-8bc1-65c8d471c621" providerId="ADAL" clId="{09EBCD6D-3E32-1447-A1AF-87925F52689B}" dt="2021-05-19T16:51:25.469" v="3013" actId="478"/>
+          <ac:picMkLst>
+            <pc:docMk/>
+            <pc:sldMk cId="2343131900" sldId="570"/>
+            <ac:picMk id="7" creationId="{05C047B5-A3EC-2449-A870-5C4647733FDF}"/>
+          </ac:picMkLst>
+        </pc:picChg>
+        <pc:picChg chg="add del">
+          <ac:chgData name="Long B Nguyen" userId="f59fb8f3-a021-417a-8bc1-65c8d471c621" providerId="ADAL" clId="{09EBCD6D-3E32-1447-A1AF-87925F52689B}" dt="2021-05-20T12:05:26.338" v="3280" actId="478"/>
+          <ac:picMkLst>
+            <pc:docMk/>
+            <pc:sldMk cId="2343131900" sldId="570"/>
+            <ac:picMk id="8" creationId="{A2097CB9-D707-584A-8F6A-5885505C2B77}"/>
+          </ac:picMkLst>
+        </pc:picChg>
+        <pc:picChg chg="add mod">
+          <ac:chgData name="Long B Nguyen" userId="f59fb8f3-a021-417a-8bc1-65c8d471c621" providerId="ADAL" clId="{09EBCD6D-3E32-1447-A1AF-87925F52689B}" dt="2021-05-20T12:37:46.697" v="3694" actId="1076"/>
+          <ac:picMkLst>
+            <pc:docMk/>
+            <pc:sldMk cId="2343131900" sldId="570"/>
+            <ac:picMk id="9" creationId="{9EC6AD7A-58B5-3E4D-A77C-2AC4018A3E65}"/>
+          </ac:picMkLst>
+        </pc:picChg>
+        <pc:picChg chg="add mod">
+          <ac:chgData name="Long B Nguyen" userId="f59fb8f3-a021-417a-8bc1-65c8d471c621" providerId="ADAL" clId="{09EBCD6D-3E32-1447-A1AF-87925F52689B}" dt="2021-05-20T12:37:48.657" v="3695" actId="1076"/>
+          <ac:picMkLst>
+            <pc:docMk/>
+            <pc:sldMk cId="2343131900" sldId="570"/>
+            <ac:picMk id="10" creationId="{470AECB9-7583-EC47-8C72-F725A1519DAD}"/>
+          </ac:picMkLst>
+        </pc:picChg>
+        <pc:picChg chg="add mod">
+          <ac:chgData name="Long B Nguyen" userId="f59fb8f3-a021-417a-8bc1-65c8d471c621" providerId="ADAL" clId="{09EBCD6D-3E32-1447-A1AF-87925F52689B}" dt="2021-05-20T12:07:06.734" v="3474" actId="1076"/>
+          <ac:picMkLst>
+            <pc:docMk/>
+            <pc:sldMk cId="2343131900" sldId="570"/>
+            <ac:picMk id="11" creationId="{69463CE7-4495-2946-BD3D-2A2FC6CCCF0E}"/>
+          </ac:picMkLst>
+        </pc:picChg>
+      </pc:sldChg>
+      <pc:sldChg chg="modSp add mod modAnim">
+        <pc:chgData name="Long B Nguyen" userId="f59fb8f3-a021-417a-8bc1-65c8d471c621" providerId="ADAL" clId="{09EBCD6D-3E32-1447-A1AF-87925F52689B}" dt="2021-05-20T12:37:24.196" v="3690"/>
+        <pc:sldMkLst>
+          <pc:docMk/>
+          <pc:sldMk cId="192280408" sldId="571"/>
+        </pc:sldMkLst>
+        <pc:spChg chg="mod">
+          <ac:chgData name="Long B Nguyen" userId="f59fb8f3-a021-417a-8bc1-65c8d471c621" providerId="ADAL" clId="{09EBCD6D-3E32-1447-A1AF-87925F52689B}" dt="2021-05-19T16:51:54.793" v="3027" actId="14100"/>
+          <ac:spMkLst>
+            <pc:docMk/>
+            <pc:sldMk cId="192280408" sldId="571"/>
+            <ac:spMk id="2" creationId="{81DA7AEF-5DFF-DE4B-AB7D-FCB78C3BA9A2}"/>
+          </ac:spMkLst>
+        </pc:spChg>
+        <pc:picChg chg="mod">
+          <ac:chgData name="Long B Nguyen" userId="f59fb8f3-a021-417a-8bc1-65c8d471c621" providerId="ADAL" clId="{09EBCD6D-3E32-1447-A1AF-87925F52689B}" dt="2021-05-19T16:51:47.020" v="3019" actId="1076"/>
+          <ac:picMkLst>
+            <pc:docMk/>
+            <pc:sldMk cId="192280408" sldId="571"/>
+            <ac:picMk id="6" creationId="{28B86F79-A8B8-D44A-87CF-FA42CC3AD003}"/>
+          </ac:picMkLst>
+        </pc:picChg>
+      </pc:sldChg>
+      <pc:sldChg chg="add del">
+        <pc:chgData name="Long B Nguyen" userId="f59fb8f3-a021-417a-8bc1-65c8d471c621" providerId="ADAL" clId="{09EBCD6D-3E32-1447-A1AF-87925F52689B}" dt="2021-05-19T16:51:40.558" v="3017" actId="2696"/>
+        <pc:sldMkLst>
+          <pc:docMk/>
+          <pc:sldMk cId="3239055743" sldId="571"/>
+        </pc:sldMkLst>
+      </pc:sldChg>
+      <pc:sldChg chg="addSp modSp add mod modAnim">
+        <pc:chgData name="Long B Nguyen" userId="f59fb8f3-a021-417a-8bc1-65c8d471c621" providerId="ADAL" clId="{09EBCD6D-3E32-1447-A1AF-87925F52689B}" dt="2021-05-20T12:38:21.957" v="3699"/>
+        <pc:sldMkLst>
+          <pc:docMk/>
+          <pc:sldMk cId="2919397029" sldId="572"/>
+        </pc:sldMkLst>
+        <pc:picChg chg="add mod">
+          <ac:chgData name="Long B Nguyen" userId="f59fb8f3-a021-417a-8bc1-65c8d471c621" providerId="ADAL" clId="{09EBCD6D-3E32-1447-A1AF-87925F52689B}" dt="2021-05-20T12:11:28.995" v="3575" actId="1076"/>
+          <ac:picMkLst>
+            <pc:docMk/>
+            <pc:sldMk cId="2919397029" sldId="572"/>
+            <ac:picMk id="5" creationId="{2C9239E4-8BA2-764C-99C5-D11109FF1CFF}"/>
+          </ac:picMkLst>
+        </pc:picChg>
+        <pc:picChg chg="add">
+          <ac:chgData name="Long B Nguyen" userId="f59fb8f3-a021-417a-8bc1-65c8d471c621" providerId="ADAL" clId="{09EBCD6D-3E32-1447-A1AF-87925F52689B}" dt="2021-05-20T12:11:39.610" v="3576"/>
+          <ac:picMkLst>
+            <pc:docMk/>
+            <pc:sldMk cId="2919397029" sldId="572"/>
+            <ac:picMk id="6" creationId="{2A2EF63C-5553-DA41-9E0E-3B55E66B0E46}"/>
+          </ac:picMkLst>
+        </pc:picChg>
+        <pc:picChg chg="add mod">
+          <ac:chgData name="Long B Nguyen" userId="f59fb8f3-a021-417a-8bc1-65c8d471c621" providerId="ADAL" clId="{09EBCD6D-3E32-1447-A1AF-87925F52689B}" dt="2021-05-20T12:12:30.039" v="3580" actId="1076"/>
+          <ac:picMkLst>
+            <pc:docMk/>
+            <pc:sldMk cId="2919397029" sldId="572"/>
+            <ac:picMk id="7" creationId="{2E7B69B2-4750-954E-B514-3C2E9614907B}"/>
+          </ac:picMkLst>
+        </pc:picChg>
+        <pc:picChg chg="add mod">
+          <ac:chgData name="Long B Nguyen" userId="f59fb8f3-a021-417a-8bc1-65c8d471c621" providerId="ADAL" clId="{09EBCD6D-3E32-1447-A1AF-87925F52689B}" dt="2021-05-20T12:12:39.696" v="3582" actId="1076"/>
+          <ac:picMkLst>
+            <pc:docMk/>
+            <pc:sldMk cId="2919397029" sldId="572"/>
+            <ac:picMk id="8" creationId="{6D15B37F-C555-BA4B-99D7-5DF372B7AF99}"/>
+          </ac:picMkLst>
+        </pc:picChg>
+      </pc:sldChg>
+      <pc:sldChg chg="addSp delSp modSp add mod">
+        <pc:chgData name="Long B Nguyen" userId="f59fb8f3-a021-417a-8bc1-65c8d471c621" providerId="ADAL" clId="{09EBCD6D-3E32-1447-A1AF-87925F52689B}" dt="2021-05-20T12:38:32.356" v="3702" actId="14100"/>
+        <pc:sldMkLst>
+          <pc:docMk/>
+          <pc:sldMk cId="1063104711" sldId="573"/>
+        </pc:sldMkLst>
+        <pc:picChg chg="add mod">
+          <ac:chgData name="Long B Nguyen" userId="f59fb8f3-a021-417a-8bc1-65c8d471c621" providerId="ADAL" clId="{09EBCD6D-3E32-1447-A1AF-87925F52689B}" dt="2021-05-20T12:38:28.184" v="3700" actId="14100"/>
+          <ac:picMkLst>
+            <pc:docMk/>
+            <pc:sldMk cId="1063104711" sldId="573"/>
+            <ac:picMk id="5" creationId="{76796C52-B645-284F-9B0E-5A21F8F9BA11}"/>
+          </ac:picMkLst>
+        </pc:picChg>
+        <pc:picChg chg="add mod">
+          <ac:chgData name="Long B Nguyen" userId="f59fb8f3-a021-417a-8bc1-65c8d471c621" providerId="ADAL" clId="{09EBCD6D-3E32-1447-A1AF-87925F52689B}" dt="2021-05-20T12:38:32.356" v="3702" actId="14100"/>
+          <ac:picMkLst>
+            <pc:docMk/>
+            <pc:sldMk cId="1063104711" sldId="573"/>
+            <ac:picMk id="6" creationId="{C19AE137-BAD6-6B4A-9FCD-404A8DACD7A7}"/>
+          </ac:picMkLst>
+        </pc:picChg>
+        <pc:picChg chg="add del">
+          <ac:chgData name="Long B Nguyen" userId="f59fb8f3-a021-417a-8bc1-65c8d471c621" providerId="ADAL" clId="{09EBCD6D-3E32-1447-A1AF-87925F52689B}" dt="2021-05-20T12:17:44.365" v="3592" actId="478"/>
+          <ac:picMkLst>
+            <pc:docMk/>
+            <pc:sldMk cId="1063104711" sldId="573"/>
+            <ac:picMk id="7" creationId="{39E5169C-148B-4E4F-AF77-9FDB7F81C8B3}"/>
+          </ac:picMkLst>
+        </pc:picChg>
+      </pc:sldChg>
+      <pc:sldChg chg="addSp delSp modSp add mod modAnim">
+        <pc:chgData name="Long B Nguyen" userId="f59fb8f3-a021-417a-8bc1-65c8d471c621" providerId="ADAL" clId="{09EBCD6D-3E32-1447-A1AF-87925F52689B}" dt="2021-05-20T12:39:29.676" v="3714"/>
+        <pc:sldMkLst>
+          <pc:docMk/>
+          <pc:sldMk cId="1499385236" sldId="574"/>
+        </pc:sldMkLst>
+        <pc:picChg chg="add del mod">
+          <ac:chgData name="Long B Nguyen" userId="f59fb8f3-a021-417a-8bc1-65c8d471c621" providerId="ADAL" clId="{09EBCD6D-3E32-1447-A1AF-87925F52689B}" dt="2021-05-20T12:39:23.133" v="3710" actId="478"/>
+          <ac:picMkLst>
+            <pc:docMk/>
+            <pc:sldMk cId="1499385236" sldId="574"/>
+            <ac:picMk id="5" creationId="{00C9D25D-79A6-0743-8FC3-8054FD22C3A6}"/>
+          </ac:picMkLst>
+        </pc:picChg>
+        <pc:picChg chg="add mod">
+          <ac:chgData name="Long B Nguyen" userId="f59fb8f3-a021-417a-8bc1-65c8d471c621" providerId="ADAL" clId="{09EBCD6D-3E32-1447-A1AF-87925F52689B}" dt="2021-05-20T12:39:26.327" v="3712" actId="1076"/>
+          <ac:picMkLst>
+            <pc:docMk/>
+            <pc:sldMk cId="1499385236" sldId="574"/>
+            <ac:picMk id="6" creationId="{6F1F2B09-4410-0841-93E4-6C961300BD57}"/>
+          </ac:picMkLst>
+        </pc:picChg>
+        <pc:picChg chg="add mod">
+          <ac:chgData name="Long B Nguyen" userId="f59fb8f3-a021-417a-8bc1-65c8d471c621" providerId="ADAL" clId="{09EBCD6D-3E32-1447-A1AF-87925F52689B}" dt="2021-05-20T12:39:28.171" v="3713" actId="1076"/>
+          <ac:picMkLst>
+            <pc:docMk/>
+            <pc:sldMk cId="1499385236" sldId="574"/>
+            <ac:picMk id="7" creationId="{60A1C59E-17E2-2E43-A009-A2F1494FED43}"/>
+          </ac:picMkLst>
+        </pc:picChg>
+      </pc:sldChg>
+      <pc:sldChg chg="addSp delSp modSp add mod modAnim">
+        <pc:chgData name="Long B Nguyen" userId="f59fb8f3-a021-417a-8bc1-65c8d471c621" providerId="ADAL" clId="{09EBCD6D-3E32-1447-A1AF-87925F52689B}" dt="2021-05-20T12:36:48.236" v="3682"/>
+        <pc:sldMkLst>
+          <pc:docMk/>
+          <pc:sldMk cId="1553077223" sldId="575"/>
+        </pc:sldMkLst>
+        <pc:picChg chg="del">
+          <ac:chgData name="Long B Nguyen" userId="f59fb8f3-a021-417a-8bc1-65c8d471c621" providerId="ADAL" clId="{09EBCD6D-3E32-1447-A1AF-87925F52689B}" dt="2021-05-19T16:52:30.241" v="3031" actId="478"/>
+          <ac:picMkLst>
+            <pc:docMk/>
+            <pc:sldMk cId="1553077223" sldId="575"/>
+            <ac:picMk id="5" creationId="{509A77BD-1E48-AA46-8E26-ADA18B5627F7}"/>
+          </ac:picMkLst>
+        </pc:picChg>
+        <pc:picChg chg="del">
+          <ac:chgData name="Long B Nguyen" userId="f59fb8f3-a021-417a-8bc1-65c8d471c621" providerId="ADAL" clId="{09EBCD6D-3E32-1447-A1AF-87925F52689B}" dt="2021-05-19T16:52:32.319" v="3033" actId="478"/>
+          <ac:picMkLst>
+            <pc:docMk/>
+            <pc:sldMk cId="1553077223" sldId="575"/>
+            <ac:picMk id="6" creationId="{239C95C1-FF5A-BF41-A0AA-E2B9102A09CB}"/>
+          </ac:picMkLst>
+        </pc:picChg>
+        <pc:picChg chg="del">
+          <ac:chgData name="Long B Nguyen" userId="f59fb8f3-a021-417a-8bc1-65c8d471c621" providerId="ADAL" clId="{09EBCD6D-3E32-1447-A1AF-87925F52689B}" dt="2021-05-19T16:52:31.262" v="3032" actId="478"/>
+          <ac:picMkLst>
+            <pc:docMk/>
+            <pc:sldMk cId="1553077223" sldId="575"/>
+            <ac:picMk id="7" creationId="{2D122B8E-8888-9A47-8CDC-C13706878B4F}"/>
+          </ac:picMkLst>
+        </pc:picChg>
+        <pc:picChg chg="del">
+          <ac:chgData name="Long B Nguyen" userId="f59fb8f3-a021-417a-8bc1-65c8d471c621" providerId="ADAL" clId="{09EBCD6D-3E32-1447-A1AF-87925F52689B}" dt="2021-05-19T16:52:33.603" v="3034" actId="478"/>
+          <ac:picMkLst>
+            <pc:docMk/>
+            <pc:sldMk cId="1553077223" sldId="575"/>
+            <ac:picMk id="8" creationId="{E0422F40-6157-9742-9077-88F983EF8C3B}"/>
+          </ac:picMkLst>
+        </pc:picChg>
+        <pc:picChg chg="mod">
+          <ac:chgData name="Long B Nguyen" userId="f59fb8f3-a021-417a-8bc1-65c8d471c621" providerId="ADAL" clId="{09EBCD6D-3E32-1447-A1AF-87925F52689B}" dt="2021-05-19T16:52:35.837" v="3035" actId="1076"/>
+          <ac:picMkLst>
+            <pc:docMk/>
+            <pc:sldMk cId="1553077223" sldId="575"/>
+            <ac:picMk id="9" creationId="{4665B12E-C343-3C48-9C9B-6CB2DB9514BE}"/>
+          </ac:picMkLst>
+        </pc:picChg>
+        <pc:picChg chg="add mod">
+          <ac:chgData name="Long B Nguyen" userId="f59fb8f3-a021-417a-8bc1-65c8d471c621" providerId="ADAL" clId="{09EBCD6D-3E32-1447-A1AF-87925F52689B}" dt="2021-05-19T16:52:51.465" v="3037" actId="1076"/>
+          <ac:picMkLst>
+            <pc:docMk/>
+            <pc:sldMk cId="1553077223" sldId="575"/>
+            <ac:picMk id="10" creationId="{8FEE9C82-0592-AC4F-851F-526CD3FE5E29}"/>
+          </ac:picMkLst>
+        </pc:picChg>
+        <pc:picChg chg="add mod">
+          <ac:chgData name="Long B Nguyen" userId="f59fb8f3-a021-417a-8bc1-65c8d471c621" providerId="ADAL" clId="{09EBCD6D-3E32-1447-A1AF-87925F52689B}" dt="2021-05-19T16:53:04.627" v="3039" actId="1076"/>
+          <ac:picMkLst>
+            <pc:docMk/>
+            <pc:sldMk cId="1553077223" sldId="575"/>
+            <ac:picMk id="11" creationId="{3A5A416D-A1A3-464B-91ED-D8AE630D127C}"/>
+          </ac:picMkLst>
+        </pc:picChg>
+      </pc:sldChg>
+      <pc:sldChg chg="addSp delSp modSp add mod modAnim">
+        <pc:chgData name="Long B Nguyen" userId="f59fb8f3-a021-417a-8bc1-65c8d471c621" providerId="ADAL" clId="{09EBCD6D-3E32-1447-A1AF-87925F52689B}" dt="2021-05-20T12:37:19.951" v="3689"/>
+        <pc:sldMkLst>
+          <pc:docMk/>
+          <pc:sldMk cId="2524985795" sldId="576"/>
+        </pc:sldMkLst>
+        <pc:spChg chg="del">
+          <ac:chgData name="Long B Nguyen" userId="f59fb8f3-a021-417a-8bc1-65c8d471c621" providerId="ADAL" clId="{09EBCD6D-3E32-1447-A1AF-87925F52689B}" dt="2021-05-19T16:55:41.599" v="3051" actId="478"/>
+          <ac:spMkLst>
+            <pc:docMk/>
+            <pc:sldMk cId="2524985795" sldId="576"/>
+            <ac:spMk id="2" creationId="{893AF10F-C12D-6B4A-84C5-206A244BF7C6}"/>
+          </ac:spMkLst>
+        </pc:spChg>
+        <pc:spChg chg="add del mod">
+          <ac:chgData name="Long B Nguyen" userId="f59fb8f3-a021-417a-8bc1-65c8d471c621" providerId="ADAL" clId="{09EBCD6D-3E32-1447-A1AF-87925F52689B}" dt="2021-05-20T12:36:59.319" v="3686" actId="478"/>
+          <ac:spMkLst>
+            <pc:docMk/>
+            <pc:sldMk cId="2524985795" sldId="576"/>
+            <ac:spMk id="8" creationId="{DAAFBD56-78DE-0443-BB33-2355ABB9EFF7}"/>
+          </ac:spMkLst>
+        </pc:spChg>
+        <pc:picChg chg="add mod">
+          <ac:chgData name="Long B Nguyen" userId="f59fb8f3-a021-417a-8bc1-65c8d471c621" providerId="ADAL" clId="{09EBCD6D-3E32-1447-A1AF-87925F52689B}" dt="2021-05-19T16:55:51.368" v="3089" actId="1035"/>
+          <ac:picMkLst>
+            <pc:docMk/>
+            <pc:sldMk cId="2524985795" sldId="576"/>
+            <ac:picMk id="5" creationId="{8F474305-19A8-7441-B866-EF6109CBE1DE}"/>
+          </ac:picMkLst>
+        </pc:picChg>
+        <pc:picChg chg="add mod">
+          <ac:chgData name="Long B Nguyen" userId="f59fb8f3-a021-417a-8bc1-65c8d471c621" providerId="ADAL" clId="{09EBCD6D-3E32-1447-A1AF-87925F52689B}" dt="2021-05-19T16:55:51.368" v="3089" actId="1035"/>
+          <ac:picMkLst>
+            <pc:docMk/>
+            <pc:sldMk cId="2524985795" sldId="576"/>
+            <ac:picMk id="6" creationId="{83F70C2E-4293-2643-BDED-D5AB07884558}"/>
+          </ac:picMkLst>
+        </pc:picChg>
+        <pc:picChg chg="del">
+          <ac:chgData name="Long B Nguyen" userId="f59fb8f3-a021-417a-8bc1-65c8d471c621" providerId="ADAL" clId="{09EBCD6D-3E32-1447-A1AF-87925F52689B}" dt="2021-05-19T16:54:17.032" v="3042" actId="478"/>
+          <ac:picMkLst>
+            <pc:docMk/>
+            <pc:sldMk cId="2524985795" sldId="576"/>
+            <ac:picMk id="9" creationId="{4665B12E-C343-3C48-9C9B-6CB2DB9514BE}"/>
+          </ac:picMkLst>
+        </pc:picChg>
+        <pc:picChg chg="del">
+          <ac:chgData name="Long B Nguyen" userId="f59fb8f3-a021-417a-8bc1-65c8d471c621" providerId="ADAL" clId="{09EBCD6D-3E32-1447-A1AF-87925F52689B}" dt="2021-05-19T16:54:15.066" v="3041" actId="478"/>
+          <ac:picMkLst>
+            <pc:docMk/>
+            <pc:sldMk cId="2524985795" sldId="576"/>
+            <ac:picMk id="10" creationId="{8FEE9C82-0592-AC4F-851F-526CD3FE5E29}"/>
+          </ac:picMkLst>
+        </pc:picChg>
+        <pc:picChg chg="del">
+          <ac:chgData name="Long B Nguyen" userId="f59fb8f3-a021-417a-8bc1-65c8d471c621" providerId="ADAL" clId="{09EBCD6D-3E32-1447-A1AF-87925F52689B}" dt="2021-05-19T16:54:19.681" v="3043" actId="478"/>
+          <ac:picMkLst>
+            <pc:docMk/>
+            <pc:sldMk cId="2524985795" sldId="576"/>
+            <ac:picMk id="11" creationId="{3A5A416D-A1A3-464B-91ED-D8AE630D127C}"/>
+          </ac:picMkLst>
+        </pc:picChg>
+        <pc:picChg chg="add mod">
+          <ac:chgData name="Long B Nguyen" userId="f59fb8f3-a021-417a-8bc1-65c8d471c621" providerId="ADAL" clId="{09EBCD6D-3E32-1447-A1AF-87925F52689B}" dt="2021-05-19T16:56:05.315" v="3091" actId="1076"/>
+          <ac:picMkLst>
+            <pc:docMk/>
+            <pc:sldMk cId="2524985795" sldId="576"/>
+            <ac:picMk id="12" creationId="{7603AE32-0177-D64A-87FD-57BC1D50D604}"/>
+          </ac:picMkLst>
+        </pc:picChg>
+        <pc:picChg chg="add mod">
+          <ac:chgData name="Long B Nguyen" userId="f59fb8f3-a021-417a-8bc1-65c8d471c621" providerId="ADAL" clId="{09EBCD6D-3E32-1447-A1AF-87925F52689B}" dt="2021-05-19T16:56:16.156" v="3093" actId="1076"/>
+          <ac:picMkLst>
+            <pc:docMk/>
+            <pc:sldMk cId="2524985795" sldId="576"/>
+            <ac:picMk id="13" creationId="{65FC880C-25A5-F240-B6F1-681865F6D92B}"/>
+          </ac:picMkLst>
+        </pc:picChg>
+      </pc:sldChg>
+      <pc:sldChg chg="addSp add del">
+        <pc:chgData name="Long B Nguyen" userId="f59fb8f3-a021-417a-8bc1-65c8d471c621" providerId="ADAL" clId="{09EBCD6D-3E32-1447-A1AF-87925F52689B}" dt="2021-05-19T17:16:31.338" v="3095" actId="2696"/>
+        <pc:sldMkLst>
+          <pc:docMk/>
+          <pc:sldMk cId="3405528956" sldId="577"/>
+        </pc:sldMkLst>
+        <pc:picChg chg="add">
+          <ac:chgData name="Long B Nguyen" userId="f59fb8f3-a021-417a-8bc1-65c8d471c621" providerId="ADAL" clId="{09EBCD6D-3E32-1447-A1AF-87925F52689B}" dt="2021-05-19T17:16:28.852" v="3094"/>
+          <ac:picMkLst>
+            <pc:docMk/>
+            <pc:sldMk cId="3405528956" sldId="577"/>
+            <ac:picMk id="5" creationId="{5D7C94DA-3A04-FC42-B261-15CC2BAB147B}"/>
+          </ac:picMkLst>
+        </pc:picChg>
+      </pc:sldChg>
+      <pc:sldChg chg="addSp delSp add mod">
+        <pc:chgData name="Long B Nguyen" userId="f59fb8f3-a021-417a-8bc1-65c8d471c621" providerId="ADAL" clId="{09EBCD6D-3E32-1447-A1AF-87925F52689B}" dt="2021-05-19T17:18:52.021" v="3099" actId="478"/>
+        <pc:sldMkLst>
+          <pc:docMk/>
+          <pc:sldMk cId="3749000710" sldId="577"/>
+        </pc:sldMkLst>
+        <pc:picChg chg="add del">
+          <ac:chgData name="Long B Nguyen" userId="f59fb8f3-a021-417a-8bc1-65c8d471c621" providerId="ADAL" clId="{09EBCD6D-3E32-1447-A1AF-87925F52689B}" dt="2021-05-19T17:18:52.021" v="3099" actId="478"/>
+          <ac:picMkLst>
+            <pc:docMk/>
+            <pc:sldMk cId="3749000710" sldId="577"/>
+            <ac:picMk id="6" creationId="{ECFAEC23-90C2-974A-9492-A35922DDBE0A}"/>
+          </ac:picMkLst>
+        </pc:picChg>
+      </pc:sldChg>
+      <pc:sldChg chg="addSp delSp modSp add mod">
+        <pc:chgData name="Long B Nguyen" userId="f59fb8f3-a021-417a-8bc1-65c8d471c621" providerId="ADAL" clId="{09EBCD6D-3E32-1447-A1AF-87925F52689B}" dt="2021-05-19T17:19:40.432" v="3105" actId="478"/>
+        <pc:sldMkLst>
+          <pc:docMk/>
+          <pc:sldMk cId="754790522" sldId="578"/>
+        </pc:sldMkLst>
+        <pc:picChg chg="del">
+          <ac:chgData name="Long B Nguyen" userId="f59fb8f3-a021-417a-8bc1-65c8d471c621" providerId="ADAL" clId="{09EBCD6D-3E32-1447-A1AF-87925F52689B}" dt="2021-05-19T17:18:59.008" v="3101" actId="478"/>
+          <ac:picMkLst>
+            <pc:docMk/>
+            <pc:sldMk cId="754790522" sldId="578"/>
+            <ac:picMk id="5" creationId="{5D7C94DA-3A04-FC42-B261-15CC2BAB147B}"/>
+          </ac:picMkLst>
+        </pc:picChg>
+        <pc:picChg chg="mod">
+          <ac:chgData name="Long B Nguyen" userId="f59fb8f3-a021-417a-8bc1-65c8d471c621" providerId="ADAL" clId="{09EBCD6D-3E32-1447-A1AF-87925F52689B}" dt="2021-05-19T17:19:03.146" v="3102" actId="1076"/>
+          <ac:picMkLst>
+            <pc:docMk/>
+            <pc:sldMk cId="754790522" sldId="578"/>
+            <ac:picMk id="6" creationId="{ECFAEC23-90C2-974A-9492-A35922DDBE0A}"/>
+          </ac:picMkLst>
+        </pc:picChg>
+        <pc:picChg chg="add del">
+          <ac:chgData name="Long B Nguyen" userId="f59fb8f3-a021-417a-8bc1-65c8d471c621" providerId="ADAL" clId="{09EBCD6D-3E32-1447-A1AF-87925F52689B}" dt="2021-05-19T17:19:40.432" v="3105" actId="478"/>
+          <ac:picMkLst>
+            <pc:docMk/>
+            <pc:sldMk cId="754790522" sldId="578"/>
+            <ac:picMk id="7" creationId="{CAAE7837-B8E3-ED4E-A9DC-7D8DD00AEE6B}"/>
+          </ac:picMkLst>
+        </pc:picChg>
+      </pc:sldChg>
+      <pc:sldChg chg="delSp modSp add mod">
+        <pc:chgData name="Long B Nguyen" userId="f59fb8f3-a021-417a-8bc1-65c8d471c621" providerId="ADAL" clId="{09EBCD6D-3E32-1447-A1AF-87925F52689B}" dt="2021-05-19T17:19:46.405" v="3107" actId="20577"/>
+        <pc:sldMkLst>
+          <pc:docMk/>
+          <pc:sldMk cId="800131734" sldId="579"/>
+        </pc:sldMkLst>
+        <pc:spChg chg="mod">
+          <ac:chgData name="Long B Nguyen" userId="f59fb8f3-a021-417a-8bc1-65c8d471c621" providerId="ADAL" clId="{09EBCD6D-3E32-1447-A1AF-87925F52689B}" dt="2021-05-19T17:19:46.405" v="3107" actId="20577"/>
+          <ac:spMkLst>
+            <pc:docMk/>
+            <pc:sldMk cId="800131734" sldId="579"/>
+            <ac:spMk id="2" creationId="{893AF10F-C12D-6B4A-84C5-206A244BF7C6}"/>
+          </ac:spMkLst>
+        </pc:spChg>
+        <pc:picChg chg="del">
+          <ac:chgData name="Long B Nguyen" userId="f59fb8f3-a021-417a-8bc1-65c8d471c621" providerId="ADAL" clId="{09EBCD6D-3E32-1447-A1AF-87925F52689B}" dt="2021-05-19T17:19:42.616" v="3106" actId="478"/>
+          <ac:picMkLst>
+            <pc:docMk/>
+            <pc:sldMk cId="800131734" sldId="579"/>
+            <ac:picMk id="6" creationId="{ECFAEC23-90C2-974A-9492-A35922DDBE0A}"/>
+          </ac:picMkLst>
+        </pc:picChg>
+      </pc:sldChg>
+      <pc:sldChg chg="addSp new">
+        <pc:chgData name="Long B Nguyen" userId="f59fb8f3-a021-417a-8bc1-65c8d471c621" providerId="ADAL" clId="{09EBCD6D-3E32-1447-A1AF-87925F52689B}" dt="2021-05-19T17:20:08.776" v="3109"/>
+        <pc:sldMkLst>
+          <pc:docMk/>
+          <pc:sldMk cId="4120892338" sldId="580"/>
+        </pc:sldMkLst>
+        <pc:picChg chg="add">
+          <ac:chgData name="Long B Nguyen" userId="f59fb8f3-a021-417a-8bc1-65c8d471c621" providerId="ADAL" clId="{09EBCD6D-3E32-1447-A1AF-87925F52689B}" dt="2021-05-19T17:20:08.776" v="3109"/>
+          <ac:picMkLst>
+            <pc:docMk/>
+            <pc:sldMk cId="4120892338" sldId="580"/>
+            <ac:picMk id="5" creationId="{5FB4BA64-47BB-5740-BF64-C4B45159DA7B}"/>
+          </ac:picMkLst>
+        </pc:picChg>
+      </pc:sldChg>
+      <pc:sldChg chg="add modAnim">
+        <pc:chgData name="Long B Nguyen" userId="f59fb8f3-a021-417a-8bc1-65c8d471c621" providerId="ADAL" clId="{09EBCD6D-3E32-1447-A1AF-87925F52689B}" dt="2021-05-20T12:37:35.001" v="3691"/>
+        <pc:sldMkLst>
+          <pc:docMk/>
+          <pc:sldMk cId="759587535" sldId="581"/>
+        </pc:sldMkLst>
+      </pc:sldChg>
+      <pc:sldChg chg="addSp modSp new add del mod">
+        <pc:chgData name="Long B Nguyen" userId="f59fb8f3-a021-417a-8bc1-65c8d471c621" providerId="ADAL" clId="{09EBCD6D-3E32-1447-A1AF-87925F52689B}" dt="2021-05-20T11:57:02.406" v="3277" actId="2696"/>
+        <pc:sldMkLst>
+          <pc:docMk/>
+          <pc:sldMk cId="2802732849" sldId="581"/>
+        </pc:sldMkLst>
+        <pc:spChg chg="mod">
+          <ac:chgData name="Long B Nguyen" userId="f59fb8f3-a021-417a-8bc1-65c8d471c621" providerId="ADAL" clId="{09EBCD6D-3E32-1447-A1AF-87925F52689B}" dt="2021-05-19T17:21:46.751" v="3274" actId="20577"/>
+          <ac:spMkLst>
+            <pc:docMk/>
+            <pc:sldMk cId="2802732849" sldId="581"/>
+            <ac:spMk id="3" creationId="{2283E578-0EF8-F640-BD0E-289AA175025D}"/>
+          </ac:spMkLst>
+        </pc:spChg>
+        <pc:picChg chg="add mod">
+          <ac:chgData name="Long B Nguyen" userId="f59fb8f3-a021-417a-8bc1-65c8d471c621" providerId="ADAL" clId="{09EBCD6D-3E32-1447-A1AF-87925F52689B}" dt="2021-05-19T17:20:52.216" v="3115" actId="1076"/>
+          <ac:picMkLst>
+            <pc:docMk/>
+            <pc:sldMk cId="2802732849" sldId="581"/>
+            <ac:picMk id="5" creationId="{DBE6B1FC-3916-7F47-87D8-A12D1B80FE21}"/>
+          </ac:picMkLst>
+        </pc:picChg>
+        <pc:picChg chg="add mod">
+          <ac:chgData name="Long B Nguyen" userId="f59fb8f3-a021-417a-8bc1-65c8d471c621" providerId="ADAL" clId="{09EBCD6D-3E32-1447-A1AF-87925F52689B}" dt="2021-05-19T17:20:57.835" v="3118" actId="1076"/>
+          <ac:picMkLst>
+            <pc:docMk/>
+            <pc:sldMk cId="2802732849" sldId="581"/>
+            <ac:picMk id="6" creationId="{5F71E33B-2DE6-8742-8EBC-0F67C1638F8A}"/>
+          </ac:picMkLst>
+        </pc:picChg>
+      </pc:sldChg>
+      <pc:sldChg chg="addSp delSp modSp add mod modAnim">
+        <pc:chgData name="Long B Nguyen" userId="f59fb8f3-a021-417a-8bc1-65c8d471c621" providerId="ADAL" clId="{09EBCD6D-3E32-1447-A1AF-87925F52689B}" dt="2021-05-20T12:38:10.341" v="3697"/>
+        <pc:sldMkLst>
+          <pc:docMk/>
+          <pc:sldMk cId="1551865980" sldId="582"/>
+        </pc:sldMkLst>
+        <pc:spChg chg="mod">
+          <ac:chgData name="Long B Nguyen" userId="f59fb8f3-a021-417a-8bc1-65c8d471c621" providerId="ADAL" clId="{09EBCD6D-3E32-1447-A1AF-87925F52689B}" dt="2021-05-20T12:08:11.309" v="3559" actId="14100"/>
+          <ac:spMkLst>
+            <pc:docMk/>
+            <pc:sldMk cId="1551865980" sldId="582"/>
+            <ac:spMk id="3" creationId="{39F63C40-C1B9-5E43-822C-1EE1EE79D949}"/>
+          </ac:spMkLst>
+        </pc:spChg>
+        <pc:picChg chg="add mod">
+          <ac:chgData name="Long B Nguyen" userId="f59fb8f3-a021-417a-8bc1-65c8d471c621" providerId="ADAL" clId="{09EBCD6D-3E32-1447-A1AF-87925F52689B}" dt="2021-05-20T12:07:42.300" v="3480" actId="1076"/>
+          <ac:picMkLst>
+            <pc:docMk/>
+            <pc:sldMk cId="1551865980" sldId="582"/>
+            <ac:picMk id="5" creationId="{AED1616B-F0F2-4E4F-9739-D7FE0637D8B6}"/>
+          </ac:picMkLst>
+        </pc:picChg>
+        <pc:picChg chg="del">
+          <ac:chgData name="Long B Nguyen" userId="f59fb8f3-a021-417a-8bc1-65c8d471c621" providerId="ADAL" clId="{09EBCD6D-3E32-1447-A1AF-87925F52689B}" dt="2021-05-20T12:07:39.616" v="3478" actId="478"/>
+          <ac:picMkLst>
+            <pc:docMk/>
+            <pc:sldMk cId="1551865980" sldId="582"/>
+            <ac:picMk id="11" creationId="{69463CE7-4495-2946-BD3D-2A2FC6CCCF0E}"/>
+          </ac:picMkLst>
+        </pc:picChg>
+      </pc:sldChg>
+      <pc:sldChg chg="addSp delSp modSp new mod modAnim">
+        <pc:chgData name="Long B Nguyen" userId="f59fb8f3-a021-417a-8bc1-65c8d471c621" providerId="ADAL" clId="{09EBCD6D-3E32-1447-A1AF-87925F52689B}" dt="2021-05-20T12:38:16.198" v="3698"/>
+        <pc:sldMkLst>
+          <pc:docMk/>
+          <pc:sldMk cId="463059091" sldId="583"/>
+        </pc:sldMkLst>
+        <pc:picChg chg="add mod">
+          <ac:chgData name="Long B Nguyen" userId="f59fb8f3-a021-417a-8bc1-65c8d471c621" providerId="ADAL" clId="{09EBCD6D-3E32-1447-A1AF-87925F52689B}" dt="2021-05-20T12:10:05.851" v="3570" actId="1076"/>
+          <ac:picMkLst>
+            <pc:docMk/>
+            <pc:sldMk cId="463059091" sldId="583"/>
+            <ac:picMk id="5" creationId="{CB9D680A-DD72-0E4E-A852-E46952B4C240}"/>
+          </ac:picMkLst>
+        </pc:picChg>
+        <pc:picChg chg="add del mod">
+          <ac:chgData name="Long B Nguyen" userId="f59fb8f3-a021-417a-8bc1-65c8d471c621" providerId="ADAL" clId="{09EBCD6D-3E32-1447-A1AF-87925F52689B}" dt="2021-05-20T12:11:46.104" v="3577" actId="478"/>
+          <ac:picMkLst>
+            <pc:docMk/>
+            <pc:sldMk cId="463059091" sldId="583"/>
+            <ac:picMk id="6" creationId="{AC5BDE2E-861A-E44C-8411-3B7D74317D66}"/>
+          </ac:picMkLst>
+        </pc:picChg>
+        <pc:picChg chg="add mod">
+          <ac:chgData name="Long B Nguyen" userId="f59fb8f3-a021-417a-8bc1-65c8d471c621" providerId="ADAL" clId="{09EBCD6D-3E32-1447-A1AF-87925F52689B}" dt="2021-05-20T12:10:19.107" v="3573" actId="1076"/>
+          <ac:picMkLst>
+            <pc:docMk/>
+            <pc:sldMk cId="463059091" sldId="583"/>
+            <ac:picMk id="7" creationId="{F073FF49-577A-9448-BC0B-14879EC16F58}"/>
+          </ac:picMkLst>
+        </pc:picChg>
+        <pc:picChg chg="add">
+          <ac:chgData name="Long B Nguyen" userId="f59fb8f3-a021-417a-8bc1-65c8d471c621" providerId="ADAL" clId="{09EBCD6D-3E32-1447-A1AF-87925F52689B}" dt="2021-05-20T12:11:46.735" v="3578"/>
+          <ac:picMkLst>
+            <pc:docMk/>
+            <pc:sldMk cId="463059091" sldId="583"/>
+            <ac:picMk id="8" creationId="{2B780B80-BD31-C546-9B8F-C7C8876CF5DB}"/>
+          </ac:picMkLst>
+        </pc:picChg>
+      </pc:sldChg>
+      <pc:sldChg chg="addSp modSp new mod modAnim">
+        <pc:chgData name="Long B Nguyen" userId="f59fb8f3-a021-417a-8bc1-65c8d471c621" providerId="ADAL" clId="{09EBCD6D-3E32-1447-A1AF-87925F52689B}" dt="2021-05-20T12:38:44.862" v="3705"/>
+        <pc:sldMkLst>
+          <pc:docMk/>
+          <pc:sldMk cId="1126682757" sldId="584"/>
+        </pc:sldMkLst>
+        <pc:picChg chg="add mod">
+          <ac:chgData name="Long B Nguyen" userId="f59fb8f3-a021-417a-8bc1-65c8d471c621" providerId="ADAL" clId="{09EBCD6D-3E32-1447-A1AF-87925F52689B}" dt="2021-05-20T12:18:22.290" v="3597" actId="1076"/>
+          <ac:picMkLst>
+            <pc:docMk/>
+            <pc:sldMk cId="1126682757" sldId="584"/>
+            <ac:picMk id="5" creationId="{7D99EFEE-5A3C-9745-88A6-00922D2D0606}"/>
+          </ac:picMkLst>
+        </pc:picChg>
+        <pc:picChg chg="add mod">
+          <ac:chgData name="Long B Nguyen" userId="f59fb8f3-a021-417a-8bc1-65c8d471c621" providerId="ADAL" clId="{09EBCD6D-3E32-1447-A1AF-87925F52689B}" dt="2021-05-20T12:18:39.348" v="3599" actId="1076"/>
+          <ac:picMkLst>
+            <pc:docMk/>
+            <pc:sldMk cId="1126682757" sldId="584"/>
+            <ac:picMk id="6" creationId="{DDF0D4E9-740B-CE42-9901-D275F4ACFB7D}"/>
+          </ac:picMkLst>
+        </pc:picChg>
+        <pc:picChg chg="add mod">
+          <ac:chgData name="Long B Nguyen" userId="f59fb8f3-a021-417a-8bc1-65c8d471c621" providerId="ADAL" clId="{09EBCD6D-3E32-1447-A1AF-87925F52689B}" dt="2021-05-20T12:18:53.157" v="3601" actId="1076"/>
+          <ac:picMkLst>
+            <pc:docMk/>
+            <pc:sldMk cId="1126682757" sldId="584"/>
+            <ac:picMk id="7" creationId="{4613433B-1136-564D-AA84-C5839A31BB5B}"/>
+          </ac:picMkLst>
+        </pc:picChg>
+        <pc:picChg chg="add mod">
+          <ac:chgData name="Long B Nguyen" userId="f59fb8f3-a021-417a-8bc1-65c8d471c621" providerId="ADAL" clId="{09EBCD6D-3E32-1447-A1AF-87925F52689B}" dt="2021-05-20T12:19:03.261" v="3603" actId="1076"/>
+          <ac:picMkLst>
+            <pc:docMk/>
+            <pc:sldMk cId="1126682757" sldId="584"/>
+            <ac:picMk id="8" creationId="{EBE2A526-0304-7A48-B615-9BE8FDCBFDDF}"/>
+          </ac:picMkLst>
+        </pc:picChg>
+      </pc:sldChg>
+      <pc:sldChg chg="addSp modSp new mod">
+        <pc:chgData name="Long B Nguyen" userId="f59fb8f3-a021-417a-8bc1-65c8d471c621" providerId="ADAL" clId="{09EBCD6D-3E32-1447-A1AF-87925F52689B}" dt="2021-05-20T12:19:35.221" v="3606" actId="1076"/>
+        <pc:sldMkLst>
+          <pc:docMk/>
+          <pc:sldMk cId="509745851" sldId="585"/>
+        </pc:sldMkLst>
+        <pc:picChg chg="add mod">
+          <ac:chgData name="Long B Nguyen" userId="f59fb8f3-a021-417a-8bc1-65c8d471c621" providerId="ADAL" clId="{09EBCD6D-3E32-1447-A1AF-87925F52689B}" dt="2021-05-20T12:19:35.221" v="3606" actId="1076"/>
+          <ac:picMkLst>
+            <pc:docMk/>
+            <pc:sldMk cId="509745851" sldId="585"/>
+            <ac:picMk id="5" creationId="{0B9B50FB-A52F-A44C-99B9-4CEDC8785BF6}"/>
+          </ac:picMkLst>
+        </pc:picChg>
+      </pc:sldChg>
+      <pc:sldChg chg="addSp modSp new mod modAnim">
+        <pc:chgData name="Long B Nguyen" userId="f59fb8f3-a021-417a-8bc1-65c8d471c621" providerId="ADAL" clId="{09EBCD6D-3E32-1447-A1AF-87925F52689B}" dt="2021-05-20T12:38:52.558" v="3706"/>
+        <pc:sldMkLst>
+          <pc:docMk/>
+          <pc:sldMk cId="2548714140" sldId="586"/>
+        </pc:sldMkLst>
+        <pc:picChg chg="add mod">
+          <ac:chgData name="Long B Nguyen" userId="f59fb8f3-a021-417a-8bc1-65c8d471c621" providerId="ADAL" clId="{09EBCD6D-3E32-1447-A1AF-87925F52689B}" dt="2021-05-20T12:23:22.393" v="3630" actId="14100"/>
+          <ac:picMkLst>
+            <pc:docMk/>
+            <pc:sldMk cId="2548714140" sldId="586"/>
+            <ac:picMk id="5" creationId="{21D02DE6-71B6-B245-A73C-F0F0EF936423}"/>
+          </ac:picMkLst>
+        </pc:picChg>
+        <pc:picChg chg="add mod">
+          <ac:chgData name="Long B Nguyen" userId="f59fb8f3-a021-417a-8bc1-65c8d471c621" providerId="ADAL" clId="{09EBCD6D-3E32-1447-A1AF-87925F52689B}" dt="2021-05-20T12:23:23.448" v="3631" actId="1076"/>
+          <ac:picMkLst>
+            <pc:docMk/>
+            <pc:sldMk cId="2548714140" sldId="586"/>
+            <ac:picMk id="6" creationId="{18571DD6-EE9C-EA49-91B0-84D3F8D283A9}"/>
+          </ac:picMkLst>
+        </pc:picChg>
+      </pc:sldChg>
+      <pc:sldChg chg="addSp modSp new mod">
+        <pc:chgData name="Long B Nguyen" userId="f59fb8f3-a021-417a-8bc1-65c8d471c621" providerId="ADAL" clId="{09EBCD6D-3E32-1447-A1AF-87925F52689B}" dt="2021-05-20T12:21:45.898" v="3619" actId="1076"/>
+        <pc:sldMkLst>
+          <pc:docMk/>
+          <pc:sldMk cId="4154652441" sldId="587"/>
+        </pc:sldMkLst>
+        <pc:picChg chg="add mod">
+          <ac:chgData name="Long B Nguyen" userId="f59fb8f3-a021-417a-8bc1-65c8d471c621" providerId="ADAL" clId="{09EBCD6D-3E32-1447-A1AF-87925F52689B}" dt="2021-05-20T12:21:45.898" v="3619" actId="1076"/>
+          <ac:picMkLst>
+            <pc:docMk/>
+            <pc:sldMk cId="4154652441" sldId="587"/>
+            <ac:picMk id="5" creationId="{FD22C92A-6245-B143-98CC-C11EBC9D986A}"/>
+          </ac:picMkLst>
+        </pc:picChg>
+      </pc:sldChg>
       <pc:sldChg chg="del">
         <pc:chgData name="Long B Nguyen" userId="f59fb8f3-a021-417a-8bc1-65c8d471c621" providerId="ADAL" clId="{09EBCD6D-3E32-1447-A1AF-87925F52689B}" dt="2021-05-17T12:18:23.192" v="23" actId="2696"/>
         <pc:sldMkLst>
@@ -4076,12 +4916,81 @@
           <pc:sldMk cId="3124746191" sldId="588"/>
         </pc:sldMkLst>
       </pc:sldChg>
+      <pc:sldChg chg="addSp modSp new mod modAnim">
+        <pc:chgData name="Long B Nguyen" userId="f59fb8f3-a021-417a-8bc1-65c8d471c621" providerId="ADAL" clId="{09EBCD6D-3E32-1447-A1AF-87925F52689B}" dt="2021-05-20T12:39:35.832" v="3715"/>
+        <pc:sldMkLst>
+          <pc:docMk/>
+          <pc:sldMk cId="4264445299" sldId="588"/>
+        </pc:sldMkLst>
+        <pc:picChg chg="add mod">
+          <ac:chgData name="Long B Nguyen" userId="f59fb8f3-a021-417a-8bc1-65c8d471c621" providerId="ADAL" clId="{09EBCD6D-3E32-1447-A1AF-87925F52689B}" dt="2021-05-20T12:23:06.900" v="3625" actId="14100"/>
+          <ac:picMkLst>
+            <pc:docMk/>
+            <pc:sldMk cId="4264445299" sldId="588"/>
+            <ac:picMk id="5" creationId="{58C141FE-53D7-3343-BB1F-EE294018FE3C}"/>
+          </ac:picMkLst>
+        </pc:picChg>
+        <pc:picChg chg="add mod">
+          <ac:chgData name="Long B Nguyen" userId="f59fb8f3-a021-417a-8bc1-65c8d471c621" providerId="ADAL" clId="{09EBCD6D-3E32-1447-A1AF-87925F52689B}" dt="2021-05-20T12:23:10.151" v="3627" actId="1076"/>
+          <ac:picMkLst>
+            <pc:docMk/>
+            <pc:sldMk cId="4264445299" sldId="588"/>
+            <ac:picMk id="6" creationId="{76F39EB2-6D66-854B-B080-61F686B36D20}"/>
+          </ac:picMkLst>
+        </pc:picChg>
+      </pc:sldChg>
       <pc:sldChg chg="del">
         <pc:chgData name="Long B Nguyen" userId="f59fb8f3-a021-417a-8bc1-65c8d471c621" providerId="ADAL" clId="{09EBCD6D-3E32-1447-A1AF-87925F52689B}" dt="2021-05-17T12:18:23.192" v="23" actId="2696"/>
         <pc:sldMkLst>
           <pc:docMk/>
           <pc:sldMk cId="2267031669" sldId="589"/>
         </pc:sldMkLst>
+      </pc:sldChg>
+      <pc:sldChg chg="addSp modSp new mod">
+        <pc:chgData name="Long B Nguyen" userId="f59fb8f3-a021-417a-8bc1-65c8d471c621" providerId="ADAL" clId="{09EBCD6D-3E32-1447-A1AF-87925F52689B}" dt="2021-05-20T12:25:16.826" v="3636" actId="1076"/>
+        <pc:sldMkLst>
+          <pc:docMk/>
+          <pc:sldMk cId="3414404792" sldId="589"/>
+        </pc:sldMkLst>
+        <pc:picChg chg="add mod">
+          <ac:chgData name="Long B Nguyen" userId="f59fb8f3-a021-417a-8bc1-65c8d471c621" providerId="ADAL" clId="{09EBCD6D-3E32-1447-A1AF-87925F52689B}" dt="2021-05-20T12:24:59.119" v="3634" actId="1076"/>
+          <ac:picMkLst>
+            <pc:docMk/>
+            <pc:sldMk cId="3414404792" sldId="589"/>
+            <ac:picMk id="5" creationId="{EA58E04D-0023-7F43-B9A3-78C7AD7A2310}"/>
+          </ac:picMkLst>
+        </pc:picChg>
+        <pc:picChg chg="add mod">
+          <ac:chgData name="Long B Nguyen" userId="f59fb8f3-a021-417a-8bc1-65c8d471c621" providerId="ADAL" clId="{09EBCD6D-3E32-1447-A1AF-87925F52689B}" dt="2021-05-20T12:25:16.826" v="3636" actId="1076"/>
+          <ac:picMkLst>
+            <pc:docMk/>
+            <pc:sldMk cId="3414404792" sldId="589"/>
+            <ac:picMk id="6" creationId="{9A2F41B9-C8A5-FF47-AE48-7429CDD467F9}"/>
+          </ac:picMkLst>
+        </pc:picChg>
+      </pc:sldChg>
+      <pc:sldChg chg="addSp modSp new mod">
+        <pc:chgData name="Long B Nguyen" userId="f59fb8f3-a021-417a-8bc1-65c8d471c621" providerId="ADAL" clId="{09EBCD6D-3E32-1447-A1AF-87925F52689B}" dt="2021-05-20T12:25:51.503" v="3645" actId="1076"/>
+        <pc:sldMkLst>
+          <pc:docMk/>
+          <pc:sldMk cId="3265024698" sldId="590"/>
+        </pc:sldMkLst>
+        <pc:picChg chg="add mod">
+          <ac:chgData name="Long B Nguyen" userId="f59fb8f3-a021-417a-8bc1-65c8d471c621" providerId="ADAL" clId="{09EBCD6D-3E32-1447-A1AF-87925F52689B}" dt="2021-05-20T12:25:51.503" v="3645" actId="1076"/>
+          <ac:picMkLst>
+            <pc:docMk/>
+            <pc:sldMk cId="3265024698" sldId="590"/>
+            <ac:picMk id="5" creationId="{CC1C2214-1A6E-D245-B2F8-CC62E7912428}"/>
+          </ac:picMkLst>
+        </pc:picChg>
+        <pc:picChg chg="add mod">
+          <ac:chgData name="Long B Nguyen" userId="f59fb8f3-a021-417a-8bc1-65c8d471c621" providerId="ADAL" clId="{09EBCD6D-3E32-1447-A1AF-87925F52689B}" dt="2021-05-20T12:25:49.433" v="3644" actId="14100"/>
+          <ac:picMkLst>
+            <pc:docMk/>
+            <pc:sldMk cId="3265024698" sldId="590"/>
+            <ac:picMk id="6" creationId="{3C48D10D-087B-8E42-8685-A211760E3C45}"/>
+          </ac:picMkLst>
+        </pc:picChg>
       </pc:sldChg>
       <pc:sldChg chg="del">
         <pc:chgData name="Long B Nguyen" userId="f59fb8f3-a021-417a-8bc1-65c8d471c621" providerId="ADAL" clId="{09EBCD6D-3E32-1447-A1AF-87925F52689B}" dt="2021-05-17T12:18:23.192" v="23" actId="2696"/>
@@ -7882,7 +8791,7 @@
           <a:p>
             <a:fld id="{6EDD99D2-A624-5E4F-A4E3-584054837B5A}" type="datetimeFigureOut">
               <a:rPr lang="en-US" smtClean="0"/>
-              <a:t>5/19/21</a:t>
+              <a:t>5/20/21</a:t>
             </a:fld>
             <a:endParaRPr lang="en-US"/>
           </a:p>
@@ -8280,7 +9189,7 @@
           <a:p>
             <a:fld id="{C96F47CA-F895-6945-BE27-26692229FACF}" type="datetime1">
               <a:rPr lang="en-US" smtClean="0"/>
-              <a:t>5/19/21</a:t>
+              <a:t>5/20/21</a:t>
             </a:fld>
             <a:endParaRPr lang="en-US" dirty="0"/>
           </a:p>
@@ -8450,7 +9359,7 @@
           <a:p>
             <a:fld id="{AF706D67-2012-D043-9F80-5C2BDD609BD3}" type="datetime1">
               <a:rPr lang="en-US" smtClean="0"/>
-              <a:t>5/19/21</a:t>
+              <a:t>5/20/21</a:t>
             </a:fld>
             <a:endParaRPr lang="en-US" dirty="0"/>
           </a:p>
@@ -8630,7 +9539,7 @@
           <a:p>
             <a:fld id="{5B79ACE4-03B6-794A-A48C-13F9598CCD28}" type="datetime1">
               <a:rPr lang="en-US" smtClean="0"/>
-              <a:t>5/19/21</a:t>
+              <a:t>5/20/21</a:t>
             </a:fld>
             <a:endParaRPr lang="en-US" dirty="0"/>
           </a:p>
@@ -8800,7 +9709,7 @@
           <a:p>
             <a:fld id="{6DA7C96B-D6FF-5D47-8EF3-542FD5A88E7C}" type="datetime1">
               <a:rPr lang="en-US" smtClean="0"/>
-              <a:t>5/19/21</a:t>
+              <a:t>5/20/21</a:t>
             </a:fld>
             <a:endParaRPr lang="en-US" dirty="0"/>
           </a:p>
@@ -9046,7 +9955,7 @@
           <a:p>
             <a:fld id="{5A6358E7-4856-3046-9420-8ADBF7A86D8C}" type="datetime1">
               <a:rPr lang="en-US" smtClean="0"/>
-              <a:t>5/19/21</a:t>
+              <a:t>5/20/21</a:t>
             </a:fld>
             <a:endParaRPr lang="en-US" dirty="0"/>
           </a:p>
@@ -9278,7 +10187,7 @@
           <a:p>
             <a:fld id="{6779F35A-9F43-7048-AA95-2DCA7E8C0780}" type="datetime1">
               <a:rPr lang="en-US" smtClean="0"/>
-              <a:t>5/19/21</a:t>
+              <a:t>5/20/21</a:t>
             </a:fld>
             <a:endParaRPr lang="en-US" dirty="0"/>
           </a:p>
@@ -9645,7 +10554,7 @@
           <a:p>
             <a:fld id="{B7CB2D7C-E370-DC40-8D10-DF8CB1A188CA}" type="datetime1">
               <a:rPr lang="en-US" smtClean="0"/>
-              <a:t>5/19/21</a:t>
+              <a:t>5/20/21</a:t>
             </a:fld>
             <a:endParaRPr lang="en-US" dirty="0"/>
           </a:p>
@@ -9763,7 +10672,7 @@
           <a:p>
             <a:fld id="{68AA69A2-3CD0-BE49-AF6E-9E037A40F43F}" type="datetime1">
               <a:rPr lang="en-US" smtClean="0"/>
-              <a:t>5/19/21</a:t>
+              <a:t>5/20/21</a:t>
             </a:fld>
             <a:endParaRPr lang="en-US" dirty="0"/>
           </a:p>
@@ -9858,7 +10767,7 @@
           <a:p>
             <a:fld id="{1EB50D9D-ACA9-3C4A-A3FC-7A265C0CEBD3}" type="datetime1">
               <a:rPr lang="en-US" smtClean="0"/>
-              <a:t>5/19/21</a:t>
+              <a:t>5/20/21</a:t>
             </a:fld>
             <a:endParaRPr lang="en-US" dirty="0"/>
           </a:p>
@@ -10135,7 +11044,7 @@
           <a:p>
             <a:fld id="{A08B2DD4-8739-D748-B308-CD7D801B0131}" type="datetime1">
               <a:rPr lang="en-US" smtClean="0"/>
-              <a:t>5/19/21</a:t>
+              <a:t>5/20/21</a:t>
             </a:fld>
             <a:endParaRPr lang="en-US" dirty="0"/>
           </a:p>
@@ -10392,7 +11301,7 @@
           <a:p>
             <a:fld id="{98622575-E24A-D548-838B-E385F9D0E59A}" type="datetime1">
               <a:rPr lang="en-US" smtClean="0"/>
-              <a:t>5/19/21</a:t>
+              <a:t>5/20/21</a:t>
             </a:fld>
             <a:endParaRPr lang="en-US" dirty="0"/>
           </a:p>
@@ -10605,7 +11514,7 @@
           <a:p>
             <a:fld id="{272BAF4E-9F7C-284D-B40D-0B83E546F887}" type="datetime1">
               <a:rPr lang="en-US" smtClean="0"/>
-              <a:t>5/19/21</a:t>
+              <a:t>5/20/21</a:t>
             </a:fld>
             <a:endParaRPr lang="en-US" dirty="0"/>
           </a:p>
@@ -15469,18 +16378,7 @@
             <a:pPr marL="0" indent="0">
               <a:buNone/>
             </a:pPr>
-            <a:r>
-              <a:rPr lang="en-US" dirty="0"/>
-              <a:t>﻿In computer science, an </a:t>
-            </a:r>
-            <a:r>
-              <a:rPr lang="en-US" b="1" dirty="0"/>
-              <a:t>abstraction</a:t>
-            </a:r>
-            <a:r>
-              <a:rPr lang="en-US" dirty="0"/>
-              <a:t> is a way to represent essential features without including the background details or explanations. Abstractions reduce complexity and allow for efficient design and implementation of complex software systems. </a:t>
-            </a:r>
+            <a:endParaRPr lang="en-US" dirty="0"/>
           </a:p>
           <a:p>
             <a:pPr marL="0" indent="0">
@@ -15494,7 +16392,7 @@
             </a:pPr>
             <a:r>
               <a:rPr lang="en-US" dirty="0"/>
-              <a:t>Abstractions become a necessity as systems become more complex. For example, anytime you check your stories on Instagram, you are using a bunch of processes in the background that you have no control over. </a:t>
+              <a:t>The AP exam will use a language-agnostic syntax for programming and algorithm questions. </a:t>
             </a:r>
           </a:p>
           <a:p>
@@ -15509,7 +16407,7 @@
             </a:pPr>
             <a:r>
               <a:rPr lang="en-US" dirty="0"/>
-              <a:t>Without these abstractions, it would be difficult to send a message to a friend. With the use of abstractions, you can focus on content, not the technical details of how the application works.</a:t>
+              <a:t>Please see the following reference sheet(also available during the actual exam) for more details about the syntax.</a:t>
             </a:r>
           </a:p>
           <a:p>
@@ -15522,42 +16420,12 @@
             <a:pPr marL="0" indent="0">
               <a:buNone/>
             </a:pPr>
-            <a:endParaRPr lang="en-US" dirty="0"/>
-          </a:p>
-          <a:p>
-            <a:pPr marL="0" indent="0">
-              <a:buNone/>
-            </a:pPr>
-            <a:endParaRPr lang="en-US" dirty="0"/>
-          </a:p>
-          <a:p>
-            <a:pPr marL="0" indent="0">
-              <a:buNone/>
-            </a:pPr>
-            <a:endParaRPr lang="en-US" dirty="0"/>
-          </a:p>
-          <a:p>
-            <a:pPr marL="0" indent="0">
-              <a:buNone/>
-            </a:pPr>
-            <a:endParaRPr lang="en-US" dirty="0"/>
-          </a:p>
-          <a:p>
-            <a:pPr marL="0" indent="0">
-              <a:buNone/>
-            </a:pPr>
-            <a:endParaRPr lang="en-US" dirty="0"/>
-          </a:p>
-          <a:p>
-            <a:pPr marL="0" indent="0">
-              <a:buNone/>
-            </a:pPr>
-            <a:endParaRPr lang="en-US" dirty="0"/>
-          </a:p>
-          <a:p>
-            <a:pPr marL="0" indent="0">
-              <a:buNone/>
-            </a:pPr>
+            <a:r>
+              <a:rPr lang="en-US" dirty="0">
+                <a:hlinkClick r:id="rId2"/>
+              </a:rPr>
+              <a:t>https://apcentral.collegeboard.org/pdf/ap-computer-science-principles-exam-reference-sheet.pdf</a:t>
+            </a:r>
             <a:endParaRPr lang="en-US" dirty="0"/>
           </a:p>
           <a:p>
@@ -15645,7 +16513,7 @@
         </p:nvSpPr>
         <p:spPr>
           <a:xfrm>
-            <a:off x="0" y="13562"/>
+            <a:off x="127205" y="111030"/>
             <a:ext cx="7886700" cy="841376"/>
           </a:xfrm>
         </p:spPr>
@@ -15678,8 +16546,8 @@
         </p:nvSpPr>
         <p:spPr>
           <a:xfrm>
-            <a:off x="162839" y="713984"/>
-            <a:ext cx="8735356" cy="4887246"/>
+            <a:off x="196645" y="855406"/>
+            <a:ext cx="8701549" cy="4745824"/>
           </a:xfrm>
         </p:spPr>
         <p:txBody>
@@ -15691,7 +16559,15 @@
             </a:pPr>
             <a:r>
               <a:rPr lang="en-US" dirty="0"/>
-              <a:t>﻿Programmers also use abstractions. The purpose of abstraction is to hide coding details so the programmer can focus on the current problem. </a:t>
+              <a:t>﻿In computer science, an </a:t>
+            </a:r>
+            <a:r>
+              <a:rPr lang="en-US" b="1" dirty="0"/>
+              <a:t>abstraction</a:t>
+            </a:r>
+            <a:r>
+              <a:rPr lang="en-US" dirty="0"/>
+              <a:t> is a way to represent essential features without including the background details or explanations. Abstractions reduce complexity and allow for efficient design and implementation of complex software systems. </a:t>
             </a:r>
           </a:p>
           <a:p>
@@ -15706,7 +16582,7 @@
             </a:pPr>
             <a:r>
               <a:rPr lang="en-US" dirty="0"/>
-              <a:t>Computers can understand only binary machine code. Machine code is a strictly numerical language that runs fast but is hard to use.</a:t>
+              <a:t>Abstractions become a necessity as systems become more complex. For example, anytime you check your stories on Instagram, you are using a bunch of processes in the background that you have no control over. </a:t>
             </a:r>
           </a:p>
           <a:p>
@@ -15721,25 +16597,7 @@
             </a:pPr>
             <a:r>
               <a:rPr lang="en-US" dirty="0"/>
-              <a:t>The code on the right is written in machine</a:t>
-            </a:r>
-          </a:p>
-          <a:p>
-            <a:pPr marL="0" indent="0">
-              <a:buNone/>
-            </a:pPr>
-            <a:r>
-              <a:rPr lang="en-US" dirty="0"/>
-              <a:t>code to outputs "Hello World" to the</a:t>
-            </a:r>
-          </a:p>
-          <a:p>
-            <a:pPr marL="0" indent="0">
-              <a:buNone/>
-            </a:pPr>
-            <a:r>
-              <a:rPr lang="en-US" dirty="0"/>
-              <a:t>screen.</a:t>
+              <a:t>Without these abstractions, it would be difficult to send a message to a friend. With the use of abstractions, you can focus on content, not the technical details of how the application works.</a:t>
             </a:r>
           </a:p>
           <a:p>
@@ -15752,28 +16610,49 @@
             <a:pPr marL="0" indent="0">
               <a:buNone/>
             </a:pPr>
-            <a:r>
-              <a:rPr lang="en-US" dirty="0"/>
-              <a:t>In Python it can be done using the print()</a:t>
-            </a:r>
+            <a:endParaRPr lang="en-US" dirty="0"/>
           </a:p>
           <a:p>
             <a:pPr marL="0" indent="0">
               <a:buNone/>
             </a:pPr>
-            <a:r>
-              <a:rPr lang="en-US" dirty="0"/>
-              <a:t>abstraction:</a:t>
-            </a:r>
+            <a:endParaRPr lang="en-US" dirty="0"/>
           </a:p>
           <a:p>
             <a:pPr marL="0" indent="0">
               <a:buNone/>
             </a:pPr>
-            <a:r>
-              <a:rPr lang="en-US" b="1" dirty="0"/>
-              <a:t>print("Hello World")</a:t>
-            </a:r>
+            <a:endParaRPr lang="en-US" dirty="0"/>
+          </a:p>
+          <a:p>
+            <a:pPr marL="0" indent="0">
+              <a:buNone/>
+            </a:pPr>
+            <a:endParaRPr lang="en-US" dirty="0"/>
+          </a:p>
+          <a:p>
+            <a:pPr marL="0" indent="0">
+              <a:buNone/>
+            </a:pPr>
+            <a:endParaRPr lang="en-US" dirty="0"/>
+          </a:p>
+          <a:p>
+            <a:pPr marL="0" indent="0">
+              <a:buNone/>
+            </a:pPr>
+            <a:endParaRPr lang="en-US" dirty="0"/>
+          </a:p>
+          <a:p>
+            <a:pPr marL="0" indent="0">
+              <a:buNone/>
+            </a:pPr>
+            <a:endParaRPr lang="en-US" dirty="0"/>
+          </a:p>
+          <a:p>
+            <a:pPr marL="0" indent="0">
+              <a:buNone/>
+            </a:pPr>
+            <a:endParaRPr lang="en-US" dirty="0"/>
           </a:p>
         </p:txBody>
       </p:sp>
@@ -15806,76 +16685,144 @@
           </a:p>
         </p:txBody>
       </p:sp>
-      <p:pic>
-        <p:nvPicPr>
-          <p:cNvPr id="5" name="Picture 4">
-            <a:extLst>
-              <a:ext uri="{FF2B5EF4-FFF2-40B4-BE49-F238E27FC236}">
-                <a16:creationId xmlns:a16="http://schemas.microsoft.com/office/drawing/2014/main" id="{1625F087-9D2E-6944-ACD8-7A1956E47B0A}"/>
-              </a:ext>
-            </a:extLst>
-          </p:cNvPr>
-          <p:cNvPicPr>
-            <a:picLocks noChangeAspect="1"/>
-          </p:cNvPicPr>
-          <p:nvPr/>
-        </p:nvPicPr>
-        <p:blipFill>
-          <a:blip r:embed="rId2"/>
-          <a:stretch>
-            <a:fillRect/>
-          </a:stretch>
-        </p:blipFill>
-        <p:spPr>
-          <a:xfrm>
-            <a:off x="4926295" y="2376415"/>
-            <a:ext cx="3971900" cy="3338585"/>
-          </a:xfrm>
-          <a:prstGeom prst="rect">
-            <a:avLst/>
-          </a:prstGeom>
-        </p:spPr>
-      </p:pic>
-      <p:pic>
-        <p:nvPicPr>
-          <p:cNvPr id="6" name="Picture 5">
-            <a:extLst>
-              <a:ext uri="{FF2B5EF4-FFF2-40B4-BE49-F238E27FC236}">
-                <a16:creationId xmlns:a16="http://schemas.microsoft.com/office/drawing/2014/main" id="{0EC6DA0F-572D-CF4A-A629-F5E4855C3710}"/>
-              </a:ext>
-            </a:extLst>
-          </p:cNvPr>
-          <p:cNvPicPr>
-            <a:picLocks noChangeAspect="1"/>
-          </p:cNvPicPr>
-          <p:nvPr/>
-        </p:nvPicPr>
-        <p:blipFill>
-          <a:blip r:embed="rId2"/>
-          <a:stretch>
-            <a:fillRect/>
-          </a:stretch>
-        </p:blipFill>
-        <p:spPr>
-          <a:xfrm>
-            <a:off x="5009261" y="2446152"/>
-            <a:ext cx="3888934" cy="3268848"/>
-          </a:xfrm>
-          <a:prstGeom prst="rect">
-            <a:avLst/>
-          </a:prstGeom>
-        </p:spPr>
-      </p:pic>
     </p:spTree>
     <p:extLst>
       <p:ext uri="{BB962C8B-B14F-4D97-AF65-F5344CB8AC3E}">
-        <p14:creationId xmlns:p14="http://schemas.microsoft.com/office/powerpoint/2010/main" val="2594530262"/>
+        <p14:creationId xmlns:p14="http://schemas.microsoft.com/office/powerpoint/2010/main" val="813742219"/>
       </p:ext>
     </p:extLst>
   </p:cSld>
   <p:clrMapOvr>
     <a:masterClrMapping/>
   </p:clrMapOvr>
+  <p:timing>
+    <p:tnLst>
+      <p:par>
+        <p:cTn id="1" dur="indefinite" restart="never" nodeType="tmRoot">
+          <p:childTnLst>
+            <p:seq concurrent="1" nextAc="seek">
+              <p:cTn id="2" dur="indefinite" nodeType="mainSeq">
+                <p:childTnLst>
+                  <p:par>
+                    <p:cTn id="3" fill="hold">
+                      <p:stCondLst>
+                        <p:cond delay="indefinite"/>
+                      </p:stCondLst>
+                      <p:childTnLst>
+                        <p:par>
+                          <p:cTn id="4" fill="hold">
+                            <p:stCondLst>
+                              <p:cond delay="0"/>
+                            </p:stCondLst>
+                            <p:childTnLst>
+                              <p:par>
+                                <p:cTn id="5" presetID="1" presetClass="entr" presetSubtype="0" fill="hold" nodeType="clickEffect">
+                                  <p:stCondLst>
+                                    <p:cond delay="0"/>
+                                  </p:stCondLst>
+                                  <p:childTnLst>
+                                    <p:set>
+                                      <p:cBhvr>
+                                        <p:cTn id="6" dur="1" fill="hold">
+                                          <p:stCondLst>
+                                            <p:cond delay="0"/>
+                                          </p:stCondLst>
+                                        </p:cTn>
+                                        <p:tgtEl>
+                                          <p:spTgt spid="3">
+                                            <p:txEl>
+                                              <p:pRg st="2" end="2"/>
+                                            </p:txEl>
+                                          </p:spTgt>
+                                        </p:tgtEl>
+                                        <p:attrNameLst>
+                                          <p:attrName>style.visibility</p:attrName>
+                                        </p:attrNameLst>
+                                      </p:cBhvr>
+                                      <p:to>
+                                        <p:strVal val="visible"/>
+                                      </p:to>
+                                    </p:set>
+                                  </p:childTnLst>
+                                </p:cTn>
+                              </p:par>
+                            </p:childTnLst>
+                          </p:cTn>
+                        </p:par>
+                      </p:childTnLst>
+                    </p:cTn>
+                  </p:par>
+                  <p:par>
+                    <p:cTn id="7" fill="hold">
+                      <p:stCondLst>
+                        <p:cond delay="indefinite"/>
+                      </p:stCondLst>
+                      <p:childTnLst>
+                        <p:par>
+                          <p:cTn id="8" fill="hold">
+                            <p:stCondLst>
+                              <p:cond delay="0"/>
+                            </p:stCondLst>
+                            <p:childTnLst>
+                              <p:par>
+                                <p:cTn id="9" presetID="1" presetClass="entr" presetSubtype="0" fill="hold" nodeType="clickEffect">
+                                  <p:stCondLst>
+                                    <p:cond delay="0"/>
+                                  </p:stCondLst>
+                                  <p:childTnLst>
+                                    <p:set>
+                                      <p:cBhvr>
+                                        <p:cTn id="10" dur="1" fill="hold">
+                                          <p:stCondLst>
+                                            <p:cond delay="0"/>
+                                          </p:stCondLst>
+                                        </p:cTn>
+                                        <p:tgtEl>
+                                          <p:spTgt spid="3">
+                                            <p:txEl>
+                                              <p:pRg st="4" end="4"/>
+                                            </p:txEl>
+                                          </p:spTgt>
+                                        </p:tgtEl>
+                                        <p:attrNameLst>
+                                          <p:attrName>style.visibility</p:attrName>
+                                        </p:attrNameLst>
+                                      </p:cBhvr>
+                                      <p:to>
+                                        <p:strVal val="visible"/>
+                                      </p:to>
+                                    </p:set>
+                                  </p:childTnLst>
+                                </p:cTn>
+                              </p:par>
+                            </p:childTnLst>
+                          </p:cTn>
+                        </p:par>
+                      </p:childTnLst>
+                    </p:cTn>
+                  </p:par>
+                </p:childTnLst>
+              </p:cTn>
+              <p:prevCondLst>
+                <p:cond evt="onPrev" delay="0">
+                  <p:tgtEl>
+                    <p:sldTgt/>
+                  </p:tgtEl>
+                </p:cond>
+              </p:prevCondLst>
+              <p:nextCondLst>
+                <p:cond evt="onNext" delay="0">
+                  <p:tgtEl>
+                    <p:sldTgt/>
+                  </p:tgtEl>
+                </p:cond>
+              </p:nextCondLst>
+            </p:seq>
+          </p:childTnLst>
+        </p:cTn>
+      </p:par>
+    </p:tnLst>
+  </p:timing>
 </p:sld>
 </file>
 
@@ -15960,30 +16907,14 @@
             </a:pPr>
             <a:r>
               <a:rPr lang="en-US" dirty="0"/>
-              <a:t>﻿Abstractions allow for programmers to use </a:t>
+              <a:t>﻿Programmers also use abstractions. The purpose of abstraction is to hide coding details so the programmer can focus on the current problem. </a:t>
             </a:r>
-            <a:r>
-              <a:rPr lang="en-US" dirty="0" err="1"/>
-              <a:t>semihuman</a:t>
-            </a:r>
-            <a:r>
-              <a:rPr lang="en-US" dirty="0"/>
-              <a:t> language to program(Python, Java, </a:t>
-            </a:r>
-            <a:r>
-              <a:rPr lang="en-US" dirty="0" err="1"/>
-              <a:t>etc</a:t>
-            </a:r>
-            <a:r>
-              <a:rPr lang="en-US" dirty="0"/>
-              <a:t>…).</a:t>
-            </a:r>
           </a:p>
           <a:p>
             <a:pPr marL="0" indent="0">
               <a:buNone/>
             </a:pPr>
-            <a:endParaRPr lang="en-US" b="1" dirty="0"/>
+            <a:endParaRPr lang="en-US" dirty="0"/>
           </a:p>
           <a:p>
             <a:pPr marL="0" indent="0">
@@ -15991,7 +16922,7 @@
             </a:pPr>
             <a:r>
               <a:rPr lang="en-US" dirty="0"/>
-              <a:t>﻿Rarely will programmers deal directly in machine code. Machine code is a base language where no abstractions are implemented. Programmers have worked to hide details by using abstractions.</a:t>
+              <a:t>Computers can understand only binary machine code. Machine code is a strictly numerical language that runs fast but is hard to use.</a:t>
             </a:r>
           </a:p>
           <a:p>
@@ -16006,14 +16937,8 @@
             </a:pPr>
             <a:r>
               <a:rPr lang="en-US" dirty="0"/>
-              <a:t>﻿Different program languages offer different levels of abstractions. High-level programming languages provide more abstractions than do lower-level languages. </a:t>
+              <a:t>The code on the right is written in machine</a:t>
             </a:r>
-          </a:p>
-          <a:p>
-            <a:pPr marL="0" indent="0">
-              <a:buNone/>
-            </a:pPr>
-            <a:endParaRPr lang="en-US" dirty="0"/>
           </a:p>
           <a:p>
             <a:pPr marL="0" indent="0">
@@ -16021,7 +16946,16 @@
             </a:pPr>
             <a:r>
               <a:rPr lang="en-US" dirty="0"/>
-              <a:t>Coding in a programming language is often translated into code in another low-level language that the computer can execute.</a:t>
+              <a:t>code to outputs "Hello World" to the</a:t>
+            </a:r>
+          </a:p>
+          <a:p>
+            <a:pPr marL="0" indent="0">
+              <a:buNone/>
+            </a:pPr>
+            <a:r>
+              <a:rPr lang="en-US" dirty="0"/>
+              <a:t>screen.</a:t>
             </a:r>
           </a:p>
           <a:p>
@@ -16034,25 +16968,28 @@
             <a:pPr marL="0" indent="0">
               <a:buNone/>
             </a:pPr>
-            <a:endParaRPr lang="en-US" dirty="0"/>
+            <a:r>
+              <a:rPr lang="en-US" dirty="0"/>
+              <a:t>In Python it can be done using the print()</a:t>
+            </a:r>
           </a:p>
           <a:p>
             <a:pPr marL="0" indent="0">
               <a:buNone/>
             </a:pPr>
-            <a:endParaRPr lang="en-US" dirty="0"/>
+            <a:r>
+              <a:rPr lang="en-US" dirty="0"/>
+              <a:t>abstraction:</a:t>
+            </a:r>
           </a:p>
           <a:p>
             <a:pPr marL="0" indent="0">
               <a:buNone/>
             </a:pPr>
-            <a:endParaRPr lang="en-US" b="1" dirty="0"/>
-          </a:p>
-          <a:p>
-            <a:pPr marL="0" indent="0">
-              <a:buNone/>
-            </a:pPr>
-            <a:endParaRPr lang="en-US" b="1" dirty="0"/>
+            <a:r>
+              <a:rPr lang="en-US" b="1" dirty="0"/>
+              <a:t>print("Hello World")</a:t>
+            </a:r>
           </a:p>
         </p:txBody>
       </p:sp>
@@ -16085,16 +17022,392 @@
           </a:p>
         </p:txBody>
       </p:sp>
+      <p:pic>
+        <p:nvPicPr>
+          <p:cNvPr id="6" name="Picture 5">
+            <a:extLst>
+              <a:ext uri="{FF2B5EF4-FFF2-40B4-BE49-F238E27FC236}">
+                <a16:creationId xmlns:a16="http://schemas.microsoft.com/office/drawing/2014/main" id="{0EC6DA0F-572D-CF4A-A629-F5E4855C3710}"/>
+              </a:ext>
+            </a:extLst>
+          </p:cNvPr>
+          <p:cNvPicPr>
+            <a:picLocks noChangeAspect="1"/>
+          </p:cNvPicPr>
+          <p:nvPr/>
+        </p:nvPicPr>
+        <p:blipFill>
+          <a:blip r:embed="rId2"/>
+          <a:stretch>
+            <a:fillRect/>
+          </a:stretch>
+        </p:blipFill>
+        <p:spPr>
+          <a:xfrm>
+            <a:off x="5134521" y="2446152"/>
+            <a:ext cx="3888934" cy="3268848"/>
+          </a:xfrm>
+          <a:prstGeom prst="rect">
+            <a:avLst/>
+          </a:prstGeom>
+        </p:spPr>
+      </p:pic>
     </p:spTree>
     <p:extLst>
       <p:ext uri="{BB962C8B-B14F-4D97-AF65-F5344CB8AC3E}">
-        <p14:creationId xmlns:p14="http://schemas.microsoft.com/office/powerpoint/2010/main" val="1250322943"/>
+        <p14:creationId xmlns:p14="http://schemas.microsoft.com/office/powerpoint/2010/main" val="2594530262"/>
       </p:ext>
     </p:extLst>
   </p:cSld>
   <p:clrMapOvr>
     <a:masterClrMapping/>
   </p:clrMapOvr>
+  <p:timing>
+    <p:tnLst>
+      <p:par>
+        <p:cTn id="1" dur="indefinite" restart="never" nodeType="tmRoot">
+          <p:childTnLst>
+            <p:seq concurrent="1" nextAc="seek">
+              <p:cTn id="2" dur="indefinite" nodeType="mainSeq">
+                <p:childTnLst>
+                  <p:par>
+                    <p:cTn id="3" fill="hold">
+                      <p:stCondLst>
+                        <p:cond delay="indefinite"/>
+                      </p:stCondLst>
+                      <p:childTnLst>
+                        <p:par>
+                          <p:cTn id="4" fill="hold">
+                            <p:stCondLst>
+                              <p:cond delay="0"/>
+                            </p:stCondLst>
+                            <p:childTnLst>
+                              <p:par>
+                                <p:cTn id="5" presetID="1" presetClass="entr" presetSubtype="0" fill="hold" nodeType="clickEffect">
+                                  <p:stCondLst>
+                                    <p:cond delay="0"/>
+                                  </p:stCondLst>
+                                  <p:childTnLst>
+                                    <p:set>
+                                      <p:cBhvr>
+                                        <p:cTn id="6" dur="1" fill="hold">
+                                          <p:stCondLst>
+                                            <p:cond delay="0"/>
+                                          </p:stCondLst>
+                                        </p:cTn>
+                                        <p:tgtEl>
+                                          <p:spTgt spid="3">
+                                            <p:txEl>
+                                              <p:pRg st="2" end="2"/>
+                                            </p:txEl>
+                                          </p:spTgt>
+                                        </p:tgtEl>
+                                        <p:attrNameLst>
+                                          <p:attrName>style.visibility</p:attrName>
+                                        </p:attrNameLst>
+                                      </p:cBhvr>
+                                      <p:to>
+                                        <p:strVal val="visible"/>
+                                      </p:to>
+                                    </p:set>
+                                  </p:childTnLst>
+                                </p:cTn>
+                              </p:par>
+                            </p:childTnLst>
+                          </p:cTn>
+                        </p:par>
+                      </p:childTnLst>
+                    </p:cTn>
+                  </p:par>
+                  <p:par>
+                    <p:cTn id="7" fill="hold">
+                      <p:stCondLst>
+                        <p:cond delay="indefinite"/>
+                      </p:stCondLst>
+                      <p:childTnLst>
+                        <p:par>
+                          <p:cTn id="8" fill="hold">
+                            <p:stCondLst>
+                              <p:cond delay="0"/>
+                            </p:stCondLst>
+                            <p:childTnLst>
+                              <p:par>
+                                <p:cTn id="9" presetID="1" presetClass="entr" presetSubtype="0" fill="hold" nodeType="clickEffect">
+                                  <p:stCondLst>
+                                    <p:cond delay="0"/>
+                                  </p:stCondLst>
+                                  <p:childTnLst>
+                                    <p:set>
+                                      <p:cBhvr>
+                                        <p:cTn id="10" dur="1" fill="hold">
+                                          <p:stCondLst>
+                                            <p:cond delay="0"/>
+                                          </p:stCondLst>
+                                        </p:cTn>
+                                        <p:tgtEl>
+                                          <p:spTgt spid="3">
+                                            <p:txEl>
+                                              <p:pRg st="4" end="4"/>
+                                            </p:txEl>
+                                          </p:spTgt>
+                                        </p:tgtEl>
+                                        <p:attrNameLst>
+                                          <p:attrName>style.visibility</p:attrName>
+                                        </p:attrNameLst>
+                                      </p:cBhvr>
+                                      <p:to>
+                                        <p:strVal val="visible"/>
+                                      </p:to>
+                                    </p:set>
+                                  </p:childTnLst>
+                                </p:cTn>
+                              </p:par>
+                              <p:par>
+                                <p:cTn id="11" presetID="1" presetClass="entr" presetSubtype="0" fill="hold" nodeType="withEffect">
+                                  <p:stCondLst>
+                                    <p:cond delay="0"/>
+                                  </p:stCondLst>
+                                  <p:childTnLst>
+                                    <p:set>
+                                      <p:cBhvr>
+                                        <p:cTn id="12" dur="1" fill="hold">
+                                          <p:stCondLst>
+                                            <p:cond delay="0"/>
+                                          </p:stCondLst>
+                                        </p:cTn>
+                                        <p:tgtEl>
+                                          <p:spTgt spid="3">
+                                            <p:txEl>
+                                              <p:pRg st="5" end="5"/>
+                                            </p:txEl>
+                                          </p:spTgt>
+                                        </p:tgtEl>
+                                        <p:attrNameLst>
+                                          <p:attrName>style.visibility</p:attrName>
+                                        </p:attrNameLst>
+                                      </p:cBhvr>
+                                      <p:to>
+                                        <p:strVal val="visible"/>
+                                      </p:to>
+                                    </p:set>
+                                  </p:childTnLst>
+                                </p:cTn>
+                              </p:par>
+                              <p:par>
+                                <p:cTn id="13" presetID="1" presetClass="entr" presetSubtype="0" fill="hold" nodeType="withEffect">
+                                  <p:stCondLst>
+                                    <p:cond delay="0"/>
+                                  </p:stCondLst>
+                                  <p:childTnLst>
+                                    <p:set>
+                                      <p:cBhvr>
+                                        <p:cTn id="14" dur="1" fill="hold">
+                                          <p:stCondLst>
+                                            <p:cond delay="0"/>
+                                          </p:stCondLst>
+                                        </p:cTn>
+                                        <p:tgtEl>
+                                          <p:spTgt spid="3">
+                                            <p:txEl>
+                                              <p:pRg st="6" end="6"/>
+                                            </p:txEl>
+                                          </p:spTgt>
+                                        </p:tgtEl>
+                                        <p:attrNameLst>
+                                          <p:attrName>style.visibility</p:attrName>
+                                        </p:attrNameLst>
+                                      </p:cBhvr>
+                                      <p:to>
+                                        <p:strVal val="visible"/>
+                                      </p:to>
+                                    </p:set>
+                                  </p:childTnLst>
+                                </p:cTn>
+                              </p:par>
+                            </p:childTnLst>
+                          </p:cTn>
+                        </p:par>
+                      </p:childTnLst>
+                    </p:cTn>
+                  </p:par>
+                  <p:par>
+                    <p:cTn id="15" fill="hold">
+                      <p:stCondLst>
+                        <p:cond delay="indefinite"/>
+                      </p:stCondLst>
+                      <p:childTnLst>
+                        <p:par>
+                          <p:cTn id="16" fill="hold">
+                            <p:stCondLst>
+                              <p:cond delay="0"/>
+                            </p:stCondLst>
+                            <p:childTnLst>
+                              <p:par>
+                                <p:cTn id="17" presetID="1" presetClass="entr" presetSubtype="0" fill="hold" nodeType="clickEffect">
+                                  <p:stCondLst>
+                                    <p:cond delay="0"/>
+                                  </p:stCondLst>
+                                  <p:childTnLst>
+                                    <p:set>
+                                      <p:cBhvr>
+                                        <p:cTn id="18" dur="1" fill="hold">
+                                          <p:stCondLst>
+                                            <p:cond delay="0"/>
+                                          </p:stCondLst>
+                                        </p:cTn>
+                                        <p:tgtEl>
+                                          <p:spTgt spid="6"/>
+                                        </p:tgtEl>
+                                        <p:attrNameLst>
+                                          <p:attrName>style.visibility</p:attrName>
+                                        </p:attrNameLst>
+                                      </p:cBhvr>
+                                      <p:to>
+                                        <p:strVal val="visible"/>
+                                      </p:to>
+                                    </p:set>
+                                  </p:childTnLst>
+                                </p:cTn>
+                              </p:par>
+                            </p:childTnLst>
+                          </p:cTn>
+                        </p:par>
+                      </p:childTnLst>
+                    </p:cTn>
+                  </p:par>
+                  <p:par>
+                    <p:cTn id="19" fill="hold">
+                      <p:stCondLst>
+                        <p:cond delay="indefinite"/>
+                      </p:stCondLst>
+                      <p:childTnLst>
+                        <p:par>
+                          <p:cTn id="20" fill="hold">
+                            <p:stCondLst>
+                              <p:cond delay="0"/>
+                            </p:stCondLst>
+                            <p:childTnLst>
+                              <p:par>
+                                <p:cTn id="21" presetID="1" presetClass="entr" presetSubtype="0" fill="hold" nodeType="clickEffect">
+                                  <p:stCondLst>
+                                    <p:cond delay="0"/>
+                                  </p:stCondLst>
+                                  <p:childTnLst>
+                                    <p:set>
+                                      <p:cBhvr>
+                                        <p:cTn id="22" dur="1" fill="hold">
+                                          <p:stCondLst>
+                                            <p:cond delay="0"/>
+                                          </p:stCondLst>
+                                        </p:cTn>
+                                        <p:tgtEl>
+                                          <p:spTgt spid="3">
+                                            <p:txEl>
+                                              <p:pRg st="8" end="8"/>
+                                            </p:txEl>
+                                          </p:spTgt>
+                                        </p:tgtEl>
+                                        <p:attrNameLst>
+                                          <p:attrName>style.visibility</p:attrName>
+                                        </p:attrNameLst>
+                                      </p:cBhvr>
+                                      <p:to>
+                                        <p:strVal val="visible"/>
+                                      </p:to>
+                                    </p:set>
+                                  </p:childTnLst>
+                                </p:cTn>
+                              </p:par>
+                              <p:par>
+                                <p:cTn id="23" presetID="1" presetClass="entr" presetSubtype="0" fill="hold" nodeType="withEffect">
+                                  <p:stCondLst>
+                                    <p:cond delay="0"/>
+                                  </p:stCondLst>
+                                  <p:childTnLst>
+                                    <p:set>
+                                      <p:cBhvr>
+                                        <p:cTn id="24" dur="1" fill="hold">
+                                          <p:stCondLst>
+                                            <p:cond delay="0"/>
+                                          </p:stCondLst>
+                                        </p:cTn>
+                                        <p:tgtEl>
+                                          <p:spTgt spid="3">
+                                            <p:txEl>
+                                              <p:pRg st="9" end="9"/>
+                                            </p:txEl>
+                                          </p:spTgt>
+                                        </p:tgtEl>
+                                        <p:attrNameLst>
+                                          <p:attrName>style.visibility</p:attrName>
+                                        </p:attrNameLst>
+                                      </p:cBhvr>
+                                      <p:to>
+                                        <p:strVal val="visible"/>
+                                      </p:to>
+                                    </p:set>
+                                  </p:childTnLst>
+                                </p:cTn>
+                              </p:par>
+                              <p:par>
+                                <p:cTn id="25" presetID="1" presetClass="entr" presetSubtype="0" fill="hold" nodeType="withEffect">
+                                  <p:stCondLst>
+                                    <p:cond delay="0"/>
+                                  </p:stCondLst>
+                                  <p:childTnLst>
+                                    <p:set>
+                                      <p:cBhvr>
+                                        <p:cTn id="26" dur="1" fill="hold">
+                                          <p:stCondLst>
+                                            <p:cond delay="0"/>
+                                          </p:stCondLst>
+                                        </p:cTn>
+                                        <p:tgtEl>
+                                          <p:spTgt spid="3">
+                                            <p:txEl>
+                                              <p:pRg st="10" end="10"/>
+                                            </p:txEl>
+                                          </p:spTgt>
+                                        </p:tgtEl>
+                                        <p:attrNameLst>
+                                          <p:attrName>style.visibility</p:attrName>
+                                        </p:attrNameLst>
+                                      </p:cBhvr>
+                                      <p:to>
+                                        <p:strVal val="visible"/>
+                                      </p:to>
+                                    </p:set>
+                                  </p:childTnLst>
+                                </p:cTn>
+                              </p:par>
+                            </p:childTnLst>
+                          </p:cTn>
+                        </p:par>
+                      </p:childTnLst>
+                    </p:cTn>
+                  </p:par>
+                </p:childTnLst>
+              </p:cTn>
+              <p:prevCondLst>
+                <p:cond evt="onPrev" delay="0">
+                  <p:tgtEl>
+                    <p:sldTgt/>
+                  </p:tgtEl>
+                </p:cond>
+              </p:prevCondLst>
+              <p:nextCondLst>
+                <p:cond evt="onNext" delay="0">
+                  <p:tgtEl>
+                    <p:sldTgt/>
+                  </p:tgtEl>
+                </p:cond>
+              </p:nextCondLst>
+            </p:seq>
+          </p:childTnLst>
+        </p:cTn>
+      </p:par>
+    </p:tnLst>
+  </p:timing>
 </p:sld>
 </file>
 
@@ -16178,15 +17491,31 @@
               <a:buNone/>
             </a:pPr>
             <a:r>
-              <a:rPr lang="en-US" sz="2400" dirty="0"/>
-              <a:t>﻿Abstraction Examples Used on the AP Exam:</a:t>
+              <a:rPr lang="en-US" dirty="0"/>
+              <a:t>﻿Abstractions allow for programmers to use </a:t>
             </a:r>
+            <a:r>
+              <a:rPr lang="en-US" dirty="0" err="1"/>
+              <a:t>semihuman</a:t>
+            </a:r>
+            <a:r>
+              <a:rPr lang="en-US" dirty="0"/>
+              <a:t> language to program(Python, Java, </a:t>
+            </a:r>
+            <a:r>
+              <a:rPr lang="en-US" dirty="0" err="1"/>
+              <a:t>etc</a:t>
+            </a:r>
+            <a:r>
+              <a:rPr lang="en-US" dirty="0"/>
+              <a:t>…).</a:t>
+            </a:r>
           </a:p>
           <a:p>
             <a:pPr marL="0" indent="0">
               <a:buNone/>
             </a:pPr>
-            <a:endParaRPr lang="en-US" dirty="0"/>
+            <a:endParaRPr lang="en-US" b="1" dirty="0"/>
           </a:p>
           <a:p>
             <a:pPr marL="0" indent="0">
@@ -16194,7 +17523,7 @@
             </a:pPr>
             <a:r>
               <a:rPr lang="en-US" dirty="0"/>
-              <a:t>﻿DISPLAY(expression) is an abstraction that is used on your AP exam to display a value of expression followed by a space. The input parameter for the DISPLAY abstraction is expression.</a:t>
+              <a:t>﻿Rarely will programmers deal directly in machine code. Machine code is a base language where no abstractions are implemented. Programmers have worked to hide details by using abstractions.</a:t>
             </a:r>
           </a:p>
           <a:p>
@@ -16209,7 +17538,7 @@
             </a:pPr>
             <a:r>
               <a:rPr lang="en-US" dirty="0"/>
-              <a:t>﻿Another abstraction used on your AP exam is RANDOM(a, b), which evaluates to a random number from a to b inclusive. The input parameters in this abstraction are a and b.</a:t>
+              <a:t>﻿Different program languages offer different levels of abstractions. High-level programming languages provide more abstractions than do lower-level languages. </a:t>
             </a:r>
           </a:p>
           <a:p>
@@ -16224,7 +17553,7 @@
             </a:pPr>
             <a:r>
               <a:rPr lang="en-US" dirty="0"/>
-              <a:t>﻿An abstraction generalizes functionality with input parameters that allow software reuse. Being aware of and using multiple levels of abstractions in developing programs helps to apply available resources and tools more effectively to solve problems.</a:t>
+              <a:t>Coding in a programming language is often translated into code in another low-level language that the computer can execute.</a:t>
             </a:r>
           </a:p>
           <a:p>
@@ -16232,6 +17561,30 @@
               <a:buNone/>
             </a:pPr>
             <a:endParaRPr lang="en-US" dirty="0"/>
+          </a:p>
+          <a:p>
+            <a:pPr marL="0" indent="0">
+              <a:buNone/>
+            </a:pPr>
+            <a:endParaRPr lang="en-US" dirty="0"/>
+          </a:p>
+          <a:p>
+            <a:pPr marL="0" indent="0">
+              <a:buNone/>
+            </a:pPr>
+            <a:endParaRPr lang="en-US" dirty="0"/>
+          </a:p>
+          <a:p>
+            <a:pPr marL="0" indent="0">
+              <a:buNone/>
+            </a:pPr>
+            <a:endParaRPr lang="en-US" b="1" dirty="0"/>
+          </a:p>
+          <a:p>
+            <a:pPr marL="0" indent="0">
+              <a:buNone/>
+            </a:pPr>
+            <a:endParaRPr lang="en-US" b="1" dirty="0"/>
           </a:p>
         </p:txBody>
       </p:sp>
@@ -16267,6 +17620,362 @@
     </p:spTree>
     <p:extLst>
       <p:ext uri="{BB962C8B-B14F-4D97-AF65-F5344CB8AC3E}">
+        <p14:creationId xmlns:p14="http://schemas.microsoft.com/office/powerpoint/2010/main" val="1250322943"/>
+      </p:ext>
+    </p:extLst>
+  </p:cSld>
+  <p:clrMapOvr>
+    <a:masterClrMapping/>
+  </p:clrMapOvr>
+  <p:timing>
+    <p:tnLst>
+      <p:par>
+        <p:cTn id="1" dur="indefinite" restart="never" nodeType="tmRoot">
+          <p:childTnLst>
+            <p:seq concurrent="1" nextAc="seek">
+              <p:cTn id="2" dur="indefinite" nodeType="mainSeq">
+                <p:childTnLst>
+                  <p:par>
+                    <p:cTn id="3" fill="hold">
+                      <p:stCondLst>
+                        <p:cond delay="indefinite"/>
+                      </p:stCondLst>
+                      <p:childTnLst>
+                        <p:par>
+                          <p:cTn id="4" fill="hold">
+                            <p:stCondLst>
+                              <p:cond delay="0"/>
+                            </p:stCondLst>
+                            <p:childTnLst>
+                              <p:par>
+                                <p:cTn id="5" presetID="1" presetClass="entr" presetSubtype="0" fill="hold" nodeType="clickEffect">
+                                  <p:stCondLst>
+                                    <p:cond delay="0"/>
+                                  </p:stCondLst>
+                                  <p:childTnLst>
+                                    <p:set>
+                                      <p:cBhvr>
+                                        <p:cTn id="6" dur="1" fill="hold">
+                                          <p:stCondLst>
+                                            <p:cond delay="0"/>
+                                          </p:stCondLst>
+                                        </p:cTn>
+                                        <p:tgtEl>
+                                          <p:spTgt spid="3">
+                                            <p:txEl>
+                                              <p:pRg st="2" end="2"/>
+                                            </p:txEl>
+                                          </p:spTgt>
+                                        </p:tgtEl>
+                                        <p:attrNameLst>
+                                          <p:attrName>style.visibility</p:attrName>
+                                        </p:attrNameLst>
+                                      </p:cBhvr>
+                                      <p:to>
+                                        <p:strVal val="visible"/>
+                                      </p:to>
+                                    </p:set>
+                                  </p:childTnLst>
+                                </p:cTn>
+                              </p:par>
+                            </p:childTnLst>
+                          </p:cTn>
+                        </p:par>
+                      </p:childTnLst>
+                    </p:cTn>
+                  </p:par>
+                  <p:par>
+                    <p:cTn id="7" fill="hold">
+                      <p:stCondLst>
+                        <p:cond delay="indefinite"/>
+                      </p:stCondLst>
+                      <p:childTnLst>
+                        <p:par>
+                          <p:cTn id="8" fill="hold">
+                            <p:stCondLst>
+                              <p:cond delay="0"/>
+                            </p:stCondLst>
+                            <p:childTnLst>
+                              <p:par>
+                                <p:cTn id="9" presetID="1" presetClass="entr" presetSubtype="0" fill="hold" nodeType="clickEffect">
+                                  <p:stCondLst>
+                                    <p:cond delay="0"/>
+                                  </p:stCondLst>
+                                  <p:childTnLst>
+                                    <p:set>
+                                      <p:cBhvr>
+                                        <p:cTn id="10" dur="1" fill="hold">
+                                          <p:stCondLst>
+                                            <p:cond delay="0"/>
+                                          </p:stCondLst>
+                                        </p:cTn>
+                                        <p:tgtEl>
+                                          <p:spTgt spid="3">
+                                            <p:txEl>
+                                              <p:pRg st="4" end="4"/>
+                                            </p:txEl>
+                                          </p:spTgt>
+                                        </p:tgtEl>
+                                        <p:attrNameLst>
+                                          <p:attrName>style.visibility</p:attrName>
+                                        </p:attrNameLst>
+                                      </p:cBhvr>
+                                      <p:to>
+                                        <p:strVal val="visible"/>
+                                      </p:to>
+                                    </p:set>
+                                  </p:childTnLst>
+                                </p:cTn>
+                              </p:par>
+                            </p:childTnLst>
+                          </p:cTn>
+                        </p:par>
+                      </p:childTnLst>
+                    </p:cTn>
+                  </p:par>
+                  <p:par>
+                    <p:cTn id="11" fill="hold">
+                      <p:stCondLst>
+                        <p:cond delay="indefinite"/>
+                      </p:stCondLst>
+                      <p:childTnLst>
+                        <p:par>
+                          <p:cTn id="12" fill="hold">
+                            <p:stCondLst>
+                              <p:cond delay="0"/>
+                            </p:stCondLst>
+                            <p:childTnLst>
+                              <p:par>
+                                <p:cTn id="13" presetID="1" presetClass="entr" presetSubtype="0" fill="hold" nodeType="clickEffect">
+                                  <p:stCondLst>
+                                    <p:cond delay="0"/>
+                                  </p:stCondLst>
+                                  <p:childTnLst>
+                                    <p:set>
+                                      <p:cBhvr>
+                                        <p:cTn id="14" dur="1" fill="hold">
+                                          <p:stCondLst>
+                                            <p:cond delay="0"/>
+                                          </p:stCondLst>
+                                        </p:cTn>
+                                        <p:tgtEl>
+                                          <p:spTgt spid="3">
+                                            <p:txEl>
+                                              <p:pRg st="6" end="6"/>
+                                            </p:txEl>
+                                          </p:spTgt>
+                                        </p:tgtEl>
+                                        <p:attrNameLst>
+                                          <p:attrName>style.visibility</p:attrName>
+                                        </p:attrNameLst>
+                                      </p:cBhvr>
+                                      <p:to>
+                                        <p:strVal val="visible"/>
+                                      </p:to>
+                                    </p:set>
+                                  </p:childTnLst>
+                                </p:cTn>
+                              </p:par>
+                            </p:childTnLst>
+                          </p:cTn>
+                        </p:par>
+                      </p:childTnLst>
+                    </p:cTn>
+                  </p:par>
+                </p:childTnLst>
+              </p:cTn>
+              <p:prevCondLst>
+                <p:cond evt="onPrev" delay="0">
+                  <p:tgtEl>
+                    <p:sldTgt/>
+                  </p:tgtEl>
+                </p:cond>
+              </p:prevCondLst>
+              <p:nextCondLst>
+                <p:cond evt="onNext" delay="0">
+                  <p:tgtEl>
+                    <p:sldTgt/>
+                  </p:tgtEl>
+                </p:cond>
+              </p:nextCondLst>
+            </p:seq>
+          </p:childTnLst>
+        </p:cTn>
+      </p:par>
+    </p:tnLst>
+  </p:timing>
+</p:sld>
+</file>
+
+<file path=ppt/slides/slide24.xml><?xml version="1.0" encoding="utf-8"?>
+<p:sld xmlns:a="http://schemas.openxmlformats.org/drawingml/2006/main" xmlns:r="http://schemas.openxmlformats.org/officeDocument/2006/relationships" xmlns:p="http://schemas.openxmlformats.org/presentationml/2006/main">
+  <p:cSld>
+    <p:spTree>
+      <p:nvGrpSpPr>
+        <p:cNvPr id="1" name=""/>
+        <p:cNvGrpSpPr/>
+        <p:nvPr/>
+      </p:nvGrpSpPr>
+      <p:grpSpPr>
+        <a:xfrm>
+          <a:off x="0" y="0"/>
+          <a:ext cx="0" cy="0"/>
+          <a:chOff x="0" y="0"/>
+          <a:chExt cx="0" cy="0"/>
+        </a:xfrm>
+      </p:grpSpPr>
+      <p:sp>
+        <p:nvSpPr>
+          <p:cNvPr id="2" name="Title 1">
+            <a:extLst>
+              <a:ext uri="{FF2B5EF4-FFF2-40B4-BE49-F238E27FC236}">
+                <a16:creationId xmlns:a16="http://schemas.microsoft.com/office/drawing/2014/main" id="{893AF10F-C12D-6B4A-84C5-206A244BF7C6}"/>
+              </a:ext>
+            </a:extLst>
+          </p:cNvPr>
+          <p:cNvSpPr>
+            <a:spLocks noGrp="1"/>
+          </p:cNvSpPr>
+          <p:nvPr>
+            <p:ph type="title"/>
+          </p:nvPr>
+        </p:nvSpPr>
+        <p:spPr>
+          <a:xfrm>
+            <a:off x="0" y="13562"/>
+            <a:ext cx="7886700" cy="841376"/>
+          </a:xfrm>
+        </p:spPr>
+        <p:txBody>
+          <a:bodyPr/>
+          <a:lstStyle/>
+          <a:p>
+            <a:r>
+              <a:rPr lang="en-US" dirty="0"/>
+              <a:t>Big Idea 3: Programming and Algorithms</a:t>
+            </a:r>
+          </a:p>
+        </p:txBody>
+      </p:sp>
+      <p:sp>
+        <p:nvSpPr>
+          <p:cNvPr id="3" name="Content Placeholder 2">
+            <a:extLst>
+              <a:ext uri="{FF2B5EF4-FFF2-40B4-BE49-F238E27FC236}">
+                <a16:creationId xmlns:a16="http://schemas.microsoft.com/office/drawing/2014/main" id="{8EE44610-8AB0-B84C-9003-2B8BA850F328}"/>
+              </a:ext>
+            </a:extLst>
+          </p:cNvPr>
+          <p:cNvSpPr>
+            <a:spLocks noGrp="1"/>
+          </p:cNvSpPr>
+          <p:nvPr>
+            <p:ph idx="1"/>
+          </p:nvPr>
+        </p:nvSpPr>
+        <p:spPr>
+          <a:xfrm>
+            <a:off x="162839" y="713984"/>
+            <a:ext cx="8735356" cy="4887246"/>
+          </a:xfrm>
+        </p:spPr>
+        <p:txBody>
+          <a:bodyPr/>
+          <a:lstStyle/>
+          <a:p>
+            <a:pPr marL="0" indent="0">
+              <a:buNone/>
+            </a:pPr>
+            <a:r>
+              <a:rPr lang="en-US" sz="2400" dirty="0"/>
+              <a:t>﻿Abstraction Examples Used on the AP Exam:</a:t>
+            </a:r>
+          </a:p>
+          <a:p>
+            <a:pPr marL="0" indent="0">
+              <a:buNone/>
+            </a:pPr>
+            <a:endParaRPr lang="en-US" dirty="0"/>
+          </a:p>
+          <a:p>
+            <a:pPr marL="0" indent="0">
+              <a:buNone/>
+            </a:pPr>
+            <a:r>
+              <a:rPr lang="en-US" dirty="0"/>
+              <a:t>﻿DISPLAY(expression) is an abstraction that is used on your AP exam to display a value of expression followed by a space. The input parameter for the DISPLAY abstraction is expression.</a:t>
+            </a:r>
+          </a:p>
+          <a:p>
+            <a:pPr marL="0" indent="0">
+              <a:buNone/>
+            </a:pPr>
+            <a:endParaRPr lang="en-US" dirty="0"/>
+          </a:p>
+          <a:p>
+            <a:pPr marL="0" indent="0">
+              <a:buNone/>
+            </a:pPr>
+            <a:r>
+              <a:rPr lang="en-US" dirty="0"/>
+              <a:t>﻿Another abstraction used on your AP exam is RANDOM(a, b), which evaluates to a random number from a to b inclusive. The input parameters in this abstraction are a and b.</a:t>
+            </a:r>
+          </a:p>
+          <a:p>
+            <a:pPr marL="0" indent="0">
+              <a:buNone/>
+            </a:pPr>
+            <a:endParaRPr lang="en-US" dirty="0"/>
+          </a:p>
+          <a:p>
+            <a:pPr marL="0" indent="0">
+              <a:buNone/>
+            </a:pPr>
+            <a:r>
+              <a:rPr lang="en-US" dirty="0"/>
+              <a:t>﻿An abstraction generalizes functionality with input parameters that allow software reuse. Being aware of and using multiple levels of abstractions in developing programs helps to apply available resources and tools more effectively to solve problems.</a:t>
+            </a:r>
+          </a:p>
+          <a:p>
+            <a:pPr marL="0" indent="0">
+              <a:buNone/>
+            </a:pPr>
+            <a:endParaRPr lang="en-US" dirty="0"/>
+          </a:p>
+        </p:txBody>
+      </p:sp>
+      <p:sp>
+        <p:nvSpPr>
+          <p:cNvPr id="4" name="Slide Number Placeholder 3">
+            <a:extLst>
+              <a:ext uri="{FF2B5EF4-FFF2-40B4-BE49-F238E27FC236}">
+                <a16:creationId xmlns:a16="http://schemas.microsoft.com/office/drawing/2014/main" id="{75C7B0F0-6928-7047-81B0-E8C50BC3208B}"/>
+              </a:ext>
+            </a:extLst>
+          </p:cNvPr>
+          <p:cNvSpPr>
+            <a:spLocks noGrp="1"/>
+          </p:cNvSpPr>
+          <p:nvPr>
+            <p:ph type="sldNum" sz="quarter" idx="12"/>
+          </p:nvPr>
+        </p:nvSpPr>
+        <p:spPr/>
+        <p:txBody>
+          <a:bodyPr/>
+          <a:lstStyle/>
+          <a:p>
+            <a:fld id="{D57F1E4F-1CFF-5643-939E-02111984F565}" type="slidenum">
+              <a:rPr lang="en-US" smtClean="0"/>
+              <a:t>24</a:t>
+            </a:fld>
+            <a:endParaRPr lang="en-US" dirty="0"/>
+          </a:p>
+        </p:txBody>
+      </p:sp>
+    </p:spTree>
+    <p:extLst>
+      <p:ext uri="{BB962C8B-B14F-4D97-AF65-F5344CB8AC3E}">
         <p14:creationId xmlns:p14="http://schemas.microsoft.com/office/powerpoint/2010/main" val="2551255002"/>
       </p:ext>
     </p:extLst>
@@ -16274,10 +17983,187 @@
   <p:clrMapOvr>
     <a:masterClrMapping/>
   </p:clrMapOvr>
+  <p:timing>
+    <p:tnLst>
+      <p:par>
+        <p:cTn id="1" dur="indefinite" restart="never" nodeType="tmRoot">
+          <p:childTnLst>
+            <p:seq concurrent="1" nextAc="seek">
+              <p:cTn id="2" dur="indefinite" nodeType="mainSeq">
+                <p:childTnLst>
+                  <p:par>
+                    <p:cTn id="3" fill="hold">
+                      <p:stCondLst>
+                        <p:cond delay="indefinite"/>
+                      </p:stCondLst>
+                      <p:childTnLst>
+                        <p:par>
+                          <p:cTn id="4" fill="hold">
+                            <p:stCondLst>
+                              <p:cond delay="0"/>
+                            </p:stCondLst>
+                            <p:childTnLst>
+                              <p:par>
+                                <p:cTn id="5" presetID="1" presetClass="entr" presetSubtype="0" fill="hold" nodeType="clickEffect">
+                                  <p:stCondLst>
+                                    <p:cond delay="0"/>
+                                  </p:stCondLst>
+                                  <p:childTnLst>
+                                    <p:set>
+                                      <p:cBhvr>
+                                        <p:cTn id="6" dur="1" fill="hold">
+                                          <p:stCondLst>
+                                            <p:cond delay="0"/>
+                                          </p:stCondLst>
+                                        </p:cTn>
+                                        <p:tgtEl>
+                                          <p:spTgt spid="3">
+                                            <p:txEl>
+                                              <p:pRg st="2" end="2"/>
+                                            </p:txEl>
+                                          </p:spTgt>
+                                        </p:tgtEl>
+                                        <p:attrNameLst>
+                                          <p:attrName>style.visibility</p:attrName>
+                                        </p:attrNameLst>
+                                      </p:cBhvr>
+                                      <p:to>
+                                        <p:strVal val="visible"/>
+                                      </p:to>
+                                    </p:set>
+                                  </p:childTnLst>
+                                </p:cTn>
+                              </p:par>
+                            </p:childTnLst>
+                          </p:cTn>
+                        </p:par>
+                      </p:childTnLst>
+                    </p:cTn>
+                  </p:par>
+                  <p:par>
+                    <p:cTn id="7" fill="hold">
+                      <p:stCondLst>
+                        <p:cond delay="indefinite"/>
+                      </p:stCondLst>
+                      <p:childTnLst>
+                        <p:par>
+                          <p:cTn id="8" fill="hold">
+                            <p:stCondLst>
+                              <p:cond delay="0"/>
+                            </p:stCondLst>
+                            <p:childTnLst>
+                              <p:par>
+                                <p:cTn id="9" presetID="1" presetClass="entr" presetSubtype="0" fill="hold" nodeType="clickEffect">
+                                  <p:stCondLst>
+                                    <p:cond delay="0"/>
+                                  </p:stCondLst>
+                                  <p:childTnLst>
+                                    <p:set>
+                                      <p:cBhvr>
+                                        <p:cTn id="10" dur="1" fill="hold">
+                                          <p:stCondLst>
+                                            <p:cond delay="0"/>
+                                          </p:stCondLst>
+                                        </p:cTn>
+                                        <p:tgtEl>
+                                          <p:spTgt spid="3">
+                                            <p:txEl>
+                                              <p:pRg st="4" end="4"/>
+                                            </p:txEl>
+                                          </p:spTgt>
+                                        </p:tgtEl>
+                                        <p:attrNameLst>
+                                          <p:attrName>style.visibility</p:attrName>
+                                        </p:attrNameLst>
+                                      </p:cBhvr>
+                                      <p:to>
+                                        <p:strVal val="visible"/>
+                                      </p:to>
+                                    </p:set>
+                                  </p:childTnLst>
+                                </p:cTn>
+                              </p:par>
+                            </p:childTnLst>
+                          </p:cTn>
+                        </p:par>
+                      </p:childTnLst>
+                    </p:cTn>
+                  </p:par>
+                  <p:par>
+                    <p:cTn id="11" fill="hold">
+                      <p:stCondLst>
+                        <p:cond delay="indefinite"/>
+                      </p:stCondLst>
+                      <p:childTnLst>
+                        <p:par>
+                          <p:cTn id="12" fill="hold">
+                            <p:stCondLst>
+                              <p:cond delay="0"/>
+                            </p:stCondLst>
+                            <p:childTnLst>
+                              <p:par>
+                                <p:cTn id="13" presetID="1" presetClass="entr" presetSubtype="0" fill="hold" nodeType="clickEffect">
+                                  <p:stCondLst>
+                                    <p:cond delay="0"/>
+                                  </p:stCondLst>
+                                  <p:childTnLst>
+                                    <p:set>
+                                      <p:cBhvr>
+                                        <p:cTn id="14" dur="1" fill="hold">
+                                          <p:stCondLst>
+                                            <p:cond delay="0"/>
+                                          </p:stCondLst>
+                                        </p:cTn>
+                                        <p:tgtEl>
+                                          <p:spTgt spid="3">
+                                            <p:txEl>
+                                              <p:pRg st="6" end="6"/>
+                                            </p:txEl>
+                                          </p:spTgt>
+                                        </p:tgtEl>
+                                        <p:attrNameLst>
+                                          <p:attrName>style.visibility</p:attrName>
+                                        </p:attrNameLst>
+                                      </p:cBhvr>
+                                      <p:to>
+                                        <p:strVal val="visible"/>
+                                      </p:to>
+                                    </p:set>
+                                  </p:childTnLst>
+                                </p:cTn>
+                              </p:par>
+                            </p:childTnLst>
+                          </p:cTn>
+                        </p:par>
+                      </p:childTnLst>
+                    </p:cTn>
+                  </p:par>
+                </p:childTnLst>
+              </p:cTn>
+              <p:prevCondLst>
+                <p:cond evt="onPrev" delay="0">
+                  <p:tgtEl>
+                    <p:sldTgt/>
+                  </p:tgtEl>
+                </p:cond>
+              </p:prevCondLst>
+              <p:nextCondLst>
+                <p:cond evt="onNext" delay="0">
+                  <p:tgtEl>
+                    <p:sldTgt/>
+                  </p:tgtEl>
+                </p:cond>
+              </p:nextCondLst>
+            </p:seq>
+          </p:childTnLst>
+        </p:cTn>
+      </p:par>
+    </p:tnLst>
+  </p:timing>
 </p:sld>
 </file>
 
-<file path=ppt/slides/slide24.xml><?xml version="1.0" encoding="utf-8"?>
+<file path=ppt/slides/slide25.xml><?xml version="1.0" encoding="utf-8"?>
 <p:sld xmlns:a="http://schemas.openxmlformats.org/drawingml/2006/main" xmlns:r="http://schemas.openxmlformats.org/officeDocument/2006/relationships" xmlns:p="http://schemas.openxmlformats.org/presentationml/2006/main">
   <p:cSld>
     <p:spTree>
@@ -16367,12 +18253,42 @@
           <a:p>
             <a:fld id="{D57F1E4F-1CFF-5643-939E-02111984F565}" type="slidenum">
               <a:rPr lang="en-US" smtClean="0"/>
-              <a:t>24</a:t>
+              <a:t>25</a:t>
             </a:fld>
             <a:endParaRPr lang="en-US" dirty="0"/>
           </a:p>
         </p:txBody>
       </p:sp>
+      <p:pic>
+        <p:nvPicPr>
+          <p:cNvPr id="6" name="Picture 5">
+            <a:extLst>
+              <a:ext uri="{FF2B5EF4-FFF2-40B4-BE49-F238E27FC236}">
+                <a16:creationId xmlns:a16="http://schemas.microsoft.com/office/drawing/2014/main" id="{E9811727-E219-674C-BE3C-CCC19588441C}"/>
+              </a:ext>
+            </a:extLst>
+          </p:cNvPr>
+          <p:cNvPicPr>
+            <a:picLocks noChangeAspect="1"/>
+          </p:cNvPicPr>
+          <p:nvPr/>
+        </p:nvPicPr>
+        <p:blipFill>
+          <a:blip r:embed="rId2"/>
+          <a:stretch>
+            <a:fillRect/>
+          </a:stretch>
+        </p:blipFill>
+        <p:spPr>
+          <a:xfrm>
+            <a:off x="1345406" y="0"/>
+            <a:ext cx="6453188" cy="5715000"/>
+          </a:xfrm>
+          <a:prstGeom prst="rect">
+            <a:avLst/>
+          </a:prstGeom>
+        </p:spPr>
+      </p:pic>
     </p:spTree>
     <p:extLst>
       <p:ext uri="{BB962C8B-B14F-4D97-AF65-F5344CB8AC3E}">
@@ -16386,7 +18302,7 @@
 </p:sld>
 </file>
 
-<file path=ppt/slides/slide25.xml><?xml version="1.0" encoding="utf-8"?>
+<file path=ppt/slides/slide26.xml><?xml version="1.0" encoding="utf-8"?>
 <p:sld xmlns:a="http://schemas.openxmlformats.org/drawingml/2006/main" xmlns:r="http://schemas.openxmlformats.org/officeDocument/2006/relationships" xmlns:p="http://schemas.openxmlformats.org/presentationml/2006/main">
   <p:cSld>
     <p:spTree>
@@ -16421,7 +18337,7 @@
         </p:nvSpPr>
         <p:spPr>
           <a:xfrm>
-            <a:off x="127205" y="111030"/>
+            <a:off x="0" y="13562"/>
             <a:ext cx="7886700" cy="841376"/>
           </a:xfrm>
         </p:spPr>
@@ -16431,7 +18347,7 @@
           <a:p>
             <a:r>
               <a:rPr lang="en-US" dirty="0"/>
-              <a:t>References</a:t>
+              <a:t>Big Idea 3: Programming and Algorithms</a:t>
             </a:r>
           </a:p>
         </p:txBody>
@@ -16454,8 +18370,8 @@
         </p:nvSpPr>
         <p:spPr>
           <a:xfrm>
-            <a:off x="196645" y="855406"/>
-            <a:ext cx="8701549" cy="4745824"/>
+            <a:off x="162839" y="713984"/>
+            <a:ext cx="8735356" cy="4887246"/>
           </a:xfrm>
         </p:spPr>
         <p:txBody>
@@ -16466,39 +18382,6 @@
               <a:buNone/>
             </a:pPr>
             <a:endParaRPr lang="en-US" dirty="0"/>
-          </a:p>
-          <a:p>
-            <a:pPr marL="0" indent="0">
-              <a:buNone/>
-            </a:pPr>
-            <a:endParaRPr lang="en-US" dirty="0"/>
-          </a:p>
-          <a:p>
-            <a:pPr marL="0" indent="0">
-              <a:buNone/>
-            </a:pPr>
-            <a:endParaRPr lang="en-US" dirty="0"/>
-          </a:p>
-          <a:p>
-            <a:pPr marL="0" indent="0">
-              <a:buNone/>
-            </a:pPr>
-            <a:r>
-              <a:rPr lang="en-US" dirty="0" err="1"/>
-              <a:t>Reichelson</a:t>
-            </a:r>
-            <a:r>
-              <a:rPr lang="en-US" dirty="0"/>
-              <a:t>, Seth. AP Computer Science Principles Premium with 6 Practice Tests (Barron's Test Prep) (p. 92). </a:t>
-            </a:r>
-            <a:r>
-              <a:rPr lang="en-US" dirty="0" err="1"/>
-              <a:t>Barrons</a:t>
-            </a:r>
-            <a:r>
-              <a:rPr lang="en-US" dirty="0"/>
-              <a:t> Educational Series. </a:t>
-            </a:r>
           </a:p>
         </p:txBody>
       </p:sp>
@@ -16525,22 +18408,1237 @@
           <a:p>
             <a:fld id="{D57F1E4F-1CFF-5643-939E-02111984F565}" type="slidenum">
               <a:rPr lang="en-US" smtClean="0"/>
-              <a:t>25</a:t>
+              <a:t>26</a:t>
             </a:fld>
             <a:endParaRPr lang="en-US" dirty="0"/>
           </a:p>
         </p:txBody>
       </p:sp>
+      <p:pic>
+        <p:nvPicPr>
+          <p:cNvPr id="5" name="Picture 4">
+            <a:extLst>
+              <a:ext uri="{FF2B5EF4-FFF2-40B4-BE49-F238E27FC236}">
+                <a16:creationId xmlns:a16="http://schemas.microsoft.com/office/drawing/2014/main" id="{656603D8-E142-C447-A9BF-1C6389196A98}"/>
+              </a:ext>
+            </a:extLst>
+          </p:cNvPr>
+          <p:cNvPicPr>
+            <a:picLocks noChangeAspect="1"/>
+          </p:cNvPicPr>
+          <p:nvPr/>
+        </p:nvPicPr>
+        <p:blipFill>
+          <a:blip r:embed="rId2"/>
+          <a:stretch>
+            <a:fillRect/>
+          </a:stretch>
+        </p:blipFill>
+        <p:spPr>
+          <a:xfrm>
+            <a:off x="245805" y="756191"/>
+            <a:ext cx="5613400" cy="1828800"/>
+          </a:xfrm>
+          <a:prstGeom prst="rect">
+            <a:avLst/>
+          </a:prstGeom>
+        </p:spPr>
+      </p:pic>
+      <p:pic>
+        <p:nvPicPr>
+          <p:cNvPr id="6" name="Picture 5">
+            <a:extLst>
+              <a:ext uri="{FF2B5EF4-FFF2-40B4-BE49-F238E27FC236}">
+                <a16:creationId xmlns:a16="http://schemas.microsoft.com/office/drawing/2014/main" id="{70CE6961-63CF-A349-966D-D9D99DA41399}"/>
+              </a:ext>
+            </a:extLst>
+          </p:cNvPr>
+          <p:cNvPicPr>
+            <a:picLocks noChangeAspect="1"/>
+          </p:cNvPicPr>
+          <p:nvPr/>
+        </p:nvPicPr>
+        <p:blipFill>
+          <a:blip r:embed="rId3"/>
+          <a:stretch>
+            <a:fillRect/>
+          </a:stretch>
+        </p:blipFill>
+        <p:spPr>
+          <a:xfrm>
+            <a:off x="162839" y="2433707"/>
+            <a:ext cx="7264400" cy="723900"/>
+          </a:xfrm>
+          <a:prstGeom prst="rect">
+            <a:avLst/>
+          </a:prstGeom>
+        </p:spPr>
+      </p:pic>
+      <p:pic>
+        <p:nvPicPr>
+          <p:cNvPr id="7" name="Picture 6">
+            <a:extLst>
+              <a:ext uri="{FF2B5EF4-FFF2-40B4-BE49-F238E27FC236}">
+                <a16:creationId xmlns:a16="http://schemas.microsoft.com/office/drawing/2014/main" id="{C70255EC-20D0-F748-B54B-23625BC0ACDF}"/>
+              </a:ext>
+            </a:extLst>
+          </p:cNvPr>
+          <p:cNvPicPr>
+            <a:picLocks noChangeAspect="1"/>
+          </p:cNvPicPr>
+          <p:nvPr/>
+        </p:nvPicPr>
+        <p:blipFill>
+          <a:blip r:embed="rId4"/>
+          <a:stretch>
+            <a:fillRect/>
+          </a:stretch>
+        </p:blipFill>
+        <p:spPr>
+          <a:xfrm>
+            <a:off x="245805" y="3235716"/>
+            <a:ext cx="5613400" cy="1765300"/>
+          </a:xfrm>
+          <a:prstGeom prst="rect">
+            <a:avLst/>
+          </a:prstGeom>
+        </p:spPr>
+      </p:pic>
+      <p:pic>
+        <p:nvPicPr>
+          <p:cNvPr id="8" name="Picture 7">
+            <a:extLst>
+              <a:ext uri="{FF2B5EF4-FFF2-40B4-BE49-F238E27FC236}">
+                <a16:creationId xmlns:a16="http://schemas.microsoft.com/office/drawing/2014/main" id="{3982326A-E326-FC48-94CE-69EA14F9DDA3}"/>
+              </a:ext>
+            </a:extLst>
+          </p:cNvPr>
+          <p:cNvPicPr>
+            <a:picLocks noChangeAspect="1"/>
+          </p:cNvPicPr>
+          <p:nvPr/>
+        </p:nvPicPr>
+        <p:blipFill>
+          <a:blip r:embed="rId5"/>
+          <a:stretch>
+            <a:fillRect/>
+          </a:stretch>
+        </p:blipFill>
+        <p:spPr>
+          <a:xfrm>
+            <a:off x="220753" y="4966494"/>
+            <a:ext cx="6896100" cy="482600"/>
+          </a:xfrm>
+          <a:prstGeom prst="rect">
+            <a:avLst/>
+          </a:prstGeom>
+        </p:spPr>
+      </p:pic>
     </p:spTree>
     <p:extLst>
       <p:ext uri="{BB962C8B-B14F-4D97-AF65-F5344CB8AC3E}">
-        <p14:creationId xmlns:p14="http://schemas.microsoft.com/office/powerpoint/2010/main" val="1253310971"/>
+        <p14:creationId xmlns:p14="http://schemas.microsoft.com/office/powerpoint/2010/main" val="2801617392"/>
       </p:ext>
     </p:extLst>
   </p:cSld>
   <p:clrMapOvr>
     <a:masterClrMapping/>
   </p:clrMapOvr>
+  <p:timing>
+    <p:tnLst>
+      <p:par>
+        <p:cTn id="1" dur="indefinite" restart="never" nodeType="tmRoot">
+          <p:childTnLst>
+            <p:seq concurrent="1" nextAc="seek">
+              <p:cTn id="2" dur="indefinite" nodeType="mainSeq">
+                <p:childTnLst>
+                  <p:par>
+                    <p:cTn id="3" fill="hold">
+                      <p:stCondLst>
+                        <p:cond delay="indefinite"/>
+                      </p:stCondLst>
+                      <p:childTnLst>
+                        <p:par>
+                          <p:cTn id="4" fill="hold">
+                            <p:stCondLst>
+                              <p:cond delay="0"/>
+                            </p:stCondLst>
+                            <p:childTnLst>
+                              <p:par>
+                                <p:cTn id="5" presetID="1" presetClass="entr" presetSubtype="0" fill="hold" nodeType="clickEffect">
+                                  <p:stCondLst>
+                                    <p:cond delay="0"/>
+                                  </p:stCondLst>
+                                  <p:childTnLst>
+                                    <p:set>
+                                      <p:cBhvr>
+                                        <p:cTn id="6" dur="1" fill="hold">
+                                          <p:stCondLst>
+                                            <p:cond delay="0"/>
+                                          </p:stCondLst>
+                                        </p:cTn>
+                                        <p:tgtEl>
+                                          <p:spTgt spid="6"/>
+                                        </p:tgtEl>
+                                        <p:attrNameLst>
+                                          <p:attrName>style.visibility</p:attrName>
+                                        </p:attrNameLst>
+                                      </p:cBhvr>
+                                      <p:to>
+                                        <p:strVal val="visible"/>
+                                      </p:to>
+                                    </p:set>
+                                  </p:childTnLst>
+                                </p:cTn>
+                              </p:par>
+                            </p:childTnLst>
+                          </p:cTn>
+                        </p:par>
+                      </p:childTnLst>
+                    </p:cTn>
+                  </p:par>
+                  <p:par>
+                    <p:cTn id="7" fill="hold">
+                      <p:stCondLst>
+                        <p:cond delay="indefinite"/>
+                      </p:stCondLst>
+                      <p:childTnLst>
+                        <p:par>
+                          <p:cTn id="8" fill="hold">
+                            <p:stCondLst>
+                              <p:cond delay="0"/>
+                            </p:stCondLst>
+                            <p:childTnLst>
+                              <p:par>
+                                <p:cTn id="9" presetID="1" presetClass="entr" presetSubtype="0" fill="hold" nodeType="clickEffect">
+                                  <p:stCondLst>
+                                    <p:cond delay="0"/>
+                                  </p:stCondLst>
+                                  <p:childTnLst>
+                                    <p:set>
+                                      <p:cBhvr>
+                                        <p:cTn id="10" dur="1" fill="hold">
+                                          <p:stCondLst>
+                                            <p:cond delay="0"/>
+                                          </p:stCondLst>
+                                        </p:cTn>
+                                        <p:tgtEl>
+                                          <p:spTgt spid="7"/>
+                                        </p:tgtEl>
+                                        <p:attrNameLst>
+                                          <p:attrName>style.visibility</p:attrName>
+                                        </p:attrNameLst>
+                                      </p:cBhvr>
+                                      <p:to>
+                                        <p:strVal val="visible"/>
+                                      </p:to>
+                                    </p:set>
+                                  </p:childTnLst>
+                                </p:cTn>
+                              </p:par>
+                            </p:childTnLst>
+                          </p:cTn>
+                        </p:par>
+                      </p:childTnLst>
+                    </p:cTn>
+                  </p:par>
+                  <p:par>
+                    <p:cTn id="11" fill="hold">
+                      <p:stCondLst>
+                        <p:cond delay="indefinite"/>
+                      </p:stCondLst>
+                      <p:childTnLst>
+                        <p:par>
+                          <p:cTn id="12" fill="hold">
+                            <p:stCondLst>
+                              <p:cond delay="0"/>
+                            </p:stCondLst>
+                            <p:childTnLst>
+                              <p:par>
+                                <p:cTn id="13" presetID="1" presetClass="entr" presetSubtype="0" fill="hold" nodeType="clickEffect">
+                                  <p:stCondLst>
+                                    <p:cond delay="0"/>
+                                  </p:stCondLst>
+                                  <p:childTnLst>
+                                    <p:set>
+                                      <p:cBhvr>
+                                        <p:cTn id="14" dur="1" fill="hold">
+                                          <p:stCondLst>
+                                            <p:cond delay="0"/>
+                                          </p:stCondLst>
+                                        </p:cTn>
+                                        <p:tgtEl>
+                                          <p:spTgt spid="8"/>
+                                        </p:tgtEl>
+                                        <p:attrNameLst>
+                                          <p:attrName>style.visibility</p:attrName>
+                                        </p:attrNameLst>
+                                      </p:cBhvr>
+                                      <p:to>
+                                        <p:strVal val="visible"/>
+                                      </p:to>
+                                    </p:set>
+                                  </p:childTnLst>
+                                </p:cTn>
+                              </p:par>
+                            </p:childTnLst>
+                          </p:cTn>
+                        </p:par>
+                      </p:childTnLst>
+                    </p:cTn>
+                  </p:par>
+                </p:childTnLst>
+              </p:cTn>
+              <p:prevCondLst>
+                <p:cond evt="onPrev" delay="0">
+                  <p:tgtEl>
+                    <p:sldTgt/>
+                  </p:tgtEl>
+                </p:cond>
+              </p:prevCondLst>
+              <p:nextCondLst>
+                <p:cond evt="onNext" delay="0">
+                  <p:tgtEl>
+                    <p:sldTgt/>
+                  </p:tgtEl>
+                </p:cond>
+              </p:nextCondLst>
+            </p:seq>
+          </p:childTnLst>
+        </p:cTn>
+      </p:par>
+    </p:tnLst>
+  </p:timing>
+</p:sld>
+</file>
+
+<file path=ppt/slides/slide27.xml><?xml version="1.0" encoding="utf-8"?>
+<p:sld xmlns:a="http://schemas.openxmlformats.org/drawingml/2006/main" xmlns:r="http://schemas.openxmlformats.org/officeDocument/2006/relationships" xmlns:p="http://schemas.openxmlformats.org/presentationml/2006/main">
+  <p:cSld>
+    <p:spTree>
+      <p:nvGrpSpPr>
+        <p:cNvPr id="1" name=""/>
+        <p:cNvGrpSpPr/>
+        <p:nvPr/>
+      </p:nvGrpSpPr>
+      <p:grpSpPr>
+        <a:xfrm>
+          <a:off x="0" y="0"/>
+          <a:ext cx="0" cy="0"/>
+          <a:chOff x="0" y="0"/>
+          <a:chExt cx="0" cy="0"/>
+        </a:xfrm>
+      </p:grpSpPr>
+      <p:sp>
+        <p:nvSpPr>
+          <p:cNvPr id="2" name="Title 1">
+            <a:extLst>
+              <a:ext uri="{FF2B5EF4-FFF2-40B4-BE49-F238E27FC236}">
+                <a16:creationId xmlns:a16="http://schemas.microsoft.com/office/drawing/2014/main" id="{893AF10F-C12D-6B4A-84C5-206A244BF7C6}"/>
+              </a:ext>
+            </a:extLst>
+          </p:cNvPr>
+          <p:cNvSpPr>
+            <a:spLocks noGrp="1"/>
+          </p:cNvSpPr>
+          <p:nvPr>
+            <p:ph type="title"/>
+          </p:nvPr>
+        </p:nvSpPr>
+        <p:spPr>
+          <a:xfrm>
+            <a:off x="0" y="13562"/>
+            <a:ext cx="7886700" cy="841376"/>
+          </a:xfrm>
+        </p:spPr>
+        <p:txBody>
+          <a:bodyPr/>
+          <a:lstStyle/>
+          <a:p>
+            <a:r>
+              <a:rPr lang="en-US" dirty="0"/>
+              <a:t>Big Idea 3: Programming and Algorithms</a:t>
+            </a:r>
+          </a:p>
+        </p:txBody>
+      </p:sp>
+      <p:sp>
+        <p:nvSpPr>
+          <p:cNvPr id="3" name="Content Placeholder 2">
+            <a:extLst>
+              <a:ext uri="{FF2B5EF4-FFF2-40B4-BE49-F238E27FC236}">
+                <a16:creationId xmlns:a16="http://schemas.microsoft.com/office/drawing/2014/main" id="{8EE44610-8AB0-B84C-9003-2B8BA850F328}"/>
+              </a:ext>
+            </a:extLst>
+          </p:cNvPr>
+          <p:cNvSpPr>
+            <a:spLocks noGrp="1"/>
+          </p:cNvSpPr>
+          <p:nvPr>
+            <p:ph idx="1"/>
+          </p:nvPr>
+        </p:nvSpPr>
+        <p:spPr>
+          <a:xfrm>
+            <a:off x="162839" y="713984"/>
+            <a:ext cx="8735356" cy="4887246"/>
+          </a:xfrm>
+        </p:spPr>
+        <p:txBody>
+          <a:bodyPr/>
+          <a:lstStyle/>
+          <a:p>
+            <a:pPr marL="0" indent="0">
+              <a:buNone/>
+            </a:pPr>
+            <a:endParaRPr lang="en-US" dirty="0"/>
+          </a:p>
+        </p:txBody>
+      </p:sp>
+      <p:sp>
+        <p:nvSpPr>
+          <p:cNvPr id="4" name="Slide Number Placeholder 3">
+            <a:extLst>
+              <a:ext uri="{FF2B5EF4-FFF2-40B4-BE49-F238E27FC236}">
+                <a16:creationId xmlns:a16="http://schemas.microsoft.com/office/drawing/2014/main" id="{75C7B0F0-6928-7047-81B0-E8C50BC3208B}"/>
+              </a:ext>
+            </a:extLst>
+          </p:cNvPr>
+          <p:cNvSpPr>
+            <a:spLocks noGrp="1"/>
+          </p:cNvSpPr>
+          <p:nvPr>
+            <p:ph type="sldNum" sz="quarter" idx="12"/>
+          </p:nvPr>
+        </p:nvSpPr>
+        <p:spPr/>
+        <p:txBody>
+          <a:bodyPr/>
+          <a:lstStyle/>
+          <a:p>
+            <a:fld id="{D57F1E4F-1CFF-5643-939E-02111984F565}" type="slidenum">
+              <a:rPr lang="en-US" smtClean="0"/>
+              <a:t>27</a:t>
+            </a:fld>
+            <a:endParaRPr lang="en-US" dirty="0"/>
+          </a:p>
+        </p:txBody>
+      </p:sp>
+      <p:pic>
+        <p:nvPicPr>
+          <p:cNvPr id="5" name="Picture 4">
+            <a:extLst>
+              <a:ext uri="{FF2B5EF4-FFF2-40B4-BE49-F238E27FC236}">
+                <a16:creationId xmlns:a16="http://schemas.microsoft.com/office/drawing/2014/main" id="{C72E7738-2869-7D47-AFD4-6A456C536AF4}"/>
+              </a:ext>
+            </a:extLst>
+          </p:cNvPr>
+          <p:cNvPicPr>
+            <a:picLocks noChangeAspect="1"/>
+          </p:cNvPicPr>
+          <p:nvPr/>
+        </p:nvPicPr>
+        <p:blipFill>
+          <a:blip r:embed="rId2"/>
+          <a:stretch>
+            <a:fillRect/>
+          </a:stretch>
+        </p:blipFill>
+        <p:spPr>
+          <a:xfrm>
+            <a:off x="162839" y="955196"/>
+            <a:ext cx="6972300" cy="2501900"/>
+          </a:xfrm>
+          <a:prstGeom prst="rect">
+            <a:avLst/>
+          </a:prstGeom>
+        </p:spPr>
+      </p:pic>
+      <p:pic>
+        <p:nvPicPr>
+          <p:cNvPr id="6" name="Picture 5">
+            <a:extLst>
+              <a:ext uri="{FF2B5EF4-FFF2-40B4-BE49-F238E27FC236}">
+                <a16:creationId xmlns:a16="http://schemas.microsoft.com/office/drawing/2014/main" id="{B1796799-2810-574B-880A-67F662F703C7}"/>
+              </a:ext>
+            </a:extLst>
+          </p:cNvPr>
+          <p:cNvPicPr>
+            <a:picLocks noChangeAspect="1"/>
+          </p:cNvPicPr>
+          <p:nvPr/>
+        </p:nvPicPr>
+        <p:blipFill>
+          <a:blip r:embed="rId3"/>
+          <a:stretch>
+            <a:fillRect/>
+          </a:stretch>
+        </p:blipFill>
+        <p:spPr>
+          <a:xfrm>
+            <a:off x="290709" y="3556182"/>
+            <a:ext cx="6781800" cy="2070100"/>
+          </a:xfrm>
+          <a:prstGeom prst="rect">
+            <a:avLst/>
+          </a:prstGeom>
+        </p:spPr>
+      </p:pic>
+    </p:spTree>
+    <p:extLst>
+      <p:ext uri="{BB962C8B-B14F-4D97-AF65-F5344CB8AC3E}">
+        <p14:creationId xmlns:p14="http://schemas.microsoft.com/office/powerpoint/2010/main" val="3824741165"/>
+      </p:ext>
+    </p:extLst>
+  </p:cSld>
+  <p:clrMapOvr>
+    <a:masterClrMapping/>
+  </p:clrMapOvr>
+  <p:timing>
+    <p:tnLst>
+      <p:par>
+        <p:cTn id="1" dur="indefinite" restart="never" nodeType="tmRoot">
+          <p:childTnLst>
+            <p:seq concurrent="1" nextAc="seek">
+              <p:cTn id="2" dur="indefinite" nodeType="mainSeq">
+                <p:childTnLst>
+                  <p:par>
+                    <p:cTn id="3" fill="hold">
+                      <p:stCondLst>
+                        <p:cond delay="indefinite"/>
+                      </p:stCondLst>
+                      <p:childTnLst>
+                        <p:par>
+                          <p:cTn id="4" fill="hold">
+                            <p:stCondLst>
+                              <p:cond delay="0"/>
+                            </p:stCondLst>
+                            <p:childTnLst>
+                              <p:par>
+                                <p:cTn id="5" presetID="1" presetClass="entr" presetSubtype="0" fill="hold" nodeType="clickEffect">
+                                  <p:stCondLst>
+                                    <p:cond delay="0"/>
+                                  </p:stCondLst>
+                                  <p:childTnLst>
+                                    <p:set>
+                                      <p:cBhvr>
+                                        <p:cTn id="6" dur="1" fill="hold">
+                                          <p:stCondLst>
+                                            <p:cond delay="0"/>
+                                          </p:stCondLst>
+                                        </p:cTn>
+                                        <p:tgtEl>
+                                          <p:spTgt spid="6"/>
+                                        </p:tgtEl>
+                                        <p:attrNameLst>
+                                          <p:attrName>style.visibility</p:attrName>
+                                        </p:attrNameLst>
+                                      </p:cBhvr>
+                                      <p:to>
+                                        <p:strVal val="visible"/>
+                                      </p:to>
+                                    </p:set>
+                                  </p:childTnLst>
+                                </p:cTn>
+                              </p:par>
+                            </p:childTnLst>
+                          </p:cTn>
+                        </p:par>
+                      </p:childTnLst>
+                    </p:cTn>
+                  </p:par>
+                </p:childTnLst>
+              </p:cTn>
+              <p:prevCondLst>
+                <p:cond evt="onPrev" delay="0">
+                  <p:tgtEl>
+                    <p:sldTgt/>
+                  </p:tgtEl>
+                </p:cond>
+              </p:prevCondLst>
+              <p:nextCondLst>
+                <p:cond evt="onNext" delay="0">
+                  <p:tgtEl>
+                    <p:sldTgt/>
+                  </p:tgtEl>
+                </p:cond>
+              </p:nextCondLst>
+            </p:seq>
+          </p:childTnLst>
+        </p:cTn>
+      </p:par>
+    </p:tnLst>
+  </p:timing>
+</p:sld>
+</file>
+
+<file path=ppt/slides/slide28.xml><?xml version="1.0" encoding="utf-8"?>
+<p:sld xmlns:a="http://schemas.openxmlformats.org/drawingml/2006/main" xmlns:r="http://schemas.openxmlformats.org/officeDocument/2006/relationships" xmlns:p="http://schemas.openxmlformats.org/presentationml/2006/main">
+  <p:cSld>
+    <p:spTree>
+      <p:nvGrpSpPr>
+        <p:cNvPr id="1" name=""/>
+        <p:cNvGrpSpPr/>
+        <p:nvPr/>
+      </p:nvGrpSpPr>
+      <p:grpSpPr>
+        <a:xfrm>
+          <a:off x="0" y="0"/>
+          <a:ext cx="0" cy="0"/>
+          <a:chOff x="0" y="0"/>
+          <a:chExt cx="0" cy="0"/>
+        </a:xfrm>
+      </p:grpSpPr>
+      <p:sp>
+        <p:nvSpPr>
+          <p:cNvPr id="2" name="Title 1">
+            <a:extLst>
+              <a:ext uri="{FF2B5EF4-FFF2-40B4-BE49-F238E27FC236}">
+                <a16:creationId xmlns:a16="http://schemas.microsoft.com/office/drawing/2014/main" id="{893AF10F-C12D-6B4A-84C5-206A244BF7C6}"/>
+              </a:ext>
+            </a:extLst>
+          </p:cNvPr>
+          <p:cNvSpPr>
+            <a:spLocks noGrp="1"/>
+          </p:cNvSpPr>
+          <p:nvPr>
+            <p:ph type="title"/>
+          </p:nvPr>
+        </p:nvSpPr>
+        <p:spPr>
+          <a:xfrm>
+            <a:off x="0" y="13562"/>
+            <a:ext cx="7886700" cy="841376"/>
+          </a:xfrm>
+        </p:spPr>
+        <p:txBody>
+          <a:bodyPr/>
+          <a:lstStyle/>
+          <a:p>
+            <a:r>
+              <a:rPr lang="en-US" dirty="0"/>
+              <a:t>Big Idea 3: Programming and Algorithms</a:t>
+            </a:r>
+          </a:p>
+        </p:txBody>
+      </p:sp>
+      <p:sp>
+        <p:nvSpPr>
+          <p:cNvPr id="3" name="Content Placeholder 2">
+            <a:extLst>
+              <a:ext uri="{FF2B5EF4-FFF2-40B4-BE49-F238E27FC236}">
+                <a16:creationId xmlns:a16="http://schemas.microsoft.com/office/drawing/2014/main" id="{8EE44610-8AB0-B84C-9003-2B8BA850F328}"/>
+              </a:ext>
+            </a:extLst>
+          </p:cNvPr>
+          <p:cNvSpPr>
+            <a:spLocks noGrp="1"/>
+          </p:cNvSpPr>
+          <p:nvPr>
+            <p:ph idx="1"/>
+          </p:nvPr>
+        </p:nvSpPr>
+        <p:spPr>
+          <a:xfrm>
+            <a:off x="162839" y="713984"/>
+            <a:ext cx="8735356" cy="4887246"/>
+          </a:xfrm>
+        </p:spPr>
+        <p:txBody>
+          <a:bodyPr/>
+          <a:lstStyle/>
+          <a:p>
+            <a:pPr marL="0" indent="0">
+              <a:buNone/>
+            </a:pPr>
+            <a:endParaRPr lang="en-US" dirty="0"/>
+          </a:p>
+        </p:txBody>
+      </p:sp>
+      <p:sp>
+        <p:nvSpPr>
+          <p:cNvPr id="4" name="Slide Number Placeholder 3">
+            <a:extLst>
+              <a:ext uri="{FF2B5EF4-FFF2-40B4-BE49-F238E27FC236}">
+                <a16:creationId xmlns:a16="http://schemas.microsoft.com/office/drawing/2014/main" id="{75C7B0F0-6928-7047-81B0-E8C50BC3208B}"/>
+              </a:ext>
+            </a:extLst>
+          </p:cNvPr>
+          <p:cNvSpPr>
+            <a:spLocks noGrp="1"/>
+          </p:cNvSpPr>
+          <p:nvPr>
+            <p:ph type="sldNum" sz="quarter" idx="12"/>
+          </p:nvPr>
+        </p:nvSpPr>
+        <p:spPr/>
+        <p:txBody>
+          <a:bodyPr/>
+          <a:lstStyle/>
+          <a:p>
+            <a:fld id="{D57F1E4F-1CFF-5643-939E-02111984F565}" type="slidenum">
+              <a:rPr lang="en-US" smtClean="0"/>
+              <a:t>28</a:t>
+            </a:fld>
+            <a:endParaRPr lang="en-US" dirty="0"/>
+          </a:p>
+        </p:txBody>
+      </p:sp>
+      <p:pic>
+        <p:nvPicPr>
+          <p:cNvPr id="5" name="Picture 4">
+            <a:extLst>
+              <a:ext uri="{FF2B5EF4-FFF2-40B4-BE49-F238E27FC236}">
+                <a16:creationId xmlns:a16="http://schemas.microsoft.com/office/drawing/2014/main" id="{34D173BA-B559-2C41-B3ED-7EDB394710D2}"/>
+              </a:ext>
+            </a:extLst>
+          </p:cNvPr>
+          <p:cNvPicPr>
+            <a:picLocks noChangeAspect="1"/>
+          </p:cNvPicPr>
+          <p:nvPr/>
+        </p:nvPicPr>
+        <p:blipFill>
+          <a:blip r:embed="rId2"/>
+          <a:stretch>
+            <a:fillRect/>
+          </a:stretch>
+        </p:blipFill>
+        <p:spPr>
+          <a:xfrm>
+            <a:off x="245805" y="1062102"/>
+            <a:ext cx="4826000" cy="2438400"/>
+          </a:xfrm>
+          <a:prstGeom prst="rect">
+            <a:avLst/>
+          </a:prstGeom>
+        </p:spPr>
+      </p:pic>
+      <p:pic>
+        <p:nvPicPr>
+          <p:cNvPr id="6" name="Picture 5">
+            <a:extLst>
+              <a:ext uri="{FF2B5EF4-FFF2-40B4-BE49-F238E27FC236}">
+                <a16:creationId xmlns:a16="http://schemas.microsoft.com/office/drawing/2014/main" id="{2770836F-0E38-5746-95B0-92F9EFCCA365}"/>
+              </a:ext>
+            </a:extLst>
+          </p:cNvPr>
+          <p:cNvPicPr>
+            <a:picLocks noChangeAspect="1"/>
+          </p:cNvPicPr>
+          <p:nvPr/>
+        </p:nvPicPr>
+        <p:blipFill>
+          <a:blip r:embed="rId3"/>
+          <a:stretch>
+            <a:fillRect/>
+          </a:stretch>
+        </p:blipFill>
+        <p:spPr>
+          <a:xfrm>
+            <a:off x="245805" y="3707666"/>
+            <a:ext cx="1473200" cy="495300"/>
+          </a:xfrm>
+          <a:prstGeom prst="rect">
+            <a:avLst/>
+          </a:prstGeom>
+        </p:spPr>
+      </p:pic>
+    </p:spTree>
+    <p:extLst>
+      <p:ext uri="{BB962C8B-B14F-4D97-AF65-F5344CB8AC3E}">
+        <p14:creationId xmlns:p14="http://schemas.microsoft.com/office/powerpoint/2010/main" val="863077976"/>
+      </p:ext>
+    </p:extLst>
+  </p:cSld>
+  <p:clrMapOvr>
+    <a:masterClrMapping/>
+  </p:clrMapOvr>
+  <p:timing>
+    <p:tnLst>
+      <p:par>
+        <p:cTn id="1" dur="indefinite" restart="never" nodeType="tmRoot">
+          <p:childTnLst>
+            <p:seq concurrent="1" nextAc="seek">
+              <p:cTn id="2" dur="indefinite" nodeType="mainSeq">
+                <p:childTnLst>
+                  <p:par>
+                    <p:cTn id="3" fill="hold">
+                      <p:stCondLst>
+                        <p:cond delay="indefinite"/>
+                      </p:stCondLst>
+                      <p:childTnLst>
+                        <p:par>
+                          <p:cTn id="4" fill="hold">
+                            <p:stCondLst>
+                              <p:cond delay="0"/>
+                            </p:stCondLst>
+                            <p:childTnLst>
+                              <p:par>
+                                <p:cTn id="5" presetID="1" presetClass="entr" presetSubtype="0" fill="hold" nodeType="clickEffect">
+                                  <p:stCondLst>
+                                    <p:cond delay="0"/>
+                                  </p:stCondLst>
+                                  <p:childTnLst>
+                                    <p:set>
+                                      <p:cBhvr>
+                                        <p:cTn id="6" dur="1" fill="hold">
+                                          <p:stCondLst>
+                                            <p:cond delay="0"/>
+                                          </p:stCondLst>
+                                        </p:cTn>
+                                        <p:tgtEl>
+                                          <p:spTgt spid="6"/>
+                                        </p:tgtEl>
+                                        <p:attrNameLst>
+                                          <p:attrName>style.visibility</p:attrName>
+                                        </p:attrNameLst>
+                                      </p:cBhvr>
+                                      <p:to>
+                                        <p:strVal val="visible"/>
+                                      </p:to>
+                                    </p:set>
+                                  </p:childTnLst>
+                                </p:cTn>
+                              </p:par>
+                            </p:childTnLst>
+                          </p:cTn>
+                        </p:par>
+                      </p:childTnLst>
+                    </p:cTn>
+                  </p:par>
+                </p:childTnLst>
+              </p:cTn>
+              <p:prevCondLst>
+                <p:cond evt="onPrev" delay="0">
+                  <p:tgtEl>
+                    <p:sldTgt/>
+                  </p:tgtEl>
+                </p:cond>
+              </p:prevCondLst>
+              <p:nextCondLst>
+                <p:cond evt="onNext" delay="0">
+                  <p:tgtEl>
+                    <p:sldTgt/>
+                  </p:tgtEl>
+                </p:cond>
+              </p:nextCondLst>
+            </p:seq>
+          </p:childTnLst>
+        </p:cTn>
+      </p:par>
+    </p:tnLst>
+  </p:timing>
+</p:sld>
+</file>
+
+<file path=ppt/slides/slide29.xml><?xml version="1.0" encoding="utf-8"?>
+<p:sld xmlns:a="http://schemas.openxmlformats.org/drawingml/2006/main" xmlns:r="http://schemas.openxmlformats.org/officeDocument/2006/relationships" xmlns:p="http://schemas.openxmlformats.org/presentationml/2006/main">
+  <p:cSld>
+    <p:spTree>
+      <p:nvGrpSpPr>
+        <p:cNvPr id="1" name=""/>
+        <p:cNvGrpSpPr/>
+        <p:nvPr/>
+      </p:nvGrpSpPr>
+      <p:grpSpPr>
+        <a:xfrm>
+          <a:off x="0" y="0"/>
+          <a:ext cx="0" cy="0"/>
+          <a:chOff x="0" y="0"/>
+          <a:chExt cx="0" cy="0"/>
+        </a:xfrm>
+      </p:grpSpPr>
+      <p:sp>
+        <p:nvSpPr>
+          <p:cNvPr id="2" name="Title 1">
+            <a:extLst>
+              <a:ext uri="{FF2B5EF4-FFF2-40B4-BE49-F238E27FC236}">
+                <a16:creationId xmlns:a16="http://schemas.microsoft.com/office/drawing/2014/main" id="{893AF10F-C12D-6B4A-84C5-206A244BF7C6}"/>
+              </a:ext>
+            </a:extLst>
+          </p:cNvPr>
+          <p:cNvSpPr>
+            <a:spLocks noGrp="1"/>
+          </p:cNvSpPr>
+          <p:nvPr>
+            <p:ph type="title"/>
+          </p:nvPr>
+        </p:nvSpPr>
+        <p:spPr>
+          <a:xfrm>
+            <a:off x="0" y="13562"/>
+            <a:ext cx="7886700" cy="841376"/>
+          </a:xfrm>
+        </p:spPr>
+        <p:txBody>
+          <a:bodyPr/>
+          <a:lstStyle/>
+          <a:p>
+            <a:r>
+              <a:rPr lang="en-US" dirty="0"/>
+              <a:t>Big Idea 3: Programming and Algorithms</a:t>
+            </a:r>
+          </a:p>
+        </p:txBody>
+      </p:sp>
+      <p:sp>
+        <p:nvSpPr>
+          <p:cNvPr id="3" name="Content Placeholder 2">
+            <a:extLst>
+              <a:ext uri="{FF2B5EF4-FFF2-40B4-BE49-F238E27FC236}">
+                <a16:creationId xmlns:a16="http://schemas.microsoft.com/office/drawing/2014/main" id="{8EE44610-8AB0-B84C-9003-2B8BA850F328}"/>
+              </a:ext>
+            </a:extLst>
+          </p:cNvPr>
+          <p:cNvSpPr>
+            <a:spLocks noGrp="1"/>
+          </p:cNvSpPr>
+          <p:nvPr>
+            <p:ph idx="1"/>
+          </p:nvPr>
+        </p:nvSpPr>
+        <p:spPr>
+          <a:xfrm>
+            <a:off x="162839" y="713984"/>
+            <a:ext cx="8735356" cy="4887246"/>
+          </a:xfrm>
+        </p:spPr>
+        <p:txBody>
+          <a:bodyPr/>
+          <a:lstStyle/>
+          <a:p>
+            <a:pPr marL="0" indent="0">
+              <a:buNone/>
+            </a:pPr>
+            <a:endParaRPr lang="en-US" dirty="0"/>
+          </a:p>
+        </p:txBody>
+      </p:sp>
+      <p:sp>
+        <p:nvSpPr>
+          <p:cNvPr id="4" name="Slide Number Placeholder 3">
+            <a:extLst>
+              <a:ext uri="{FF2B5EF4-FFF2-40B4-BE49-F238E27FC236}">
+                <a16:creationId xmlns:a16="http://schemas.microsoft.com/office/drawing/2014/main" id="{75C7B0F0-6928-7047-81B0-E8C50BC3208B}"/>
+              </a:ext>
+            </a:extLst>
+          </p:cNvPr>
+          <p:cNvSpPr>
+            <a:spLocks noGrp="1"/>
+          </p:cNvSpPr>
+          <p:nvPr>
+            <p:ph type="sldNum" sz="quarter" idx="12"/>
+          </p:nvPr>
+        </p:nvSpPr>
+        <p:spPr/>
+        <p:txBody>
+          <a:bodyPr/>
+          <a:lstStyle/>
+          <a:p>
+            <a:fld id="{D57F1E4F-1CFF-5643-939E-02111984F565}" type="slidenum">
+              <a:rPr lang="en-US" smtClean="0"/>
+              <a:t>29</a:t>
+            </a:fld>
+            <a:endParaRPr lang="en-US" dirty="0"/>
+          </a:p>
+        </p:txBody>
+      </p:sp>
+      <p:pic>
+        <p:nvPicPr>
+          <p:cNvPr id="5" name="Picture 4">
+            <a:extLst>
+              <a:ext uri="{FF2B5EF4-FFF2-40B4-BE49-F238E27FC236}">
+                <a16:creationId xmlns:a16="http://schemas.microsoft.com/office/drawing/2014/main" id="{509A77BD-1E48-AA46-8E26-ADA18B5627F7}"/>
+              </a:ext>
+            </a:extLst>
+          </p:cNvPr>
+          <p:cNvPicPr>
+            <a:picLocks noChangeAspect="1"/>
+          </p:cNvPicPr>
+          <p:nvPr/>
+        </p:nvPicPr>
+        <p:blipFill>
+          <a:blip r:embed="rId2"/>
+          <a:stretch>
+            <a:fillRect/>
+          </a:stretch>
+        </p:blipFill>
+        <p:spPr>
+          <a:xfrm>
+            <a:off x="162839" y="779393"/>
+            <a:ext cx="7124700" cy="1778000"/>
+          </a:xfrm>
+          <a:prstGeom prst="rect">
+            <a:avLst/>
+          </a:prstGeom>
+        </p:spPr>
+      </p:pic>
+      <p:pic>
+        <p:nvPicPr>
+          <p:cNvPr id="6" name="Picture 5">
+            <a:extLst>
+              <a:ext uri="{FF2B5EF4-FFF2-40B4-BE49-F238E27FC236}">
+                <a16:creationId xmlns:a16="http://schemas.microsoft.com/office/drawing/2014/main" id="{239C95C1-FF5A-BF41-A0AA-E2B9102A09CB}"/>
+              </a:ext>
+            </a:extLst>
+          </p:cNvPr>
+          <p:cNvPicPr>
+            <a:picLocks noChangeAspect="1"/>
+          </p:cNvPicPr>
+          <p:nvPr/>
+        </p:nvPicPr>
+        <p:blipFill>
+          <a:blip r:embed="rId3"/>
+          <a:stretch>
+            <a:fillRect/>
+          </a:stretch>
+        </p:blipFill>
+        <p:spPr>
+          <a:xfrm>
+            <a:off x="245805" y="2692400"/>
+            <a:ext cx="1968500" cy="330200"/>
+          </a:xfrm>
+          <a:prstGeom prst="rect">
+            <a:avLst/>
+          </a:prstGeom>
+        </p:spPr>
+      </p:pic>
+      <p:pic>
+        <p:nvPicPr>
+          <p:cNvPr id="7" name="Picture 6">
+            <a:extLst>
+              <a:ext uri="{FF2B5EF4-FFF2-40B4-BE49-F238E27FC236}">
+                <a16:creationId xmlns:a16="http://schemas.microsoft.com/office/drawing/2014/main" id="{2D122B8E-8888-9A47-8CDC-C13706878B4F}"/>
+              </a:ext>
+            </a:extLst>
+          </p:cNvPr>
+          <p:cNvPicPr>
+            <a:picLocks noChangeAspect="1"/>
+          </p:cNvPicPr>
+          <p:nvPr/>
+        </p:nvPicPr>
+        <p:blipFill>
+          <a:blip r:embed="rId4"/>
+          <a:stretch>
+            <a:fillRect/>
+          </a:stretch>
+        </p:blipFill>
+        <p:spPr>
+          <a:xfrm>
+            <a:off x="162839" y="3121595"/>
+            <a:ext cx="4902200" cy="2451100"/>
+          </a:xfrm>
+          <a:prstGeom prst="rect">
+            <a:avLst/>
+          </a:prstGeom>
+        </p:spPr>
+      </p:pic>
+      <p:pic>
+        <p:nvPicPr>
+          <p:cNvPr id="8" name="Picture 7">
+            <a:extLst>
+              <a:ext uri="{FF2B5EF4-FFF2-40B4-BE49-F238E27FC236}">
+                <a16:creationId xmlns:a16="http://schemas.microsoft.com/office/drawing/2014/main" id="{E0422F40-6157-9742-9077-88F983EF8C3B}"/>
+              </a:ext>
+            </a:extLst>
+          </p:cNvPr>
+          <p:cNvPicPr>
+            <a:picLocks noChangeAspect="1"/>
+          </p:cNvPicPr>
+          <p:nvPr/>
+        </p:nvPicPr>
+        <p:blipFill>
+          <a:blip r:embed="rId5"/>
+          <a:stretch>
+            <a:fillRect/>
+          </a:stretch>
+        </p:blipFill>
+        <p:spPr>
+          <a:xfrm>
+            <a:off x="2260600" y="4269513"/>
+            <a:ext cx="6883400" cy="1168400"/>
+          </a:xfrm>
+          <a:prstGeom prst="rect">
+            <a:avLst/>
+          </a:prstGeom>
+        </p:spPr>
+      </p:pic>
+    </p:spTree>
+    <p:extLst>
+      <p:ext uri="{BB962C8B-B14F-4D97-AF65-F5344CB8AC3E}">
+        <p14:creationId xmlns:p14="http://schemas.microsoft.com/office/powerpoint/2010/main" val="2077516868"/>
+      </p:ext>
+    </p:extLst>
+  </p:cSld>
+  <p:clrMapOvr>
+    <a:masterClrMapping/>
+  </p:clrMapOvr>
+  <p:timing>
+    <p:tnLst>
+      <p:par>
+        <p:cTn id="1" dur="indefinite" restart="never" nodeType="tmRoot">
+          <p:childTnLst>
+            <p:seq concurrent="1" nextAc="seek">
+              <p:cTn id="2" dur="indefinite" nodeType="mainSeq">
+                <p:childTnLst>
+                  <p:par>
+                    <p:cTn id="3" fill="hold">
+                      <p:stCondLst>
+                        <p:cond delay="indefinite"/>
+                      </p:stCondLst>
+                      <p:childTnLst>
+                        <p:par>
+                          <p:cTn id="4" fill="hold">
+                            <p:stCondLst>
+                              <p:cond delay="0"/>
+                            </p:stCondLst>
+                            <p:childTnLst>
+                              <p:par>
+                                <p:cTn id="5" presetID="1" presetClass="entr" presetSubtype="0" fill="hold" nodeType="clickEffect">
+                                  <p:stCondLst>
+                                    <p:cond delay="0"/>
+                                  </p:stCondLst>
+                                  <p:childTnLst>
+                                    <p:set>
+                                      <p:cBhvr>
+                                        <p:cTn id="6" dur="1" fill="hold">
+                                          <p:stCondLst>
+                                            <p:cond delay="0"/>
+                                          </p:stCondLst>
+                                        </p:cTn>
+                                        <p:tgtEl>
+                                          <p:spTgt spid="6"/>
+                                        </p:tgtEl>
+                                        <p:attrNameLst>
+                                          <p:attrName>style.visibility</p:attrName>
+                                        </p:attrNameLst>
+                                      </p:cBhvr>
+                                      <p:to>
+                                        <p:strVal val="visible"/>
+                                      </p:to>
+                                    </p:set>
+                                  </p:childTnLst>
+                                </p:cTn>
+                              </p:par>
+                            </p:childTnLst>
+                          </p:cTn>
+                        </p:par>
+                      </p:childTnLst>
+                    </p:cTn>
+                  </p:par>
+                  <p:par>
+                    <p:cTn id="7" fill="hold">
+                      <p:stCondLst>
+                        <p:cond delay="indefinite"/>
+                      </p:stCondLst>
+                      <p:childTnLst>
+                        <p:par>
+                          <p:cTn id="8" fill="hold">
+                            <p:stCondLst>
+                              <p:cond delay="0"/>
+                            </p:stCondLst>
+                            <p:childTnLst>
+                              <p:par>
+                                <p:cTn id="9" presetID="1" presetClass="entr" presetSubtype="0" fill="hold" nodeType="clickEffect">
+                                  <p:stCondLst>
+                                    <p:cond delay="0"/>
+                                  </p:stCondLst>
+                                  <p:childTnLst>
+                                    <p:set>
+                                      <p:cBhvr>
+                                        <p:cTn id="10" dur="1" fill="hold">
+                                          <p:stCondLst>
+                                            <p:cond delay="0"/>
+                                          </p:stCondLst>
+                                        </p:cTn>
+                                        <p:tgtEl>
+                                          <p:spTgt spid="7"/>
+                                        </p:tgtEl>
+                                        <p:attrNameLst>
+                                          <p:attrName>style.visibility</p:attrName>
+                                        </p:attrNameLst>
+                                      </p:cBhvr>
+                                      <p:to>
+                                        <p:strVal val="visible"/>
+                                      </p:to>
+                                    </p:set>
+                                  </p:childTnLst>
+                                </p:cTn>
+                              </p:par>
+                            </p:childTnLst>
+                          </p:cTn>
+                        </p:par>
+                      </p:childTnLst>
+                    </p:cTn>
+                  </p:par>
+                  <p:par>
+                    <p:cTn id="11" fill="hold">
+                      <p:stCondLst>
+                        <p:cond delay="indefinite"/>
+                      </p:stCondLst>
+                      <p:childTnLst>
+                        <p:par>
+                          <p:cTn id="12" fill="hold">
+                            <p:stCondLst>
+                              <p:cond delay="0"/>
+                            </p:stCondLst>
+                            <p:childTnLst>
+                              <p:par>
+                                <p:cTn id="13" presetID="1" presetClass="entr" presetSubtype="0" fill="hold" nodeType="clickEffect">
+                                  <p:stCondLst>
+                                    <p:cond delay="0"/>
+                                  </p:stCondLst>
+                                  <p:childTnLst>
+                                    <p:set>
+                                      <p:cBhvr>
+                                        <p:cTn id="14" dur="1" fill="hold">
+                                          <p:stCondLst>
+                                            <p:cond delay="0"/>
+                                          </p:stCondLst>
+                                        </p:cTn>
+                                        <p:tgtEl>
+                                          <p:spTgt spid="8"/>
+                                        </p:tgtEl>
+                                        <p:attrNameLst>
+                                          <p:attrName>style.visibility</p:attrName>
+                                        </p:attrNameLst>
+                                      </p:cBhvr>
+                                      <p:to>
+                                        <p:strVal val="visible"/>
+                                      </p:to>
+                                    </p:set>
+                                  </p:childTnLst>
+                                </p:cTn>
+                              </p:par>
+                            </p:childTnLst>
+                          </p:cTn>
+                        </p:par>
+                      </p:childTnLst>
+                    </p:cTn>
+                  </p:par>
+                </p:childTnLst>
+              </p:cTn>
+              <p:prevCondLst>
+                <p:cond evt="onPrev" delay="0">
+                  <p:tgtEl>
+                    <p:sldTgt/>
+                  </p:tgtEl>
+                </p:cond>
+              </p:prevCondLst>
+              <p:nextCondLst>
+                <p:cond evt="onNext" delay="0">
+                  <p:tgtEl>
+                    <p:sldTgt/>
+                  </p:tgtEl>
+                </p:cond>
+              </p:nextCondLst>
+            </p:seq>
+          </p:childTnLst>
+        </p:cTn>
+      </p:par>
+    </p:tnLst>
+  </p:timing>
 </p:sld>
 </file>
 
@@ -16708,6 +19806,2569 @@
 </p:sld>
 </file>
 
+<file path=ppt/slides/slide30.xml><?xml version="1.0" encoding="utf-8"?>
+<p:sld xmlns:a="http://schemas.openxmlformats.org/drawingml/2006/main" xmlns:r="http://schemas.openxmlformats.org/officeDocument/2006/relationships" xmlns:p="http://schemas.openxmlformats.org/presentationml/2006/main">
+  <p:cSld>
+    <p:spTree>
+      <p:nvGrpSpPr>
+        <p:cNvPr id="1" name=""/>
+        <p:cNvGrpSpPr/>
+        <p:nvPr/>
+      </p:nvGrpSpPr>
+      <p:grpSpPr>
+        <a:xfrm>
+          <a:off x="0" y="0"/>
+          <a:ext cx="0" cy="0"/>
+          <a:chOff x="0" y="0"/>
+          <a:chExt cx="0" cy="0"/>
+        </a:xfrm>
+      </p:grpSpPr>
+      <p:sp>
+        <p:nvSpPr>
+          <p:cNvPr id="2" name="Title 1">
+            <a:extLst>
+              <a:ext uri="{FF2B5EF4-FFF2-40B4-BE49-F238E27FC236}">
+                <a16:creationId xmlns:a16="http://schemas.microsoft.com/office/drawing/2014/main" id="{893AF10F-C12D-6B4A-84C5-206A244BF7C6}"/>
+              </a:ext>
+            </a:extLst>
+          </p:cNvPr>
+          <p:cNvSpPr>
+            <a:spLocks noGrp="1"/>
+          </p:cNvSpPr>
+          <p:nvPr>
+            <p:ph type="title"/>
+          </p:nvPr>
+        </p:nvSpPr>
+        <p:spPr>
+          <a:xfrm>
+            <a:off x="0" y="13562"/>
+            <a:ext cx="7886700" cy="841376"/>
+          </a:xfrm>
+        </p:spPr>
+        <p:txBody>
+          <a:bodyPr/>
+          <a:lstStyle/>
+          <a:p>
+            <a:r>
+              <a:rPr lang="en-US" dirty="0"/>
+              <a:t>Big Idea 3: Programming and Algorithms</a:t>
+            </a:r>
+          </a:p>
+        </p:txBody>
+      </p:sp>
+      <p:sp>
+        <p:nvSpPr>
+          <p:cNvPr id="3" name="Content Placeholder 2">
+            <a:extLst>
+              <a:ext uri="{FF2B5EF4-FFF2-40B4-BE49-F238E27FC236}">
+                <a16:creationId xmlns:a16="http://schemas.microsoft.com/office/drawing/2014/main" id="{8EE44610-8AB0-B84C-9003-2B8BA850F328}"/>
+              </a:ext>
+            </a:extLst>
+          </p:cNvPr>
+          <p:cNvSpPr>
+            <a:spLocks noGrp="1"/>
+          </p:cNvSpPr>
+          <p:nvPr>
+            <p:ph idx="1"/>
+          </p:nvPr>
+        </p:nvSpPr>
+        <p:spPr>
+          <a:xfrm>
+            <a:off x="162839" y="713984"/>
+            <a:ext cx="8735356" cy="4887246"/>
+          </a:xfrm>
+        </p:spPr>
+        <p:txBody>
+          <a:bodyPr/>
+          <a:lstStyle/>
+          <a:p>
+            <a:pPr marL="0" indent="0">
+              <a:buNone/>
+            </a:pPr>
+            <a:endParaRPr lang="en-US" dirty="0"/>
+          </a:p>
+        </p:txBody>
+      </p:sp>
+      <p:sp>
+        <p:nvSpPr>
+          <p:cNvPr id="4" name="Slide Number Placeholder 3">
+            <a:extLst>
+              <a:ext uri="{FF2B5EF4-FFF2-40B4-BE49-F238E27FC236}">
+                <a16:creationId xmlns:a16="http://schemas.microsoft.com/office/drawing/2014/main" id="{75C7B0F0-6928-7047-81B0-E8C50BC3208B}"/>
+              </a:ext>
+            </a:extLst>
+          </p:cNvPr>
+          <p:cNvSpPr>
+            <a:spLocks noGrp="1"/>
+          </p:cNvSpPr>
+          <p:nvPr>
+            <p:ph type="sldNum" sz="quarter" idx="12"/>
+          </p:nvPr>
+        </p:nvSpPr>
+        <p:spPr/>
+        <p:txBody>
+          <a:bodyPr/>
+          <a:lstStyle/>
+          <a:p>
+            <a:fld id="{D57F1E4F-1CFF-5643-939E-02111984F565}" type="slidenum">
+              <a:rPr lang="en-US" smtClean="0"/>
+              <a:t>30</a:t>
+            </a:fld>
+            <a:endParaRPr lang="en-US" dirty="0"/>
+          </a:p>
+        </p:txBody>
+      </p:sp>
+      <p:pic>
+        <p:nvPicPr>
+          <p:cNvPr id="9" name="Picture 8">
+            <a:extLst>
+              <a:ext uri="{FF2B5EF4-FFF2-40B4-BE49-F238E27FC236}">
+                <a16:creationId xmlns:a16="http://schemas.microsoft.com/office/drawing/2014/main" id="{4665B12E-C343-3C48-9C9B-6CB2DB9514BE}"/>
+              </a:ext>
+            </a:extLst>
+          </p:cNvPr>
+          <p:cNvPicPr>
+            <a:picLocks noChangeAspect="1"/>
+          </p:cNvPicPr>
+          <p:nvPr/>
+        </p:nvPicPr>
+        <p:blipFill>
+          <a:blip r:embed="rId2"/>
+          <a:stretch>
+            <a:fillRect/>
+          </a:stretch>
+        </p:blipFill>
+        <p:spPr>
+          <a:xfrm>
+            <a:off x="488950" y="997732"/>
+            <a:ext cx="3454400" cy="2692400"/>
+          </a:xfrm>
+          <a:prstGeom prst="rect">
+            <a:avLst/>
+          </a:prstGeom>
+        </p:spPr>
+      </p:pic>
+      <p:pic>
+        <p:nvPicPr>
+          <p:cNvPr id="10" name="Picture 9">
+            <a:extLst>
+              <a:ext uri="{FF2B5EF4-FFF2-40B4-BE49-F238E27FC236}">
+                <a16:creationId xmlns:a16="http://schemas.microsoft.com/office/drawing/2014/main" id="{8FEE9C82-0592-AC4F-851F-526CD3FE5E29}"/>
+              </a:ext>
+            </a:extLst>
+          </p:cNvPr>
+          <p:cNvPicPr>
+            <a:picLocks noChangeAspect="1"/>
+          </p:cNvPicPr>
+          <p:nvPr/>
+        </p:nvPicPr>
+        <p:blipFill>
+          <a:blip r:embed="rId3"/>
+          <a:stretch>
+            <a:fillRect/>
+          </a:stretch>
+        </p:blipFill>
+        <p:spPr>
+          <a:xfrm>
+            <a:off x="2177634" y="1837072"/>
+            <a:ext cx="6883400" cy="2336800"/>
+          </a:xfrm>
+          <a:prstGeom prst="rect">
+            <a:avLst/>
+          </a:prstGeom>
+        </p:spPr>
+      </p:pic>
+      <p:pic>
+        <p:nvPicPr>
+          <p:cNvPr id="11" name="Picture 10">
+            <a:extLst>
+              <a:ext uri="{FF2B5EF4-FFF2-40B4-BE49-F238E27FC236}">
+                <a16:creationId xmlns:a16="http://schemas.microsoft.com/office/drawing/2014/main" id="{3A5A416D-A1A3-464B-91ED-D8AE630D127C}"/>
+              </a:ext>
+            </a:extLst>
+          </p:cNvPr>
+          <p:cNvPicPr>
+            <a:picLocks noChangeAspect="1"/>
+          </p:cNvPicPr>
+          <p:nvPr/>
+        </p:nvPicPr>
+        <p:blipFill>
+          <a:blip r:embed="rId4"/>
+          <a:stretch>
+            <a:fillRect/>
+          </a:stretch>
+        </p:blipFill>
+        <p:spPr>
+          <a:xfrm>
+            <a:off x="2454232" y="4354415"/>
+            <a:ext cx="1955800" cy="381000"/>
+          </a:xfrm>
+          <a:prstGeom prst="rect">
+            <a:avLst/>
+          </a:prstGeom>
+        </p:spPr>
+      </p:pic>
+    </p:spTree>
+    <p:extLst>
+      <p:ext uri="{BB962C8B-B14F-4D97-AF65-F5344CB8AC3E}">
+        <p14:creationId xmlns:p14="http://schemas.microsoft.com/office/powerpoint/2010/main" val="1553077223"/>
+      </p:ext>
+    </p:extLst>
+  </p:cSld>
+  <p:clrMapOvr>
+    <a:masterClrMapping/>
+  </p:clrMapOvr>
+  <p:timing>
+    <p:tnLst>
+      <p:par>
+        <p:cTn id="1" dur="indefinite" restart="never" nodeType="tmRoot">
+          <p:childTnLst>
+            <p:seq concurrent="1" nextAc="seek">
+              <p:cTn id="2" dur="indefinite" nodeType="mainSeq">
+                <p:childTnLst>
+                  <p:par>
+                    <p:cTn id="3" fill="hold">
+                      <p:stCondLst>
+                        <p:cond delay="indefinite"/>
+                      </p:stCondLst>
+                      <p:childTnLst>
+                        <p:par>
+                          <p:cTn id="4" fill="hold">
+                            <p:stCondLst>
+                              <p:cond delay="0"/>
+                            </p:stCondLst>
+                            <p:childTnLst>
+                              <p:par>
+                                <p:cTn id="5" presetID="1" presetClass="entr" presetSubtype="0" fill="hold" nodeType="clickEffect">
+                                  <p:stCondLst>
+                                    <p:cond delay="0"/>
+                                  </p:stCondLst>
+                                  <p:childTnLst>
+                                    <p:set>
+                                      <p:cBhvr>
+                                        <p:cTn id="6" dur="1" fill="hold">
+                                          <p:stCondLst>
+                                            <p:cond delay="0"/>
+                                          </p:stCondLst>
+                                        </p:cTn>
+                                        <p:tgtEl>
+                                          <p:spTgt spid="10"/>
+                                        </p:tgtEl>
+                                        <p:attrNameLst>
+                                          <p:attrName>style.visibility</p:attrName>
+                                        </p:attrNameLst>
+                                      </p:cBhvr>
+                                      <p:to>
+                                        <p:strVal val="visible"/>
+                                      </p:to>
+                                    </p:set>
+                                  </p:childTnLst>
+                                </p:cTn>
+                              </p:par>
+                            </p:childTnLst>
+                          </p:cTn>
+                        </p:par>
+                      </p:childTnLst>
+                    </p:cTn>
+                  </p:par>
+                  <p:par>
+                    <p:cTn id="7" fill="hold">
+                      <p:stCondLst>
+                        <p:cond delay="indefinite"/>
+                      </p:stCondLst>
+                      <p:childTnLst>
+                        <p:par>
+                          <p:cTn id="8" fill="hold">
+                            <p:stCondLst>
+                              <p:cond delay="0"/>
+                            </p:stCondLst>
+                            <p:childTnLst>
+                              <p:par>
+                                <p:cTn id="9" presetID="1" presetClass="entr" presetSubtype="0" fill="hold" nodeType="clickEffect">
+                                  <p:stCondLst>
+                                    <p:cond delay="0"/>
+                                  </p:stCondLst>
+                                  <p:childTnLst>
+                                    <p:set>
+                                      <p:cBhvr>
+                                        <p:cTn id="10" dur="1" fill="hold">
+                                          <p:stCondLst>
+                                            <p:cond delay="0"/>
+                                          </p:stCondLst>
+                                        </p:cTn>
+                                        <p:tgtEl>
+                                          <p:spTgt spid="11"/>
+                                        </p:tgtEl>
+                                        <p:attrNameLst>
+                                          <p:attrName>style.visibility</p:attrName>
+                                        </p:attrNameLst>
+                                      </p:cBhvr>
+                                      <p:to>
+                                        <p:strVal val="visible"/>
+                                      </p:to>
+                                    </p:set>
+                                  </p:childTnLst>
+                                </p:cTn>
+                              </p:par>
+                            </p:childTnLst>
+                          </p:cTn>
+                        </p:par>
+                      </p:childTnLst>
+                    </p:cTn>
+                  </p:par>
+                </p:childTnLst>
+              </p:cTn>
+              <p:prevCondLst>
+                <p:cond evt="onPrev" delay="0">
+                  <p:tgtEl>
+                    <p:sldTgt/>
+                  </p:tgtEl>
+                </p:cond>
+              </p:prevCondLst>
+              <p:nextCondLst>
+                <p:cond evt="onNext" delay="0">
+                  <p:tgtEl>
+                    <p:sldTgt/>
+                  </p:tgtEl>
+                </p:cond>
+              </p:nextCondLst>
+            </p:seq>
+          </p:childTnLst>
+        </p:cTn>
+      </p:par>
+    </p:tnLst>
+  </p:timing>
+</p:sld>
+</file>
+
+<file path=ppt/slides/slide31.xml><?xml version="1.0" encoding="utf-8"?>
+<p:sld xmlns:a="http://schemas.openxmlformats.org/drawingml/2006/main" xmlns:r="http://schemas.openxmlformats.org/officeDocument/2006/relationships" xmlns:p="http://schemas.openxmlformats.org/presentationml/2006/main">
+  <p:cSld>
+    <p:spTree>
+      <p:nvGrpSpPr>
+        <p:cNvPr id="1" name=""/>
+        <p:cNvGrpSpPr/>
+        <p:nvPr/>
+      </p:nvGrpSpPr>
+      <p:grpSpPr>
+        <a:xfrm>
+          <a:off x="0" y="0"/>
+          <a:ext cx="0" cy="0"/>
+          <a:chOff x="0" y="0"/>
+          <a:chExt cx="0" cy="0"/>
+        </a:xfrm>
+      </p:grpSpPr>
+      <p:sp>
+        <p:nvSpPr>
+          <p:cNvPr id="3" name="Content Placeholder 2">
+            <a:extLst>
+              <a:ext uri="{FF2B5EF4-FFF2-40B4-BE49-F238E27FC236}">
+                <a16:creationId xmlns:a16="http://schemas.microsoft.com/office/drawing/2014/main" id="{8EE44610-8AB0-B84C-9003-2B8BA850F328}"/>
+              </a:ext>
+            </a:extLst>
+          </p:cNvPr>
+          <p:cNvSpPr>
+            <a:spLocks noGrp="1"/>
+          </p:cNvSpPr>
+          <p:nvPr>
+            <p:ph idx="1"/>
+          </p:nvPr>
+        </p:nvSpPr>
+        <p:spPr>
+          <a:xfrm>
+            <a:off x="162839" y="713984"/>
+            <a:ext cx="8735356" cy="4887246"/>
+          </a:xfrm>
+        </p:spPr>
+        <p:txBody>
+          <a:bodyPr/>
+          <a:lstStyle/>
+          <a:p>
+            <a:pPr marL="0" indent="0">
+              <a:buNone/>
+            </a:pPr>
+            <a:endParaRPr lang="en-US" dirty="0"/>
+          </a:p>
+        </p:txBody>
+      </p:sp>
+      <p:sp>
+        <p:nvSpPr>
+          <p:cNvPr id="4" name="Slide Number Placeholder 3">
+            <a:extLst>
+              <a:ext uri="{FF2B5EF4-FFF2-40B4-BE49-F238E27FC236}">
+                <a16:creationId xmlns:a16="http://schemas.microsoft.com/office/drawing/2014/main" id="{75C7B0F0-6928-7047-81B0-E8C50BC3208B}"/>
+              </a:ext>
+            </a:extLst>
+          </p:cNvPr>
+          <p:cNvSpPr>
+            <a:spLocks noGrp="1"/>
+          </p:cNvSpPr>
+          <p:nvPr>
+            <p:ph type="sldNum" sz="quarter" idx="12"/>
+          </p:nvPr>
+        </p:nvSpPr>
+        <p:spPr/>
+        <p:txBody>
+          <a:bodyPr/>
+          <a:lstStyle/>
+          <a:p>
+            <a:fld id="{D57F1E4F-1CFF-5643-939E-02111984F565}" type="slidenum">
+              <a:rPr lang="en-US" smtClean="0"/>
+              <a:t>31</a:t>
+            </a:fld>
+            <a:endParaRPr lang="en-US" dirty="0"/>
+          </a:p>
+        </p:txBody>
+      </p:sp>
+      <p:pic>
+        <p:nvPicPr>
+          <p:cNvPr id="5" name="Picture 4">
+            <a:extLst>
+              <a:ext uri="{FF2B5EF4-FFF2-40B4-BE49-F238E27FC236}">
+                <a16:creationId xmlns:a16="http://schemas.microsoft.com/office/drawing/2014/main" id="{8F474305-19A8-7441-B866-EF6109CBE1DE}"/>
+              </a:ext>
+            </a:extLst>
+          </p:cNvPr>
+          <p:cNvPicPr>
+            <a:picLocks noChangeAspect="1"/>
+          </p:cNvPicPr>
+          <p:nvPr/>
+        </p:nvPicPr>
+        <p:blipFill>
+          <a:blip r:embed="rId2"/>
+          <a:stretch>
+            <a:fillRect/>
+          </a:stretch>
+        </p:blipFill>
+        <p:spPr>
+          <a:xfrm>
+            <a:off x="137787" y="87684"/>
+            <a:ext cx="7302500" cy="2247900"/>
+          </a:xfrm>
+          <a:prstGeom prst="rect">
+            <a:avLst/>
+          </a:prstGeom>
+        </p:spPr>
+      </p:pic>
+      <p:pic>
+        <p:nvPicPr>
+          <p:cNvPr id="6" name="Picture 5">
+            <a:extLst>
+              <a:ext uri="{FF2B5EF4-FFF2-40B4-BE49-F238E27FC236}">
+                <a16:creationId xmlns:a16="http://schemas.microsoft.com/office/drawing/2014/main" id="{83F70C2E-4293-2643-BDED-D5AB07884558}"/>
+              </a:ext>
+            </a:extLst>
+          </p:cNvPr>
+          <p:cNvPicPr>
+            <a:picLocks noChangeAspect="1"/>
+          </p:cNvPicPr>
+          <p:nvPr/>
+        </p:nvPicPr>
+        <p:blipFill>
+          <a:blip r:embed="rId3"/>
+          <a:stretch>
+            <a:fillRect/>
+          </a:stretch>
+        </p:blipFill>
+        <p:spPr>
+          <a:xfrm>
+            <a:off x="399268" y="2231200"/>
+            <a:ext cx="7251700" cy="1181100"/>
+          </a:xfrm>
+          <a:prstGeom prst="rect">
+            <a:avLst/>
+          </a:prstGeom>
+        </p:spPr>
+      </p:pic>
+      <p:pic>
+        <p:nvPicPr>
+          <p:cNvPr id="12" name="Picture 11">
+            <a:extLst>
+              <a:ext uri="{FF2B5EF4-FFF2-40B4-BE49-F238E27FC236}">
+                <a16:creationId xmlns:a16="http://schemas.microsoft.com/office/drawing/2014/main" id="{7603AE32-0177-D64A-87FD-57BC1D50D604}"/>
+              </a:ext>
+            </a:extLst>
+          </p:cNvPr>
+          <p:cNvPicPr>
+            <a:picLocks noChangeAspect="1"/>
+          </p:cNvPicPr>
+          <p:nvPr/>
+        </p:nvPicPr>
+        <p:blipFill>
+          <a:blip r:embed="rId4"/>
+          <a:stretch>
+            <a:fillRect/>
+          </a:stretch>
+        </p:blipFill>
+        <p:spPr>
+          <a:xfrm>
+            <a:off x="137787" y="3390870"/>
+            <a:ext cx="7061200" cy="2273300"/>
+          </a:xfrm>
+          <a:prstGeom prst="rect">
+            <a:avLst/>
+          </a:prstGeom>
+        </p:spPr>
+      </p:pic>
+      <p:pic>
+        <p:nvPicPr>
+          <p:cNvPr id="13" name="Picture 12">
+            <a:extLst>
+              <a:ext uri="{FF2B5EF4-FFF2-40B4-BE49-F238E27FC236}">
+                <a16:creationId xmlns:a16="http://schemas.microsoft.com/office/drawing/2014/main" id="{65FC880C-25A5-F240-B6F1-681865F6D92B}"/>
+              </a:ext>
+            </a:extLst>
+          </p:cNvPr>
+          <p:cNvPicPr>
+            <a:picLocks noChangeAspect="1"/>
+          </p:cNvPicPr>
+          <p:nvPr/>
+        </p:nvPicPr>
+        <p:blipFill>
+          <a:blip r:embed="rId5"/>
+          <a:stretch>
+            <a:fillRect/>
+          </a:stretch>
+        </p:blipFill>
+        <p:spPr>
+          <a:xfrm>
+            <a:off x="2686051" y="5020597"/>
+            <a:ext cx="1625600" cy="381000"/>
+          </a:xfrm>
+          <a:prstGeom prst="rect">
+            <a:avLst/>
+          </a:prstGeom>
+        </p:spPr>
+      </p:pic>
+    </p:spTree>
+    <p:extLst>
+      <p:ext uri="{BB962C8B-B14F-4D97-AF65-F5344CB8AC3E}">
+        <p14:creationId xmlns:p14="http://schemas.microsoft.com/office/powerpoint/2010/main" val="2524985795"/>
+      </p:ext>
+    </p:extLst>
+  </p:cSld>
+  <p:clrMapOvr>
+    <a:masterClrMapping/>
+  </p:clrMapOvr>
+  <p:timing>
+    <p:tnLst>
+      <p:par>
+        <p:cTn id="1" dur="indefinite" restart="never" nodeType="tmRoot">
+          <p:childTnLst>
+            <p:seq concurrent="1" nextAc="seek">
+              <p:cTn id="2" dur="indefinite" nodeType="mainSeq">
+                <p:childTnLst>
+                  <p:par>
+                    <p:cTn id="3" fill="hold">
+                      <p:stCondLst>
+                        <p:cond delay="indefinite"/>
+                      </p:stCondLst>
+                      <p:childTnLst>
+                        <p:par>
+                          <p:cTn id="4" fill="hold">
+                            <p:stCondLst>
+                              <p:cond delay="0"/>
+                            </p:stCondLst>
+                            <p:childTnLst>
+                              <p:par>
+                                <p:cTn id="5" presetID="1" presetClass="entr" presetSubtype="0" fill="hold" nodeType="clickEffect">
+                                  <p:stCondLst>
+                                    <p:cond delay="0"/>
+                                  </p:stCondLst>
+                                  <p:childTnLst>
+                                    <p:set>
+                                      <p:cBhvr>
+                                        <p:cTn id="6" dur="1" fill="hold">
+                                          <p:stCondLst>
+                                            <p:cond delay="0"/>
+                                          </p:stCondLst>
+                                        </p:cTn>
+                                        <p:tgtEl>
+                                          <p:spTgt spid="6"/>
+                                        </p:tgtEl>
+                                        <p:attrNameLst>
+                                          <p:attrName>style.visibility</p:attrName>
+                                        </p:attrNameLst>
+                                      </p:cBhvr>
+                                      <p:to>
+                                        <p:strVal val="visible"/>
+                                      </p:to>
+                                    </p:set>
+                                  </p:childTnLst>
+                                </p:cTn>
+                              </p:par>
+                            </p:childTnLst>
+                          </p:cTn>
+                        </p:par>
+                      </p:childTnLst>
+                    </p:cTn>
+                  </p:par>
+                  <p:par>
+                    <p:cTn id="7" fill="hold">
+                      <p:stCondLst>
+                        <p:cond delay="indefinite"/>
+                      </p:stCondLst>
+                      <p:childTnLst>
+                        <p:par>
+                          <p:cTn id="8" fill="hold">
+                            <p:stCondLst>
+                              <p:cond delay="0"/>
+                            </p:stCondLst>
+                            <p:childTnLst>
+                              <p:par>
+                                <p:cTn id="9" presetID="1" presetClass="entr" presetSubtype="0" fill="hold" nodeType="clickEffect">
+                                  <p:stCondLst>
+                                    <p:cond delay="0"/>
+                                  </p:stCondLst>
+                                  <p:childTnLst>
+                                    <p:set>
+                                      <p:cBhvr>
+                                        <p:cTn id="10" dur="1" fill="hold">
+                                          <p:stCondLst>
+                                            <p:cond delay="0"/>
+                                          </p:stCondLst>
+                                        </p:cTn>
+                                        <p:tgtEl>
+                                          <p:spTgt spid="12"/>
+                                        </p:tgtEl>
+                                        <p:attrNameLst>
+                                          <p:attrName>style.visibility</p:attrName>
+                                        </p:attrNameLst>
+                                      </p:cBhvr>
+                                      <p:to>
+                                        <p:strVal val="visible"/>
+                                      </p:to>
+                                    </p:set>
+                                  </p:childTnLst>
+                                </p:cTn>
+                              </p:par>
+                            </p:childTnLst>
+                          </p:cTn>
+                        </p:par>
+                      </p:childTnLst>
+                    </p:cTn>
+                  </p:par>
+                  <p:par>
+                    <p:cTn id="11" fill="hold">
+                      <p:stCondLst>
+                        <p:cond delay="indefinite"/>
+                      </p:stCondLst>
+                      <p:childTnLst>
+                        <p:par>
+                          <p:cTn id="12" fill="hold">
+                            <p:stCondLst>
+                              <p:cond delay="0"/>
+                            </p:stCondLst>
+                            <p:childTnLst>
+                              <p:par>
+                                <p:cTn id="13" presetID="1" presetClass="entr" presetSubtype="0" fill="hold" nodeType="clickEffect">
+                                  <p:stCondLst>
+                                    <p:cond delay="0"/>
+                                  </p:stCondLst>
+                                  <p:childTnLst>
+                                    <p:set>
+                                      <p:cBhvr>
+                                        <p:cTn id="14" dur="1" fill="hold">
+                                          <p:stCondLst>
+                                            <p:cond delay="0"/>
+                                          </p:stCondLst>
+                                        </p:cTn>
+                                        <p:tgtEl>
+                                          <p:spTgt spid="13"/>
+                                        </p:tgtEl>
+                                        <p:attrNameLst>
+                                          <p:attrName>style.visibility</p:attrName>
+                                        </p:attrNameLst>
+                                      </p:cBhvr>
+                                      <p:to>
+                                        <p:strVal val="visible"/>
+                                      </p:to>
+                                    </p:set>
+                                  </p:childTnLst>
+                                </p:cTn>
+                              </p:par>
+                            </p:childTnLst>
+                          </p:cTn>
+                        </p:par>
+                      </p:childTnLst>
+                    </p:cTn>
+                  </p:par>
+                </p:childTnLst>
+              </p:cTn>
+              <p:prevCondLst>
+                <p:cond evt="onPrev" delay="0">
+                  <p:tgtEl>
+                    <p:sldTgt/>
+                  </p:tgtEl>
+                </p:cond>
+              </p:prevCondLst>
+              <p:nextCondLst>
+                <p:cond evt="onNext" delay="0">
+                  <p:tgtEl>
+                    <p:sldTgt/>
+                  </p:tgtEl>
+                </p:cond>
+              </p:nextCondLst>
+            </p:seq>
+          </p:childTnLst>
+        </p:cTn>
+      </p:par>
+    </p:tnLst>
+  </p:timing>
+</p:sld>
+</file>
+
+<file path=ppt/slides/slide32.xml><?xml version="1.0" encoding="utf-8"?>
+<p:sld xmlns:a="http://schemas.openxmlformats.org/drawingml/2006/main" xmlns:r="http://schemas.openxmlformats.org/officeDocument/2006/relationships" xmlns:p="http://schemas.openxmlformats.org/presentationml/2006/main">
+  <p:cSld>
+    <p:spTree>
+      <p:nvGrpSpPr>
+        <p:cNvPr id="1" name=""/>
+        <p:cNvGrpSpPr/>
+        <p:nvPr/>
+      </p:nvGrpSpPr>
+      <p:grpSpPr>
+        <a:xfrm>
+          <a:off x="0" y="0"/>
+          <a:ext cx="0" cy="0"/>
+          <a:chOff x="0" y="0"/>
+          <a:chExt cx="0" cy="0"/>
+        </a:xfrm>
+      </p:grpSpPr>
+      <p:sp>
+        <p:nvSpPr>
+          <p:cNvPr id="2" name="Title 1">
+            <a:extLst>
+              <a:ext uri="{FF2B5EF4-FFF2-40B4-BE49-F238E27FC236}">
+                <a16:creationId xmlns:a16="http://schemas.microsoft.com/office/drawing/2014/main" id="{81DA7AEF-5DFF-DE4B-AB7D-FCB78C3BA9A2}"/>
+              </a:ext>
+            </a:extLst>
+          </p:cNvPr>
+          <p:cNvSpPr>
+            <a:spLocks noGrp="1"/>
+          </p:cNvSpPr>
+          <p:nvPr>
+            <p:ph type="title"/>
+          </p:nvPr>
+        </p:nvSpPr>
+        <p:spPr>
+          <a:xfrm>
+            <a:off x="311150" y="75141"/>
+            <a:ext cx="7886700" cy="762174"/>
+          </a:xfrm>
+        </p:spPr>
+        <p:txBody>
+          <a:bodyPr/>
+          <a:lstStyle/>
+          <a:p>
+            <a:r>
+              <a:rPr lang="en-US" dirty="0"/>
+              <a:t>Lists</a:t>
+            </a:r>
+          </a:p>
+        </p:txBody>
+      </p:sp>
+      <p:sp>
+        <p:nvSpPr>
+          <p:cNvPr id="3" name="Content Placeholder 2">
+            <a:extLst>
+              <a:ext uri="{FF2B5EF4-FFF2-40B4-BE49-F238E27FC236}">
+                <a16:creationId xmlns:a16="http://schemas.microsoft.com/office/drawing/2014/main" id="{39F63C40-C1B9-5E43-822C-1EE1EE79D949}"/>
+              </a:ext>
+            </a:extLst>
+          </p:cNvPr>
+          <p:cNvSpPr>
+            <a:spLocks noGrp="1"/>
+          </p:cNvSpPr>
+          <p:nvPr>
+            <p:ph idx="1"/>
+          </p:nvPr>
+        </p:nvSpPr>
+        <p:spPr/>
+        <p:txBody>
+          <a:bodyPr/>
+          <a:lstStyle/>
+          <a:p>
+            <a:endParaRPr lang="en-US"/>
+          </a:p>
+        </p:txBody>
+      </p:sp>
+      <p:sp>
+        <p:nvSpPr>
+          <p:cNvPr id="4" name="Slide Number Placeholder 3">
+            <a:extLst>
+              <a:ext uri="{FF2B5EF4-FFF2-40B4-BE49-F238E27FC236}">
+                <a16:creationId xmlns:a16="http://schemas.microsoft.com/office/drawing/2014/main" id="{D861617E-651C-1F47-870A-49C39AFB61CE}"/>
+              </a:ext>
+            </a:extLst>
+          </p:cNvPr>
+          <p:cNvSpPr>
+            <a:spLocks noGrp="1"/>
+          </p:cNvSpPr>
+          <p:nvPr>
+            <p:ph type="sldNum" sz="quarter" idx="12"/>
+          </p:nvPr>
+        </p:nvSpPr>
+        <p:spPr/>
+        <p:txBody>
+          <a:bodyPr/>
+          <a:lstStyle/>
+          <a:p>
+            <a:fld id="{D57F1E4F-1CFF-5643-939E-02111984F565}" type="slidenum">
+              <a:rPr lang="en-US" smtClean="0"/>
+              <a:t>32</a:t>
+            </a:fld>
+            <a:endParaRPr lang="en-US" dirty="0"/>
+          </a:p>
+        </p:txBody>
+      </p:sp>
+      <p:pic>
+        <p:nvPicPr>
+          <p:cNvPr id="6" name="Picture 5">
+            <a:extLst>
+              <a:ext uri="{FF2B5EF4-FFF2-40B4-BE49-F238E27FC236}">
+                <a16:creationId xmlns:a16="http://schemas.microsoft.com/office/drawing/2014/main" id="{28B86F79-A8B8-D44A-87CF-FA42CC3AD003}"/>
+              </a:ext>
+            </a:extLst>
+          </p:cNvPr>
+          <p:cNvPicPr>
+            <a:picLocks noChangeAspect="1"/>
+          </p:cNvPicPr>
+          <p:nvPr/>
+        </p:nvPicPr>
+        <p:blipFill>
+          <a:blip r:embed="rId2"/>
+          <a:stretch>
+            <a:fillRect/>
+          </a:stretch>
+        </p:blipFill>
+        <p:spPr>
+          <a:xfrm>
+            <a:off x="311150" y="838200"/>
+            <a:ext cx="7175500" cy="2019300"/>
+          </a:xfrm>
+          <a:prstGeom prst="rect">
+            <a:avLst/>
+          </a:prstGeom>
+        </p:spPr>
+      </p:pic>
+      <p:pic>
+        <p:nvPicPr>
+          <p:cNvPr id="7" name="Picture 6">
+            <a:extLst>
+              <a:ext uri="{FF2B5EF4-FFF2-40B4-BE49-F238E27FC236}">
+                <a16:creationId xmlns:a16="http://schemas.microsoft.com/office/drawing/2014/main" id="{05C047B5-A3EC-2449-A870-5C4647733FDF}"/>
+              </a:ext>
+            </a:extLst>
+          </p:cNvPr>
+          <p:cNvPicPr>
+            <a:picLocks noChangeAspect="1"/>
+          </p:cNvPicPr>
+          <p:nvPr/>
+        </p:nvPicPr>
+        <p:blipFill>
+          <a:blip r:embed="rId3"/>
+          <a:stretch>
+            <a:fillRect/>
+          </a:stretch>
+        </p:blipFill>
+        <p:spPr>
+          <a:xfrm>
+            <a:off x="486688" y="3127284"/>
+            <a:ext cx="7061200" cy="2019300"/>
+          </a:xfrm>
+          <a:prstGeom prst="rect">
+            <a:avLst/>
+          </a:prstGeom>
+        </p:spPr>
+      </p:pic>
+    </p:spTree>
+    <p:extLst>
+      <p:ext uri="{BB962C8B-B14F-4D97-AF65-F5344CB8AC3E}">
+        <p14:creationId xmlns:p14="http://schemas.microsoft.com/office/powerpoint/2010/main" val="192280408"/>
+      </p:ext>
+    </p:extLst>
+  </p:cSld>
+  <p:clrMapOvr>
+    <a:masterClrMapping/>
+  </p:clrMapOvr>
+  <p:timing>
+    <p:tnLst>
+      <p:par>
+        <p:cTn id="1" dur="indefinite" restart="never" nodeType="tmRoot">
+          <p:childTnLst>
+            <p:seq concurrent="1" nextAc="seek">
+              <p:cTn id="2" dur="indefinite" nodeType="mainSeq">
+                <p:childTnLst>
+                  <p:par>
+                    <p:cTn id="3" fill="hold">
+                      <p:stCondLst>
+                        <p:cond delay="indefinite"/>
+                      </p:stCondLst>
+                      <p:childTnLst>
+                        <p:par>
+                          <p:cTn id="4" fill="hold">
+                            <p:stCondLst>
+                              <p:cond delay="0"/>
+                            </p:stCondLst>
+                            <p:childTnLst>
+                              <p:par>
+                                <p:cTn id="5" presetID="1" presetClass="entr" presetSubtype="0" fill="hold" nodeType="clickEffect">
+                                  <p:stCondLst>
+                                    <p:cond delay="0"/>
+                                  </p:stCondLst>
+                                  <p:childTnLst>
+                                    <p:set>
+                                      <p:cBhvr>
+                                        <p:cTn id="6" dur="1" fill="hold">
+                                          <p:stCondLst>
+                                            <p:cond delay="0"/>
+                                          </p:stCondLst>
+                                        </p:cTn>
+                                        <p:tgtEl>
+                                          <p:spTgt spid="7"/>
+                                        </p:tgtEl>
+                                        <p:attrNameLst>
+                                          <p:attrName>style.visibility</p:attrName>
+                                        </p:attrNameLst>
+                                      </p:cBhvr>
+                                      <p:to>
+                                        <p:strVal val="visible"/>
+                                      </p:to>
+                                    </p:set>
+                                  </p:childTnLst>
+                                </p:cTn>
+                              </p:par>
+                            </p:childTnLst>
+                          </p:cTn>
+                        </p:par>
+                      </p:childTnLst>
+                    </p:cTn>
+                  </p:par>
+                </p:childTnLst>
+              </p:cTn>
+              <p:prevCondLst>
+                <p:cond evt="onPrev" delay="0">
+                  <p:tgtEl>
+                    <p:sldTgt/>
+                  </p:tgtEl>
+                </p:cond>
+              </p:prevCondLst>
+              <p:nextCondLst>
+                <p:cond evt="onNext" delay="0">
+                  <p:tgtEl>
+                    <p:sldTgt/>
+                  </p:tgtEl>
+                </p:cond>
+              </p:nextCondLst>
+            </p:seq>
+          </p:childTnLst>
+        </p:cTn>
+      </p:par>
+    </p:tnLst>
+  </p:timing>
+</p:sld>
+</file>
+
+<file path=ppt/slides/slide33.xml><?xml version="1.0" encoding="utf-8"?>
+<p:sld xmlns:a="http://schemas.openxmlformats.org/drawingml/2006/main" xmlns:r="http://schemas.openxmlformats.org/officeDocument/2006/relationships" xmlns:p="http://schemas.openxmlformats.org/presentationml/2006/main">
+  <p:cSld>
+    <p:spTree>
+      <p:nvGrpSpPr>
+        <p:cNvPr id="1" name=""/>
+        <p:cNvGrpSpPr/>
+        <p:nvPr/>
+      </p:nvGrpSpPr>
+      <p:grpSpPr>
+        <a:xfrm>
+          <a:off x="0" y="0"/>
+          <a:ext cx="0" cy="0"/>
+          <a:chOff x="0" y="0"/>
+          <a:chExt cx="0" cy="0"/>
+        </a:xfrm>
+      </p:grpSpPr>
+      <p:sp>
+        <p:nvSpPr>
+          <p:cNvPr id="2" name="Title 1">
+            <a:extLst>
+              <a:ext uri="{FF2B5EF4-FFF2-40B4-BE49-F238E27FC236}">
+                <a16:creationId xmlns:a16="http://schemas.microsoft.com/office/drawing/2014/main" id="{893AF10F-C12D-6B4A-84C5-206A244BF7C6}"/>
+              </a:ext>
+            </a:extLst>
+          </p:cNvPr>
+          <p:cNvSpPr>
+            <a:spLocks noGrp="1"/>
+          </p:cNvSpPr>
+          <p:nvPr>
+            <p:ph type="title"/>
+          </p:nvPr>
+        </p:nvSpPr>
+        <p:spPr>
+          <a:xfrm>
+            <a:off x="0" y="13562"/>
+            <a:ext cx="7886700" cy="841376"/>
+          </a:xfrm>
+        </p:spPr>
+        <p:txBody>
+          <a:bodyPr/>
+          <a:lstStyle/>
+          <a:p>
+            <a:r>
+              <a:rPr lang="en-US" dirty="0"/>
+              <a:t>Big Idea 3: Programming and Algorithms</a:t>
+            </a:r>
+          </a:p>
+        </p:txBody>
+      </p:sp>
+      <p:sp>
+        <p:nvSpPr>
+          <p:cNvPr id="3" name="Content Placeholder 2">
+            <a:extLst>
+              <a:ext uri="{FF2B5EF4-FFF2-40B4-BE49-F238E27FC236}">
+                <a16:creationId xmlns:a16="http://schemas.microsoft.com/office/drawing/2014/main" id="{8EE44610-8AB0-B84C-9003-2B8BA850F328}"/>
+              </a:ext>
+            </a:extLst>
+          </p:cNvPr>
+          <p:cNvSpPr>
+            <a:spLocks noGrp="1"/>
+          </p:cNvSpPr>
+          <p:nvPr>
+            <p:ph idx="1"/>
+          </p:nvPr>
+        </p:nvSpPr>
+        <p:spPr>
+          <a:xfrm>
+            <a:off x="162839" y="713984"/>
+            <a:ext cx="8735356" cy="4887246"/>
+          </a:xfrm>
+        </p:spPr>
+        <p:txBody>
+          <a:bodyPr/>
+          <a:lstStyle/>
+          <a:p>
+            <a:pPr marL="0" indent="0">
+              <a:buNone/>
+            </a:pPr>
+            <a:endParaRPr lang="en-US" dirty="0"/>
+          </a:p>
+        </p:txBody>
+      </p:sp>
+      <p:sp>
+        <p:nvSpPr>
+          <p:cNvPr id="4" name="Slide Number Placeholder 3">
+            <a:extLst>
+              <a:ext uri="{FF2B5EF4-FFF2-40B4-BE49-F238E27FC236}">
+                <a16:creationId xmlns:a16="http://schemas.microsoft.com/office/drawing/2014/main" id="{75C7B0F0-6928-7047-81B0-E8C50BC3208B}"/>
+              </a:ext>
+            </a:extLst>
+          </p:cNvPr>
+          <p:cNvSpPr>
+            <a:spLocks noGrp="1"/>
+          </p:cNvSpPr>
+          <p:nvPr>
+            <p:ph type="sldNum" sz="quarter" idx="12"/>
+          </p:nvPr>
+        </p:nvSpPr>
+        <p:spPr/>
+        <p:txBody>
+          <a:bodyPr/>
+          <a:lstStyle/>
+          <a:p>
+            <a:fld id="{D57F1E4F-1CFF-5643-939E-02111984F565}" type="slidenum">
+              <a:rPr lang="en-US" smtClean="0"/>
+              <a:t>33</a:t>
+            </a:fld>
+            <a:endParaRPr lang="en-US" dirty="0"/>
+          </a:p>
+        </p:txBody>
+      </p:sp>
+      <p:pic>
+        <p:nvPicPr>
+          <p:cNvPr id="5" name="Picture 4">
+            <a:extLst>
+              <a:ext uri="{FF2B5EF4-FFF2-40B4-BE49-F238E27FC236}">
+                <a16:creationId xmlns:a16="http://schemas.microsoft.com/office/drawing/2014/main" id="{5D7C94DA-3A04-FC42-B261-15CC2BAB147B}"/>
+              </a:ext>
+            </a:extLst>
+          </p:cNvPr>
+          <p:cNvPicPr>
+            <a:picLocks noChangeAspect="1"/>
+          </p:cNvPicPr>
+          <p:nvPr/>
+        </p:nvPicPr>
+        <p:blipFill>
+          <a:blip r:embed="rId2"/>
+          <a:stretch>
+            <a:fillRect/>
+          </a:stretch>
+        </p:blipFill>
+        <p:spPr>
+          <a:xfrm>
+            <a:off x="1016000" y="806450"/>
+            <a:ext cx="7112000" cy="4102100"/>
+          </a:xfrm>
+          <a:prstGeom prst="rect">
+            <a:avLst/>
+          </a:prstGeom>
+        </p:spPr>
+      </p:pic>
+    </p:spTree>
+    <p:extLst>
+      <p:ext uri="{BB962C8B-B14F-4D97-AF65-F5344CB8AC3E}">
+        <p14:creationId xmlns:p14="http://schemas.microsoft.com/office/powerpoint/2010/main" val="3749000710"/>
+      </p:ext>
+    </p:extLst>
+  </p:cSld>
+  <p:clrMapOvr>
+    <a:masterClrMapping/>
+  </p:clrMapOvr>
+</p:sld>
+</file>
+
+<file path=ppt/slides/slide34.xml><?xml version="1.0" encoding="utf-8"?>
+<p:sld xmlns:a="http://schemas.openxmlformats.org/drawingml/2006/main" xmlns:r="http://schemas.openxmlformats.org/officeDocument/2006/relationships" xmlns:p="http://schemas.openxmlformats.org/presentationml/2006/main">
+  <p:cSld>
+    <p:spTree>
+      <p:nvGrpSpPr>
+        <p:cNvPr id="1" name=""/>
+        <p:cNvGrpSpPr/>
+        <p:nvPr/>
+      </p:nvGrpSpPr>
+      <p:grpSpPr>
+        <a:xfrm>
+          <a:off x="0" y="0"/>
+          <a:ext cx="0" cy="0"/>
+          <a:chOff x="0" y="0"/>
+          <a:chExt cx="0" cy="0"/>
+        </a:xfrm>
+      </p:grpSpPr>
+      <p:sp>
+        <p:nvSpPr>
+          <p:cNvPr id="2" name="Title 1">
+            <a:extLst>
+              <a:ext uri="{FF2B5EF4-FFF2-40B4-BE49-F238E27FC236}">
+                <a16:creationId xmlns:a16="http://schemas.microsoft.com/office/drawing/2014/main" id="{893AF10F-C12D-6B4A-84C5-206A244BF7C6}"/>
+              </a:ext>
+            </a:extLst>
+          </p:cNvPr>
+          <p:cNvSpPr>
+            <a:spLocks noGrp="1"/>
+          </p:cNvSpPr>
+          <p:nvPr>
+            <p:ph type="title"/>
+          </p:nvPr>
+        </p:nvSpPr>
+        <p:spPr>
+          <a:xfrm>
+            <a:off x="0" y="13562"/>
+            <a:ext cx="7886700" cy="841376"/>
+          </a:xfrm>
+        </p:spPr>
+        <p:txBody>
+          <a:bodyPr/>
+          <a:lstStyle/>
+          <a:p>
+            <a:r>
+              <a:rPr lang="en-US" dirty="0"/>
+              <a:t>Big Idea 3: Programming and Algorithms</a:t>
+            </a:r>
+          </a:p>
+        </p:txBody>
+      </p:sp>
+      <p:sp>
+        <p:nvSpPr>
+          <p:cNvPr id="3" name="Content Placeholder 2">
+            <a:extLst>
+              <a:ext uri="{FF2B5EF4-FFF2-40B4-BE49-F238E27FC236}">
+                <a16:creationId xmlns:a16="http://schemas.microsoft.com/office/drawing/2014/main" id="{8EE44610-8AB0-B84C-9003-2B8BA850F328}"/>
+              </a:ext>
+            </a:extLst>
+          </p:cNvPr>
+          <p:cNvSpPr>
+            <a:spLocks noGrp="1"/>
+          </p:cNvSpPr>
+          <p:nvPr>
+            <p:ph idx="1"/>
+          </p:nvPr>
+        </p:nvSpPr>
+        <p:spPr>
+          <a:xfrm>
+            <a:off x="162839" y="713984"/>
+            <a:ext cx="8735356" cy="4887246"/>
+          </a:xfrm>
+        </p:spPr>
+        <p:txBody>
+          <a:bodyPr/>
+          <a:lstStyle/>
+          <a:p>
+            <a:pPr marL="0" indent="0">
+              <a:buNone/>
+            </a:pPr>
+            <a:endParaRPr lang="en-US" dirty="0"/>
+          </a:p>
+        </p:txBody>
+      </p:sp>
+      <p:sp>
+        <p:nvSpPr>
+          <p:cNvPr id="4" name="Slide Number Placeholder 3">
+            <a:extLst>
+              <a:ext uri="{FF2B5EF4-FFF2-40B4-BE49-F238E27FC236}">
+                <a16:creationId xmlns:a16="http://schemas.microsoft.com/office/drawing/2014/main" id="{75C7B0F0-6928-7047-81B0-E8C50BC3208B}"/>
+              </a:ext>
+            </a:extLst>
+          </p:cNvPr>
+          <p:cNvSpPr>
+            <a:spLocks noGrp="1"/>
+          </p:cNvSpPr>
+          <p:nvPr>
+            <p:ph type="sldNum" sz="quarter" idx="12"/>
+          </p:nvPr>
+        </p:nvSpPr>
+        <p:spPr/>
+        <p:txBody>
+          <a:bodyPr/>
+          <a:lstStyle/>
+          <a:p>
+            <a:fld id="{D57F1E4F-1CFF-5643-939E-02111984F565}" type="slidenum">
+              <a:rPr lang="en-US" smtClean="0"/>
+              <a:t>34</a:t>
+            </a:fld>
+            <a:endParaRPr lang="en-US" dirty="0"/>
+          </a:p>
+        </p:txBody>
+      </p:sp>
+      <p:pic>
+        <p:nvPicPr>
+          <p:cNvPr id="6" name="Picture 5">
+            <a:extLst>
+              <a:ext uri="{FF2B5EF4-FFF2-40B4-BE49-F238E27FC236}">
+                <a16:creationId xmlns:a16="http://schemas.microsoft.com/office/drawing/2014/main" id="{ECFAEC23-90C2-974A-9492-A35922DDBE0A}"/>
+              </a:ext>
+            </a:extLst>
+          </p:cNvPr>
+          <p:cNvPicPr>
+            <a:picLocks noChangeAspect="1"/>
+          </p:cNvPicPr>
+          <p:nvPr/>
+        </p:nvPicPr>
+        <p:blipFill>
+          <a:blip r:embed="rId2"/>
+          <a:stretch>
+            <a:fillRect/>
+          </a:stretch>
+        </p:blipFill>
+        <p:spPr>
+          <a:xfrm>
+            <a:off x="968167" y="878222"/>
+            <a:ext cx="7124700" cy="4254500"/>
+          </a:xfrm>
+          <a:prstGeom prst="rect">
+            <a:avLst/>
+          </a:prstGeom>
+        </p:spPr>
+      </p:pic>
+    </p:spTree>
+    <p:extLst>
+      <p:ext uri="{BB962C8B-B14F-4D97-AF65-F5344CB8AC3E}">
+        <p14:creationId xmlns:p14="http://schemas.microsoft.com/office/powerpoint/2010/main" val="754790522"/>
+      </p:ext>
+    </p:extLst>
+  </p:cSld>
+  <p:clrMapOvr>
+    <a:masterClrMapping/>
+  </p:clrMapOvr>
+</p:sld>
+</file>
+
+<file path=ppt/slides/slide35.xml><?xml version="1.0" encoding="utf-8"?>
+<p:sld xmlns:a="http://schemas.openxmlformats.org/drawingml/2006/main" xmlns:r="http://schemas.openxmlformats.org/officeDocument/2006/relationships" xmlns:p="http://schemas.openxmlformats.org/presentationml/2006/main">
+  <p:cSld>
+    <p:spTree>
+      <p:nvGrpSpPr>
+        <p:cNvPr id="1" name=""/>
+        <p:cNvGrpSpPr/>
+        <p:nvPr/>
+      </p:nvGrpSpPr>
+      <p:grpSpPr>
+        <a:xfrm>
+          <a:off x="0" y="0"/>
+          <a:ext cx="0" cy="0"/>
+          <a:chOff x="0" y="0"/>
+          <a:chExt cx="0" cy="0"/>
+        </a:xfrm>
+      </p:grpSpPr>
+      <p:sp>
+        <p:nvSpPr>
+          <p:cNvPr id="2" name="Title 1">
+            <a:extLst>
+              <a:ext uri="{FF2B5EF4-FFF2-40B4-BE49-F238E27FC236}">
+                <a16:creationId xmlns:a16="http://schemas.microsoft.com/office/drawing/2014/main" id="{893AF10F-C12D-6B4A-84C5-206A244BF7C6}"/>
+              </a:ext>
+            </a:extLst>
+          </p:cNvPr>
+          <p:cNvSpPr>
+            <a:spLocks noGrp="1"/>
+          </p:cNvSpPr>
+          <p:nvPr>
+            <p:ph type="title"/>
+          </p:nvPr>
+        </p:nvSpPr>
+        <p:spPr>
+          <a:xfrm>
+            <a:off x="0" y="13562"/>
+            <a:ext cx="7886700" cy="841376"/>
+          </a:xfrm>
+        </p:spPr>
+        <p:txBody>
+          <a:bodyPr/>
+          <a:lstStyle/>
+          <a:p>
+            <a:endParaRPr lang="en-US" dirty="0"/>
+          </a:p>
+        </p:txBody>
+      </p:sp>
+      <p:sp>
+        <p:nvSpPr>
+          <p:cNvPr id="3" name="Content Placeholder 2">
+            <a:extLst>
+              <a:ext uri="{FF2B5EF4-FFF2-40B4-BE49-F238E27FC236}">
+                <a16:creationId xmlns:a16="http://schemas.microsoft.com/office/drawing/2014/main" id="{8EE44610-8AB0-B84C-9003-2B8BA850F328}"/>
+              </a:ext>
+            </a:extLst>
+          </p:cNvPr>
+          <p:cNvSpPr>
+            <a:spLocks noGrp="1"/>
+          </p:cNvSpPr>
+          <p:nvPr>
+            <p:ph idx="1"/>
+          </p:nvPr>
+        </p:nvSpPr>
+        <p:spPr>
+          <a:xfrm>
+            <a:off x="162839" y="713984"/>
+            <a:ext cx="8735356" cy="4887246"/>
+          </a:xfrm>
+        </p:spPr>
+        <p:txBody>
+          <a:bodyPr/>
+          <a:lstStyle/>
+          <a:p>
+            <a:pPr marL="0" indent="0">
+              <a:buNone/>
+            </a:pPr>
+            <a:endParaRPr lang="en-US" dirty="0"/>
+          </a:p>
+        </p:txBody>
+      </p:sp>
+      <p:sp>
+        <p:nvSpPr>
+          <p:cNvPr id="4" name="Slide Number Placeholder 3">
+            <a:extLst>
+              <a:ext uri="{FF2B5EF4-FFF2-40B4-BE49-F238E27FC236}">
+                <a16:creationId xmlns:a16="http://schemas.microsoft.com/office/drawing/2014/main" id="{75C7B0F0-6928-7047-81B0-E8C50BC3208B}"/>
+              </a:ext>
+            </a:extLst>
+          </p:cNvPr>
+          <p:cNvSpPr>
+            <a:spLocks noGrp="1"/>
+          </p:cNvSpPr>
+          <p:nvPr>
+            <p:ph type="sldNum" sz="quarter" idx="12"/>
+          </p:nvPr>
+        </p:nvSpPr>
+        <p:spPr/>
+        <p:txBody>
+          <a:bodyPr/>
+          <a:lstStyle/>
+          <a:p>
+            <a:fld id="{D57F1E4F-1CFF-5643-939E-02111984F565}" type="slidenum">
+              <a:rPr lang="en-US" smtClean="0"/>
+              <a:t>35</a:t>
+            </a:fld>
+            <a:endParaRPr lang="en-US" dirty="0"/>
+          </a:p>
+        </p:txBody>
+      </p:sp>
+      <p:pic>
+        <p:nvPicPr>
+          <p:cNvPr id="7" name="Picture 6">
+            <a:extLst>
+              <a:ext uri="{FF2B5EF4-FFF2-40B4-BE49-F238E27FC236}">
+                <a16:creationId xmlns:a16="http://schemas.microsoft.com/office/drawing/2014/main" id="{CAAE7837-B8E3-ED4E-A9DC-7D8DD00AEE6B}"/>
+              </a:ext>
+            </a:extLst>
+          </p:cNvPr>
+          <p:cNvPicPr>
+            <a:picLocks noChangeAspect="1"/>
+          </p:cNvPicPr>
+          <p:nvPr/>
+        </p:nvPicPr>
+        <p:blipFill>
+          <a:blip r:embed="rId2"/>
+          <a:stretch>
+            <a:fillRect/>
+          </a:stretch>
+        </p:blipFill>
+        <p:spPr>
+          <a:xfrm>
+            <a:off x="3215233" y="0"/>
+            <a:ext cx="2713534" cy="5715000"/>
+          </a:xfrm>
+          <a:prstGeom prst="rect">
+            <a:avLst/>
+          </a:prstGeom>
+        </p:spPr>
+      </p:pic>
+    </p:spTree>
+    <p:extLst>
+      <p:ext uri="{BB962C8B-B14F-4D97-AF65-F5344CB8AC3E}">
+        <p14:creationId xmlns:p14="http://schemas.microsoft.com/office/powerpoint/2010/main" val="800131734"/>
+      </p:ext>
+    </p:extLst>
+  </p:cSld>
+  <p:clrMapOvr>
+    <a:masterClrMapping/>
+  </p:clrMapOvr>
+</p:sld>
+</file>
+
+<file path=ppt/slides/slide36.xml><?xml version="1.0" encoding="utf-8"?>
+<p:sld xmlns:a="http://schemas.openxmlformats.org/drawingml/2006/main" xmlns:r="http://schemas.openxmlformats.org/officeDocument/2006/relationships" xmlns:p="http://schemas.openxmlformats.org/presentationml/2006/main">
+  <p:cSld>
+    <p:spTree>
+      <p:nvGrpSpPr>
+        <p:cNvPr id="1" name=""/>
+        <p:cNvGrpSpPr/>
+        <p:nvPr/>
+      </p:nvGrpSpPr>
+      <p:grpSpPr>
+        <a:xfrm>
+          <a:off x="0" y="0"/>
+          <a:ext cx="0" cy="0"/>
+          <a:chOff x="0" y="0"/>
+          <a:chExt cx="0" cy="0"/>
+        </a:xfrm>
+      </p:grpSpPr>
+      <p:sp>
+        <p:nvSpPr>
+          <p:cNvPr id="2" name="Title 1">
+            <a:extLst>
+              <a:ext uri="{FF2B5EF4-FFF2-40B4-BE49-F238E27FC236}">
+                <a16:creationId xmlns:a16="http://schemas.microsoft.com/office/drawing/2014/main" id="{EABD3718-50EA-104D-B294-541376D013E6}"/>
+              </a:ext>
+            </a:extLst>
+          </p:cNvPr>
+          <p:cNvSpPr>
+            <a:spLocks noGrp="1"/>
+          </p:cNvSpPr>
+          <p:nvPr>
+            <p:ph type="title"/>
+          </p:nvPr>
+        </p:nvSpPr>
+        <p:spPr/>
+        <p:txBody>
+          <a:bodyPr/>
+          <a:lstStyle/>
+          <a:p>
+            <a:endParaRPr lang="en-US"/>
+          </a:p>
+        </p:txBody>
+      </p:sp>
+      <p:sp>
+        <p:nvSpPr>
+          <p:cNvPr id="3" name="Content Placeholder 2">
+            <a:extLst>
+              <a:ext uri="{FF2B5EF4-FFF2-40B4-BE49-F238E27FC236}">
+                <a16:creationId xmlns:a16="http://schemas.microsoft.com/office/drawing/2014/main" id="{CF8A01AE-0270-F347-981D-A76AFC7B088A}"/>
+              </a:ext>
+            </a:extLst>
+          </p:cNvPr>
+          <p:cNvSpPr>
+            <a:spLocks noGrp="1"/>
+          </p:cNvSpPr>
+          <p:nvPr>
+            <p:ph idx="1"/>
+          </p:nvPr>
+        </p:nvSpPr>
+        <p:spPr/>
+        <p:txBody>
+          <a:bodyPr/>
+          <a:lstStyle/>
+          <a:p>
+            <a:endParaRPr lang="en-US"/>
+          </a:p>
+        </p:txBody>
+      </p:sp>
+      <p:sp>
+        <p:nvSpPr>
+          <p:cNvPr id="4" name="Slide Number Placeholder 3">
+            <a:extLst>
+              <a:ext uri="{FF2B5EF4-FFF2-40B4-BE49-F238E27FC236}">
+                <a16:creationId xmlns:a16="http://schemas.microsoft.com/office/drawing/2014/main" id="{EA973C10-CDB9-8D42-BB0B-70ED2D4CAE89}"/>
+              </a:ext>
+            </a:extLst>
+          </p:cNvPr>
+          <p:cNvSpPr>
+            <a:spLocks noGrp="1"/>
+          </p:cNvSpPr>
+          <p:nvPr>
+            <p:ph type="sldNum" sz="quarter" idx="12"/>
+          </p:nvPr>
+        </p:nvSpPr>
+        <p:spPr/>
+        <p:txBody>
+          <a:bodyPr/>
+          <a:lstStyle/>
+          <a:p>
+            <a:fld id="{D57F1E4F-1CFF-5643-939E-02111984F565}" type="slidenum">
+              <a:rPr lang="en-US" smtClean="0"/>
+              <a:t>36</a:t>
+            </a:fld>
+            <a:endParaRPr lang="en-US" dirty="0"/>
+          </a:p>
+        </p:txBody>
+      </p:sp>
+      <p:pic>
+        <p:nvPicPr>
+          <p:cNvPr id="5" name="Picture 4">
+            <a:extLst>
+              <a:ext uri="{FF2B5EF4-FFF2-40B4-BE49-F238E27FC236}">
+                <a16:creationId xmlns:a16="http://schemas.microsoft.com/office/drawing/2014/main" id="{5FB4BA64-47BB-5740-BF64-C4B45159DA7B}"/>
+              </a:ext>
+            </a:extLst>
+          </p:cNvPr>
+          <p:cNvPicPr>
+            <a:picLocks noChangeAspect="1"/>
+          </p:cNvPicPr>
+          <p:nvPr/>
+        </p:nvPicPr>
+        <p:blipFill>
+          <a:blip r:embed="rId2"/>
+          <a:stretch>
+            <a:fillRect/>
+          </a:stretch>
+        </p:blipFill>
+        <p:spPr>
+          <a:xfrm>
+            <a:off x="1166812" y="0"/>
+            <a:ext cx="6810375" cy="5715000"/>
+          </a:xfrm>
+          <a:prstGeom prst="rect">
+            <a:avLst/>
+          </a:prstGeom>
+        </p:spPr>
+      </p:pic>
+    </p:spTree>
+    <p:extLst>
+      <p:ext uri="{BB962C8B-B14F-4D97-AF65-F5344CB8AC3E}">
+        <p14:creationId xmlns:p14="http://schemas.microsoft.com/office/powerpoint/2010/main" val="4120892338"/>
+      </p:ext>
+    </p:extLst>
+  </p:cSld>
+  <p:clrMapOvr>
+    <a:masterClrMapping/>
+  </p:clrMapOvr>
+</p:sld>
+</file>
+
+<file path=ppt/slides/slide37.xml><?xml version="1.0" encoding="utf-8"?>
+<p:sld xmlns:a="http://schemas.openxmlformats.org/drawingml/2006/main" xmlns:r="http://schemas.openxmlformats.org/officeDocument/2006/relationships" xmlns:p="http://schemas.openxmlformats.org/presentationml/2006/main">
+  <p:cSld>
+    <p:spTree>
+      <p:nvGrpSpPr>
+        <p:cNvPr id="1" name=""/>
+        <p:cNvGrpSpPr/>
+        <p:nvPr/>
+      </p:nvGrpSpPr>
+      <p:grpSpPr>
+        <a:xfrm>
+          <a:off x="0" y="0"/>
+          <a:ext cx="0" cy="0"/>
+          <a:chOff x="0" y="0"/>
+          <a:chExt cx="0" cy="0"/>
+        </a:xfrm>
+      </p:grpSpPr>
+      <p:sp>
+        <p:nvSpPr>
+          <p:cNvPr id="2" name="Title 1">
+            <a:extLst>
+              <a:ext uri="{FF2B5EF4-FFF2-40B4-BE49-F238E27FC236}">
+                <a16:creationId xmlns:a16="http://schemas.microsoft.com/office/drawing/2014/main" id="{BBF2A6F5-C57B-FA4E-9A41-327938BA36CA}"/>
+              </a:ext>
+            </a:extLst>
+          </p:cNvPr>
+          <p:cNvSpPr>
+            <a:spLocks noGrp="1"/>
+          </p:cNvSpPr>
+          <p:nvPr>
+            <p:ph type="title"/>
+          </p:nvPr>
+        </p:nvSpPr>
+        <p:spPr/>
+        <p:txBody>
+          <a:bodyPr/>
+          <a:lstStyle/>
+          <a:p>
+            <a:endParaRPr lang="en-US"/>
+          </a:p>
+        </p:txBody>
+      </p:sp>
+      <p:sp>
+        <p:nvSpPr>
+          <p:cNvPr id="3" name="Content Placeholder 2">
+            <a:extLst>
+              <a:ext uri="{FF2B5EF4-FFF2-40B4-BE49-F238E27FC236}">
+                <a16:creationId xmlns:a16="http://schemas.microsoft.com/office/drawing/2014/main" id="{2283E578-0EF8-F640-BD0E-289AA175025D}"/>
+              </a:ext>
+            </a:extLst>
+          </p:cNvPr>
+          <p:cNvSpPr>
+            <a:spLocks noGrp="1"/>
+          </p:cNvSpPr>
+          <p:nvPr>
+            <p:ph idx="1"/>
+          </p:nvPr>
+        </p:nvSpPr>
+        <p:spPr/>
+        <p:txBody>
+          <a:bodyPr/>
+          <a:lstStyle/>
+          <a:p>
+            <a:endParaRPr lang="en-US" dirty="0"/>
+          </a:p>
+          <a:p>
+            <a:endParaRPr lang="en-US" dirty="0"/>
+          </a:p>
+          <a:p>
+            <a:endParaRPr lang="en-US" dirty="0"/>
+          </a:p>
+          <a:p>
+            <a:endParaRPr lang="en-US" dirty="0"/>
+          </a:p>
+          <a:p>
+            <a:endParaRPr lang="en-US" dirty="0"/>
+          </a:p>
+          <a:p>
+            <a:endParaRPr lang="en-US" dirty="0"/>
+          </a:p>
+          <a:p>
+            <a:pPr marL="0" indent="0">
+              <a:buNone/>
+            </a:pPr>
+            <a:r>
+              <a:rPr lang="en-US" dirty="0"/>
+              <a:t>What is the result of executing the above code?</a:t>
+            </a:r>
+          </a:p>
+          <a:p>
+            <a:pPr marL="0" indent="0">
+              <a:buNone/>
+            </a:pPr>
+            <a:endParaRPr lang="en-US" dirty="0"/>
+          </a:p>
+          <a:p>
+            <a:pPr marL="0" indent="0">
+              <a:buNone/>
+            </a:pPr>
+            <a:r>
+              <a:rPr lang="en-US" dirty="0"/>
+              <a:t>Answer: Robot moves 4 steps to its right. </a:t>
+            </a:r>
+          </a:p>
+        </p:txBody>
+      </p:sp>
+      <p:sp>
+        <p:nvSpPr>
+          <p:cNvPr id="4" name="Slide Number Placeholder 3">
+            <a:extLst>
+              <a:ext uri="{FF2B5EF4-FFF2-40B4-BE49-F238E27FC236}">
+                <a16:creationId xmlns:a16="http://schemas.microsoft.com/office/drawing/2014/main" id="{20067391-AD3C-6D45-A7ED-FD06A6B11463}"/>
+              </a:ext>
+            </a:extLst>
+          </p:cNvPr>
+          <p:cNvSpPr>
+            <a:spLocks noGrp="1"/>
+          </p:cNvSpPr>
+          <p:nvPr>
+            <p:ph type="sldNum" sz="quarter" idx="12"/>
+          </p:nvPr>
+        </p:nvSpPr>
+        <p:spPr/>
+        <p:txBody>
+          <a:bodyPr/>
+          <a:lstStyle/>
+          <a:p>
+            <a:fld id="{D57F1E4F-1CFF-5643-939E-02111984F565}" type="slidenum">
+              <a:rPr lang="en-US" smtClean="0"/>
+              <a:t>37</a:t>
+            </a:fld>
+            <a:endParaRPr lang="en-US" dirty="0"/>
+          </a:p>
+        </p:txBody>
+      </p:sp>
+      <p:pic>
+        <p:nvPicPr>
+          <p:cNvPr id="5" name="Picture 4">
+            <a:extLst>
+              <a:ext uri="{FF2B5EF4-FFF2-40B4-BE49-F238E27FC236}">
+                <a16:creationId xmlns:a16="http://schemas.microsoft.com/office/drawing/2014/main" id="{DBE6B1FC-3916-7F47-87D8-A12D1B80FE21}"/>
+              </a:ext>
+            </a:extLst>
+          </p:cNvPr>
+          <p:cNvPicPr>
+            <a:picLocks noChangeAspect="1"/>
+          </p:cNvPicPr>
+          <p:nvPr/>
+        </p:nvPicPr>
+        <p:blipFill>
+          <a:blip r:embed="rId2"/>
+          <a:stretch>
+            <a:fillRect/>
+          </a:stretch>
+        </p:blipFill>
+        <p:spPr>
+          <a:xfrm>
+            <a:off x="0" y="360902"/>
+            <a:ext cx="7023100" cy="3098800"/>
+          </a:xfrm>
+          <a:prstGeom prst="rect">
+            <a:avLst/>
+          </a:prstGeom>
+        </p:spPr>
+      </p:pic>
+      <p:pic>
+        <p:nvPicPr>
+          <p:cNvPr id="6" name="Picture 5">
+            <a:extLst>
+              <a:ext uri="{FF2B5EF4-FFF2-40B4-BE49-F238E27FC236}">
+                <a16:creationId xmlns:a16="http://schemas.microsoft.com/office/drawing/2014/main" id="{5F71E33B-2DE6-8742-8EBC-0F67C1638F8A}"/>
+              </a:ext>
+            </a:extLst>
+          </p:cNvPr>
+          <p:cNvPicPr>
+            <a:picLocks noChangeAspect="1"/>
+          </p:cNvPicPr>
+          <p:nvPr/>
+        </p:nvPicPr>
+        <p:blipFill>
+          <a:blip r:embed="rId3"/>
+          <a:stretch>
+            <a:fillRect/>
+          </a:stretch>
+        </p:blipFill>
+        <p:spPr>
+          <a:xfrm>
+            <a:off x="2120900" y="1207771"/>
+            <a:ext cx="6695098" cy="1911210"/>
+          </a:xfrm>
+          <a:prstGeom prst="rect">
+            <a:avLst/>
+          </a:prstGeom>
+        </p:spPr>
+      </p:pic>
+    </p:spTree>
+    <p:extLst>
+      <p:ext uri="{BB962C8B-B14F-4D97-AF65-F5344CB8AC3E}">
+        <p14:creationId xmlns:p14="http://schemas.microsoft.com/office/powerpoint/2010/main" val="759587535"/>
+      </p:ext>
+    </p:extLst>
+  </p:cSld>
+  <p:clrMapOvr>
+    <a:masterClrMapping/>
+  </p:clrMapOvr>
+  <p:timing>
+    <p:tnLst>
+      <p:par>
+        <p:cTn id="1" dur="indefinite" restart="never" nodeType="tmRoot">
+          <p:childTnLst>
+            <p:seq concurrent="1" nextAc="seek">
+              <p:cTn id="2" dur="indefinite" nodeType="mainSeq">
+                <p:childTnLst>
+                  <p:par>
+                    <p:cTn id="3" fill="hold">
+                      <p:stCondLst>
+                        <p:cond delay="indefinite"/>
+                      </p:stCondLst>
+                      <p:childTnLst>
+                        <p:par>
+                          <p:cTn id="4" fill="hold">
+                            <p:stCondLst>
+                              <p:cond delay="0"/>
+                            </p:stCondLst>
+                            <p:childTnLst>
+                              <p:par>
+                                <p:cTn id="5" presetID="1" presetClass="entr" presetSubtype="0" fill="hold" nodeType="clickEffect">
+                                  <p:stCondLst>
+                                    <p:cond delay="0"/>
+                                  </p:stCondLst>
+                                  <p:childTnLst>
+                                    <p:set>
+                                      <p:cBhvr>
+                                        <p:cTn id="6" dur="1" fill="hold">
+                                          <p:stCondLst>
+                                            <p:cond delay="0"/>
+                                          </p:stCondLst>
+                                        </p:cTn>
+                                        <p:tgtEl>
+                                          <p:spTgt spid="3">
+                                            <p:txEl>
+                                              <p:pRg st="8" end="8"/>
+                                            </p:txEl>
+                                          </p:spTgt>
+                                        </p:tgtEl>
+                                        <p:attrNameLst>
+                                          <p:attrName>style.visibility</p:attrName>
+                                        </p:attrNameLst>
+                                      </p:cBhvr>
+                                      <p:to>
+                                        <p:strVal val="visible"/>
+                                      </p:to>
+                                    </p:set>
+                                  </p:childTnLst>
+                                </p:cTn>
+                              </p:par>
+                            </p:childTnLst>
+                          </p:cTn>
+                        </p:par>
+                      </p:childTnLst>
+                    </p:cTn>
+                  </p:par>
+                </p:childTnLst>
+              </p:cTn>
+              <p:prevCondLst>
+                <p:cond evt="onPrev" delay="0">
+                  <p:tgtEl>
+                    <p:sldTgt/>
+                  </p:tgtEl>
+                </p:cond>
+              </p:prevCondLst>
+              <p:nextCondLst>
+                <p:cond evt="onNext" delay="0">
+                  <p:tgtEl>
+                    <p:sldTgt/>
+                  </p:tgtEl>
+                </p:cond>
+              </p:nextCondLst>
+            </p:seq>
+          </p:childTnLst>
+        </p:cTn>
+      </p:par>
+    </p:tnLst>
+  </p:timing>
+</p:sld>
+</file>
+
+<file path=ppt/slides/slide38.xml><?xml version="1.0" encoding="utf-8"?>
+<p:sld xmlns:a="http://schemas.openxmlformats.org/drawingml/2006/main" xmlns:r="http://schemas.openxmlformats.org/officeDocument/2006/relationships" xmlns:p="http://schemas.openxmlformats.org/presentationml/2006/main">
+  <p:cSld>
+    <p:spTree>
+      <p:nvGrpSpPr>
+        <p:cNvPr id="1" name=""/>
+        <p:cNvGrpSpPr/>
+        <p:nvPr/>
+      </p:nvGrpSpPr>
+      <p:grpSpPr>
+        <a:xfrm>
+          <a:off x="0" y="0"/>
+          <a:ext cx="0" cy="0"/>
+          <a:chOff x="0" y="0"/>
+          <a:chExt cx="0" cy="0"/>
+        </a:xfrm>
+      </p:grpSpPr>
+      <p:sp>
+        <p:nvSpPr>
+          <p:cNvPr id="2" name="Title 1">
+            <a:extLst>
+              <a:ext uri="{FF2B5EF4-FFF2-40B4-BE49-F238E27FC236}">
+                <a16:creationId xmlns:a16="http://schemas.microsoft.com/office/drawing/2014/main" id="{81DA7AEF-5DFF-DE4B-AB7D-FCB78C3BA9A2}"/>
+              </a:ext>
+            </a:extLst>
+          </p:cNvPr>
+          <p:cNvSpPr>
+            <a:spLocks noGrp="1"/>
+          </p:cNvSpPr>
+          <p:nvPr>
+            <p:ph type="title"/>
+          </p:nvPr>
+        </p:nvSpPr>
+        <p:spPr/>
+        <p:txBody>
+          <a:bodyPr/>
+          <a:lstStyle/>
+          <a:p>
+            <a:endParaRPr lang="en-US"/>
+          </a:p>
+        </p:txBody>
+      </p:sp>
+      <p:sp>
+        <p:nvSpPr>
+          <p:cNvPr id="3" name="Content Placeholder 2">
+            <a:extLst>
+              <a:ext uri="{FF2B5EF4-FFF2-40B4-BE49-F238E27FC236}">
+                <a16:creationId xmlns:a16="http://schemas.microsoft.com/office/drawing/2014/main" id="{39F63C40-C1B9-5E43-822C-1EE1EE79D949}"/>
+              </a:ext>
+            </a:extLst>
+          </p:cNvPr>
+          <p:cNvSpPr>
+            <a:spLocks noGrp="1"/>
+          </p:cNvSpPr>
+          <p:nvPr>
+            <p:ph idx="1"/>
+          </p:nvPr>
+        </p:nvSpPr>
+        <p:spPr/>
+        <p:txBody>
+          <a:bodyPr/>
+          <a:lstStyle/>
+          <a:p>
+            <a:pPr marL="0" indent="0">
+              <a:buNone/>
+            </a:pPr>
+            <a:endParaRPr lang="en-US" dirty="0"/>
+          </a:p>
+          <a:p>
+            <a:pPr marL="0" indent="0">
+              <a:buNone/>
+            </a:pPr>
+            <a:endParaRPr lang="en-US" dirty="0"/>
+          </a:p>
+          <a:p>
+            <a:pPr marL="0" indent="0">
+              <a:buNone/>
+            </a:pPr>
+            <a:endParaRPr lang="en-US" dirty="0"/>
+          </a:p>
+          <a:p>
+            <a:pPr marL="0" indent="0">
+              <a:buNone/>
+            </a:pPr>
+            <a:endParaRPr lang="en-US" dirty="0"/>
+          </a:p>
+          <a:p>
+            <a:pPr marL="0" indent="0">
+              <a:buNone/>
+            </a:pPr>
+            <a:endParaRPr lang="en-US" dirty="0"/>
+          </a:p>
+          <a:p>
+            <a:pPr marL="0" indent="0">
+              <a:buNone/>
+            </a:pPr>
+            <a:endParaRPr lang="en-US" dirty="0"/>
+          </a:p>
+          <a:p>
+            <a:pPr marL="0" indent="0">
+              <a:buNone/>
+            </a:pPr>
+            <a:endParaRPr lang="en-US" dirty="0"/>
+          </a:p>
+          <a:p>
+            <a:pPr marL="0" indent="0">
+              <a:buNone/>
+            </a:pPr>
+            <a:endParaRPr lang="en-US" dirty="0">
+              <a:solidFill>
+                <a:srgbClr val="FF0000"/>
+              </a:solidFill>
+            </a:endParaRPr>
+          </a:p>
+          <a:p>
+            <a:pPr marL="0" indent="0">
+              <a:buNone/>
+            </a:pPr>
+            <a:r>
+              <a:rPr lang="en-US" dirty="0">
+                <a:solidFill>
+                  <a:srgbClr val="FF0000"/>
+                </a:solidFill>
+              </a:rPr>
+              <a:t>Does the code work as intended?</a:t>
+            </a:r>
+          </a:p>
+          <a:p>
+            <a:pPr marL="0" indent="0">
+              <a:buNone/>
+            </a:pPr>
+            <a:r>
+              <a:rPr lang="en-US" dirty="0">
+                <a:solidFill>
+                  <a:srgbClr val="FF0000"/>
+                </a:solidFill>
+              </a:rPr>
+              <a:t>Yes, as an exercise, trace the code to convince yourself that the robot will reach destination.</a:t>
+            </a:r>
+          </a:p>
+        </p:txBody>
+      </p:sp>
+      <p:sp>
+        <p:nvSpPr>
+          <p:cNvPr id="4" name="Slide Number Placeholder 3">
+            <a:extLst>
+              <a:ext uri="{FF2B5EF4-FFF2-40B4-BE49-F238E27FC236}">
+                <a16:creationId xmlns:a16="http://schemas.microsoft.com/office/drawing/2014/main" id="{D861617E-651C-1F47-870A-49C39AFB61CE}"/>
+              </a:ext>
+            </a:extLst>
+          </p:cNvPr>
+          <p:cNvSpPr>
+            <a:spLocks noGrp="1"/>
+          </p:cNvSpPr>
+          <p:nvPr>
+            <p:ph type="sldNum" sz="quarter" idx="12"/>
+          </p:nvPr>
+        </p:nvSpPr>
+        <p:spPr/>
+        <p:txBody>
+          <a:bodyPr/>
+          <a:lstStyle/>
+          <a:p>
+            <a:fld id="{D57F1E4F-1CFF-5643-939E-02111984F565}" type="slidenum">
+              <a:rPr lang="en-US" smtClean="0"/>
+              <a:t>38</a:t>
+            </a:fld>
+            <a:endParaRPr lang="en-US" dirty="0"/>
+          </a:p>
+        </p:txBody>
+      </p:sp>
+      <p:pic>
+        <p:nvPicPr>
+          <p:cNvPr id="9" name="Picture 8">
+            <a:extLst>
+              <a:ext uri="{FF2B5EF4-FFF2-40B4-BE49-F238E27FC236}">
+                <a16:creationId xmlns:a16="http://schemas.microsoft.com/office/drawing/2014/main" id="{9EC6AD7A-58B5-3E4D-A77C-2AC4018A3E65}"/>
+              </a:ext>
+            </a:extLst>
+          </p:cNvPr>
+          <p:cNvPicPr>
+            <a:picLocks noChangeAspect="1"/>
+          </p:cNvPicPr>
+          <p:nvPr/>
+        </p:nvPicPr>
+        <p:blipFill>
+          <a:blip r:embed="rId2"/>
+          <a:stretch>
+            <a:fillRect/>
+          </a:stretch>
+        </p:blipFill>
+        <p:spPr>
+          <a:xfrm>
+            <a:off x="203548" y="207506"/>
+            <a:ext cx="6858000" cy="1549400"/>
+          </a:xfrm>
+          <a:prstGeom prst="rect">
+            <a:avLst/>
+          </a:prstGeom>
+        </p:spPr>
+      </p:pic>
+      <p:pic>
+        <p:nvPicPr>
+          <p:cNvPr id="10" name="Picture 9">
+            <a:extLst>
+              <a:ext uri="{FF2B5EF4-FFF2-40B4-BE49-F238E27FC236}">
+                <a16:creationId xmlns:a16="http://schemas.microsoft.com/office/drawing/2014/main" id="{470AECB9-7583-EC47-8C72-F725A1519DAD}"/>
+              </a:ext>
+            </a:extLst>
+          </p:cNvPr>
+          <p:cNvPicPr>
+            <a:picLocks noChangeAspect="1"/>
+          </p:cNvPicPr>
+          <p:nvPr/>
+        </p:nvPicPr>
+        <p:blipFill>
+          <a:blip r:embed="rId3"/>
+          <a:stretch>
+            <a:fillRect/>
+          </a:stretch>
+        </p:blipFill>
+        <p:spPr>
+          <a:xfrm>
+            <a:off x="4547611" y="1371864"/>
+            <a:ext cx="3240838" cy="3520440"/>
+          </a:xfrm>
+          <a:prstGeom prst="rect">
+            <a:avLst/>
+          </a:prstGeom>
+        </p:spPr>
+      </p:pic>
+      <p:pic>
+        <p:nvPicPr>
+          <p:cNvPr id="11" name="Picture 10">
+            <a:extLst>
+              <a:ext uri="{FF2B5EF4-FFF2-40B4-BE49-F238E27FC236}">
+                <a16:creationId xmlns:a16="http://schemas.microsoft.com/office/drawing/2014/main" id="{69463CE7-4495-2946-BD3D-2A2FC6CCCF0E}"/>
+              </a:ext>
+            </a:extLst>
+          </p:cNvPr>
+          <p:cNvPicPr>
+            <a:picLocks noChangeAspect="1"/>
+          </p:cNvPicPr>
+          <p:nvPr/>
+        </p:nvPicPr>
+        <p:blipFill>
+          <a:blip r:embed="rId4"/>
+          <a:stretch>
+            <a:fillRect/>
+          </a:stretch>
+        </p:blipFill>
+        <p:spPr>
+          <a:xfrm>
+            <a:off x="1553752" y="1756906"/>
+            <a:ext cx="2514600" cy="2565400"/>
+          </a:xfrm>
+          <a:prstGeom prst="rect">
+            <a:avLst/>
+          </a:prstGeom>
+        </p:spPr>
+      </p:pic>
+    </p:spTree>
+    <p:extLst>
+      <p:ext uri="{BB962C8B-B14F-4D97-AF65-F5344CB8AC3E}">
+        <p14:creationId xmlns:p14="http://schemas.microsoft.com/office/powerpoint/2010/main" val="2343131900"/>
+      </p:ext>
+    </p:extLst>
+  </p:cSld>
+  <p:clrMapOvr>
+    <a:masterClrMapping/>
+  </p:clrMapOvr>
+  <p:timing>
+    <p:tnLst>
+      <p:par>
+        <p:cTn id="1" dur="indefinite" restart="never" nodeType="tmRoot">
+          <p:childTnLst>
+            <p:seq concurrent="1" nextAc="seek">
+              <p:cTn id="2" dur="indefinite" nodeType="mainSeq">
+                <p:childTnLst>
+                  <p:par>
+                    <p:cTn id="3" fill="hold">
+                      <p:stCondLst>
+                        <p:cond delay="indefinite"/>
+                      </p:stCondLst>
+                      <p:childTnLst>
+                        <p:par>
+                          <p:cTn id="4" fill="hold">
+                            <p:stCondLst>
+                              <p:cond delay="0"/>
+                            </p:stCondLst>
+                            <p:childTnLst>
+                              <p:par>
+                                <p:cTn id="5" presetID="1" presetClass="entr" presetSubtype="0" fill="hold" nodeType="clickEffect">
+                                  <p:stCondLst>
+                                    <p:cond delay="0"/>
+                                  </p:stCondLst>
+                                  <p:childTnLst>
+                                    <p:set>
+                                      <p:cBhvr>
+                                        <p:cTn id="6" dur="1" fill="hold">
+                                          <p:stCondLst>
+                                            <p:cond delay="0"/>
+                                          </p:stCondLst>
+                                        </p:cTn>
+                                        <p:tgtEl>
+                                          <p:spTgt spid="3">
+                                            <p:txEl>
+                                              <p:pRg st="9" end="9"/>
+                                            </p:txEl>
+                                          </p:spTgt>
+                                        </p:tgtEl>
+                                        <p:attrNameLst>
+                                          <p:attrName>style.visibility</p:attrName>
+                                        </p:attrNameLst>
+                                      </p:cBhvr>
+                                      <p:to>
+                                        <p:strVal val="visible"/>
+                                      </p:to>
+                                    </p:set>
+                                  </p:childTnLst>
+                                </p:cTn>
+                              </p:par>
+                            </p:childTnLst>
+                          </p:cTn>
+                        </p:par>
+                      </p:childTnLst>
+                    </p:cTn>
+                  </p:par>
+                </p:childTnLst>
+              </p:cTn>
+              <p:prevCondLst>
+                <p:cond evt="onPrev" delay="0">
+                  <p:tgtEl>
+                    <p:sldTgt/>
+                  </p:tgtEl>
+                </p:cond>
+              </p:prevCondLst>
+              <p:nextCondLst>
+                <p:cond evt="onNext" delay="0">
+                  <p:tgtEl>
+                    <p:sldTgt/>
+                  </p:tgtEl>
+                </p:cond>
+              </p:nextCondLst>
+            </p:seq>
+          </p:childTnLst>
+        </p:cTn>
+      </p:par>
+    </p:tnLst>
+  </p:timing>
+</p:sld>
+</file>
+
+<file path=ppt/slides/slide39.xml><?xml version="1.0" encoding="utf-8"?>
+<p:sld xmlns:a="http://schemas.openxmlformats.org/drawingml/2006/main" xmlns:r="http://schemas.openxmlformats.org/officeDocument/2006/relationships" xmlns:p="http://schemas.openxmlformats.org/presentationml/2006/main">
+  <p:cSld>
+    <p:spTree>
+      <p:nvGrpSpPr>
+        <p:cNvPr id="1" name=""/>
+        <p:cNvGrpSpPr/>
+        <p:nvPr/>
+      </p:nvGrpSpPr>
+      <p:grpSpPr>
+        <a:xfrm>
+          <a:off x="0" y="0"/>
+          <a:ext cx="0" cy="0"/>
+          <a:chOff x="0" y="0"/>
+          <a:chExt cx="0" cy="0"/>
+        </a:xfrm>
+      </p:grpSpPr>
+      <p:sp>
+        <p:nvSpPr>
+          <p:cNvPr id="2" name="Title 1">
+            <a:extLst>
+              <a:ext uri="{FF2B5EF4-FFF2-40B4-BE49-F238E27FC236}">
+                <a16:creationId xmlns:a16="http://schemas.microsoft.com/office/drawing/2014/main" id="{81DA7AEF-5DFF-DE4B-AB7D-FCB78C3BA9A2}"/>
+              </a:ext>
+            </a:extLst>
+          </p:cNvPr>
+          <p:cNvSpPr>
+            <a:spLocks noGrp="1"/>
+          </p:cNvSpPr>
+          <p:nvPr>
+            <p:ph type="title"/>
+          </p:nvPr>
+        </p:nvSpPr>
+        <p:spPr/>
+        <p:txBody>
+          <a:bodyPr/>
+          <a:lstStyle/>
+          <a:p>
+            <a:endParaRPr lang="en-US"/>
+          </a:p>
+        </p:txBody>
+      </p:sp>
+      <p:sp>
+        <p:nvSpPr>
+          <p:cNvPr id="3" name="Content Placeholder 2">
+            <a:extLst>
+              <a:ext uri="{FF2B5EF4-FFF2-40B4-BE49-F238E27FC236}">
+                <a16:creationId xmlns:a16="http://schemas.microsoft.com/office/drawing/2014/main" id="{39F63C40-C1B9-5E43-822C-1EE1EE79D949}"/>
+              </a:ext>
+            </a:extLst>
+          </p:cNvPr>
+          <p:cNvSpPr>
+            <a:spLocks noGrp="1"/>
+          </p:cNvSpPr>
+          <p:nvPr>
+            <p:ph idx="1"/>
+          </p:nvPr>
+        </p:nvSpPr>
+        <p:spPr>
+          <a:xfrm>
+            <a:off x="628649" y="1521354"/>
+            <a:ext cx="8001783" cy="4079876"/>
+          </a:xfrm>
+        </p:spPr>
+        <p:txBody>
+          <a:bodyPr/>
+          <a:lstStyle/>
+          <a:p>
+            <a:pPr marL="0" indent="0">
+              <a:buNone/>
+            </a:pPr>
+            <a:endParaRPr lang="en-US" dirty="0"/>
+          </a:p>
+          <a:p>
+            <a:pPr marL="0" indent="0">
+              <a:buNone/>
+            </a:pPr>
+            <a:endParaRPr lang="en-US" dirty="0"/>
+          </a:p>
+          <a:p>
+            <a:pPr marL="0" indent="0">
+              <a:buNone/>
+            </a:pPr>
+            <a:endParaRPr lang="en-US" dirty="0"/>
+          </a:p>
+          <a:p>
+            <a:pPr marL="0" indent="0">
+              <a:buNone/>
+            </a:pPr>
+            <a:endParaRPr lang="en-US" dirty="0"/>
+          </a:p>
+          <a:p>
+            <a:pPr marL="0" indent="0">
+              <a:buNone/>
+            </a:pPr>
+            <a:endParaRPr lang="en-US" dirty="0"/>
+          </a:p>
+          <a:p>
+            <a:pPr marL="0" indent="0">
+              <a:buNone/>
+            </a:pPr>
+            <a:endParaRPr lang="en-US" dirty="0"/>
+          </a:p>
+          <a:p>
+            <a:pPr marL="0" indent="0">
+              <a:buNone/>
+            </a:pPr>
+            <a:endParaRPr lang="en-US" dirty="0"/>
+          </a:p>
+          <a:p>
+            <a:pPr marL="0" indent="0">
+              <a:buNone/>
+            </a:pPr>
+            <a:endParaRPr lang="en-US" dirty="0">
+              <a:solidFill>
+                <a:srgbClr val="FF0000"/>
+              </a:solidFill>
+            </a:endParaRPr>
+          </a:p>
+          <a:p>
+            <a:pPr marL="0" indent="0">
+              <a:buNone/>
+            </a:pPr>
+            <a:r>
+              <a:rPr lang="en-US" dirty="0">
+                <a:solidFill>
+                  <a:srgbClr val="FF0000"/>
+                </a:solidFill>
+              </a:rPr>
+              <a:t>Does the code work as intended?</a:t>
+            </a:r>
+          </a:p>
+          <a:p>
+            <a:pPr marL="0" indent="0">
+              <a:buNone/>
+            </a:pPr>
+            <a:r>
+              <a:rPr lang="en-US" dirty="0">
+                <a:solidFill>
+                  <a:srgbClr val="FF0000"/>
+                </a:solidFill>
+              </a:rPr>
+              <a:t>No! Robot get stuck in an infinite loop at the top right corner.</a:t>
+            </a:r>
+          </a:p>
+        </p:txBody>
+      </p:sp>
+      <p:sp>
+        <p:nvSpPr>
+          <p:cNvPr id="4" name="Slide Number Placeholder 3">
+            <a:extLst>
+              <a:ext uri="{FF2B5EF4-FFF2-40B4-BE49-F238E27FC236}">
+                <a16:creationId xmlns:a16="http://schemas.microsoft.com/office/drawing/2014/main" id="{D861617E-651C-1F47-870A-49C39AFB61CE}"/>
+              </a:ext>
+            </a:extLst>
+          </p:cNvPr>
+          <p:cNvSpPr>
+            <a:spLocks noGrp="1"/>
+          </p:cNvSpPr>
+          <p:nvPr>
+            <p:ph type="sldNum" sz="quarter" idx="12"/>
+          </p:nvPr>
+        </p:nvSpPr>
+        <p:spPr/>
+        <p:txBody>
+          <a:bodyPr/>
+          <a:lstStyle/>
+          <a:p>
+            <a:fld id="{D57F1E4F-1CFF-5643-939E-02111984F565}" type="slidenum">
+              <a:rPr lang="en-US" smtClean="0"/>
+              <a:t>39</a:t>
+            </a:fld>
+            <a:endParaRPr lang="en-US" dirty="0"/>
+          </a:p>
+        </p:txBody>
+      </p:sp>
+      <p:pic>
+        <p:nvPicPr>
+          <p:cNvPr id="9" name="Picture 8">
+            <a:extLst>
+              <a:ext uri="{FF2B5EF4-FFF2-40B4-BE49-F238E27FC236}">
+                <a16:creationId xmlns:a16="http://schemas.microsoft.com/office/drawing/2014/main" id="{9EC6AD7A-58B5-3E4D-A77C-2AC4018A3E65}"/>
+              </a:ext>
+            </a:extLst>
+          </p:cNvPr>
+          <p:cNvPicPr>
+            <a:picLocks noChangeAspect="1"/>
+          </p:cNvPicPr>
+          <p:nvPr/>
+        </p:nvPicPr>
+        <p:blipFill>
+          <a:blip r:embed="rId2"/>
+          <a:stretch>
+            <a:fillRect/>
+          </a:stretch>
+        </p:blipFill>
+        <p:spPr>
+          <a:xfrm>
+            <a:off x="980162" y="304271"/>
+            <a:ext cx="6858000" cy="1549400"/>
+          </a:xfrm>
+          <a:prstGeom prst="rect">
+            <a:avLst/>
+          </a:prstGeom>
+        </p:spPr>
+      </p:pic>
+      <p:pic>
+        <p:nvPicPr>
+          <p:cNvPr id="10" name="Picture 9">
+            <a:extLst>
+              <a:ext uri="{FF2B5EF4-FFF2-40B4-BE49-F238E27FC236}">
+                <a16:creationId xmlns:a16="http://schemas.microsoft.com/office/drawing/2014/main" id="{470AECB9-7583-EC47-8C72-F725A1519DAD}"/>
+              </a:ext>
+            </a:extLst>
+          </p:cNvPr>
+          <p:cNvPicPr>
+            <a:picLocks noChangeAspect="1"/>
+          </p:cNvPicPr>
+          <p:nvPr/>
+        </p:nvPicPr>
+        <p:blipFill>
+          <a:blip r:embed="rId3"/>
+          <a:stretch>
+            <a:fillRect/>
+          </a:stretch>
+        </p:blipFill>
+        <p:spPr>
+          <a:xfrm>
+            <a:off x="4351748" y="1629569"/>
+            <a:ext cx="3238500" cy="3517900"/>
+          </a:xfrm>
+          <a:prstGeom prst="rect">
+            <a:avLst/>
+          </a:prstGeom>
+        </p:spPr>
+      </p:pic>
+      <p:pic>
+        <p:nvPicPr>
+          <p:cNvPr id="5" name="Picture 4">
+            <a:extLst>
+              <a:ext uri="{FF2B5EF4-FFF2-40B4-BE49-F238E27FC236}">
+                <a16:creationId xmlns:a16="http://schemas.microsoft.com/office/drawing/2014/main" id="{AED1616B-F0F2-4E4F-9739-D7FE0637D8B6}"/>
+              </a:ext>
+            </a:extLst>
+          </p:cNvPr>
+          <p:cNvPicPr>
+            <a:picLocks noChangeAspect="1"/>
+          </p:cNvPicPr>
+          <p:nvPr/>
+        </p:nvPicPr>
+        <p:blipFill>
+          <a:blip r:embed="rId4"/>
+          <a:stretch>
+            <a:fillRect/>
+          </a:stretch>
+        </p:blipFill>
+        <p:spPr>
+          <a:xfrm>
+            <a:off x="1103855" y="1853671"/>
+            <a:ext cx="3124200" cy="2590800"/>
+          </a:xfrm>
+          <a:prstGeom prst="rect">
+            <a:avLst/>
+          </a:prstGeom>
+        </p:spPr>
+      </p:pic>
+    </p:spTree>
+    <p:extLst>
+      <p:ext uri="{BB962C8B-B14F-4D97-AF65-F5344CB8AC3E}">
+        <p14:creationId xmlns:p14="http://schemas.microsoft.com/office/powerpoint/2010/main" val="1551865980"/>
+      </p:ext>
+    </p:extLst>
+  </p:cSld>
+  <p:clrMapOvr>
+    <a:masterClrMapping/>
+  </p:clrMapOvr>
+  <p:timing>
+    <p:tnLst>
+      <p:par>
+        <p:cTn id="1" dur="indefinite" restart="never" nodeType="tmRoot">
+          <p:childTnLst>
+            <p:seq concurrent="1" nextAc="seek">
+              <p:cTn id="2" dur="indefinite" nodeType="mainSeq">
+                <p:childTnLst>
+                  <p:par>
+                    <p:cTn id="3" fill="hold">
+                      <p:stCondLst>
+                        <p:cond delay="indefinite"/>
+                      </p:stCondLst>
+                      <p:childTnLst>
+                        <p:par>
+                          <p:cTn id="4" fill="hold">
+                            <p:stCondLst>
+                              <p:cond delay="0"/>
+                            </p:stCondLst>
+                            <p:childTnLst>
+                              <p:par>
+                                <p:cTn id="5" presetID="1" presetClass="entr" presetSubtype="0" fill="hold" nodeType="clickEffect">
+                                  <p:stCondLst>
+                                    <p:cond delay="0"/>
+                                  </p:stCondLst>
+                                  <p:childTnLst>
+                                    <p:set>
+                                      <p:cBhvr>
+                                        <p:cTn id="6" dur="1" fill="hold">
+                                          <p:stCondLst>
+                                            <p:cond delay="0"/>
+                                          </p:stCondLst>
+                                        </p:cTn>
+                                        <p:tgtEl>
+                                          <p:spTgt spid="3">
+                                            <p:txEl>
+                                              <p:pRg st="9" end="9"/>
+                                            </p:txEl>
+                                          </p:spTgt>
+                                        </p:tgtEl>
+                                        <p:attrNameLst>
+                                          <p:attrName>style.visibility</p:attrName>
+                                        </p:attrNameLst>
+                                      </p:cBhvr>
+                                      <p:to>
+                                        <p:strVal val="visible"/>
+                                      </p:to>
+                                    </p:set>
+                                  </p:childTnLst>
+                                </p:cTn>
+                              </p:par>
+                            </p:childTnLst>
+                          </p:cTn>
+                        </p:par>
+                      </p:childTnLst>
+                    </p:cTn>
+                  </p:par>
+                </p:childTnLst>
+              </p:cTn>
+              <p:prevCondLst>
+                <p:cond evt="onPrev" delay="0">
+                  <p:tgtEl>
+                    <p:sldTgt/>
+                  </p:tgtEl>
+                </p:cond>
+              </p:prevCondLst>
+              <p:nextCondLst>
+                <p:cond evt="onNext" delay="0">
+                  <p:tgtEl>
+                    <p:sldTgt/>
+                  </p:tgtEl>
+                </p:cond>
+              </p:nextCondLst>
+            </p:seq>
+          </p:childTnLst>
+        </p:cTn>
+      </p:par>
+    </p:tnLst>
+  </p:timing>
+</p:sld>
+</file>
+
 <file path=ppt/slides/slide4.xml><?xml version="1.0" encoding="utf-8"?>
 <p:sld xmlns:a="http://schemas.openxmlformats.org/drawingml/2006/main" xmlns:r="http://schemas.openxmlformats.org/officeDocument/2006/relationships" xmlns:p="http://schemas.openxmlformats.org/presentationml/2006/main">
   <p:cSld>
@@ -16878,6 +22539,2353 @@
     <p:extLst>
       <p:ext uri="{BB962C8B-B14F-4D97-AF65-F5344CB8AC3E}">
         <p14:creationId xmlns:p14="http://schemas.microsoft.com/office/powerpoint/2010/main" val="805492927"/>
+      </p:ext>
+    </p:extLst>
+  </p:cSld>
+  <p:clrMapOvr>
+    <a:masterClrMapping/>
+  </p:clrMapOvr>
+</p:sld>
+</file>
+
+<file path=ppt/slides/slide40.xml><?xml version="1.0" encoding="utf-8"?>
+<p:sld xmlns:a="http://schemas.openxmlformats.org/drawingml/2006/main" xmlns:r="http://schemas.openxmlformats.org/officeDocument/2006/relationships" xmlns:p="http://schemas.openxmlformats.org/presentationml/2006/main">
+  <p:cSld>
+    <p:spTree>
+      <p:nvGrpSpPr>
+        <p:cNvPr id="1" name=""/>
+        <p:cNvGrpSpPr/>
+        <p:nvPr/>
+      </p:nvGrpSpPr>
+      <p:grpSpPr>
+        <a:xfrm>
+          <a:off x="0" y="0"/>
+          <a:ext cx="0" cy="0"/>
+          <a:chOff x="0" y="0"/>
+          <a:chExt cx="0" cy="0"/>
+        </a:xfrm>
+      </p:grpSpPr>
+      <p:sp>
+        <p:nvSpPr>
+          <p:cNvPr id="2" name="Title 1">
+            <a:extLst>
+              <a:ext uri="{FF2B5EF4-FFF2-40B4-BE49-F238E27FC236}">
+                <a16:creationId xmlns:a16="http://schemas.microsoft.com/office/drawing/2014/main" id="{4880A260-B30B-7246-B542-B4A72ABDD0C6}"/>
+              </a:ext>
+            </a:extLst>
+          </p:cNvPr>
+          <p:cNvSpPr>
+            <a:spLocks noGrp="1"/>
+          </p:cNvSpPr>
+          <p:nvPr>
+            <p:ph type="title"/>
+          </p:nvPr>
+        </p:nvSpPr>
+        <p:spPr/>
+        <p:txBody>
+          <a:bodyPr/>
+          <a:lstStyle/>
+          <a:p>
+            <a:endParaRPr lang="en-US"/>
+          </a:p>
+        </p:txBody>
+      </p:sp>
+      <p:sp>
+        <p:nvSpPr>
+          <p:cNvPr id="3" name="Content Placeholder 2">
+            <a:extLst>
+              <a:ext uri="{FF2B5EF4-FFF2-40B4-BE49-F238E27FC236}">
+                <a16:creationId xmlns:a16="http://schemas.microsoft.com/office/drawing/2014/main" id="{8338015D-721A-4E4B-8CC3-1E94DF5FE261}"/>
+              </a:ext>
+            </a:extLst>
+          </p:cNvPr>
+          <p:cNvSpPr>
+            <a:spLocks noGrp="1"/>
+          </p:cNvSpPr>
+          <p:nvPr>
+            <p:ph idx="1"/>
+          </p:nvPr>
+        </p:nvSpPr>
+        <p:spPr/>
+        <p:txBody>
+          <a:bodyPr/>
+          <a:lstStyle/>
+          <a:p>
+            <a:endParaRPr lang="en-US" dirty="0"/>
+          </a:p>
+        </p:txBody>
+      </p:sp>
+      <p:sp>
+        <p:nvSpPr>
+          <p:cNvPr id="4" name="Slide Number Placeholder 3">
+            <a:extLst>
+              <a:ext uri="{FF2B5EF4-FFF2-40B4-BE49-F238E27FC236}">
+                <a16:creationId xmlns:a16="http://schemas.microsoft.com/office/drawing/2014/main" id="{D72C2AFB-6C4B-3F45-AAA7-AEB9A8BD1FE4}"/>
+              </a:ext>
+            </a:extLst>
+          </p:cNvPr>
+          <p:cNvSpPr>
+            <a:spLocks noGrp="1"/>
+          </p:cNvSpPr>
+          <p:nvPr>
+            <p:ph type="sldNum" sz="quarter" idx="12"/>
+          </p:nvPr>
+        </p:nvSpPr>
+        <p:spPr/>
+        <p:txBody>
+          <a:bodyPr/>
+          <a:lstStyle/>
+          <a:p>
+            <a:fld id="{D57F1E4F-1CFF-5643-939E-02111984F565}" type="slidenum">
+              <a:rPr lang="en-US" smtClean="0"/>
+              <a:t>40</a:t>
+            </a:fld>
+            <a:endParaRPr lang="en-US" dirty="0"/>
+          </a:p>
+        </p:txBody>
+      </p:sp>
+      <p:pic>
+        <p:nvPicPr>
+          <p:cNvPr id="5" name="Picture 4">
+            <a:extLst>
+              <a:ext uri="{FF2B5EF4-FFF2-40B4-BE49-F238E27FC236}">
+                <a16:creationId xmlns:a16="http://schemas.microsoft.com/office/drawing/2014/main" id="{CB9D680A-DD72-0E4E-A852-E46952B4C240}"/>
+              </a:ext>
+            </a:extLst>
+          </p:cNvPr>
+          <p:cNvPicPr>
+            <a:picLocks noChangeAspect="1"/>
+          </p:cNvPicPr>
+          <p:nvPr/>
+        </p:nvPicPr>
+        <p:blipFill>
+          <a:blip r:embed="rId2"/>
+          <a:stretch>
+            <a:fillRect/>
+          </a:stretch>
+        </p:blipFill>
+        <p:spPr>
+          <a:xfrm>
+            <a:off x="327642" y="304271"/>
+            <a:ext cx="5734956" cy="4581949"/>
+          </a:xfrm>
+          <a:prstGeom prst="rect">
+            <a:avLst/>
+          </a:prstGeom>
+        </p:spPr>
+      </p:pic>
+      <p:pic>
+        <p:nvPicPr>
+          <p:cNvPr id="7" name="Picture 6">
+            <a:extLst>
+              <a:ext uri="{FF2B5EF4-FFF2-40B4-BE49-F238E27FC236}">
+                <a16:creationId xmlns:a16="http://schemas.microsoft.com/office/drawing/2014/main" id="{F073FF49-577A-9448-BC0B-14879EC16F58}"/>
+              </a:ext>
+            </a:extLst>
+          </p:cNvPr>
+          <p:cNvPicPr>
+            <a:picLocks noChangeAspect="1"/>
+          </p:cNvPicPr>
+          <p:nvPr/>
+        </p:nvPicPr>
+        <p:blipFill>
+          <a:blip r:embed="rId3"/>
+          <a:stretch>
+            <a:fillRect/>
+          </a:stretch>
+        </p:blipFill>
+        <p:spPr>
+          <a:xfrm>
+            <a:off x="6104786" y="1652059"/>
+            <a:ext cx="2692400" cy="3644900"/>
+          </a:xfrm>
+          <a:prstGeom prst="rect">
+            <a:avLst/>
+          </a:prstGeom>
+        </p:spPr>
+      </p:pic>
+      <p:pic>
+        <p:nvPicPr>
+          <p:cNvPr id="8" name="Picture 7">
+            <a:extLst>
+              <a:ext uri="{FF2B5EF4-FFF2-40B4-BE49-F238E27FC236}">
+                <a16:creationId xmlns:a16="http://schemas.microsoft.com/office/drawing/2014/main" id="{2B780B80-BD31-C546-9B8F-C7C8876CF5DB}"/>
+              </a:ext>
+            </a:extLst>
+          </p:cNvPr>
+          <p:cNvPicPr>
+            <a:picLocks noChangeAspect="1"/>
+          </p:cNvPicPr>
+          <p:nvPr/>
+        </p:nvPicPr>
+        <p:blipFill>
+          <a:blip r:embed="rId4"/>
+          <a:stretch>
+            <a:fillRect/>
+          </a:stretch>
+        </p:blipFill>
+        <p:spPr>
+          <a:xfrm>
+            <a:off x="3778250" y="1701800"/>
+            <a:ext cx="1587500" cy="2311400"/>
+          </a:xfrm>
+          <a:prstGeom prst="rect">
+            <a:avLst/>
+          </a:prstGeom>
+        </p:spPr>
+      </p:pic>
+    </p:spTree>
+    <p:extLst>
+      <p:ext uri="{BB962C8B-B14F-4D97-AF65-F5344CB8AC3E}">
+        <p14:creationId xmlns:p14="http://schemas.microsoft.com/office/powerpoint/2010/main" val="463059091"/>
+      </p:ext>
+    </p:extLst>
+  </p:cSld>
+  <p:clrMapOvr>
+    <a:masterClrMapping/>
+  </p:clrMapOvr>
+  <p:timing>
+    <p:tnLst>
+      <p:par>
+        <p:cTn id="1" dur="indefinite" restart="never" nodeType="tmRoot">
+          <p:childTnLst>
+            <p:seq concurrent="1" nextAc="seek">
+              <p:cTn id="2" dur="indefinite" nodeType="mainSeq">
+                <p:childTnLst>
+                  <p:par>
+                    <p:cTn id="3" fill="hold">
+                      <p:stCondLst>
+                        <p:cond delay="indefinite"/>
+                      </p:stCondLst>
+                      <p:childTnLst>
+                        <p:par>
+                          <p:cTn id="4" fill="hold">
+                            <p:stCondLst>
+                              <p:cond delay="0"/>
+                            </p:stCondLst>
+                            <p:childTnLst>
+                              <p:par>
+                                <p:cTn id="5" presetID="1" presetClass="entr" presetSubtype="0" fill="hold" nodeType="clickEffect">
+                                  <p:stCondLst>
+                                    <p:cond delay="0"/>
+                                  </p:stCondLst>
+                                  <p:childTnLst>
+                                    <p:set>
+                                      <p:cBhvr>
+                                        <p:cTn id="6" dur="1" fill="hold">
+                                          <p:stCondLst>
+                                            <p:cond delay="0"/>
+                                          </p:stCondLst>
+                                        </p:cTn>
+                                        <p:tgtEl>
+                                          <p:spTgt spid="7"/>
+                                        </p:tgtEl>
+                                        <p:attrNameLst>
+                                          <p:attrName>style.visibility</p:attrName>
+                                        </p:attrNameLst>
+                                      </p:cBhvr>
+                                      <p:to>
+                                        <p:strVal val="visible"/>
+                                      </p:to>
+                                    </p:set>
+                                  </p:childTnLst>
+                                </p:cTn>
+                              </p:par>
+                            </p:childTnLst>
+                          </p:cTn>
+                        </p:par>
+                      </p:childTnLst>
+                    </p:cTn>
+                  </p:par>
+                </p:childTnLst>
+              </p:cTn>
+              <p:prevCondLst>
+                <p:cond evt="onPrev" delay="0">
+                  <p:tgtEl>
+                    <p:sldTgt/>
+                  </p:tgtEl>
+                </p:cond>
+              </p:prevCondLst>
+              <p:nextCondLst>
+                <p:cond evt="onNext" delay="0">
+                  <p:tgtEl>
+                    <p:sldTgt/>
+                  </p:tgtEl>
+                </p:cond>
+              </p:nextCondLst>
+            </p:seq>
+          </p:childTnLst>
+        </p:cTn>
+      </p:par>
+    </p:tnLst>
+  </p:timing>
+</p:sld>
+</file>
+
+<file path=ppt/slides/slide41.xml><?xml version="1.0" encoding="utf-8"?>
+<p:sld xmlns:a="http://schemas.openxmlformats.org/drawingml/2006/main" xmlns:r="http://schemas.openxmlformats.org/officeDocument/2006/relationships" xmlns:p="http://schemas.openxmlformats.org/presentationml/2006/main">
+  <p:cSld>
+    <p:spTree>
+      <p:nvGrpSpPr>
+        <p:cNvPr id="1" name=""/>
+        <p:cNvGrpSpPr/>
+        <p:nvPr/>
+      </p:nvGrpSpPr>
+      <p:grpSpPr>
+        <a:xfrm>
+          <a:off x="0" y="0"/>
+          <a:ext cx="0" cy="0"/>
+          <a:chOff x="0" y="0"/>
+          <a:chExt cx="0" cy="0"/>
+        </a:xfrm>
+      </p:grpSpPr>
+      <p:sp>
+        <p:nvSpPr>
+          <p:cNvPr id="2" name="Title 1">
+            <a:extLst>
+              <a:ext uri="{FF2B5EF4-FFF2-40B4-BE49-F238E27FC236}">
+                <a16:creationId xmlns:a16="http://schemas.microsoft.com/office/drawing/2014/main" id="{81DA7AEF-5DFF-DE4B-AB7D-FCB78C3BA9A2}"/>
+              </a:ext>
+            </a:extLst>
+          </p:cNvPr>
+          <p:cNvSpPr>
+            <a:spLocks noGrp="1"/>
+          </p:cNvSpPr>
+          <p:nvPr>
+            <p:ph type="title"/>
+          </p:nvPr>
+        </p:nvSpPr>
+        <p:spPr/>
+        <p:txBody>
+          <a:bodyPr/>
+          <a:lstStyle/>
+          <a:p>
+            <a:endParaRPr lang="en-US"/>
+          </a:p>
+        </p:txBody>
+      </p:sp>
+      <p:sp>
+        <p:nvSpPr>
+          <p:cNvPr id="3" name="Content Placeholder 2">
+            <a:extLst>
+              <a:ext uri="{FF2B5EF4-FFF2-40B4-BE49-F238E27FC236}">
+                <a16:creationId xmlns:a16="http://schemas.microsoft.com/office/drawing/2014/main" id="{39F63C40-C1B9-5E43-822C-1EE1EE79D949}"/>
+              </a:ext>
+            </a:extLst>
+          </p:cNvPr>
+          <p:cNvSpPr>
+            <a:spLocks noGrp="1"/>
+          </p:cNvSpPr>
+          <p:nvPr>
+            <p:ph idx="1"/>
+          </p:nvPr>
+        </p:nvSpPr>
+        <p:spPr/>
+        <p:txBody>
+          <a:bodyPr/>
+          <a:lstStyle/>
+          <a:p>
+            <a:endParaRPr lang="en-US"/>
+          </a:p>
+        </p:txBody>
+      </p:sp>
+      <p:sp>
+        <p:nvSpPr>
+          <p:cNvPr id="4" name="Slide Number Placeholder 3">
+            <a:extLst>
+              <a:ext uri="{FF2B5EF4-FFF2-40B4-BE49-F238E27FC236}">
+                <a16:creationId xmlns:a16="http://schemas.microsoft.com/office/drawing/2014/main" id="{D861617E-651C-1F47-870A-49C39AFB61CE}"/>
+              </a:ext>
+            </a:extLst>
+          </p:cNvPr>
+          <p:cNvSpPr>
+            <a:spLocks noGrp="1"/>
+          </p:cNvSpPr>
+          <p:nvPr>
+            <p:ph type="sldNum" sz="quarter" idx="12"/>
+          </p:nvPr>
+        </p:nvSpPr>
+        <p:spPr/>
+        <p:txBody>
+          <a:bodyPr/>
+          <a:lstStyle/>
+          <a:p>
+            <a:fld id="{D57F1E4F-1CFF-5643-939E-02111984F565}" type="slidenum">
+              <a:rPr lang="en-US" smtClean="0"/>
+              <a:t>41</a:t>
+            </a:fld>
+            <a:endParaRPr lang="en-US" dirty="0"/>
+          </a:p>
+        </p:txBody>
+      </p:sp>
+      <p:pic>
+        <p:nvPicPr>
+          <p:cNvPr id="5" name="Picture 4">
+            <a:extLst>
+              <a:ext uri="{FF2B5EF4-FFF2-40B4-BE49-F238E27FC236}">
+                <a16:creationId xmlns:a16="http://schemas.microsoft.com/office/drawing/2014/main" id="{2C9239E4-8BA2-764C-99C5-D11109FF1CFF}"/>
+              </a:ext>
+            </a:extLst>
+          </p:cNvPr>
+          <p:cNvPicPr>
+            <a:picLocks noChangeAspect="1"/>
+          </p:cNvPicPr>
+          <p:nvPr/>
+        </p:nvPicPr>
+        <p:blipFill>
+          <a:blip r:embed="rId2"/>
+          <a:stretch>
+            <a:fillRect/>
+          </a:stretch>
+        </p:blipFill>
+        <p:spPr>
+          <a:xfrm>
+            <a:off x="349250" y="567531"/>
+            <a:ext cx="7137400" cy="4724400"/>
+          </a:xfrm>
+          <a:prstGeom prst="rect">
+            <a:avLst/>
+          </a:prstGeom>
+        </p:spPr>
+      </p:pic>
+      <p:pic>
+        <p:nvPicPr>
+          <p:cNvPr id="6" name="Picture 5">
+            <a:extLst>
+              <a:ext uri="{FF2B5EF4-FFF2-40B4-BE49-F238E27FC236}">
+                <a16:creationId xmlns:a16="http://schemas.microsoft.com/office/drawing/2014/main" id="{2A2EF63C-5553-DA41-9E0E-3B55E66B0E46}"/>
+              </a:ext>
+            </a:extLst>
+          </p:cNvPr>
+          <p:cNvPicPr>
+            <a:picLocks noChangeAspect="1"/>
+          </p:cNvPicPr>
+          <p:nvPr/>
+        </p:nvPicPr>
+        <p:blipFill>
+          <a:blip r:embed="rId3"/>
+          <a:stretch>
+            <a:fillRect/>
+          </a:stretch>
+        </p:blipFill>
+        <p:spPr>
+          <a:xfrm>
+            <a:off x="3778250" y="1701800"/>
+            <a:ext cx="1587500" cy="2311400"/>
+          </a:xfrm>
+          <a:prstGeom prst="rect">
+            <a:avLst/>
+          </a:prstGeom>
+        </p:spPr>
+      </p:pic>
+      <p:pic>
+        <p:nvPicPr>
+          <p:cNvPr id="7" name="Picture 6">
+            <a:extLst>
+              <a:ext uri="{FF2B5EF4-FFF2-40B4-BE49-F238E27FC236}">
+                <a16:creationId xmlns:a16="http://schemas.microsoft.com/office/drawing/2014/main" id="{2E7B69B2-4750-954E-B514-3C2E9614907B}"/>
+              </a:ext>
+            </a:extLst>
+          </p:cNvPr>
+          <p:cNvPicPr>
+            <a:picLocks noChangeAspect="1"/>
+          </p:cNvPicPr>
+          <p:nvPr/>
+        </p:nvPicPr>
+        <p:blipFill>
+          <a:blip r:embed="rId4"/>
+          <a:stretch>
+            <a:fillRect/>
+          </a:stretch>
+        </p:blipFill>
+        <p:spPr>
+          <a:xfrm>
+            <a:off x="5645150" y="1804061"/>
+            <a:ext cx="2755900" cy="3060700"/>
+          </a:xfrm>
+          <a:prstGeom prst="rect">
+            <a:avLst/>
+          </a:prstGeom>
+        </p:spPr>
+      </p:pic>
+      <p:pic>
+        <p:nvPicPr>
+          <p:cNvPr id="8" name="Picture 7">
+            <a:extLst>
+              <a:ext uri="{FF2B5EF4-FFF2-40B4-BE49-F238E27FC236}">
+                <a16:creationId xmlns:a16="http://schemas.microsoft.com/office/drawing/2014/main" id="{6D15B37F-C555-BA4B-99D7-5DF372B7AF99}"/>
+              </a:ext>
+            </a:extLst>
+          </p:cNvPr>
+          <p:cNvPicPr>
+            <a:picLocks noChangeAspect="1"/>
+          </p:cNvPicPr>
+          <p:nvPr/>
+        </p:nvPicPr>
+        <p:blipFill>
+          <a:blip r:embed="rId5"/>
+          <a:stretch>
+            <a:fillRect/>
+          </a:stretch>
+        </p:blipFill>
+        <p:spPr>
+          <a:xfrm>
+            <a:off x="5651500" y="1799033"/>
+            <a:ext cx="1549400" cy="546100"/>
+          </a:xfrm>
+          <a:prstGeom prst="rect">
+            <a:avLst/>
+          </a:prstGeom>
+        </p:spPr>
+      </p:pic>
+    </p:spTree>
+    <p:extLst>
+      <p:ext uri="{BB962C8B-B14F-4D97-AF65-F5344CB8AC3E}">
+        <p14:creationId xmlns:p14="http://schemas.microsoft.com/office/powerpoint/2010/main" val="2919397029"/>
+      </p:ext>
+    </p:extLst>
+  </p:cSld>
+  <p:clrMapOvr>
+    <a:masterClrMapping/>
+  </p:clrMapOvr>
+  <p:timing>
+    <p:tnLst>
+      <p:par>
+        <p:cTn id="1" dur="indefinite" restart="never" nodeType="tmRoot">
+          <p:childTnLst>
+            <p:seq concurrent="1" nextAc="seek">
+              <p:cTn id="2" dur="indefinite" nodeType="mainSeq">
+                <p:childTnLst>
+                  <p:par>
+                    <p:cTn id="3" fill="hold">
+                      <p:stCondLst>
+                        <p:cond delay="indefinite"/>
+                      </p:stCondLst>
+                      <p:childTnLst>
+                        <p:par>
+                          <p:cTn id="4" fill="hold">
+                            <p:stCondLst>
+                              <p:cond delay="0"/>
+                            </p:stCondLst>
+                            <p:childTnLst>
+                              <p:par>
+                                <p:cTn id="5" presetID="1" presetClass="entr" presetSubtype="0" fill="hold" nodeType="clickEffect">
+                                  <p:stCondLst>
+                                    <p:cond delay="0"/>
+                                  </p:stCondLst>
+                                  <p:childTnLst>
+                                    <p:set>
+                                      <p:cBhvr>
+                                        <p:cTn id="6" dur="1" fill="hold">
+                                          <p:stCondLst>
+                                            <p:cond delay="0"/>
+                                          </p:stCondLst>
+                                        </p:cTn>
+                                        <p:tgtEl>
+                                          <p:spTgt spid="8"/>
+                                        </p:tgtEl>
+                                        <p:attrNameLst>
+                                          <p:attrName>style.visibility</p:attrName>
+                                        </p:attrNameLst>
+                                      </p:cBhvr>
+                                      <p:to>
+                                        <p:strVal val="visible"/>
+                                      </p:to>
+                                    </p:set>
+                                  </p:childTnLst>
+                                </p:cTn>
+                              </p:par>
+                              <p:par>
+                                <p:cTn id="7" presetID="1" presetClass="entr" presetSubtype="0" fill="hold" nodeType="withEffect">
+                                  <p:stCondLst>
+                                    <p:cond delay="0"/>
+                                  </p:stCondLst>
+                                  <p:childTnLst>
+                                    <p:set>
+                                      <p:cBhvr>
+                                        <p:cTn id="8" dur="1" fill="hold">
+                                          <p:stCondLst>
+                                            <p:cond delay="0"/>
+                                          </p:stCondLst>
+                                        </p:cTn>
+                                        <p:tgtEl>
+                                          <p:spTgt spid="7"/>
+                                        </p:tgtEl>
+                                        <p:attrNameLst>
+                                          <p:attrName>style.visibility</p:attrName>
+                                        </p:attrNameLst>
+                                      </p:cBhvr>
+                                      <p:to>
+                                        <p:strVal val="visible"/>
+                                      </p:to>
+                                    </p:set>
+                                  </p:childTnLst>
+                                </p:cTn>
+                              </p:par>
+                            </p:childTnLst>
+                          </p:cTn>
+                        </p:par>
+                      </p:childTnLst>
+                    </p:cTn>
+                  </p:par>
+                </p:childTnLst>
+              </p:cTn>
+              <p:prevCondLst>
+                <p:cond evt="onPrev" delay="0">
+                  <p:tgtEl>
+                    <p:sldTgt/>
+                  </p:tgtEl>
+                </p:cond>
+              </p:prevCondLst>
+              <p:nextCondLst>
+                <p:cond evt="onNext" delay="0">
+                  <p:tgtEl>
+                    <p:sldTgt/>
+                  </p:tgtEl>
+                </p:cond>
+              </p:nextCondLst>
+            </p:seq>
+          </p:childTnLst>
+        </p:cTn>
+      </p:par>
+    </p:tnLst>
+  </p:timing>
+</p:sld>
+</file>
+
+<file path=ppt/slides/slide42.xml><?xml version="1.0" encoding="utf-8"?>
+<p:sld xmlns:a="http://schemas.openxmlformats.org/drawingml/2006/main" xmlns:r="http://schemas.openxmlformats.org/officeDocument/2006/relationships" xmlns:p="http://schemas.openxmlformats.org/presentationml/2006/main">
+  <p:cSld>
+    <p:spTree>
+      <p:nvGrpSpPr>
+        <p:cNvPr id="1" name=""/>
+        <p:cNvGrpSpPr/>
+        <p:nvPr/>
+      </p:nvGrpSpPr>
+      <p:grpSpPr>
+        <a:xfrm>
+          <a:off x="0" y="0"/>
+          <a:ext cx="0" cy="0"/>
+          <a:chOff x="0" y="0"/>
+          <a:chExt cx="0" cy="0"/>
+        </a:xfrm>
+      </p:grpSpPr>
+      <p:sp>
+        <p:nvSpPr>
+          <p:cNvPr id="2" name="Title 1">
+            <a:extLst>
+              <a:ext uri="{FF2B5EF4-FFF2-40B4-BE49-F238E27FC236}">
+                <a16:creationId xmlns:a16="http://schemas.microsoft.com/office/drawing/2014/main" id="{81DA7AEF-5DFF-DE4B-AB7D-FCB78C3BA9A2}"/>
+              </a:ext>
+            </a:extLst>
+          </p:cNvPr>
+          <p:cNvSpPr>
+            <a:spLocks noGrp="1"/>
+          </p:cNvSpPr>
+          <p:nvPr>
+            <p:ph type="title"/>
+          </p:nvPr>
+        </p:nvSpPr>
+        <p:spPr/>
+        <p:txBody>
+          <a:bodyPr/>
+          <a:lstStyle/>
+          <a:p>
+            <a:endParaRPr lang="en-US"/>
+          </a:p>
+        </p:txBody>
+      </p:sp>
+      <p:sp>
+        <p:nvSpPr>
+          <p:cNvPr id="3" name="Content Placeholder 2">
+            <a:extLst>
+              <a:ext uri="{FF2B5EF4-FFF2-40B4-BE49-F238E27FC236}">
+                <a16:creationId xmlns:a16="http://schemas.microsoft.com/office/drawing/2014/main" id="{39F63C40-C1B9-5E43-822C-1EE1EE79D949}"/>
+              </a:ext>
+            </a:extLst>
+          </p:cNvPr>
+          <p:cNvSpPr>
+            <a:spLocks noGrp="1"/>
+          </p:cNvSpPr>
+          <p:nvPr>
+            <p:ph idx="1"/>
+          </p:nvPr>
+        </p:nvSpPr>
+        <p:spPr/>
+        <p:txBody>
+          <a:bodyPr/>
+          <a:lstStyle/>
+          <a:p>
+            <a:endParaRPr lang="en-US" dirty="0"/>
+          </a:p>
+        </p:txBody>
+      </p:sp>
+      <p:sp>
+        <p:nvSpPr>
+          <p:cNvPr id="4" name="Slide Number Placeholder 3">
+            <a:extLst>
+              <a:ext uri="{FF2B5EF4-FFF2-40B4-BE49-F238E27FC236}">
+                <a16:creationId xmlns:a16="http://schemas.microsoft.com/office/drawing/2014/main" id="{D861617E-651C-1F47-870A-49C39AFB61CE}"/>
+              </a:ext>
+            </a:extLst>
+          </p:cNvPr>
+          <p:cNvSpPr>
+            <a:spLocks noGrp="1"/>
+          </p:cNvSpPr>
+          <p:nvPr>
+            <p:ph type="sldNum" sz="quarter" idx="12"/>
+          </p:nvPr>
+        </p:nvSpPr>
+        <p:spPr/>
+        <p:txBody>
+          <a:bodyPr/>
+          <a:lstStyle/>
+          <a:p>
+            <a:fld id="{D57F1E4F-1CFF-5643-939E-02111984F565}" type="slidenum">
+              <a:rPr lang="en-US" smtClean="0"/>
+              <a:t>42</a:t>
+            </a:fld>
+            <a:endParaRPr lang="en-US" dirty="0"/>
+          </a:p>
+        </p:txBody>
+      </p:sp>
+      <p:pic>
+        <p:nvPicPr>
+          <p:cNvPr id="5" name="Picture 4">
+            <a:extLst>
+              <a:ext uri="{FF2B5EF4-FFF2-40B4-BE49-F238E27FC236}">
+                <a16:creationId xmlns:a16="http://schemas.microsoft.com/office/drawing/2014/main" id="{76796C52-B645-284F-9B0E-5A21F8F9BA11}"/>
+              </a:ext>
+            </a:extLst>
+          </p:cNvPr>
+          <p:cNvPicPr>
+            <a:picLocks noChangeAspect="1"/>
+          </p:cNvPicPr>
+          <p:nvPr/>
+        </p:nvPicPr>
+        <p:blipFill>
+          <a:blip r:embed="rId2"/>
+          <a:stretch>
+            <a:fillRect/>
+          </a:stretch>
+        </p:blipFill>
+        <p:spPr>
+          <a:xfrm>
+            <a:off x="1179187" y="113769"/>
+            <a:ext cx="7049370" cy="3626115"/>
+          </a:xfrm>
+          <a:prstGeom prst="rect">
+            <a:avLst/>
+          </a:prstGeom>
+        </p:spPr>
+      </p:pic>
+      <p:pic>
+        <p:nvPicPr>
+          <p:cNvPr id="6" name="Picture 5">
+            <a:extLst>
+              <a:ext uri="{FF2B5EF4-FFF2-40B4-BE49-F238E27FC236}">
+                <a16:creationId xmlns:a16="http://schemas.microsoft.com/office/drawing/2014/main" id="{C19AE137-BAD6-6B4A-9FCD-404A8DACD7A7}"/>
+              </a:ext>
+            </a:extLst>
+          </p:cNvPr>
+          <p:cNvPicPr>
+            <a:picLocks noChangeAspect="1"/>
+          </p:cNvPicPr>
+          <p:nvPr/>
+        </p:nvPicPr>
+        <p:blipFill>
+          <a:blip r:embed="rId3"/>
+          <a:stretch>
+            <a:fillRect/>
+          </a:stretch>
+        </p:blipFill>
+        <p:spPr>
+          <a:xfrm>
+            <a:off x="904830" y="3961075"/>
+            <a:ext cx="7483415" cy="1049335"/>
+          </a:xfrm>
+          <a:prstGeom prst="rect">
+            <a:avLst/>
+          </a:prstGeom>
+        </p:spPr>
+      </p:pic>
+    </p:spTree>
+    <p:extLst>
+      <p:ext uri="{BB962C8B-B14F-4D97-AF65-F5344CB8AC3E}">
+        <p14:creationId xmlns:p14="http://schemas.microsoft.com/office/powerpoint/2010/main" val="1063104711"/>
+      </p:ext>
+    </p:extLst>
+  </p:cSld>
+  <p:clrMapOvr>
+    <a:masterClrMapping/>
+  </p:clrMapOvr>
+</p:sld>
+</file>
+
+<file path=ppt/slides/slide43.xml><?xml version="1.0" encoding="utf-8"?>
+<p:sld xmlns:a="http://schemas.openxmlformats.org/drawingml/2006/main" xmlns:r="http://schemas.openxmlformats.org/officeDocument/2006/relationships" xmlns:p="http://schemas.openxmlformats.org/presentationml/2006/main">
+  <p:cSld>
+    <p:spTree>
+      <p:nvGrpSpPr>
+        <p:cNvPr id="1" name=""/>
+        <p:cNvGrpSpPr/>
+        <p:nvPr/>
+      </p:nvGrpSpPr>
+      <p:grpSpPr>
+        <a:xfrm>
+          <a:off x="0" y="0"/>
+          <a:ext cx="0" cy="0"/>
+          <a:chOff x="0" y="0"/>
+          <a:chExt cx="0" cy="0"/>
+        </a:xfrm>
+      </p:grpSpPr>
+      <p:sp>
+        <p:nvSpPr>
+          <p:cNvPr id="2" name="Title 1">
+            <a:extLst>
+              <a:ext uri="{FF2B5EF4-FFF2-40B4-BE49-F238E27FC236}">
+                <a16:creationId xmlns:a16="http://schemas.microsoft.com/office/drawing/2014/main" id="{8AD0EBA2-EE00-4946-BE8D-25100A79DED6}"/>
+              </a:ext>
+            </a:extLst>
+          </p:cNvPr>
+          <p:cNvSpPr>
+            <a:spLocks noGrp="1"/>
+          </p:cNvSpPr>
+          <p:nvPr>
+            <p:ph type="title"/>
+          </p:nvPr>
+        </p:nvSpPr>
+        <p:spPr/>
+        <p:txBody>
+          <a:bodyPr/>
+          <a:lstStyle/>
+          <a:p>
+            <a:endParaRPr lang="en-US"/>
+          </a:p>
+        </p:txBody>
+      </p:sp>
+      <p:sp>
+        <p:nvSpPr>
+          <p:cNvPr id="3" name="Content Placeholder 2">
+            <a:extLst>
+              <a:ext uri="{FF2B5EF4-FFF2-40B4-BE49-F238E27FC236}">
+                <a16:creationId xmlns:a16="http://schemas.microsoft.com/office/drawing/2014/main" id="{3C1ED742-4571-2643-AD20-22631FFFAD58}"/>
+              </a:ext>
+            </a:extLst>
+          </p:cNvPr>
+          <p:cNvSpPr>
+            <a:spLocks noGrp="1"/>
+          </p:cNvSpPr>
+          <p:nvPr>
+            <p:ph idx="1"/>
+          </p:nvPr>
+        </p:nvSpPr>
+        <p:spPr/>
+        <p:txBody>
+          <a:bodyPr/>
+          <a:lstStyle/>
+          <a:p>
+            <a:endParaRPr lang="en-US"/>
+          </a:p>
+        </p:txBody>
+      </p:sp>
+      <p:sp>
+        <p:nvSpPr>
+          <p:cNvPr id="4" name="Slide Number Placeholder 3">
+            <a:extLst>
+              <a:ext uri="{FF2B5EF4-FFF2-40B4-BE49-F238E27FC236}">
+                <a16:creationId xmlns:a16="http://schemas.microsoft.com/office/drawing/2014/main" id="{9730A606-CE56-2140-A838-7AD431DC70F0}"/>
+              </a:ext>
+            </a:extLst>
+          </p:cNvPr>
+          <p:cNvSpPr>
+            <a:spLocks noGrp="1"/>
+          </p:cNvSpPr>
+          <p:nvPr>
+            <p:ph type="sldNum" sz="quarter" idx="12"/>
+          </p:nvPr>
+        </p:nvSpPr>
+        <p:spPr/>
+        <p:txBody>
+          <a:bodyPr/>
+          <a:lstStyle/>
+          <a:p>
+            <a:fld id="{D57F1E4F-1CFF-5643-939E-02111984F565}" type="slidenum">
+              <a:rPr lang="en-US" smtClean="0"/>
+              <a:t>43</a:t>
+            </a:fld>
+            <a:endParaRPr lang="en-US" dirty="0"/>
+          </a:p>
+        </p:txBody>
+      </p:sp>
+      <p:pic>
+        <p:nvPicPr>
+          <p:cNvPr id="5" name="Picture 4">
+            <a:extLst>
+              <a:ext uri="{FF2B5EF4-FFF2-40B4-BE49-F238E27FC236}">
+                <a16:creationId xmlns:a16="http://schemas.microsoft.com/office/drawing/2014/main" id="{7D99EFEE-5A3C-9745-88A6-00922D2D0606}"/>
+              </a:ext>
+            </a:extLst>
+          </p:cNvPr>
+          <p:cNvPicPr>
+            <a:picLocks noChangeAspect="1"/>
+          </p:cNvPicPr>
+          <p:nvPr/>
+        </p:nvPicPr>
+        <p:blipFill>
+          <a:blip r:embed="rId2"/>
+          <a:stretch>
+            <a:fillRect/>
+          </a:stretch>
+        </p:blipFill>
+        <p:spPr>
+          <a:xfrm>
+            <a:off x="247650" y="304271"/>
+            <a:ext cx="7239000" cy="787400"/>
+          </a:xfrm>
+          <a:prstGeom prst="rect">
+            <a:avLst/>
+          </a:prstGeom>
+        </p:spPr>
+      </p:pic>
+      <p:pic>
+        <p:nvPicPr>
+          <p:cNvPr id="6" name="Picture 5">
+            <a:extLst>
+              <a:ext uri="{FF2B5EF4-FFF2-40B4-BE49-F238E27FC236}">
+                <a16:creationId xmlns:a16="http://schemas.microsoft.com/office/drawing/2014/main" id="{DDF0D4E9-740B-CE42-9901-D275F4ACFB7D}"/>
+              </a:ext>
+            </a:extLst>
+          </p:cNvPr>
+          <p:cNvPicPr>
+            <a:picLocks noChangeAspect="1"/>
+          </p:cNvPicPr>
+          <p:nvPr/>
+        </p:nvPicPr>
+        <p:blipFill>
+          <a:blip r:embed="rId3"/>
+          <a:stretch>
+            <a:fillRect/>
+          </a:stretch>
+        </p:blipFill>
+        <p:spPr>
+          <a:xfrm>
+            <a:off x="247650" y="1241161"/>
+            <a:ext cx="6997700" cy="1193800"/>
+          </a:xfrm>
+          <a:prstGeom prst="rect">
+            <a:avLst/>
+          </a:prstGeom>
+        </p:spPr>
+      </p:pic>
+      <p:pic>
+        <p:nvPicPr>
+          <p:cNvPr id="7" name="Picture 6">
+            <a:extLst>
+              <a:ext uri="{FF2B5EF4-FFF2-40B4-BE49-F238E27FC236}">
+                <a16:creationId xmlns:a16="http://schemas.microsoft.com/office/drawing/2014/main" id="{4613433B-1136-564D-AA84-C5839A31BB5B}"/>
+              </a:ext>
+            </a:extLst>
+          </p:cNvPr>
+          <p:cNvPicPr>
+            <a:picLocks noChangeAspect="1"/>
+          </p:cNvPicPr>
+          <p:nvPr/>
+        </p:nvPicPr>
+        <p:blipFill>
+          <a:blip r:embed="rId4"/>
+          <a:stretch>
+            <a:fillRect/>
+          </a:stretch>
+        </p:blipFill>
+        <p:spPr>
+          <a:xfrm>
+            <a:off x="404747" y="2365111"/>
+            <a:ext cx="5829300" cy="800100"/>
+          </a:xfrm>
+          <a:prstGeom prst="rect">
+            <a:avLst/>
+          </a:prstGeom>
+        </p:spPr>
+      </p:pic>
+      <p:pic>
+        <p:nvPicPr>
+          <p:cNvPr id="8" name="Picture 7">
+            <a:extLst>
+              <a:ext uri="{FF2B5EF4-FFF2-40B4-BE49-F238E27FC236}">
+                <a16:creationId xmlns:a16="http://schemas.microsoft.com/office/drawing/2014/main" id="{EBE2A526-0304-7A48-B615-9BE8FDCBFDDF}"/>
+              </a:ext>
+            </a:extLst>
+          </p:cNvPr>
+          <p:cNvPicPr>
+            <a:picLocks noChangeAspect="1"/>
+          </p:cNvPicPr>
+          <p:nvPr/>
+        </p:nvPicPr>
+        <p:blipFill>
+          <a:blip r:embed="rId5"/>
+          <a:stretch>
+            <a:fillRect/>
+          </a:stretch>
+        </p:blipFill>
+        <p:spPr>
+          <a:xfrm>
+            <a:off x="404747" y="3391165"/>
+            <a:ext cx="7188200" cy="1066800"/>
+          </a:xfrm>
+          <a:prstGeom prst="rect">
+            <a:avLst/>
+          </a:prstGeom>
+        </p:spPr>
+      </p:pic>
+    </p:spTree>
+    <p:extLst>
+      <p:ext uri="{BB962C8B-B14F-4D97-AF65-F5344CB8AC3E}">
+        <p14:creationId xmlns:p14="http://schemas.microsoft.com/office/powerpoint/2010/main" val="1126682757"/>
+      </p:ext>
+    </p:extLst>
+  </p:cSld>
+  <p:clrMapOvr>
+    <a:masterClrMapping/>
+  </p:clrMapOvr>
+  <p:timing>
+    <p:tnLst>
+      <p:par>
+        <p:cTn id="1" dur="indefinite" restart="never" nodeType="tmRoot">
+          <p:childTnLst>
+            <p:seq concurrent="1" nextAc="seek">
+              <p:cTn id="2" dur="indefinite" nodeType="mainSeq">
+                <p:childTnLst>
+                  <p:par>
+                    <p:cTn id="3" fill="hold">
+                      <p:stCondLst>
+                        <p:cond delay="indefinite"/>
+                      </p:stCondLst>
+                      <p:childTnLst>
+                        <p:par>
+                          <p:cTn id="4" fill="hold">
+                            <p:stCondLst>
+                              <p:cond delay="0"/>
+                            </p:stCondLst>
+                            <p:childTnLst>
+                              <p:par>
+                                <p:cTn id="5" presetID="1" presetClass="entr" presetSubtype="0" fill="hold" nodeType="clickEffect">
+                                  <p:stCondLst>
+                                    <p:cond delay="0"/>
+                                  </p:stCondLst>
+                                  <p:childTnLst>
+                                    <p:set>
+                                      <p:cBhvr>
+                                        <p:cTn id="6" dur="1" fill="hold">
+                                          <p:stCondLst>
+                                            <p:cond delay="0"/>
+                                          </p:stCondLst>
+                                        </p:cTn>
+                                        <p:tgtEl>
+                                          <p:spTgt spid="6"/>
+                                        </p:tgtEl>
+                                        <p:attrNameLst>
+                                          <p:attrName>style.visibility</p:attrName>
+                                        </p:attrNameLst>
+                                      </p:cBhvr>
+                                      <p:to>
+                                        <p:strVal val="visible"/>
+                                      </p:to>
+                                    </p:set>
+                                  </p:childTnLst>
+                                </p:cTn>
+                              </p:par>
+                            </p:childTnLst>
+                          </p:cTn>
+                        </p:par>
+                      </p:childTnLst>
+                    </p:cTn>
+                  </p:par>
+                  <p:par>
+                    <p:cTn id="7" fill="hold">
+                      <p:stCondLst>
+                        <p:cond delay="indefinite"/>
+                      </p:stCondLst>
+                      <p:childTnLst>
+                        <p:par>
+                          <p:cTn id="8" fill="hold">
+                            <p:stCondLst>
+                              <p:cond delay="0"/>
+                            </p:stCondLst>
+                            <p:childTnLst>
+                              <p:par>
+                                <p:cTn id="9" presetID="1" presetClass="entr" presetSubtype="0" fill="hold" nodeType="clickEffect">
+                                  <p:stCondLst>
+                                    <p:cond delay="0"/>
+                                  </p:stCondLst>
+                                  <p:childTnLst>
+                                    <p:set>
+                                      <p:cBhvr>
+                                        <p:cTn id="10" dur="1" fill="hold">
+                                          <p:stCondLst>
+                                            <p:cond delay="0"/>
+                                          </p:stCondLst>
+                                        </p:cTn>
+                                        <p:tgtEl>
+                                          <p:spTgt spid="7"/>
+                                        </p:tgtEl>
+                                        <p:attrNameLst>
+                                          <p:attrName>style.visibility</p:attrName>
+                                        </p:attrNameLst>
+                                      </p:cBhvr>
+                                      <p:to>
+                                        <p:strVal val="visible"/>
+                                      </p:to>
+                                    </p:set>
+                                  </p:childTnLst>
+                                </p:cTn>
+                              </p:par>
+                            </p:childTnLst>
+                          </p:cTn>
+                        </p:par>
+                      </p:childTnLst>
+                    </p:cTn>
+                  </p:par>
+                  <p:par>
+                    <p:cTn id="11" fill="hold">
+                      <p:stCondLst>
+                        <p:cond delay="indefinite"/>
+                      </p:stCondLst>
+                      <p:childTnLst>
+                        <p:par>
+                          <p:cTn id="12" fill="hold">
+                            <p:stCondLst>
+                              <p:cond delay="0"/>
+                            </p:stCondLst>
+                            <p:childTnLst>
+                              <p:par>
+                                <p:cTn id="13" presetID="1" presetClass="entr" presetSubtype="0" fill="hold" nodeType="clickEffect">
+                                  <p:stCondLst>
+                                    <p:cond delay="0"/>
+                                  </p:stCondLst>
+                                  <p:childTnLst>
+                                    <p:set>
+                                      <p:cBhvr>
+                                        <p:cTn id="14" dur="1" fill="hold">
+                                          <p:stCondLst>
+                                            <p:cond delay="0"/>
+                                          </p:stCondLst>
+                                        </p:cTn>
+                                        <p:tgtEl>
+                                          <p:spTgt spid="8"/>
+                                        </p:tgtEl>
+                                        <p:attrNameLst>
+                                          <p:attrName>style.visibility</p:attrName>
+                                        </p:attrNameLst>
+                                      </p:cBhvr>
+                                      <p:to>
+                                        <p:strVal val="visible"/>
+                                      </p:to>
+                                    </p:set>
+                                  </p:childTnLst>
+                                </p:cTn>
+                              </p:par>
+                            </p:childTnLst>
+                          </p:cTn>
+                        </p:par>
+                      </p:childTnLst>
+                    </p:cTn>
+                  </p:par>
+                </p:childTnLst>
+              </p:cTn>
+              <p:prevCondLst>
+                <p:cond evt="onPrev" delay="0">
+                  <p:tgtEl>
+                    <p:sldTgt/>
+                  </p:tgtEl>
+                </p:cond>
+              </p:prevCondLst>
+              <p:nextCondLst>
+                <p:cond evt="onNext" delay="0">
+                  <p:tgtEl>
+                    <p:sldTgt/>
+                  </p:tgtEl>
+                </p:cond>
+              </p:nextCondLst>
+            </p:seq>
+          </p:childTnLst>
+        </p:cTn>
+      </p:par>
+    </p:tnLst>
+  </p:timing>
+</p:sld>
+</file>
+
+<file path=ppt/slides/slide44.xml><?xml version="1.0" encoding="utf-8"?>
+<p:sld xmlns:a="http://schemas.openxmlformats.org/drawingml/2006/main" xmlns:r="http://schemas.openxmlformats.org/officeDocument/2006/relationships" xmlns:p="http://schemas.openxmlformats.org/presentationml/2006/main">
+  <p:cSld>
+    <p:spTree>
+      <p:nvGrpSpPr>
+        <p:cNvPr id="1" name=""/>
+        <p:cNvGrpSpPr/>
+        <p:nvPr/>
+      </p:nvGrpSpPr>
+      <p:grpSpPr>
+        <a:xfrm>
+          <a:off x="0" y="0"/>
+          <a:ext cx="0" cy="0"/>
+          <a:chOff x="0" y="0"/>
+          <a:chExt cx="0" cy="0"/>
+        </a:xfrm>
+      </p:grpSpPr>
+      <p:sp>
+        <p:nvSpPr>
+          <p:cNvPr id="2" name="Title 1">
+            <a:extLst>
+              <a:ext uri="{FF2B5EF4-FFF2-40B4-BE49-F238E27FC236}">
+                <a16:creationId xmlns:a16="http://schemas.microsoft.com/office/drawing/2014/main" id="{3DA25B33-0E45-F042-BAD8-84E2D29F8738}"/>
+              </a:ext>
+            </a:extLst>
+          </p:cNvPr>
+          <p:cNvSpPr>
+            <a:spLocks noGrp="1"/>
+          </p:cNvSpPr>
+          <p:nvPr>
+            <p:ph type="title"/>
+          </p:nvPr>
+        </p:nvSpPr>
+        <p:spPr/>
+        <p:txBody>
+          <a:bodyPr/>
+          <a:lstStyle/>
+          <a:p>
+            <a:endParaRPr lang="en-US"/>
+          </a:p>
+        </p:txBody>
+      </p:sp>
+      <p:sp>
+        <p:nvSpPr>
+          <p:cNvPr id="3" name="Content Placeholder 2">
+            <a:extLst>
+              <a:ext uri="{FF2B5EF4-FFF2-40B4-BE49-F238E27FC236}">
+                <a16:creationId xmlns:a16="http://schemas.microsoft.com/office/drawing/2014/main" id="{7BEF3E2F-FF3D-5E4E-AA04-9DC127497001}"/>
+              </a:ext>
+            </a:extLst>
+          </p:cNvPr>
+          <p:cNvSpPr>
+            <a:spLocks noGrp="1"/>
+          </p:cNvSpPr>
+          <p:nvPr>
+            <p:ph idx="1"/>
+          </p:nvPr>
+        </p:nvSpPr>
+        <p:spPr/>
+        <p:txBody>
+          <a:bodyPr/>
+          <a:lstStyle/>
+          <a:p>
+            <a:endParaRPr lang="en-US"/>
+          </a:p>
+        </p:txBody>
+      </p:sp>
+      <p:sp>
+        <p:nvSpPr>
+          <p:cNvPr id="4" name="Slide Number Placeholder 3">
+            <a:extLst>
+              <a:ext uri="{FF2B5EF4-FFF2-40B4-BE49-F238E27FC236}">
+                <a16:creationId xmlns:a16="http://schemas.microsoft.com/office/drawing/2014/main" id="{C2E1A55A-3773-BE41-B0B2-355E931BE079}"/>
+              </a:ext>
+            </a:extLst>
+          </p:cNvPr>
+          <p:cNvSpPr>
+            <a:spLocks noGrp="1"/>
+          </p:cNvSpPr>
+          <p:nvPr>
+            <p:ph type="sldNum" sz="quarter" idx="12"/>
+          </p:nvPr>
+        </p:nvSpPr>
+        <p:spPr/>
+        <p:txBody>
+          <a:bodyPr/>
+          <a:lstStyle/>
+          <a:p>
+            <a:fld id="{D57F1E4F-1CFF-5643-939E-02111984F565}" type="slidenum">
+              <a:rPr lang="en-US" smtClean="0"/>
+              <a:t>44</a:t>
+            </a:fld>
+            <a:endParaRPr lang="en-US" dirty="0"/>
+          </a:p>
+        </p:txBody>
+      </p:sp>
+      <p:pic>
+        <p:nvPicPr>
+          <p:cNvPr id="5" name="Picture 4">
+            <a:extLst>
+              <a:ext uri="{FF2B5EF4-FFF2-40B4-BE49-F238E27FC236}">
+                <a16:creationId xmlns:a16="http://schemas.microsoft.com/office/drawing/2014/main" id="{0B9B50FB-A52F-A44C-99B9-4CEDC8785BF6}"/>
+              </a:ext>
+            </a:extLst>
+          </p:cNvPr>
+          <p:cNvPicPr>
+            <a:picLocks noChangeAspect="1"/>
+          </p:cNvPicPr>
+          <p:nvPr/>
+        </p:nvPicPr>
+        <p:blipFill>
+          <a:blip r:embed="rId2"/>
+          <a:stretch>
+            <a:fillRect/>
+          </a:stretch>
+        </p:blipFill>
+        <p:spPr>
+          <a:xfrm>
+            <a:off x="409445" y="448936"/>
+            <a:ext cx="6972300" cy="3263900"/>
+          </a:xfrm>
+          <a:prstGeom prst="rect">
+            <a:avLst/>
+          </a:prstGeom>
+        </p:spPr>
+      </p:pic>
+    </p:spTree>
+    <p:extLst>
+      <p:ext uri="{BB962C8B-B14F-4D97-AF65-F5344CB8AC3E}">
+        <p14:creationId xmlns:p14="http://schemas.microsoft.com/office/powerpoint/2010/main" val="509745851"/>
+      </p:ext>
+    </p:extLst>
+  </p:cSld>
+  <p:clrMapOvr>
+    <a:masterClrMapping/>
+  </p:clrMapOvr>
+</p:sld>
+</file>
+
+<file path=ppt/slides/slide45.xml><?xml version="1.0" encoding="utf-8"?>
+<p:sld xmlns:a="http://schemas.openxmlformats.org/drawingml/2006/main" xmlns:r="http://schemas.openxmlformats.org/officeDocument/2006/relationships" xmlns:p="http://schemas.openxmlformats.org/presentationml/2006/main">
+  <p:cSld>
+    <p:spTree>
+      <p:nvGrpSpPr>
+        <p:cNvPr id="1" name=""/>
+        <p:cNvGrpSpPr/>
+        <p:nvPr/>
+      </p:nvGrpSpPr>
+      <p:grpSpPr>
+        <a:xfrm>
+          <a:off x="0" y="0"/>
+          <a:ext cx="0" cy="0"/>
+          <a:chOff x="0" y="0"/>
+          <a:chExt cx="0" cy="0"/>
+        </a:xfrm>
+      </p:grpSpPr>
+      <p:sp>
+        <p:nvSpPr>
+          <p:cNvPr id="2" name="Title 1">
+            <a:extLst>
+              <a:ext uri="{FF2B5EF4-FFF2-40B4-BE49-F238E27FC236}">
+                <a16:creationId xmlns:a16="http://schemas.microsoft.com/office/drawing/2014/main" id="{43DF71A6-3A0C-C047-B506-FDF84932601B}"/>
+              </a:ext>
+            </a:extLst>
+          </p:cNvPr>
+          <p:cNvSpPr>
+            <a:spLocks noGrp="1"/>
+          </p:cNvSpPr>
+          <p:nvPr>
+            <p:ph type="title"/>
+          </p:nvPr>
+        </p:nvSpPr>
+        <p:spPr/>
+        <p:txBody>
+          <a:bodyPr/>
+          <a:lstStyle/>
+          <a:p>
+            <a:endParaRPr lang="en-US"/>
+          </a:p>
+        </p:txBody>
+      </p:sp>
+      <p:sp>
+        <p:nvSpPr>
+          <p:cNvPr id="3" name="Content Placeholder 2">
+            <a:extLst>
+              <a:ext uri="{FF2B5EF4-FFF2-40B4-BE49-F238E27FC236}">
+                <a16:creationId xmlns:a16="http://schemas.microsoft.com/office/drawing/2014/main" id="{224C3881-7A59-8143-8133-E955F3A1C3D9}"/>
+              </a:ext>
+            </a:extLst>
+          </p:cNvPr>
+          <p:cNvSpPr>
+            <a:spLocks noGrp="1"/>
+          </p:cNvSpPr>
+          <p:nvPr>
+            <p:ph idx="1"/>
+          </p:nvPr>
+        </p:nvSpPr>
+        <p:spPr/>
+        <p:txBody>
+          <a:bodyPr/>
+          <a:lstStyle/>
+          <a:p>
+            <a:endParaRPr lang="en-US"/>
+          </a:p>
+        </p:txBody>
+      </p:sp>
+      <p:sp>
+        <p:nvSpPr>
+          <p:cNvPr id="4" name="Slide Number Placeholder 3">
+            <a:extLst>
+              <a:ext uri="{FF2B5EF4-FFF2-40B4-BE49-F238E27FC236}">
+                <a16:creationId xmlns:a16="http://schemas.microsoft.com/office/drawing/2014/main" id="{515250DD-9C98-7F4B-9213-38EDEA79BDDC}"/>
+              </a:ext>
+            </a:extLst>
+          </p:cNvPr>
+          <p:cNvSpPr>
+            <a:spLocks noGrp="1"/>
+          </p:cNvSpPr>
+          <p:nvPr>
+            <p:ph type="sldNum" sz="quarter" idx="12"/>
+          </p:nvPr>
+        </p:nvSpPr>
+        <p:spPr/>
+        <p:txBody>
+          <a:bodyPr/>
+          <a:lstStyle/>
+          <a:p>
+            <a:fld id="{D57F1E4F-1CFF-5643-939E-02111984F565}" type="slidenum">
+              <a:rPr lang="en-US" smtClean="0"/>
+              <a:t>45</a:t>
+            </a:fld>
+            <a:endParaRPr lang="en-US" dirty="0"/>
+          </a:p>
+        </p:txBody>
+      </p:sp>
+      <p:pic>
+        <p:nvPicPr>
+          <p:cNvPr id="5" name="Picture 4">
+            <a:extLst>
+              <a:ext uri="{FF2B5EF4-FFF2-40B4-BE49-F238E27FC236}">
+                <a16:creationId xmlns:a16="http://schemas.microsoft.com/office/drawing/2014/main" id="{21D02DE6-71B6-B245-A73C-F0F0EF936423}"/>
+              </a:ext>
+            </a:extLst>
+          </p:cNvPr>
+          <p:cNvPicPr>
+            <a:picLocks noChangeAspect="1"/>
+          </p:cNvPicPr>
+          <p:nvPr/>
+        </p:nvPicPr>
+        <p:blipFill>
+          <a:blip r:embed="rId2"/>
+          <a:stretch>
+            <a:fillRect/>
+          </a:stretch>
+        </p:blipFill>
+        <p:spPr>
+          <a:xfrm>
+            <a:off x="-1" y="200553"/>
+            <a:ext cx="8672217" cy="1619229"/>
+          </a:xfrm>
+          <a:prstGeom prst="rect">
+            <a:avLst/>
+          </a:prstGeom>
+        </p:spPr>
+      </p:pic>
+      <p:pic>
+        <p:nvPicPr>
+          <p:cNvPr id="6" name="Picture 5">
+            <a:extLst>
+              <a:ext uri="{FF2B5EF4-FFF2-40B4-BE49-F238E27FC236}">
+                <a16:creationId xmlns:a16="http://schemas.microsoft.com/office/drawing/2014/main" id="{18571DD6-EE9C-EA49-91B0-84D3F8D283A9}"/>
+              </a:ext>
+            </a:extLst>
+          </p:cNvPr>
+          <p:cNvPicPr>
+            <a:picLocks noChangeAspect="1"/>
+          </p:cNvPicPr>
+          <p:nvPr/>
+        </p:nvPicPr>
+        <p:blipFill>
+          <a:blip r:embed="rId3"/>
+          <a:stretch>
+            <a:fillRect/>
+          </a:stretch>
+        </p:blipFill>
+        <p:spPr>
+          <a:xfrm>
+            <a:off x="180496" y="2146193"/>
+            <a:ext cx="6693127" cy="2376436"/>
+          </a:xfrm>
+          <a:prstGeom prst="rect">
+            <a:avLst/>
+          </a:prstGeom>
+        </p:spPr>
+      </p:pic>
+    </p:spTree>
+    <p:extLst>
+      <p:ext uri="{BB962C8B-B14F-4D97-AF65-F5344CB8AC3E}">
+        <p14:creationId xmlns:p14="http://schemas.microsoft.com/office/powerpoint/2010/main" val="2548714140"/>
+      </p:ext>
+    </p:extLst>
+  </p:cSld>
+  <p:clrMapOvr>
+    <a:masterClrMapping/>
+  </p:clrMapOvr>
+  <p:timing>
+    <p:tnLst>
+      <p:par>
+        <p:cTn id="1" dur="indefinite" restart="never" nodeType="tmRoot">
+          <p:childTnLst>
+            <p:seq concurrent="1" nextAc="seek">
+              <p:cTn id="2" dur="indefinite" nodeType="mainSeq">
+                <p:childTnLst>
+                  <p:par>
+                    <p:cTn id="3" fill="hold">
+                      <p:stCondLst>
+                        <p:cond delay="indefinite"/>
+                      </p:stCondLst>
+                      <p:childTnLst>
+                        <p:par>
+                          <p:cTn id="4" fill="hold">
+                            <p:stCondLst>
+                              <p:cond delay="0"/>
+                            </p:stCondLst>
+                            <p:childTnLst>
+                              <p:par>
+                                <p:cTn id="5" presetID="1" presetClass="entr" presetSubtype="0" fill="hold" nodeType="clickEffect">
+                                  <p:stCondLst>
+                                    <p:cond delay="0"/>
+                                  </p:stCondLst>
+                                  <p:childTnLst>
+                                    <p:set>
+                                      <p:cBhvr>
+                                        <p:cTn id="6" dur="1" fill="hold">
+                                          <p:stCondLst>
+                                            <p:cond delay="0"/>
+                                          </p:stCondLst>
+                                        </p:cTn>
+                                        <p:tgtEl>
+                                          <p:spTgt spid="6"/>
+                                        </p:tgtEl>
+                                        <p:attrNameLst>
+                                          <p:attrName>style.visibility</p:attrName>
+                                        </p:attrNameLst>
+                                      </p:cBhvr>
+                                      <p:to>
+                                        <p:strVal val="visible"/>
+                                      </p:to>
+                                    </p:set>
+                                  </p:childTnLst>
+                                </p:cTn>
+                              </p:par>
+                            </p:childTnLst>
+                          </p:cTn>
+                        </p:par>
+                      </p:childTnLst>
+                    </p:cTn>
+                  </p:par>
+                </p:childTnLst>
+              </p:cTn>
+              <p:prevCondLst>
+                <p:cond evt="onPrev" delay="0">
+                  <p:tgtEl>
+                    <p:sldTgt/>
+                  </p:tgtEl>
+                </p:cond>
+              </p:prevCondLst>
+              <p:nextCondLst>
+                <p:cond evt="onNext" delay="0">
+                  <p:tgtEl>
+                    <p:sldTgt/>
+                  </p:tgtEl>
+                </p:cond>
+              </p:nextCondLst>
+            </p:seq>
+          </p:childTnLst>
+        </p:cTn>
+      </p:par>
+    </p:tnLst>
+  </p:timing>
+</p:sld>
+</file>
+
+<file path=ppt/slides/slide46.xml><?xml version="1.0" encoding="utf-8"?>
+<p:sld xmlns:a="http://schemas.openxmlformats.org/drawingml/2006/main" xmlns:r="http://schemas.openxmlformats.org/officeDocument/2006/relationships" xmlns:p="http://schemas.openxmlformats.org/presentationml/2006/main">
+  <p:cSld>
+    <p:spTree>
+      <p:nvGrpSpPr>
+        <p:cNvPr id="1" name=""/>
+        <p:cNvGrpSpPr/>
+        <p:nvPr/>
+      </p:nvGrpSpPr>
+      <p:grpSpPr>
+        <a:xfrm>
+          <a:off x="0" y="0"/>
+          <a:ext cx="0" cy="0"/>
+          <a:chOff x="0" y="0"/>
+          <a:chExt cx="0" cy="0"/>
+        </a:xfrm>
+      </p:grpSpPr>
+      <p:sp>
+        <p:nvSpPr>
+          <p:cNvPr id="2" name="Title 1">
+            <a:extLst>
+              <a:ext uri="{FF2B5EF4-FFF2-40B4-BE49-F238E27FC236}">
+                <a16:creationId xmlns:a16="http://schemas.microsoft.com/office/drawing/2014/main" id="{81DA7AEF-5DFF-DE4B-AB7D-FCB78C3BA9A2}"/>
+              </a:ext>
+            </a:extLst>
+          </p:cNvPr>
+          <p:cNvSpPr>
+            <a:spLocks noGrp="1"/>
+          </p:cNvSpPr>
+          <p:nvPr>
+            <p:ph type="title"/>
+          </p:nvPr>
+        </p:nvSpPr>
+        <p:spPr/>
+        <p:txBody>
+          <a:bodyPr/>
+          <a:lstStyle/>
+          <a:p>
+            <a:endParaRPr lang="en-US"/>
+          </a:p>
+        </p:txBody>
+      </p:sp>
+      <p:sp>
+        <p:nvSpPr>
+          <p:cNvPr id="3" name="Content Placeholder 2">
+            <a:extLst>
+              <a:ext uri="{FF2B5EF4-FFF2-40B4-BE49-F238E27FC236}">
+                <a16:creationId xmlns:a16="http://schemas.microsoft.com/office/drawing/2014/main" id="{39F63C40-C1B9-5E43-822C-1EE1EE79D949}"/>
+              </a:ext>
+            </a:extLst>
+          </p:cNvPr>
+          <p:cNvSpPr>
+            <a:spLocks noGrp="1"/>
+          </p:cNvSpPr>
+          <p:nvPr>
+            <p:ph idx="1"/>
+          </p:nvPr>
+        </p:nvSpPr>
+        <p:spPr/>
+        <p:txBody>
+          <a:bodyPr/>
+          <a:lstStyle/>
+          <a:p>
+            <a:endParaRPr lang="en-US"/>
+          </a:p>
+        </p:txBody>
+      </p:sp>
+      <p:sp>
+        <p:nvSpPr>
+          <p:cNvPr id="4" name="Slide Number Placeholder 3">
+            <a:extLst>
+              <a:ext uri="{FF2B5EF4-FFF2-40B4-BE49-F238E27FC236}">
+                <a16:creationId xmlns:a16="http://schemas.microsoft.com/office/drawing/2014/main" id="{D861617E-651C-1F47-870A-49C39AFB61CE}"/>
+              </a:ext>
+            </a:extLst>
+          </p:cNvPr>
+          <p:cNvSpPr>
+            <a:spLocks noGrp="1"/>
+          </p:cNvSpPr>
+          <p:nvPr>
+            <p:ph type="sldNum" sz="quarter" idx="12"/>
+          </p:nvPr>
+        </p:nvSpPr>
+        <p:spPr/>
+        <p:txBody>
+          <a:bodyPr/>
+          <a:lstStyle/>
+          <a:p>
+            <a:fld id="{D57F1E4F-1CFF-5643-939E-02111984F565}" type="slidenum">
+              <a:rPr lang="en-US" smtClean="0"/>
+              <a:t>46</a:t>
+            </a:fld>
+            <a:endParaRPr lang="en-US" dirty="0"/>
+          </a:p>
+        </p:txBody>
+      </p:sp>
+      <p:pic>
+        <p:nvPicPr>
+          <p:cNvPr id="6" name="Picture 5">
+            <a:extLst>
+              <a:ext uri="{FF2B5EF4-FFF2-40B4-BE49-F238E27FC236}">
+                <a16:creationId xmlns:a16="http://schemas.microsoft.com/office/drawing/2014/main" id="{6F1F2B09-4410-0841-93E4-6C961300BD57}"/>
+              </a:ext>
+            </a:extLst>
+          </p:cNvPr>
+          <p:cNvPicPr>
+            <a:picLocks noChangeAspect="1"/>
+          </p:cNvPicPr>
+          <p:nvPr/>
+        </p:nvPicPr>
+        <p:blipFill>
+          <a:blip r:embed="rId2"/>
+          <a:stretch>
+            <a:fillRect/>
+          </a:stretch>
+        </p:blipFill>
+        <p:spPr>
+          <a:xfrm>
+            <a:off x="342900" y="811081"/>
+            <a:ext cx="8458200" cy="1308100"/>
+          </a:xfrm>
+          <a:prstGeom prst="rect">
+            <a:avLst/>
+          </a:prstGeom>
+        </p:spPr>
+      </p:pic>
+      <p:pic>
+        <p:nvPicPr>
+          <p:cNvPr id="7" name="Picture 6">
+            <a:extLst>
+              <a:ext uri="{FF2B5EF4-FFF2-40B4-BE49-F238E27FC236}">
+                <a16:creationId xmlns:a16="http://schemas.microsoft.com/office/drawing/2014/main" id="{60A1C59E-17E2-2E43-A009-A2F1494FED43}"/>
+              </a:ext>
+            </a:extLst>
+          </p:cNvPr>
+          <p:cNvPicPr>
+            <a:picLocks noChangeAspect="1"/>
+          </p:cNvPicPr>
+          <p:nvPr/>
+        </p:nvPicPr>
+        <p:blipFill>
+          <a:blip r:embed="rId3"/>
+          <a:stretch>
+            <a:fillRect/>
+          </a:stretch>
+        </p:blipFill>
+        <p:spPr>
+          <a:xfrm>
+            <a:off x="342900" y="2625991"/>
+            <a:ext cx="8255000" cy="1854200"/>
+          </a:xfrm>
+          <a:prstGeom prst="rect">
+            <a:avLst/>
+          </a:prstGeom>
+        </p:spPr>
+      </p:pic>
+    </p:spTree>
+    <p:extLst>
+      <p:ext uri="{BB962C8B-B14F-4D97-AF65-F5344CB8AC3E}">
+        <p14:creationId xmlns:p14="http://schemas.microsoft.com/office/powerpoint/2010/main" val="1499385236"/>
+      </p:ext>
+    </p:extLst>
+  </p:cSld>
+  <p:clrMapOvr>
+    <a:masterClrMapping/>
+  </p:clrMapOvr>
+  <p:timing>
+    <p:tnLst>
+      <p:par>
+        <p:cTn id="1" dur="indefinite" restart="never" nodeType="tmRoot">
+          <p:childTnLst>
+            <p:seq concurrent="1" nextAc="seek">
+              <p:cTn id="2" dur="indefinite" nodeType="mainSeq">
+                <p:childTnLst>
+                  <p:par>
+                    <p:cTn id="3" fill="hold">
+                      <p:stCondLst>
+                        <p:cond delay="indefinite"/>
+                      </p:stCondLst>
+                      <p:childTnLst>
+                        <p:par>
+                          <p:cTn id="4" fill="hold">
+                            <p:stCondLst>
+                              <p:cond delay="0"/>
+                            </p:stCondLst>
+                            <p:childTnLst>
+                              <p:par>
+                                <p:cTn id="5" presetID="1" presetClass="entr" presetSubtype="0" fill="hold" nodeType="clickEffect">
+                                  <p:stCondLst>
+                                    <p:cond delay="0"/>
+                                  </p:stCondLst>
+                                  <p:childTnLst>
+                                    <p:set>
+                                      <p:cBhvr>
+                                        <p:cTn id="6" dur="1" fill="hold">
+                                          <p:stCondLst>
+                                            <p:cond delay="0"/>
+                                          </p:stCondLst>
+                                        </p:cTn>
+                                        <p:tgtEl>
+                                          <p:spTgt spid="7"/>
+                                        </p:tgtEl>
+                                        <p:attrNameLst>
+                                          <p:attrName>style.visibility</p:attrName>
+                                        </p:attrNameLst>
+                                      </p:cBhvr>
+                                      <p:to>
+                                        <p:strVal val="visible"/>
+                                      </p:to>
+                                    </p:set>
+                                  </p:childTnLst>
+                                </p:cTn>
+                              </p:par>
+                            </p:childTnLst>
+                          </p:cTn>
+                        </p:par>
+                      </p:childTnLst>
+                    </p:cTn>
+                  </p:par>
+                </p:childTnLst>
+              </p:cTn>
+              <p:prevCondLst>
+                <p:cond evt="onPrev" delay="0">
+                  <p:tgtEl>
+                    <p:sldTgt/>
+                  </p:tgtEl>
+                </p:cond>
+              </p:prevCondLst>
+              <p:nextCondLst>
+                <p:cond evt="onNext" delay="0">
+                  <p:tgtEl>
+                    <p:sldTgt/>
+                  </p:tgtEl>
+                </p:cond>
+              </p:nextCondLst>
+            </p:seq>
+          </p:childTnLst>
+        </p:cTn>
+      </p:par>
+    </p:tnLst>
+  </p:timing>
+</p:sld>
+</file>
+
+<file path=ppt/slides/slide47.xml><?xml version="1.0" encoding="utf-8"?>
+<p:sld xmlns:a="http://schemas.openxmlformats.org/drawingml/2006/main" xmlns:r="http://schemas.openxmlformats.org/officeDocument/2006/relationships" xmlns:p="http://schemas.openxmlformats.org/presentationml/2006/main">
+  <p:cSld>
+    <p:spTree>
+      <p:nvGrpSpPr>
+        <p:cNvPr id="1" name=""/>
+        <p:cNvGrpSpPr/>
+        <p:nvPr/>
+      </p:nvGrpSpPr>
+      <p:grpSpPr>
+        <a:xfrm>
+          <a:off x="0" y="0"/>
+          <a:ext cx="0" cy="0"/>
+          <a:chOff x="0" y="0"/>
+          <a:chExt cx="0" cy="0"/>
+        </a:xfrm>
+      </p:grpSpPr>
+      <p:sp>
+        <p:nvSpPr>
+          <p:cNvPr id="2" name="Title 1">
+            <a:extLst>
+              <a:ext uri="{FF2B5EF4-FFF2-40B4-BE49-F238E27FC236}">
+                <a16:creationId xmlns:a16="http://schemas.microsoft.com/office/drawing/2014/main" id="{5976DBCA-DEB9-C04B-878F-BA536C8106BE}"/>
+              </a:ext>
+            </a:extLst>
+          </p:cNvPr>
+          <p:cNvSpPr>
+            <a:spLocks noGrp="1"/>
+          </p:cNvSpPr>
+          <p:nvPr>
+            <p:ph type="title"/>
+          </p:nvPr>
+        </p:nvSpPr>
+        <p:spPr/>
+        <p:txBody>
+          <a:bodyPr/>
+          <a:lstStyle/>
+          <a:p>
+            <a:endParaRPr lang="en-US"/>
+          </a:p>
+        </p:txBody>
+      </p:sp>
+      <p:sp>
+        <p:nvSpPr>
+          <p:cNvPr id="3" name="Content Placeholder 2">
+            <a:extLst>
+              <a:ext uri="{FF2B5EF4-FFF2-40B4-BE49-F238E27FC236}">
+                <a16:creationId xmlns:a16="http://schemas.microsoft.com/office/drawing/2014/main" id="{D38D1B58-6C5E-A743-BAF8-11981FD0762B}"/>
+              </a:ext>
+            </a:extLst>
+          </p:cNvPr>
+          <p:cNvSpPr>
+            <a:spLocks noGrp="1"/>
+          </p:cNvSpPr>
+          <p:nvPr>
+            <p:ph idx="1"/>
+          </p:nvPr>
+        </p:nvSpPr>
+        <p:spPr/>
+        <p:txBody>
+          <a:bodyPr/>
+          <a:lstStyle/>
+          <a:p>
+            <a:endParaRPr lang="en-US"/>
+          </a:p>
+        </p:txBody>
+      </p:sp>
+      <p:sp>
+        <p:nvSpPr>
+          <p:cNvPr id="4" name="Slide Number Placeholder 3">
+            <a:extLst>
+              <a:ext uri="{FF2B5EF4-FFF2-40B4-BE49-F238E27FC236}">
+                <a16:creationId xmlns:a16="http://schemas.microsoft.com/office/drawing/2014/main" id="{DC7F0125-3355-F344-9DC2-8A64FFF96399}"/>
+              </a:ext>
+            </a:extLst>
+          </p:cNvPr>
+          <p:cNvSpPr>
+            <a:spLocks noGrp="1"/>
+          </p:cNvSpPr>
+          <p:nvPr>
+            <p:ph type="sldNum" sz="quarter" idx="12"/>
+          </p:nvPr>
+        </p:nvSpPr>
+        <p:spPr/>
+        <p:txBody>
+          <a:bodyPr/>
+          <a:lstStyle/>
+          <a:p>
+            <a:fld id="{D57F1E4F-1CFF-5643-939E-02111984F565}" type="slidenum">
+              <a:rPr lang="en-US" smtClean="0"/>
+              <a:t>47</a:t>
+            </a:fld>
+            <a:endParaRPr lang="en-US" dirty="0"/>
+          </a:p>
+        </p:txBody>
+      </p:sp>
+      <p:pic>
+        <p:nvPicPr>
+          <p:cNvPr id="5" name="Picture 4">
+            <a:extLst>
+              <a:ext uri="{FF2B5EF4-FFF2-40B4-BE49-F238E27FC236}">
+                <a16:creationId xmlns:a16="http://schemas.microsoft.com/office/drawing/2014/main" id="{FD22C92A-6245-B143-98CC-C11EBC9D986A}"/>
+              </a:ext>
+            </a:extLst>
+          </p:cNvPr>
+          <p:cNvPicPr>
+            <a:picLocks noChangeAspect="1"/>
+          </p:cNvPicPr>
+          <p:nvPr/>
+        </p:nvPicPr>
+        <p:blipFill>
+          <a:blip r:embed="rId2"/>
+          <a:stretch>
+            <a:fillRect/>
+          </a:stretch>
+        </p:blipFill>
+        <p:spPr>
+          <a:xfrm>
+            <a:off x="476859" y="856589"/>
+            <a:ext cx="7188200" cy="2768600"/>
+          </a:xfrm>
+          <a:prstGeom prst="rect">
+            <a:avLst/>
+          </a:prstGeom>
+        </p:spPr>
+      </p:pic>
+    </p:spTree>
+    <p:extLst>
+      <p:ext uri="{BB962C8B-B14F-4D97-AF65-F5344CB8AC3E}">
+        <p14:creationId xmlns:p14="http://schemas.microsoft.com/office/powerpoint/2010/main" val="4154652441"/>
+      </p:ext>
+    </p:extLst>
+  </p:cSld>
+  <p:clrMapOvr>
+    <a:masterClrMapping/>
+  </p:clrMapOvr>
+</p:sld>
+</file>
+
+<file path=ppt/slides/slide48.xml><?xml version="1.0" encoding="utf-8"?>
+<p:sld xmlns:a="http://schemas.openxmlformats.org/drawingml/2006/main" xmlns:r="http://schemas.openxmlformats.org/officeDocument/2006/relationships" xmlns:p="http://schemas.openxmlformats.org/presentationml/2006/main">
+  <p:cSld>
+    <p:spTree>
+      <p:nvGrpSpPr>
+        <p:cNvPr id="1" name=""/>
+        <p:cNvGrpSpPr/>
+        <p:nvPr/>
+      </p:nvGrpSpPr>
+      <p:grpSpPr>
+        <a:xfrm>
+          <a:off x="0" y="0"/>
+          <a:ext cx="0" cy="0"/>
+          <a:chOff x="0" y="0"/>
+          <a:chExt cx="0" cy="0"/>
+        </a:xfrm>
+      </p:grpSpPr>
+      <p:sp>
+        <p:nvSpPr>
+          <p:cNvPr id="2" name="Title 1">
+            <a:extLst>
+              <a:ext uri="{FF2B5EF4-FFF2-40B4-BE49-F238E27FC236}">
+                <a16:creationId xmlns:a16="http://schemas.microsoft.com/office/drawing/2014/main" id="{91F32B5C-B13A-B847-A68F-3B97ADB15B40}"/>
+              </a:ext>
+            </a:extLst>
+          </p:cNvPr>
+          <p:cNvSpPr>
+            <a:spLocks noGrp="1"/>
+          </p:cNvSpPr>
+          <p:nvPr>
+            <p:ph type="title"/>
+          </p:nvPr>
+        </p:nvSpPr>
+        <p:spPr/>
+        <p:txBody>
+          <a:bodyPr/>
+          <a:lstStyle/>
+          <a:p>
+            <a:endParaRPr lang="en-US"/>
+          </a:p>
+        </p:txBody>
+      </p:sp>
+      <p:sp>
+        <p:nvSpPr>
+          <p:cNvPr id="3" name="Content Placeholder 2">
+            <a:extLst>
+              <a:ext uri="{FF2B5EF4-FFF2-40B4-BE49-F238E27FC236}">
+                <a16:creationId xmlns:a16="http://schemas.microsoft.com/office/drawing/2014/main" id="{A321638F-6C35-0A4A-9B34-C3E55AF0FA50}"/>
+              </a:ext>
+            </a:extLst>
+          </p:cNvPr>
+          <p:cNvSpPr>
+            <a:spLocks noGrp="1"/>
+          </p:cNvSpPr>
+          <p:nvPr>
+            <p:ph idx="1"/>
+          </p:nvPr>
+        </p:nvSpPr>
+        <p:spPr/>
+        <p:txBody>
+          <a:bodyPr/>
+          <a:lstStyle/>
+          <a:p>
+            <a:endParaRPr lang="en-US"/>
+          </a:p>
+        </p:txBody>
+      </p:sp>
+      <p:sp>
+        <p:nvSpPr>
+          <p:cNvPr id="4" name="Slide Number Placeholder 3">
+            <a:extLst>
+              <a:ext uri="{FF2B5EF4-FFF2-40B4-BE49-F238E27FC236}">
+                <a16:creationId xmlns:a16="http://schemas.microsoft.com/office/drawing/2014/main" id="{D25326A8-AA33-9246-821A-67EB200B6602}"/>
+              </a:ext>
+            </a:extLst>
+          </p:cNvPr>
+          <p:cNvSpPr>
+            <a:spLocks noGrp="1"/>
+          </p:cNvSpPr>
+          <p:nvPr>
+            <p:ph type="sldNum" sz="quarter" idx="12"/>
+          </p:nvPr>
+        </p:nvSpPr>
+        <p:spPr/>
+        <p:txBody>
+          <a:bodyPr/>
+          <a:lstStyle/>
+          <a:p>
+            <a:fld id="{D57F1E4F-1CFF-5643-939E-02111984F565}" type="slidenum">
+              <a:rPr lang="en-US" smtClean="0"/>
+              <a:t>48</a:t>
+            </a:fld>
+            <a:endParaRPr lang="en-US" dirty="0"/>
+          </a:p>
+        </p:txBody>
+      </p:sp>
+      <p:pic>
+        <p:nvPicPr>
+          <p:cNvPr id="5" name="Picture 4">
+            <a:extLst>
+              <a:ext uri="{FF2B5EF4-FFF2-40B4-BE49-F238E27FC236}">
+                <a16:creationId xmlns:a16="http://schemas.microsoft.com/office/drawing/2014/main" id="{58C141FE-53D7-3343-BB1F-EE294018FE3C}"/>
+              </a:ext>
+            </a:extLst>
+          </p:cNvPr>
+          <p:cNvPicPr>
+            <a:picLocks noChangeAspect="1"/>
+          </p:cNvPicPr>
+          <p:nvPr/>
+        </p:nvPicPr>
+        <p:blipFill>
+          <a:blip r:embed="rId2"/>
+          <a:stretch>
+            <a:fillRect/>
+          </a:stretch>
+        </p:blipFill>
+        <p:spPr>
+          <a:xfrm>
+            <a:off x="425450" y="113769"/>
+            <a:ext cx="7923734" cy="3334809"/>
+          </a:xfrm>
+          <a:prstGeom prst="rect">
+            <a:avLst/>
+          </a:prstGeom>
+        </p:spPr>
+      </p:pic>
+      <p:pic>
+        <p:nvPicPr>
+          <p:cNvPr id="6" name="Picture 5">
+            <a:extLst>
+              <a:ext uri="{FF2B5EF4-FFF2-40B4-BE49-F238E27FC236}">
+                <a16:creationId xmlns:a16="http://schemas.microsoft.com/office/drawing/2014/main" id="{76F39EB2-6D66-854B-B080-61F686B36D20}"/>
+              </a:ext>
+            </a:extLst>
+          </p:cNvPr>
+          <p:cNvPicPr>
+            <a:picLocks noChangeAspect="1"/>
+          </p:cNvPicPr>
+          <p:nvPr/>
+        </p:nvPicPr>
+        <p:blipFill>
+          <a:blip r:embed="rId3"/>
+          <a:stretch>
+            <a:fillRect/>
+          </a:stretch>
+        </p:blipFill>
+        <p:spPr>
+          <a:xfrm>
+            <a:off x="425450" y="3448578"/>
+            <a:ext cx="7655394" cy="1661847"/>
+          </a:xfrm>
+          <a:prstGeom prst="rect">
+            <a:avLst/>
+          </a:prstGeom>
+        </p:spPr>
+      </p:pic>
+    </p:spTree>
+    <p:extLst>
+      <p:ext uri="{BB962C8B-B14F-4D97-AF65-F5344CB8AC3E}">
+        <p14:creationId xmlns:p14="http://schemas.microsoft.com/office/powerpoint/2010/main" val="4264445299"/>
+      </p:ext>
+    </p:extLst>
+  </p:cSld>
+  <p:clrMapOvr>
+    <a:masterClrMapping/>
+  </p:clrMapOvr>
+  <p:timing>
+    <p:tnLst>
+      <p:par>
+        <p:cTn id="1" dur="indefinite" restart="never" nodeType="tmRoot">
+          <p:childTnLst>
+            <p:seq concurrent="1" nextAc="seek">
+              <p:cTn id="2" dur="indefinite" nodeType="mainSeq">
+                <p:childTnLst>
+                  <p:par>
+                    <p:cTn id="3" fill="hold">
+                      <p:stCondLst>
+                        <p:cond delay="indefinite"/>
+                      </p:stCondLst>
+                      <p:childTnLst>
+                        <p:par>
+                          <p:cTn id="4" fill="hold">
+                            <p:stCondLst>
+                              <p:cond delay="0"/>
+                            </p:stCondLst>
+                            <p:childTnLst>
+                              <p:par>
+                                <p:cTn id="5" presetID="1" presetClass="entr" presetSubtype="0" fill="hold" nodeType="clickEffect">
+                                  <p:stCondLst>
+                                    <p:cond delay="0"/>
+                                  </p:stCondLst>
+                                  <p:childTnLst>
+                                    <p:set>
+                                      <p:cBhvr>
+                                        <p:cTn id="6" dur="1" fill="hold">
+                                          <p:stCondLst>
+                                            <p:cond delay="0"/>
+                                          </p:stCondLst>
+                                        </p:cTn>
+                                        <p:tgtEl>
+                                          <p:spTgt spid="6"/>
+                                        </p:tgtEl>
+                                        <p:attrNameLst>
+                                          <p:attrName>style.visibility</p:attrName>
+                                        </p:attrNameLst>
+                                      </p:cBhvr>
+                                      <p:to>
+                                        <p:strVal val="visible"/>
+                                      </p:to>
+                                    </p:set>
+                                  </p:childTnLst>
+                                </p:cTn>
+                              </p:par>
+                            </p:childTnLst>
+                          </p:cTn>
+                        </p:par>
+                      </p:childTnLst>
+                    </p:cTn>
+                  </p:par>
+                </p:childTnLst>
+              </p:cTn>
+              <p:prevCondLst>
+                <p:cond evt="onPrev" delay="0">
+                  <p:tgtEl>
+                    <p:sldTgt/>
+                  </p:tgtEl>
+                </p:cond>
+              </p:prevCondLst>
+              <p:nextCondLst>
+                <p:cond evt="onNext" delay="0">
+                  <p:tgtEl>
+                    <p:sldTgt/>
+                  </p:tgtEl>
+                </p:cond>
+              </p:nextCondLst>
+            </p:seq>
+          </p:childTnLst>
+        </p:cTn>
+      </p:par>
+    </p:tnLst>
+  </p:timing>
+</p:sld>
+</file>
+
+<file path=ppt/slides/slide49.xml><?xml version="1.0" encoding="utf-8"?>
+<p:sld xmlns:a="http://schemas.openxmlformats.org/drawingml/2006/main" xmlns:r="http://schemas.openxmlformats.org/officeDocument/2006/relationships" xmlns:p="http://schemas.openxmlformats.org/presentationml/2006/main">
+  <p:cSld>
+    <p:spTree>
+      <p:nvGrpSpPr>
+        <p:cNvPr id="1" name=""/>
+        <p:cNvGrpSpPr/>
+        <p:nvPr/>
+      </p:nvGrpSpPr>
+      <p:grpSpPr>
+        <a:xfrm>
+          <a:off x="0" y="0"/>
+          <a:ext cx="0" cy="0"/>
+          <a:chOff x="0" y="0"/>
+          <a:chExt cx="0" cy="0"/>
+        </a:xfrm>
+      </p:grpSpPr>
+      <p:sp>
+        <p:nvSpPr>
+          <p:cNvPr id="2" name="Title 1">
+            <a:extLst>
+              <a:ext uri="{FF2B5EF4-FFF2-40B4-BE49-F238E27FC236}">
+                <a16:creationId xmlns:a16="http://schemas.microsoft.com/office/drawing/2014/main" id="{78EE5377-CFF0-F047-B480-FEE093D5D635}"/>
+              </a:ext>
+            </a:extLst>
+          </p:cNvPr>
+          <p:cNvSpPr>
+            <a:spLocks noGrp="1"/>
+          </p:cNvSpPr>
+          <p:nvPr>
+            <p:ph type="title"/>
+          </p:nvPr>
+        </p:nvSpPr>
+        <p:spPr/>
+        <p:txBody>
+          <a:bodyPr/>
+          <a:lstStyle/>
+          <a:p>
+            <a:endParaRPr lang="en-US"/>
+          </a:p>
+        </p:txBody>
+      </p:sp>
+      <p:sp>
+        <p:nvSpPr>
+          <p:cNvPr id="3" name="Content Placeholder 2">
+            <a:extLst>
+              <a:ext uri="{FF2B5EF4-FFF2-40B4-BE49-F238E27FC236}">
+                <a16:creationId xmlns:a16="http://schemas.microsoft.com/office/drawing/2014/main" id="{F112D52D-6BDF-334E-A537-810952880C47}"/>
+              </a:ext>
+            </a:extLst>
+          </p:cNvPr>
+          <p:cNvSpPr>
+            <a:spLocks noGrp="1"/>
+          </p:cNvSpPr>
+          <p:nvPr>
+            <p:ph idx="1"/>
+          </p:nvPr>
+        </p:nvSpPr>
+        <p:spPr/>
+        <p:txBody>
+          <a:bodyPr/>
+          <a:lstStyle/>
+          <a:p>
+            <a:endParaRPr lang="en-US"/>
+          </a:p>
+        </p:txBody>
+      </p:sp>
+      <p:sp>
+        <p:nvSpPr>
+          <p:cNvPr id="4" name="Slide Number Placeholder 3">
+            <a:extLst>
+              <a:ext uri="{FF2B5EF4-FFF2-40B4-BE49-F238E27FC236}">
+                <a16:creationId xmlns:a16="http://schemas.microsoft.com/office/drawing/2014/main" id="{50CFCC54-3A4A-244D-878E-CA03996946ED}"/>
+              </a:ext>
+            </a:extLst>
+          </p:cNvPr>
+          <p:cNvSpPr>
+            <a:spLocks noGrp="1"/>
+          </p:cNvSpPr>
+          <p:nvPr>
+            <p:ph type="sldNum" sz="quarter" idx="12"/>
+          </p:nvPr>
+        </p:nvSpPr>
+        <p:spPr/>
+        <p:txBody>
+          <a:bodyPr/>
+          <a:lstStyle/>
+          <a:p>
+            <a:fld id="{D57F1E4F-1CFF-5643-939E-02111984F565}" type="slidenum">
+              <a:rPr lang="en-US" smtClean="0"/>
+              <a:t>49</a:t>
+            </a:fld>
+            <a:endParaRPr lang="en-US" dirty="0"/>
+          </a:p>
+        </p:txBody>
+      </p:sp>
+      <p:pic>
+        <p:nvPicPr>
+          <p:cNvPr id="5" name="Picture 4">
+            <a:extLst>
+              <a:ext uri="{FF2B5EF4-FFF2-40B4-BE49-F238E27FC236}">
+                <a16:creationId xmlns:a16="http://schemas.microsoft.com/office/drawing/2014/main" id="{EA58E04D-0023-7F43-B9A3-78C7AD7A2310}"/>
+              </a:ext>
+            </a:extLst>
+          </p:cNvPr>
+          <p:cNvPicPr>
+            <a:picLocks noChangeAspect="1"/>
+          </p:cNvPicPr>
+          <p:nvPr/>
+        </p:nvPicPr>
+        <p:blipFill>
+          <a:blip r:embed="rId2"/>
+          <a:stretch>
+            <a:fillRect/>
+          </a:stretch>
+        </p:blipFill>
+        <p:spPr>
+          <a:xfrm>
+            <a:off x="312020" y="304271"/>
+            <a:ext cx="6565900" cy="622300"/>
+          </a:xfrm>
+          <a:prstGeom prst="rect">
+            <a:avLst/>
+          </a:prstGeom>
+        </p:spPr>
+      </p:pic>
+      <p:pic>
+        <p:nvPicPr>
+          <p:cNvPr id="6" name="Picture 5">
+            <a:extLst>
+              <a:ext uri="{FF2B5EF4-FFF2-40B4-BE49-F238E27FC236}">
+                <a16:creationId xmlns:a16="http://schemas.microsoft.com/office/drawing/2014/main" id="{9A2F41B9-C8A5-FF47-AE48-7429CDD467F9}"/>
+              </a:ext>
+            </a:extLst>
+          </p:cNvPr>
+          <p:cNvPicPr>
+            <a:picLocks noChangeAspect="1"/>
+          </p:cNvPicPr>
+          <p:nvPr/>
+        </p:nvPicPr>
+        <p:blipFill>
+          <a:blip r:embed="rId3"/>
+          <a:stretch>
+            <a:fillRect/>
+          </a:stretch>
+        </p:blipFill>
+        <p:spPr>
+          <a:xfrm>
+            <a:off x="485297" y="1076061"/>
+            <a:ext cx="6870700" cy="3111500"/>
+          </a:xfrm>
+          <a:prstGeom prst="rect">
+            <a:avLst/>
+          </a:prstGeom>
+        </p:spPr>
+      </p:pic>
+    </p:spTree>
+    <p:extLst>
+      <p:ext uri="{BB962C8B-B14F-4D97-AF65-F5344CB8AC3E}">
+        <p14:creationId xmlns:p14="http://schemas.microsoft.com/office/powerpoint/2010/main" val="3414404792"/>
       </p:ext>
     </p:extLst>
   </p:cSld>
@@ -17194,6 +25202,333 @@
       </p:par>
     </p:tnLst>
   </p:timing>
+</p:sld>
+</file>
+
+<file path=ppt/slides/slide50.xml><?xml version="1.0" encoding="utf-8"?>
+<p:sld xmlns:a="http://schemas.openxmlformats.org/drawingml/2006/main" xmlns:r="http://schemas.openxmlformats.org/officeDocument/2006/relationships" xmlns:p="http://schemas.openxmlformats.org/presentationml/2006/main">
+  <p:cSld>
+    <p:spTree>
+      <p:nvGrpSpPr>
+        <p:cNvPr id="1" name=""/>
+        <p:cNvGrpSpPr/>
+        <p:nvPr/>
+      </p:nvGrpSpPr>
+      <p:grpSpPr>
+        <a:xfrm>
+          <a:off x="0" y="0"/>
+          <a:ext cx="0" cy="0"/>
+          <a:chOff x="0" y="0"/>
+          <a:chExt cx="0" cy="0"/>
+        </a:xfrm>
+      </p:grpSpPr>
+      <p:sp>
+        <p:nvSpPr>
+          <p:cNvPr id="2" name="Title 1">
+            <a:extLst>
+              <a:ext uri="{FF2B5EF4-FFF2-40B4-BE49-F238E27FC236}">
+                <a16:creationId xmlns:a16="http://schemas.microsoft.com/office/drawing/2014/main" id="{719205A0-05B5-AC44-9019-2D59805831E1}"/>
+              </a:ext>
+            </a:extLst>
+          </p:cNvPr>
+          <p:cNvSpPr>
+            <a:spLocks noGrp="1"/>
+          </p:cNvSpPr>
+          <p:nvPr>
+            <p:ph type="title"/>
+          </p:nvPr>
+        </p:nvSpPr>
+        <p:spPr/>
+        <p:txBody>
+          <a:bodyPr/>
+          <a:lstStyle/>
+          <a:p>
+            <a:endParaRPr lang="en-US" dirty="0"/>
+          </a:p>
+        </p:txBody>
+      </p:sp>
+      <p:sp>
+        <p:nvSpPr>
+          <p:cNvPr id="3" name="Content Placeholder 2">
+            <a:extLst>
+              <a:ext uri="{FF2B5EF4-FFF2-40B4-BE49-F238E27FC236}">
+                <a16:creationId xmlns:a16="http://schemas.microsoft.com/office/drawing/2014/main" id="{98937E1A-FA85-9240-97DA-24A964E3C0C8}"/>
+              </a:ext>
+            </a:extLst>
+          </p:cNvPr>
+          <p:cNvSpPr>
+            <a:spLocks noGrp="1"/>
+          </p:cNvSpPr>
+          <p:nvPr>
+            <p:ph idx="1"/>
+          </p:nvPr>
+        </p:nvSpPr>
+        <p:spPr/>
+        <p:txBody>
+          <a:bodyPr/>
+          <a:lstStyle/>
+          <a:p>
+            <a:endParaRPr lang="en-US"/>
+          </a:p>
+        </p:txBody>
+      </p:sp>
+      <p:sp>
+        <p:nvSpPr>
+          <p:cNvPr id="4" name="Slide Number Placeholder 3">
+            <a:extLst>
+              <a:ext uri="{FF2B5EF4-FFF2-40B4-BE49-F238E27FC236}">
+                <a16:creationId xmlns:a16="http://schemas.microsoft.com/office/drawing/2014/main" id="{372DACE1-9F75-2744-9D84-6E3D74FC7C56}"/>
+              </a:ext>
+            </a:extLst>
+          </p:cNvPr>
+          <p:cNvSpPr>
+            <a:spLocks noGrp="1"/>
+          </p:cNvSpPr>
+          <p:nvPr>
+            <p:ph type="sldNum" sz="quarter" idx="12"/>
+          </p:nvPr>
+        </p:nvSpPr>
+        <p:spPr/>
+        <p:txBody>
+          <a:bodyPr/>
+          <a:lstStyle/>
+          <a:p>
+            <a:fld id="{D57F1E4F-1CFF-5643-939E-02111984F565}" type="slidenum">
+              <a:rPr lang="en-US" smtClean="0"/>
+              <a:t>50</a:t>
+            </a:fld>
+            <a:endParaRPr lang="en-US" dirty="0"/>
+          </a:p>
+        </p:txBody>
+      </p:sp>
+      <p:pic>
+        <p:nvPicPr>
+          <p:cNvPr id="5" name="Picture 4">
+            <a:extLst>
+              <a:ext uri="{FF2B5EF4-FFF2-40B4-BE49-F238E27FC236}">
+                <a16:creationId xmlns:a16="http://schemas.microsoft.com/office/drawing/2014/main" id="{CC1C2214-1A6E-D245-B2F8-CC62E7912428}"/>
+              </a:ext>
+            </a:extLst>
+          </p:cNvPr>
+          <p:cNvPicPr>
+            <a:picLocks noChangeAspect="1"/>
+          </p:cNvPicPr>
+          <p:nvPr/>
+        </p:nvPicPr>
+        <p:blipFill>
+          <a:blip r:embed="rId2"/>
+          <a:stretch>
+            <a:fillRect/>
+          </a:stretch>
+        </p:blipFill>
+        <p:spPr>
+          <a:xfrm>
+            <a:off x="177104" y="432064"/>
+            <a:ext cx="7061200" cy="939800"/>
+          </a:xfrm>
+          <a:prstGeom prst="rect">
+            <a:avLst/>
+          </a:prstGeom>
+        </p:spPr>
+      </p:pic>
+      <p:pic>
+        <p:nvPicPr>
+          <p:cNvPr id="6" name="Picture 5">
+            <a:extLst>
+              <a:ext uri="{FF2B5EF4-FFF2-40B4-BE49-F238E27FC236}">
+                <a16:creationId xmlns:a16="http://schemas.microsoft.com/office/drawing/2014/main" id="{3C48D10D-087B-8E42-8685-A211760E3C45}"/>
+              </a:ext>
+            </a:extLst>
+          </p:cNvPr>
+          <p:cNvPicPr>
+            <a:picLocks noChangeAspect="1"/>
+          </p:cNvPicPr>
+          <p:nvPr/>
+        </p:nvPicPr>
+        <p:blipFill>
+          <a:blip r:embed="rId3"/>
+          <a:stretch>
+            <a:fillRect/>
+          </a:stretch>
+        </p:blipFill>
+        <p:spPr>
+          <a:xfrm>
+            <a:off x="849073" y="1632665"/>
+            <a:ext cx="2858631" cy="2383411"/>
+          </a:xfrm>
+          <a:prstGeom prst="rect">
+            <a:avLst/>
+          </a:prstGeom>
+        </p:spPr>
+      </p:pic>
+    </p:spTree>
+    <p:extLst>
+      <p:ext uri="{BB962C8B-B14F-4D97-AF65-F5344CB8AC3E}">
+        <p14:creationId xmlns:p14="http://schemas.microsoft.com/office/powerpoint/2010/main" val="3265024698"/>
+      </p:ext>
+    </p:extLst>
+  </p:cSld>
+  <p:clrMapOvr>
+    <a:masterClrMapping/>
+  </p:clrMapOvr>
+</p:sld>
+</file>
+
+<file path=ppt/slides/slide51.xml><?xml version="1.0" encoding="utf-8"?>
+<p:sld xmlns:a="http://schemas.openxmlformats.org/drawingml/2006/main" xmlns:r="http://schemas.openxmlformats.org/officeDocument/2006/relationships" xmlns:p="http://schemas.openxmlformats.org/presentationml/2006/main">
+  <p:cSld>
+    <p:spTree>
+      <p:nvGrpSpPr>
+        <p:cNvPr id="1" name=""/>
+        <p:cNvGrpSpPr/>
+        <p:nvPr/>
+      </p:nvGrpSpPr>
+      <p:grpSpPr>
+        <a:xfrm>
+          <a:off x="0" y="0"/>
+          <a:ext cx="0" cy="0"/>
+          <a:chOff x="0" y="0"/>
+          <a:chExt cx="0" cy="0"/>
+        </a:xfrm>
+      </p:grpSpPr>
+      <p:sp>
+        <p:nvSpPr>
+          <p:cNvPr id="2" name="Title 1">
+            <a:extLst>
+              <a:ext uri="{FF2B5EF4-FFF2-40B4-BE49-F238E27FC236}">
+                <a16:creationId xmlns:a16="http://schemas.microsoft.com/office/drawing/2014/main" id="{893AF10F-C12D-6B4A-84C5-206A244BF7C6}"/>
+              </a:ext>
+            </a:extLst>
+          </p:cNvPr>
+          <p:cNvSpPr>
+            <a:spLocks noGrp="1"/>
+          </p:cNvSpPr>
+          <p:nvPr>
+            <p:ph type="title"/>
+          </p:nvPr>
+        </p:nvSpPr>
+        <p:spPr>
+          <a:xfrm>
+            <a:off x="127205" y="111030"/>
+            <a:ext cx="7886700" cy="841376"/>
+          </a:xfrm>
+        </p:spPr>
+        <p:txBody>
+          <a:bodyPr/>
+          <a:lstStyle/>
+          <a:p>
+            <a:r>
+              <a:rPr lang="en-US" dirty="0"/>
+              <a:t>References</a:t>
+            </a:r>
+          </a:p>
+        </p:txBody>
+      </p:sp>
+      <p:sp>
+        <p:nvSpPr>
+          <p:cNvPr id="3" name="Content Placeholder 2">
+            <a:extLst>
+              <a:ext uri="{FF2B5EF4-FFF2-40B4-BE49-F238E27FC236}">
+                <a16:creationId xmlns:a16="http://schemas.microsoft.com/office/drawing/2014/main" id="{8EE44610-8AB0-B84C-9003-2B8BA850F328}"/>
+              </a:ext>
+            </a:extLst>
+          </p:cNvPr>
+          <p:cNvSpPr>
+            <a:spLocks noGrp="1"/>
+          </p:cNvSpPr>
+          <p:nvPr>
+            <p:ph idx="1"/>
+          </p:nvPr>
+        </p:nvSpPr>
+        <p:spPr>
+          <a:xfrm>
+            <a:off x="196645" y="855406"/>
+            <a:ext cx="8701549" cy="4745824"/>
+          </a:xfrm>
+        </p:spPr>
+        <p:txBody>
+          <a:bodyPr/>
+          <a:lstStyle/>
+          <a:p>
+            <a:pPr marL="0" indent="0">
+              <a:buNone/>
+            </a:pPr>
+            <a:endParaRPr lang="en-US" dirty="0"/>
+          </a:p>
+          <a:p>
+            <a:pPr marL="0" indent="0">
+              <a:buNone/>
+            </a:pPr>
+            <a:endParaRPr lang="en-US" dirty="0"/>
+          </a:p>
+          <a:p>
+            <a:pPr marL="0" indent="0">
+              <a:buNone/>
+            </a:pPr>
+            <a:endParaRPr lang="en-US" dirty="0"/>
+          </a:p>
+          <a:p>
+            <a:pPr marL="0" indent="0">
+              <a:buNone/>
+            </a:pPr>
+            <a:r>
+              <a:rPr lang="en-US" dirty="0" err="1"/>
+              <a:t>Reichelson</a:t>
+            </a:r>
+            <a:r>
+              <a:rPr lang="en-US" dirty="0"/>
+              <a:t>, Seth. AP Computer Science Principles Premium with 6 Practice Tests (Barron's Test Prep) (p. 92). </a:t>
+            </a:r>
+            <a:r>
+              <a:rPr lang="en-US" dirty="0" err="1"/>
+              <a:t>Barrons</a:t>
+            </a:r>
+            <a:r>
+              <a:rPr lang="en-US" dirty="0"/>
+              <a:t> Educational Series. </a:t>
+            </a:r>
+          </a:p>
+        </p:txBody>
+      </p:sp>
+      <p:sp>
+        <p:nvSpPr>
+          <p:cNvPr id="4" name="Slide Number Placeholder 3">
+            <a:extLst>
+              <a:ext uri="{FF2B5EF4-FFF2-40B4-BE49-F238E27FC236}">
+                <a16:creationId xmlns:a16="http://schemas.microsoft.com/office/drawing/2014/main" id="{75C7B0F0-6928-7047-81B0-E8C50BC3208B}"/>
+              </a:ext>
+            </a:extLst>
+          </p:cNvPr>
+          <p:cNvSpPr>
+            <a:spLocks noGrp="1"/>
+          </p:cNvSpPr>
+          <p:nvPr>
+            <p:ph type="sldNum" sz="quarter" idx="12"/>
+          </p:nvPr>
+        </p:nvSpPr>
+        <p:spPr/>
+        <p:txBody>
+          <a:bodyPr/>
+          <a:lstStyle/>
+          <a:p>
+            <a:fld id="{D57F1E4F-1CFF-5643-939E-02111984F565}" type="slidenum">
+              <a:rPr lang="en-US" smtClean="0"/>
+              <a:t>51</a:t>
+            </a:fld>
+            <a:endParaRPr lang="en-US" dirty="0"/>
+          </a:p>
+        </p:txBody>
+      </p:sp>
+    </p:spTree>
+    <p:extLst>
+      <p:ext uri="{BB962C8B-B14F-4D97-AF65-F5344CB8AC3E}">
+        <p14:creationId xmlns:p14="http://schemas.microsoft.com/office/powerpoint/2010/main" val="1253310971"/>
+      </p:ext>
+    </p:extLst>
+  </p:cSld>
+  <p:clrMapOvr>
+    <a:masterClrMapping/>
+  </p:clrMapOvr>
 </p:sld>
 </file>
 

--- a/courses/apcsp/lect23.pptx
+++ b/courses/apcsp/lect23.pptx
@@ -5,7 +5,7 @@
     <p:sldMasterId id="2147483791" r:id="rId1"/>
   </p:sldMasterIdLst>
   <p:notesMasterIdLst>
-    <p:notesMasterId r:id="rId53"/>
+    <p:notesMasterId r:id="rId54"/>
   </p:notesMasterIdLst>
   <p:sldIdLst>
     <p:sldId id="256" r:id="rId2"/>
@@ -27,38 +27,39 @@
     <p:sldId id="556" r:id="rId18"/>
     <p:sldId id="557" r:id="rId19"/>
     <p:sldId id="558" r:id="rId20"/>
-    <p:sldId id="560" r:id="rId21"/>
-    <p:sldId id="565" r:id="rId22"/>
-    <p:sldId id="561" r:id="rId23"/>
-    <p:sldId id="562" r:id="rId24"/>
-    <p:sldId id="563" r:id="rId25"/>
-    <p:sldId id="564" r:id="rId26"/>
-    <p:sldId id="566" r:id="rId27"/>
-    <p:sldId id="567" r:id="rId28"/>
-    <p:sldId id="568" r:id="rId29"/>
-    <p:sldId id="569" r:id="rId30"/>
-    <p:sldId id="575" r:id="rId31"/>
-    <p:sldId id="576" r:id="rId32"/>
-    <p:sldId id="571" r:id="rId33"/>
-    <p:sldId id="577" r:id="rId34"/>
-    <p:sldId id="578" r:id="rId35"/>
-    <p:sldId id="579" r:id="rId36"/>
-    <p:sldId id="580" r:id="rId37"/>
-    <p:sldId id="581" r:id="rId38"/>
-    <p:sldId id="570" r:id="rId39"/>
-    <p:sldId id="582" r:id="rId40"/>
-    <p:sldId id="583" r:id="rId41"/>
-    <p:sldId id="572" r:id="rId42"/>
-    <p:sldId id="573" r:id="rId43"/>
-    <p:sldId id="584" r:id="rId44"/>
-    <p:sldId id="585" r:id="rId45"/>
-    <p:sldId id="586" r:id="rId46"/>
-    <p:sldId id="574" r:id="rId47"/>
-    <p:sldId id="587" r:id="rId48"/>
-    <p:sldId id="588" r:id="rId49"/>
-    <p:sldId id="589" r:id="rId50"/>
-    <p:sldId id="590" r:id="rId51"/>
-    <p:sldId id="549" r:id="rId52"/>
+    <p:sldId id="591" r:id="rId21"/>
+    <p:sldId id="560" r:id="rId22"/>
+    <p:sldId id="565" r:id="rId23"/>
+    <p:sldId id="561" r:id="rId24"/>
+    <p:sldId id="562" r:id="rId25"/>
+    <p:sldId id="563" r:id="rId26"/>
+    <p:sldId id="564" r:id="rId27"/>
+    <p:sldId id="566" r:id="rId28"/>
+    <p:sldId id="567" r:id="rId29"/>
+    <p:sldId id="568" r:id="rId30"/>
+    <p:sldId id="569" r:id="rId31"/>
+    <p:sldId id="575" r:id="rId32"/>
+    <p:sldId id="576" r:id="rId33"/>
+    <p:sldId id="571" r:id="rId34"/>
+    <p:sldId id="577" r:id="rId35"/>
+    <p:sldId id="578" r:id="rId36"/>
+    <p:sldId id="579" r:id="rId37"/>
+    <p:sldId id="580" r:id="rId38"/>
+    <p:sldId id="581" r:id="rId39"/>
+    <p:sldId id="570" r:id="rId40"/>
+    <p:sldId id="582" r:id="rId41"/>
+    <p:sldId id="583" r:id="rId42"/>
+    <p:sldId id="572" r:id="rId43"/>
+    <p:sldId id="573" r:id="rId44"/>
+    <p:sldId id="584" r:id="rId45"/>
+    <p:sldId id="585" r:id="rId46"/>
+    <p:sldId id="586" r:id="rId47"/>
+    <p:sldId id="574" r:id="rId48"/>
+    <p:sldId id="587" r:id="rId49"/>
+    <p:sldId id="588" r:id="rId50"/>
+    <p:sldId id="589" r:id="rId51"/>
+    <p:sldId id="590" r:id="rId52"/>
+    <p:sldId id="549" r:id="rId53"/>
   </p:sldIdLst>
   <p:sldSz cx="9144000" cy="5715000" type="screen16x10"/>
   <p:notesSz cx="6858000" cy="9144000"/>
@@ -168,7 +169,7 @@
 <file path=ppt/revisionInfo.xml><?xml version="1.0" encoding="utf-8"?>
 <p1510:revInfo xmlns:a="http://schemas.openxmlformats.org/drawingml/2006/main" xmlns:r="http://schemas.openxmlformats.org/officeDocument/2006/relationships" xmlns:p1510="http://schemas.microsoft.com/office/powerpoint/2015/10/main">
   <p1510:revLst>
-    <p1510:client id="{09EBCD6D-3E32-1447-A1AF-87925F52689B}" v="620" dt="2021-05-20T12:39:35.832"/>
+    <p1510:client id="{09EBCD6D-3E32-1447-A1AF-87925F52689B}" v="622" dt="2021-05-20T12:41:20.252"/>
   </p1510:revLst>
 </p1510:revInfo>
 </file>
@@ -3338,7 +3339,7 @@
   <pc:docChgLst>
     <pc:chgData name="Long B Nguyen" userId="f59fb8f3-a021-417a-8bc1-65c8d471c621" providerId="ADAL" clId="{09EBCD6D-3E32-1447-A1AF-87925F52689B}"/>
     <pc:docChg chg="undo custSel addSld delSld modSld">
-      <pc:chgData name="Long B Nguyen" userId="f59fb8f3-a021-417a-8bc1-65c8d471c621" providerId="ADAL" clId="{09EBCD6D-3E32-1447-A1AF-87925F52689B}" dt="2021-05-20T12:39:35.832" v="3715"/>
+      <pc:chgData name="Long B Nguyen" userId="f59fb8f3-a021-417a-8bc1-65c8d471c621" providerId="ADAL" clId="{09EBCD6D-3E32-1447-A1AF-87925F52689B}" dt="2021-05-20T12:41:20.247" v="3791"/>
       <pc:docMkLst>
         <pc:docMk/>
       </pc:docMkLst>
@@ -4989,6 +4990,44 @@
             <pc:docMk/>
             <pc:sldMk cId="3265024698" sldId="590"/>
             <ac:picMk id="6" creationId="{3C48D10D-087B-8E42-8685-A211760E3C45}"/>
+          </ac:picMkLst>
+        </pc:picChg>
+      </pc:sldChg>
+      <pc:sldChg chg="add">
+        <pc:chgData name="Long B Nguyen" userId="f59fb8f3-a021-417a-8bc1-65c8d471c621" providerId="ADAL" clId="{09EBCD6D-3E32-1447-A1AF-87925F52689B}" dt="2021-05-20T12:41:20.247" v="3791"/>
+        <pc:sldMkLst>
+          <pc:docMk/>
+          <pc:sldMk cId="282865059" sldId="591"/>
+        </pc:sldMkLst>
+      </pc:sldChg>
+      <pc:sldChg chg="delSp modSp add del mod">
+        <pc:chgData name="Long B Nguyen" userId="f59fb8f3-a021-417a-8bc1-65c8d471c621" providerId="ADAL" clId="{09EBCD6D-3E32-1447-A1AF-87925F52689B}" dt="2021-05-20T12:41:12.012" v="3790" actId="2696"/>
+        <pc:sldMkLst>
+          <pc:docMk/>
+          <pc:sldMk cId="4112913430" sldId="591"/>
+        </pc:sldMkLst>
+        <pc:spChg chg="mod">
+          <ac:chgData name="Long B Nguyen" userId="f59fb8f3-a021-417a-8bc1-65c8d471c621" providerId="ADAL" clId="{09EBCD6D-3E32-1447-A1AF-87925F52689B}" dt="2021-05-20T12:40:48.337" v="3719" actId="20577"/>
+          <ac:spMkLst>
+            <pc:docMk/>
+            <pc:sldMk cId="4112913430" sldId="591"/>
+            <ac:spMk id="2" creationId="{DFC6737B-C2EF-3F44-90BB-2743686986C3}"/>
+          </ac:spMkLst>
+        </pc:spChg>
+        <pc:spChg chg="mod">
+          <ac:chgData name="Long B Nguyen" userId="f59fb8f3-a021-417a-8bc1-65c8d471c621" providerId="ADAL" clId="{09EBCD6D-3E32-1447-A1AF-87925F52689B}" dt="2021-05-20T12:41:01.952" v="3789" actId="20577"/>
+          <ac:spMkLst>
+            <pc:docMk/>
+            <pc:sldMk cId="4112913430" sldId="591"/>
+            <ac:spMk id="3" creationId="{891D5E54-6C6E-A142-AA4A-FD4D80701797}"/>
+          </ac:spMkLst>
+        </pc:spChg>
+        <pc:picChg chg="del">
+          <ac:chgData name="Long B Nguyen" userId="f59fb8f3-a021-417a-8bc1-65c8d471c621" providerId="ADAL" clId="{09EBCD6D-3E32-1447-A1AF-87925F52689B}" dt="2021-05-20T12:40:46.052" v="3717" actId="478"/>
+          <ac:picMkLst>
+            <pc:docMk/>
+            <pc:sldMk cId="4112913430" sldId="591"/>
+            <ac:picMk id="5" creationId="{85B581F6-849D-7642-BAC8-DF1ECE9A39D6}"/>
           </ac:picMkLst>
         </pc:picChg>
       </pc:sldChg>
@@ -16321,7 +16360,7 @@
           <p:cNvPr id="2" name="Title 1">
             <a:extLst>
               <a:ext uri="{FF2B5EF4-FFF2-40B4-BE49-F238E27FC236}">
-                <a16:creationId xmlns:a16="http://schemas.microsoft.com/office/drawing/2014/main" id="{893AF10F-C12D-6B4A-84C5-206A244BF7C6}"/>
+                <a16:creationId xmlns:a16="http://schemas.microsoft.com/office/drawing/2014/main" id="{DFC6737B-C2EF-3F44-90BB-2743686986C3}"/>
               </a:ext>
             </a:extLst>
           </p:cNvPr>
@@ -16334,8 +16373,8 @@
         </p:nvSpPr>
         <p:spPr>
           <a:xfrm>
-            <a:off x="127205" y="111030"/>
-            <a:ext cx="7886700" cy="841376"/>
+            <a:off x="87876" y="15213"/>
+            <a:ext cx="7886700" cy="1104636"/>
           </a:xfrm>
         </p:spPr>
         <p:txBody>
@@ -16344,7 +16383,7 @@
           <a:p>
             <a:r>
               <a:rPr lang="en-US" dirty="0"/>
-              <a:t>Big Idea 3: Programming and Algorithms</a:t>
+              <a:t>Big Idea 2</a:t>
             </a:r>
           </a:p>
         </p:txBody>
@@ -16354,7 +16393,7 @@
           <p:cNvPr id="3" name="Content Placeholder 2">
             <a:extLst>
               <a:ext uri="{FF2B5EF4-FFF2-40B4-BE49-F238E27FC236}">
-                <a16:creationId xmlns:a16="http://schemas.microsoft.com/office/drawing/2014/main" id="{8EE44610-8AB0-B84C-9003-2B8BA850F328}"/>
+                <a16:creationId xmlns:a16="http://schemas.microsoft.com/office/drawing/2014/main" id="{891D5E54-6C6E-A142-AA4A-FD4D80701797}"/>
               </a:ext>
             </a:extLst>
           </p:cNvPr>
@@ -16365,12 +16404,7 @@
             <p:ph idx="1"/>
           </p:nvPr>
         </p:nvSpPr>
-        <p:spPr>
-          <a:xfrm>
-            <a:off x="196645" y="855406"/>
-            <a:ext cx="8701549" cy="4745824"/>
-          </a:xfrm>
-        </p:spPr>
+        <p:spPr/>
         <p:txBody>
           <a:bodyPr/>
           <a:lstStyle/>
@@ -16378,61 +16412,10 @@
             <a:pPr marL="0" indent="0">
               <a:buNone/>
             </a:pPr>
-            <a:endParaRPr lang="en-US" dirty="0"/>
-          </a:p>
-          <a:p>
-            <a:pPr marL="0" indent="0">
-              <a:buNone/>
-            </a:pPr>
-            <a:endParaRPr lang="en-US" dirty="0"/>
-          </a:p>
-          <a:p>
-            <a:pPr marL="0" indent="0">
-              <a:buNone/>
-            </a:pPr>
             <a:r>
               <a:rPr lang="en-US" dirty="0"/>
-              <a:t>The AP exam will use a language-agnostic syntax for programming and algorithm questions. </a:t>
+              <a:t>We will come back to Big Idea 2: Data next week. </a:t>
             </a:r>
-          </a:p>
-          <a:p>
-            <a:pPr marL="0" indent="0">
-              <a:buNone/>
-            </a:pPr>
-            <a:endParaRPr lang="en-US" dirty="0"/>
-          </a:p>
-          <a:p>
-            <a:pPr marL="0" indent="0">
-              <a:buNone/>
-            </a:pPr>
-            <a:r>
-              <a:rPr lang="en-US" dirty="0"/>
-              <a:t>Please see the following reference sheet(also available during the actual exam) for more details about the syntax.</a:t>
-            </a:r>
-          </a:p>
-          <a:p>
-            <a:pPr marL="0" indent="0">
-              <a:buNone/>
-            </a:pPr>
-            <a:endParaRPr lang="en-US" dirty="0"/>
-          </a:p>
-          <a:p>
-            <a:pPr marL="0" indent="0">
-              <a:buNone/>
-            </a:pPr>
-            <a:r>
-              <a:rPr lang="en-US" dirty="0">
-                <a:hlinkClick r:id="rId2"/>
-              </a:rPr>
-              <a:t>https://apcentral.collegeboard.org/pdf/ap-computer-science-principles-exam-reference-sheet.pdf</a:t>
-            </a:r>
-            <a:endParaRPr lang="en-US" dirty="0"/>
-          </a:p>
-          <a:p>
-            <a:pPr marL="0" indent="0">
-              <a:buNone/>
-            </a:pPr>
-            <a:endParaRPr lang="en-US" dirty="0"/>
           </a:p>
         </p:txBody>
       </p:sp>
@@ -16441,7 +16424,7 @@
           <p:cNvPr id="4" name="Slide Number Placeholder 3">
             <a:extLst>
               <a:ext uri="{FF2B5EF4-FFF2-40B4-BE49-F238E27FC236}">
-                <a16:creationId xmlns:a16="http://schemas.microsoft.com/office/drawing/2014/main" id="{75C7B0F0-6928-7047-81B0-E8C50BC3208B}"/>
+                <a16:creationId xmlns:a16="http://schemas.microsoft.com/office/drawing/2014/main" id="{18A2786D-28FA-B647-BAA2-FF2564358153}"/>
               </a:ext>
             </a:extLst>
           </p:cNvPr>
@@ -16468,7 +16451,7 @@
     </p:spTree>
     <p:extLst>
       <p:ext uri="{BB962C8B-B14F-4D97-AF65-F5344CB8AC3E}">
-        <p14:creationId xmlns:p14="http://schemas.microsoft.com/office/powerpoint/2010/main" val="2939906830"/>
+        <p14:creationId xmlns:p14="http://schemas.microsoft.com/office/powerpoint/2010/main" val="282865059"/>
       </p:ext>
     </p:extLst>
   </p:cSld>
@@ -16557,18 +16540,7 @@
             <a:pPr marL="0" indent="0">
               <a:buNone/>
             </a:pPr>
-            <a:r>
-              <a:rPr lang="en-US" dirty="0"/>
-              <a:t>﻿In computer science, an </a:t>
-            </a:r>
-            <a:r>
-              <a:rPr lang="en-US" b="1" dirty="0"/>
-              <a:t>abstraction</a:t>
-            </a:r>
-            <a:r>
-              <a:rPr lang="en-US" dirty="0"/>
-              <a:t> is a way to represent essential features without including the background details or explanations. Abstractions reduce complexity and allow for efficient design and implementation of complex software systems. </a:t>
-            </a:r>
+            <a:endParaRPr lang="en-US" dirty="0"/>
           </a:p>
           <a:p>
             <a:pPr marL="0" indent="0">
@@ -16582,7 +16554,7 @@
             </a:pPr>
             <a:r>
               <a:rPr lang="en-US" dirty="0"/>
-              <a:t>Abstractions become a necessity as systems become more complex. For example, anytime you check your stories on Instagram, you are using a bunch of processes in the background that you have no control over. </a:t>
+              <a:t>The AP exam will use a language-agnostic syntax for programming and algorithm questions. </a:t>
             </a:r>
           </a:p>
           <a:p>
@@ -16597,7 +16569,7 @@
             </a:pPr>
             <a:r>
               <a:rPr lang="en-US" dirty="0"/>
-              <a:t>Without these abstractions, it would be difficult to send a message to a friend. With the use of abstractions, you can focus on content, not the technical details of how the application works.</a:t>
+              <a:t>Please see the following reference sheet(also available during the actual exam) for more details about the syntax.</a:t>
             </a:r>
           </a:p>
           <a:p>
@@ -16610,42 +16582,12 @@
             <a:pPr marL="0" indent="0">
               <a:buNone/>
             </a:pPr>
-            <a:endParaRPr lang="en-US" dirty="0"/>
-          </a:p>
-          <a:p>
-            <a:pPr marL="0" indent="0">
-              <a:buNone/>
-            </a:pPr>
-            <a:endParaRPr lang="en-US" dirty="0"/>
-          </a:p>
-          <a:p>
-            <a:pPr marL="0" indent="0">
-              <a:buNone/>
-            </a:pPr>
-            <a:endParaRPr lang="en-US" dirty="0"/>
-          </a:p>
-          <a:p>
-            <a:pPr marL="0" indent="0">
-              <a:buNone/>
-            </a:pPr>
-            <a:endParaRPr lang="en-US" dirty="0"/>
-          </a:p>
-          <a:p>
-            <a:pPr marL="0" indent="0">
-              <a:buNone/>
-            </a:pPr>
-            <a:endParaRPr lang="en-US" dirty="0"/>
-          </a:p>
-          <a:p>
-            <a:pPr marL="0" indent="0">
-              <a:buNone/>
-            </a:pPr>
-            <a:endParaRPr lang="en-US" dirty="0"/>
-          </a:p>
-          <a:p>
-            <a:pPr marL="0" indent="0">
-              <a:buNone/>
-            </a:pPr>
+            <a:r>
+              <a:rPr lang="en-US" dirty="0">
+                <a:hlinkClick r:id="rId2"/>
+              </a:rPr>
+              <a:t>https://apcentral.collegeboard.org/pdf/ap-computer-science-principles-exam-reference-sheet.pdf</a:t>
+            </a:r>
             <a:endParaRPr lang="en-US" dirty="0"/>
           </a:p>
           <a:p>
@@ -16680,6 +16622,226 @@
             <a:fld id="{D57F1E4F-1CFF-5643-939E-02111984F565}" type="slidenum">
               <a:rPr lang="en-US" smtClean="0"/>
               <a:t>21</a:t>
+            </a:fld>
+            <a:endParaRPr lang="en-US" dirty="0"/>
+          </a:p>
+        </p:txBody>
+      </p:sp>
+    </p:spTree>
+    <p:extLst>
+      <p:ext uri="{BB962C8B-B14F-4D97-AF65-F5344CB8AC3E}">
+        <p14:creationId xmlns:p14="http://schemas.microsoft.com/office/powerpoint/2010/main" val="2939906830"/>
+      </p:ext>
+    </p:extLst>
+  </p:cSld>
+  <p:clrMapOvr>
+    <a:masterClrMapping/>
+  </p:clrMapOvr>
+</p:sld>
+</file>
+
+<file path=ppt/slides/slide22.xml><?xml version="1.0" encoding="utf-8"?>
+<p:sld xmlns:a="http://schemas.openxmlformats.org/drawingml/2006/main" xmlns:r="http://schemas.openxmlformats.org/officeDocument/2006/relationships" xmlns:p="http://schemas.openxmlformats.org/presentationml/2006/main">
+  <p:cSld>
+    <p:spTree>
+      <p:nvGrpSpPr>
+        <p:cNvPr id="1" name=""/>
+        <p:cNvGrpSpPr/>
+        <p:nvPr/>
+      </p:nvGrpSpPr>
+      <p:grpSpPr>
+        <a:xfrm>
+          <a:off x="0" y="0"/>
+          <a:ext cx="0" cy="0"/>
+          <a:chOff x="0" y="0"/>
+          <a:chExt cx="0" cy="0"/>
+        </a:xfrm>
+      </p:grpSpPr>
+      <p:sp>
+        <p:nvSpPr>
+          <p:cNvPr id="2" name="Title 1">
+            <a:extLst>
+              <a:ext uri="{FF2B5EF4-FFF2-40B4-BE49-F238E27FC236}">
+                <a16:creationId xmlns:a16="http://schemas.microsoft.com/office/drawing/2014/main" id="{893AF10F-C12D-6B4A-84C5-206A244BF7C6}"/>
+              </a:ext>
+            </a:extLst>
+          </p:cNvPr>
+          <p:cNvSpPr>
+            <a:spLocks noGrp="1"/>
+          </p:cNvSpPr>
+          <p:nvPr>
+            <p:ph type="title"/>
+          </p:nvPr>
+        </p:nvSpPr>
+        <p:spPr>
+          <a:xfrm>
+            <a:off x="127205" y="111030"/>
+            <a:ext cx="7886700" cy="841376"/>
+          </a:xfrm>
+        </p:spPr>
+        <p:txBody>
+          <a:bodyPr/>
+          <a:lstStyle/>
+          <a:p>
+            <a:r>
+              <a:rPr lang="en-US" dirty="0"/>
+              <a:t>Big Idea 3: Programming and Algorithms</a:t>
+            </a:r>
+          </a:p>
+        </p:txBody>
+      </p:sp>
+      <p:sp>
+        <p:nvSpPr>
+          <p:cNvPr id="3" name="Content Placeholder 2">
+            <a:extLst>
+              <a:ext uri="{FF2B5EF4-FFF2-40B4-BE49-F238E27FC236}">
+                <a16:creationId xmlns:a16="http://schemas.microsoft.com/office/drawing/2014/main" id="{8EE44610-8AB0-B84C-9003-2B8BA850F328}"/>
+              </a:ext>
+            </a:extLst>
+          </p:cNvPr>
+          <p:cNvSpPr>
+            <a:spLocks noGrp="1"/>
+          </p:cNvSpPr>
+          <p:nvPr>
+            <p:ph idx="1"/>
+          </p:nvPr>
+        </p:nvSpPr>
+        <p:spPr>
+          <a:xfrm>
+            <a:off x="196645" y="855406"/>
+            <a:ext cx="8701549" cy="4745824"/>
+          </a:xfrm>
+        </p:spPr>
+        <p:txBody>
+          <a:bodyPr/>
+          <a:lstStyle/>
+          <a:p>
+            <a:pPr marL="0" indent="0">
+              <a:buNone/>
+            </a:pPr>
+            <a:r>
+              <a:rPr lang="en-US" dirty="0"/>
+              <a:t>﻿In computer science, an </a:t>
+            </a:r>
+            <a:r>
+              <a:rPr lang="en-US" b="1" dirty="0"/>
+              <a:t>abstraction</a:t>
+            </a:r>
+            <a:r>
+              <a:rPr lang="en-US" dirty="0"/>
+              <a:t> is a way to represent essential features without including the background details or explanations. Abstractions reduce complexity and allow for efficient design and implementation of complex software systems. </a:t>
+            </a:r>
+          </a:p>
+          <a:p>
+            <a:pPr marL="0" indent="0">
+              <a:buNone/>
+            </a:pPr>
+            <a:endParaRPr lang="en-US" dirty="0"/>
+          </a:p>
+          <a:p>
+            <a:pPr marL="0" indent="0">
+              <a:buNone/>
+            </a:pPr>
+            <a:r>
+              <a:rPr lang="en-US" dirty="0"/>
+              <a:t>Abstractions become a necessity as systems become more complex. For example, anytime you check your stories on Instagram, you are using a bunch of processes in the background that you have no control over. </a:t>
+            </a:r>
+          </a:p>
+          <a:p>
+            <a:pPr marL="0" indent="0">
+              <a:buNone/>
+            </a:pPr>
+            <a:endParaRPr lang="en-US" dirty="0"/>
+          </a:p>
+          <a:p>
+            <a:pPr marL="0" indent="0">
+              <a:buNone/>
+            </a:pPr>
+            <a:r>
+              <a:rPr lang="en-US" dirty="0"/>
+              <a:t>Without these abstractions, it would be difficult to send a message to a friend. With the use of abstractions, you can focus on content, not the technical details of how the application works.</a:t>
+            </a:r>
+          </a:p>
+          <a:p>
+            <a:pPr marL="0" indent="0">
+              <a:buNone/>
+            </a:pPr>
+            <a:endParaRPr lang="en-US" dirty="0"/>
+          </a:p>
+          <a:p>
+            <a:pPr marL="0" indent="0">
+              <a:buNone/>
+            </a:pPr>
+            <a:endParaRPr lang="en-US" dirty="0"/>
+          </a:p>
+          <a:p>
+            <a:pPr marL="0" indent="0">
+              <a:buNone/>
+            </a:pPr>
+            <a:endParaRPr lang="en-US" dirty="0"/>
+          </a:p>
+          <a:p>
+            <a:pPr marL="0" indent="0">
+              <a:buNone/>
+            </a:pPr>
+            <a:endParaRPr lang="en-US" dirty="0"/>
+          </a:p>
+          <a:p>
+            <a:pPr marL="0" indent="0">
+              <a:buNone/>
+            </a:pPr>
+            <a:endParaRPr lang="en-US" dirty="0"/>
+          </a:p>
+          <a:p>
+            <a:pPr marL="0" indent="0">
+              <a:buNone/>
+            </a:pPr>
+            <a:endParaRPr lang="en-US" dirty="0"/>
+          </a:p>
+          <a:p>
+            <a:pPr marL="0" indent="0">
+              <a:buNone/>
+            </a:pPr>
+            <a:endParaRPr lang="en-US" dirty="0"/>
+          </a:p>
+          <a:p>
+            <a:pPr marL="0" indent="0">
+              <a:buNone/>
+            </a:pPr>
+            <a:endParaRPr lang="en-US" dirty="0"/>
+          </a:p>
+          <a:p>
+            <a:pPr marL="0" indent="0">
+              <a:buNone/>
+            </a:pPr>
+            <a:endParaRPr lang="en-US" dirty="0"/>
+          </a:p>
+        </p:txBody>
+      </p:sp>
+      <p:sp>
+        <p:nvSpPr>
+          <p:cNvPr id="4" name="Slide Number Placeholder 3">
+            <a:extLst>
+              <a:ext uri="{FF2B5EF4-FFF2-40B4-BE49-F238E27FC236}">
+                <a16:creationId xmlns:a16="http://schemas.microsoft.com/office/drawing/2014/main" id="{75C7B0F0-6928-7047-81B0-E8C50BC3208B}"/>
+              </a:ext>
+            </a:extLst>
+          </p:cNvPr>
+          <p:cNvSpPr>
+            <a:spLocks noGrp="1"/>
+          </p:cNvSpPr>
+          <p:nvPr>
+            <p:ph type="sldNum" sz="quarter" idx="12"/>
+          </p:nvPr>
+        </p:nvSpPr>
+        <p:spPr/>
+        <p:txBody>
+          <a:bodyPr/>
+          <a:lstStyle/>
+          <a:p>
+            <a:fld id="{D57F1E4F-1CFF-5643-939E-02111984F565}" type="slidenum">
+              <a:rPr lang="en-US" smtClean="0"/>
+              <a:t>22</a:t>
             </a:fld>
             <a:endParaRPr lang="en-US" dirty="0"/>
           </a:p>
@@ -16826,7 +16988,7 @@
 </p:sld>
 </file>
 
-<file path=ppt/slides/slide22.xml><?xml version="1.0" encoding="utf-8"?>
+<file path=ppt/slides/slide23.xml><?xml version="1.0" encoding="utf-8"?>
 <p:sld xmlns:a="http://schemas.openxmlformats.org/drawingml/2006/main" xmlns:r="http://schemas.openxmlformats.org/officeDocument/2006/relationships" xmlns:p="http://schemas.openxmlformats.org/presentationml/2006/main">
   <p:cSld>
     <p:spTree>
@@ -17016,7 +17178,7 @@
           <a:p>
             <a:fld id="{D57F1E4F-1CFF-5643-939E-02111984F565}" type="slidenum">
               <a:rPr lang="en-US" smtClean="0"/>
-              <a:t>22</a:t>
+              <a:t>23</a:t>
             </a:fld>
             <a:endParaRPr lang="en-US" dirty="0"/>
           </a:p>
@@ -17411,402 +17573,6 @@
 </p:sld>
 </file>
 
-<file path=ppt/slides/slide23.xml><?xml version="1.0" encoding="utf-8"?>
-<p:sld xmlns:a="http://schemas.openxmlformats.org/drawingml/2006/main" xmlns:r="http://schemas.openxmlformats.org/officeDocument/2006/relationships" xmlns:p="http://schemas.openxmlformats.org/presentationml/2006/main">
-  <p:cSld>
-    <p:spTree>
-      <p:nvGrpSpPr>
-        <p:cNvPr id="1" name=""/>
-        <p:cNvGrpSpPr/>
-        <p:nvPr/>
-      </p:nvGrpSpPr>
-      <p:grpSpPr>
-        <a:xfrm>
-          <a:off x="0" y="0"/>
-          <a:ext cx="0" cy="0"/>
-          <a:chOff x="0" y="0"/>
-          <a:chExt cx="0" cy="0"/>
-        </a:xfrm>
-      </p:grpSpPr>
-      <p:sp>
-        <p:nvSpPr>
-          <p:cNvPr id="2" name="Title 1">
-            <a:extLst>
-              <a:ext uri="{FF2B5EF4-FFF2-40B4-BE49-F238E27FC236}">
-                <a16:creationId xmlns:a16="http://schemas.microsoft.com/office/drawing/2014/main" id="{893AF10F-C12D-6B4A-84C5-206A244BF7C6}"/>
-              </a:ext>
-            </a:extLst>
-          </p:cNvPr>
-          <p:cNvSpPr>
-            <a:spLocks noGrp="1"/>
-          </p:cNvSpPr>
-          <p:nvPr>
-            <p:ph type="title"/>
-          </p:nvPr>
-        </p:nvSpPr>
-        <p:spPr>
-          <a:xfrm>
-            <a:off x="0" y="13562"/>
-            <a:ext cx="7886700" cy="841376"/>
-          </a:xfrm>
-        </p:spPr>
-        <p:txBody>
-          <a:bodyPr/>
-          <a:lstStyle/>
-          <a:p>
-            <a:r>
-              <a:rPr lang="en-US" dirty="0"/>
-              <a:t>Big Idea 3: Programming and Algorithms</a:t>
-            </a:r>
-          </a:p>
-        </p:txBody>
-      </p:sp>
-      <p:sp>
-        <p:nvSpPr>
-          <p:cNvPr id="3" name="Content Placeholder 2">
-            <a:extLst>
-              <a:ext uri="{FF2B5EF4-FFF2-40B4-BE49-F238E27FC236}">
-                <a16:creationId xmlns:a16="http://schemas.microsoft.com/office/drawing/2014/main" id="{8EE44610-8AB0-B84C-9003-2B8BA850F328}"/>
-              </a:ext>
-            </a:extLst>
-          </p:cNvPr>
-          <p:cNvSpPr>
-            <a:spLocks noGrp="1"/>
-          </p:cNvSpPr>
-          <p:nvPr>
-            <p:ph idx="1"/>
-          </p:nvPr>
-        </p:nvSpPr>
-        <p:spPr>
-          <a:xfrm>
-            <a:off x="162839" y="713984"/>
-            <a:ext cx="8735356" cy="4887246"/>
-          </a:xfrm>
-        </p:spPr>
-        <p:txBody>
-          <a:bodyPr/>
-          <a:lstStyle/>
-          <a:p>
-            <a:pPr marL="0" indent="0">
-              <a:buNone/>
-            </a:pPr>
-            <a:r>
-              <a:rPr lang="en-US" dirty="0"/>
-              <a:t>﻿Abstractions allow for programmers to use </a:t>
-            </a:r>
-            <a:r>
-              <a:rPr lang="en-US" dirty="0" err="1"/>
-              <a:t>semihuman</a:t>
-            </a:r>
-            <a:r>
-              <a:rPr lang="en-US" dirty="0"/>
-              <a:t> language to program(Python, Java, </a:t>
-            </a:r>
-            <a:r>
-              <a:rPr lang="en-US" dirty="0" err="1"/>
-              <a:t>etc</a:t>
-            </a:r>
-            <a:r>
-              <a:rPr lang="en-US" dirty="0"/>
-              <a:t>…).</a:t>
-            </a:r>
-          </a:p>
-          <a:p>
-            <a:pPr marL="0" indent="0">
-              <a:buNone/>
-            </a:pPr>
-            <a:endParaRPr lang="en-US" b="1" dirty="0"/>
-          </a:p>
-          <a:p>
-            <a:pPr marL="0" indent="0">
-              <a:buNone/>
-            </a:pPr>
-            <a:r>
-              <a:rPr lang="en-US" dirty="0"/>
-              <a:t>﻿Rarely will programmers deal directly in machine code. Machine code is a base language where no abstractions are implemented. Programmers have worked to hide details by using abstractions.</a:t>
-            </a:r>
-          </a:p>
-          <a:p>
-            <a:pPr marL="0" indent="0">
-              <a:buNone/>
-            </a:pPr>
-            <a:endParaRPr lang="en-US" dirty="0"/>
-          </a:p>
-          <a:p>
-            <a:pPr marL="0" indent="0">
-              <a:buNone/>
-            </a:pPr>
-            <a:r>
-              <a:rPr lang="en-US" dirty="0"/>
-              <a:t>﻿Different program languages offer different levels of abstractions. High-level programming languages provide more abstractions than do lower-level languages. </a:t>
-            </a:r>
-          </a:p>
-          <a:p>
-            <a:pPr marL="0" indent="0">
-              <a:buNone/>
-            </a:pPr>
-            <a:endParaRPr lang="en-US" dirty="0"/>
-          </a:p>
-          <a:p>
-            <a:pPr marL="0" indent="0">
-              <a:buNone/>
-            </a:pPr>
-            <a:r>
-              <a:rPr lang="en-US" dirty="0"/>
-              <a:t>Coding in a programming language is often translated into code in another low-level language that the computer can execute.</a:t>
-            </a:r>
-          </a:p>
-          <a:p>
-            <a:pPr marL="0" indent="0">
-              <a:buNone/>
-            </a:pPr>
-            <a:endParaRPr lang="en-US" dirty="0"/>
-          </a:p>
-          <a:p>
-            <a:pPr marL="0" indent="0">
-              <a:buNone/>
-            </a:pPr>
-            <a:endParaRPr lang="en-US" dirty="0"/>
-          </a:p>
-          <a:p>
-            <a:pPr marL="0" indent="0">
-              <a:buNone/>
-            </a:pPr>
-            <a:endParaRPr lang="en-US" dirty="0"/>
-          </a:p>
-          <a:p>
-            <a:pPr marL="0" indent="0">
-              <a:buNone/>
-            </a:pPr>
-            <a:endParaRPr lang="en-US" b="1" dirty="0"/>
-          </a:p>
-          <a:p>
-            <a:pPr marL="0" indent="0">
-              <a:buNone/>
-            </a:pPr>
-            <a:endParaRPr lang="en-US" b="1" dirty="0"/>
-          </a:p>
-        </p:txBody>
-      </p:sp>
-      <p:sp>
-        <p:nvSpPr>
-          <p:cNvPr id="4" name="Slide Number Placeholder 3">
-            <a:extLst>
-              <a:ext uri="{FF2B5EF4-FFF2-40B4-BE49-F238E27FC236}">
-                <a16:creationId xmlns:a16="http://schemas.microsoft.com/office/drawing/2014/main" id="{75C7B0F0-6928-7047-81B0-E8C50BC3208B}"/>
-              </a:ext>
-            </a:extLst>
-          </p:cNvPr>
-          <p:cNvSpPr>
-            <a:spLocks noGrp="1"/>
-          </p:cNvSpPr>
-          <p:nvPr>
-            <p:ph type="sldNum" sz="quarter" idx="12"/>
-          </p:nvPr>
-        </p:nvSpPr>
-        <p:spPr/>
-        <p:txBody>
-          <a:bodyPr/>
-          <a:lstStyle/>
-          <a:p>
-            <a:fld id="{D57F1E4F-1CFF-5643-939E-02111984F565}" type="slidenum">
-              <a:rPr lang="en-US" smtClean="0"/>
-              <a:t>23</a:t>
-            </a:fld>
-            <a:endParaRPr lang="en-US" dirty="0"/>
-          </a:p>
-        </p:txBody>
-      </p:sp>
-    </p:spTree>
-    <p:extLst>
-      <p:ext uri="{BB962C8B-B14F-4D97-AF65-F5344CB8AC3E}">
-        <p14:creationId xmlns:p14="http://schemas.microsoft.com/office/powerpoint/2010/main" val="1250322943"/>
-      </p:ext>
-    </p:extLst>
-  </p:cSld>
-  <p:clrMapOvr>
-    <a:masterClrMapping/>
-  </p:clrMapOvr>
-  <p:timing>
-    <p:tnLst>
-      <p:par>
-        <p:cTn id="1" dur="indefinite" restart="never" nodeType="tmRoot">
-          <p:childTnLst>
-            <p:seq concurrent="1" nextAc="seek">
-              <p:cTn id="2" dur="indefinite" nodeType="mainSeq">
-                <p:childTnLst>
-                  <p:par>
-                    <p:cTn id="3" fill="hold">
-                      <p:stCondLst>
-                        <p:cond delay="indefinite"/>
-                      </p:stCondLst>
-                      <p:childTnLst>
-                        <p:par>
-                          <p:cTn id="4" fill="hold">
-                            <p:stCondLst>
-                              <p:cond delay="0"/>
-                            </p:stCondLst>
-                            <p:childTnLst>
-                              <p:par>
-                                <p:cTn id="5" presetID="1" presetClass="entr" presetSubtype="0" fill="hold" nodeType="clickEffect">
-                                  <p:stCondLst>
-                                    <p:cond delay="0"/>
-                                  </p:stCondLst>
-                                  <p:childTnLst>
-                                    <p:set>
-                                      <p:cBhvr>
-                                        <p:cTn id="6" dur="1" fill="hold">
-                                          <p:stCondLst>
-                                            <p:cond delay="0"/>
-                                          </p:stCondLst>
-                                        </p:cTn>
-                                        <p:tgtEl>
-                                          <p:spTgt spid="3">
-                                            <p:txEl>
-                                              <p:pRg st="2" end="2"/>
-                                            </p:txEl>
-                                          </p:spTgt>
-                                        </p:tgtEl>
-                                        <p:attrNameLst>
-                                          <p:attrName>style.visibility</p:attrName>
-                                        </p:attrNameLst>
-                                      </p:cBhvr>
-                                      <p:to>
-                                        <p:strVal val="visible"/>
-                                      </p:to>
-                                    </p:set>
-                                  </p:childTnLst>
-                                </p:cTn>
-                              </p:par>
-                            </p:childTnLst>
-                          </p:cTn>
-                        </p:par>
-                      </p:childTnLst>
-                    </p:cTn>
-                  </p:par>
-                  <p:par>
-                    <p:cTn id="7" fill="hold">
-                      <p:stCondLst>
-                        <p:cond delay="indefinite"/>
-                      </p:stCondLst>
-                      <p:childTnLst>
-                        <p:par>
-                          <p:cTn id="8" fill="hold">
-                            <p:stCondLst>
-                              <p:cond delay="0"/>
-                            </p:stCondLst>
-                            <p:childTnLst>
-                              <p:par>
-                                <p:cTn id="9" presetID="1" presetClass="entr" presetSubtype="0" fill="hold" nodeType="clickEffect">
-                                  <p:stCondLst>
-                                    <p:cond delay="0"/>
-                                  </p:stCondLst>
-                                  <p:childTnLst>
-                                    <p:set>
-                                      <p:cBhvr>
-                                        <p:cTn id="10" dur="1" fill="hold">
-                                          <p:stCondLst>
-                                            <p:cond delay="0"/>
-                                          </p:stCondLst>
-                                        </p:cTn>
-                                        <p:tgtEl>
-                                          <p:spTgt spid="3">
-                                            <p:txEl>
-                                              <p:pRg st="4" end="4"/>
-                                            </p:txEl>
-                                          </p:spTgt>
-                                        </p:tgtEl>
-                                        <p:attrNameLst>
-                                          <p:attrName>style.visibility</p:attrName>
-                                        </p:attrNameLst>
-                                      </p:cBhvr>
-                                      <p:to>
-                                        <p:strVal val="visible"/>
-                                      </p:to>
-                                    </p:set>
-                                  </p:childTnLst>
-                                </p:cTn>
-                              </p:par>
-                            </p:childTnLst>
-                          </p:cTn>
-                        </p:par>
-                      </p:childTnLst>
-                    </p:cTn>
-                  </p:par>
-                  <p:par>
-                    <p:cTn id="11" fill="hold">
-                      <p:stCondLst>
-                        <p:cond delay="indefinite"/>
-                      </p:stCondLst>
-                      <p:childTnLst>
-                        <p:par>
-                          <p:cTn id="12" fill="hold">
-                            <p:stCondLst>
-                              <p:cond delay="0"/>
-                            </p:stCondLst>
-                            <p:childTnLst>
-                              <p:par>
-                                <p:cTn id="13" presetID="1" presetClass="entr" presetSubtype="0" fill="hold" nodeType="clickEffect">
-                                  <p:stCondLst>
-                                    <p:cond delay="0"/>
-                                  </p:stCondLst>
-                                  <p:childTnLst>
-                                    <p:set>
-                                      <p:cBhvr>
-                                        <p:cTn id="14" dur="1" fill="hold">
-                                          <p:stCondLst>
-                                            <p:cond delay="0"/>
-                                          </p:stCondLst>
-                                        </p:cTn>
-                                        <p:tgtEl>
-                                          <p:spTgt spid="3">
-                                            <p:txEl>
-                                              <p:pRg st="6" end="6"/>
-                                            </p:txEl>
-                                          </p:spTgt>
-                                        </p:tgtEl>
-                                        <p:attrNameLst>
-                                          <p:attrName>style.visibility</p:attrName>
-                                        </p:attrNameLst>
-                                      </p:cBhvr>
-                                      <p:to>
-                                        <p:strVal val="visible"/>
-                                      </p:to>
-                                    </p:set>
-                                  </p:childTnLst>
-                                </p:cTn>
-                              </p:par>
-                            </p:childTnLst>
-                          </p:cTn>
-                        </p:par>
-                      </p:childTnLst>
-                    </p:cTn>
-                  </p:par>
-                </p:childTnLst>
-              </p:cTn>
-              <p:prevCondLst>
-                <p:cond evt="onPrev" delay="0">
-                  <p:tgtEl>
-                    <p:sldTgt/>
-                  </p:tgtEl>
-                </p:cond>
-              </p:prevCondLst>
-              <p:nextCondLst>
-                <p:cond evt="onNext" delay="0">
-                  <p:tgtEl>
-                    <p:sldTgt/>
-                  </p:tgtEl>
-                </p:cond>
-              </p:nextCondLst>
-            </p:seq>
-          </p:childTnLst>
-        </p:cTn>
-      </p:par>
-    </p:tnLst>
-  </p:timing>
-</p:sld>
-</file>
-
 <file path=ppt/slides/slide24.xml><?xml version="1.0" encoding="utf-8"?>
 <p:sld xmlns:a="http://schemas.openxmlformats.org/drawingml/2006/main" xmlns:r="http://schemas.openxmlformats.org/officeDocument/2006/relationships" xmlns:p="http://schemas.openxmlformats.org/presentationml/2006/main">
   <p:cSld>
@@ -17887,15 +17653,31 @@
               <a:buNone/>
             </a:pPr>
             <a:r>
-              <a:rPr lang="en-US" sz="2400" dirty="0"/>
-              <a:t>﻿Abstraction Examples Used on the AP Exam:</a:t>
+              <a:rPr lang="en-US" dirty="0"/>
+              <a:t>﻿Abstractions allow for programmers to use </a:t>
             </a:r>
+            <a:r>
+              <a:rPr lang="en-US" dirty="0" err="1"/>
+              <a:t>semihuman</a:t>
+            </a:r>
+            <a:r>
+              <a:rPr lang="en-US" dirty="0"/>
+              <a:t> language to program(Python, Java, </a:t>
+            </a:r>
+            <a:r>
+              <a:rPr lang="en-US" dirty="0" err="1"/>
+              <a:t>etc</a:t>
+            </a:r>
+            <a:r>
+              <a:rPr lang="en-US" dirty="0"/>
+              <a:t>…).</a:t>
+            </a:r>
           </a:p>
           <a:p>
             <a:pPr marL="0" indent="0">
               <a:buNone/>
             </a:pPr>
-            <a:endParaRPr lang="en-US" dirty="0"/>
+            <a:endParaRPr lang="en-US" b="1" dirty="0"/>
           </a:p>
           <a:p>
             <a:pPr marL="0" indent="0">
@@ -17903,7 +17685,7 @@
             </a:pPr>
             <a:r>
               <a:rPr lang="en-US" dirty="0"/>
-              <a:t>﻿DISPLAY(expression) is an abstraction that is used on your AP exam to display a value of expression followed by a space. The input parameter for the DISPLAY abstraction is expression.</a:t>
+              <a:t>﻿Rarely will programmers deal directly in machine code. Machine code is a base language where no abstractions are implemented. Programmers have worked to hide details by using abstractions.</a:t>
             </a:r>
           </a:p>
           <a:p>
@@ -17918,7 +17700,7 @@
             </a:pPr>
             <a:r>
               <a:rPr lang="en-US" dirty="0"/>
-              <a:t>﻿Another abstraction used on your AP exam is RANDOM(a, b), which evaluates to a random number from a to b inclusive. The input parameters in this abstraction are a and b.</a:t>
+              <a:t>﻿Different program languages offer different levels of abstractions. High-level programming languages provide more abstractions than do lower-level languages. </a:t>
             </a:r>
           </a:p>
           <a:p>
@@ -17933,7 +17715,7 @@
             </a:pPr>
             <a:r>
               <a:rPr lang="en-US" dirty="0"/>
-              <a:t>﻿An abstraction generalizes functionality with input parameters that allow software reuse. Being aware of and using multiple levels of abstractions in developing programs helps to apply available resources and tools more effectively to solve problems.</a:t>
+              <a:t>Coding in a programming language is often translated into code in another low-level language that the computer can execute.</a:t>
             </a:r>
           </a:p>
           <a:p>
@@ -17941,6 +17723,30 @@
               <a:buNone/>
             </a:pPr>
             <a:endParaRPr lang="en-US" dirty="0"/>
+          </a:p>
+          <a:p>
+            <a:pPr marL="0" indent="0">
+              <a:buNone/>
+            </a:pPr>
+            <a:endParaRPr lang="en-US" dirty="0"/>
+          </a:p>
+          <a:p>
+            <a:pPr marL="0" indent="0">
+              <a:buNone/>
+            </a:pPr>
+            <a:endParaRPr lang="en-US" dirty="0"/>
+          </a:p>
+          <a:p>
+            <a:pPr marL="0" indent="0">
+              <a:buNone/>
+            </a:pPr>
+            <a:endParaRPr lang="en-US" b="1" dirty="0"/>
+          </a:p>
+          <a:p>
+            <a:pPr marL="0" indent="0">
+              <a:buNone/>
+            </a:pPr>
+            <a:endParaRPr lang="en-US" b="1" dirty="0"/>
           </a:p>
         </p:txBody>
       </p:sp>
@@ -17976,7 +17782,7 @@
     </p:spTree>
     <p:extLst>
       <p:ext uri="{BB962C8B-B14F-4D97-AF65-F5344CB8AC3E}">
-        <p14:creationId xmlns:p14="http://schemas.microsoft.com/office/powerpoint/2010/main" val="2551255002"/>
+        <p14:creationId xmlns:p14="http://schemas.microsoft.com/office/powerpoint/2010/main" val="1250322943"/>
       </p:ext>
     </p:extLst>
   </p:cSld>
@@ -18185,6 +17991,362 @@
           <p:cNvPr id="2" name="Title 1">
             <a:extLst>
               <a:ext uri="{FF2B5EF4-FFF2-40B4-BE49-F238E27FC236}">
+                <a16:creationId xmlns:a16="http://schemas.microsoft.com/office/drawing/2014/main" id="{893AF10F-C12D-6B4A-84C5-206A244BF7C6}"/>
+              </a:ext>
+            </a:extLst>
+          </p:cNvPr>
+          <p:cNvSpPr>
+            <a:spLocks noGrp="1"/>
+          </p:cNvSpPr>
+          <p:nvPr>
+            <p:ph type="title"/>
+          </p:nvPr>
+        </p:nvSpPr>
+        <p:spPr>
+          <a:xfrm>
+            <a:off x="0" y="13562"/>
+            <a:ext cx="7886700" cy="841376"/>
+          </a:xfrm>
+        </p:spPr>
+        <p:txBody>
+          <a:bodyPr/>
+          <a:lstStyle/>
+          <a:p>
+            <a:r>
+              <a:rPr lang="en-US" dirty="0"/>
+              <a:t>Big Idea 3: Programming and Algorithms</a:t>
+            </a:r>
+          </a:p>
+        </p:txBody>
+      </p:sp>
+      <p:sp>
+        <p:nvSpPr>
+          <p:cNvPr id="3" name="Content Placeholder 2">
+            <a:extLst>
+              <a:ext uri="{FF2B5EF4-FFF2-40B4-BE49-F238E27FC236}">
+                <a16:creationId xmlns:a16="http://schemas.microsoft.com/office/drawing/2014/main" id="{8EE44610-8AB0-B84C-9003-2B8BA850F328}"/>
+              </a:ext>
+            </a:extLst>
+          </p:cNvPr>
+          <p:cNvSpPr>
+            <a:spLocks noGrp="1"/>
+          </p:cNvSpPr>
+          <p:nvPr>
+            <p:ph idx="1"/>
+          </p:nvPr>
+        </p:nvSpPr>
+        <p:spPr>
+          <a:xfrm>
+            <a:off x="162839" y="713984"/>
+            <a:ext cx="8735356" cy="4887246"/>
+          </a:xfrm>
+        </p:spPr>
+        <p:txBody>
+          <a:bodyPr/>
+          <a:lstStyle/>
+          <a:p>
+            <a:pPr marL="0" indent="0">
+              <a:buNone/>
+            </a:pPr>
+            <a:r>
+              <a:rPr lang="en-US" sz="2400" dirty="0"/>
+              <a:t>﻿Abstraction Examples Used on the AP Exam:</a:t>
+            </a:r>
+          </a:p>
+          <a:p>
+            <a:pPr marL="0" indent="0">
+              <a:buNone/>
+            </a:pPr>
+            <a:endParaRPr lang="en-US" dirty="0"/>
+          </a:p>
+          <a:p>
+            <a:pPr marL="0" indent="0">
+              <a:buNone/>
+            </a:pPr>
+            <a:r>
+              <a:rPr lang="en-US" dirty="0"/>
+              <a:t>﻿DISPLAY(expression) is an abstraction that is used on your AP exam to display a value of expression followed by a space. The input parameter for the DISPLAY abstraction is expression.</a:t>
+            </a:r>
+          </a:p>
+          <a:p>
+            <a:pPr marL="0" indent="0">
+              <a:buNone/>
+            </a:pPr>
+            <a:endParaRPr lang="en-US" dirty="0"/>
+          </a:p>
+          <a:p>
+            <a:pPr marL="0" indent="0">
+              <a:buNone/>
+            </a:pPr>
+            <a:r>
+              <a:rPr lang="en-US" dirty="0"/>
+              <a:t>﻿Another abstraction used on your AP exam is RANDOM(a, b), which evaluates to a random number from a to b inclusive. The input parameters in this abstraction are a and b.</a:t>
+            </a:r>
+          </a:p>
+          <a:p>
+            <a:pPr marL="0" indent="0">
+              <a:buNone/>
+            </a:pPr>
+            <a:endParaRPr lang="en-US" dirty="0"/>
+          </a:p>
+          <a:p>
+            <a:pPr marL="0" indent="0">
+              <a:buNone/>
+            </a:pPr>
+            <a:r>
+              <a:rPr lang="en-US" dirty="0"/>
+              <a:t>﻿An abstraction generalizes functionality with input parameters that allow software reuse. Being aware of and using multiple levels of abstractions in developing programs helps to apply available resources and tools more effectively to solve problems.</a:t>
+            </a:r>
+          </a:p>
+          <a:p>
+            <a:pPr marL="0" indent="0">
+              <a:buNone/>
+            </a:pPr>
+            <a:endParaRPr lang="en-US" dirty="0"/>
+          </a:p>
+        </p:txBody>
+      </p:sp>
+      <p:sp>
+        <p:nvSpPr>
+          <p:cNvPr id="4" name="Slide Number Placeholder 3">
+            <a:extLst>
+              <a:ext uri="{FF2B5EF4-FFF2-40B4-BE49-F238E27FC236}">
+                <a16:creationId xmlns:a16="http://schemas.microsoft.com/office/drawing/2014/main" id="{75C7B0F0-6928-7047-81B0-E8C50BC3208B}"/>
+              </a:ext>
+            </a:extLst>
+          </p:cNvPr>
+          <p:cNvSpPr>
+            <a:spLocks noGrp="1"/>
+          </p:cNvSpPr>
+          <p:nvPr>
+            <p:ph type="sldNum" sz="quarter" idx="12"/>
+          </p:nvPr>
+        </p:nvSpPr>
+        <p:spPr/>
+        <p:txBody>
+          <a:bodyPr/>
+          <a:lstStyle/>
+          <a:p>
+            <a:fld id="{D57F1E4F-1CFF-5643-939E-02111984F565}" type="slidenum">
+              <a:rPr lang="en-US" smtClean="0"/>
+              <a:t>25</a:t>
+            </a:fld>
+            <a:endParaRPr lang="en-US" dirty="0"/>
+          </a:p>
+        </p:txBody>
+      </p:sp>
+    </p:spTree>
+    <p:extLst>
+      <p:ext uri="{BB962C8B-B14F-4D97-AF65-F5344CB8AC3E}">
+        <p14:creationId xmlns:p14="http://schemas.microsoft.com/office/powerpoint/2010/main" val="2551255002"/>
+      </p:ext>
+    </p:extLst>
+  </p:cSld>
+  <p:clrMapOvr>
+    <a:masterClrMapping/>
+  </p:clrMapOvr>
+  <p:timing>
+    <p:tnLst>
+      <p:par>
+        <p:cTn id="1" dur="indefinite" restart="never" nodeType="tmRoot">
+          <p:childTnLst>
+            <p:seq concurrent="1" nextAc="seek">
+              <p:cTn id="2" dur="indefinite" nodeType="mainSeq">
+                <p:childTnLst>
+                  <p:par>
+                    <p:cTn id="3" fill="hold">
+                      <p:stCondLst>
+                        <p:cond delay="indefinite"/>
+                      </p:stCondLst>
+                      <p:childTnLst>
+                        <p:par>
+                          <p:cTn id="4" fill="hold">
+                            <p:stCondLst>
+                              <p:cond delay="0"/>
+                            </p:stCondLst>
+                            <p:childTnLst>
+                              <p:par>
+                                <p:cTn id="5" presetID="1" presetClass="entr" presetSubtype="0" fill="hold" nodeType="clickEffect">
+                                  <p:stCondLst>
+                                    <p:cond delay="0"/>
+                                  </p:stCondLst>
+                                  <p:childTnLst>
+                                    <p:set>
+                                      <p:cBhvr>
+                                        <p:cTn id="6" dur="1" fill="hold">
+                                          <p:stCondLst>
+                                            <p:cond delay="0"/>
+                                          </p:stCondLst>
+                                        </p:cTn>
+                                        <p:tgtEl>
+                                          <p:spTgt spid="3">
+                                            <p:txEl>
+                                              <p:pRg st="2" end="2"/>
+                                            </p:txEl>
+                                          </p:spTgt>
+                                        </p:tgtEl>
+                                        <p:attrNameLst>
+                                          <p:attrName>style.visibility</p:attrName>
+                                        </p:attrNameLst>
+                                      </p:cBhvr>
+                                      <p:to>
+                                        <p:strVal val="visible"/>
+                                      </p:to>
+                                    </p:set>
+                                  </p:childTnLst>
+                                </p:cTn>
+                              </p:par>
+                            </p:childTnLst>
+                          </p:cTn>
+                        </p:par>
+                      </p:childTnLst>
+                    </p:cTn>
+                  </p:par>
+                  <p:par>
+                    <p:cTn id="7" fill="hold">
+                      <p:stCondLst>
+                        <p:cond delay="indefinite"/>
+                      </p:stCondLst>
+                      <p:childTnLst>
+                        <p:par>
+                          <p:cTn id="8" fill="hold">
+                            <p:stCondLst>
+                              <p:cond delay="0"/>
+                            </p:stCondLst>
+                            <p:childTnLst>
+                              <p:par>
+                                <p:cTn id="9" presetID="1" presetClass="entr" presetSubtype="0" fill="hold" nodeType="clickEffect">
+                                  <p:stCondLst>
+                                    <p:cond delay="0"/>
+                                  </p:stCondLst>
+                                  <p:childTnLst>
+                                    <p:set>
+                                      <p:cBhvr>
+                                        <p:cTn id="10" dur="1" fill="hold">
+                                          <p:stCondLst>
+                                            <p:cond delay="0"/>
+                                          </p:stCondLst>
+                                        </p:cTn>
+                                        <p:tgtEl>
+                                          <p:spTgt spid="3">
+                                            <p:txEl>
+                                              <p:pRg st="4" end="4"/>
+                                            </p:txEl>
+                                          </p:spTgt>
+                                        </p:tgtEl>
+                                        <p:attrNameLst>
+                                          <p:attrName>style.visibility</p:attrName>
+                                        </p:attrNameLst>
+                                      </p:cBhvr>
+                                      <p:to>
+                                        <p:strVal val="visible"/>
+                                      </p:to>
+                                    </p:set>
+                                  </p:childTnLst>
+                                </p:cTn>
+                              </p:par>
+                            </p:childTnLst>
+                          </p:cTn>
+                        </p:par>
+                      </p:childTnLst>
+                    </p:cTn>
+                  </p:par>
+                  <p:par>
+                    <p:cTn id="11" fill="hold">
+                      <p:stCondLst>
+                        <p:cond delay="indefinite"/>
+                      </p:stCondLst>
+                      <p:childTnLst>
+                        <p:par>
+                          <p:cTn id="12" fill="hold">
+                            <p:stCondLst>
+                              <p:cond delay="0"/>
+                            </p:stCondLst>
+                            <p:childTnLst>
+                              <p:par>
+                                <p:cTn id="13" presetID="1" presetClass="entr" presetSubtype="0" fill="hold" nodeType="clickEffect">
+                                  <p:stCondLst>
+                                    <p:cond delay="0"/>
+                                  </p:stCondLst>
+                                  <p:childTnLst>
+                                    <p:set>
+                                      <p:cBhvr>
+                                        <p:cTn id="14" dur="1" fill="hold">
+                                          <p:stCondLst>
+                                            <p:cond delay="0"/>
+                                          </p:stCondLst>
+                                        </p:cTn>
+                                        <p:tgtEl>
+                                          <p:spTgt spid="3">
+                                            <p:txEl>
+                                              <p:pRg st="6" end="6"/>
+                                            </p:txEl>
+                                          </p:spTgt>
+                                        </p:tgtEl>
+                                        <p:attrNameLst>
+                                          <p:attrName>style.visibility</p:attrName>
+                                        </p:attrNameLst>
+                                      </p:cBhvr>
+                                      <p:to>
+                                        <p:strVal val="visible"/>
+                                      </p:to>
+                                    </p:set>
+                                  </p:childTnLst>
+                                </p:cTn>
+                              </p:par>
+                            </p:childTnLst>
+                          </p:cTn>
+                        </p:par>
+                      </p:childTnLst>
+                    </p:cTn>
+                  </p:par>
+                </p:childTnLst>
+              </p:cTn>
+              <p:prevCondLst>
+                <p:cond evt="onPrev" delay="0">
+                  <p:tgtEl>
+                    <p:sldTgt/>
+                  </p:tgtEl>
+                </p:cond>
+              </p:prevCondLst>
+              <p:nextCondLst>
+                <p:cond evt="onNext" delay="0">
+                  <p:tgtEl>
+                    <p:sldTgt/>
+                  </p:tgtEl>
+                </p:cond>
+              </p:nextCondLst>
+            </p:seq>
+          </p:childTnLst>
+        </p:cTn>
+      </p:par>
+    </p:tnLst>
+  </p:timing>
+</p:sld>
+</file>
+
+<file path=ppt/slides/slide26.xml><?xml version="1.0" encoding="utf-8"?>
+<p:sld xmlns:a="http://schemas.openxmlformats.org/drawingml/2006/main" xmlns:r="http://schemas.openxmlformats.org/officeDocument/2006/relationships" xmlns:p="http://schemas.openxmlformats.org/presentationml/2006/main">
+  <p:cSld>
+    <p:spTree>
+      <p:nvGrpSpPr>
+        <p:cNvPr id="1" name=""/>
+        <p:cNvGrpSpPr/>
+        <p:nvPr/>
+      </p:nvGrpSpPr>
+      <p:grpSpPr>
+        <a:xfrm>
+          <a:off x="0" y="0"/>
+          <a:ext cx="0" cy="0"/>
+          <a:chOff x="0" y="0"/>
+          <a:chExt cx="0" cy="0"/>
+        </a:xfrm>
+      </p:grpSpPr>
+      <p:sp>
+        <p:nvSpPr>
+          <p:cNvPr id="2" name="Title 1">
+            <a:extLst>
+              <a:ext uri="{FF2B5EF4-FFF2-40B4-BE49-F238E27FC236}">
                 <a16:creationId xmlns:a16="http://schemas.microsoft.com/office/drawing/2014/main" id="{BDFCE8CA-1273-5249-8C2C-2E1AF0E6A7AD}"/>
               </a:ext>
             </a:extLst>
@@ -18253,7 +18415,7 @@
           <a:p>
             <a:fld id="{D57F1E4F-1CFF-5643-939E-02111984F565}" type="slidenum">
               <a:rPr lang="en-US" smtClean="0"/>
-              <a:t>25</a:t>
+              <a:t>26</a:t>
             </a:fld>
             <a:endParaRPr lang="en-US" dirty="0"/>
           </a:p>
@@ -18302,7 +18464,7 @@
 </p:sld>
 </file>
 
-<file path=ppt/slides/slide26.xml><?xml version="1.0" encoding="utf-8"?>
+<file path=ppt/slides/slide27.xml><?xml version="1.0" encoding="utf-8"?>
 <p:sld xmlns:a="http://schemas.openxmlformats.org/drawingml/2006/main" xmlns:r="http://schemas.openxmlformats.org/officeDocument/2006/relationships" xmlns:p="http://schemas.openxmlformats.org/presentationml/2006/main">
   <p:cSld>
     <p:spTree>
@@ -18408,7 +18570,7 @@
           <a:p>
             <a:fld id="{D57F1E4F-1CFF-5643-939E-02111984F565}" type="slidenum">
               <a:rPr lang="en-US" smtClean="0"/>
-              <a:t>26</a:t>
+              <a:t>27</a:t>
             </a:fld>
             <a:endParaRPr lang="en-US" dirty="0"/>
           </a:p>
@@ -18712,7 +18874,7 @@
 </p:sld>
 </file>
 
-<file path=ppt/slides/slide27.xml><?xml version="1.0" encoding="utf-8"?>
+<file path=ppt/slides/slide28.xml><?xml version="1.0" encoding="utf-8"?>
 <p:sld xmlns:a="http://schemas.openxmlformats.org/drawingml/2006/main" xmlns:r="http://schemas.openxmlformats.org/officeDocument/2006/relationships" xmlns:p="http://schemas.openxmlformats.org/presentationml/2006/main">
   <p:cSld>
     <p:spTree>
@@ -18818,7 +18980,7 @@
           <a:p>
             <a:fld id="{D57F1E4F-1CFF-5643-939E-02111984F565}" type="slidenum">
               <a:rPr lang="en-US" smtClean="0"/>
-              <a:t>27</a:t>
+              <a:t>28</a:t>
             </a:fld>
             <a:endParaRPr lang="en-US" dirty="0"/>
           </a:p>
@@ -18972,7 +19134,7 @@
 </p:sld>
 </file>
 
-<file path=ppt/slides/slide28.xml><?xml version="1.0" encoding="utf-8"?>
+<file path=ppt/slides/slide29.xml><?xml version="1.0" encoding="utf-8"?>
 <p:sld xmlns:a="http://schemas.openxmlformats.org/drawingml/2006/main" xmlns:r="http://schemas.openxmlformats.org/officeDocument/2006/relationships" xmlns:p="http://schemas.openxmlformats.org/presentationml/2006/main">
   <p:cSld>
     <p:spTree>
@@ -19078,7 +19240,7 @@
           <a:p>
             <a:fld id="{D57F1E4F-1CFF-5643-939E-02111984F565}" type="slidenum">
               <a:rPr lang="en-US" smtClean="0"/>
-              <a:t>28</a:t>
+              <a:t>29</a:t>
             </a:fld>
             <a:endParaRPr lang="en-US" dirty="0"/>
           </a:p>
@@ -19232,7 +19394,171 @@
 </p:sld>
 </file>
 
-<file path=ppt/slides/slide29.xml><?xml version="1.0" encoding="utf-8"?>
+<file path=ppt/slides/slide3.xml><?xml version="1.0" encoding="utf-8"?>
+<p:sld xmlns:a="http://schemas.openxmlformats.org/drawingml/2006/main" xmlns:r="http://schemas.openxmlformats.org/officeDocument/2006/relationships" xmlns:p="http://schemas.openxmlformats.org/presentationml/2006/main">
+  <p:cSld>
+    <p:spTree>
+      <p:nvGrpSpPr>
+        <p:cNvPr id="1" name=""/>
+        <p:cNvGrpSpPr/>
+        <p:nvPr/>
+      </p:nvGrpSpPr>
+      <p:grpSpPr>
+        <a:xfrm>
+          <a:off x="0" y="0"/>
+          <a:ext cx="0" cy="0"/>
+          <a:chOff x="0" y="0"/>
+          <a:chExt cx="0" cy="0"/>
+        </a:xfrm>
+      </p:grpSpPr>
+      <p:sp>
+        <p:nvSpPr>
+          <p:cNvPr id="186370" name="Rectangle 2">
+            <a:extLst>
+              <a:ext uri="{FF2B5EF4-FFF2-40B4-BE49-F238E27FC236}">
+                <a16:creationId xmlns:a16="http://schemas.microsoft.com/office/drawing/2014/main" id="{C5506108-D6E6-9641-98CC-A9DA92AF0478}"/>
+              </a:ext>
+            </a:extLst>
+          </p:cNvPr>
+          <p:cNvSpPr>
+            <a:spLocks noGrp="1" noChangeArrowheads="1"/>
+          </p:cNvSpPr>
+          <p:nvPr>
+            <p:ph type="title"/>
+          </p:nvPr>
+        </p:nvSpPr>
+        <p:spPr>
+          <a:xfrm>
+            <a:off x="133564" y="104519"/>
+            <a:ext cx="7724240" cy="679442"/>
+          </a:xfrm>
+        </p:spPr>
+        <p:txBody>
+          <a:bodyPr/>
+          <a:lstStyle/>
+          <a:p>
+            <a:pPr eaLnBrk="1" hangingPunct="1">
+              <a:defRPr/>
+            </a:pPr>
+            <a:r>
+              <a:rPr lang="en-US" dirty="0">
+                <a:cs typeface="+mj-cs"/>
+              </a:rPr>
+              <a:t>AP Exam</a:t>
+            </a:r>
+            <a:endParaRPr lang="en-US" sz="2333" dirty="0"/>
+          </a:p>
+        </p:txBody>
+      </p:sp>
+      <p:pic>
+        <p:nvPicPr>
+          <p:cNvPr id="3" name="Picture 2">
+            <a:extLst>
+              <a:ext uri="{FF2B5EF4-FFF2-40B4-BE49-F238E27FC236}">
+                <a16:creationId xmlns:a16="http://schemas.microsoft.com/office/drawing/2014/main" id="{CC09CF2C-F8FB-0E46-8140-AB8E9EEBFA5C}"/>
+              </a:ext>
+            </a:extLst>
+          </p:cNvPr>
+          <p:cNvPicPr>
+            <a:picLocks noChangeAspect="1"/>
+          </p:cNvPicPr>
+          <p:nvPr/>
+        </p:nvPicPr>
+        <p:blipFill>
+          <a:blip r:embed="rId2"/>
+          <a:stretch>
+            <a:fillRect/>
+          </a:stretch>
+        </p:blipFill>
+        <p:spPr>
+          <a:xfrm>
+            <a:off x="0" y="824907"/>
+            <a:ext cx="9144000" cy="4065186"/>
+          </a:xfrm>
+          <a:prstGeom prst="rect">
+            <a:avLst/>
+          </a:prstGeom>
+        </p:spPr>
+      </p:pic>
+      <p:sp>
+        <p:nvSpPr>
+          <p:cNvPr id="6146" name="Rectangle 3">
+            <a:extLst>
+              <a:ext uri="{FF2B5EF4-FFF2-40B4-BE49-F238E27FC236}">
+                <a16:creationId xmlns:a16="http://schemas.microsoft.com/office/drawing/2014/main" id="{EAA042DF-FAF2-DA4B-9FB9-A8E93FAB0389}"/>
+              </a:ext>
+            </a:extLst>
+          </p:cNvPr>
+          <p:cNvSpPr>
+            <a:spLocks noGrp="1" noChangeArrowheads="1"/>
+          </p:cNvSpPr>
+          <p:nvPr>
+            <p:ph type="body" idx="1"/>
+          </p:nvPr>
+        </p:nvSpPr>
+        <p:spPr>
+          <a:xfrm>
+            <a:off x="133564" y="783961"/>
+            <a:ext cx="8537825" cy="4931039"/>
+          </a:xfrm>
+        </p:spPr>
+        <p:txBody>
+          <a:bodyPr/>
+          <a:lstStyle/>
+          <a:p>
+            <a:pPr marL="0" indent="0">
+              <a:buNone/>
+            </a:pPr>
+            <a:endParaRPr lang="en-US" altLang="en-US" sz="1833" dirty="0">
+              <a:latin typeface="Courier New" panose="02070309020205020404" pitchFamily="49" charset="0"/>
+              <a:ea typeface="ＭＳ Ｐゴシック" panose="020B0600070205080204" pitchFamily="34" charset="-128"/>
+            </a:endParaRPr>
+          </a:p>
+        </p:txBody>
+      </p:sp>
+      <p:sp>
+        <p:nvSpPr>
+          <p:cNvPr id="2" name="Slide Number Placeholder 1">
+            <a:extLst>
+              <a:ext uri="{FF2B5EF4-FFF2-40B4-BE49-F238E27FC236}">
+                <a16:creationId xmlns:a16="http://schemas.microsoft.com/office/drawing/2014/main" id="{4C64C124-274A-7B49-AF43-41B6CD5BD0DB}"/>
+              </a:ext>
+            </a:extLst>
+          </p:cNvPr>
+          <p:cNvSpPr>
+            <a:spLocks noGrp="1"/>
+          </p:cNvSpPr>
+          <p:nvPr>
+            <p:ph type="sldNum" sz="quarter" idx="12"/>
+          </p:nvPr>
+        </p:nvSpPr>
+        <p:spPr/>
+        <p:txBody>
+          <a:bodyPr/>
+          <a:lstStyle/>
+          <a:p>
+            <a:fld id="{D57F1E4F-1CFF-5643-939E-02111984F565}" type="slidenum">
+              <a:rPr lang="en-US" smtClean="0"/>
+              <a:t>3</a:t>
+            </a:fld>
+            <a:endParaRPr lang="en-US" dirty="0"/>
+          </a:p>
+        </p:txBody>
+      </p:sp>
+    </p:spTree>
+    <p:extLst>
+      <p:ext uri="{BB962C8B-B14F-4D97-AF65-F5344CB8AC3E}">
+        <p14:creationId xmlns:p14="http://schemas.microsoft.com/office/powerpoint/2010/main" val="2617664950"/>
+      </p:ext>
+    </p:extLst>
+  </p:cSld>
+  <p:clrMapOvr>
+    <a:masterClrMapping/>
+  </p:clrMapOvr>
+</p:sld>
+</file>
+
+<file path=ppt/slides/slide30.xml><?xml version="1.0" encoding="utf-8"?>
 <p:sld xmlns:a="http://schemas.openxmlformats.org/drawingml/2006/main" xmlns:r="http://schemas.openxmlformats.org/officeDocument/2006/relationships" xmlns:p="http://schemas.openxmlformats.org/presentationml/2006/main">
   <p:cSld>
     <p:spTree>
@@ -19338,7 +19664,7 @@
           <a:p>
             <a:fld id="{D57F1E4F-1CFF-5643-939E-02111984F565}" type="slidenum">
               <a:rPr lang="en-US" smtClean="0"/>
-              <a:t>29</a:t>
+              <a:t>30</a:t>
             </a:fld>
             <a:endParaRPr lang="en-US" dirty="0"/>
           </a:p>
@@ -19642,171 +19968,7 @@
 </p:sld>
 </file>
 
-<file path=ppt/slides/slide3.xml><?xml version="1.0" encoding="utf-8"?>
-<p:sld xmlns:a="http://schemas.openxmlformats.org/drawingml/2006/main" xmlns:r="http://schemas.openxmlformats.org/officeDocument/2006/relationships" xmlns:p="http://schemas.openxmlformats.org/presentationml/2006/main">
-  <p:cSld>
-    <p:spTree>
-      <p:nvGrpSpPr>
-        <p:cNvPr id="1" name=""/>
-        <p:cNvGrpSpPr/>
-        <p:nvPr/>
-      </p:nvGrpSpPr>
-      <p:grpSpPr>
-        <a:xfrm>
-          <a:off x="0" y="0"/>
-          <a:ext cx="0" cy="0"/>
-          <a:chOff x="0" y="0"/>
-          <a:chExt cx="0" cy="0"/>
-        </a:xfrm>
-      </p:grpSpPr>
-      <p:sp>
-        <p:nvSpPr>
-          <p:cNvPr id="186370" name="Rectangle 2">
-            <a:extLst>
-              <a:ext uri="{FF2B5EF4-FFF2-40B4-BE49-F238E27FC236}">
-                <a16:creationId xmlns:a16="http://schemas.microsoft.com/office/drawing/2014/main" id="{C5506108-D6E6-9641-98CC-A9DA92AF0478}"/>
-              </a:ext>
-            </a:extLst>
-          </p:cNvPr>
-          <p:cNvSpPr>
-            <a:spLocks noGrp="1" noChangeArrowheads="1"/>
-          </p:cNvSpPr>
-          <p:nvPr>
-            <p:ph type="title"/>
-          </p:nvPr>
-        </p:nvSpPr>
-        <p:spPr>
-          <a:xfrm>
-            <a:off x="133564" y="104519"/>
-            <a:ext cx="7724240" cy="679442"/>
-          </a:xfrm>
-        </p:spPr>
-        <p:txBody>
-          <a:bodyPr/>
-          <a:lstStyle/>
-          <a:p>
-            <a:pPr eaLnBrk="1" hangingPunct="1">
-              <a:defRPr/>
-            </a:pPr>
-            <a:r>
-              <a:rPr lang="en-US" dirty="0">
-                <a:cs typeface="+mj-cs"/>
-              </a:rPr>
-              <a:t>AP Exam</a:t>
-            </a:r>
-            <a:endParaRPr lang="en-US" sz="2333" dirty="0"/>
-          </a:p>
-        </p:txBody>
-      </p:sp>
-      <p:pic>
-        <p:nvPicPr>
-          <p:cNvPr id="3" name="Picture 2">
-            <a:extLst>
-              <a:ext uri="{FF2B5EF4-FFF2-40B4-BE49-F238E27FC236}">
-                <a16:creationId xmlns:a16="http://schemas.microsoft.com/office/drawing/2014/main" id="{CC09CF2C-F8FB-0E46-8140-AB8E9EEBFA5C}"/>
-              </a:ext>
-            </a:extLst>
-          </p:cNvPr>
-          <p:cNvPicPr>
-            <a:picLocks noChangeAspect="1"/>
-          </p:cNvPicPr>
-          <p:nvPr/>
-        </p:nvPicPr>
-        <p:blipFill>
-          <a:blip r:embed="rId2"/>
-          <a:stretch>
-            <a:fillRect/>
-          </a:stretch>
-        </p:blipFill>
-        <p:spPr>
-          <a:xfrm>
-            <a:off x="0" y="824907"/>
-            <a:ext cx="9144000" cy="4065186"/>
-          </a:xfrm>
-          <a:prstGeom prst="rect">
-            <a:avLst/>
-          </a:prstGeom>
-        </p:spPr>
-      </p:pic>
-      <p:sp>
-        <p:nvSpPr>
-          <p:cNvPr id="6146" name="Rectangle 3">
-            <a:extLst>
-              <a:ext uri="{FF2B5EF4-FFF2-40B4-BE49-F238E27FC236}">
-                <a16:creationId xmlns:a16="http://schemas.microsoft.com/office/drawing/2014/main" id="{EAA042DF-FAF2-DA4B-9FB9-A8E93FAB0389}"/>
-              </a:ext>
-            </a:extLst>
-          </p:cNvPr>
-          <p:cNvSpPr>
-            <a:spLocks noGrp="1" noChangeArrowheads="1"/>
-          </p:cNvSpPr>
-          <p:nvPr>
-            <p:ph type="body" idx="1"/>
-          </p:nvPr>
-        </p:nvSpPr>
-        <p:spPr>
-          <a:xfrm>
-            <a:off x="133564" y="783961"/>
-            <a:ext cx="8537825" cy="4931039"/>
-          </a:xfrm>
-        </p:spPr>
-        <p:txBody>
-          <a:bodyPr/>
-          <a:lstStyle/>
-          <a:p>
-            <a:pPr marL="0" indent="0">
-              <a:buNone/>
-            </a:pPr>
-            <a:endParaRPr lang="en-US" altLang="en-US" sz="1833" dirty="0">
-              <a:latin typeface="Courier New" panose="02070309020205020404" pitchFamily="49" charset="0"/>
-              <a:ea typeface="ＭＳ Ｐゴシック" panose="020B0600070205080204" pitchFamily="34" charset="-128"/>
-            </a:endParaRPr>
-          </a:p>
-        </p:txBody>
-      </p:sp>
-      <p:sp>
-        <p:nvSpPr>
-          <p:cNvPr id="2" name="Slide Number Placeholder 1">
-            <a:extLst>
-              <a:ext uri="{FF2B5EF4-FFF2-40B4-BE49-F238E27FC236}">
-                <a16:creationId xmlns:a16="http://schemas.microsoft.com/office/drawing/2014/main" id="{4C64C124-274A-7B49-AF43-41B6CD5BD0DB}"/>
-              </a:ext>
-            </a:extLst>
-          </p:cNvPr>
-          <p:cNvSpPr>
-            <a:spLocks noGrp="1"/>
-          </p:cNvSpPr>
-          <p:nvPr>
-            <p:ph type="sldNum" sz="quarter" idx="12"/>
-          </p:nvPr>
-        </p:nvSpPr>
-        <p:spPr/>
-        <p:txBody>
-          <a:bodyPr/>
-          <a:lstStyle/>
-          <a:p>
-            <a:fld id="{D57F1E4F-1CFF-5643-939E-02111984F565}" type="slidenum">
-              <a:rPr lang="en-US" smtClean="0"/>
-              <a:t>3</a:t>
-            </a:fld>
-            <a:endParaRPr lang="en-US" dirty="0"/>
-          </a:p>
-        </p:txBody>
-      </p:sp>
-    </p:spTree>
-    <p:extLst>
-      <p:ext uri="{BB962C8B-B14F-4D97-AF65-F5344CB8AC3E}">
-        <p14:creationId xmlns:p14="http://schemas.microsoft.com/office/powerpoint/2010/main" val="2617664950"/>
-      </p:ext>
-    </p:extLst>
-  </p:cSld>
-  <p:clrMapOvr>
-    <a:masterClrMapping/>
-  </p:clrMapOvr>
-</p:sld>
-</file>
-
-<file path=ppt/slides/slide30.xml><?xml version="1.0" encoding="utf-8"?>
+<file path=ppt/slides/slide31.xml><?xml version="1.0" encoding="utf-8"?>
 <p:sld xmlns:a="http://schemas.openxmlformats.org/drawingml/2006/main" xmlns:r="http://schemas.openxmlformats.org/officeDocument/2006/relationships" xmlns:p="http://schemas.openxmlformats.org/presentationml/2006/main">
   <p:cSld>
     <p:spTree>
@@ -19912,7 +20074,7 @@
           <a:p>
             <a:fld id="{D57F1E4F-1CFF-5643-939E-02111984F565}" type="slidenum">
               <a:rPr lang="en-US" smtClean="0"/>
-              <a:t>30</a:t>
+              <a:t>31</a:t>
             </a:fld>
             <a:endParaRPr lang="en-US" dirty="0"/>
           </a:p>
@@ -20141,7 +20303,7 @@
 </p:sld>
 </file>
 
-<file path=ppt/slides/slide31.xml><?xml version="1.0" encoding="utf-8"?>
+<file path=ppt/slides/slide32.xml><?xml version="1.0" encoding="utf-8"?>
 <p:sld xmlns:a="http://schemas.openxmlformats.org/drawingml/2006/main" xmlns:r="http://schemas.openxmlformats.org/officeDocument/2006/relationships" xmlns:p="http://schemas.openxmlformats.org/presentationml/2006/main">
   <p:cSld>
     <p:spTree>
@@ -20214,7 +20376,7 @@
           <a:p>
             <a:fld id="{D57F1E4F-1CFF-5643-939E-02111984F565}" type="slidenum">
               <a:rPr lang="en-US" smtClean="0"/>
-              <a:t>31</a:t>
+              <a:t>32</a:t>
             </a:fld>
             <a:endParaRPr lang="en-US" dirty="0"/>
           </a:p>
@@ -20518,7 +20680,7 @@
 </p:sld>
 </file>
 
-<file path=ppt/slides/slide32.xml><?xml version="1.0" encoding="utf-8"?>
+<file path=ppt/slides/slide33.xml><?xml version="1.0" encoding="utf-8"?>
 <p:sld xmlns:a="http://schemas.openxmlformats.org/drawingml/2006/main" xmlns:r="http://schemas.openxmlformats.org/officeDocument/2006/relationships" xmlns:p="http://schemas.openxmlformats.org/presentationml/2006/main">
   <p:cSld>
     <p:spTree>
@@ -20616,7 +20778,7 @@
           <a:p>
             <a:fld id="{D57F1E4F-1CFF-5643-939E-02111984F565}" type="slidenum">
               <a:rPr lang="en-US" smtClean="0"/>
-              <a:t>32</a:t>
+              <a:t>33</a:t>
             </a:fld>
             <a:endParaRPr lang="en-US" dirty="0"/>
           </a:p>
@@ -20770,161 +20932,6 @@
 </p:sld>
 </file>
 
-<file path=ppt/slides/slide33.xml><?xml version="1.0" encoding="utf-8"?>
-<p:sld xmlns:a="http://schemas.openxmlformats.org/drawingml/2006/main" xmlns:r="http://schemas.openxmlformats.org/officeDocument/2006/relationships" xmlns:p="http://schemas.openxmlformats.org/presentationml/2006/main">
-  <p:cSld>
-    <p:spTree>
-      <p:nvGrpSpPr>
-        <p:cNvPr id="1" name=""/>
-        <p:cNvGrpSpPr/>
-        <p:nvPr/>
-      </p:nvGrpSpPr>
-      <p:grpSpPr>
-        <a:xfrm>
-          <a:off x="0" y="0"/>
-          <a:ext cx="0" cy="0"/>
-          <a:chOff x="0" y="0"/>
-          <a:chExt cx="0" cy="0"/>
-        </a:xfrm>
-      </p:grpSpPr>
-      <p:sp>
-        <p:nvSpPr>
-          <p:cNvPr id="2" name="Title 1">
-            <a:extLst>
-              <a:ext uri="{FF2B5EF4-FFF2-40B4-BE49-F238E27FC236}">
-                <a16:creationId xmlns:a16="http://schemas.microsoft.com/office/drawing/2014/main" id="{893AF10F-C12D-6B4A-84C5-206A244BF7C6}"/>
-              </a:ext>
-            </a:extLst>
-          </p:cNvPr>
-          <p:cNvSpPr>
-            <a:spLocks noGrp="1"/>
-          </p:cNvSpPr>
-          <p:nvPr>
-            <p:ph type="title"/>
-          </p:nvPr>
-        </p:nvSpPr>
-        <p:spPr>
-          <a:xfrm>
-            <a:off x="0" y="13562"/>
-            <a:ext cx="7886700" cy="841376"/>
-          </a:xfrm>
-        </p:spPr>
-        <p:txBody>
-          <a:bodyPr/>
-          <a:lstStyle/>
-          <a:p>
-            <a:r>
-              <a:rPr lang="en-US" dirty="0"/>
-              <a:t>Big Idea 3: Programming and Algorithms</a:t>
-            </a:r>
-          </a:p>
-        </p:txBody>
-      </p:sp>
-      <p:sp>
-        <p:nvSpPr>
-          <p:cNvPr id="3" name="Content Placeholder 2">
-            <a:extLst>
-              <a:ext uri="{FF2B5EF4-FFF2-40B4-BE49-F238E27FC236}">
-                <a16:creationId xmlns:a16="http://schemas.microsoft.com/office/drawing/2014/main" id="{8EE44610-8AB0-B84C-9003-2B8BA850F328}"/>
-              </a:ext>
-            </a:extLst>
-          </p:cNvPr>
-          <p:cNvSpPr>
-            <a:spLocks noGrp="1"/>
-          </p:cNvSpPr>
-          <p:nvPr>
-            <p:ph idx="1"/>
-          </p:nvPr>
-        </p:nvSpPr>
-        <p:spPr>
-          <a:xfrm>
-            <a:off x="162839" y="713984"/>
-            <a:ext cx="8735356" cy="4887246"/>
-          </a:xfrm>
-        </p:spPr>
-        <p:txBody>
-          <a:bodyPr/>
-          <a:lstStyle/>
-          <a:p>
-            <a:pPr marL="0" indent="0">
-              <a:buNone/>
-            </a:pPr>
-            <a:endParaRPr lang="en-US" dirty="0"/>
-          </a:p>
-        </p:txBody>
-      </p:sp>
-      <p:sp>
-        <p:nvSpPr>
-          <p:cNvPr id="4" name="Slide Number Placeholder 3">
-            <a:extLst>
-              <a:ext uri="{FF2B5EF4-FFF2-40B4-BE49-F238E27FC236}">
-                <a16:creationId xmlns:a16="http://schemas.microsoft.com/office/drawing/2014/main" id="{75C7B0F0-6928-7047-81B0-E8C50BC3208B}"/>
-              </a:ext>
-            </a:extLst>
-          </p:cNvPr>
-          <p:cNvSpPr>
-            <a:spLocks noGrp="1"/>
-          </p:cNvSpPr>
-          <p:nvPr>
-            <p:ph type="sldNum" sz="quarter" idx="12"/>
-          </p:nvPr>
-        </p:nvSpPr>
-        <p:spPr/>
-        <p:txBody>
-          <a:bodyPr/>
-          <a:lstStyle/>
-          <a:p>
-            <a:fld id="{D57F1E4F-1CFF-5643-939E-02111984F565}" type="slidenum">
-              <a:rPr lang="en-US" smtClean="0"/>
-              <a:t>33</a:t>
-            </a:fld>
-            <a:endParaRPr lang="en-US" dirty="0"/>
-          </a:p>
-        </p:txBody>
-      </p:sp>
-      <p:pic>
-        <p:nvPicPr>
-          <p:cNvPr id="5" name="Picture 4">
-            <a:extLst>
-              <a:ext uri="{FF2B5EF4-FFF2-40B4-BE49-F238E27FC236}">
-                <a16:creationId xmlns:a16="http://schemas.microsoft.com/office/drawing/2014/main" id="{5D7C94DA-3A04-FC42-B261-15CC2BAB147B}"/>
-              </a:ext>
-            </a:extLst>
-          </p:cNvPr>
-          <p:cNvPicPr>
-            <a:picLocks noChangeAspect="1"/>
-          </p:cNvPicPr>
-          <p:nvPr/>
-        </p:nvPicPr>
-        <p:blipFill>
-          <a:blip r:embed="rId2"/>
-          <a:stretch>
-            <a:fillRect/>
-          </a:stretch>
-        </p:blipFill>
-        <p:spPr>
-          <a:xfrm>
-            <a:off x="1016000" y="806450"/>
-            <a:ext cx="7112000" cy="4102100"/>
-          </a:xfrm>
-          <a:prstGeom prst="rect">
-            <a:avLst/>
-          </a:prstGeom>
-        </p:spPr>
-      </p:pic>
-    </p:spTree>
-    <p:extLst>
-      <p:ext uri="{BB962C8B-B14F-4D97-AF65-F5344CB8AC3E}">
-        <p14:creationId xmlns:p14="http://schemas.microsoft.com/office/powerpoint/2010/main" val="3749000710"/>
-      </p:ext>
-    </p:extLst>
-  </p:cSld>
-  <p:clrMapOvr>
-    <a:masterClrMapping/>
-  </p:clrMapOvr>
-</p:sld>
-</file>
-
 <file path=ppt/slides/slide34.xml><?xml version="1.0" encoding="utf-8"?>
 <p:sld xmlns:a="http://schemas.openxmlformats.org/drawingml/2006/main" xmlns:r="http://schemas.openxmlformats.org/officeDocument/2006/relationships" xmlns:p="http://schemas.openxmlformats.org/presentationml/2006/main">
   <p:cSld>
@@ -21039,10 +21046,10 @@
       </p:sp>
       <p:pic>
         <p:nvPicPr>
-          <p:cNvPr id="6" name="Picture 5">
+          <p:cNvPr id="5" name="Picture 4">
             <a:extLst>
               <a:ext uri="{FF2B5EF4-FFF2-40B4-BE49-F238E27FC236}">
-                <a16:creationId xmlns:a16="http://schemas.microsoft.com/office/drawing/2014/main" id="{ECFAEC23-90C2-974A-9492-A35922DDBE0A}"/>
+                <a16:creationId xmlns:a16="http://schemas.microsoft.com/office/drawing/2014/main" id="{5D7C94DA-3A04-FC42-B261-15CC2BAB147B}"/>
               </a:ext>
             </a:extLst>
           </p:cNvPr>
@@ -21059,8 +21066,8 @@
         </p:blipFill>
         <p:spPr>
           <a:xfrm>
-            <a:off x="968167" y="878222"/>
-            <a:ext cx="7124700" cy="4254500"/>
+            <a:off x="1016000" y="806450"/>
+            <a:ext cx="7112000" cy="4102100"/>
           </a:xfrm>
           <a:prstGeom prst="rect">
             <a:avLst/>
@@ -21070,7 +21077,7 @@
     </p:spTree>
     <p:extLst>
       <p:ext uri="{BB962C8B-B14F-4D97-AF65-F5344CB8AC3E}">
-        <p14:creationId xmlns:p14="http://schemas.microsoft.com/office/powerpoint/2010/main" val="754790522"/>
+        <p14:creationId xmlns:p14="http://schemas.microsoft.com/office/powerpoint/2010/main" val="3749000710"/>
       </p:ext>
     </p:extLst>
   </p:cSld>
@@ -21123,7 +21130,10 @@
           <a:bodyPr/>
           <a:lstStyle/>
           <a:p>
-            <a:endParaRPr lang="en-US" dirty="0"/>
+            <a:r>
+              <a:rPr lang="en-US" dirty="0"/>
+              <a:t>Big Idea 3: Programming and Algorithms</a:t>
+            </a:r>
           </a:p>
         </p:txBody>
       </p:sp>
@@ -21184,6 +21194,158 @@
             <a:fld id="{D57F1E4F-1CFF-5643-939E-02111984F565}" type="slidenum">
               <a:rPr lang="en-US" smtClean="0"/>
               <a:t>35</a:t>
+            </a:fld>
+            <a:endParaRPr lang="en-US" dirty="0"/>
+          </a:p>
+        </p:txBody>
+      </p:sp>
+      <p:pic>
+        <p:nvPicPr>
+          <p:cNvPr id="6" name="Picture 5">
+            <a:extLst>
+              <a:ext uri="{FF2B5EF4-FFF2-40B4-BE49-F238E27FC236}">
+                <a16:creationId xmlns:a16="http://schemas.microsoft.com/office/drawing/2014/main" id="{ECFAEC23-90C2-974A-9492-A35922DDBE0A}"/>
+              </a:ext>
+            </a:extLst>
+          </p:cNvPr>
+          <p:cNvPicPr>
+            <a:picLocks noChangeAspect="1"/>
+          </p:cNvPicPr>
+          <p:nvPr/>
+        </p:nvPicPr>
+        <p:blipFill>
+          <a:blip r:embed="rId2"/>
+          <a:stretch>
+            <a:fillRect/>
+          </a:stretch>
+        </p:blipFill>
+        <p:spPr>
+          <a:xfrm>
+            <a:off x="968167" y="878222"/>
+            <a:ext cx="7124700" cy="4254500"/>
+          </a:xfrm>
+          <a:prstGeom prst="rect">
+            <a:avLst/>
+          </a:prstGeom>
+        </p:spPr>
+      </p:pic>
+    </p:spTree>
+    <p:extLst>
+      <p:ext uri="{BB962C8B-B14F-4D97-AF65-F5344CB8AC3E}">
+        <p14:creationId xmlns:p14="http://schemas.microsoft.com/office/powerpoint/2010/main" val="754790522"/>
+      </p:ext>
+    </p:extLst>
+  </p:cSld>
+  <p:clrMapOvr>
+    <a:masterClrMapping/>
+  </p:clrMapOvr>
+</p:sld>
+</file>
+
+<file path=ppt/slides/slide36.xml><?xml version="1.0" encoding="utf-8"?>
+<p:sld xmlns:a="http://schemas.openxmlformats.org/drawingml/2006/main" xmlns:r="http://schemas.openxmlformats.org/officeDocument/2006/relationships" xmlns:p="http://schemas.openxmlformats.org/presentationml/2006/main">
+  <p:cSld>
+    <p:spTree>
+      <p:nvGrpSpPr>
+        <p:cNvPr id="1" name=""/>
+        <p:cNvGrpSpPr/>
+        <p:nvPr/>
+      </p:nvGrpSpPr>
+      <p:grpSpPr>
+        <a:xfrm>
+          <a:off x="0" y="0"/>
+          <a:ext cx="0" cy="0"/>
+          <a:chOff x="0" y="0"/>
+          <a:chExt cx="0" cy="0"/>
+        </a:xfrm>
+      </p:grpSpPr>
+      <p:sp>
+        <p:nvSpPr>
+          <p:cNvPr id="2" name="Title 1">
+            <a:extLst>
+              <a:ext uri="{FF2B5EF4-FFF2-40B4-BE49-F238E27FC236}">
+                <a16:creationId xmlns:a16="http://schemas.microsoft.com/office/drawing/2014/main" id="{893AF10F-C12D-6B4A-84C5-206A244BF7C6}"/>
+              </a:ext>
+            </a:extLst>
+          </p:cNvPr>
+          <p:cNvSpPr>
+            <a:spLocks noGrp="1"/>
+          </p:cNvSpPr>
+          <p:nvPr>
+            <p:ph type="title"/>
+          </p:nvPr>
+        </p:nvSpPr>
+        <p:spPr>
+          <a:xfrm>
+            <a:off x="0" y="13562"/>
+            <a:ext cx="7886700" cy="841376"/>
+          </a:xfrm>
+        </p:spPr>
+        <p:txBody>
+          <a:bodyPr/>
+          <a:lstStyle/>
+          <a:p>
+            <a:endParaRPr lang="en-US" dirty="0"/>
+          </a:p>
+        </p:txBody>
+      </p:sp>
+      <p:sp>
+        <p:nvSpPr>
+          <p:cNvPr id="3" name="Content Placeholder 2">
+            <a:extLst>
+              <a:ext uri="{FF2B5EF4-FFF2-40B4-BE49-F238E27FC236}">
+                <a16:creationId xmlns:a16="http://schemas.microsoft.com/office/drawing/2014/main" id="{8EE44610-8AB0-B84C-9003-2B8BA850F328}"/>
+              </a:ext>
+            </a:extLst>
+          </p:cNvPr>
+          <p:cNvSpPr>
+            <a:spLocks noGrp="1"/>
+          </p:cNvSpPr>
+          <p:nvPr>
+            <p:ph idx="1"/>
+          </p:nvPr>
+        </p:nvSpPr>
+        <p:spPr>
+          <a:xfrm>
+            <a:off x="162839" y="713984"/>
+            <a:ext cx="8735356" cy="4887246"/>
+          </a:xfrm>
+        </p:spPr>
+        <p:txBody>
+          <a:bodyPr/>
+          <a:lstStyle/>
+          <a:p>
+            <a:pPr marL="0" indent="0">
+              <a:buNone/>
+            </a:pPr>
+            <a:endParaRPr lang="en-US" dirty="0"/>
+          </a:p>
+        </p:txBody>
+      </p:sp>
+      <p:sp>
+        <p:nvSpPr>
+          <p:cNvPr id="4" name="Slide Number Placeholder 3">
+            <a:extLst>
+              <a:ext uri="{FF2B5EF4-FFF2-40B4-BE49-F238E27FC236}">
+                <a16:creationId xmlns:a16="http://schemas.microsoft.com/office/drawing/2014/main" id="{75C7B0F0-6928-7047-81B0-E8C50BC3208B}"/>
+              </a:ext>
+            </a:extLst>
+          </p:cNvPr>
+          <p:cNvSpPr>
+            <a:spLocks noGrp="1"/>
+          </p:cNvSpPr>
+          <p:nvPr>
+            <p:ph type="sldNum" sz="quarter" idx="12"/>
+          </p:nvPr>
+        </p:nvSpPr>
+        <p:spPr/>
+        <p:txBody>
+          <a:bodyPr/>
+          <a:lstStyle/>
+          <a:p>
+            <a:fld id="{D57F1E4F-1CFF-5643-939E-02111984F565}" type="slidenum">
+              <a:rPr lang="en-US" smtClean="0"/>
+              <a:t>36</a:t>
             </a:fld>
             <a:endParaRPr lang="en-US" dirty="0"/>
           </a:p>
@@ -21232,7 +21394,7 @@
 </p:sld>
 </file>
 
-<file path=ppt/slides/slide36.xml><?xml version="1.0" encoding="utf-8"?>
+<file path=ppt/slides/slide37.xml><?xml version="1.0" encoding="utf-8"?>
 <p:sld xmlns:a="http://schemas.openxmlformats.org/drawingml/2006/main" xmlns:r="http://schemas.openxmlformats.org/officeDocument/2006/relationships" xmlns:p="http://schemas.openxmlformats.org/presentationml/2006/main">
   <p:cSld>
     <p:spTree>
@@ -21322,7 +21484,7 @@
           <a:p>
             <a:fld id="{D57F1E4F-1CFF-5643-939E-02111984F565}" type="slidenum">
               <a:rPr lang="en-US" smtClean="0"/>
-              <a:t>36</a:t>
+              <a:t>37</a:t>
             </a:fld>
             <a:endParaRPr lang="en-US" dirty="0"/>
           </a:p>
@@ -21371,7 +21533,7 @@
 </p:sld>
 </file>
 
-<file path=ppt/slides/slide37.xml><?xml version="1.0" encoding="utf-8"?>
+<file path=ppt/slides/slide38.xml><?xml version="1.0" encoding="utf-8"?>
 <p:sld xmlns:a="http://schemas.openxmlformats.org/drawingml/2006/main" xmlns:r="http://schemas.openxmlformats.org/officeDocument/2006/relationships" xmlns:p="http://schemas.openxmlformats.org/presentationml/2006/main">
   <p:cSld>
     <p:spTree>
@@ -21500,7 +21662,7 @@
           <a:p>
             <a:fld id="{D57F1E4F-1CFF-5643-939E-02111984F565}" type="slidenum">
               <a:rPr lang="en-US" smtClean="0"/>
-              <a:t>37</a:t>
+              <a:t>38</a:t>
             </a:fld>
             <a:endParaRPr lang="en-US" dirty="0"/>
           </a:p>
@@ -21658,7 +21820,7 @@
 </p:sld>
 </file>
 
-<file path=ppt/slides/slide38.xml><?xml version="1.0" encoding="utf-8"?>
+<file path=ppt/slides/slide39.xml><?xml version="1.0" encoding="utf-8"?>
 <p:sld xmlns:a="http://schemas.openxmlformats.org/drawingml/2006/main" xmlns:r="http://schemas.openxmlformats.org/officeDocument/2006/relationships" xmlns:p="http://schemas.openxmlformats.org/presentationml/2006/main">
   <p:cSld>
     <p:spTree>
@@ -21823,7 +21985,7 @@
           <a:p>
             <a:fld id="{D57F1E4F-1CFF-5643-939E-02111984F565}" type="slidenum">
               <a:rPr lang="en-US" smtClean="0"/>
-              <a:t>38</a:t>
+              <a:t>39</a:t>
             </a:fld>
             <a:endParaRPr lang="en-US" dirty="0"/>
           </a:p>
@@ -22011,7 +22173,186 @@
 </p:sld>
 </file>
 
-<file path=ppt/slides/slide39.xml><?xml version="1.0" encoding="utf-8"?>
+<file path=ppt/slides/slide4.xml><?xml version="1.0" encoding="utf-8"?>
+<p:sld xmlns:a="http://schemas.openxmlformats.org/drawingml/2006/main" xmlns:r="http://schemas.openxmlformats.org/officeDocument/2006/relationships" xmlns:p="http://schemas.openxmlformats.org/presentationml/2006/main">
+  <p:cSld>
+    <p:spTree>
+      <p:nvGrpSpPr>
+        <p:cNvPr id="1" name=""/>
+        <p:cNvGrpSpPr/>
+        <p:nvPr/>
+      </p:nvGrpSpPr>
+      <p:grpSpPr>
+        <a:xfrm>
+          <a:off x="0" y="0"/>
+          <a:ext cx="0" cy="0"/>
+          <a:chOff x="0" y="0"/>
+          <a:chExt cx="0" cy="0"/>
+        </a:xfrm>
+      </p:grpSpPr>
+      <p:sp>
+        <p:nvSpPr>
+          <p:cNvPr id="2" name="Title 1">
+            <a:extLst>
+              <a:ext uri="{FF2B5EF4-FFF2-40B4-BE49-F238E27FC236}">
+                <a16:creationId xmlns:a16="http://schemas.microsoft.com/office/drawing/2014/main" id="{F9B45207-3758-EE4E-AE72-A18C7DCF880E}"/>
+              </a:ext>
+            </a:extLst>
+          </p:cNvPr>
+          <p:cNvSpPr>
+            <a:spLocks noGrp="1"/>
+          </p:cNvSpPr>
+          <p:nvPr>
+            <p:ph type="title"/>
+          </p:nvPr>
+        </p:nvSpPr>
+        <p:spPr>
+          <a:xfrm>
+            <a:off x="245192" y="236703"/>
+            <a:ext cx="7886700" cy="661655"/>
+          </a:xfrm>
+        </p:spPr>
+        <p:txBody>
+          <a:bodyPr/>
+          <a:lstStyle/>
+          <a:p>
+            <a:r>
+              <a:rPr lang="en-US" dirty="0"/>
+              <a:t>Topics</a:t>
+            </a:r>
+          </a:p>
+        </p:txBody>
+      </p:sp>
+      <p:sp>
+        <p:nvSpPr>
+          <p:cNvPr id="3" name="Content Placeholder 2">
+            <a:extLst>
+              <a:ext uri="{FF2B5EF4-FFF2-40B4-BE49-F238E27FC236}">
+                <a16:creationId xmlns:a16="http://schemas.microsoft.com/office/drawing/2014/main" id="{93A17F48-4F51-5547-A8A8-BEB6B1341C84}"/>
+              </a:ext>
+            </a:extLst>
+          </p:cNvPr>
+          <p:cNvSpPr>
+            <a:spLocks noGrp="1"/>
+          </p:cNvSpPr>
+          <p:nvPr>
+            <p:ph idx="1"/>
+          </p:nvPr>
+        </p:nvSpPr>
+        <p:spPr>
+          <a:xfrm>
+            <a:off x="245192" y="1052052"/>
+            <a:ext cx="8898808" cy="4426245"/>
+          </a:xfrm>
+        </p:spPr>
+        <p:txBody>
+          <a:bodyPr/>
+          <a:lstStyle/>
+          <a:p>
+            <a:pPr marL="0" indent="0">
+              <a:buNone/>
+            </a:pPr>
+            <a:r>
+              <a:rPr lang="en-US" dirty="0"/>
+              <a:t>The AP Multiple Choice end-of-year covers 5 Big Ideas:</a:t>
+            </a:r>
+          </a:p>
+          <a:p>
+            <a:pPr marL="0" indent="0">
+              <a:buNone/>
+            </a:pPr>
+            <a:endParaRPr lang="en-US" dirty="0"/>
+          </a:p>
+          <a:p>
+            <a:pPr marL="457200" indent="-457200">
+              <a:buAutoNum type="arabicParenR"/>
+            </a:pPr>
+            <a:r>
+              <a:rPr lang="en-US" dirty="0"/>
+              <a:t>Creative Development(10%-13%)</a:t>
+            </a:r>
+          </a:p>
+          <a:p>
+            <a:pPr marL="457200" indent="-457200">
+              <a:buAutoNum type="arabicParenR"/>
+            </a:pPr>
+            <a:r>
+              <a:rPr lang="en-US" dirty="0"/>
+              <a:t>Data(17%-22%)</a:t>
+            </a:r>
+          </a:p>
+          <a:p>
+            <a:pPr marL="457200" indent="-457200">
+              <a:buAutoNum type="arabicParenR"/>
+            </a:pPr>
+            <a:r>
+              <a:rPr lang="en-US" dirty="0"/>
+              <a:t>Algorithms and Programming(30%-35%)</a:t>
+            </a:r>
+          </a:p>
+          <a:p>
+            <a:pPr marL="457200" indent="-457200">
+              <a:buAutoNum type="arabicParenR"/>
+            </a:pPr>
+            <a:r>
+              <a:rPr lang="en-US" dirty="0"/>
+              <a:t>Computer Systems and Networks(11%-15%)</a:t>
+            </a:r>
+          </a:p>
+          <a:p>
+            <a:pPr marL="457200" indent="-457200">
+              <a:buAutoNum type="arabicParenR"/>
+            </a:pPr>
+            <a:r>
+              <a:rPr lang="en-US" dirty="0"/>
+              <a:t>Impact of Computing(21%-26%)</a:t>
+            </a:r>
+          </a:p>
+        </p:txBody>
+      </p:sp>
+      <p:sp>
+        <p:nvSpPr>
+          <p:cNvPr id="4" name="Slide Number Placeholder 3">
+            <a:extLst>
+              <a:ext uri="{FF2B5EF4-FFF2-40B4-BE49-F238E27FC236}">
+                <a16:creationId xmlns:a16="http://schemas.microsoft.com/office/drawing/2014/main" id="{ED961A3A-B3B8-A64A-9FCD-D5EE299F137A}"/>
+              </a:ext>
+            </a:extLst>
+          </p:cNvPr>
+          <p:cNvSpPr>
+            <a:spLocks noGrp="1"/>
+          </p:cNvSpPr>
+          <p:nvPr>
+            <p:ph type="sldNum" sz="quarter" idx="12"/>
+          </p:nvPr>
+        </p:nvSpPr>
+        <p:spPr/>
+        <p:txBody>
+          <a:bodyPr/>
+          <a:lstStyle/>
+          <a:p>
+            <a:fld id="{D57F1E4F-1CFF-5643-939E-02111984F565}" type="slidenum">
+              <a:rPr lang="en-US" smtClean="0"/>
+              <a:t>4</a:t>
+            </a:fld>
+            <a:endParaRPr lang="en-US" dirty="0"/>
+          </a:p>
+        </p:txBody>
+      </p:sp>
+    </p:spTree>
+    <p:extLst>
+      <p:ext uri="{BB962C8B-B14F-4D97-AF65-F5344CB8AC3E}">
+        <p14:creationId xmlns:p14="http://schemas.microsoft.com/office/powerpoint/2010/main" val="805492927"/>
+      </p:ext>
+    </p:extLst>
+  </p:cSld>
+  <p:clrMapOvr>
+    <a:masterClrMapping/>
+  </p:clrMapOvr>
+</p:sld>
+</file>
+
+<file path=ppt/slides/slide40.xml><?xml version="1.0" encoding="utf-8"?>
 <p:sld xmlns:a="http://schemas.openxmlformats.org/drawingml/2006/main" xmlns:r="http://schemas.openxmlformats.org/officeDocument/2006/relationships" xmlns:p="http://schemas.openxmlformats.org/presentationml/2006/main">
   <p:cSld>
     <p:spTree>
@@ -22181,7 +22522,7 @@
           <a:p>
             <a:fld id="{D57F1E4F-1CFF-5643-939E-02111984F565}" type="slidenum">
               <a:rPr lang="en-US" smtClean="0"/>
-              <a:t>39</a:t>
+              <a:t>40</a:t>
             </a:fld>
             <a:endParaRPr lang="en-US" dirty="0"/>
           </a:p>
@@ -22369,186 +22710,7 @@
 </p:sld>
 </file>
 
-<file path=ppt/slides/slide4.xml><?xml version="1.0" encoding="utf-8"?>
-<p:sld xmlns:a="http://schemas.openxmlformats.org/drawingml/2006/main" xmlns:r="http://schemas.openxmlformats.org/officeDocument/2006/relationships" xmlns:p="http://schemas.openxmlformats.org/presentationml/2006/main">
-  <p:cSld>
-    <p:spTree>
-      <p:nvGrpSpPr>
-        <p:cNvPr id="1" name=""/>
-        <p:cNvGrpSpPr/>
-        <p:nvPr/>
-      </p:nvGrpSpPr>
-      <p:grpSpPr>
-        <a:xfrm>
-          <a:off x="0" y="0"/>
-          <a:ext cx="0" cy="0"/>
-          <a:chOff x="0" y="0"/>
-          <a:chExt cx="0" cy="0"/>
-        </a:xfrm>
-      </p:grpSpPr>
-      <p:sp>
-        <p:nvSpPr>
-          <p:cNvPr id="2" name="Title 1">
-            <a:extLst>
-              <a:ext uri="{FF2B5EF4-FFF2-40B4-BE49-F238E27FC236}">
-                <a16:creationId xmlns:a16="http://schemas.microsoft.com/office/drawing/2014/main" id="{F9B45207-3758-EE4E-AE72-A18C7DCF880E}"/>
-              </a:ext>
-            </a:extLst>
-          </p:cNvPr>
-          <p:cNvSpPr>
-            <a:spLocks noGrp="1"/>
-          </p:cNvSpPr>
-          <p:nvPr>
-            <p:ph type="title"/>
-          </p:nvPr>
-        </p:nvSpPr>
-        <p:spPr>
-          <a:xfrm>
-            <a:off x="245192" y="236703"/>
-            <a:ext cx="7886700" cy="661655"/>
-          </a:xfrm>
-        </p:spPr>
-        <p:txBody>
-          <a:bodyPr/>
-          <a:lstStyle/>
-          <a:p>
-            <a:r>
-              <a:rPr lang="en-US" dirty="0"/>
-              <a:t>Topics</a:t>
-            </a:r>
-          </a:p>
-        </p:txBody>
-      </p:sp>
-      <p:sp>
-        <p:nvSpPr>
-          <p:cNvPr id="3" name="Content Placeholder 2">
-            <a:extLst>
-              <a:ext uri="{FF2B5EF4-FFF2-40B4-BE49-F238E27FC236}">
-                <a16:creationId xmlns:a16="http://schemas.microsoft.com/office/drawing/2014/main" id="{93A17F48-4F51-5547-A8A8-BEB6B1341C84}"/>
-              </a:ext>
-            </a:extLst>
-          </p:cNvPr>
-          <p:cNvSpPr>
-            <a:spLocks noGrp="1"/>
-          </p:cNvSpPr>
-          <p:nvPr>
-            <p:ph idx="1"/>
-          </p:nvPr>
-        </p:nvSpPr>
-        <p:spPr>
-          <a:xfrm>
-            <a:off x="245192" y="1052052"/>
-            <a:ext cx="8898808" cy="4426245"/>
-          </a:xfrm>
-        </p:spPr>
-        <p:txBody>
-          <a:bodyPr/>
-          <a:lstStyle/>
-          <a:p>
-            <a:pPr marL="0" indent="0">
-              <a:buNone/>
-            </a:pPr>
-            <a:r>
-              <a:rPr lang="en-US" dirty="0"/>
-              <a:t>The AP Multiple Choice end-of-year covers 5 Big Ideas:</a:t>
-            </a:r>
-          </a:p>
-          <a:p>
-            <a:pPr marL="0" indent="0">
-              <a:buNone/>
-            </a:pPr>
-            <a:endParaRPr lang="en-US" dirty="0"/>
-          </a:p>
-          <a:p>
-            <a:pPr marL="457200" indent="-457200">
-              <a:buAutoNum type="arabicParenR"/>
-            </a:pPr>
-            <a:r>
-              <a:rPr lang="en-US" dirty="0"/>
-              <a:t>Creative Development(10%-13%)</a:t>
-            </a:r>
-          </a:p>
-          <a:p>
-            <a:pPr marL="457200" indent="-457200">
-              <a:buAutoNum type="arabicParenR"/>
-            </a:pPr>
-            <a:r>
-              <a:rPr lang="en-US" dirty="0"/>
-              <a:t>Data(17%-22%)</a:t>
-            </a:r>
-          </a:p>
-          <a:p>
-            <a:pPr marL="457200" indent="-457200">
-              <a:buAutoNum type="arabicParenR"/>
-            </a:pPr>
-            <a:r>
-              <a:rPr lang="en-US" dirty="0"/>
-              <a:t>Algorithms and Programming(30%-35%)</a:t>
-            </a:r>
-          </a:p>
-          <a:p>
-            <a:pPr marL="457200" indent="-457200">
-              <a:buAutoNum type="arabicParenR"/>
-            </a:pPr>
-            <a:r>
-              <a:rPr lang="en-US" dirty="0"/>
-              <a:t>Computer Systems and Networks(11%-15%)</a:t>
-            </a:r>
-          </a:p>
-          <a:p>
-            <a:pPr marL="457200" indent="-457200">
-              <a:buAutoNum type="arabicParenR"/>
-            </a:pPr>
-            <a:r>
-              <a:rPr lang="en-US" dirty="0"/>
-              <a:t>Impact of Computing(21%-26%)</a:t>
-            </a:r>
-          </a:p>
-        </p:txBody>
-      </p:sp>
-      <p:sp>
-        <p:nvSpPr>
-          <p:cNvPr id="4" name="Slide Number Placeholder 3">
-            <a:extLst>
-              <a:ext uri="{FF2B5EF4-FFF2-40B4-BE49-F238E27FC236}">
-                <a16:creationId xmlns:a16="http://schemas.microsoft.com/office/drawing/2014/main" id="{ED961A3A-B3B8-A64A-9FCD-D5EE299F137A}"/>
-              </a:ext>
-            </a:extLst>
-          </p:cNvPr>
-          <p:cNvSpPr>
-            <a:spLocks noGrp="1"/>
-          </p:cNvSpPr>
-          <p:nvPr>
-            <p:ph type="sldNum" sz="quarter" idx="12"/>
-          </p:nvPr>
-        </p:nvSpPr>
-        <p:spPr/>
-        <p:txBody>
-          <a:bodyPr/>
-          <a:lstStyle/>
-          <a:p>
-            <a:fld id="{D57F1E4F-1CFF-5643-939E-02111984F565}" type="slidenum">
-              <a:rPr lang="en-US" smtClean="0"/>
-              <a:t>4</a:t>
-            </a:fld>
-            <a:endParaRPr lang="en-US" dirty="0"/>
-          </a:p>
-        </p:txBody>
-      </p:sp>
-    </p:spTree>
-    <p:extLst>
-      <p:ext uri="{BB962C8B-B14F-4D97-AF65-F5344CB8AC3E}">
-        <p14:creationId xmlns:p14="http://schemas.microsoft.com/office/powerpoint/2010/main" val="805492927"/>
-      </p:ext>
-    </p:extLst>
-  </p:cSld>
-  <p:clrMapOvr>
-    <a:masterClrMapping/>
-  </p:clrMapOvr>
-</p:sld>
-</file>
-
-<file path=ppt/slides/slide40.xml><?xml version="1.0" encoding="utf-8"?>
+<file path=ppt/slides/slide41.xml><?xml version="1.0" encoding="utf-8"?>
 <p:sld xmlns:a="http://schemas.openxmlformats.org/drawingml/2006/main" xmlns:r="http://schemas.openxmlformats.org/officeDocument/2006/relationships" xmlns:p="http://schemas.openxmlformats.org/presentationml/2006/main">
   <p:cSld>
     <p:spTree>
@@ -22638,7 +22800,7 @@
           <a:p>
             <a:fld id="{D57F1E4F-1CFF-5643-939E-02111984F565}" type="slidenum">
               <a:rPr lang="en-US" smtClean="0"/>
-              <a:t>40</a:t>
+              <a:t>41</a:t>
             </a:fld>
             <a:endParaRPr lang="en-US" dirty="0"/>
           </a:p>
@@ -22822,7 +22984,7 @@
 </p:sld>
 </file>
 
-<file path=ppt/slides/slide41.xml><?xml version="1.0" encoding="utf-8"?>
+<file path=ppt/slides/slide42.xml><?xml version="1.0" encoding="utf-8"?>
 <p:sld xmlns:a="http://schemas.openxmlformats.org/drawingml/2006/main" xmlns:r="http://schemas.openxmlformats.org/officeDocument/2006/relationships" xmlns:p="http://schemas.openxmlformats.org/presentationml/2006/main">
   <p:cSld>
     <p:spTree>
@@ -22912,7 +23074,7 @@
           <a:p>
             <a:fld id="{D57F1E4F-1CFF-5643-939E-02111984F565}" type="slidenum">
               <a:rPr lang="en-US" smtClean="0"/>
-              <a:t>41</a:t>
+              <a:t>42</a:t>
             </a:fld>
             <a:endParaRPr lang="en-US" dirty="0"/>
           </a:p>
@@ -23153,7 +23315,7 @@
 </p:sld>
 </file>
 
-<file path=ppt/slides/slide42.xml><?xml version="1.0" encoding="utf-8"?>
+<file path=ppt/slides/slide43.xml><?xml version="1.0" encoding="utf-8"?>
 <p:sld xmlns:a="http://schemas.openxmlformats.org/drawingml/2006/main" xmlns:r="http://schemas.openxmlformats.org/officeDocument/2006/relationships" xmlns:p="http://schemas.openxmlformats.org/presentationml/2006/main">
   <p:cSld>
     <p:spTree>
@@ -23243,7 +23405,7 @@
           <a:p>
             <a:fld id="{D57F1E4F-1CFF-5643-939E-02111984F565}" type="slidenum">
               <a:rPr lang="en-US" smtClean="0"/>
-              <a:t>42</a:t>
+              <a:t>43</a:t>
             </a:fld>
             <a:endParaRPr lang="en-US" dirty="0"/>
           </a:p>
@@ -23322,7 +23484,7 @@
 </p:sld>
 </file>
 
-<file path=ppt/slides/slide43.xml><?xml version="1.0" encoding="utf-8"?>
+<file path=ppt/slides/slide44.xml><?xml version="1.0" encoding="utf-8"?>
 <p:sld xmlns:a="http://schemas.openxmlformats.org/drawingml/2006/main" xmlns:r="http://schemas.openxmlformats.org/officeDocument/2006/relationships" xmlns:p="http://schemas.openxmlformats.org/presentationml/2006/main">
   <p:cSld>
     <p:spTree>
@@ -23412,7 +23574,7 @@
           <a:p>
             <a:fld id="{D57F1E4F-1CFF-5643-939E-02111984F565}" type="slidenum">
               <a:rPr lang="en-US" smtClean="0"/>
-              <a:t>43</a:t>
+              <a:t>44</a:t>
             </a:fld>
             <a:endParaRPr lang="en-US" dirty="0"/>
           </a:p>
@@ -23716,7 +23878,7 @@
 </p:sld>
 </file>
 
-<file path=ppt/slides/slide44.xml><?xml version="1.0" encoding="utf-8"?>
+<file path=ppt/slides/slide45.xml><?xml version="1.0" encoding="utf-8"?>
 <p:sld xmlns:a="http://schemas.openxmlformats.org/drawingml/2006/main" xmlns:r="http://schemas.openxmlformats.org/officeDocument/2006/relationships" xmlns:p="http://schemas.openxmlformats.org/presentationml/2006/main">
   <p:cSld>
     <p:spTree>
@@ -23806,7 +23968,7 @@
           <a:p>
             <a:fld id="{D57F1E4F-1CFF-5643-939E-02111984F565}" type="slidenum">
               <a:rPr lang="en-US" smtClean="0"/>
-              <a:t>44</a:t>
+              <a:t>45</a:t>
             </a:fld>
             <a:endParaRPr lang="en-US" dirty="0"/>
           </a:p>
@@ -23855,7 +24017,7 @@
 </p:sld>
 </file>
 
-<file path=ppt/slides/slide45.xml><?xml version="1.0" encoding="utf-8"?>
+<file path=ppt/slides/slide46.xml><?xml version="1.0" encoding="utf-8"?>
 <p:sld xmlns:a="http://schemas.openxmlformats.org/drawingml/2006/main" xmlns:r="http://schemas.openxmlformats.org/officeDocument/2006/relationships" xmlns:p="http://schemas.openxmlformats.org/presentationml/2006/main">
   <p:cSld>
     <p:spTree>
@@ -23945,7 +24107,7 @@
           <a:p>
             <a:fld id="{D57F1E4F-1CFF-5643-939E-02111984F565}" type="slidenum">
               <a:rPr lang="en-US" smtClean="0"/>
-              <a:t>45</a:t>
+              <a:t>46</a:t>
             </a:fld>
             <a:endParaRPr lang="en-US" dirty="0"/>
           </a:p>
@@ -24099,7 +24261,7 @@
 </p:sld>
 </file>
 
-<file path=ppt/slides/slide46.xml><?xml version="1.0" encoding="utf-8"?>
+<file path=ppt/slides/slide47.xml><?xml version="1.0" encoding="utf-8"?>
 <p:sld xmlns:a="http://schemas.openxmlformats.org/drawingml/2006/main" xmlns:r="http://schemas.openxmlformats.org/officeDocument/2006/relationships" xmlns:p="http://schemas.openxmlformats.org/presentationml/2006/main">
   <p:cSld>
     <p:spTree>
@@ -24189,7 +24351,7 @@
           <a:p>
             <a:fld id="{D57F1E4F-1CFF-5643-939E-02111984F565}" type="slidenum">
               <a:rPr lang="en-US" smtClean="0"/>
-              <a:t>46</a:t>
+              <a:t>47</a:t>
             </a:fld>
             <a:endParaRPr lang="en-US" dirty="0"/>
           </a:p>
@@ -24343,7 +24505,7 @@
 </p:sld>
 </file>
 
-<file path=ppt/slides/slide47.xml><?xml version="1.0" encoding="utf-8"?>
+<file path=ppt/slides/slide48.xml><?xml version="1.0" encoding="utf-8"?>
 <p:sld xmlns:a="http://schemas.openxmlformats.org/drawingml/2006/main" xmlns:r="http://schemas.openxmlformats.org/officeDocument/2006/relationships" xmlns:p="http://schemas.openxmlformats.org/presentationml/2006/main">
   <p:cSld>
     <p:spTree>
@@ -24433,7 +24595,7 @@
           <a:p>
             <a:fld id="{D57F1E4F-1CFF-5643-939E-02111984F565}" type="slidenum">
               <a:rPr lang="en-US" smtClean="0"/>
-              <a:t>47</a:t>
+              <a:t>48</a:t>
             </a:fld>
             <a:endParaRPr lang="en-US" dirty="0"/>
           </a:p>
@@ -24482,7 +24644,7 @@
 </p:sld>
 </file>
 
-<file path=ppt/slides/slide48.xml><?xml version="1.0" encoding="utf-8"?>
+<file path=ppt/slides/slide49.xml><?xml version="1.0" encoding="utf-8"?>
 <p:sld xmlns:a="http://schemas.openxmlformats.org/drawingml/2006/main" xmlns:r="http://schemas.openxmlformats.org/officeDocument/2006/relationships" xmlns:p="http://schemas.openxmlformats.org/presentationml/2006/main">
   <p:cSld>
     <p:spTree>
@@ -24572,7 +24734,7 @@
           <a:p>
             <a:fld id="{D57F1E4F-1CFF-5643-939E-02111984F565}" type="slidenum">
               <a:rPr lang="en-US" smtClean="0"/>
-              <a:t>48</a:t>
+              <a:t>49</a:t>
             </a:fld>
             <a:endParaRPr lang="en-US" dirty="0"/>
           </a:p>
@@ -24723,175 +24885,6 @@
       </p:par>
     </p:tnLst>
   </p:timing>
-</p:sld>
-</file>
-
-<file path=ppt/slides/slide49.xml><?xml version="1.0" encoding="utf-8"?>
-<p:sld xmlns:a="http://schemas.openxmlformats.org/drawingml/2006/main" xmlns:r="http://schemas.openxmlformats.org/officeDocument/2006/relationships" xmlns:p="http://schemas.openxmlformats.org/presentationml/2006/main">
-  <p:cSld>
-    <p:spTree>
-      <p:nvGrpSpPr>
-        <p:cNvPr id="1" name=""/>
-        <p:cNvGrpSpPr/>
-        <p:nvPr/>
-      </p:nvGrpSpPr>
-      <p:grpSpPr>
-        <a:xfrm>
-          <a:off x="0" y="0"/>
-          <a:ext cx="0" cy="0"/>
-          <a:chOff x="0" y="0"/>
-          <a:chExt cx="0" cy="0"/>
-        </a:xfrm>
-      </p:grpSpPr>
-      <p:sp>
-        <p:nvSpPr>
-          <p:cNvPr id="2" name="Title 1">
-            <a:extLst>
-              <a:ext uri="{FF2B5EF4-FFF2-40B4-BE49-F238E27FC236}">
-                <a16:creationId xmlns:a16="http://schemas.microsoft.com/office/drawing/2014/main" id="{78EE5377-CFF0-F047-B480-FEE093D5D635}"/>
-              </a:ext>
-            </a:extLst>
-          </p:cNvPr>
-          <p:cNvSpPr>
-            <a:spLocks noGrp="1"/>
-          </p:cNvSpPr>
-          <p:nvPr>
-            <p:ph type="title"/>
-          </p:nvPr>
-        </p:nvSpPr>
-        <p:spPr/>
-        <p:txBody>
-          <a:bodyPr/>
-          <a:lstStyle/>
-          <a:p>
-            <a:endParaRPr lang="en-US"/>
-          </a:p>
-        </p:txBody>
-      </p:sp>
-      <p:sp>
-        <p:nvSpPr>
-          <p:cNvPr id="3" name="Content Placeholder 2">
-            <a:extLst>
-              <a:ext uri="{FF2B5EF4-FFF2-40B4-BE49-F238E27FC236}">
-                <a16:creationId xmlns:a16="http://schemas.microsoft.com/office/drawing/2014/main" id="{F112D52D-6BDF-334E-A537-810952880C47}"/>
-              </a:ext>
-            </a:extLst>
-          </p:cNvPr>
-          <p:cNvSpPr>
-            <a:spLocks noGrp="1"/>
-          </p:cNvSpPr>
-          <p:nvPr>
-            <p:ph idx="1"/>
-          </p:nvPr>
-        </p:nvSpPr>
-        <p:spPr/>
-        <p:txBody>
-          <a:bodyPr/>
-          <a:lstStyle/>
-          <a:p>
-            <a:endParaRPr lang="en-US"/>
-          </a:p>
-        </p:txBody>
-      </p:sp>
-      <p:sp>
-        <p:nvSpPr>
-          <p:cNvPr id="4" name="Slide Number Placeholder 3">
-            <a:extLst>
-              <a:ext uri="{FF2B5EF4-FFF2-40B4-BE49-F238E27FC236}">
-                <a16:creationId xmlns:a16="http://schemas.microsoft.com/office/drawing/2014/main" id="{50CFCC54-3A4A-244D-878E-CA03996946ED}"/>
-              </a:ext>
-            </a:extLst>
-          </p:cNvPr>
-          <p:cNvSpPr>
-            <a:spLocks noGrp="1"/>
-          </p:cNvSpPr>
-          <p:nvPr>
-            <p:ph type="sldNum" sz="quarter" idx="12"/>
-          </p:nvPr>
-        </p:nvSpPr>
-        <p:spPr/>
-        <p:txBody>
-          <a:bodyPr/>
-          <a:lstStyle/>
-          <a:p>
-            <a:fld id="{D57F1E4F-1CFF-5643-939E-02111984F565}" type="slidenum">
-              <a:rPr lang="en-US" smtClean="0"/>
-              <a:t>49</a:t>
-            </a:fld>
-            <a:endParaRPr lang="en-US" dirty="0"/>
-          </a:p>
-        </p:txBody>
-      </p:sp>
-      <p:pic>
-        <p:nvPicPr>
-          <p:cNvPr id="5" name="Picture 4">
-            <a:extLst>
-              <a:ext uri="{FF2B5EF4-FFF2-40B4-BE49-F238E27FC236}">
-                <a16:creationId xmlns:a16="http://schemas.microsoft.com/office/drawing/2014/main" id="{EA58E04D-0023-7F43-B9A3-78C7AD7A2310}"/>
-              </a:ext>
-            </a:extLst>
-          </p:cNvPr>
-          <p:cNvPicPr>
-            <a:picLocks noChangeAspect="1"/>
-          </p:cNvPicPr>
-          <p:nvPr/>
-        </p:nvPicPr>
-        <p:blipFill>
-          <a:blip r:embed="rId2"/>
-          <a:stretch>
-            <a:fillRect/>
-          </a:stretch>
-        </p:blipFill>
-        <p:spPr>
-          <a:xfrm>
-            <a:off x="312020" y="304271"/>
-            <a:ext cx="6565900" cy="622300"/>
-          </a:xfrm>
-          <a:prstGeom prst="rect">
-            <a:avLst/>
-          </a:prstGeom>
-        </p:spPr>
-      </p:pic>
-      <p:pic>
-        <p:nvPicPr>
-          <p:cNvPr id="6" name="Picture 5">
-            <a:extLst>
-              <a:ext uri="{FF2B5EF4-FFF2-40B4-BE49-F238E27FC236}">
-                <a16:creationId xmlns:a16="http://schemas.microsoft.com/office/drawing/2014/main" id="{9A2F41B9-C8A5-FF47-AE48-7429CDD467F9}"/>
-              </a:ext>
-            </a:extLst>
-          </p:cNvPr>
-          <p:cNvPicPr>
-            <a:picLocks noChangeAspect="1"/>
-          </p:cNvPicPr>
-          <p:nvPr/>
-        </p:nvPicPr>
-        <p:blipFill>
-          <a:blip r:embed="rId3"/>
-          <a:stretch>
-            <a:fillRect/>
-          </a:stretch>
-        </p:blipFill>
-        <p:spPr>
-          <a:xfrm>
-            <a:off x="485297" y="1076061"/>
-            <a:ext cx="6870700" cy="3111500"/>
-          </a:xfrm>
-          <a:prstGeom prst="rect">
-            <a:avLst/>
-          </a:prstGeom>
-        </p:spPr>
-      </p:pic>
-    </p:spTree>
-    <p:extLst>
-      <p:ext uri="{BB962C8B-B14F-4D97-AF65-F5344CB8AC3E}">
-        <p14:creationId xmlns:p14="http://schemas.microsoft.com/office/powerpoint/2010/main" val="3414404792"/>
-      </p:ext>
-    </p:extLst>
-  </p:cSld>
-  <p:clrMapOvr>
-    <a:masterClrMapping/>
-  </p:clrMapOvr>
 </p:sld>
 </file>
 
@@ -25227,6 +25220,175 @@
           <p:cNvPr id="2" name="Title 1">
             <a:extLst>
               <a:ext uri="{FF2B5EF4-FFF2-40B4-BE49-F238E27FC236}">
+                <a16:creationId xmlns:a16="http://schemas.microsoft.com/office/drawing/2014/main" id="{78EE5377-CFF0-F047-B480-FEE093D5D635}"/>
+              </a:ext>
+            </a:extLst>
+          </p:cNvPr>
+          <p:cNvSpPr>
+            <a:spLocks noGrp="1"/>
+          </p:cNvSpPr>
+          <p:nvPr>
+            <p:ph type="title"/>
+          </p:nvPr>
+        </p:nvSpPr>
+        <p:spPr/>
+        <p:txBody>
+          <a:bodyPr/>
+          <a:lstStyle/>
+          <a:p>
+            <a:endParaRPr lang="en-US"/>
+          </a:p>
+        </p:txBody>
+      </p:sp>
+      <p:sp>
+        <p:nvSpPr>
+          <p:cNvPr id="3" name="Content Placeholder 2">
+            <a:extLst>
+              <a:ext uri="{FF2B5EF4-FFF2-40B4-BE49-F238E27FC236}">
+                <a16:creationId xmlns:a16="http://schemas.microsoft.com/office/drawing/2014/main" id="{F112D52D-6BDF-334E-A537-810952880C47}"/>
+              </a:ext>
+            </a:extLst>
+          </p:cNvPr>
+          <p:cNvSpPr>
+            <a:spLocks noGrp="1"/>
+          </p:cNvSpPr>
+          <p:nvPr>
+            <p:ph idx="1"/>
+          </p:nvPr>
+        </p:nvSpPr>
+        <p:spPr/>
+        <p:txBody>
+          <a:bodyPr/>
+          <a:lstStyle/>
+          <a:p>
+            <a:endParaRPr lang="en-US"/>
+          </a:p>
+        </p:txBody>
+      </p:sp>
+      <p:sp>
+        <p:nvSpPr>
+          <p:cNvPr id="4" name="Slide Number Placeholder 3">
+            <a:extLst>
+              <a:ext uri="{FF2B5EF4-FFF2-40B4-BE49-F238E27FC236}">
+                <a16:creationId xmlns:a16="http://schemas.microsoft.com/office/drawing/2014/main" id="{50CFCC54-3A4A-244D-878E-CA03996946ED}"/>
+              </a:ext>
+            </a:extLst>
+          </p:cNvPr>
+          <p:cNvSpPr>
+            <a:spLocks noGrp="1"/>
+          </p:cNvSpPr>
+          <p:nvPr>
+            <p:ph type="sldNum" sz="quarter" idx="12"/>
+          </p:nvPr>
+        </p:nvSpPr>
+        <p:spPr/>
+        <p:txBody>
+          <a:bodyPr/>
+          <a:lstStyle/>
+          <a:p>
+            <a:fld id="{D57F1E4F-1CFF-5643-939E-02111984F565}" type="slidenum">
+              <a:rPr lang="en-US" smtClean="0"/>
+              <a:t>50</a:t>
+            </a:fld>
+            <a:endParaRPr lang="en-US" dirty="0"/>
+          </a:p>
+        </p:txBody>
+      </p:sp>
+      <p:pic>
+        <p:nvPicPr>
+          <p:cNvPr id="5" name="Picture 4">
+            <a:extLst>
+              <a:ext uri="{FF2B5EF4-FFF2-40B4-BE49-F238E27FC236}">
+                <a16:creationId xmlns:a16="http://schemas.microsoft.com/office/drawing/2014/main" id="{EA58E04D-0023-7F43-B9A3-78C7AD7A2310}"/>
+              </a:ext>
+            </a:extLst>
+          </p:cNvPr>
+          <p:cNvPicPr>
+            <a:picLocks noChangeAspect="1"/>
+          </p:cNvPicPr>
+          <p:nvPr/>
+        </p:nvPicPr>
+        <p:blipFill>
+          <a:blip r:embed="rId2"/>
+          <a:stretch>
+            <a:fillRect/>
+          </a:stretch>
+        </p:blipFill>
+        <p:spPr>
+          <a:xfrm>
+            <a:off x="312020" y="304271"/>
+            <a:ext cx="6565900" cy="622300"/>
+          </a:xfrm>
+          <a:prstGeom prst="rect">
+            <a:avLst/>
+          </a:prstGeom>
+        </p:spPr>
+      </p:pic>
+      <p:pic>
+        <p:nvPicPr>
+          <p:cNvPr id="6" name="Picture 5">
+            <a:extLst>
+              <a:ext uri="{FF2B5EF4-FFF2-40B4-BE49-F238E27FC236}">
+                <a16:creationId xmlns:a16="http://schemas.microsoft.com/office/drawing/2014/main" id="{9A2F41B9-C8A5-FF47-AE48-7429CDD467F9}"/>
+              </a:ext>
+            </a:extLst>
+          </p:cNvPr>
+          <p:cNvPicPr>
+            <a:picLocks noChangeAspect="1"/>
+          </p:cNvPicPr>
+          <p:nvPr/>
+        </p:nvPicPr>
+        <p:blipFill>
+          <a:blip r:embed="rId3"/>
+          <a:stretch>
+            <a:fillRect/>
+          </a:stretch>
+        </p:blipFill>
+        <p:spPr>
+          <a:xfrm>
+            <a:off x="485297" y="1076061"/>
+            <a:ext cx="6870700" cy="3111500"/>
+          </a:xfrm>
+          <a:prstGeom prst="rect">
+            <a:avLst/>
+          </a:prstGeom>
+        </p:spPr>
+      </p:pic>
+    </p:spTree>
+    <p:extLst>
+      <p:ext uri="{BB962C8B-B14F-4D97-AF65-F5344CB8AC3E}">
+        <p14:creationId xmlns:p14="http://schemas.microsoft.com/office/powerpoint/2010/main" val="3414404792"/>
+      </p:ext>
+    </p:extLst>
+  </p:cSld>
+  <p:clrMapOvr>
+    <a:masterClrMapping/>
+  </p:clrMapOvr>
+</p:sld>
+</file>
+
+<file path=ppt/slides/slide51.xml><?xml version="1.0" encoding="utf-8"?>
+<p:sld xmlns:a="http://schemas.openxmlformats.org/drawingml/2006/main" xmlns:r="http://schemas.openxmlformats.org/officeDocument/2006/relationships" xmlns:p="http://schemas.openxmlformats.org/presentationml/2006/main">
+  <p:cSld>
+    <p:spTree>
+      <p:nvGrpSpPr>
+        <p:cNvPr id="1" name=""/>
+        <p:cNvGrpSpPr/>
+        <p:nvPr/>
+      </p:nvGrpSpPr>
+      <p:grpSpPr>
+        <a:xfrm>
+          <a:off x="0" y="0"/>
+          <a:ext cx="0" cy="0"/>
+          <a:chOff x="0" y="0"/>
+          <a:chExt cx="0" cy="0"/>
+        </a:xfrm>
+      </p:grpSpPr>
+      <p:sp>
+        <p:nvSpPr>
+          <p:cNvPr id="2" name="Title 1">
+            <a:extLst>
+              <a:ext uri="{FF2B5EF4-FFF2-40B4-BE49-F238E27FC236}">
                 <a16:creationId xmlns:a16="http://schemas.microsoft.com/office/drawing/2014/main" id="{719205A0-05B5-AC44-9019-2D59805831E1}"/>
               </a:ext>
             </a:extLst>
@@ -25295,7 +25457,7 @@
           <a:p>
             <a:fld id="{D57F1E4F-1CFF-5643-939E-02111984F565}" type="slidenum">
               <a:rPr lang="en-US" smtClean="0"/>
-              <a:t>50</a:t>
+              <a:t>51</a:t>
             </a:fld>
             <a:endParaRPr lang="en-US" dirty="0"/>
           </a:p>
@@ -25374,7 +25536,7 @@
 </p:sld>
 </file>
 
-<file path=ppt/slides/slide51.xml><?xml version="1.0" encoding="utf-8"?>
+<file path=ppt/slides/slide52.xml><?xml version="1.0" encoding="utf-8"?>
 <p:sld xmlns:a="http://schemas.openxmlformats.org/drawingml/2006/main" xmlns:r="http://schemas.openxmlformats.org/officeDocument/2006/relationships" xmlns:p="http://schemas.openxmlformats.org/presentationml/2006/main">
   <p:cSld>
     <p:spTree>
@@ -25513,7 +25675,7 @@
           <a:p>
             <a:fld id="{D57F1E4F-1CFF-5643-939E-02111984F565}" type="slidenum">
               <a:rPr lang="en-US" smtClean="0"/>
-              <a:t>51</a:t>
+              <a:t>52</a:t>
             </a:fld>
             <a:endParaRPr lang="en-US" dirty="0"/>
           </a:p>

--- a/courses/apcsp/lect23.pptx
+++ b/courses/apcsp/lect23.pptx
@@ -5,7 +5,7 @@
     <p:sldMasterId id="2147483791" r:id="rId1"/>
   </p:sldMasterIdLst>
   <p:notesMasterIdLst>
-    <p:notesMasterId r:id="rId54"/>
+    <p:notesMasterId r:id="rId68"/>
   </p:notesMasterIdLst>
   <p:sldIdLst>
     <p:sldId id="256" r:id="rId2"/>
@@ -41,25 +41,39 @@
     <p:sldId id="575" r:id="rId32"/>
     <p:sldId id="576" r:id="rId33"/>
     <p:sldId id="571" r:id="rId34"/>
-    <p:sldId id="577" r:id="rId35"/>
-    <p:sldId id="578" r:id="rId36"/>
-    <p:sldId id="579" r:id="rId37"/>
-    <p:sldId id="580" r:id="rId38"/>
-    <p:sldId id="581" r:id="rId39"/>
-    <p:sldId id="570" r:id="rId40"/>
-    <p:sldId id="582" r:id="rId41"/>
-    <p:sldId id="583" r:id="rId42"/>
-    <p:sldId id="572" r:id="rId43"/>
-    <p:sldId id="573" r:id="rId44"/>
-    <p:sldId id="584" r:id="rId45"/>
-    <p:sldId id="585" r:id="rId46"/>
-    <p:sldId id="586" r:id="rId47"/>
-    <p:sldId id="574" r:id="rId48"/>
-    <p:sldId id="587" r:id="rId49"/>
-    <p:sldId id="588" r:id="rId50"/>
-    <p:sldId id="589" r:id="rId51"/>
-    <p:sldId id="590" r:id="rId52"/>
-    <p:sldId id="549" r:id="rId53"/>
+    <p:sldId id="596" r:id="rId35"/>
+    <p:sldId id="597" r:id="rId36"/>
+    <p:sldId id="598" r:id="rId37"/>
+    <p:sldId id="599" r:id="rId38"/>
+    <p:sldId id="600" r:id="rId39"/>
+    <p:sldId id="601" r:id="rId40"/>
+    <p:sldId id="602" r:id="rId41"/>
+    <p:sldId id="603" r:id="rId42"/>
+    <p:sldId id="604" r:id="rId43"/>
+    <p:sldId id="577" r:id="rId44"/>
+    <p:sldId id="578" r:id="rId45"/>
+    <p:sldId id="579" r:id="rId46"/>
+    <p:sldId id="580" r:id="rId47"/>
+    <p:sldId id="581" r:id="rId48"/>
+    <p:sldId id="570" r:id="rId49"/>
+    <p:sldId id="582" r:id="rId50"/>
+    <p:sldId id="583" r:id="rId51"/>
+    <p:sldId id="572" r:id="rId52"/>
+    <p:sldId id="573" r:id="rId53"/>
+    <p:sldId id="584" r:id="rId54"/>
+    <p:sldId id="593" r:id="rId55"/>
+    <p:sldId id="585" r:id="rId56"/>
+    <p:sldId id="586" r:id="rId57"/>
+    <p:sldId id="574" r:id="rId58"/>
+    <p:sldId id="587" r:id="rId59"/>
+    <p:sldId id="588" r:id="rId60"/>
+    <p:sldId id="589" r:id="rId61"/>
+    <p:sldId id="590" r:id="rId62"/>
+    <p:sldId id="625" r:id="rId63"/>
+    <p:sldId id="626" r:id="rId64"/>
+    <p:sldId id="592" r:id="rId65"/>
+    <p:sldId id="605" r:id="rId66"/>
+    <p:sldId id="549" r:id="rId67"/>
   </p:sldIdLst>
   <p:sldSz cx="9144000" cy="5715000" type="screen16x10"/>
   <p:notesSz cx="6858000" cy="9144000"/>
@@ -169,7 +183,7 @@
 <file path=ppt/revisionInfo.xml><?xml version="1.0" encoding="utf-8"?>
 <p1510:revInfo xmlns:a="http://schemas.openxmlformats.org/drawingml/2006/main" xmlns:r="http://schemas.openxmlformats.org/officeDocument/2006/relationships" xmlns:p1510="http://schemas.microsoft.com/office/powerpoint/2015/10/main">
   <p1510:revLst>
-    <p1510:client id="{09EBCD6D-3E32-1447-A1AF-87925F52689B}" v="622" dt="2021-05-20T12:41:20.252"/>
+    <p1510:client id="{09EBCD6D-3E32-1447-A1AF-87925F52689B}" v="679" dt="2021-05-21T15:16:47.774"/>
   </p1510:revLst>
 </p1510:revInfo>
 </file>
@@ -3339,7 +3353,7 @@
   <pc:docChgLst>
     <pc:chgData name="Long B Nguyen" userId="f59fb8f3-a021-417a-8bc1-65c8d471c621" providerId="ADAL" clId="{09EBCD6D-3E32-1447-A1AF-87925F52689B}"/>
     <pc:docChg chg="undo custSel addSld delSld modSld">
-      <pc:chgData name="Long B Nguyen" userId="f59fb8f3-a021-417a-8bc1-65c8d471c621" providerId="ADAL" clId="{09EBCD6D-3E32-1447-A1AF-87925F52689B}" dt="2021-05-20T12:41:20.247" v="3791"/>
+      <pc:chgData name="Long B Nguyen" userId="f59fb8f3-a021-417a-8bc1-65c8d471c621" providerId="ADAL" clId="{09EBCD6D-3E32-1447-A1AF-87925F52689B}" dt="2021-05-21T15:17:20.541" v="4960" actId="113"/>
       <pc:docMkLst>
         <pc:docMk/>
       </pc:docMkLst>
@@ -4338,8 +4352,8 @@
           </ac:picMkLst>
         </pc:picChg>
       </pc:sldChg>
-      <pc:sldChg chg="modSp add mod modAnim">
-        <pc:chgData name="Long B Nguyen" userId="f59fb8f3-a021-417a-8bc1-65c8d471c621" providerId="ADAL" clId="{09EBCD6D-3E32-1447-A1AF-87925F52689B}" dt="2021-05-20T12:37:24.196" v="3690"/>
+      <pc:sldChg chg="addSp delSp modSp add mod delAnim modAnim">
+        <pc:chgData name="Long B Nguyen" userId="f59fb8f3-a021-417a-8bc1-65c8d471c621" providerId="ADAL" clId="{09EBCD6D-3E32-1447-A1AF-87925F52689B}" dt="2021-05-20T13:18:15.325" v="3948" actId="1076"/>
         <pc:sldMkLst>
           <pc:docMk/>
           <pc:sldMk cId="192280408" sldId="571"/>
@@ -4352,12 +4366,52 @@
             <ac:spMk id="2" creationId="{81DA7AEF-5DFF-DE4B-AB7D-FCB78C3BA9A2}"/>
           </ac:spMkLst>
         </pc:spChg>
-        <pc:picChg chg="mod">
-          <ac:chgData name="Long B Nguyen" userId="f59fb8f3-a021-417a-8bc1-65c8d471c621" providerId="ADAL" clId="{09EBCD6D-3E32-1447-A1AF-87925F52689B}" dt="2021-05-19T16:51:47.020" v="3019" actId="1076"/>
+        <pc:picChg chg="add mod">
+          <ac:chgData name="Long B Nguyen" userId="f59fb8f3-a021-417a-8bc1-65c8d471c621" providerId="ADAL" clId="{09EBCD6D-3E32-1447-A1AF-87925F52689B}" dt="2021-05-20T13:18:15.325" v="3948" actId="1076"/>
+          <ac:picMkLst>
+            <pc:docMk/>
+            <pc:sldMk cId="192280408" sldId="571"/>
+            <ac:picMk id="5" creationId="{26E2B773-5F13-DB46-A541-C8A1696DC9EB}"/>
+          </ac:picMkLst>
+        </pc:picChg>
+        <pc:picChg chg="del mod">
+          <ac:chgData name="Long B Nguyen" userId="f59fb8f3-a021-417a-8bc1-65c8d471c621" providerId="ADAL" clId="{09EBCD6D-3E32-1447-A1AF-87925F52689B}" dt="2021-05-20T13:18:05.025" v="3942" actId="478"/>
           <ac:picMkLst>
             <pc:docMk/>
             <pc:sldMk cId="192280408" sldId="571"/>
             <ac:picMk id="6" creationId="{28B86F79-A8B8-D44A-87CF-FA42CC3AD003}"/>
+          </ac:picMkLst>
+        </pc:picChg>
+        <pc:picChg chg="del">
+          <ac:chgData name="Long B Nguyen" userId="f59fb8f3-a021-417a-8bc1-65c8d471c621" providerId="ADAL" clId="{09EBCD6D-3E32-1447-A1AF-87925F52689B}" dt="2021-05-20T13:18:06.590" v="3943" actId="478"/>
+          <ac:picMkLst>
+            <pc:docMk/>
+            <pc:sldMk cId="192280408" sldId="571"/>
+            <ac:picMk id="7" creationId="{05C047B5-A3EC-2449-A870-5C4647733FDF}"/>
+          </ac:picMkLst>
+        </pc:picChg>
+        <pc:picChg chg="add del">
+          <ac:chgData name="Long B Nguyen" userId="f59fb8f3-a021-417a-8bc1-65c8d471c621" providerId="ADAL" clId="{09EBCD6D-3E32-1447-A1AF-87925F52689B}" dt="2021-05-20T13:18:12.261" v="3947" actId="478"/>
+          <ac:picMkLst>
+            <pc:docMk/>
+            <pc:sldMk cId="192280408" sldId="571"/>
+            <ac:picMk id="8" creationId="{3222C8E2-94D5-4441-B799-D4EE90260063}"/>
+          </ac:picMkLst>
+        </pc:picChg>
+        <pc:picChg chg="add mod">
+          <ac:chgData name="Long B Nguyen" userId="f59fb8f3-a021-417a-8bc1-65c8d471c621" providerId="ADAL" clId="{09EBCD6D-3E32-1447-A1AF-87925F52689B}" dt="2021-05-20T13:18:08.826" v="3944" actId="571"/>
+          <ac:picMkLst>
+            <pc:docMk/>
+            <pc:sldMk cId="192280408" sldId="571"/>
+            <ac:picMk id="9" creationId="{72FF9CE1-69F3-5546-ACC5-D37F81D1C682}"/>
+          </ac:picMkLst>
+        </pc:picChg>
+        <pc:picChg chg="add del mod">
+          <ac:chgData name="Long B Nguyen" userId="f59fb8f3-a021-417a-8bc1-65c8d471c621" providerId="ADAL" clId="{09EBCD6D-3E32-1447-A1AF-87925F52689B}" dt="2021-05-20T13:18:11.188" v="3946" actId="478"/>
+          <ac:picMkLst>
+            <pc:docMk/>
+            <pc:sldMk cId="192280408" sldId="571"/>
+            <ac:picMk id="10" creationId="{971A6B8C-66D0-E140-A4A1-49D26F0826F7}"/>
           </ac:picMkLst>
         </pc:picChg>
       </pc:sldChg>
@@ -4710,12 +4764,20 @@
           </ac:picMkLst>
         </pc:picChg>
       </pc:sldChg>
-      <pc:sldChg chg="add modAnim">
-        <pc:chgData name="Long B Nguyen" userId="f59fb8f3-a021-417a-8bc1-65c8d471c621" providerId="ADAL" clId="{09EBCD6D-3E32-1447-A1AF-87925F52689B}" dt="2021-05-20T12:37:35.001" v="3691"/>
+      <pc:sldChg chg="modSp add modAnim">
+        <pc:chgData name="Long B Nguyen" userId="f59fb8f3-a021-417a-8bc1-65c8d471c621" providerId="ADAL" clId="{09EBCD6D-3E32-1447-A1AF-87925F52689B}" dt="2021-05-21T13:10:13.718" v="4224" actId="20577"/>
         <pc:sldMkLst>
           <pc:docMk/>
           <pc:sldMk cId="759587535" sldId="581"/>
         </pc:sldMkLst>
+        <pc:spChg chg="mod">
+          <ac:chgData name="Long B Nguyen" userId="f59fb8f3-a021-417a-8bc1-65c8d471c621" providerId="ADAL" clId="{09EBCD6D-3E32-1447-A1AF-87925F52689B}" dt="2021-05-21T13:10:13.718" v="4224" actId="20577"/>
+          <ac:spMkLst>
+            <pc:docMk/>
+            <pc:sldMk cId="759587535" sldId="581"/>
+            <ac:spMk id="3" creationId="{2283E578-0EF8-F640-BD0E-289AA175025D}"/>
+          </ac:spMkLst>
+        </pc:spChg>
       </pc:sldChg>
       <pc:sldChg chg="addSp modSp new add del mod">
         <pc:chgData name="Long B Nguyen" userId="f59fb8f3-a021-417a-8bc1-65c8d471c621" providerId="ADAL" clId="{09EBCD6D-3E32-1447-A1AF-87925F52689B}" dt="2021-05-20T11:57:02.406" v="3277" actId="2696"/>
@@ -5031,6 +5093,183 @@
           </ac:picMkLst>
         </pc:picChg>
       </pc:sldChg>
+      <pc:sldChg chg="delSp modSp new mod">
+        <pc:chgData name="Long B Nguyen" userId="f59fb8f3-a021-417a-8bc1-65c8d471c621" providerId="ADAL" clId="{09EBCD6D-3E32-1447-A1AF-87925F52689B}" dt="2021-05-21T14:34:29.831" v="4763"/>
+        <pc:sldMkLst>
+          <pc:docMk/>
+          <pc:sldMk cId="4023327364" sldId="592"/>
+        </pc:sldMkLst>
+        <pc:spChg chg="del">
+          <ac:chgData name="Long B Nguyen" userId="f59fb8f3-a021-417a-8bc1-65c8d471c621" providerId="ADAL" clId="{09EBCD6D-3E32-1447-A1AF-87925F52689B}" dt="2021-05-21T14:32:27.356" v="4687" actId="478"/>
+          <ac:spMkLst>
+            <pc:docMk/>
+            <pc:sldMk cId="4023327364" sldId="592"/>
+            <ac:spMk id="2" creationId="{CD25D26E-E0D8-2945-8305-006FE8351CDC}"/>
+          </ac:spMkLst>
+        </pc:spChg>
+        <pc:spChg chg="mod">
+          <ac:chgData name="Long B Nguyen" userId="f59fb8f3-a021-417a-8bc1-65c8d471c621" providerId="ADAL" clId="{09EBCD6D-3E32-1447-A1AF-87925F52689B}" dt="2021-05-21T14:34:29.831" v="4763"/>
+          <ac:spMkLst>
+            <pc:docMk/>
+            <pc:sldMk cId="4023327364" sldId="592"/>
+            <ac:spMk id="3" creationId="{1C4C3784-BDB6-584A-AFB0-C1D2E1193CE9}"/>
+          </ac:spMkLst>
+        </pc:spChg>
+      </pc:sldChg>
+      <pc:sldChg chg="addSp modSp new mod modAnim">
+        <pc:chgData name="Long B Nguyen" userId="f59fb8f3-a021-417a-8bc1-65c8d471c621" providerId="ADAL" clId="{09EBCD6D-3E32-1447-A1AF-87925F52689B}" dt="2021-05-20T13:16:56.125" v="3936"/>
+        <pc:sldMkLst>
+          <pc:docMk/>
+          <pc:sldMk cId="3064516433" sldId="593"/>
+        </pc:sldMkLst>
+        <pc:spChg chg="mod">
+          <ac:chgData name="Long B Nguyen" userId="f59fb8f3-a021-417a-8bc1-65c8d471c621" providerId="ADAL" clId="{09EBCD6D-3E32-1447-A1AF-87925F52689B}" dt="2021-05-20T13:16:51.570" v="3935" actId="20577"/>
+          <ac:spMkLst>
+            <pc:docMk/>
+            <pc:sldMk cId="3064516433" sldId="593"/>
+            <ac:spMk id="3" creationId="{A03D9AF4-CD64-DD4B-BF55-28F2A337D450}"/>
+          </ac:spMkLst>
+        </pc:spChg>
+        <pc:picChg chg="add mod">
+          <ac:chgData name="Long B Nguyen" userId="f59fb8f3-a021-417a-8bc1-65c8d471c621" providerId="ADAL" clId="{09EBCD6D-3E32-1447-A1AF-87925F52689B}" dt="2021-05-20T13:16:33.410" v="3825" actId="14100"/>
+          <ac:picMkLst>
+            <pc:docMk/>
+            <pc:sldMk cId="3064516433" sldId="593"/>
+            <ac:picMk id="5" creationId="{B3E5530E-CEAB-6346-951D-FCA5BFF6901A}"/>
+          </ac:picMkLst>
+        </pc:picChg>
+      </pc:sldChg>
+      <pc:sldChg chg="new del">
+        <pc:chgData name="Long B Nguyen" userId="f59fb8f3-a021-417a-8bc1-65c8d471c621" providerId="ADAL" clId="{09EBCD6D-3E32-1447-A1AF-87925F52689B}" dt="2021-05-21T14:31:51.095" v="4686" actId="2696"/>
+        <pc:sldMkLst>
+          <pc:docMk/>
+          <pc:sldMk cId="2484310751" sldId="594"/>
+        </pc:sldMkLst>
+      </pc:sldChg>
+      <pc:sldChg chg="new del">
+        <pc:chgData name="Long B Nguyen" userId="f59fb8f3-a021-417a-8bc1-65c8d471c621" providerId="ADAL" clId="{09EBCD6D-3E32-1447-A1AF-87925F52689B}" dt="2021-05-20T13:18:43.425" v="3954" actId="2696"/>
+        <pc:sldMkLst>
+          <pc:docMk/>
+          <pc:sldMk cId="2082102924" sldId="595"/>
+        </pc:sldMkLst>
+      </pc:sldChg>
+      <pc:sldChg chg="addSp delSp modSp add mod">
+        <pc:chgData name="Long B Nguyen" userId="f59fb8f3-a021-417a-8bc1-65c8d471c621" providerId="ADAL" clId="{09EBCD6D-3E32-1447-A1AF-87925F52689B}" dt="2021-05-20T13:18:27.119" v="3953" actId="478"/>
+        <pc:sldMkLst>
+          <pc:docMk/>
+          <pc:sldMk cId="3921376357" sldId="596"/>
+        </pc:sldMkLst>
+        <pc:picChg chg="del mod">
+          <ac:chgData name="Long B Nguyen" userId="f59fb8f3-a021-417a-8bc1-65c8d471c621" providerId="ADAL" clId="{09EBCD6D-3E32-1447-A1AF-87925F52689B}" dt="2021-05-20T13:18:27.119" v="3953" actId="478"/>
+          <ac:picMkLst>
+            <pc:docMk/>
+            <pc:sldMk cId="3921376357" sldId="596"/>
+            <ac:picMk id="5" creationId="{26E2B773-5F13-DB46-A541-C8A1696DC9EB}"/>
+          </ac:picMkLst>
+        </pc:picChg>
+        <pc:picChg chg="add del">
+          <ac:chgData name="Long B Nguyen" userId="f59fb8f3-a021-417a-8bc1-65c8d471c621" providerId="ADAL" clId="{09EBCD6D-3E32-1447-A1AF-87925F52689B}" dt="2021-05-20T13:18:24.379" v="3951" actId="478"/>
+          <ac:picMkLst>
+            <pc:docMk/>
+            <pc:sldMk cId="3921376357" sldId="596"/>
+            <ac:picMk id="6" creationId="{28B86F79-A8B8-D44A-87CF-FA42CC3AD003}"/>
+          </ac:picMkLst>
+        </pc:picChg>
+        <pc:picChg chg="del">
+          <ac:chgData name="Long B Nguyen" userId="f59fb8f3-a021-417a-8bc1-65c8d471c621" providerId="ADAL" clId="{09EBCD6D-3E32-1447-A1AF-87925F52689B}" dt="2021-05-20T13:18:19.183" v="3949" actId="478"/>
+          <ac:picMkLst>
+            <pc:docMk/>
+            <pc:sldMk cId="3921376357" sldId="596"/>
+            <ac:picMk id="8" creationId="{3222C8E2-94D5-4441-B799-D4EE90260063}"/>
+          </ac:picMkLst>
+        </pc:picChg>
+      </pc:sldChg>
+      <pc:sldChg chg="addSp delSp modSp new mod modAnim">
+        <pc:chgData name="Long B Nguyen" userId="f59fb8f3-a021-417a-8bc1-65c8d471c621" providerId="ADAL" clId="{09EBCD6D-3E32-1447-A1AF-87925F52689B}" dt="2021-05-21T13:34:12.350" v="4660" actId="20577"/>
+        <pc:sldMkLst>
+          <pc:docMk/>
+          <pc:sldMk cId="1444249637" sldId="597"/>
+        </pc:sldMkLst>
+        <pc:spChg chg="del mod">
+          <ac:chgData name="Long B Nguyen" userId="f59fb8f3-a021-417a-8bc1-65c8d471c621" providerId="ADAL" clId="{09EBCD6D-3E32-1447-A1AF-87925F52689B}" dt="2021-05-21T13:30:12.381" v="4346" actId="478"/>
+          <ac:spMkLst>
+            <pc:docMk/>
+            <pc:sldMk cId="1444249637" sldId="597"/>
+            <ac:spMk id="2" creationId="{3F511C37-0AA9-EB4C-9750-84C2EFC67014}"/>
+          </ac:spMkLst>
+        </pc:spChg>
+        <pc:spChg chg="mod">
+          <ac:chgData name="Long B Nguyen" userId="f59fb8f3-a021-417a-8bc1-65c8d471c621" providerId="ADAL" clId="{09EBCD6D-3E32-1447-A1AF-87925F52689B}" dt="2021-05-21T13:34:12.350" v="4660" actId="20577"/>
+          <ac:spMkLst>
+            <pc:docMk/>
+            <pc:sldMk cId="1444249637" sldId="597"/>
+            <ac:spMk id="3" creationId="{034DBEB9-A069-2F4C-A225-21AD101C45C3}"/>
+          </ac:spMkLst>
+        </pc:spChg>
+        <pc:picChg chg="add mod">
+          <ac:chgData name="Long B Nguyen" userId="f59fb8f3-a021-417a-8bc1-65c8d471c621" providerId="ADAL" clId="{09EBCD6D-3E32-1447-A1AF-87925F52689B}" dt="2021-05-21T13:31:37.373" v="4497" actId="1076"/>
+          <ac:picMkLst>
+            <pc:docMk/>
+            <pc:sldMk cId="1444249637" sldId="597"/>
+            <ac:picMk id="5" creationId="{4EDBF1DF-BFBD-644D-BAAB-4BA1DB08E8AE}"/>
+          </ac:picMkLst>
+        </pc:picChg>
+        <pc:picChg chg="add mod">
+          <ac:chgData name="Long B Nguyen" userId="f59fb8f3-a021-417a-8bc1-65c8d471c621" providerId="ADAL" clId="{09EBCD6D-3E32-1447-A1AF-87925F52689B}" dt="2021-05-21T13:31:39.134" v="4498" actId="1076"/>
+          <ac:picMkLst>
+            <pc:docMk/>
+            <pc:sldMk cId="1444249637" sldId="597"/>
+            <ac:picMk id="6" creationId="{28E68BE3-F047-CC46-84E4-A602D81C5CEB}"/>
+          </ac:picMkLst>
+        </pc:picChg>
+      </pc:sldChg>
+      <pc:sldChg chg="addSp delSp modSp new mod modAnim">
+        <pc:chgData name="Long B Nguyen" userId="f59fb8f3-a021-417a-8bc1-65c8d471c621" providerId="ADAL" clId="{09EBCD6D-3E32-1447-A1AF-87925F52689B}" dt="2021-05-21T13:32:42.141" v="4569" actId="20577"/>
+        <pc:sldMkLst>
+          <pc:docMk/>
+          <pc:sldMk cId="630346246" sldId="598"/>
+        </pc:sldMkLst>
+        <pc:spChg chg="del">
+          <ac:chgData name="Long B Nguyen" userId="f59fb8f3-a021-417a-8bc1-65c8d471c621" providerId="ADAL" clId="{09EBCD6D-3E32-1447-A1AF-87925F52689B}" dt="2021-05-21T13:31:47.461" v="4502" actId="478"/>
+          <ac:spMkLst>
+            <pc:docMk/>
+            <pc:sldMk cId="630346246" sldId="598"/>
+            <ac:spMk id="2" creationId="{BFC64B40-8A60-824C-9C0A-4BF45A2BA0DA}"/>
+          </ac:spMkLst>
+        </pc:spChg>
+        <pc:spChg chg="add del mod">
+          <ac:chgData name="Long B Nguyen" userId="f59fb8f3-a021-417a-8bc1-65c8d471c621" providerId="ADAL" clId="{09EBCD6D-3E32-1447-A1AF-87925F52689B}" dt="2021-05-21T13:31:58.093" v="4508" actId="478"/>
+          <ac:spMkLst>
+            <pc:docMk/>
+            <pc:sldMk cId="630346246" sldId="598"/>
+            <ac:spMk id="7" creationId="{736FB27B-8FFC-D443-A93C-77D433E7E517}"/>
+          </ac:spMkLst>
+        </pc:spChg>
+        <pc:spChg chg="add mod">
+          <ac:chgData name="Long B Nguyen" userId="f59fb8f3-a021-417a-8bc1-65c8d471c621" providerId="ADAL" clId="{09EBCD6D-3E32-1447-A1AF-87925F52689B}" dt="2021-05-21T13:32:42.141" v="4569" actId="20577"/>
+          <ac:spMkLst>
+            <pc:docMk/>
+            <pc:sldMk cId="630346246" sldId="598"/>
+            <ac:spMk id="8" creationId="{010B90D5-4FDD-BC4D-8B57-D1DE2E4C07E0}"/>
+          </ac:spMkLst>
+        </pc:spChg>
+        <pc:picChg chg="add mod">
+          <ac:chgData name="Long B Nguyen" userId="f59fb8f3-a021-417a-8bc1-65c8d471c621" providerId="ADAL" clId="{09EBCD6D-3E32-1447-A1AF-87925F52689B}" dt="2021-05-21T13:31:45.867" v="4501" actId="1076"/>
+          <ac:picMkLst>
+            <pc:docMk/>
+            <pc:sldMk cId="630346246" sldId="598"/>
+            <ac:picMk id="5" creationId="{460F7B94-6442-2946-9381-E8FA0C4FB81F}"/>
+          </ac:picMkLst>
+        </pc:picChg>
+        <pc:picChg chg="add mod">
+          <ac:chgData name="Long B Nguyen" userId="f59fb8f3-a021-417a-8bc1-65c8d471c621" providerId="ADAL" clId="{09EBCD6D-3E32-1447-A1AF-87925F52689B}" dt="2021-05-21T13:31:44.825" v="4500" actId="1076"/>
+          <ac:picMkLst>
+            <pc:docMk/>
+            <pc:sldMk cId="630346246" sldId="598"/>
+            <ac:picMk id="6" creationId="{57DB47A9-EB0E-364F-BBB7-AAE8B7B6B667}"/>
+          </ac:picMkLst>
+        </pc:picChg>
+      </pc:sldChg>
       <pc:sldChg chg="del">
         <pc:chgData name="Long B Nguyen" userId="f59fb8f3-a021-417a-8bc1-65c8d471c621" providerId="ADAL" clId="{09EBCD6D-3E32-1447-A1AF-87925F52689B}" dt="2021-05-17T12:18:23.192" v="23" actId="2696"/>
         <pc:sldMkLst>
@@ -5038,6 +5277,45 @@
           <pc:sldMk cId="1028645906" sldId="598"/>
         </pc:sldMkLst>
       </pc:sldChg>
+      <pc:sldChg chg="addSp delSp modSp new mod modAnim">
+        <pc:chgData name="Long B Nguyen" userId="f59fb8f3-a021-417a-8bc1-65c8d471c621" providerId="ADAL" clId="{09EBCD6D-3E32-1447-A1AF-87925F52689B}" dt="2021-05-21T13:34:21.980" v="4684" actId="20577"/>
+        <pc:sldMkLst>
+          <pc:docMk/>
+          <pc:sldMk cId="2996019340" sldId="599"/>
+        </pc:sldMkLst>
+        <pc:spChg chg="del">
+          <ac:chgData name="Long B Nguyen" userId="f59fb8f3-a021-417a-8bc1-65c8d471c621" providerId="ADAL" clId="{09EBCD6D-3E32-1447-A1AF-87925F52689B}" dt="2021-05-21T13:33:12.732" v="4574" actId="478"/>
+          <ac:spMkLst>
+            <pc:docMk/>
+            <pc:sldMk cId="2996019340" sldId="599"/>
+            <ac:spMk id="2" creationId="{5AF05C43-D62A-7642-B45B-E495ACA7A9EB}"/>
+          </ac:spMkLst>
+        </pc:spChg>
+        <pc:spChg chg="mod">
+          <ac:chgData name="Long B Nguyen" userId="f59fb8f3-a021-417a-8bc1-65c8d471c621" providerId="ADAL" clId="{09EBCD6D-3E32-1447-A1AF-87925F52689B}" dt="2021-05-21T13:33:06.684" v="4572" actId="20577"/>
+          <ac:spMkLst>
+            <pc:docMk/>
+            <pc:sldMk cId="2996019340" sldId="599"/>
+            <ac:spMk id="3" creationId="{FA0484DF-8911-E94C-84DB-39C3F8113617}"/>
+          </ac:spMkLst>
+        </pc:spChg>
+        <pc:spChg chg="add mod">
+          <ac:chgData name="Long B Nguyen" userId="f59fb8f3-a021-417a-8bc1-65c8d471c621" providerId="ADAL" clId="{09EBCD6D-3E32-1447-A1AF-87925F52689B}" dt="2021-05-21T13:34:21.980" v="4684" actId="20577"/>
+          <ac:spMkLst>
+            <pc:docMk/>
+            <pc:sldMk cId="2996019340" sldId="599"/>
+            <ac:spMk id="6" creationId="{46FDFBCD-AC70-9045-B464-A3D788DD7F33}"/>
+          </ac:spMkLst>
+        </pc:spChg>
+        <pc:picChg chg="add mod">
+          <ac:chgData name="Long B Nguyen" userId="f59fb8f3-a021-417a-8bc1-65c8d471c621" providerId="ADAL" clId="{09EBCD6D-3E32-1447-A1AF-87925F52689B}" dt="2021-05-21T13:33:08.683" v="4573" actId="1076"/>
+          <ac:picMkLst>
+            <pc:docMk/>
+            <pc:sldMk cId="2996019340" sldId="599"/>
+            <ac:picMk id="5" creationId="{8F9559E1-55A4-0447-8161-11B63597C693}"/>
+          </ac:picMkLst>
+        </pc:picChg>
+      </pc:sldChg>
       <pc:sldChg chg="del">
         <pc:chgData name="Long B Nguyen" userId="f59fb8f3-a021-417a-8bc1-65c8d471c621" providerId="ADAL" clId="{09EBCD6D-3E32-1447-A1AF-87925F52689B}" dt="2021-05-17T12:18:23.192" v="23" actId="2696"/>
         <pc:sldMkLst>
@@ -5045,6 +5323,29 @@
           <pc:sldMk cId="3182606397" sldId="600"/>
         </pc:sldMkLst>
       </pc:sldChg>
+      <pc:sldChg chg="addSp modSp new mod">
+        <pc:chgData name="Long B Nguyen" userId="f59fb8f3-a021-417a-8bc1-65c8d471c621" providerId="ADAL" clId="{09EBCD6D-3E32-1447-A1AF-87925F52689B}" dt="2021-05-20T13:33:53.268" v="4109" actId="1076"/>
+        <pc:sldMkLst>
+          <pc:docMk/>
+          <pc:sldMk cId="4124768698" sldId="600"/>
+        </pc:sldMkLst>
+        <pc:picChg chg="add mod">
+          <ac:chgData name="Long B Nguyen" userId="f59fb8f3-a021-417a-8bc1-65c8d471c621" providerId="ADAL" clId="{09EBCD6D-3E32-1447-A1AF-87925F52689B}" dt="2021-05-20T13:33:43.957" v="4107" actId="14100"/>
+          <ac:picMkLst>
+            <pc:docMk/>
+            <pc:sldMk cId="4124768698" sldId="600"/>
+            <ac:picMk id="5" creationId="{5C1529BA-AB1F-2D4C-8182-D9D5CC07971A}"/>
+          </ac:picMkLst>
+        </pc:picChg>
+        <pc:picChg chg="add mod">
+          <ac:chgData name="Long B Nguyen" userId="f59fb8f3-a021-417a-8bc1-65c8d471c621" providerId="ADAL" clId="{09EBCD6D-3E32-1447-A1AF-87925F52689B}" dt="2021-05-20T13:33:53.268" v="4109" actId="1076"/>
+          <ac:picMkLst>
+            <pc:docMk/>
+            <pc:sldMk cId="4124768698" sldId="600"/>
+            <ac:picMk id="6" creationId="{196C0651-DDD3-1344-AB86-6BEA48C62D61}"/>
+          </ac:picMkLst>
+        </pc:picChg>
+      </pc:sldChg>
       <pc:sldChg chg="del">
         <pc:chgData name="Long B Nguyen" userId="f59fb8f3-a021-417a-8bc1-65c8d471c621" providerId="ADAL" clId="{09EBCD6D-3E32-1447-A1AF-87925F52689B}" dt="2021-05-17T12:18:23.192" v="23" actId="2696"/>
         <pc:sldMkLst>
@@ -5052,6 +5353,21 @@
           <pc:sldMk cId="1311847592" sldId="601"/>
         </pc:sldMkLst>
       </pc:sldChg>
+      <pc:sldChg chg="addSp modSp new mod">
+        <pc:chgData name="Long B Nguyen" userId="f59fb8f3-a021-417a-8bc1-65c8d471c621" providerId="ADAL" clId="{09EBCD6D-3E32-1447-A1AF-87925F52689B}" dt="2021-05-20T13:37:23.478" v="4112" actId="1076"/>
+        <pc:sldMkLst>
+          <pc:docMk/>
+          <pc:sldMk cId="3965023673" sldId="601"/>
+        </pc:sldMkLst>
+        <pc:picChg chg="add mod">
+          <ac:chgData name="Long B Nguyen" userId="f59fb8f3-a021-417a-8bc1-65c8d471c621" providerId="ADAL" clId="{09EBCD6D-3E32-1447-A1AF-87925F52689B}" dt="2021-05-20T13:37:23.478" v="4112" actId="1076"/>
+          <ac:picMkLst>
+            <pc:docMk/>
+            <pc:sldMk cId="3965023673" sldId="601"/>
+            <ac:picMk id="5" creationId="{E032D684-F6F3-8B40-AB15-F1557A8C5E77}"/>
+          </ac:picMkLst>
+        </pc:picChg>
+      </pc:sldChg>
       <pc:sldChg chg="del">
         <pc:chgData name="Long B Nguyen" userId="f59fb8f3-a021-417a-8bc1-65c8d471c621" providerId="ADAL" clId="{09EBCD6D-3E32-1447-A1AF-87925F52689B}" dt="2021-05-17T12:18:23.192" v="23" actId="2696"/>
         <pc:sldMkLst>
@@ -5059,6 +5375,97 @@
           <pc:sldMk cId="62773732" sldId="602"/>
         </pc:sldMkLst>
       </pc:sldChg>
+      <pc:sldChg chg="addSp modSp new mod modAnim">
+        <pc:chgData name="Long B Nguyen" userId="f59fb8f3-a021-417a-8bc1-65c8d471c621" providerId="ADAL" clId="{09EBCD6D-3E32-1447-A1AF-87925F52689B}" dt="2021-05-21T14:00:07.738" v="4685"/>
+        <pc:sldMkLst>
+          <pc:docMk/>
+          <pc:sldMk cId="505390761" sldId="602"/>
+        </pc:sldMkLst>
+        <pc:spChg chg="mod">
+          <ac:chgData name="Long B Nguyen" userId="f59fb8f3-a021-417a-8bc1-65c8d471c621" providerId="ADAL" clId="{09EBCD6D-3E32-1447-A1AF-87925F52689B}" dt="2021-05-21T13:29:38.811" v="4341" actId="20577"/>
+          <ac:spMkLst>
+            <pc:docMk/>
+            <pc:sldMk cId="505390761" sldId="602"/>
+            <ac:spMk id="3" creationId="{142FF630-9D37-0348-AD24-A0A702F801C8}"/>
+          </ac:spMkLst>
+        </pc:spChg>
+        <pc:picChg chg="add mod">
+          <ac:chgData name="Long B Nguyen" userId="f59fb8f3-a021-417a-8bc1-65c8d471c621" providerId="ADAL" clId="{09EBCD6D-3E32-1447-A1AF-87925F52689B}" dt="2021-05-20T13:37:36.036" v="4115" actId="1076"/>
+          <ac:picMkLst>
+            <pc:docMk/>
+            <pc:sldMk cId="505390761" sldId="602"/>
+            <ac:picMk id="5" creationId="{7EEBDFCC-F53E-C545-BDB2-304091110A78}"/>
+          </ac:picMkLst>
+        </pc:picChg>
+      </pc:sldChg>
+      <pc:sldChg chg="addSp modSp new mod modAnim">
+        <pc:chgData name="Long B Nguyen" userId="f59fb8f3-a021-417a-8bc1-65c8d471c621" providerId="ADAL" clId="{09EBCD6D-3E32-1447-A1AF-87925F52689B}" dt="2021-05-21T13:28:18.456" v="4301"/>
+        <pc:sldMkLst>
+          <pc:docMk/>
+          <pc:sldMk cId="1522800028" sldId="603"/>
+        </pc:sldMkLst>
+        <pc:spChg chg="mod">
+          <ac:chgData name="Long B Nguyen" userId="f59fb8f3-a021-417a-8bc1-65c8d471c621" providerId="ADAL" clId="{09EBCD6D-3E32-1447-A1AF-87925F52689B}" dt="2021-05-21T13:28:13.505" v="4300" actId="20577"/>
+          <ac:spMkLst>
+            <pc:docMk/>
+            <pc:sldMk cId="1522800028" sldId="603"/>
+            <ac:spMk id="3" creationId="{C23CF70F-004B-CB4C-B658-A18B90D95303}"/>
+          </ac:spMkLst>
+        </pc:spChg>
+        <pc:picChg chg="add mod">
+          <ac:chgData name="Long B Nguyen" userId="f59fb8f3-a021-417a-8bc1-65c8d471c621" providerId="ADAL" clId="{09EBCD6D-3E32-1447-A1AF-87925F52689B}" dt="2021-05-20T13:38:17.987" v="4172" actId="1076"/>
+          <ac:picMkLst>
+            <pc:docMk/>
+            <pc:sldMk cId="1522800028" sldId="603"/>
+            <ac:picMk id="5" creationId="{73BEF1C2-4974-2E4C-8E8E-A3D772FAE714}"/>
+          </ac:picMkLst>
+        </pc:picChg>
+      </pc:sldChg>
+      <pc:sldChg chg="addSp modSp new mod modAnim">
+        <pc:chgData name="Long B Nguyen" userId="f59fb8f3-a021-417a-8bc1-65c8d471c621" providerId="ADAL" clId="{09EBCD6D-3E32-1447-A1AF-87925F52689B}" dt="2021-05-20T13:40:20.957" v="4214"/>
+        <pc:sldMkLst>
+          <pc:docMk/>
+          <pc:sldMk cId="1582772439" sldId="604"/>
+        </pc:sldMkLst>
+        <pc:picChg chg="add mod">
+          <ac:chgData name="Long B Nguyen" userId="f59fb8f3-a021-417a-8bc1-65c8d471c621" providerId="ADAL" clId="{09EBCD6D-3E32-1447-A1AF-87925F52689B}" dt="2021-05-20T13:40:04.798" v="4211" actId="1076"/>
+          <ac:picMkLst>
+            <pc:docMk/>
+            <pc:sldMk cId="1582772439" sldId="604"/>
+            <ac:picMk id="5" creationId="{698620B2-722F-D747-B2F1-9B36EF906554}"/>
+          </ac:picMkLst>
+        </pc:picChg>
+        <pc:picChg chg="add mod">
+          <ac:chgData name="Long B Nguyen" userId="f59fb8f3-a021-417a-8bc1-65c8d471c621" providerId="ADAL" clId="{09EBCD6D-3E32-1447-A1AF-87925F52689B}" dt="2021-05-20T13:40:15.616" v="4213" actId="1076"/>
+          <ac:picMkLst>
+            <pc:docMk/>
+            <pc:sldMk cId="1582772439" sldId="604"/>
+            <ac:picMk id="6" creationId="{559B7FF2-65E0-984B-8406-3B01D674EC51}"/>
+          </ac:picMkLst>
+        </pc:picChg>
+      </pc:sldChg>
+      <pc:sldChg chg="modSp add mod">
+        <pc:chgData name="Long B Nguyen" userId="f59fb8f3-a021-417a-8bc1-65c8d471c621" providerId="ADAL" clId="{09EBCD6D-3E32-1447-A1AF-87925F52689B}" dt="2021-05-21T15:17:20.541" v="4960" actId="113"/>
+        <pc:sldMkLst>
+          <pc:docMk/>
+          <pc:sldMk cId="2179424705" sldId="605"/>
+        </pc:sldMkLst>
+        <pc:spChg chg="mod">
+          <ac:chgData name="Long B Nguyen" userId="f59fb8f3-a021-417a-8bc1-65c8d471c621" providerId="ADAL" clId="{09EBCD6D-3E32-1447-A1AF-87925F52689B}" dt="2021-05-21T15:17:20.541" v="4960" actId="113"/>
+          <ac:spMkLst>
+            <pc:docMk/>
+            <pc:sldMk cId="2179424705" sldId="605"/>
+            <ac:spMk id="3" creationId="{1C4C3784-BDB6-584A-AFB0-C1D2E1193CE9}"/>
+          </ac:spMkLst>
+        </pc:spChg>
+      </pc:sldChg>
+      <pc:sldChg chg="add del">
+        <pc:chgData name="Long B Nguyen" userId="f59fb8f3-a021-417a-8bc1-65c8d471c621" providerId="ADAL" clId="{09EBCD6D-3E32-1447-A1AF-87925F52689B}" dt="2021-05-21T14:34:39.718" v="4767"/>
+        <pc:sldMkLst>
+          <pc:docMk/>
+          <pc:sldMk cId="97375686" sldId="606"/>
+        </pc:sldMkLst>
+      </pc:sldChg>
       <pc:sldChg chg="del">
         <pc:chgData name="Long B Nguyen" userId="f59fb8f3-a021-417a-8bc1-65c8d471c621" providerId="ADAL" clId="{09EBCD6D-3E32-1447-A1AF-87925F52689B}" dt="2021-05-17T12:18:23.192" v="23" actId="2696"/>
         <pc:sldMkLst>
@@ -5149,6 +5556,36 @@
           <pc:docMk/>
           <pc:sldMk cId="1444664834" sldId="624"/>
         </pc:sldMkLst>
+      </pc:sldChg>
+      <pc:sldChg chg="modSp add mod">
+        <pc:chgData name="Long B Nguyen" userId="f59fb8f3-a021-417a-8bc1-65c8d471c621" providerId="ADAL" clId="{09EBCD6D-3E32-1447-A1AF-87925F52689B}" dt="2021-05-21T15:16:44.740" v="4957" actId="21"/>
+        <pc:sldMkLst>
+          <pc:docMk/>
+          <pc:sldMk cId="1200012388" sldId="625"/>
+        </pc:sldMkLst>
+        <pc:spChg chg="mod">
+          <ac:chgData name="Long B Nguyen" userId="f59fb8f3-a021-417a-8bc1-65c8d471c621" providerId="ADAL" clId="{09EBCD6D-3E32-1447-A1AF-87925F52689B}" dt="2021-05-21T15:16:44.740" v="4957" actId="21"/>
+          <ac:spMkLst>
+            <pc:docMk/>
+            <pc:sldMk cId="1200012388" sldId="625"/>
+            <ac:spMk id="26627" creationId="{BD7CEE5B-C52A-794A-BCE5-C92159F2026F}"/>
+          </ac:spMkLst>
+        </pc:spChg>
+      </pc:sldChg>
+      <pc:sldChg chg="modSp add mod">
+        <pc:chgData name="Long B Nguyen" userId="f59fb8f3-a021-417a-8bc1-65c8d471c621" providerId="ADAL" clId="{09EBCD6D-3E32-1447-A1AF-87925F52689B}" dt="2021-05-21T15:16:58.932" v="4959" actId="255"/>
+        <pc:sldMkLst>
+          <pc:docMk/>
+          <pc:sldMk cId="660055805" sldId="626"/>
+        </pc:sldMkLst>
+        <pc:spChg chg="mod">
+          <ac:chgData name="Long B Nguyen" userId="f59fb8f3-a021-417a-8bc1-65c8d471c621" providerId="ADAL" clId="{09EBCD6D-3E32-1447-A1AF-87925F52689B}" dt="2021-05-21T15:16:58.932" v="4959" actId="255"/>
+          <ac:spMkLst>
+            <pc:docMk/>
+            <pc:sldMk cId="660055805" sldId="626"/>
+            <ac:spMk id="26627" creationId="{BD7CEE5B-C52A-794A-BCE5-C92159F2026F}"/>
+          </ac:spMkLst>
+        </pc:spChg>
       </pc:sldChg>
     </pc:docChg>
   </pc:docChgLst>
@@ -8830,7 +9267,7 @@
           <a:p>
             <a:fld id="{6EDD99D2-A624-5E4F-A4E3-584054837B5A}" type="datetimeFigureOut">
               <a:rPr lang="en-US" smtClean="0"/>
-              <a:t>5/20/21</a:t>
+              <a:t>5/21/21</a:t>
             </a:fld>
             <a:endParaRPr lang="en-US"/>
           </a:p>
@@ -9097,6 +9534,600 @@
 </p:notesMaster>
 </file>
 
+<file path=ppt/notesSlides/notesSlide1.xml><?xml version="1.0" encoding="utf-8"?>
+<p:notes xmlns:a="http://schemas.openxmlformats.org/drawingml/2006/main" xmlns:r="http://schemas.openxmlformats.org/officeDocument/2006/relationships" xmlns:p="http://schemas.openxmlformats.org/presentationml/2006/main">
+  <p:cSld>
+    <p:spTree>
+      <p:nvGrpSpPr>
+        <p:cNvPr id="1" name=""/>
+        <p:cNvGrpSpPr/>
+        <p:nvPr/>
+      </p:nvGrpSpPr>
+      <p:grpSpPr>
+        <a:xfrm>
+          <a:off x="0" y="0"/>
+          <a:ext cx="0" cy="0"/>
+          <a:chOff x="0" y="0"/>
+          <a:chExt cx="0" cy="0"/>
+        </a:xfrm>
+      </p:grpSpPr>
+      <p:sp>
+        <p:nvSpPr>
+          <p:cNvPr id="41985" name="Rectangle 7">
+            <a:extLst>
+              <a:ext uri="{FF2B5EF4-FFF2-40B4-BE49-F238E27FC236}">
+                <a16:creationId xmlns:a16="http://schemas.microsoft.com/office/drawing/2014/main" id="{1AC3CAEF-6444-904A-8CEC-9F39B7BEE5D3}"/>
+              </a:ext>
+            </a:extLst>
+          </p:cNvPr>
+          <p:cNvSpPr>
+            <a:spLocks noGrp="1" noChangeArrowheads="1"/>
+          </p:cNvSpPr>
+          <p:nvPr>
+            <p:ph type="sldNum" sz="quarter" idx="5"/>
+          </p:nvPr>
+        </p:nvSpPr>
+        <p:spPr bwMode="auto">
+          <a:noFill/>
+          <a:extLst>
+            <a:ext uri="{909E8E84-426E-40DD-AFC4-6F175D3DCCD1}">
+              <a14:hiddenFill xmlns:a14="http://schemas.microsoft.com/office/drawing/2010/main">
+                <a:solidFill>
+                  <a:srgbClr val="FFFFFF"/>
+                </a:solidFill>
+              </a14:hiddenFill>
+            </a:ext>
+            <a:ext uri="{91240B29-F687-4F45-9708-019B960494DF}">
+              <a14:hiddenLine xmlns:a14="http://schemas.microsoft.com/office/drawing/2010/main" w="9525">
+                <a:solidFill>
+                  <a:srgbClr val="000000"/>
+                </a:solidFill>
+                <a:miter lim="800000"/>
+                <a:headEnd/>
+                <a:tailEnd/>
+              </a14:hiddenLine>
+            </a:ext>
+          </a:extLst>
+        </p:spPr>
+        <p:txBody>
+          <a:bodyPr/>
+          <a:lstStyle>
+            <a:lvl1pPr>
+              <a:defRPr>
+                <a:solidFill>
+                  <a:schemeClr val="tx1"/>
+                </a:solidFill>
+                <a:latin typeface="Arial" panose="020B0604020202020204" pitchFamily="34" charset="0"/>
+                <a:ea typeface="ＭＳ Ｐゴシック" panose="020B0600070205080204" pitchFamily="34" charset="-128"/>
+              </a:defRPr>
+            </a:lvl1pPr>
+            <a:lvl2pPr marL="742950" indent="-285750">
+              <a:defRPr>
+                <a:solidFill>
+                  <a:schemeClr val="tx1"/>
+                </a:solidFill>
+                <a:latin typeface="Arial" panose="020B0604020202020204" pitchFamily="34" charset="0"/>
+                <a:ea typeface="ＭＳ Ｐゴシック" panose="020B0600070205080204" pitchFamily="34" charset="-128"/>
+              </a:defRPr>
+            </a:lvl2pPr>
+            <a:lvl3pPr marL="1143000" indent="-228600">
+              <a:defRPr>
+                <a:solidFill>
+                  <a:schemeClr val="tx1"/>
+                </a:solidFill>
+                <a:latin typeface="Arial" panose="020B0604020202020204" pitchFamily="34" charset="0"/>
+                <a:ea typeface="ＭＳ Ｐゴシック" panose="020B0600070205080204" pitchFamily="34" charset="-128"/>
+              </a:defRPr>
+            </a:lvl3pPr>
+            <a:lvl4pPr marL="1600200" indent="-228600">
+              <a:defRPr>
+                <a:solidFill>
+                  <a:schemeClr val="tx1"/>
+                </a:solidFill>
+                <a:latin typeface="Arial" panose="020B0604020202020204" pitchFamily="34" charset="0"/>
+                <a:ea typeface="ＭＳ Ｐゴシック" panose="020B0600070205080204" pitchFamily="34" charset="-128"/>
+              </a:defRPr>
+            </a:lvl4pPr>
+            <a:lvl5pPr marL="2057400" indent="-228600">
+              <a:defRPr>
+                <a:solidFill>
+                  <a:schemeClr val="tx1"/>
+                </a:solidFill>
+                <a:latin typeface="Arial" panose="020B0604020202020204" pitchFamily="34" charset="0"/>
+                <a:ea typeface="ＭＳ Ｐゴシック" panose="020B0600070205080204" pitchFamily="34" charset="-128"/>
+              </a:defRPr>
+            </a:lvl5pPr>
+            <a:lvl6pPr marL="2514600" indent="-228600" eaLnBrk="0" fontAlgn="base" hangingPunct="0">
+              <a:spcBef>
+                <a:spcPct val="0"/>
+              </a:spcBef>
+              <a:spcAft>
+                <a:spcPct val="0"/>
+              </a:spcAft>
+              <a:defRPr>
+                <a:solidFill>
+                  <a:schemeClr val="tx1"/>
+                </a:solidFill>
+                <a:latin typeface="Arial" panose="020B0604020202020204" pitchFamily="34" charset="0"/>
+                <a:ea typeface="ＭＳ Ｐゴシック" panose="020B0600070205080204" pitchFamily="34" charset="-128"/>
+              </a:defRPr>
+            </a:lvl6pPr>
+            <a:lvl7pPr marL="2971800" indent="-228600" eaLnBrk="0" fontAlgn="base" hangingPunct="0">
+              <a:spcBef>
+                <a:spcPct val="0"/>
+              </a:spcBef>
+              <a:spcAft>
+                <a:spcPct val="0"/>
+              </a:spcAft>
+              <a:defRPr>
+                <a:solidFill>
+                  <a:schemeClr val="tx1"/>
+                </a:solidFill>
+                <a:latin typeface="Arial" panose="020B0604020202020204" pitchFamily="34" charset="0"/>
+                <a:ea typeface="ＭＳ Ｐゴシック" panose="020B0600070205080204" pitchFamily="34" charset="-128"/>
+              </a:defRPr>
+            </a:lvl7pPr>
+            <a:lvl8pPr marL="3429000" indent="-228600" eaLnBrk="0" fontAlgn="base" hangingPunct="0">
+              <a:spcBef>
+                <a:spcPct val="0"/>
+              </a:spcBef>
+              <a:spcAft>
+                <a:spcPct val="0"/>
+              </a:spcAft>
+              <a:defRPr>
+                <a:solidFill>
+                  <a:schemeClr val="tx1"/>
+                </a:solidFill>
+                <a:latin typeface="Arial" panose="020B0604020202020204" pitchFamily="34" charset="0"/>
+                <a:ea typeface="ＭＳ Ｐゴシック" panose="020B0600070205080204" pitchFamily="34" charset="-128"/>
+              </a:defRPr>
+            </a:lvl8pPr>
+            <a:lvl9pPr marL="3886200" indent="-228600" eaLnBrk="0" fontAlgn="base" hangingPunct="0">
+              <a:spcBef>
+                <a:spcPct val="0"/>
+              </a:spcBef>
+              <a:spcAft>
+                <a:spcPct val="0"/>
+              </a:spcAft>
+              <a:defRPr>
+                <a:solidFill>
+                  <a:schemeClr val="tx1"/>
+                </a:solidFill>
+                <a:latin typeface="Arial" panose="020B0604020202020204" pitchFamily="34" charset="0"/>
+                <a:ea typeface="ＭＳ Ｐゴシック" panose="020B0600070205080204" pitchFamily="34" charset="-128"/>
+              </a:defRPr>
+            </a:lvl9pPr>
+          </a:lstStyle>
+          <a:p>
+            <a:fld id="{5D14BB6E-FC96-344A-B4E0-27895B327A35}" type="slidenum">
+              <a:rPr lang="en-US" altLang="en-US"/>
+              <a:pPr/>
+              <a:t>62</a:t>
+            </a:fld>
+            <a:endParaRPr lang="en-US" altLang="en-US"/>
+          </a:p>
+        </p:txBody>
+      </p:sp>
+      <p:sp>
+        <p:nvSpPr>
+          <p:cNvPr id="41986" name="Rectangle 2">
+            <a:extLst>
+              <a:ext uri="{FF2B5EF4-FFF2-40B4-BE49-F238E27FC236}">
+                <a16:creationId xmlns:a16="http://schemas.microsoft.com/office/drawing/2014/main" id="{0FA71902-1333-D343-9D02-68BEC75236D7}"/>
+              </a:ext>
+            </a:extLst>
+          </p:cNvPr>
+          <p:cNvSpPr>
+            <a:spLocks noGrp="1" noRot="1" noChangeAspect="1" noChangeArrowheads="1" noTextEdit="1"/>
+          </p:cNvSpPr>
+          <p:nvPr>
+            <p:ph type="sldImg"/>
+          </p:nvPr>
+        </p:nvSpPr>
+        <p:spPr bwMode="auto">
+          <a:xfrm>
+            <a:off x="687388" y="685800"/>
+            <a:ext cx="5486400" cy="3429000"/>
+          </a:xfrm>
+          <a:noFill/>
+          <a:ln>
+            <a:solidFill>
+              <a:srgbClr val="000000"/>
+            </a:solidFill>
+            <a:miter lim="800000"/>
+            <a:headEnd/>
+            <a:tailEnd/>
+          </a:ln>
+          <a:extLst>
+            <a:ext uri="{909E8E84-426E-40DD-AFC4-6F175D3DCCD1}">
+              <a14:hiddenFill xmlns:a14="http://schemas.microsoft.com/office/drawing/2010/main">
+                <a:solidFill>
+                  <a:srgbClr val="FFFFFF"/>
+                </a:solidFill>
+              </a14:hiddenFill>
+            </a:ext>
+          </a:extLst>
+        </p:spPr>
+      </p:sp>
+      <p:sp>
+        <p:nvSpPr>
+          <p:cNvPr id="55300" name="Rectangle 3">
+            <a:extLst>
+              <a:ext uri="{FF2B5EF4-FFF2-40B4-BE49-F238E27FC236}">
+                <a16:creationId xmlns:a16="http://schemas.microsoft.com/office/drawing/2014/main" id="{B12CE469-D47E-704A-8987-4EB92180A349}"/>
+              </a:ext>
+            </a:extLst>
+          </p:cNvPr>
+          <p:cNvSpPr>
+            <a:spLocks noGrp="1" noChangeArrowheads="1"/>
+          </p:cNvSpPr>
+          <p:nvPr>
+            <p:ph type="body" idx="1"/>
+          </p:nvPr>
+        </p:nvSpPr>
+        <p:spPr bwMode="auto">
+          <a:xfrm>
+            <a:off x="914400" y="4343400"/>
+            <a:ext cx="5029200" cy="4114800"/>
+          </a:xfrm>
+          <a:extLst>
+            <a:ext uri="{909E8E84-426E-40DD-AFC4-6F175D3DCCD1}">
+              <a14:hiddenFill xmlns:a14="http://schemas.microsoft.com/office/drawing/2010/main">
+                <a:solidFill>
+                  <a:srgbClr val="FFFFFF"/>
+                </a:solidFill>
+              </a14:hiddenFill>
+            </a:ext>
+            <a:ext uri="{91240B29-F687-4F45-9708-019B960494DF}">
+              <a14:hiddenLine xmlns:a14="http://schemas.microsoft.com/office/drawing/2010/main" w="9525">
+                <a:solidFill>
+                  <a:srgbClr val="000000"/>
+                </a:solidFill>
+                <a:miter lim="800000"/>
+                <a:headEnd/>
+                <a:tailEnd/>
+              </a14:hiddenLine>
+            </a:ext>
+            <a:ext uri="{AF507438-7753-43E0-B8FC-AC1667EBCBE1}">
+              <a14:hiddenEffects xmlns:a14="http://schemas.microsoft.com/office/drawing/2010/main">
+                <a:effectLst>
+                  <a:outerShdw blurRad="63500" dist="38099" dir="2700000" algn="ctr" rotWithShape="0">
+                    <a:schemeClr val="bg2">
+                      <a:alpha val="74997"/>
+                    </a:schemeClr>
+                  </a:outerShdw>
+                </a:effectLst>
+              </a14:hiddenEffects>
+            </a:ext>
+          </a:extLst>
+        </p:spPr>
+        <p:txBody>
+          <a:bodyPr wrap="square" numCol="1" anchor="t" anchorCtr="0" compatLnSpc="1">
+            <a:prstTxWarp prst="textNoShape">
+              <a:avLst/>
+            </a:prstTxWarp>
+          </a:bodyPr>
+          <a:lstStyle/>
+          <a:p>
+            <a:pPr eaLnBrk="1" hangingPunct="1">
+              <a:defRPr/>
+            </a:pPr>
+            <a:endParaRPr lang="en-US">
+              <a:cs typeface="+mn-cs"/>
+            </a:endParaRPr>
+          </a:p>
+        </p:txBody>
+      </p:sp>
+    </p:spTree>
+    <p:extLst>
+      <p:ext uri="{BB962C8B-B14F-4D97-AF65-F5344CB8AC3E}">
+        <p14:creationId xmlns:p14="http://schemas.microsoft.com/office/powerpoint/2010/main" val="2390605024"/>
+      </p:ext>
+    </p:extLst>
+  </p:cSld>
+  <p:clrMapOvr>
+    <a:masterClrMapping/>
+  </p:clrMapOvr>
+</p:notes>
+</file>
+
+<file path=ppt/notesSlides/notesSlide2.xml><?xml version="1.0" encoding="utf-8"?>
+<p:notes xmlns:a="http://schemas.openxmlformats.org/drawingml/2006/main" xmlns:r="http://schemas.openxmlformats.org/officeDocument/2006/relationships" xmlns:p="http://schemas.openxmlformats.org/presentationml/2006/main">
+  <p:cSld>
+    <p:spTree>
+      <p:nvGrpSpPr>
+        <p:cNvPr id="1" name=""/>
+        <p:cNvGrpSpPr/>
+        <p:nvPr/>
+      </p:nvGrpSpPr>
+      <p:grpSpPr>
+        <a:xfrm>
+          <a:off x="0" y="0"/>
+          <a:ext cx="0" cy="0"/>
+          <a:chOff x="0" y="0"/>
+          <a:chExt cx="0" cy="0"/>
+        </a:xfrm>
+      </p:grpSpPr>
+      <p:sp>
+        <p:nvSpPr>
+          <p:cNvPr id="41985" name="Rectangle 7">
+            <a:extLst>
+              <a:ext uri="{FF2B5EF4-FFF2-40B4-BE49-F238E27FC236}">
+                <a16:creationId xmlns:a16="http://schemas.microsoft.com/office/drawing/2014/main" id="{1AC3CAEF-6444-904A-8CEC-9F39B7BEE5D3}"/>
+              </a:ext>
+            </a:extLst>
+          </p:cNvPr>
+          <p:cNvSpPr>
+            <a:spLocks noGrp="1" noChangeArrowheads="1"/>
+          </p:cNvSpPr>
+          <p:nvPr>
+            <p:ph type="sldNum" sz="quarter" idx="5"/>
+          </p:nvPr>
+        </p:nvSpPr>
+        <p:spPr bwMode="auto">
+          <a:noFill/>
+          <a:extLst>
+            <a:ext uri="{909E8E84-426E-40DD-AFC4-6F175D3DCCD1}">
+              <a14:hiddenFill xmlns:a14="http://schemas.microsoft.com/office/drawing/2010/main">
+                <a:solidFill>
+                  <a:srgbClr val="FFFFFF"/>
+                </a:solidFill>
+              </a14:hiddenFill>
+            </a:ext>
+            <a:ext uri="{91240B29-F687-4F45-9708-019B960494DF}">
+              <a14:hiddenLine xmlns:a14="http://schemas.microsoft.com/office/drawing/2010/main" w="9525">
+                <a:solidFill>
+                  <a:srgbClr val="000000"/>
+                </a:solidFill>
+                <a:miter lim="800000"/>
+                <a:headEnd/>
+                <a:tailEnd/>
+              </a14:hiddenLine>
+            </a:ext>
+          </a:extLst>
+        </p:spPr>
+        <p:txBody>
+          <a:bodyPr/>
+          <a:lstStyle>
+            <a:lvl1pPr>
+              <a:defRPr>
+                <a:solidFill>
+                  <a:schemeClr val="tx1"/>
+                </a:solidFill>
+                <a:latin typeface="Arial" panose="020B0604020202020204" pitchFamily="34" charset="0"/>
+                <a:ea typeface="ＭＳ Ｐゴシック" panose="020B0600070205080204" pitchFamily="34" charset="-128"/>
+              </a:defRPr>
+            </a:lvl1pPr>
+            <a:lvl2pPr marL="742950" indent="-285750">
+              <a:defRPr>
+                <a:solidFill>
+                  <a:schemeClr val="tx1"/>
+                </a:solidFill>
+                <a:latin typeface="Arial" panose="020B0604020202020204" pitchFamily="34" charset="0"/>
+                <a:ea typeface="ＭＳ Ｐゴシック" panose="020B0600070205080204" pitchFamily="34" charset="-128"/>
+              </a:defRPr>
+            </a:lvl2pPr>
+            <a:lvl3pPr marL="1143000" indent="-228600">
+              <a:defRPr>
+                <a:solidFill>
+                  <a:schemeClr val="tx1"/>
+                </a:solidFill>
+                <a:latin typeface="Arial" panose="020B0604020202020204" pitchFamily="34" charset="0"/>
+                <a:ea typeface="ＭＳ Ｐゴシック" panose="020B0600070205080204" pitchFamily="34" charset="-128"/>
+              </a:defRPr>
+            </a:lvl3pPr>
+            <a:lvl4pPr marL="1600200" indent="-228600">
+              <a:defRPr>
+                <a:solidFill>
+                  <a:schemeClr val="tx1"/>
+                </a:solidFill>
+                <a:latin typeface="Arial" panose="020B0604020202020204" pitchFamily="34" charset="0"/>
+                <a:ea typeface="ＭＳ Ｐゴシック" panose="020B0600070205080204" pitchFamily="34" charset="-128"/>
+              </a:defRPr>
+            </a:lvl4pPr>
+            <a:lvl5pPr marL="2057400" indent="-228600">
+              <a:defRPr>
+                <a:solidFill>
+                  <a:schemeClr val="tx1"/>
+                </a:solidFill>
+                <a:latin typeface="Arial" panose="020B0604020202020204" pitchFamily="34" charset="0"/>
+                <a:ea typeface="ＭＳ Ｐゴシック" panose="020B0600070205080204" pitchFamily="34" charset="-128"/>
+              </a:defRPr>
+            </a:lvl5pPr>
+            <a:lvl6pPr marL="2514600" indent="-228600" eaLnBrk="0" fontAlgn="base" hangingPunct="0">
+              <a:spcBef>
+                <a:spcPct val="0"/>
+              </a:spcBef>
+              <a:spcAft>
+                <a:spcPct val="0"/>
+              </a:spcAft>
+              <a:defRPr>
+                <a:solidFill>
+                  <a:schemeClr val="tx1"/>
+                </a:solidFill>
+                <a:latin typeface="Arial" panose="020B0604020202020204" pitchFamily="34" charset="0"/>
+                <a:ea typeface="ＭＳ Ｐゴシック" panose="020B0600070205080204" pitchFamily="34" charset="-128"/>
+              </a:defRPr>
+            </a:lvl6pPr>
+            <a:lvl7pPr marL="2971800" indent="-228600" eaLnBrk="0" fontAlgn="base" hangingPunct="0">
+              <a:spcBef>
+                <a:spcPct val="0"/>
+              </a:spcBef>
+              <a:spcAft>
+                <a:spcPct val="0"/>
+              </a:spcAft>
+              <a:defRPr>
+                <a:solidFill>
+                  <a:schemeClr val="tx1"/>
+                </a:solidFill>
+                <a:latin typeface="Arial" panose="020B0604020202020204" pitchFamily="34" charset="0"/>
+                <a:ea typeface="ＭＳ Ｐゴシック" panose="020B0600070205080204" pitchFamily="34" charset="-128"/>
+              </a:defRPr>
+            </a:lvl7pPr>
+            <a:lvl8pPr marL="3429000" indent="-228600" eaLnBrk="0" fontAlgn="base" hangingPunct="0">
+              <a:spcBef>
+                <a:spcPct val="0"/>
+              </a:spcBef>
+              <a:spcAft>
+                <a:spcPct val="0"/>
+              </a:spcAft>
+              <a:defRPr>
+                <a:solidFill>
+                  <a:schemeClr val="tx1"/>
+                </a:solidFill>
+                <a:latin typeface="Arial" panose="020B0604020202020204" pitchFamily="34" charset="0"/>
+                <a:ea typeface="ＭＳ Ｐゴシック" panose="020B0600070205080204" pitchFamily="34" charset="-128"/>
+              </a:defRPr>
+            </a:lvl8pPr>
+            <a:lvl9pPr marL="3886200" indent="-228600" eaLnBrk="0" fontAlgn="base" hangingPunct="0">
+              <a:spcBef>
+                <a:spcPct val="0"/>
+              </a:spcBef>
+              <a:spcAft>
+                <a:spcPct val="0"/>
+              </a:spcAft>
+              <a:defRPr>
+                <a:solidFill>
+                  <a:schemeClr val="tx1"/>
+                </a:solidFill>
+                <a:latin typeface="Arial" panose="020B0604020202020204" pitchFamily="34" charset="0"/>
+                <a:ea typeface="ＭＳ Ｐゴシック" panose="020B0600070205080204" pitchFamily="34" charset="-128"/>
+              </a:defRPr>
+            </a:lvl9pPr>
+          </a:lstStyle>
+          <a:p>
+            <a:fld id="{5D14BB6E-FC96-344A-B4E0-27895B327A35}" type="slidenum">
+              <a:rPr lang="en-US" altLang="en-US"/>
+              <a:pPr/>
+              <a:t>63</a:t>
+            </a:fld>
+            <a:endParaRPr lang="en-US" altLang="en-US"/>
+          </a:p>
+        </p:txBody>
+      </p:sp>
+      <p:sp>
+        <p:nvSpPr>
+          <p:cNvPr id="41986" name="Rectangle 2">
+            <a:extLst>
+              <a:ext uri="{FF2B5EF4-FFF2-40B4-BE49-F238E27FC236}">
+                <a16:creationId xmlns:a16="http://schemas.microsoft.com/office/drawing/2014/main" id="{0FA71902-1333-D343-9D02-68BEC75236D7}"/>
+              </a:ext>
+            </a:extLst>
+          </p:cNvPr>
+          <p:cNvSpPr>
+            <a:spLocks noGrp="1" noRot="1" noChangeAspect="1" noChangeArrowheads="1" noTextEdit="1"/>
+          </p:cNvSpPr>
+          <p:nvPr>
+            <p:ph type="sldImg"/>
+          </p:nvPr>
+        </p:nvSpPr>
+        <p:spPr bwMode="auto">
+          <a:xfrm>
+            <a:off x="687388" y="685800"/>
+            <a:ext cx="5486400" cy="3429000"/>
+          </a:xfrm>
+          <a:noFill/>
+          <a:ln>
+            <a:solidFill>
+              <a:srgbClr val="000000"/>
+            </a:solidFill>
+            <a:miter lim="800000"/>
+            <a:headEnd/>
+            <a:tailEnd/>
+          </a:ln>
+          <a:extLst>
+            <a:ext uri="{909E8E84-426E-40DD-AFC4-6F175D3DCCD1}">
+              <a14:hiddenFill xmlns:a14="http://schemas.microsoft.com/office/drawing/2010/main">
+                <a:solidFill>
+                  <a:srgbClr val="FFFFFF"/>
+                </a:solidFill>
+              </a14:hiddenFill>
+            </a:ext>
+          </a:extLst>
+        </p:spPr>
+      </p:sp>
+      <p:sp>
+        <p:nvSpPr>
+          <p:cNvPr id="55300" name="Rectangle 3">
+            <a:extLst>
+              <a:ext uri="{FF2B5EF4-FFF2-40B4-BE49-F238E27FC236}">
+                <a16:creationId xmlns:a16="http://schemas.microsoft.com/office/drawing/2014/main" id="{B12CE469-D47E-704A-8987-4EB92180A349}"/>
+              </a:ext>
+            </a:extLst>
+          </p:cNvPr>
+          <p:cNvSpPr>
+            <a:spLocks noGrp="1" noChangeArrowheads="1"/>
+          </p:cNvSpPr>
+          <p:nvPr>
+            <p:ph type="body" idx="1"/>
+          </p:nvPr>
+        </p:nvSpPr>
+        <p:spPr bwMode="auto">
+          <a:xfrm>
+            <a:off x="914400" y="4343400"/>
+            <a:ext cx="5029200" cy="4114800"/>
+          </a:xfrm>
+          <a:extLst>
+            <a:ext uri="{909E8E84-426E-40DD-AFC4-6F175D3DCCD1}">
+              <a14:hiddenFill xmlns:a14="http://schemas.microsoft.com/office/drawing/2010/main">
+                <a:solidFill>
+                  <a:srgbClr val="FFFFFF"/>
+                </a:solidFill>
+              </a14:hiddenFill>
+            </a:ext>
+            <a:ext uri="{91240B29-F687-4F45-9708-019B960494DF}">
+              <a14:hiddenLine xmlns:a14="http://schemas.microsoft.com/office/drawing/2010/main" w="9525">
+                <a:solidFill>
+                  <a:srgbClr val="000000"/>
+                </a:solidFill>
+                <a:miter lim="800000"/>
+                <a:headEnd/>
+                <a:tailEnd/>
+              </a14:hiddenLine>
+            </a:ext>
+            <a:ext uri="{AF507438-7753-43E0-B8FC-AC1667EBCBE1}">
+              <a14:hiddenEffects xmlns:a14="http://schemas.microsoft.com/office/drawing/2010/main">
+                <a:effectLst>
+                  <a:outerShdw blurRad="63500" dist="38099" dir="2700000" algn="ctr" rotWithShape="0">
+                    <a:schemeClr val="bg2">
+                      <a:alpha val="74997"/>
+                    </a:schemeClr>
+                  </a:outerShdw>
+                </a:effectLst>
+              </a14:hiddenEffects>
+            </a:ext>
+          </a:extLst>
+        </p:spPr>
+        <p:txBody>
+          <a:bodyPr wrap="square" numCol="1" anchor="t" anchorCtr="0" compatLnSpc="1">
+            <a:prstTxWarp prst="textNoShape">
+              <a:avLst/>
+            </a:prstTxWarp>
+          </a:bodyPr>
+          <a:lstStyle/>
+          <a:p>
+            <a:pPr eaLnBrk="1" hangingPunct="1">
+              <a:defRPr/>
+            </a:pPr>
+            <a:endParaRPr lang="en-US">
+              <a:cs typeface="+mn-cs"/>
+            </a:endParaRPr>
+          </a:p>
+        </p:txBody>
+      </p:sp>
+    </p:spTree>
+    <p:extLst>
+      <p:ext uri="{BB962C8B-B14F-4D97-AF65-F5344CB8AC3E}">
+        <p14:creationId xmlns:p14="http://schemas.microsoft.com/office/powerpoint/2010/main" val="1679197110"/>
+      </p:ext>
+    </p:extLst>
+  </p:cSld>
+  <p:clrMapOvr>
+    <a:masterClrMapping/>
+  </p:clrMapOvr>
+</p:notes>
+</file>
+
 <file path=ppt/slideLayouts/slideLayout1.xml><?xml version="1.0" encoding="utf-8"?>
 <p:sldLayout xmlns:a="http://schemas.openxmlformats.org/drawingml/2006/main" xmlns:r="http://schemas.openxmlformats.org/officeDocument/2006/relationships" xmlns:p="http://schemas.openxmlformats.org/presentationml/2006/main" type="title" preserve="1">
   <p:cSld name="Title Slide">
@@ -9228,7 +10259,7 @@
           <a:p>
             <a:fld id="{C96F47CA-F895-6945-BE27-26692229FACF}" type="datetime1">
               <a:rPr lang="en-US" smtClean="0"/>
-              <a:t>5/20/21</a:t>
+              <a:t>5/21/21</a:t>
             </a:fld>
             <a:endParaRPr lang="en-US" dirty="0"/>
           </a:p>
@@ -9398,7 +10429,7 @@
           <a:p>
             <a:fld id="{AF706D67-2012-D043-9F80-5C2BDD609BD3}" type="datetime1">
               <a:rPr lang="en-US" smtClean="0"/>
-              <a:t>5/20/21</a:t>
+              <a:t>5/21/21</a:t>
             </a:fld>
             <a:endParaRPr lang="en-US" dirty="0"/>
           </a:p>
@@ -9578,7 +10609,7 @@
           <a:p>
             <a:fld id="{5B79ACE4-03B6-794A-A48C-13F9598CCD28}" type="datetime1">
               <a:rPr lang="en-US" smtClean="0"/>
-              <a:t>5/20/21</a:t>
+              <a:t>5/21/21</a:t>
             </a:fld>
             <a:endParaRPr lang="en-US" dirty="0"/>
           </a:p>
@@ -9748,7 +10779,7 @@
           <a:p>
             <a:fld id="{6DA7C96B-D6FF-5D47-8EF3-542FD5A88E7C}" type="datetime1">
               <a:rPr lang="en-US" smtClean="0"/>
-              <a:t>5/20/21</a:t>
+              <a:t>5/21/21</a:t>
             </a:fld>
             <a:endParaRPr lang="en-US" dirty="0"/>
           </a:p>
@@ -9994,7 +11025,7 @@
           <a:p>
             <a:fld id="{5A6358E7-4856-3046-9420-8ADBF7A86D8C}" type="datetime1">
               <a:rPr lang="en-US" smtClean="0"/>
-              <a:t>5/20/21</a:t>
+              <a:t>5/21/21</a:t>
             </a:fld>
             <a:endParaRPr lang="en-US" dirty="0"/>
           </a:p>
@@ -10226,7 +11257,7 @@
           <a:p>
             <a:fld id="{6779F35A-9F43-7048-AA95-2DCA7E8C0780}" type="datetime1">
               <a:rPr lang="en-US" smtClean="0"/>
-              <a:t>5/20/21</a:t>
+              <a:t>5/21/21</a:t>
             </a:fld>
             <a:endParaRPr lang="en-US" dirty="0"/>
           </a:p>
@@ -10593,7 +11624,7 @@
           <a:p>
             <a:fld id="{B7CB2D7C-E370-DC40-8D10-DF8CB1A188CA}" type="datetime1">
               <a:rPr lang="en-US" smtClean="0"/>
-              <a:t>5/20/21</a:t>
+              <a:t>5/21/21</a:t>
             </a:fld>
             <a:endParaRPr lang="en-US" dirty="0"/>
           </a:p>
@@ -10711,7 +11742,7 @@
           <a:p>
             <a:fld id="{68AA69A2-3CD0-BE49-AF6E-9E037A40F43F}" type="datetime1">
               <a:rPr lang="en-US" smtClean="0"/>
-              <a:t>5/20/21</a:t>
+              <a:t>5/21/21</a:t>
             </a:fld>
             <a:endParaRPr lang="en-US" dirty="0"/>
           </a:p>
@@ -10806,7 +11837,7 @@
           <a:p>
             <a:fld id="{1EB50D9D-ACA9-3C4A-A3FC-7A265C0CEBD3}" type="datetime1">
               <a:rPr lang="en-US" smtClean="0"/>
-              <a:t>5/20/21</a:t>
+              <a:t>5/21/21</a:t>
             </a:fld>
             <a:endParaRPr lang="en-US" dirty="0"/>
           </a:p>
@@ -11083,7 +12114,7 @@
           <a:p>
             <a:fld id="{A08B2DD4-8739-D748-B308-CD7D801B0131}" type="datetime1">
               <a:rPr lang="en-US" smtClean="0"/>
-              <a:t>5/20/21</a:t>
+              <a:t>5/21/21</a:t>
             </a:fld>
             <a:endParaRPr lang="en-US" dirty="0"/>
           </a:p>
@@ -11340,7 +12371,7 @@
           <a:p>
             <a:fld id="{98622575-E24A-D548-838B-E385F9D0E59A}" type="datetime1">
               <a:rPr lang="en-US" smtClean="0"/>
-              <a:t>5/20/21</a:t>
+              <a:t>5/21/21</a:t>
             </a:fld>
             <a:endParaRPr lang="en-US" dirty="0"/>
           </a:p>
@@ -11553,7 +12584,7 @@
           <a:p>
             <a:fld id="{272BAF4E-9F7C-284D-B40D-0B83E546F887}" type="datetime1">
               <a:rPr lang="en-US" smtClean="0"/>
-              <a:t>5/20/21</a:t>
+              <a:t>5/21/21</a:t>
             </a:fld>
             <a:endParaRPr lang="en-US" dirty="0"/>
           </a:p>
@@ -20786,6 +21817,183 @@
       </p:sp>
       <p:pic>
         <p:nvPicPr>
+          <p:cNvPr id="5" name="Picture 4">
+            <a:extLst>
+              <a:ext uri="{FF2B5EF4-FFF2-40B4-BE49-F238E27FC236}">
+                <a16:creationId xmlns:a16="http://schemas.microsoft.com/office/drawing/2014/main" id="{26E2B773-5F13-DB46-A541-C8A1696DC9EB}"/>
+              </a:ext>
+            </a:extLst>
+          </p:cNvPr>
+          <p:cNvPicPr>
+            <a:picLocks noChangeAspect="1"/>
+          </p:cNvPicPr>
+          <p:nvPr/>
+        </p:nvPicPr>
+        <p:blipFill>
+          <a:blip r:embed="rId2"/>
+          <a:stretch>
+            <a:fillRect/>
+          </a:stretch>
+        </p:blipFill>
+        <p:spPr>
+          <a:xfrm>
+            <a:off x="430843" y="2922059"/>
+            <a:ext cx="3911600" cy="2374900"/>
+          </a:xfrm>
+          <a:prstGeom prst="rect">
+            <a:avLst/>
+          </a:prstGeom>
+        </p:spPr>
+      </p:pic>
+      <p:pic>
+        <p:nvPicPr>
+          <p:cNvPr id="9" name="Picture 8">
+            <a:extLst>
+              <a:ext uri="{FF2B5EF4-FFF2-40B4-BE49-F238E27FC236}">
+                <a16:creationId xmlns:a16="http://schemas.microsoft.com/office/drawing/2014/main" id="{72FF9CE1-69F3-5546-ACC5-D37F81D1C682}"/>
+              </a:ext>
+            </a:extLst>
+          </p:cNvPr>
+          <p:cNvPicPr>
+            <a:picLocks noChangeAspect="1"/>
+          </p:cNvPicPr>
+          <p:nvPr/>
+        </p:nvPicPr>
+        <p:blipFill>
+          <a:blip r:embed="rId3"/>
+          <a:stretch>
+            <a:fillRect/>
+          </a:stretch>
+        </p:blipFill>
+        <p:spPr>
+          <a:xfrm>
+            <a:off x="158924" y="673100"/>
+            <a:ext cx="6972300" cy="1993900"/>
+          </a:xfrm>
+          <a:prstGeom prst="rect">
+            <a:avLst/>
+          </a:prstGeom>
+        </p:spPr>
+      </p:pic>
+    </p:spTree>
+    <p:extLst>
+      <p:ext uri="{BB962C8B-B14F-4D97-AF65-F5344CB8AC3E}">
+        <p14:creationId xmlns:p14="http://schemas.microsoft.com/office/powerpoint/2010/main" val="192280408"/>
+      </p:ext>
+    </p:extLst>
+  </p:cSld>
+  <p:clrMapOvr>
+    <a:masterClrMapping/>
+  </p:clrMapOvr>
+</p:sld>
+</file>
+
+<file path=ppt/slides/slide34.xml><?xml version="1.0" encoding="utf-8"?>
+<p:sld xmlns:a="http://schemas.openxmlformats.org/drawingml/2006/main" xmlns:r="http://schemas.openxmlformats.org/officeDocument/2006/relationships" xmlns:p="http://schemas.openxmlformats.org/presentationml/2006/main">
+  <p:cSld>
+    <p:spTree>
+      <p:nvGrpSpPr>
+        <p:cNvPr id="1" name=""/>
+        <p:cNvGrpSpPr/>
+        <p:nvPr/>
+      </p:nvGrpSpPr>
+      <p:grpSpPr>
+        <a:xfrm>
+          <a:off x="0" y="0"/>
+          <a:ext cx="0" cy="0"/>
+          <a:chOff x="0" y="0"/>
+          <a:chExt cx="0" cy="0"/>
+        </a:xfrm>
+      </p:grpSpPr>
+      <p:sp>
+        <p:nvSpPr>
+          <p:cNvPr id="2" name="Title 1">
+            <a:extLst>
+              <a:ext uri="{FF2B5EF4-FFF2-40B4-BE49-F238E27FC236}">
+                <a16:creationId xmlns:a16="http://schemas.microsoft.com/office/drawing/2014/main" id="{81DA7AEF-5DFF-DE4B-AB7D-FCB78C3BA9A2}"/>
+              </a:ext>
+            </a:extLst>
+          </p:cNvPr>
+          <p:cNvSpPr>
+            <a:spLocks noGrp="1"/>
+          </p:cNvSpPr>
+          <p:nvPr>
+            <p:ph type="title"/>
+          </p:nvPr>
+        </p:nvSpPr>
+        <p:spPr>
+          <a:xfrm>
+            <a:off x="311150" y="75141"/>
+            <a:ext cx="7886700" cy="762174"/>
+          </a:xfrm>
+        </p:spPr>
+        <p:txBody>
+          <a:bodyPr/>
+          <a:lstStyle/>
+          <a:p>
+            <a:r>
+              <a:rPr lang="en-US" dirty="0"/>
+              <a:t>Lists</a:t>
+            </a:r>
+          </a:p>
+        </p:txBody>
+      </p:sp>
+      <p:sp>
+        <p:nvSpPr>
+          <p:cNvPr id="3" name="Content Placeholder 2">
+            <a:extLst>
+              <a:ext uri="{FF2B5EF4-FFF2-40B4-BE49-F238E27FC236}">
+                <a16:creationId xmlns:a16="http://schemas.microsoft.com/office/drawing/2014/main" id="{39F63C40-C1B9-5E43-822C-1EE1EE79D949}"/>
+              </a:ext>
+            </a:extLst>
+          </p:cNvPr>
+          <p:cNvSpPr>
+            <a:spLocks noGrp="1"/>
+          </p:cNvSpPr>
+          <p:nvPr>
+            <p:ph idx="1"/>
+          </p:nvPr>
+        </p:nvSpPr>
+        <p:spPr/>
+        <p:txBody>
+          <a:bodyPr/>
+          <a:lstStyle/>
+          <a:p>
+            <a:endParaRPr lang="en-US"/>
+          </a:p>
+        </p:txBody>
+      </p:sp>
+      <p:sp>
+        <p:nvSpPr>
+          <p:cNvPr id="4" name="Slide Number Placeholder 3">
+            <a:extLst>
+              <a:ext uri="{FF2B5EF4-FFF2-40B4-BE49-F238E27FC236}">
+                <a16:creationId xmlns:a16="http://schemas.microsoft.com/office/drawing/2014/main" id="{D861617E-651C-1F47-870A-49C39AFB61CE}"/>
+              </a:ext>
+            </a:extLst>
+          </p:cNvPr>
+          <p:cNvSpPr>
+            <a:spLocks noGrp="1"/>
+          </p:cNvSpPr>
+          <p:nvPr>
+            <p:ph type="sldNum" sz="quarter" idx="12"/>
+          </p:nvPr>
+        </p:nvSpPr>
+        <p:spPr/>
+        <p:txBody>
+          <a:bodyPr/>
+          <a:lstStyle/>
+          <a:p>
+            <a:fld id="{D57F1E4F-1CFF-5643-939E-02111984F565}" type="slidenum">
+              <a:rPr lang="en-US" smtClean="0"/>
+              <a:t>34</a:t>
+            </a:fld>
+            <a:endParaRPr lang="en-US" dirty="0"/>
+          </a:p>
+        </p:txBody>
+      </p:sp>
+      <p:pic>
+        <p:nvPicPr>
           <p:cNvPr id="6" name="Picture 5">
             <a:extLst>
               <a:ext uri="{FF2B5EF4-FFF2-40B4-BE49-F238E27FC236}">
@@ -20847,7 +22055,7 @@
     </p:spTree>
     <p:extLst>
       <p:ext uri="{BB962C8B-B14F-4D97-AF65-F5344CB8AC3E}">
-        <p14:creationId xmlns:p14="http://schemas.microsoft.com/office/powerpoint/2010/main" val="192280408"/>
+        <p14:creationId xmlns:p14="http://schemas.microsoft.com/office/powerpoint/2010/main" val="3921376357"/>
       </p:ext>
     </p:extLst>
   </p:cSld>
@@ -20932,7 +22140,2095 @@
 </p:sld>
 </file>
 
-<file path=ppt/slides/slide34.xml><?xml version="1.0" encoding="utf-8"?>
+<file path=ppt/slides/slide35.xml><?xml version="1.0" encoding="utf-8"?>
+<p:sld xmlns:a="http://schemas.openxmlformats.org/drawingml/2006/main" xmlns:r="http://schemas.openxmlformats.org/officeDocument/2006/relationships" xmlns:p="http://schemas.openxmlformats.org/presentationml/2006/main">
+  <p:cSld>
+    <p:spTree>
+      <p:nvGrpSpPr>
+        <p:cNvPr id="1" name=""/>
+        <p:cNvGrpSpPr/>
+        <p:nvPr/>
+      </p:nvGrpSpPr>
+      <p:grpSpPr>
+        <a:xfrm>
+          <a:off x="0" y="0"/>
+          <a:ext cx="0" cy="0"/>
+          <a:chOff x="0" y="0"/>
+          <a:chExt cx="0" cy="0"/>
+        </a:xfrm>
+      </p:grpSpPr>
+      <p:sp>
+        <p:nvSpPr>
+          <p:cNvPr id="3" name="Content Placeholder 2">
+            <a:extLst>
+              <a:ext uri="{FF2B5EF4-FFF2-40B4-BE49-F238E27FC236}">
+                <a16:creationId xmlns:a16="http://schemas.microsoft.com/office/drawing/2014/main" id="{034DBEB9-A069-2F4C-A225-21AD101C45C3}"/>
+              </a:ext>
+            </a:extLst>
+          </p:cNvPr>
+          <p:cNvSpPr>
+            <a:spLocks noGrp="1"/>
+          </p:cNvSpPr>
+          <p:nvPr>
+            <p:ph idx="1"/>
+          </p:nvPr>
+        </p:nvSpPr>
+        <p:spPr>
+          <a:xfrm>
+            <a:off x="313151" y="113770"/>
+            <a:ext cx="8202199" cy="5033699"/>
+          </a:xfrm>
+        </p:spPr>
+        <p:txBody>
+          <a:bodyPr/>
+          <a:lstStyle/>
+          <a:p>
+            <a:pPr marL="0" indent="0">
+              <a:buNone/>
+            </a:pPr>
+            <a:endParaRPr lang="en-US" dirty="0"/>
+          </a:p>
+          <a:p>
+            <a:pPr marL="0" indent="0">
+              <a:buNone/>
+            </a:pPr>
+            <a:r>
+              <a:rPr lang="en-US" dirty="0"/>
+              <a:t>The INSERT(list, </a:t>
+            </a:r>
+            <a:r>
+              <a:rPr lang="en-US" dirty="0" err="1"/>
+              <a:t>i</a:t>
+            </a:r>
+            <a:r>
+              <a:rPr lang="en-US" dirty="0"/>
+              <a:t>, item) will insert the item at index </a:t>
+            </a:r>
+            <a:r>
+              <a:rPr lang="en-US" dirty="0" err="1"/>
+              <a:t>i</a:t>
+            </a:r>
+            <a:r>
+              <a:rPr lang="en-US" dirty="0"/>
+              <a:t> and shift right items at index </a:t>
+            </a:r>
+            <a:r>
+              <a:rPr lang="en-US" dirty="0" err="1"/>
+              <a:t>i</a:t>
+            </a:r>
+            <a:r>
+              <a:rPr lang="en-US" dirty="0"/>
+              <a:t> or higher. </a:t>
+            </a:r>
+          </a:p>
+        </p:txBody>
+      </p:sp>
+      <p:sp>
+        <p:nvSpPr>
+          <p:cNvPr id="4" name="Slide Number Placeholder 3">
+            <a:extLst>
+              <a:ext uri="{FF2B5EF4-FFF2-40B4-BE49-F238E27FC236}">
+                <a16:creationId xmlns:a16="http://schemas.microsoft.com/office/drawing/2014/main" id="{4309B133-990B-5D4D-93E8-D2BE01F92954}"/>
+              </a:ext>
+            </a:extLst>
+          </p:cNvPr>
+          <p:cNvSpPr>
+            <a:spLocks noGrp="1"/>
+          </p:cNvSpPr>
+          <p:nvPr>
+            <p:ph type="sldNum" sz="quarter" idx="12"/>
+          </p:nvPr>
+        </p:nvSpPr>
+        <p:spPr/>
+        <p:txBody>
+          <a:bodyPr/>
+          <a:lstStyle/>
+          <a:p>
+            <a:fld id="{D57F1E4F-1CFF-5643-939E-02111984F565}" type="slidenum">
+              <a:rPr lang="en-US" smtClean="0"/>
+              <a:t>35</a:t>
+            </a:fld>
+            <a:endParaRPr lang="en-US" dirty="0"/>
+          </a:p>
+        </p:txBody>
+      </p:sp>
+      <p:pic>
+        <p:nvPicPr>
+          <p:cNvPr id="5" name="Picture 4">
+            <a:extLst>
+              <a:ext uri="{FF2B5EF4-FFF2-40B4-BE49-F238E27FC236}">
+                <a16:creationId xmlns:a16="http://schemas.microsoft.com/office/drawing/2014/main" id="{4EDBF1DF-BFBD-644D-BAAB-4BA1DB08E8AE}"/>
+              </a:ext>
+            </a:extLst>
+          </p:cNvPr>
+          <p:cNvPicPr>
+            <a:picLocks noChangeAspect="1"/>
+          </p:cNvPicPr>
+          <p:nvPr/>
+        </p:nvPicPr>
+        <p:blipFill>
+          <a:blip r:embed="rId2"/>
+          <a:stretch>
+            <a:fillRect/>
+          </a:stretch>
+        </p:blipFill>
+        <p:spPr>
+          <a:xfrm>
+            <a:off x="-87682" y="1441758"/>
+            <a:ext cx="8822914" cy="1572712"/>
+          </a:xfrm>
+          <a:prstGeom prst="rect">
+            <a:avLst/>
+          </a:prstGeom>
+        </p:spPr>
+      </p:pic>
+      <p:pic>
+        <p:nvPicPr>
+          <p:cNvPr id="6" name="Picture 5">
+            <a:extLst>
+              <a:ext uri="{FF2B5EF4-FFF2-40B4-BE49-F238E27FC236}">
+                <a16:creationId xmlns:a16="http://schemas.microsoft.com/office/drawing/2014/main" id="{28E68BE3-F047-CC46-84E4-A602D81C5CEB}"/>
+              </a:ext>
+            </a:extLst>
+          </p:cNvPr>
+          <p:cNvPicPr>
+            <a:picLocks noChangeAspect="1"/>
+          </p:cNvPicPr>
+          <p:nvPr/>
+        </p:nvPicPr>
+        <p:blipFill>
+          <a:blip r:embed="rId3"/>
+          <a:stretch>
+            <a:fillRect/>
+          </a:stretch>
+        </p:blipFill>
+        <p:spPr>
+          <a:xfrm>
+            <a:off x="173122" y="3294613"/>
+            <a:ext cx="8970878" cy="1572712"/>
+          </a:xfrm>
+          <a:prstGeom prst="rect">
+            <a:avLst/>
+          </a:prstGeom>
+        </p:spPr>
+      </p:pic>
+    </p:spTree>
+    <p:extLst>
+      <p:ext uri="{BB962C8B-B14F-4D97-AF65-F5344CB8AC3E}">
+        <p14:creationId xmlns:p14="http://schemas.microsoft.com/office/powerpoint/2010/main" val="1444249637"/>
+      </p:ext>
+    </p:extLst>
+  </p:cSld>
+  <p:clrMapOvr>
+    <a:masterClrMapping/>
+  </p:clrMapOvr>
+  <p:timing>
+    <p:tnLst>
+      <p:par>
+        <p:cTn id="1" dur="indefinite" restart="never" nodeType="tmRoot">
+          <p:childTnLst>
+            <p:seq concurrent="1" nextAc="seek">
+              <p:cTn id="2" dur="indefinite" nodeType="mainSeq">
+                <p:childTnLst>
+                  <p:par>
+                    <p:cTn id="3" fill="hold">
+                      <p:stCondLst>
+                        <p:cond delay="indefinite"/>
+                      </p:stCondLst>
+                      <p:childTnLst>
+                        <p:par>
+                          <p:cTn id="4" fill="hold">
+                            <p:stCondLst>
+                              <p:cond delay="0"/>
+                            </p:stCondLst>
+                            <p:childTnLst>
+                              <p:par>
+                                <p:cTn id="5" presetID="1" presetClass="entr" presetSubtype="0" fill="hold" nodeType="clickEffect">
+                                  <p:stCondLst>
+                                    <p:cond delay="0"/>
+                                  </p:stCondLst>
+                                  <p:childTnLst>
+                                    <p:set>
+                                      <p:cBhvr>
+                                        <p:cTn id="6" dur="1" fill="hold">
+                                          <p:stCondLst>
+                                            <p:cond delay="0"/>
+                                          </p:stCondLst>
+                                        </p:cTn>
+                                        <p:tgtEl>
+                                          <p:spTgt spid="6"/>
+                                        </p:tgtEl>
+                                        <p:attrNameLst>
+                                          <p:attrName>style.visibility</p:attrName>
+                                        </p:attrNameLst>
+                                      </p:cBhvr>
+                                      <p:to>
+                                        <p:strVal val="visible"/>
+                                      </p:to>
+                                    </p:set>
+                                  </p:childTnLst>
+                                </p:cTn>
+                              </p:par>
+                            </p:childTnLst>
+                          </p:cTn>
+                        </p:par>
+                      </p:childTnLst>
+                    </p:cTn>
+                  </p:par>
+                </p:childTnLst>
+              </p:cTn>
+              <p:prevCondLst>
+                <p:cond evt="onPrev" delay="0">
+                  <p:tgtEl>
+                    <p:sldTgt/>
+                  </p:tgtEl>
+                </p:cond>
+              </p:prevCondLst>
+              <p:nextCondLst>
+                <p:cond evt="onNext" delay="0">
+                  <p:tgtEl>
+                    <p:sldTgt/>
+                  </p:tgtEl>
+                </p:cond>
+              </p:nextCondLst>
+            </p:seq>
+          </p:childTnLst>
+        </p:cTn>
+      </p:par>
+    </p:tnLst>
+  </p:timing>
+</p:sld>
+</file>
+
+<file path=ppt/slides/slide36.xml><?xml version="1.0" encoding="utf-8"?>
+<p:sld xmlns:a="http://schemas.openxmlformats.org/drawingml/2006/main" xmlns:r="http://schemas.openxmlformats.org/officeDocument/2006/relationships" xmlns:p="http://schemas.openxmlformats.org/presentationml/2006/main">
+  <p:cSld>
+    <p:spTree>
+      <p:nvGrpSpPr>
+        <p:cNvPr id="1" name=""/>
+        <p:cNvGrpSpPr/>
+        <p:nvPr/>
+      </p:nvGrpSpPr>
+      <p:grpSpPr>
+        <a:xfrm>
+          <a:off x="0" y="0"/>
+          <a:ext cx="0" cy="0"/>
+          <a:chOff x="0" y="0"/>
+          <a:chExt cx="0" cy="0"/>
+        </a:xfrm>
+      </p:grpSpPr>
+      <p:sp>
+        <p:nvSpPr>
+          <p:cNvPr id="3" name="Content Placeholder 2">
+            <a:extLst>
+              <a:ext uri="{FF2B5EF4-FFF2-40B4-BE49-F238E27FC236}">
+                <a16:creationId xmlns:a16="http://schemas.microsoft.com/office/drawing/2014/main" id="{3B1293E0-755E-6640-BEFF-388514F1CB8D}"/>
+              </a:ext>
+            </a:extLst>
+          </p:cNvPr>
+          <p:cNvSpPr>
+            <a:spLocks noGrp="1"/>
+          </p:cNvSpPr>
+          <p:nvPr>
+            <p:ph idx="1"/>
+          </p:nvPr>
+        </p:nvSpPr>
+        <p:spPr/>
+        <p:txBody>
+          <a:bodyPr/>
+          <a:lstStyle/>
+          <a:p>
+            <a:endParaRPr lang="en-US" dirty="0"/>
+          </a:p>
+        </p:txBody>
+      </p:sp>
+      <p:sp>
+        <p:nvSpPr>
+          <p:cNvPr id="4" name="Slide Number Placeholder 3">
+            <a:extLst>
+              <a:ext uri="{FF2B5EF4-FFF2-40B4-BE49-F238E27FC236}">
+                <a16:creationId xmlns:a16="http://schemas.microsoft.com/office/drawing/2014/main" id="{A9965C31-C49F-E94D-8801-02AC7EB244D2}"/>
+              </a:ext>
+            </a:extLst>
+          </p:cNvPr>
+          <p:cNvSpPr>
+            <a:spLocks noGrp="1"/>
+          </p:cNvSpPr>
+          <p:nvPr>
+            <p:ph type="sldNum" sz="quarter" idx="12"/>
+          </p:nvPr>
+        </p:nvSpPr>
+        <p:spPr/>
+        <p:txBody>
+          <a:bodyPr/>
+          <a:lstStyle/>
+          <a:p>
+            <a:fld id="{D57F1E4F-1CFF-5643-939E-02111984F565}" type="slidenum">
+              <a:rPr lang="en-US" smtClean="0"/>
+              <a:t>36</a:t>
+            </a:fld>
+            <a:endParaRPr lang="en-US" dirty="0"/>
+          </a:p>
+        </p:txBody>
+      </p:sp>
+      <p:pic>
+        <p:nvPicPr>
+          <p:cNvPr id="5" name="Picture 4">
+            <a:extLst>
+              <a:ext uri="{FF2B5EF4-FFF2-40B4-BE49-F238E27FC236}">
+                <a16:creationId xmlns:a16="http://schemas.microsoft.com/office/drawing/2014/main" id="{460F7B94-6442-2946-9381-E8FA0C4FB81F}"/>
+              </a:ext>
+            </a:extLst>
+          </p:cNvPr>
+          <p:cNvPicPr>
+            <a:picLocks noChangeAspect="1"/>
+          </p:cNvPicPr>
+          <p:nvPr/>
+        </p:nvPicPr>
+        <p:blipFill>
+          <a:blip r:embed="rId2"/>
+          <a:stretch>
+            <a:fillRect/>
+          </a:stretch>
+        </p:blipFill>
+        <p:spPr>
+          <a:xfrm>
+            <a:off x="347945" y="1515269"/>
+            <a:ext cx="5067300" cy="2311400"/>
+          </a:xfrm>
+          <a:prstGeom prst="rect">
+            <a:avLst/>
+          </a:prstGeom>
+        </p:spPr>
+      </p:pic>
+      <p:pic>
+        <p:nvPicPr>
+          <p:cNvPr id="6" name="Picture 5">
+            <a:extLst>
+              <a:ext uri="{FF2B5EF4-FFF2-40B4-BE49-F238E27FC236}">
+                <a16:creationId xmlns:a16="http://schemas.microsoft.com/office/drawing/2014/main" id="{57DB47A9-EB0E-364F-BBB7-AAE8B7B6B667}"/>
+              </a:ext>
+            </a:extLst>
+          </p:cNvPr>
+          <p:cNvPicPr>
+            <a:picLocks noChangeAspect="1"/>
+          </p:cNvPicPr>
+          <p:nvPr/>
+        </p:nvPicPr>
+        <p:blipFill>
+          <a:blip r:embed="rId3"/>
+          <a:stretch>
+            <a:fillRect/>
+          </a:stretch>
+        </p:blipFill>
+        <p:spPr>
+          <a:xfrm>
+            <a:off x="347945" y="3976159"/>
+            <a:ext cx="6985000" cy="1320800"/>
+          </a:xfrm>
+          <a:prstGeom prst="rect">
+            <a:avLst/>
+          </a:prstGeom>
+        </p:spPr>
+      </p:pic>
+      <p:sp>
+        <p:nvSpPr>
+          <p:cNvPr id="8" name="Rectangle 7">
+            <a:extLst>
+              <a:ext uri="{FF2B5EF4-FFF2-40B4-BE49-F238E27FC236}">
+                <a16:creationId xmlns:a16="http://schemas.microsoft.com/office/drawing/2014/main" id="{010B90D5-4FDD-BC4D-8B57-D1DE2E4C07E0}"/>
+              </a:ext>
+            </a:extLst>
+          </p:cNvPr>
+          <p:cNvSpPr/>
+          <p:nvPr/>
+        </p:nvSpPr>
+        <p:spPr>
+          <a:xfrm>
+            <a:off x="482252" y="418041"/>
+            <a:ext cx="8033098" cy="415498"/>
+          </a:xfrm>
+          <a:prstGeom prst="rect">
+            <a:avLst/>
+          </a:prstGeom>
+        </p:spPr>
+        <p:txBody>
+          <a:bodyPr wrap="square">
+            <a:spAutoFit/>
+          </a:bodyPr>
+          <a:lstStyle/>
+          <a:p>
+            <a:r>
+              <a:rPr lang="en-US" sz="2100" dirty="0"/>
+              <a:t>The APPEND(list, item) will add the item to the end of the list. </a:t>
+            </a:r>
+          </a:p>
+        </p:txBody>
+      </p:sp>
+    </p:spTree>
+    <p:extLst>
+      <p:ext uri="{BB962C8B-B14F-4D97-AF65-F5344CB8AC3E}">
+        <p14:creationId xmlns:p14="http://schemas.microsoft.com/office/powerpoint/2010/main" val="630346246"/>
+      </p:ext>
+    </p:extLst>
+  </p:cSld>
+  <p:clrMapOvr>
+    <a:masterClrMapping/>
+  </p:clrMapOvr>
+  <p:timing>
+    <p:tnLst>
+      <p:par>
+        <p:cTn id="1" dur="indefinite" restart="never" nodeType="tmRoot">
+          <p:childTnLst>
+            <p:seq concurrent="1" nextAc="seek">
+              <p:cTn id="2" dur="indefinite" nodeType="mainSeq">
+                <p:childTnLst>
+                  <p:par>
+                    <p:cTn id="3" fill="hold">
+                      <p:stCondLst>
+                        <p:cond delay="indefinite"/>
+                      </p:stCondLst>
+                      <p:childTnLst>
+                        <p:par>
+                          <p:cTn id="4" fill="hold">
+                            <p:stCondLst>
+                              <p:cond delay="0"/>
+                            </p:stCondLst>
+                            <p:childTnLst>
+                              <p:par>
+                                <p:cTn id="5" presetID="1" presetClass="entr" presetSubtype="0" fill="hold" nodeType="clickEffect">
+                                  <p:stCondLst>
+                                    <p:cond delay="0"/>
+                                  </p:stCondLst>
+                                  <p:childTnLst>
+                                    <p:set>
+                                      <p:cBhvr>
+                                        <p:cTn id="6" dur="1" fill="hold">
+                                          <p:stCondLst>
+                                            <p:cond delay="0"/>
+                                          </p:stCondLst>
+                                        </p:cTn>
+                                        <p:tgtEl>
+                                          <p:spTgt spid="6"/>
+                                        </p:tgtEl>
+                                        <p:attrNameLst>
+                                          <p:attrName>style.visibility</p:attrName>
+                                        </p:attrNameLst>
+                                      </p:cBhvr>
+                                      <p:to>
+                                        <p:strVal val="visible"/>
+                                      </p:to>
+                                    </p:set>
+                                  </p:childTnLst>
+                                </p:cTn>
+                              </p:par>
+                            </p:childTnLst>
+                          </p:cTn>
+                        </p:par>
+                      </p:childTnLst>
+                    </p:cTn>
+                  </p:par>
+                </p:childTnLst>
+              </p:cTn>
+              <p:prevCondLst>
+                <p:cond evt="onPrev" delay="0">
+                  <p:tgtEl>
+                    <p:sldTgt/>
+                  </p:tgtEl>
+                </p:cond>
+              </p:prevCondLst>
+              <p:nextCondLst>
+                <p:cond evt="onNext" delay="0">
+                  <p:tgtEl>
+                    <p:sldTgt/>
+                  </p:tgtEl>
+                </p:cond>
+              </p:nextCondLst>
+            </p:seq>
+          </p:childTnLst>
+        </p:cTn>
+      </p:par>
+    </p:tnLst>
+  </p:timing>
+</p:sld>
+</file>
+
+<file path=ppt/slides/slide37.xml><?xml version="1.0" encoding="utf-8"?>
+<p:sld xmlns:a="http://schemas.openxmlformats.org/drawingml/2006/main" xmlns:r="http://schemas.openxmlformats.org/officeDocument/2006/relationships" xmlns:p="http://schemas.openxmlformats.org/presentationml/2006/main">
+  <p:cSld>
+    <p:spTree>
+      <p:nvGrpSpPr>
+        <p:cNvPr id="1" name=""/>
+        <p:cNvGrpSpPr/>
+        <p:nvPr/>
+      </p:nvGrpSpPr>
+      <p:grpSpPr>
+        <a:xfrm>
+          <a:off x="0" y="0"/>
+          <a:ext cx="0" cy="0"/>
+          <a:chOff x="0" y="0"/>
+          <a:chExt cx="0" cy="0"/>
+        </a:xfrm>
+      </p:grpSpPr>
+      <p:sp>
+        <p:nvSpPr>
+          <p:cNvPr id="3" name="Content Placeholder 2">
+            <a:extLst>
+              <a:ext uri="{FF2B5EF4-FFF2-40B4-BE49-F238E27FC236}">
+                <a16:creationId xmlns:a16="http://schemas.microsoft.com/office/drawing/2014/main" id="{FA0484DF-8911-E94C-84DB-39C3F8113617}"/>
+              </a:ext>
+            </a:extLst>
+          </p:cNvPr>
+          <p:cNvSpPr>
+            <a:spLocks noGrp="1"/>
+          </p:cNvSpPr>
+          <p:nvPr>
+            <p:ph idx="1"/>
+          </p:nvPr>
+        </p:nvSpPr>
+        <p:spPr/>
+        <p:txBody>
+          <a:bodyPr/>
+          <a:lstStyle/>
+          <a:p>
+            <a:pPr marL="0" indent="0">
+              <a:buNone/>
+            </a:pPr>
+            <a:endParaRPr lang="en-US" dirty="0"/>
+          </a:p>
+          <a:p>
+            <a:pPr marL="0" indent="0">
+              <a:buNone/>
+            </a:pPr>
+            <a:endParaRPr lang="en-US" dirty="0"/>
+          </a:p>
+          <a:p>
+            <a:pPr marL="0" indent="0">
+              <a:buNone/>
+            </a:pPr>
+            <a:endParaRPr lang="en-US" dirty="0"/>
+          </a:p>
+          <a:p>
+            <a:pPr marL="0" indent="0">
+              <a:buNone/>
+            </a:pPr>
+            <a:endParaRPr lang="en-US" dirty="0"/>
+          </a:p>
+          <a:p>
+            <a:pPr marL="0" indent="0">
+              <a:buNone/>
+            </a:pPr>
+            <a:r>
+              <a:rPr lang="en-US" dirty="0"/>
+              <a:t>Line 4: REMOVE(words, 3)</a:t>
+            </a:r>
+          </a:p>
+          <a:p>
+            <a:pPr marL="0" indent="0">
+              <a:buNone/>
+            </a:pPr>
+            <a:r>
+              <a:rPr lang="en-US" dirty="0"/>
+              <a:t>Line 5: DISPLAY(words)</a:t>
+            </a:r>
+          </a:p>
+          <a:p>
+            <a:pPr marL="0" indent="0">
+              <a:buNone/>
+            </a:pPr>
+            <a:endParaRPr lang="en-US" dirty="0"/>
+          </a:p>
+          <a:p>
+            <a:pPr marL="0" indent="0">
+              <a:buNone/>
+            </a:pPr>
+            <a:r>
+              <a:rPr lang="en-US" dirty="0"/>
+              <a:t>Answer: ["Green", "The", "Pig", "Rhino", "Fox"] </a:t>
+            </a:r>
+          </a:p>
+        </p:txBody>
+      </p:sp>
+      <p:sp>
+        <p:nvSpPr>
+          <p:cNvPr id="4" name="Slide Number Placeholder 3">
+            <a:extLst>
+              <a:ext uri="{FF2B5EF4-FFF2-40B4-BE49-F238E27FC236}">
+                <a16:creationId xmlns:a16="http://schemas.microsoft.com/office/drawing/2014/main" id="{E2B4B720-D722-1C49-866D-26A57CDF4C74}"/>
+              </a:ext>
+            </a:extLst>
+          </p:cNvPr>
+          <p:cNvSpPr>
+            <a:spLocks noGrp="1"/>
+          </p:cNvSpPr>
+          <p:nvPr>
+            <p:ph type="sldNum" sz="quarter" idx="12"/>
+          </p:nvPr>
+        </p:nvSpPr>
+        <p:spPr/>
+        <p:txBody>
+          <a:bodyPr/>
+          <a:lstStyle/>
+          <a:p>
+            <a:fld id="{D57F1E4F-1CFF-5643-939E-02111984F565}" type="slidenum">
+              <a:rPr lang="en-US" smtClean="0"/>
+              <a:t>37</a:t>
+            </a:fld>
+            <a:endParaRPr lang="en-US" dirty="0"/>
+          </a:p>
+        </p:txBody>
+      </p:sp>
+      <p:pic>
+        <p:nvPicPr>
+          <p:cNvPr id="5" name="Picture 4">
+            <a:extLst>
+              <a:ext uri="{FF2B5EF4-FFF2-40B4-BE49-F238E27FC236}">
+                <a16:creationId xmlns:a16="http://schemas.microsoft.com/office/drawing/2014/main" id="{8F9559E1-55A4-0447-8161-11B63597C693}"/>
+              </a:ext>
+            </a:extLst>
+          </p:cNvPr>
+          <p:cNvPicPr>
+            <a:picLocks noChangeAspect="1"/>
+          </p:cNvPicPr>
+          <p:nvPr/>
+        </p:nvPicPr>
+        <p:blipFill>
+          <a:blip r:embed="rId2"/>
+          <a:stretch>
+            <a:fillRect/>
+          </a:stretch>
+        </p:blipFill>
+        <p:spPr>
+          <a:xfrm>
+            <a:off x="370696" y="1521354"/>
+            <a:ext cx="8402608" cy="1495510"/>
+          </a:xfrm>
+          <a:prstGeom prst="rect">
+            <a:avLst/>
+          </a:prstGeom>
+        </p:spPr>
+      </p:pic>
+      <p:sp>
+        <p:nvSpPr>
+          <p:cNvPr id="6" name="Rectangle 5">
+            <a:extLst>
+              <a:ext uri="{FF2B5EF4-FFF2-40B4-BE49-F238E27FC236}">
+                <a16:creationId xmlns:a16="http://schemas.microsoft.com/office/drawing/2014/main" id="{46FDFBCD-AC70-9045-B464-A3D788DD7F33}"/>
+              </a:ext>
+            </a:extLst>
+          </p:cNvPr>
+          <p:cNvSpPr/>
+          <p:nvPr/>
+        </p:nvSpPr>
+        <p:spPr>
+          <a:xfrm>
+            <a:off x="628650" y="305279"/>
+            <a:ext cx="7886700" cy="738664"/>
+          </a:xfrm>
+          <a:prstGeom prst="rect">
+            <a:avLst/>
+          </a:prstGeom>
+        </p:spPr>
+        <p:txBody>
+          <a:bodyPr wrap="square">
+            <a:spAutoFit/>
+          </a:bodyPr>
+          <a:lstStyle/>
+          <a:p>
+            <a:r>
+              <a:rPr lang="en-US" sz="2100" dirty="0"/>
+              <a:t>The REMOVE(list, </a:t>
+            </a:r>
+            <a:r>
+              <a:rPr lang="en-US" sz="2100" dirty="0" err="1"/>
+              <a:t>i</a:t>
+            </a:r>
+            <a:r>
+              <a:rPr lang="en-US" sz="2100" dirty="0"/>
+              <a:t>) will remove the item at index </a:t>
+            </a:r>
+            <a:r>
+              <a:rPr lang="en-US" sz="2100" dirty="0" err="1"/>
+              <a:t>i</a:t>
+            </a:r>
+            <a:r>
+              <a:rPr lang="en-US" sz="2100" dirty="0"/>
+              <a:t> and shift left items at index </a:t>
+            </a:r>
+            <a:r>
+              <a:rPr lang="en-US" sz="2100" dirty="0" err="1"/>
+              <a:t>i</a:t>
+            </a:r>
+            <a:r>
+              <a:rPr lang="en-US" sz="2100" dirty="0"/>
+              <a:t> or higher.</a:t>
+            </a:r>
+          </a:p>
+        </p:txBody>
+      </p:sp>
+    </p:spTree>
+    <p:extLst>
+      <p:ext uri="{BB962C8B-B14F-4D97-AF65-F5344CB8AC3E}">
+        <p14:creationId xmlns:p14="http://schemas.microsoft.com/office/powerpoint/2010/main" val="2996019340"/>
+      </p:ext>
+    </p:extLst>
+  </p:cSld>
+  <p:clrMapOvr>
+    <a:masterClrMapping/>
+  </p:clrMapOvr>
+  <p:timing>
+    <p:tnLst>
+      <p:par>
+        <p:cTn id="1" dur="indefinite" restart="never" nodeType="tmRoot">
+          <p:childTnLst>
+            <p:seq concurrent="1" nextAc="seek">
+              <p:cTn id="2" dur="indefinite" nodeType="mainSeq">
+                <p:childTnLst>
+                  <p:par>
+                    <p:cTn id="3" fill="hold">
+                      <p:stCondLst>
+                        <p:cond delay="indefinite"/>
+                      </p:stCondLst>
+                      <p:childTnLst>
+                        <p:par>
+                          <p:cTn id="4" fill="hold">
+                            <p:stCondLst>
+                              <p:cond delay="0"/>
+                            </p:stCondLst>
+                            <p:childTnLst>
+                              <p:par>
+                                <p:cTn id="5" presetID="1" presetClass="entr" presetSubtype="0" fill="hold" nodeType="clickEffect">
+                                  <p:stCondLst>
+                                    <p:cond delay="0"/>
+                                  </p:stCondLst>
+                                  <p:childTnLst>
+                                    <p:set>
+                                      <p:cBhvr>
+                                        <p:cTn id="6" dur="1" fill="hold">
+                                          <p:stCondLst>
+                                            <p:cond delay="0"/>
+                                          </p:stCondLst>
+                                        </p:cTn>
+                                        <p:tgtEl>
+                                          <p:spTgt spid="3">
+                                            <p:txEl>
+                                              <p:pRg st="7" end="7"/>
+                                            </p:txEl>
+                                          </p:spTgt>
+                                        </p:tgtEl>
+                                        <p:attrNameLst>
+                                          <p:attrName>style.visibility</p:attrName>
+                                        </p:attrNameLst>
+                                      </p:cBhvr>
+                                      <p:to>
+                                        <p:strVal val="visible"/>
+                                      </p:to>
+                                    </p:set>
+                                  </p:childTnLst>
+                                </p:cTn>
+                              </p:par>
+                            </p:childTnLst>
+                          </p:cTn>
+                        </p:par>
+                      </p:childTnLst>
+                    </p:cTn>
+                  </p:par>
+                </p:childTnLst>
+              </p:cTn>
+              <p:prevCondLst>
+                <p:cond evt="onPrev" delay="0">
+                  <p:tgtEl>
+                    <p:sldTgt/>
+                  </p:tgtEl>
+                </p:cond>
+              </p:prevCondLst>
+              <p:nextCondLst>
+                <p:cond evt="onNext" delay="0">
+                  <p:tgtEl>
+                    <p:sldTgt/>
+                  </p:tgtEl>
+                </p:cond>
+              </p:nextCondLst>
+            </p:seq>
+          </p:childTnLst>
+        </p:cTn>
+      </p:par>
+    </p:tnLst>
+  </p:timing>
+</p:sld>
+</file>
+
+<file path=ppt/slides/slide38.xml><?xml version="1.0" encoding="utf-8"?>
+<p:sld xmlns:a="http://schemas.openxmlformats.org/drawingml/2006/main" xmlns:r="http://schemas.openxmlformats.org/officeDocument/2006/relationships" xmlns:p="http://schemas.openxmlformats.org/presentationml/2006/main">
+  <p:cSld>
+    <p:spTree>
+      <p:nvGrpSpPr>
+        <p:cNvPr id="1" name=""/>
+        <p:cNvGrpSpPr/>
+        <p:nvPr/>
+      </p:nvGrpSpPr>
+      <p:grpSpPr>
+        <a:xfrm>
+          <a:off x="0" y="0"/>
+          <a:ext cx="0" cy="0"/>
+          <a:chOff x="0" y="0"/>
+          <a:chExt cx="0" cy="0"/>
+        </a:xfrm>
+      </p:grpSpPr>
+      <p:sp>
+        <p:nvSpPr>
+          <p:cNvPr id="2" name="Title 1">
+            <a:extLst>
+              <a:ext uri="{FF2B5EF4-FFF2-40B4-BE49-F238E27FC236}">
+                <a16:creationId xmlns:a16="http://schemas.microsoft.com/office/drawing/2014/main" id="{A531650F-4F25-8741-ACC1-03E35BF7C958}"/>
+              </a:ext>
+            </a:extLst>
+          </p:cNvPr>
+          <p:cNvSpPr>
+            <a:spLocks noGrp="1"/>
+          </p:cNvSpPr>
+          <p:nvPr>
+            <p:ph type="title"/>
+          </p:nvPr>
+        </p:nvSpPr>
+        <p:spPr/>
+        <p:txBody>
+          <a:bodyPr/>
+          <a:lstStyle/>
+          <a:p>
+            <a:endParaRPr lang="en-US"/>
+          </a:p>
+        </p:txBody>
+      </p:sp>
+      <p:sp>
+        <p:nvSpPr>
+          <p:cNvPr id="3" name="Content Placeholder 2">
+            <a:extLst>
+              <a:ext uri="{FF2B5EF4-FFF2-40B4-BE49-F238E27FC236}">
+                <a16:creationId xmlns:a16="http://schemas.microsoft.com/office/drawing/2014/main" id="{96CC8F94-01A5-1941-81A4-9D380871B013}"/>
+              </a:ext>
+            </a:extLst>
+          </p:cNvPr>
+          <p:cNvSpPr>
+            <a:spLocks noGrp="1"/>
+          </p:cNvSpPr>
+          <p:nvPr>
+            <p:ph idx="1"/>
+          </p:nvPr>
+        </p:nvSpPr>
+        <p:spPr/>
+        <p:txBody>
+          <a:bodyPr/>
+          <a:lstStyle/>
+          <a:p>
+            <a:endParaRPr lang="en-US"/>
+          </a:p>
+        </p:txBody>
+      </p:sp>
+      <p:sp>
+        <p:nvSpPr>
+          <p:cNvPr id="4" name="Slide Number Placeholder 3">
+            <a:extLst>
+              <a:ext uri="{FF2B5EF4-FFF2-40B4-BE49-F238E27FC236}">
+                <a16:creationId xmlns:a16="http://schemas.microsoft.com/office/drawing/2014/main" id="{EF4003A1-A4A1-3A45-B9F6-4E35028357F0}"/>
+              </a:ext>
+            </a:extLst>
+          </p:cNvPr>
+          <p:cNvSpPr>
+            <a:spLocks noGrp="1"/>
+          </p:cNvSpPr>
+          <p:nvPr>
+            <p:ph type="sldNum" sz="quarter" idx="12"/>
+          </p:nvPr>
+        </p:nvSpPr>
+        <p:spPr/>
+        <p:txBody>
+          <a:bodyPr/>
+          <a:lstStyle/>
+          <a:p>
+            <a:fld id="{D57F1E4F-1CFF-5643-939E-02111984F565}" type="slidenum">
+              <a:rPr lang="en-US" smtClean="0"/>
+              <a:t>38</a:t>
+            </a:fld>
+            <a:endParaRPr lang="en-US" dirty="0"/>
+          </a:p>
+        </p:txBody>
+      </p:sp>
+      <p:pic>
+        <p:nvPicPr>
+          <p:cNvPr id="5" name="Picture 4">
+            <a:extLst>
+              <a:ext uri="{FF2B5EF4-FFF2-40B4-BE49-F238E27FC236}">
+                <a16:creationId xmlns:a16="http://schemas.microsoft.com/office/drawing/2014/main" id="{5C1529BA-AB1F-2D4C-8182-D9D5CC07971A}"/>
+              </a:ext>
+            </a:extLst>
+          </p:cNvPr>
+          <p:cNvPicPr>
+            <a:picLocks noChangeAspect="1"/>
+          </p:cNvPicPr>
+          <p:nvPr/>
+        </p:nvPicPr>
+        <p:blipFill>
+          <a:blip r:embed="rId2"/>
+          <a:stretch>
+            <a:fillRect/>
+          </a:stretch>
+        </p:blipFill>
+        <p:spPr>
+          <a:xfrm>
+            <a:off x="628649" y="304270"/>
+            <a:ext cx="6288079" cy="1687367"/>
+          </a:xfrm>
+          <a:prstGeom prst="rect">
+            <a:avLst/>
+          </a:prstGeom>
+        </p:spPr>
+      </p:pic>
+      <p:pic>
+        <p:nvPicPr>
+          <p:cNvPr id="6" name="Picture 5">
+            <a:extLst>
+              <a:ext uri="{FF2B5EF4-FFF2-40B4-BE49-F238E27FC236}">
+                <a16:creationId xmlns:a16="http://schemas.microsoft.com/office/drawing/2014/main" id="{196C0651-DDD3-1344-AB86-6BEA48C62D61}"/>
+              </a:ext>
+            </a:extLst>
+          </p:cNvPr>
+          <p:cNvPicPr>
+            <a:picLocks noChangeAspect="1"/>
+          </p:cNvPicPr>
+          <p:nvPr/>
+        </p:nvPicPr>
+        <p:blipFill>
+          <a:blip r:embed="rId3"/>
+          <a:stretch>
+            <a:fillRect/>
+          </a:stretch>
+        </p:blipFill>
+        <p:spPr>
+          <a:xfrm>
+            <a:off x="865340" y="2740417"/>
+            <a:ext cx="3505200" cy="635000"/>
+          </a:xfrm>
+          <a:prstGeom prst="rect">
+            <a:avLst/>
+          </a:prstGeom>
+        </p:spPr>
+      </p:pic>
+    </p:spTree>
+    <p:extLst>
+      <p:ext uri="{BB962C8B-B14F-4D97-AF65-F5344CB8AC3E}">
+        <p14:creationId xmlns:p14="http://schemas.microsoft.com/office/powerpoint/2010/main" val="4124768698"/>
+      </p:ext>
+    </p:extLst>
+  </p:cSld>
+  <p:clrMapOvr>
+    <a:masterClrMapping/>
+  </p:clrMapOvr>
+</p:sld>
+</file>
+
+<file path=ppt/slides/slide39.xml><?xml version="1.0" encoding="utf-8"?>
+<p:sld xmlns:a="http://schemas.openxmlformats.org/drawingml/2006/main" xmlns:r="http://schemas.openxmlformats.org/officeDocument/2006/relationships" xmlns:p="http://schemas.openxmlformats.org/presentationml/2006/main">
+  <p:cSld>
+    <p:spTree>
+      <p:nvGrpSpPr>
+        <p:cNvPr id="1" name=""/>
+        <p:cNvGrpSpPr/>
+        <p:nvPr/>
+      </p:nvGrpSpPr>
+      <p:grpSpPr>
+        <a:xfrm>
+          <a:off x="0" y="0"/>
+          <a:ext cx="0" cy="0"/>
+          <a:chOff x="0" y="0"/>
+          <a:chExt cx="0" cy="0"/>
+        </a:xfrm>
+      </p:grpSpPr>
+      <p:sp>
+        <p:nvSpPr>
+          <p:cNvPr id="2" name="Title 1">
+            <a:extLst>
+              <a:ext uri="{FF2B5EF4-FFF2-40B4-BE49-F238E27FC236}">
+                <a16:creationId xmlns:a16="http://schemas.microsoft.com/office/drawing/2014/main" id="{25A16C62-7664-E84A-9777-D301B9260FB1}"/>
+              </a:ext>
+            </a:extLst>
+          </p:cNvPr>
+          <p:cNvSpPr>
+            <a:spLocks noGrp="1"/>
+          </p:cNvSpPr>
+          <p:nvPr>
+            <p:ph type="title"/>
+          </p:nvPr>
+        </p:nvSpPr>
+        <p:spPr/>
+        <p:txBody>
+          <a:bodyPr/>
+          <a:lstStyle/>
+          <a:p>
+            <a:endParaRPr lang="en-US"/>
+          </a:p>
+        </p:txBody>
+      </p:sp>
+      <p:sp>
+        <p:nvSpPr>
+          <p:cNvPr id="3" name="Content Placeholder 2">
+            <a:extLst>
+              <a:ext uri="{FF2B5EF4-FFF2-40B4-BE49-F238E27FC236}">
+                <a16:creationId xmlns:a16="http://schemas.microsoft.com/office/drawing/2014/main" id="{E34D60E2-E6AC-D442-A2BD-B80DECA69849}"/>
+              </a:ext>
+            </a:extLst>
+          </p:cNvPr>
+          <p:cNvSpPr>
+            <a:spLocks noGrp="1"/>
+          </p:cNvSpPr>
+          <p:nvPr>
+            <p:ph idx="1"/>
+          </p:nvPr>
+        </p:nvSpPr>
+        <p:spPr/>
+        <p:txBody>
+          <a:bodyPr/>
+          <a:lstStyle/>
+          <a:p>
+            <a:endParaRPr lang="en-US"/>
+          </a:p>
+        </p:txBody>
+      </p:sp>
+      <p:sp>
+        <p:nvSpPr>
+          <p:cNvPr id="4" name="Slide Number Placeholder 3">
+            <a:extLst>
+              <a:ext uri="{FF2B5EF4-FFF2-40B4-BE49-F238E27FC236}">
+                <a16:creationId xmlns:a16="http://schemas.microsoft.com/office/drawing/2014/main" id="{11429B71-677A-0C43-B0B9-E25C92E45FE6}"/>
+              </a:ext>
+            </a:extLst>
+          </p:cNvPr>
+          <p:cNvSpPr>
+            <a:spLocks noGrp="1"/>
+          </p:cNvSpPr>
+          <p:nvPr>
+            <p:ph type="sldNum" sz="quarter" idx="12"/>
+          </p:nvPr>
+        </p:nvSpPr>
+        <p:spPr/>
+        <p:txBody>
+          <a:bodyPr/>
+          <a:lstStyle/>
+          <a:p>
+            <a:fld id="{D57F1E4F-1CFF-5643-939E-02111984F565}" type="slidenum">
+              <a:rPr lang="en-US" smtClean="0"/>
+              <a:t>39</a:t>
+            </a:fld>
+            <a:endParaRPr lang="en-US" dirty="0"/>
+          </a:p>
+        </p:txBody>
+      </p:sp>
+      <p:pic>
+        <p:nvPicPr>
+          <p:cNvPr id="5" name="Picture 4">
+            <a:extLst>
+              <a:ext uri="{FF2B5EF4-FFF2-40B4-BE49-F238E27FC236}">
+                <a16:creationId xmlns:a16="http://schemas.microsoft.com/office/drawing/2014/main" id="{E032D684-F6F3-8B40-AB15-F1557A8C5E77}"/>
+              </a:ext>
+            </a:extLst>
+          </p:cNvPr>
+          <p:cNvPicPr>
+            <a:picLocks noChangeAspect="1"/>
+          </p:cNvPicPr>
+          <p:nvPr/>
+        </p:nvPicPr>
+        <p:blipFill>
+          <a:blip r:embed="rId2"/>
+          <a:stretch>
+            <a:fillRect/>
+          </a:stretch>
+        </p:blipFill>
+        <p:spPr>
+          <a:xfrm>
+            <a:off x="476250" y="1521354"/>
+            <a:ext cx="7010400" cy="2501900"/>
+          </a:xfrm>
+          <a:prstGeom prst="rect">
+            <a:avLst/>
+          </a:prstGeom>
+        </p:spPr>
+      </p:pic>
+    </p:spTree>
+    <p:extLst>
+      <p:ext uri="{BB962C8B-B14F-4D97-AF65-F5344CB8AC3E}">
+        <p14:creationId xmlns:p14="http://schemas.microsoft.com/office/powerpoint/2010/main" val="3965023673"/>
+      </p:ext>
+    </p:extLst>
+  </p:cSld>
+  <p:clrMapOvr>
+    <a:masterClrMapping/>
+  </p:clrMapOvr>
+</p:sld>
+</file>
+
+<file path=ppt/slides/slide4.xml><?xml version="1.0" encoding="utf-8"?>
+<p:sld xmlns:a="http://schemas.openxmlformats.org/drawingml/2006/main" xmlns:r="http://schemas.openxmlformats.org/officeDocument/2006/relationships" xmlns:p="http://schemas.openxmlformats.org/presentationml/2006/main">
+  <p:cSld>
+    <p:spTree>
+      <p:nvGrpSpPr>
+        <p:cNvPr id="1" name=""/>
+        <p:cNvGrpSpPr/>
+        <p:nvPr/>
+      </p:nvGrpSpPr>
+      <p:grpSpPr>
+        <a:xfrm>
+          <a:off x="0" y="0"/>
+          <a:ext cx="0" cy="0"/>
+          <a:chOff x="0" y="0"/>
+          <a:chExt cx="0" cy="0"/>
+        </a:xfrm>
+      </p:grpSpPr>
+      <p:sp>
+        <p:nvSpPr>
+          <p:cNvPr id="2" name="Title 1">
+            <a:extLst>
+              <a:ext uri="{FF2B5EF4-FFF2-40B4-BE49-F238E27FC236}">
+                <a16:creationId xmlns:a16="http://schemas.microsoft.com/office/drawing/2014/main" id="{F9B45207-3758-EE4E-AE72-A18C7DCF880E}"/>
+              </a:ext>
+            </a:extLst>
+          </p:cNvPr>
+          <p:cNvSpPr>
+            <a:spLocks noGrp="1"/>
+          </p:cNvSpPr>
+          <p:nvPr>
+            <p:ph type="title"/>
+          </p:nvPr>
+        </p:nvSpPr>
+        <p:spPr>
+          <a:xfrm>
+            <a:off x="245192" y="236703"/>
+            <a:ext cx="7886700" cy="661655"/>
+          </a:xfrm>
+        </p:spPr>
+        <p:txBody>
+          <a:bodyPr/>
+          <a:lstStyle/>
+          <a:p>
+            <a:r>
+              <a:rPr lang="en-US" dirty="0"/>
+              <a:t>Topics</a:t>
+            </a:r>
+          </a:p>
+        </p:txBody>
+      </p:sp>
+      <p:sp>
+        <p:nvSpPr>
+          <p:cNvPr id="3" name="Content Placeholder 2">
+            <a:extLst>
+              <a:ext uri="{FF2B5EF4-FFF2-40B4-BE49-F238E27FC236}">
+                <a16:creationId xmlns:a16="http://schemas.microsoft.com/office/drawing/2014/main" id="{93A17F48-4F51-5547-A8A8-BEB6B1341C84}"/>
+              </a:ext>
+            </a:extLst>
+          </p:cNvPr>
+          <p:cNvSpPr>
+            <a:spLocks noGrp="1"/>
+          </p:cNvSpPr>
+          <p:nvPr>
+            <p:ph idx="1"/>
+          </p:nvPr>
+        </p:nvSpPr>
+        <p:spPr>
+          <a:xfrm>
+            <a:off x="245192" y="1052052"/>
+            <a:ext cx="8898808" cy="4426245"/>
+          </a:xfrm>
+        </p:spPr>
+        <p:txBody>
+          <a:bodyPr/>
+          <a:lstStyle/>
+          <a:p>
+            <a:pPr marL="0" indent="0">
+              <a:buNone/>
+            </a:pPr>
+            <a:r>
+              <a:rPr lang="en-US" dirty="0"/>
+              <a:t>The AP Multiple Choice end-of-year covers 5 Big Ideas:</a:t>
+            </a:r>
+          </a:p>
+          <a:p>
+            <a:pPr marL="0" indent="0">
+              <a:buNone/>
+            </a:pPr>
+            <a:endParaRPr lang="en-US" dirty="0"/>
+          </a:p>
+          <a:p>
+            <a:pPr marL="457200" indent="-457200">
+              <a:buAutoNum type="arabicParenR"/>
+            </a:pPr>
+            <a:r>
+              <a:rPr lang="en-US" dirty="0"/>
+              <a:t>Creative Development(10%-13%)</a:t>
+            </a:r>
+          </a:p>
+          <a:p>
+            <a:pPr marL="457200" indent="-457200">
+              <a:buAutoNum type="arabicParenR"/>
+            </a:pPr>
+            <a:r>
+              <a:rPr lang="en-US" dirty="0"/>
+              <a:t>Data(17%-22%)</a:t>
+            </a:r>
+          </a:p>
+          <a:p>
+            <a:pPr marL="457200" indent="-457200">
+              <a:buAutoNum type="arabicParenR"/>
+            </a:pPr>
+            <a:r>
+              <a:rPr lang="en-US" dirty="0"/>
+              <a:t>Algorithms and Programming(30%-35%)</a:t>
+            </a:r>
+          </a:p>
+          <a:p>
+            <a:pPr marL="457200" indent="-457200">
+              <a:buAutoNum type="arabicParenR"/>
+            </a:pPr>
+            <a:r>
+              <a:rPr lang="en-US" dirty="0"/>
+              <a:t>Computer Systems and Networks(11%-15%)</a:t>
+            </a:r>
+          </a:p>
+          <a:p>
+            <a:pPr marL="457200" indent="-457200">
+              <a:buAutoNum type="arabicParenR"/>
+            </a:pPr>
+            <a:r>
+              <a:rPr lang="en-US" dirty="0"/>
+              <a:t>Impact of Computing(21%-26%)</a:t>
+            </a:r>
+          </a:p>
+        </p:txBody>
+      </p:sp>
+      <p:sp>
+        <p:nvSpPr>
+          <p:cNvPr id="4" name="Slide Number Placeholder 3">
+            <a:extLst>
+              <a:ext uri="{FF2B5EF4-FFF2-40B4-BE49-F238E27FC236}">
+                <a16:creationId xmlns:a16="http://schemas.microsoft.com/office/drawing/2014/main" id="{ED961A3A-B3B8-A64A-9FCD-D5EE299F137A}"/>
+              </a:ext>
+            </a:extLst>
+          </p:cNvPr>
+          <p:cNvSpPr>
+            <a:spLocks noGrp="1"/>
+          </p:cNvSpPr>
+          <p:nvPr>
+            <p:ph type="sldNum" sz="quarter" idx="12"/>
+          </p:nvPr>
+        </p:nvSpPr>
+        <p:spPr/>
+        <p:txBody>
+          <a:bodyPr/>
+          <a:lstStyle/>
+          <a:p>
+            <a:fld id="{D57F1E4F-1CFF-5643-939E-02111984F565}" type="slidenum">
+              <a:rPr lang="en-US" smtClean="0"/>
+              <a:t>4</a:t>
+            </a:fld>
+            <a:endParaRPr lang="en-US" dirty="0"/>
+          </a:p>
+        </p:txBody>
+      </p:sp>
+    </p:spTree>
+    <p:extLst>
+      <p:ext uri="{BB962C8B-B14F-4D97-AF65-F5344CB8AC3E}">
+        <p14:creationId xmlns:p14="http://schemas.microsoft.com/office/powerpoint/2010/main" val="805492927"/>
+      </p:ext>
+    </p:extLst>
+  </p:cSld>
+  <p:clrMapOvr>
+    <a:masterClrMapping/>
+  </p:clrMapOvr>
+</p:sld>
+</file>
+
+<file path=ppt/slides/slide40.xml><?xml version="1.0" encoding="utf-8"?>
+<p:sld xmlns:a="http://schemas.openxmlformats.org/drawingml/2006/main" xmlns:r="http://schemas.openxmlformats.org/officeDocument/2006/relationships" xmlns:p="http://schemas.openxmlformats.org/presentationml/2006/main">
+  <p:cSld>
+    <p:spTree>
+      <p:nvGrpSpPr>
+        <p:cNvPr id="1" name=""/>
+        <p:cNvGrpSpPr/>
+        <p:nvPr/>
+      </p:nvGrpSpPr>
+      <p:grpSpPr>
+        <a:xfrm>
+          <a:off x="0" y="0"/>
+          <a:ext cx="0" cy="0"/>
+          <a:chOff x="0" y="0"/>
+          <a:chExt cx="0" cy="0"/>
+        </a:xfrm>
+      </p:grpSpPr>
+      <p:sp>
+        <p:nvSpPr>
+          <p:cNvPr id="2" name="Title 1">
+            <a:extLst>
+              <a:ext uri="{FF2B5EF4-FFF2-40B4-BE49-F238E27FC236}">
+                <a16:creationId xmlns:a16="http://schemas.microsoft.com/office/drawing/2014/main" id="{C2C22752-3C86-524C-B406-DE1AE430A86A}"/>
+              </a:ext>
+            </a:extLst>
+          </p:cNvPr>
+          <p:cNvSpPr>
+            <a:spLocks noGrp="1"/>
+          </p:cNvSpPr>
+          <p:nvPr>
+            <p:ph type="title"/>
+          </p:nvPr>
+        </p:nvSpPr>
+        <p:spPr/>
+        <p:txBody>
+          <a:bodyPr/>
+          <a:lstStyle/>
+          <a:p>
+            <a:endParaRPr lang="en-US"/>
+          </a:p>
+        </p:txBody>
+      </p:sp>
+      <p:sp>
+        <p:nvSpPr>
+          <p:cNvPr id="3" name="Content Placeholder 2">
+            <a:extLst>
+              <a:ext uri="{FF2B5EF4-FFF2-40B4-BE49-F238E27FC236}">
+                <a16:creationId xmlns:a16="http://schemas.microsoft.com/office/drawing/2014/main" id="{142FF630-9D37-0348-AD24-A0A702F801C8}"/>
+              </a:ext>
+            </a:extLst>
+          </p:cNvPr>
+          <p:cNvSpPr>
+            <a:spLocks noGrp="1"/>
+          </p:cNvSpPr>
+          <p:nvPr>
+            <p:ph idx="1"/>
+          </p:nvPr>
+        </p:nvSpPr>
+        <p:spPr/>
+        <p:txBody>
+          <a:bodyPr/>
+          <a:lstStyle/>
+          <a:p>
+            <a:endParaRPr lang="en-US" dirty="0"/>
+          </a:p>
+          <a:p>
+            <a:endParaRPr lang="en-US" dirty="0"/>
+          </a:p>
+          <a:p>
+            <a:endParaRPr lang="en-US" dirty="0"/>
+          </a:p>
+          <a:p>
+            <a:endParaRPr lang="en-US" dirty="0"/>
+          </a:p>
+          <a:p>
+            <a:endParaRPr lang="en-US" dirty="0"/>
+          </a:p>
+          <a:p>
+            <a:endParaRPr lang="en-US" dirty="0"/>
+          </a:p>
+          <a:p>
+            <a:pPr marL="0" indent="0">
+              <a:buNone/>
+            </a:pPr>
+            <a:r>
+              <a:rPr lang="en-US" dirty="0"/>
+              <a:t>What does the code do?</a:t>
+            </a:r>
+          </a:p>
+          <a:p>
+            <a:pPr marL="0" indent="0">
+              <a:buNone/>
+            </a:pPr>
+            <a:endParaRPr lang="en-US" dirty="0"/>
+          </a:p>
+          <a:p>
+            <a:pPr marL="0" indent="0">
+              <a:buNone/>
+            </a:pPr>
+            <a:r>
+              <a:rPr lang="en-US" dirty="0"/>
+              <a:t>Answer: Double each value in the list.</a:t>
+            </a:r>
+          </a:p>
+          <a:p>
+            <a:pPr marL="0" indent="0">
+              <a:buNone/>
+            </a:pPr>
+            <a:endParaRPr lang="en-US" dirty="0"/>
+          </a:p>
+          <a:p>
+            <a:pPr marL="0" indent="0">
+              <a:buNone/>
+            </a:pPr>
+            <a:endParaRPr lang="en-US" dirty="0"/>
+          </a:p>
+        </p:txBody>
+      </p:sp>
+      <p:sp>
+        <p:nvSpPr>
+          <p:cNvPr id="4" name="Slide Number Placeholder 3">
+            <a:extLst>
+              <a:ext uri="{FF2B5EF4-FFF2-40B4-BE49-F238E27FC236}">
+                <a16:creationId xmlns:a16="http://schemas.microsoft.com/office/drawing/2014/main" id="{C0248F43-1C6C-8D4E-8482-64589B7D8CBE}"/>
+              </a:ext>
+            </a:extLst>
+          </p:cNvPr>
+          <p:cNvSpPr>
+            <a:spLocks noGrp="1"/>
+          </p:cNvSpPr>
+          <p:nvPr>
+            <p:ph type="sldNum" sz="quarter" idx="12"/>
+          </p:nvPr>
+        </p:nvSpPr>
+        <p:spPr/>
+        <p:txBody>
+          <a:bodyPr/>
+          <a:lstStyle/>
+          <a:p>
+            <a:fld id="{D57F1E4F-1CFF-5643-939E-02111984F565}" type="slidenum">
+              <a:rPr lang="en-US" smtClean="0"/>
+              <a:t>40</a:t>
+            </a:fld>
+            <a:endParaRPr lang="en-US" dirty="0"/>
+          </a:p>
+        </p:txBody>
+      </p:sp>
+      <p:pic>
+        <p:nvPicPr>
+          <p:cNvPr id="5" name="Picture 4">
+            <a:extLst>
+              <a:ext uri="{FF2B5EF4-FFF2-40B4-BE49-F238E27FC236}">
+                <a16:creationId xmlns:a16="http://schemas.microsoft.com/office/drawing/2014/main" id="{7EEBDFCC-F53E-C545-BDB2-304091110A78}"/>
+              </a:ext>
+            </a:extLst>
+          </p:cNvPr>
+          <p:cNvPicPr>
+            <a:picLocks noChangeAspect="1"/>
+          </p:cNvPicPr>
+          <p:nvPr/>
+        </p:nvPicPr>
+        <p:blipFill>
+          <a:blip r:embed="rId2"/>
+          <a:stretch>
+            <a:fillRect/>
+          </a:stretch>
+        </p:blipFill>
+        <p:spPr>
+          <a:xfrm>
+            <a:off x="412750" y="304271"/>
+            <a:ext cx="6045200" cy="3454400"/>
+          </a:xfrm>
+          <a:prstGeom prst="rect">
+            <a:avLst/>
+          </a:prstGeom>
+        </p:spPr>
+      </p:pic>
+    </p:spTree>
+    <p:extLst>
+      <p:ext uri="{BB962C8B-B14F-4D97-AF65-F5344CB8AC3E}">
+        <p14:creationId xmlns:p14="http://schemas.microsoft.com/office/powerpoint/2010/main" val="505390761"/>
+      </p:ext>
+    </p:extLst>
+  </p:cSld>
+  <p:clrMapOvr>
+    <a:masterClrMapping/>
+  </p:clrMapOvr>
+  <p:timing>
+    <p:tnLst>
+      <p:par>
+        <p:cTn id="1" dur="indefinite" restart="never" nodeType="tmRoot">
+          <p:childTnLst>
+            <p:seq concurrent="1" nextAc="seek">
+              <p:cTn id="2" dur="indefinite" nodeType="mainSeq">
+                <p:childTnLst>
+                  <p:par>
+                    <p:cTn id="3" fill="hold">
+                      <p:stCondLst>
+                        <p:cond delay="indefinite"/>
+                      </p:stCondLst>
+                      <p:childTnLst>
+                        <p:par>
+                          <p:cTn id="4" fill="hold">
+                            <p:stCondLst>
+                              <p:cond delay="0"/>
+                            </p:stCondLst>
+                            <p:childTnLst>
+                              <p:par>
+                                <p:cTn id="5" presetID="1" presetClass="entr" presetSubtype="0" fill="hold" nodeType="clickEffect">
+                                  <p:stCondLst>
+                                    <p:cond delay="0"/>
+                                  </p:stCondLst>
+                                  <p:childTnLst>
+                                    <p:set>
+                                      <p:cBhvr>
+                                        <p:cTn id="6" dur="1" fill="hold">
+                                          <p:stCondLst>
+                                            <p:cond delay="0"/>
+                                          </p:stCondLst>
+                                        </p:cTn>
+                                        <p:tgtEl>
+                                          <p:spTgt spid="3">
+                                            <p:txEl>
+                                              <p:pRg st="8" end="8"/>
+                                            </p:txEl>
+                                          </p:spTgt>
+                                        </p:tgtEl>
+                                        <p:attrNameLst>
+                                          <p:attrName>style.visibility</p:attrName>
+                                        </p:attrNameLst>
+                                      </p:cBhvr>
+                                      <p:to>
+                                        <p:strVal val="visible"/>
+                                      </p:to>
+                                    </p:set>
+                                  </p:childTnLst>
+                                </p:cTn>
+                              </p:par>
+                            </p:childTnLst>
+                          </p:cTn>
+                        </p:par>
+                      </p:childTnLst>
+                    </p:cTn>
+                  </p:par>
+                </p:childTnLst>
+              </p:cTn>
+              <p:prevCondLst>
+                <p:cond evt="onPrev" delay="0">
+                  <p:tgtEl>
+                    <p:sldTgt/>
+                  </p:tgtEl>
+                </p:cond>
+              </p:prevCondLst>
+              <p:nextCondLst>
+                <p:cond evt="onNext" delay="0">
+                  <p:tgtEl>
+                    <p:sldTgt/>
+                  </p:tgtEl>
+                </p:cond>
+              </p:nextCondLst>
+            </p:seq>
+          </p:childTnLst>
+        </p:cTn>
+      </p:par>
+    </p:tnLst>
+  </p:timing>
+</p:sld>
+</file>
+
+<file path=ppt/slides/slide41.xml><?xml version="1.0" encoding="utf-8"?>
+<p:sld xmlns:a="http://schemas.openxmlformats.org/drawingml/2006/main" xmlns:r="http://schemas.openxmlformats.org/officeDocument/2006/relationships" xmlns:p="http://schemas.openxmlformats.org/presentationml/2006/main">
+  <p:cSld>
+    <p:spTree>
+      <p:nvGrpSpPr>
+        <p:cNvPr id="1" name=""/>
+        <p:cNvGrpSpPr/>
+        <p:nvPr/>
+      </p:nvGrpSpPr>
+      <p:grpSpPr>
+        <a:xfrm>
+          <a:off x="0" y="0"/>
+          <a:ext cx="0" cy="0"/>
+          <a:chOff x="0" y="0"/>
+          <a:chExt cx="0" cy="0"/>
+        </a:xfrm>
+      </p:grpSpPr>
+      <p:sp>
+        <p:nvSpPr>
+          <p:cNvPr id="2" name="Title 1">
+            <a:extLst>
+              <a:ext uri="{FF2B5EF4-FFF2-40B4-BE49-F238E27FC236}">
+                <a16:creationId xmlns:a16="http://schemas.microsoft.com/office/drawing/2014/main" id="{FBE09E28-608C-9244-A4DA-83DBD8C4FE7E}"/>
+              </a:ext>
+            </a:extLst>
+          </p:cNvPr>
+          <p:cNvSpPr>
+            <a:spLocks noGrp="1"/>
+          </p:cNvSpPr>
+          <p:nvPr>
+            <p:ph type="title"/>
+          </p:nvPr>
+        </p:nvSpPr>
+        <p:spPr/>
+        <p:txBody>
+          <a:bodyPr/>
+          <a:lstStyle/>
+          <a:p>
+            <a:endParaRPr lang="en-US"/>
+          </a:p>
+        </p:txBody>
+      </p:sp>
+      <p:sp>
+        <p:nvSpPr>
+          <p:cNvPr id="3" name="Content Placeholder 2">
+            <a:extLst>
+              <a:ext uri="{FF2B5EF4-FFF2-40B4-BE49-F238E27FC236}">
+                <a16:creationId xmlns:a16="http://schemas.microsoft.com/office/drawing/2014/main" id="{C23CF70F-004B-CB4C-B658-A18B90D95303}"/>
+              </a:ext>
+            </a:extLst>
+          </p:cNvPr>
+          <p:cNvSpPr>
+            <a:spLocks noGrp="1"/>
+          </p:cNvSpPr>
+          <p:nvPr>
+            <p:ph idx="1"/>
+          </p:nvPr>
+        </p:nvSpPr>
+        <p:spPr/>
+        <p:txBody>
+          <a:bodyPr/>
+          <a:lstStyle/>
+          <a:p>
+            <a:endParaRPr lang="en-US" dirty="0"/>
+          </a:p>
+          <a:p>
+            <a:endParaRPr lang="en-US" dirty="0"/>
+          </a:p>
+          <a:p>
+            <a:endParaRPr lang="en-US" dirty="0"/>
+          </a:p>
+          <a:p>
+            <a:endParaRPr lang="en-US" dirty="0"/>
+          </a:p>
+          <a:p>
+            <a:endParaRPr lang="en-US" dirty="0"/>
+          </a:p>
+          <a:p>
+            <a:pPr marL="0" indent="0">
+              <a:buNone/>
+            </a:pPr>
+            <a:r>
+              <a:rPr lang="en-US" dirty="0"/>
+              <a:t>What does the code do?</a:t>
+            </a:r>
+          </a:p>
+          <a:p>
+            <a:pPr marL="0" indent="0">
+              <a:buNone/>
+            </a:pPr>
+            <a:endParaRPr lang="en-US" dirty="0"/>
+          </a:p>
+          <a:p>
+            <a:pPr marL="0" indent="0">
+              <a:buNone/>
+            </a:pPr>
+            <a:r>
+              <a:rPr lang="en-US" dirty="0"/>
+              <a:t>Answer: Add negative numbers from </a:t>
+            </a:r>
+            <a:r>
+              <a:rPr lang="en-US" dirty="0" err="1"/>
+              <a:t>alist</a:t>
+            </a:r>
+            <a:r>
+              <a:rPr lang="en-US" dirty="0"/>
+              <a:t> to the end of </a:t>
+            </a:r>
+            <a:r>
+              <a:rPr lang="en-US" dirty="0" err="1"/>
+              <a:t>bList</a:t>
+            </a:r>
+            <a:r>
+              <a:rPr lang="en-US" dirty="0"/>
+              <a:t>.</a:t>
+            </a:r>
+          </a:p>
+        </p:txBody>
+      </p:sp>
+      <p:sp>
+        <p:nvSpPr>
+          <p:cNvPr id="4" name="Slide Number Placeholder 3">
+            <a:extLst>
+              <a:ext uri="{FF2B5EF4-FFF2-40B4-BE49-F238E27FC236}">
+                <a16:creationId xmlns:a16="http://schemas.microsoft.com/office/drawing/2014/main" id="{55E1B514-E21B-DC41-90D2-62CDE32CE2CD}"/>
+              </a:ext>
+            </a:extLst>
+          </p:cNvPr>
+          <p:cNvSpPr>
+            <a:spLocks noGrp="1"/>
+          </p:cNvSpPr>
+          <p:nvPr>
+            <p:ph type="sldNum" sz="quarter" idx="12"/>
+          </p:nvPr>
+        </p:nvSpPr>
+        <p:spPr/>
+        <p:txBody>
+          <a:bodyPr/>
+          <a:lstStyle/>
+          <a:p>
+            <a:fld id="{D57F1E4F-1CFF-5643-939E-02111984F565}" type="slidenum">
+              <a:rPr lang="en-US" smtClean="0"/>
+              <a:t>41</a:t>
+            </a:fld>
+            <a:endParaRPr lang="en-US" dirty="0"/>
+          </a:p>
+        </p:txBody>
+      </p:sp>
+      <p:pic>
+        <p:nvPicPr>
+          <p:cNvPr id="5" name="Picture 4">
+            <a:extLst>
+              <a:ext uri="{FF2B5EF4-FFF2-40B4-BE49-F238E27FC236}">
+                <a16:creationId xmlns:a16="http://schemas.microsoft.com/office/drawing/2014/main" id="{73BEF1C2-4974-2E4C-8E8E-A3D772FAE714}"/>
+              </a:ext>
+            </a:extLst>
+          </p:cNvPr>
+          <p:cNvPicPr>
+            <a:picLocks noChangeAspect="1"/>
+          </p:cNvPicPr>
+          <p:nvPr/>
+        </p:nvPicPr>
+        <p:blipFill>
+          <a:blip r:embed="rId2"/>
+          <a:stretch>
+            <a:fillRect/>
+          </a:stretch>
+        </p:blipFill>
+        <p:spPr>
+          <a:xfrm>
+            <a:off x="285750" y="304271"/>
+            <a:ext cx="7200900" cy="2971800"/>
+          </a:xfrm>
+          <a:prstGeom prst="rect">
+            <a:avLst/>
+          </a:prstGeom>
+        </p:spPr>
+      </p:pic>
+    </p:spTree>
+    <p:extLst>
+      <p:ext uri="{BB962C8B-B14F-4D97-AF65-F5344CB8AC3E}">
+        <p14:creationId xmlns:p14="http://schemas.microsoft.com/office/powerpoint/2010/main" val="1522800028"/>
+      </p:ext>
+    </p:extLst>
+  </p:cSld>
+  <p:clrMapOvr>
+    <a:masterClrMapping/>
+  </p:clrMapOvr>
+  <p:timing>
+    <p:tnLst>
+      <p:par>
+        <p:cTn id="1" dur="indefinite" restart="never" nodeType="tmRoot">
+          <p:childTnLst>
+            <p:seq concurrent="1" nextAc="seek">
+              <p:cTn id="2" dur="indefinite" nodeType="mainSeq">
+                <p:childTnLst>
+                  <p:par>
+                    <p:cTn id="3" fill="hold">
+                      <p:stCondLst>
+                        <p:cond delay="indefinite"/>
+                      </p:stCondLst>
+                      <p:childTnLst>
+                        <p:par>
+                          <p:cTn id="4" fill="hold">
+                            <p:stCondLst>
+                              <p:cond delay="0"/>
+                            </p:stCondLst>
+                            <p:childTnLst>
+                              <p:par>
+                                <p:cTn id="5" presetID="1" presetClass="entr" presetSubtype="0" fill="hold" nodeType="clickEffect">
+                                  <p:stCondLst>
+                                    <p:cond delay="0"/>
+                                  </p:stCondLst>
+                                  <p:childTnLst>
+                                    <p:set>
+                                      <p:cBhvr>
+                                        <p:cTn id="6" dur="1" fill="hold">
+                                          <p:stCondLst>
+                                            <p:cond delay="0"/>
+                                          </p:stCondLst>
+                                        </p:cTn>
+                                        <p:tgtEl>
+                                          <p:spTgt spid="3">
+                                            <p:txEl>
+                                              <p:pRg st="7" end="7"/>
+                                            </p:txEl>
+                                          </p:spTgt>
+                                        </p:tgtEl>
+                                        <p:attrNameLst>
+                                          <p:attrName>style.visibility</p:attrName>
+                                        </p:attrNameLst>
+                                      </p:cBhvr>
+                                      <p:to>
+                                        <p:strVal val="visible"/>
+                                      </p:to>
+                                    </p:set>
+                                  </p:childTnLst>
+                                </p:cTn>
+                              </p:par>
+                            </p:childTnLst>
+                          </p:cTn>
+                        </p:par>
+                      </p:childTnLst>
+                    </p:cTn>
+                  </p:par>
+                </p:childTnLst>
+              </p:cTn>
+              <p:prevCondLst>
+                <p:cond evt="onPrev" delay="0">
+                  <p:tgtEl>
+                    <p:sldTgt/>
+                  </p:tgtEl>
+                </p:cond>
+              </p:prevCondLst>
+              <p:nextCondLst>
+                <p:cond evt="onNext" delay="0">
+                  <p:tgtEl>
+                    <p:sldTgt/>
+                  </p:tgtEl>
+                </p:cond>
+              </p:nextCondLst>
+            </p:seq>
+          </p:childTnLst>
+        </p:cTn>
+      </p:par>
+    </p:tnLst>
+  </p:timing>
+</p:sld>
+</file>
+
+<file path=ppt/slides/slide42.xml><?xml version="1.0" encoding="utf-8"?>
+<p:sld xmlns:a="http://schemas.openxmlformats.org/drawingml/2006/main" xmlns:r="http://schemas.openxmlformats.org/officeDocument/2006/relationships" xmlns:p="http://schemas.openxmlformats.org/presentationml/2006/main">
+  <p:cSld>
+    <p:spTree>
+      <p:nvGrpSpPr>
+        <p:cNvPr id="1" name=""/>
+        <p:cNvGrpSpPr/>
+        <p:nvPr/>
+      </p:nvGrpSpPr>
+      <p:grpSpPr>
+        <a:xfrm>
+          <a:off x="0" y="0"/>
+          <a:ext cx="0" cy="0"/>
+          <a:chOff x="0" y="0"/>
+          <a:chExt cx="0" cy="0"/>
+        </a:xfrm>
+      </p:grpSpPr>
+      <p:sp>
+        <p:nvSpPr>
+          <p:cNvPr id="2" name="Title 1">
+            <a:extLst>
+              <a:ext uri="{FF2B5EF4-FFF2-40B4-BE49-F238E27FC236}">
+                <a16:creationId xmlns:a16="http://schemas.microsoft.com/office/drawing/2014/main" id="{9731503B-EC54-C944-B2E0-9BE5611D43A8}"/>
+              </a:ext>
+            </a:extLst>
+          </p:cNvPr>
+          <p:cNvSpPr>
+            <a:spLocks noGrp="1"/>
+          </p:cNvSpPr>
+          <p:nvPr>
+            <p:ph type="title"/>
+          </p:nvPr>
+        </p:nvSpPr>
+        <p:spPr/>
+        <p:txBody>
+          <a:bodyPr/>
+          <a:lstStyle/>
+          <a:p>
+            <a:endParaRPr lang="en-US"/>
+          </a:p>
+        </p:txBody>
+      </p:sp>
+      <p:sp>
+        <p:nvSpPr>
+          <p:cNvPr id="3" name="Content Placeholder 2">
+            <a:extLst>
+              <a:ext uri="{FF2B5EF4-FFF2-40B4-BE49-F238E27FC236}">
+                <a16:creationId xmlns:a16="http://schemas.microsoft.com/office/drawing/2014/main" id="{AD09D2D1-6D09-6042-B2B5-B2F8C39D539C}"/>
+              </a:ext>
+            </a:extLst>
+          </p:cNvPr>
+          <p:cNvSpPr>
+            <a:spLocks noGrp="1"/>
+          </p:cNvSpPr>
+          <p:nvPr>
+            <p:ph idx="1"/>
+          </p:nvPr>
+        </p:nvSpPr>
+        <p:spPr/>
+        <p:txBody>
+          <a:bodyPr/>
+          <a:lstStyle/>
+          <a:p>
+            <a:endParaRPr lang="en-US"/>
+          </a:p>
+        </p:txBody>
+      </p:sp>
+      <p:sp>
+        <p:nvSpPr>
+          <p:cNvPr id="4" name="Slide Number Placeholder 3">
+            <a:extLst>
+              <a:ext uri="{FF2B5EF4-FFF2-40B4-BE49-F238E27FC236}">
+                <a16:creationId xmlns:a16="http://schemas.microsoft.com/office/drawing/2014/main" id="{FD5E6E63-5EB5-CA47-8C3D-9870524B2670}"/>
+              </a:ext>
+            </a:extLst>
+          </p:cNvPr>
+          <p:cNvSpPr>
+            <a:spLocks noGrp="1"/>
+          </p:cNvSpPr>
+          <p:nvPr>
+            <p:ph type="sldNum" sz="quarter" idx="12"/>
+          </p:nvPr>
+        </p:nvSpPr>
+        <p:spPr/>
+        <p:txBody>
+          <a:bodyPr/>
+          <a:lstStyle/>
+          <a:p>
+            <a:fld id="{D57F1E4F-1CFF-5643-939E-02111984F565}" type="slidenum">
+              <a:rPr lang="en-US" smtClean="0"/>
+              <a:t>42</a:t>
+            </a:fld>
+            <a:endParaRPr lang="en-US" dirty="0"/>
+          </a:p>
+        </p:txBody>
+      </p:sp>
+      <p:pic>
+        <p:nvPicPr>
+          <p:cNvPr id="5" name="Picture 4">
+            <a:extLst>
+              <a:ext uri="{FF2B5EF4-FFF2-40B4-BE49-F238E27FC236}">
+                <a16:creationId xmlns:a16="http://schemas.microsoft.com/office/drawing/2014/main" id="{698620B2-722F-D747-B2F1-9B36EF906554}"/>
+              </a:ext>
+            </a:extLst>
+          </p:cNvPr>
+          <p:cNvPicPr>
+            <a:picLocks noChangeAspect="1"/>
+          </p:cNvPicPr>
+          <p:nvPr/>
+        </p:nvPicPr>
+        <p:blipFill>
+          <a:blip r:embed="rId2"/>
+          <a:stretch>
+            <a:fillRect/>
+          </a:stretch>
+        </p:blipFill>
+        <p:spPr>
+          <a:xfrm>
+            <a:off x="333013" y="0"/>
+            <a:ext cx="6124937" cy="5715000"/>
+          </a:xfrm>
+          <a:prstGeom prst="rect">
+            <a:avLst/>
+          </a:prstGeom>
+        </p:spPr>
+      </p:pic>
+      <p:pic>
+        <p:nvPicPr>
+          <p:cNvPr id="6" name="Picture 5">
+            <a:extLst>
+              <a:ext uri="{FF2B5EF4-FFF2-40B4-BE49-F238E27FC236}">
+                <a16:creationId xmlns:a16="http://schemas.microsoft.com/office/drawing/2014/main" id="{559B7FF2-65E0-984B-8406-3B01D674EC51}"/>
+              </a:ext>
+            </a:extLst>
+          </p:cNvPr>
+          <p:cNvPicPr>
+            <a:picLocks noChangeAspect="1"/>
+          </p:cNvPicPr>
+          <p:nvPr/>
+        </p:nvPicPr>
+        <p:blipFill>
+          <a:blip r:embed="rId3"/>
+          <a:stretch>
+            <a:fillRect/>
+          </a:stretch>
+        </p:blipFill>
+        <p:spPr>
+          <a:xfrm>
+            <a:off x="4645387" y="3598069"/>
+            <a:ext cx="2108200" cy="1549400"/>
+          </a:xfrm>
+          <a:prstGeom prst="rect">
+            <a:avLst/>
+          </a:prstGeom>
+        </p:spPr>
+      </p:pic>
+    </p:spTree>
+    <p:extLst>
+      <p:ext uri="{BB962C8B-B14F-4D97-AF65-F5344CB8AC3E}">
+        <p14:creationId xmlns:p14="http://schemas.microsoft.com/office/powerpoint/2010/main" val="1582772439"/>
+      </p:ext>
+    </p:extLst>
+  </p:cSld>
+  <p:clrMapOvr>
+    <a:masterClrMapping/>
+  </p:clrMapOvr>
+  <p:timing>
+    <p:tnLst>
+      <p:par>
+        <p:cTn id="1" dur="indefinite" restart="never" nodeType="tmRoot">
+          <p:childTnLst>
+            <p:seq concurrent="1" nextAc="seek">
+              <p:cTn id="2" dur="indefinite" nodeType="mainSeq">
+                <p:childTnLst>
+                  <p:par>
+                    <p:cTn id="3" fill="hold">
+                      <p:stCondLst>
+                        <p:cond delay="indefinite"/>
+                      </p:stCondLst>
+                      <p:childTnLst>
+                        <p:par>
+                          <p:cTn id="4" fill="hold">
+                            <p:stCondLst>
+                              <p:cond delay="0"/>
+                            </p:stCondLst>
+                            <p:childTnLst>
+                              <p:par>
+                                <p:cTn id="5" presetID="1" presetClass="entr" presetSubtype="0" fill="hold" nodeType="clickEffect">
+                                  <p:stCondLst>
+                                    <p:cond delay="0"/>
+                                  </p:stCondLst>
+                                  <p:childTnLst>
+                                    <p:set>
+                                      <p:cBhvr>
+                                        <p:cTn id="6" dur="1" fill="hold">
+                                          <p:stCondLst>
+                                            <p:cond delay="0"/>
+                                          </p:stCondLst>
+                                        </p:cTn>
+                                        <p:tgtEl>
+                                          <p:spTgt spid="6"/>
+                                        </p:tgtEl>
+                                        <p:attrNameLst>
+                                          <p:attrName>style.visibility</p:attrName>
+                                        </p:attrNameLst>
+                                      </p:cBhvr>
+                                      <p:to>
+                                        <p:strVal val="visible"/>
+                                      </p:to>
+                                    </p:set>
+                                  </p:childTnLst>
+                                </p:cTn>
+                              </p:par>
+                            </p:childTnLst>
+                          </p:cTn>
+                        </p:par>
+                      </p:childTnLst>
+                    </p:cTn>
+                  </p:par>
+                </p:childTnLst>
+              </p:cTn>
+              <p:prevCondLst>
+                <p:cond evt="onPrev" delay="0">
+                  <p:tgtEl>
+                    <p:sldTgt/>
+                  </p:tgtEl>
+                </p:cond>
+              </p:prevCondLst>
+              <p:nextCondLst>
+                <p:cond evt="onNext" delay="0">
+                  <p:tgtEl>
+                    <p:sldTgt/>
+                  </p:tgtEl>
+                </p:cond>
+              </p:nextCondLst>
+            </p:seq>
+          </p:childTnLst>
+        </p:cTn>
+      </p:par>
+    </p:tnLst>
+  </p:timing>
+</p:sld>
+</file>
+
+<file path=ppt/slides/slide43.xml><?xml version="1.0" encoding="utf-8"?>
 <p:sld xmlns:a="http://schemas.openxmlformats.org/drawingml/2006/main" xmlns:r="http://schemas.openxmlformats.org/officeDocument/2006/relationships" xmlns:p="http://schemas.openxmlformats.org/presentationml/2006/main">
   <p:cSld>
     <p:spTree>
@@ -21038,7 +24334,7 @@
           <a:p>
             <a:fld id="{D57F1E4F-1CFF-5643-939E-02111984F565}" type="slidenum">
               <a:rPr lang="en-US" smtClean="0"/>
-              <a:t>34</a:t>
+              <a:t>43</a:t>
             </a:fld>
             <a:endParaRPr lang="en-US" dirty="0"/>
           </a:p>
@@ -21087,7 +24383,7 @@
 </p:sld>
 </file>
 
-<file path=ppt/slides/slide35.xml><?xml version="1.0" encoding="utf-8"?>
+<file path=ppt/slides/slide44.xml><?xml version="1.0" encoding="utf-8"?>
 <p:sld xmlns:a="http://schemas.openxmlformats.org/drawingml/2006/main" xmlns:r="http://schemas.openxmlformats.org/officeDocument/2006/relationships" xmlns:p="http://schemas.openxmlformats.org/presentationml/2006/main">
   <p:cSld>
     <p:spTree>
@@ -21193,7 +24489,7 @@
           <a:p>
             <a:fld id="{D57F1E4F-1CFF-5643-939E-02111984F565}" type="slidenum">
               <a:rPr lang="en-US" smtClean="0"/>
-              <a:t>35</a:t>
+              <a:t>44</a:t>
             </a:fld>
             <a:endParaRPr lang="en-US" dirty="0"/>
           </a:p>
@@ -21242,7 +24538,7 @@
 </p:sld>
 </file>
 
-<file path=ppt/slides/slide36.xml><?xml version="1.0" encoding="utf-8"?>
+<file path=ppt/slides/slide45.xml><?xml version="1.0" encoding="utf-8"?>
 <p:sld xmlns:a="http://schemas.openxmlformats.org/drawingml/2006/main" xmlns:r="http://schemas.openxmlformats.org/officeDocument/2006/relationships" xmlns:p="http://schemas.openxmlformats.org/presentationml/2006/main">
   <p:cSld>
     <p:spTree>
@@ -21345,7 +24641,7 @@
           <a:p>
             <a:fld id="{D57F1E4F-1CFF-5643-939E-02111984F565}" type="slidenum">
               <a:rPr lang="en-US" smtClean="0"/>
-              <a:t>36</a:t>
+              <a:t>45</a:t>
             </a:fld>
             <a:endParaRPr lang="en-US" dirty="0"/>
           </a:p>
@@ -21394,7 +24690,7 @@
 </p:sld>
 </file>
 
-<file path=ppt/slides/slide37.xml><?xml version="1.0" encoding="utf-8"?>
+<file path=ppt/slides/slide46.xml><?xml version="1.0" encoding="utf-8"?>
 <p:sld xmlns:a="http://schemas.openxmlformats.org/drawingml/2006/main" xmlns:r="http://schemas.openxmlformats.org/officeDocument/2006/relationships" xmlns:p="http://schemas.openxmlformats.org/presentationml/2006/main">
   <p:cSld>
     <p:spTree>
@@ -21484,7 +24780,7 @@
           <a:p>
             <a:fld id="{D57F1E4F-1CFF-5643-939E-02111984F565}" type="slidenum">
               <a:rPr lang="en-US" smtClean="0"/>
-              <a:t>37</a:t>
+              <a:t>46</a:t>
             </a:fld>
             <a:endParaRPr lang="en-US" dirty="0"/>
           </a:p>
@@ -21533,7 +24829,7 @@
 </p:sld>
 </file>
 
-<file path=ppt/slides/slide38.xml><?xml version="1.0" encoding="utf-8"?>
+<file path=ppt/slides/slide47.xml><?xml version="1.0" encoding="utf-8"?>
 <p:sld xmlns:a="http://schemas.openxmlformats.org/drawingml/2006/main" xmlns:r="http://schemas.openxmlformats.org/officeDocument/2006/relationships" xmlns:p="http://schemas.openxmlformats.org/presentationml/2006/main">
   <p:cSld>
     <p:spTree>
@@ -21634,7 +24930,7 @@
             </a:pPr>
             <a:r>
               <a:rPr lang="en-US" dirty="0"/>
-              <a:t>Answer: Robot moves 4 steps to its right. </a:t>
+              <a:t>Answer: Robot moves forward 4 steps.  </a:t>
             </a:r>
           </a:p>
         </p:txBody>
@@ -21662,7 +24958,7 @@
           <a:p>
             <a:fld id="{D57F1E4F-1CFF-5643-939E-02111984F565}" type="slidenum">
               <a:rPr lang="en-US" smtClean="0"/>
-              <a:t>38</a:t>
+              <a:t>47</a:t>
             </a:fld>
             <a:endParaRPr lang="en-US" dirty="0"/>
           </a:p>
@@ -21820,7 +25116,7 @@
 </p:sld>
 </file>
 
-<file path=ppt/slides/slide39.xml><?xml version="1.0" encoding="utf-8"?>
+<file path=ppt/slides/slide48.xml><?xml version="1.0" encoding="utf-8"?>
 <p:sld xmlns:a="http://schemas.openxmlformats.org/drawingml/2006/main" xmlns:r="http://schemas.openxmlformats.org/officeDocument/2006/relationships" xmlns:p="http://schemas.openxmlformats.org/presentationml/2006/main">
   <p:cSld>
     <p:spTree>
@@ -21985,7 +25281,7 @@
           <a:p>
             <a:fld id="{D57F1E4F-1CFF-5643-939E-02111984F565}" type="slidenum">
               <a:rPr lang="en-US" smtClean="0"/>
-              <a:t>39</a:t>
+              <a:t>48</a:t>
             </a:fld>
             <a:endParaRPr lang="en-US" dirty="0"/>
           </a:p>
@@ -22173,186 +25469,7 @@
 </p:sld>
 </file>
 
-<file path=ppt/slides/slide4.xml><?xml version="1.0" encoding="utf-8"?>
-<p:sld xmlns:a="http://schemas.openxmlformats.org/drawingml/2006/main" xmlns:r="http://schemas.openxmlformats.org/officeDocument/2006/relationships" xmlns:p="http://schemas.openxmlformats.org/presentationml/2006/main">
-  <p:cSld>
-    <p:spTree>
-      <p:nvGrpSpPr>
-        <p:cNvPr id="1" name=""/>
-        <p:cNvGrpSpPr/>
-        <p:nvPr/>
-      </p:nvGrpSpPr>
-      <p:grpSpPr>
-        <a:xfrm>
-          <a:off x="0" y="0"/>
-          <a:ext cx="0" cy="0"/>
-          <a:chOff x="0" y="0"/>
-          <a:chExt cx="0" cy="0"/>
-        </a:xfrm>
-      </p:grpSpPr>
-      <p:sp>
-        <p:nvSpPr>
-          <p:cNvPr id="2" name="Title 1">
-            <a:extLst>
-              <a:ext uri="{FF2B5EF4-FFF2-40B4-BE49-F238E27FC236}">
-                <a16:creationId xmlns:a16="http://schemas.microsoft.com/office/drawing/2014/main" id="{F9B45207-3758-EE4E-AE72-A18C7DCF880E}"/>
-              </a:ext>
-            </a:extLst>
-          </p:cNvPr>
-          <p:cNvSpPr>
-            <a:spLocks noGrp="1"/>
-          </p:cNvSpPr>
-          <p:nvPr>
-            <p:ph type="title"/>
-          </p:nvPr>
-        </p:nvSpPr>
-        <p:spPr>
-          <a:xfrm>
-            <a:off x="245192" y="236703"/>
-            <a:ext cx="7886700" cy="661655"/>
-          </a:xfrm>
-        </p:spPr>
-        <p:txBody>
-          <a:bodyPr/>
-          <a:lstStyle/>
-          <a:p>
-            <a:r>
-              <a:rPr lang="en-US" dirty="0"/>
-              <a:t>Topics</a:t>
-            </a:r>
-          </a:p>
-        </p:txBody>
-      </p:sp>
-      <p:sp>
-        <p:nvSpPr>
-          <p:cNvPr id="3" name="Content Placeholder 2">
-            <a:extLst>
-              <a:ext uri="{FF2B5EF4-FFF2-40B4-BE49-F238E27FC236}">
-                <a16:creationId xmlns:a16="http://schemas.microsoft.com/office/drawing/2014/main" id="{93A17F48-4F51-5547-A8A8-BEB6B1341C84}"/>
-              </a:ext>
-            </a:extLst>
-          </p:cNvPr>
-          <p:cNvSpPr>
-            <a:spLocks noGrp="1"/>
-          </p:cNvSpPr>
-          <p:nvPr>
-            <p:ph idx="1"/>
-          </p:nvPr>
-        </p:nvSpPr>
-        <p:spPr>
-          <a:xfrm>
-            <a:off x="245192" y="1052052"/>
-            <a:ext cx="8898808" cy="4426245"/>
-          </a:xfrm>
-        </p:spPr>
-        <p:txBody>
-          <a:bodyPr/>
-          <a:lstStyle/>
-          <a:p>
-            <a:pPr marL="0" indent="0">
-              <a:buNone/>
-            </a:pPr>
-            <a:r>
-              <a:rPr lang="en-US" dirty="0"/>
-              <a:t>The AP Multiple Choice end-of-year covers 5 Big Ideas:</a:t>
-            </a:r>
-          </a:p>
-          <a:p>
-            <a:pPr marL="0" indent="0">
-              <a:buNone/>
-            </a:pPr>
-            <a:endParaRPr lang="en-US" dirty="0"/>
-          </a:p>
-          <a:p>
-            <a:pPr marL="457200" indent="-457200">
-              <a:buAutoNum type="arabicParenR"/>
-            </a:pPr>
-            <a:r>
-              <a:rPr lang="en-US" dirty="0"/>
-              <a:t>Creative Development(10%-13%)</a:t>
-            </a:r>
-          </a:p>
-          <a:p>
-            <a:pPr marL="457200" indent="-457200">
-              <a:buAutoNum type="arabicParenR"/>
-            </a:pPr>
-            <a:r>
-              <a:rPr lang="en-US" dirty="0"/>
-              <a:t>Data(17%-22%)</a:t>
-            </a:r>
-          </a:p>
-          <a:p>
-            <a:pPr marL="457200" indent="-457200">
-              <a:buAutoNum type="arabicParenR"/>
-            </a:pPr>
-            <a:r>
-              <a:rPr lang="en-US" dirty="0"/>
-              <a:t>Algorithms and Programming(30%-35%)</a:t>
-            </a:r>
-          </a:p>
-          <a:p>
-            <a:pPr marL="457200" indent="-457200">
-              <a:buAutoNum type="arabicParenR"/>
-            </a:pPr>
-            <a:r>
-              <a:rPr lang="en-US" dirty="0"/>
-              <a:t>Computer Systems and Networks(11%-15%)</a:t>
-            </a:r>
-          </a:p>
-          <a:p>
-            <a:pPr marL="457200" indent="-457200">
-              <a:buAutoNum type="arabicParenR"/>
-            </a:pPr>
-            <a:r>
-              <a:rPr lang="en-US" dirty="0"/>
-              <a:t>Impact of Computing(21%-26%)</a:t>
-            </a:r>
-          </a:p>
-        </p:txBody>
-      </p:sp>
-      <p:sp>
-        <p:nvSpPr>
-          <p:cNvPr id="4" name="Slide Number Placeholder 3">
-            <a:extLst>
-              <a:ext uri="{FF2B5EF4-FFF2-40B4-BE49-F238E27FC236}">
-                <a16:creationId xmlns:a16="http://schemas.microsoft.com/office/drawing/2014/main" id="{ED961A3A-B3B8-A64A-9FCD-D5EE299F137A}"/>
-              </a:ext>
-            </a:extLst>
-          </p:cNvPr>
-          <p:cNvSpPr>
-            <a:spLocks noGrp="1"/>
-          </p:cNvSpPr>
-          <p:nvPr>
-            <p:ph type="sldNum" sz="quarter" idx="12"/>
-          </p:nvPr>
-        </p:nvSpPr>
-        <p:spPr/>
-        <p:txBody>
-          <a:bodyPr/>
-          <a:lstStyle/>
-          <a:p>
-            <a:fld id="{D57F1E4F-1CFF-5643-939E-02111984F565}" type="slidenum">
-              <a:rPr lang="en-US" smtClean="0"/>
-              <a:t>4</a:t>
-            </a:fld>
-            <a:endParaRPr lang="en-US" dirty="0"/>
-          </a:p>
-        </p:txBody>
-      </p:sp>
-    </p:spTree>
-    <p:extLst>
-      <p:ext uri="{BB962C8B-B14F-4D97-AF65-F5344CB8AC3E}">
-        <p14:creationId xmlns:p14="http://schemas.microsoft.com/office/powerpoint/2010/main" val="805492927"/>
-      </p:ext>
-    </p:extLst>
-  </p:cSld>
-  <p:clrMapOvr>
-    <a:masterClrMapping/>
-  </p:clrMapOvr>
-</p:sld>
-</file>
-
-<file path=ppt/slides/slide40.xml><?xml version="1.0" encoding="utf-8"?>
+<file path=ppt/slides/slide49.xml><?xml version="1.0" encoding="utf-8"?>
 <p:sld xmlns:a="http://schemas.openxmlformats.org/drawingml/2006/main" xmlns:r="http://schemas.openxmlformats.org/officeDocument/2006/relationships" xmlns:p="http://schemas.openxmlformats.org/presentationml/2006/main">
   <p:cSld>
     <p:spTree>
@@ -22522,7 +25639,7 @@
           <a:p>
             <a:fld id="{D57F1E4F-1CFF-5643-939E-02111984F565}" type="slidenum">
               <a:rPr lang="en-US" smtClean="0"/>
-              <a:t>40</a:t>
+              <a:t>49</a:t>
             </a:fld>
             <a:endParaRPr lang="en-US" dirty="0"/>
           </a:p>
@@ -22710,7 +25827,317 @@
 </p:sld>
 </file>
 
-<file path=ppt/slides/slide41.xml><?xml version="1.0" encoding="utf-8"?>
+<file path=ppt/slides/slide5.xml><?xml version="1.0" encoding="utf-8"?>
+<p:sld xmlns:a="http://schemas.openxmlformats.org/drawingml/2006/main" xmlns:r="http://schemas.openxmlformats.org/officeDocument/2006/relationships" xmlns:p="http://schemas.openxmlformats.org/presentationml/2006/main">
+  <p:cSld>
+    <p:spTree>
+      <p:nvGrpSpPr>
+        <p:cNvPr id="1" name=""/>
+        <p:cNvGrpSpPr/>
+        <p:nvPr/>
+      </p:nvGrpSpPr>
+      <p:grpSpPr>
+        <a:xfrm>
+          <a:off x="0" y="0"/>
+          <a:ext cx="0" cy="0"/>
+          <a:chOff x="0" y="0"/>
+          <a:chExt cx="0" cy="0"/>
+        </a:xfrm>
+      </p:grpSpPr>
+      <p:sp>
+        <p:nvSpPr>
+          <p:cNvPr id="2" name="Title 1">
+            <a:extLst>
+              <a:ext uri="{FF2B5EF4-FFF2-40B4-BE49-F238E27FC236}">
+                <a16:creationId xmlns:a16="http://schemas.microsoft.com/office/drawing/2014/main" id="{893AF10F-C12D-6B4A-84C5-206A244BF7C6}"/>
+              </a:ext>
+            </a:extLst>
+          </p:cNvPr>
+          <p:cNvSpPr>
+            <a:spLocks noGrp="1"/>
+          </p:cNvSpPr>
+          <p:nvPr>
+            <p:ph type="title"/>
+          </p:nvPr>
+        </p:nvSpPr>
+        <p:spPr>
+          <a:xfrm>
+            <a:off x="127205" y="111030"/>
+            <a:ext cx="7886700" cy="841376"/>
+          </a:xfrm>
+        </p:spPr>
+        <p:txBody>
+          <a:bodyPr/>
+          <a:lstStyle/>
+          <a:p>
+            <a:r>
+              <a:rPr lang="en-US" dirty="0"/>
+              <a:t>AP Exam Review</a:t>
+            </a:r>
+          </a:p>
+        </p:txBody>
+      </p:sp>
+      <p:sp>
+        <p:nvSpPr>
+          <p:cNvPr id="3" name="Content Placeholder 2">
+            <a:extLst>
+              <a:ext uri="{FF2B5EF4-FFF2-40B4-BE49-F238E27FC236}">
+                <a16:creationId xmlns:a16="http://schemas.microsoft.com/office/drawing/2014/main" id="{8EE44610-8AB0-B84C-9003-2B8BA850F328}"/>
+              </a:ext>
+            </a:extLst>
+          </p:cNvPr>
+          <p:cNvSpPr>
+            <a:spLocks noGrp="1"/>
+          </p:cNvSpPr>
+          <p:nvPr>
+            <p:ph idx="1"/>
+          </p:nvPr>
+        </p:nvSpPr>
+        <p:spPr>
+          <a:xfrm>
+            <a:off x="196645" y="855406"/>
+            <a:ext cx="8701549" cy="4745824"/>
+          </a:xfrm>
+        </p:spPr>
+        <p:txBody>
+          <a:bodyPr/>
+          <a:lstStyle/>
+          <a:p>
+            <a:pPr marL="0" indent="0">
+              <a:buNone/>
+            </a:pPr>
+            <a:endParaRPr lang="en-US" dirty="0"/>
+          </a:p>
+          <a:p>
+            <a:pPr marL="0" indent="0">
+              <a:buNone/>
+            </a:pPr>
+            <a:endParaRPr lang="en-US" dirty="0"/>
+          </a:p>
+          <a:p>
+            <a:pPr marL="0" indent="0">
+              <a:buNone/>
+            </a:pPr>
+            <a:r>
+              <a:rPr lang="en-US" dirty="0"/>
+              <a:t>Up to this point, I have been teaching Computer Science principles rather than teaching to the AP test. </a:t>
+            </a:r>
+          </a:p>
+          <a:p>
+            <a:pPr marL="0" indent="0">
+              <a:buNone/>
+            </a:pPr>
+            <a:endParaRPr lang="en-US" dirty="0"/>
+          </a:p>
+          <a:p>
+            <a:pPr marL="0" indent="0">
+              <a:buNone/>
+            </a:pPr>
+            <a:r>
+              <a:rPr lang="en-US" dirty="0"/>
+              <a:t>This lecture slides is teaching to the AP test. It will provide review material for the AP test that we might not have covered during the course of the year. </a:t>
+            </a:r>
+          </a:p>
+          <a:p>
+            <a:pPr marL="0" indent="0">
+              <a:buNone/>
+            </a:pPr>
+            <a:endParaRPr lang="en-US" dirty="0"/>
+          </a:p>
+          <a:p>
+            <a:pPr marL="0" indent="0">
+              <a:buNone/>
+            </a:pPr>
+            <a:r>
+              <a:rPr lang="en-US" dirty="0"/>
+              <a:t>We will go over each of the 5 ideas in summary. </a:t>
+            </a:r>
+          </a:p>
+          <a:p>
+            <a:pPr marL="0" indent="0">
+              <a:buNone/>
+            </a:pPr>
+            <a:endParaRPr lang="en-US" dirty="0"/>
+          </a:p>
+          <a:p>
+            <a:pPr marL="0" indent="0">
+              <a:buNone/>
+            </a:pPr>
+            <a:endParaRPr lang="en-US" dirty="0"/>
+          </a:p>
+        </p:txBody>
+      </p:sp>
+      <p:sp>
+        <p:nvSpPr>
+          <p:cNvPr id="4" name="Slide Number Placeholder 3">
+            <a:extLst>
+              <a:ext uri="{FF2B5EF4-FFF2-40B4-BE49-F238E27FC236}">
+                <a16:creationId xmlns:a16="http://schemas.microsoft.com/office/drawing/2014/main" id="{75C7B0F0-6928-7047-81B0-E8C50BC3208B}"/>
+              </a:ext>
+            </a:extLst>
+          </p:cNvPr>
+          <p:cNvSpPr>
+            <a:spLocks noGrp="1"/>
+          </p:cNvSpPr>
+          <p:nvPr>
+            <p:ph type="sldNum" sz="quarter" idx="12"/>
+          </p:nvPr>
+        </p:nvSpPr>
+        <p:spPr/>
+        <p:txBody>
+          <a:bodyPr/>
+          <a:lstStyle/>
+          <a:p>
+            <a:fld id="{D57F1E4F-1CFF-5643-939E-02111984F565}" type="slidenum">
+              <a:rPr lang="en-US" smtClean="0"/>
+              <a:t>5</a:t>
+            </a:fld>
+            <a:endParaRPr lang="en-US" dirty="0"/>
+          </a:p>
+        </p:txBody>
+      </p:sp>
+    </p:spTree>
+    <p:extLst>
+      <p:ext uri="{BB962C8B-B14F-4D97-AF65-F5344CB8AC3E}">
+        <p14:creationId xmlns:p14="http://schemas.microsoft.com/office/powerpoint/2010/main" val="1470496707"/>
+      </p:ext>
+    </p:extLst>
+  </p:cSld>
+  <p:clrMapOvr>
+    <a:masterClrMapping/>
+  </p:clrMapOvr>
+  <p:timing>
+    <p:tnLst>
+      <p:par>
+        <p:cTn id="1" dur="indefinite" restart="never" nodeType="tmRoot">
+          <p:childTnLst>
+            <p:seq concurrent="1" nextAc="seek">
+              <p:cTn id="2" dur="indefinite" nodeType="mainSeq">
+                <p:childTnLst>
+                  <p:par>
+                    <p:cTn id="3" fill="hold">
+                      <p:stCondLst>
+                        <p:cond delay="indefinite"/>
+                      </p:stCondLst>
+                      <p:childTnLst>
+                        <p:par>
+                          <p:cTn id="4" fill="hold">
+                            <p:stCondLst>
+                              <p:cond delay="0"/>
+                            </p:stCondLst>
+                            <p:childTnLst>
+                              <p:par>
+                                <p:cTn id="5" presetID="1" presetClass="entr" presetSubtype="0" fill="hold" nodeType="clickEffect">
+                                  <p:stCondLst>
+                                    <p:cond delay="0"/>
+                                  </p:stCondLst>
+                                  <p:childTnLst>
+                                    <p:set>
+                                      <p:cBhvr>
+                                        <p:cTn id="6" dur="1" fill="hold">
+                                          <p:stCondLst>
+                                            <p:cond delay="0"/>
+                                          </p:stCondLst>
+                                        </p:cTn>
+                                        <p:tgtEl>
+                                          <p:spTgt spid="3">
+                                            <p:txEl>
+                                              <p:pRg st="4" end="4"/>
+                                            </p:txEl>
+                                          </p:spTgt>
+                                        </p:tgtEl>
+                                        <p:attrNameLst>
+                                          <p:attrName>style.visibility</p:attrName>
+                                        </p:attrNameLst>
+                                      </p:cBhvr>
+                                      <p:to>
+                                        <p:strVal val="visible"/>
+                                      </p:to>
+                                    </p:set>
+                                  </p:childTnLst>
+                                </p:cTn>
+                              </p:par>
+                            </p:childTnLst>
+                          </p:cTn>
+                        </p:par>
+                      </p:childTnLst>
+                    </p:cTn>
+                  </p:par>
+                  <p:par>
+                    <p:cTn id="7" fill="hold">
+                      <p:stCondLst>
+                        <p:cond delay="indefinite"/>
+                      </p:stCondLst>
+                      <p:childTnLst>
+                        <p:par>
+                          <p:cTn id="8" fill="hold">
+                            <p:stCondLst>
+                              <p:cond delay="0"/>
+                            </p:stCondLst>
+                            <p:childTnLst>
+                              <p:par>
+                                <p:cTn id="9" presetID="1" presetClass="entr" presetSubtype="0" fill="hold" nodeType="clickEffect">
+                                  <p:stCondLst>
+                                    <p:cond delay="0"/>
+                                  </p:stCondLst>
+                                  <p:childTnLst>
+                                    <p:set>
+                                      <p:cBhvr>
+                                        <p:cTn id="10" dur="1" fill="hold">
+                                          <p:stCondLst>
+                                            <p:cond delay="0"/>
+                                          </p:stCondLst>
+                                        </p:cTn>
+                                        <p:tgtEl>
+                                          <p:spTgt spid="3">
+                                            <p:txEl>
+                                              <p:pRg st="6" end="6"/>
+                                            </p:txEl>
+                                          </p:spTgt>
+                                        </p:tgtEl>
+                                        <p:attrNameLst>
+                                          <p:attrName>style.visibility</p:attrName>
+                                        </p:attrNameLst>
+                                      </p:cBhvr>
+                                      <p:to>
+                                        <p:strVal val="visible"/>
+                                      </p:to>
+                                    </p:set>
+                                  </p:childTnLst>
+                                </p:cTn>
+                              </p:par>
+                            </p:childTnLst>
+                          </p:cTn>
+                        </p:par>
+                      </p:childTnLst>
+                    </p:cTn>
+                  </p:par>
+                </p:childTnLst>
+              </p:cTn>
+              <p:prevCondLst>
+                <p:cond evt="onPrev" delay="0">
+                  <p:tgtEl>
+                    <p:sldTgt/>
+                  </p:tgtEl>
+                </p:cond>
+              </p:prevCondLst>
+              <p:nextCondLst>
+                <p:cond evt="onNext" delay="0">
+                  <p:tgtEl>
+                    <p:sldTgt/>
+                  </p:tgtEl>
+                </p:cond>
+              </p:nextCondLst>
+            </p:seq>
+          </p:childTnLst>
+        </p:cTn>
+      </p:par>
+    </p:tnLst>
+  </p:timing>
+</p:sld>
+</file>
+
+<file path=ppt/slides/slide50.xml><?xml version="1.0" encoding="utf-8"?>
 <p:sld xmlns:a="http://schemas.openxmlformats.org/drawingml/2006/main" xmlns:r="http://schemas.openxmlformats.org/officeDocument/2006/relationships" xmlns:p="http://schemas.openxmlformats.org/presentationml/2006/main">
   <p:cSld>
     <p:spTree>
@@ -22800,7 +26227,7 @@
           <a:p>
             <a:fld id="{D57F1E4F-1CFF-5643-939E-02111984F565}" type="slidenum">
               <a:rPr lang="en-US" smtClean="0"/>
-              <a:t>41</a:t>
+              <a:t>50</a:t>
             </a:fld>
             <a:endParaRPr lang="en-US" dirty="0"/>
           </a:p>
@@ -22984,7 +26411,7 @@
 </p:sld>
 </file>
 
-<file path=ppt/slides/slide42.xml><?xml version="1.0" encoding="utf-8"?>
+<file path=ppt/slides/slide51.xml><?xml version="1.0" encoding="utf-8"?>
 <p:sld xmlns:a="http://schemas.openxmlformats.org/drawingml/2006/main" xmlns:r="http://schemas.openxmlformats.org/officeDocument/2006/relationships" xmlns:p="http://schemas.openxmlformats.org/presentationml/2006/main">
   <p:cSld>
     <p:spTree>
@@ -23074,7 +26501,7 @@
           <a:p>
             <a:fld id="{D57F1E4F-1CFF-5643-939E-02111984F565}" type="slidenum">
               <a:rPr lang="en-US" smtClean="0"/>
-              <a:t>42</a:t>
+              <a:t>51</a:t>
             </a:fld>
             <a:endParaRPr lang="en-US" dirty="0"/>
           </a:p>
@@ -23315,7 +26742,7 @@
 </p:sld>
 </file>
 
-<file path=ppt/slides/slide43.xml><?xml version="1.0" encoding="utf-8"?>
+<file path=ppt/slides/slide52.xml><?xml version="1.0" encoding="utf-8"?>
 <p:sld xmlns:a="http://schemas.openxmlformats.org/drawingml/2006/main" xmlns:r="http://schemas.openxmlformats.org/officeDocument/2006/relationships" xmlns:p="http://schemas.openxmlformats.org/presentationml/2006/main">
   <p:cSld>
     <p:spTree>
@@ -23405,7 +26832,7 @@
           <a:p>
             <a:fld id="{D57F1E4F-1CFF-5643-939E-02111984F565}" type="slidenum">
               <a:rPr lang="en-US" smtClean="0"/>
-              <a:t>43</a:t>
+              <a:t>52</a:t>
             </a:fld>
             <a:endParaRPr lang="en-US" dirty="0"/>
           </a:p>
@@ -23484,7 +26911,7 @@
 </p:sld>
 </file>
 
-<file path=ppt/slides/slide44.xml><?xml version="1.0" encoding="utf-8"?>
+<file path=ppt/slides/slide53.xml><?xml version="1.0" encoding="utf-8"?>
 <p:sld xmlns:a="http://schemas.openxmlformats.org/drawingml/2006/main" xmlns:r="http://schemas.openxmlformats.org/officeDocument/2006/relationships" xmlns:p="http://schemas.openxmlformats.org/presentationml/2006/main">
   <p:cSld>
     <p:spTree>
@@ -23574,7 +27001,7 @@
           <a:p>
             <a:fld id="{D57F1E4F-1CFF-5643-939E-02111984F565}" type="slidenum">
               <a:rPr lang="en-US" smtClean="0"/>
-              <a:t>44</a:t>
+              <a:t>53</a:t>
             </a:fld>
             <a:endParaRPr lang="en-US" dirty="0"/>
           </a:p>
@@ -23878,7 +27305,282 @@
 </p:sld>
 </file>
 
-<file path=ppt/slides/slide45.xml><?xml version="1.0" encoding="utf-8"?>
+<file path=ppt/slides/slide54.xml><?xml version="1.0" encoding="utf-8"?>
+<p:sld xmlns:a="http://schemas.openxmlformats.org/drawingml/2006/main" xmlns:r="http://schemas.openxmlformats.org/officeDocument/2006/relationships" xmlns:p="http://schemas.openxmlformats.org/presentationml/2006/main">
+  <p:cSld>
+    <p:spTree>
+      <p:nvGrpSpPr>
+        <p:cNvPr id="1" name=""/>
+        <p:cNvGrpSpPr/>
+        <p:nvPr/>
+      </p:nvGrpSpPr>
+      <p:grpSpPr>
+        <a:xfrm>
+          <a:off x="0" y="0"/>
+          <a:ext cx="0" cy="0"/>
+          <a:chOff x="0" y="0"/>
+          <a:chExt cx="0" cy="0"/>
+        </a:xfrm>
+      </p:grpSpPr>
+      <p:sp>
+        <p:nvSpPr>
+          <p:cNvPr id="2" name="Title 1">
+            <a:extLst>
+              <a:ext uri="{FF2B5EF4-FFF2-40B4-BE49-F238E27FC236}">
+                <a16:creationId xmlns:a16="http://schemas.microsoft.com/office/drawing/2014/main" id="{AF9F685D-4E97-3F4B-B208-BC6ABCBD76D3}"/>
+              </a:ext>
+            </a:extLst>
+          </p:cNvPr>
+          <p:cNvSpPr>
+            <a:spLocks noGrp="1"/>
+          </p:cNvSpPr>
+          <p:nvPr>
+            <p:ph type="title"/>
+          </p:nvPr>
+        </p:nvSpPr>
+        <p:spPr/>
+        <p:txBody>
+          <a:bodyPr/>
+          <a:lstStyle/>
+          <a:p>
+            <a:endParaRPr lang="en-US" dirty="0"/>
+          </a:p>
+        </p:txBody>
+      </p:sp>
+      <p:sp>
+        <p:nvSpPr>
+          <p:cNvPr id="3" name="Content Placeholder 2">
+            <a:extLst>
+              <a:ext uri="{FF2B5EF4-FFF2-40B4-BE49-F238E27FC236}">
+                <a16:creationId xmlns:a16="http://schemas.microsoft.com/office/drawing/2014/main" id="{A03D9AF4-CD64-DD4B-BF55-28F2A337D450}"/>
+              </a:ext>
+            </a:extLst>
+          </p:cNvPr>
+          <p:cNvSpPr>
+            <a:spLocks noGrp="1"/>
+          </p:cNvSpPr>
+          <p:nvPr>
+            <p:ph idx="1"/>
+          </p:nvPr>
+        </p:nvSpPr>
+        <p:spPr/>
+        <p:txBody>
+          <a:bodyPr/>
+          <a:lstStyle/>
+          <a:p>
+            <a:pPr marL="0" indent="0">
+              <a:buNone/>
+            </a:pPr>
+            <a:endParaRPr lang="en-US" dirty="0"/>
+          </a:p>
+          <a:p>
+            <a:pPr marL="0" indent="0">
+              <a:buNone/>
+            </a:pPr>
+            <a:endParaRPr lang="en-US" dirty="0"/>
+          </a:p>
+          <a:p>
+            <a:pPr marL="0" indent="0">
+              <a:buNone/>
+            </a:pPr>
+            <a:endParaRPr lang="en-US" dirty="0"/>
+          </a:p>
+          <a:p>
+            <a:pPr marL="0" indent="0">
+              <a:buNone/>
+            </a:pPr>
+            <a:endParaRPr lang="en-US" dirty="0"/>
+          </a:p>
+          <a:p>
+            <a:pPr marL="0" indent="0">
+              <a:buNone/>
+            </a:pPr>
+            <a:endParaRPr lang="en-US" dirty="0"/>
+          </a:p>
+          <a:p>
+            <a:pPr marL="0" indent="0">
+              <a:buNone/>
+            </a:pPr>
+            <a:endParaRPr lang="en-US" dirty="0"/>
+          </a:p>
+          <a:p>
+            <a:pPr marL="0" indent="0">
+              <a:buNone/>
+            </a:pPr>
+            <a:endParaRPr lang="en-US" dirty="0"/>
+          </a:p>
+          <a:p>
+            <a:pPr marL="0" indent="0">
+              <a:buNone/>
+            </a:pPr>
+            <a:r>
+              <a:rPr lang="en-US" dirty="0"/>
+              <a:t>What is the output?</a:t>
+            </a:r>
+          </a:p>
+          <a:p>
+            <a:pPr marL="0" indent="0">
+              <a:buNone/>
+            </a:pPr>
+            <a:r>
+              <a:rPr lang="en-US" dirty="0"/>
+              <a:t>Answer: Empty list, a number cannot be both even and odd. No number is appended to list2. </a:t>
+            </a:r>
+          </a:p>
+        </p:txBody>
+      </p:sp>
+      <p:sp>
+        <p:nvSpPr>
+          <p:cNvPr id="4" name="Slide Number Placeholder 3">
+            <a:extLst>
+              <a:ext uri="{FF2B5EF4-FFF2-40B4-BE49-F238E27FC236}">
+                <a16:creationId xmlns:a16="http://schemas.microsoft.com/office/drawing/2014/main" id="{F346C935-437E-E247-A22B-D81991FA5B32}"/>
+              </a:ext>
+            </a:extLst>
+          </p:cNvPr>
+          <p:cNvSpPr>
+            <a:spLocks noGrp="1"/>
+          </p:cNvSpPr>
+          <p:nvPr>
+            <p:ph type="sldNum" sz="quarter" idx="12"/>
+          </p:nvPr>
+        </p:nvSpPr>
+        <p:spPr/>
+        <p:txBody>
+          <a:bodyPr/>
+          <a:lstStyle/>
+          <a:p>
+            <a:fld id="{D57F1E4F-1CFF-5643-939E-02111984F565}" type="slidenum">
+              <a:rPr lang="en-US" smtClean="0"/>
+              <a:t>54</a:t>
+            </a:fld>
+            <a:endParaRPr lang="en-US" dirty="0"/>
+          </a:p>
+        </p:txBody>
+      </p:sp>
+      <p:pic>
+        <p:nvPicPr>
+          <p:cNvPr id="5" name="Picture 4">
+            <a:extLst>
+              <a:ext uri="{FF2B5EF4-FFF2-40B4-BE49-F238E27FC236}">
+                <a16:creationId xmlns:a16="http://schemas.microsoft.com/office/drawing/2014/main" id="{B3E5530E-CEAB-6346-951D-FCA5BFF6901A}"/>
+              </a:ext>
+            </a:extLst>
+          </p:cNvPr>
+          <p:cNvPicPr>
+            <a:picLocks noChangeAspect="1"/>
+          </p:cNvPicPr>
+          <p:nvPr/>
+        </p:nvPicPr>
+        <p:blipFill>
+          <a:blip r:embed="rId2"/>
+          <a:stretch>
+            <a:fillRect/>
+          </a:stretch>
+        </p:blipFill>
+        <p:spPr>
+          <a:xfrm>
+            <a:off x="1212849" y="113769"/>
+            <a:ext cx="5851829" cy="4038187"/>
+          </a:xfrm>
+          <a:prstGeom prst="rect">
+            <a:avLst/>
+          </a:prstGeom>
+        </p:spPr>
+      </p:pic>
+    </p:spTree>
+    <p:extLst>
+      <p:ext uri="{BB962C8B-B14F-4D97-AF65-F5344CB8AC3E}">
+        <p14:creationId xmlns:p14="http://schemas.microsoft.com/office/powerpoint/2010/main" val="3064516433"/>
+      </p:ext>
+    </p:extLst>
+  </p:cSld>
+  <p:clrMapOvr>
+    <a:masterClrMapping/>
+  </p:clrMapOvr>
+  <p:timing>
+    <p:tnLst>
+      <p:par>
+        <p:cTn id="1" dur="indefinite" restart="never" nodeType="tmRoot">
+          <p:childTnLst>
+            <p:seq concurrent="1" nextAc="seek">
+              <p:cTn id="2" dur="indefinite" nodeType="mainSeq">
+                <p:childTnLst>
+                  <p:par>
+                    <p:cTn id="3" fill="hold">
+                      <p:stCondLst>
+                        <p:cond delay="indefinite"/>
+                      </p:stCondLst>
+                      <p:childTnLst>
+                        <p:par>
+                          <p:cTn id="4" fill="hold">
+                            <p:stCondLst>
+                              <p:cond delay="0"/>
+                            </p:stCondLst>
+                            <p:childTnLst>
+                              <p:par>
+                                <p:cTn id="5" presetID="1" presetClass="entr" presetSubtype="0" fill="hold" nodeType="clickEffect">
+                                  <p:stCondLst>
+                                    <p:cond delay="0"/>
+                                  </p:stCondLst>
+                                  <p:childTnLst>
+                                    <p:set>
+                                      <p:cBhvr>
+                                        <p:cTn id="6" dur="1" fill="hold">
+                                          <p:stCondLst>
+                                            <p:cond delay="0"/>
+                                          </p:stCondLst>
+                                        </p:cTn>
+                                        <p:tgtEl>
+                                          <p:spTgt spid="3">
+                                            <p:txEl>
+                                              <p:pRg st="8" end="8"/>
+                                            </p:txEl>
+                                          </p:spTgt>
+                                        </p:tgtEl>
+                                        <p:attrNameLst>
+                                          <p:attrName>style.visibility</p:attrName>
+                                        </p:attrNameLst>
+                                      </p:cBhvr>
+                                      <p:to>
+                                        <p:strVal val="visible"/>
+                                      </p:to>
+                                    </p:set>
+                                  </p:childTnLst>
+                                </p:cTn>
+                              </p:par>
+                            </p:childTnLst>
+                          </p:cTn>
+                        </p:par>
+                      </p:childTnLst>
+                    </p:cTn>
+                  </p:par>
+                </p:childTnLst>
+              </p:cTn>
+              <p:prevCondLst>
+                <p:cond evt="onPrev" delay="0">
+                  <p:tgtEl>
+                    <p:sldTgt/>
+                  </p:tgtEl>
+                </p:cond>
+              </p:prevCondLst>
+              <p:nextCondLst>
+                <p:cond evt="onNext" delay="0">
+                  <p:tgtEl>
+                    <p:sldTgt/>
+                  </p:tgtEl>
+                </p:cond>
+              </p:nextCondLst>
+            </p:seq>
+          </p:childTnLst>
+        </p:cTn>
+      </p:par>
+    </p:tnLst>
+  </p:timing>
+</p:sld>
+</file>
+
+<file path=ppt/slides/slide55.xml><?xml version="1.0" encoding="utf-8"?>
 <p:sld xmlns:a="http://schemas.openxmlformats.org/drawingml/2006/main" xmlns:r="http://schemas.openxmlformats.org/officeDocument/2006/relationships" xmlns:p="http://schemas.openxmlformats.org/presentationml/2006/main">
   <p:cSld>
     <p:spTree>
@@ -23968,7 +27670,7 @@
           <a:p>
             <a:fld id="{D57F1E4F-1CFF-5643-939E-02111984F565}" type="slidenum">
               <a:rPr lang="en-US" smtClean="0"/>
-              <a:t>45</a:t>
+              <a:t>55</a:t>
             </a:fld>
             <a:endParaRPr lang="en-US" dirty="0"/>
           </a:p>
@@ -24017,7 +27719,7 @@
 </p:sld>
 </file>
 
-<file path=ppt/slides/slide46.xml><?xml version="1.0" encoding="utf-8"?>
+<file path=ppt/slides/slide56.xml><?xml version="1.0" encoding="utf-8"?>
 <p:sld xmlns:a="http://schemas.openxmlformats.org/drawingml/2006/main" xmlns:r="http://schemas.openxmlformats.org/officeDocument/2006/relationships" xmlns:p="http://schemas.openxmlformats.org/presentationml/2006/main">
   <p:cSld>
     <p:spTree>
@@ -24107,7 +27809,7 @@
           <a:p>
             <a:fld id="{D57F1E4F-1CFF-5643-939E-02111984F565}" type="slidenum">
               <a:rPr lang="en-US" smtClean="0"/>
-              <a:t>46</a:t>
+              <a:t>56</a:t>
             </a:fld>
             <a:endParaRPr lang="en-US" dirty="0"/>
           </a:p>
@@ -24261,7 +27963,7 @@
 </p:sld>
 </file>
 
-<file path=ppt/slides/slide47.xml><?xml version="1.0" encoding="utf-8"?>
+<file path=ppt/slides/slide57.xml><?xml version="1.0" encoding="utf-8"?>
 <p:sld xmlns:a="http://schemas.openxmlformats.org/drawingml/2006/main" xmlns:r="http://schemas.openxmlformats.org/officeDocument/2006/relationships" xmlns:p="http://schemas.openxmlformats.org/presentationml/2006/main">
   <p:cSld>
     <p:spTree>
@@ -24351,7 +28053,7 @@
           <a:p>
             <a:fld id="{D57F1E4F-1CFF-5643-939E-02111984F565}" type="slidenum">
               <a:rPr lang="en-US" smtClean="0"/>
-              <a:t>47</a:t>
+              <a:t>57</a:t>
             </a:fld>
             <a:endParaRPr lang="en-US" dirty="0"/>
           </a:p>
@@ -24505,7 +28207,7 @@
 </p:sld>
 </file>
 
-<file path=ppt/slides/slide48.xml><?xml version="1.0" encoding="utf-8"?>
+<file path=ppt/slides/slide58.xml><?xml version="1.0" encoding="utf-8"?>
 <p:sld xmlns:a="http://schemas.openxmlformats.org/drawingml/2006/main" xmlns:r="http://schemas.openxmlformats.org/officeDocument/2006/relationships" xmlns:p="http://schemas.openxmlformats.org/presentationml/2006/main">
   <p:cSld>
     <p:spTree>
@@ -24595,7 +28297,7 @@
           <a:p>
             <a:fld id="{D57F1E4F-1CFF-5643-939E-02111984F565}" type="slidenum">
               <a:rPr lang="en-US" smtClean="0"/>
-              <a:t>48</a:t>
+              <a:t>58</a:t>
             </a:fld>
             <a:endParaRPr lang="en-US" dirty="0"/>
           </a:p>
@@ -24644,7 +28346,7 @@
 </p:sld>
 </file>
 
-<file path=ppt/slides/slide49.xml><?xml version="1.0" encoding="utf-8"?>
+<file path=ppt/slides/slide59.xml><?xml version="1.0" encoding="utf-8"?>
 <p:sld xmlns:a="http://schemas.openxmlformats.org/drawingml/2006/main" xmlns:r="http://schemas.openxmlformats.org/officeDocument/2006/relationships" xmlns:p="http://schemas.openxmlformats.org/presentationml/2006/main">
   <p:cSld>
     <p:spTree>
@@ -24734,7 +28436,7 @@
           <a:p>
             <a:fld id="{D57F1E4F-1CFF-5643-939E-02111984F565}" type="slidenum">
               <a:rPr lang="en-US" smtClean="0"/>
-              <a:t>49</a:t>
+              <a:t>59</a:t>
             </a:fld>
             <a:endParaRPr lang="en-US" dirty="0"/>
           </a:p>
@@ -24888,7 +28590,7 @@
 </p:sld>
 </file>
 
-<file path=ppt/slides/slide5.xml><?xml version="1.0" encoding="utf-8"?>
+<file path=ppt/slides/slide6.xml><?xml version="1.0" encoding="utf-8"?>
 <p:sld xmlns:a="http://schemas.openxmlformats.org/drawingml/2006/main" xmlns:r="http://schemas.openxmlformats.org/officeDocument/2006/relationships" xmlns:p="http://schemas.openxmlformats.org/presentationml/2006/main">
   <p:cSld>
     <p:spTree>
@@ -24910,7 +28612,7 @@
           <p:cNvPr id="2" name="Title 1">
             <a:extLst>
               <a:ext uri="{FF2B5EF4-FFF2-40B4-BE49-F238E27FC236}">
-                <a16:creationId xmlns:a16="http://schemas.microsoft.com/office/drawing/2014/main" id="{893AF10F-C12D-6B4A-84C5-206A244BF7C6}"/>
+                <a16:creationId xmlns:a16="http://schemas.microsoft.com/office/drawing/2014/main" id="{DFC6737B-C2EF-3F44-90BB-2743686986C3}"/>
               </a:ext>
             </a:extLst>
           </p:cNvPr>
@@ -24923,8 +28625,8 @@
         </p:nvSpPr>
         <p:spPr>
           <a:xfrm>
-            <a:off x="127205" y="111030"/>
-            <a:ext cx="7886700" cy="841376"/>
+            <a:off x="87876" y="15213"/>
+            <a:ext cx="7886700" cy="1104636"/>
           </a:xfrm>
         </p:spPr>
         <p:txBody>
@@ -24933,7 +28635,7 @@
           <a:p>
             <a:r>
               <a:rPr lang="en-US" dirty="0"/>
-              <a:t>AP Exam Review</a:t>
+              <a:t>Big Idea 1</a:t>
             </a:r>
           </a:p>
         </p:txBody>
@@ -24943,7 +28645,7 @@
           <p:cNvPr id="3" name="Content Placeholder 2">
             <a:extLst>
               <a:ext uri="{FF2B5EF4-FFF2-40B4-BE49-F238E27FC236}">
-                <a16:creationId xmlns:a16="http://schemas.microsoft.com/office/drawing/2014/main" id="{8EE44610-8AB0-B84C-9003-2B8BA850F328}"/>
+                <a16:creationId xmlns:a16="http://schemas.microsoft.com/office/drawing/2014/main" id="{891D5E54-6C6E-A142-AA4A-FD4D80701797}"/>
               </a:ext>
             </a:extLst>
           </p:cNvPr>
@@ -24954,76 +28656,11 @@
             <p:ph idx="1"/>
           </p:nvPr>
         </p:nvSpPr>
-        <p:spPr>
-          <a:xfrm>
-            <a:off x="196645" y="855406"/>
-            <a:ext cx="8701549" cy="4745824"/>
-          </a:xfrm>
-        </p:spPr>
+        <p:spPr/>
         <p:txBody>
           <a:bodyPr/>
           <a:lstStyle/>
           <a:p>
-            <a:pPr marL="0" indent="0">
-              <a:buNone/>
-            </a:pPr>
-            <a:endParaRPr lang="en-US" dirty="0"/>
-          </a:p>
-          <a:p>
-            <a:pPr marL="0" indent="0">
-              <a:buNone/>
-            </a:pPr>
-            <a:endParaRPr lang="en-US" dirty="0"/>
-          </a:p>
-          <a:p>
-            <a:pPr marL="0" indent="0">
-              <a:buNone/>
-            </a:pPr>
-            <a:r>
-              <a:rPr lang="en-US" dirty="0"/>
-              <a:t>Up to this point, I have been teaching Computer Science principles rather than teaching to the AP test. </a:t>
-            </a:r>
-          </a:p>
-          <a:p>
-            <a:pPr marL="0" indent="0">
-              <a:buNone/>
-            </a:pPr>
-            <a:endParaRPr lang="en-US" dirty="0"/>
-          </a:p>
-          <a:p>
-            <a:pPr marL="0" indent="0">
-              <a:buNone/>
-            </a:pPr>
-            <a:r>
-              <a:rPr lang="en-US" dirty="0"/>
-              <a:t>This lecture slides is teaching to the AP test. It will provide review material for the AP test that we might not have covered during the course of the year. </a:t>
-            </a:r>
-          </a:p>
-          <a:p>
-            <a:pPr marL="0" indent="0">
-              <a:buNone/>
-            </a:pPr>
-            <a:endParaRPr lang="en-US" dirty="0"/>
-          </a:p>
-          <a:p>
-            <a:pPr marL="0" indent="0">
-              <a:buNone/>
-            </a:pPr>
-            <a:r>
-              <a:rPr lang="en-US" dirty="0"/>
-              <a:t>We will go over each of the 5 ideas in summary. </a:t>
-            </a:r>
-          </a:p>
-          <a:p>
-            <a:pPr marL="0" indent="0">
-              <a:buNone/>
-            </a:pPr>
-            <a:endParaRPr lang="en-US" dirty="0"/>
-          </a:p>
-          <a:p>
-            <a:pPr marL="0" indent="0">
-              <a:buNone/>
-            </a:pPr>
             <a:endParaRPr lang="en-US" dirty="0"/>
           </a:p>
         </p:txBody>
@@ -25033,7 +28670,7 @@
           <p:cNvPr id="4" name="Slide Number Placeholder 3">
             <a:extLst>
               <a:ext uri="{FF2B5EF4-FFF2-40B4-BE49-F238E27FC236}">
-                <a16:creationId xmlns:a16="http://schemas.microsoft.com/office/drawing/2014/main" id="{75C7B0F0-6928-7047-81B0-E8C50BC3208B}"/>
+                <a16:creationId xmlns:a16="http://schemas.microsoft.com/office/drawing/2014/main" id="{18A2786D-28FA-B647-BAA2-FF2564358153}"/>
               </a:ext>
             </a:extLst>
           </p:cNvPr>
@@ -25051,154 +28688,56 @@
           <a:p>
             <a:fld id="{D57F1E4F-1CFF-5643-939E-02111984F565}" type="slidenum">
               <a:rPr lang="en-US" smtClean="0"/>
-              <a:t>5</a:t>
+              <a:t>6</a:t>
             </a:fld>
             <a:endParaRPr lang="en-US" dirty="0"/>
           </a:p>
         </p:txBody>
       </p:sp>
+      <p:pic>
+        <p:nvPicPr>
+          <p:cNvPr id="5" name="Picture 4">
+            <a:extLst>
+              <a:ext uri="{FF2B5EF4-FFF2-40B4-BE49-F238E27FC236}">
+                <a16:creationId xmlns:a16="http://schemas.microsoft.com/office/drawing/2014/main" id="{85B581F6-849D-7642-BAC8-DF1ECE9A39D6}"/>
+              </a:ext>
+            </a:extLst>
+          </p:cNvPr>
+          <p:cNvPicPr>
+            <a:picLocks noChangeAspect="1"/>
+          </p:cNvPicPr>
+          <p:nvPr/>
+        </p:nvPicPr>
+        <p:blipFill>
+          <a:blip r:embed="rId2"/>
+          <a:stretch>
+            <a:fillRect/>
+          </a:stretch>
+        </p:blipFill>
+        <p:spPr>
+          <a:xfrm>
+            <a:off x="2198601" y="-15213"/>
+            <a:ext cx="6083986" cy="5715000"/>
+          </a:xfrm>
+          <a:prstGeom prst="rect">
+            <a:avLst/>
+          </a:prstGeom>
+        </p:spPr>
+      </p:pic>
     </p:spTree>
     <p:extLst>
       <p:ext uri="{BB962C8B-B14F-4D97-AF65-F5344CB8AC3E}">
-        <p14:creationId xmlns:p14="http://schemas.microsoft.com/office/powerpoint/2010/main" val="1470496707"/>
+        <p14:creationId xmlns:p14="http://schemas.microsoft.com/office/powerpoint/2010/main" val="593690865"/>
       </p:ext>
     </p:extLst>
   </p:cSld>
   <p:clrMapOvr>
     <a:masterClrMapping/>
   </p:clrMapOvr>
-  <p:timing>
-    <p:tnLst>
-      <p:par>
-        <p:cTn id="1" dur="indefinite" restart="never" nodeType="tmRoot">
-          <p:childTnLst>
-            <p:seq concurrent="1" nextAc="seek">
-              <p:cTn id="2" dur="indefinite" nodeType="mainSeq">
-                <p:childTnLst>
-                  <p:par>
-                    <p:cTn id="3" fill="hold">
-                      <p:stCondLst>
-                        <p:cond delay="indefinite"/>
-                      </p:stCondLst>
-                      <p:childTnLst>
-                        <p:par>
-                          <p:cTn id="4" fill="hold">
-                            <p:stCondLst>
-                              <p:cond delay="0"/>
-                            </p:stCondLst>
-                            <p:childTnLst>
-                              <p:par>
-                                <p:cTn id="5" presetID="1" presetClass="entr" presetSubtype="0" fill="hold" nodeType="clickEffect">
-                                  <p:stCondLst>
-                                    <p:cond delay="0"/>
-                                  </p:stCondLst>
-                                  <p:childTnLst>
-                                    <p:set>
-                                      <p:cBhvr>
-                                        <p:cTn id="6" dur="1" fill="hold">
-                                          <p:stCondLst>
-                                            <p:cond delay="0"/>
-                                          </p:stCondLst>
-                                        </p:cTn>
-                                        <p:tgtEl>
-                                          <p:spTgt spid="3">
-                                            <p:txEl>
-                                              <p:pRg st="4" end="4"/>
-                                            </p:txEl>
-                                          </p:spTgt>
-                                        </p:tgtEl>
-                                        <p:attrNameLst>
-                                          <p:attrName>style.visibility</p:attrName>
-                                        </p:attrNameLst>
-                                      </p:cBhvr>
-                                      <p:to>
-                                        <p:strVal val="visible"/>
-                                      </p:to>
-                                    </p:set>
-                                  </p:childTnLst>
-                                </p:cTn>
-                              </p:par>
-                            </p:childTnLst>
-                          </p:cTn>
-                        </p:par>
-                      </p:childTnLst>
-                    </p:cTn>
-                  </p:par>
-                  <p:par>
-                    <p:cTn id="7" fill="hold">
-                      <p:stCondLst>
-                        <p:cond delay="indefinite"/>
-                      </p:stCondLst>
-                      <p:childTnLst>
-                        <p:par>
-                          <p:cTn id="8" fill="hold">
-                            <p:stCondLst>
-                              <p:cond delay="0"/>
-                            </p:stCondLst>
-                            <p:childTnLst>
-                              <p:par>
-                                <p:cTn id="9" presetID="1" presetClass="entr" presetSubtype="0" fill="hold" nodeType="clickEffect">
-                                  <p:stCondLst>
-                                    <p:cond delay="0"/>
-                                  </p:stCondLst>
-                                  <p:childTnLst>
-                                    <p:set>
-                                      <p:cBhvr>
-                                        <p:cTn id="10" dur="1" fill="hold">
-                                          <p:stCondLst>
-                                            <p:cond delay="0"/>
-                                          </p:stCondLst>
-                                        </p:cTn>
-                                        <p:tgtEl>
-                                          <p:spTgt spid="3">
-                                            <p:txEl>
-                                              <p:pRg st="6" end="6"/>
-                                            </p:txEl>
-                                          </p:spTgt>
-                                        </p:tgtEl>
-                                        <p:attrNameLst>
-                                          <p:attrName>style.visibility</p:attrName>
-                                        </p:attrNameLst>
-                                      </p:cBhvr>
-                                      <p:to>
-                                        <p:strVal val="visible"/>
-                                      </p:to>
-                                    </p:set>
-                                  </p:childTnLst>
-                                </p:cTn>
-                              </p:par>
-                            </p:childTnLst>
-                          </p:cTn>
-                        </p:par>
-                      </p:childTnLst>
-                    </p:cTn>
-                  </p:par>
-                </p:childTnLst>
-              </p:cTn>
-              <p:prevCondLst>
-                <p:cond evt="onPrev" delay="0">
-                  <p:tgtEl>
-                    <p:sldTgt/>
-                  </p:tgtEl>
-                </p:cond>
-              </p:prevCondLst>
-              <p:nextCondLst>
-                <p:cond evt="onNext" delay="0">
-                  <p:tgtEl>
-                    <p:sldTgt/>
-                  </p:tgtEl>
-                </p:cond>
-              </p:nextCondLst>
-            </p:seq>
-          </p:childTnLst>
-        </p:cTn>
-      </p:par>
-    </p:tnLst>
-  </p:timing>
 </p:sld>
 </file>
 
-<file path=ppt/slides/slide50.xml><?xml version="1.0" encoding="utf-8"?>
+<file path=ppt/slides/slide60.xml><?xml version="1.0" encoding="utf-8"?>
 <p:sld xmlns:a="http://schemas.openxmlformats.org/drawingml/2006/main" xmlns:r="http://schemas.openxmlformats.org/officeDocument/2006/relationships" xmlns:p="http://schemas.openxmlformats.org/presentationml/2006/main">
   <p:cSld>
     <p:spTree>
@@ -25288,7 +28827,7 @@
           <a:p>
             <a:fld id="{D57F1E4F-1CFF-5643-939E-02111984F565}" type="slidenum">
               <a:rPr lang="en-US" smtClean="0"/>
-              <a:t>50</a:t>
+              <a:t>60</a:t>
             </a:fld>
             <a:endParaRPr lang="en-US" dirty="0"/>
           </a:p>
@@ -25367,7 +28906,7 @@
 </p:sld>
 </file>
 
-<file path=ppt/slides/slide51.xml><?xml version="1.0" encoding="utf-8"?>
+<file path=ppt/slides/slide61.xml><?xml version="1.0" encoding="utf-8"?>
 <p:sld xmlns:a="http://schemas.openxmlformats.org/drawingml/2006/main" xmlns:r="http://schemas.openxmlformats.org/officeDocument/2006/relationships" xmlns:p="http://schemas.openxmlformats.org/presentationml/2006/main">
   <p:cSld>
     <p:spTree>
@@ -25457,7 +28996,7 @@
           <a:p>
             <a:fld id="{D57F1E4F-1CFF-5643-939E-02111984F565}" type="slidenum">
               <a:rPr lang="en-US" smtClean="0"/>
-              <a:t>51</a:t>
+              <a:t>61</a:t>
             </a:fld>
             <a:endParaRPr lang="en-US" dirty="0"/>
           </a:p>
@@ -25536,7 +29075,715 @@
 </p:sld>
 </file>
 
-<file path=ppt/slides/slide52.xml><?xml version="1.0" encoding="utf-8"?>
+<file path=ppt/slides/slide62.xml><?xml version="1.0" encoding="utf-8"?>
+<p:sld xmlns:a="http://schemas.openxmlformats.org/drawingml/2006/main" xmlns:r="http://schemas.openxmlformats.org/officeDocument/2006/relationships" xmlns:p="http://schemas.openxmlformats.org/presentationml/2006/main">
+  <p:cSld>
+    <p:spTree>
+      <p:nvGrpSpPr>
+        <p:cNvPr id="1" name=""/>
+        <p:cNvGrpSpPr/>
+        <p:nvPr/>
+      </p:nvGrpSpPr>
+      <p:grpSpPr>
+        <a:xfrm>
+          <a:off x="0" y="0"/>
+          <a:ext cx="0" cy="0"/>
+          <a:chOff x="0" y="0"/>
+          <a:chExt cx="0" cy="0"/>
+        </a:xfrm>
+      </p:grpSpPr>
+      <p:sp>
+        <p:nvSpPr>
+          <p:cNvPr id="40961" name="Rectangle 2">
+            <a:extLst>
+              <a:ext uri="{FF2B5EF4-FFF2-40B4-BE49-F238E27FC236}">
+                <a16:creationId xmlns:a16="http://schemas.microsoft.com/office/drawing/2014/main" id="{FE63D7D0-16AC-974E-AF55-6BAED8C880F6}"/>
+              </a:ext>
+            </a:extLst>
+          </p:cNvPr>
+          <p:cNvSpPr>
+            <a:spLocks noGrp="1" noChangeArrowheads="1"/>
+          </p:cNvSpPr>
+          <p:nvPr>
+            <p:ph type="title"/>
+          </p:nvPr>
+        </p:nvSpPr>
+        <p:spPr>
+          <a:xfrm>
+            <a:off x="0" y="127000"/>
+            <a:ext cx="7888626" cy="638345"/>
+          </a:xfrm>
+        </p:spPr>
+        <p:txBody>
+          <a:bodyPr/>
+          <a:lstStyle/>
+          <a:p>
+            <a:pPr eaLnBrk="1" hangingPunct="1"/>
+            <a:r>
+              <a:rPr lang="en-US" altLang="en-US" sz="2500" dirty="0">
+                <a:latin typeface="Tahoma" panose="020B0604030504040204" pitchFamily="34" charset="0"/>
+                <a:ea typeface="ＭＳ Ｐゴシック" panose="020B0600070205080204" pitchFamily="34" charset="-128"/>
+              </a:rPr>
+              <a:t>Algorithmic Efficiency</a:t>
+            </a:r>
+          </a:p>
+        </p:txBody>
+      </p:sp>
+      <p:sp>
+        <p:nvSpPr>
+          <p:cNvPr id="26627" name="Rectangle 3">
+            <a:extLst>
+              <a:ext uri="{FF2B5EF4-FFF2-40B4-BE49-F238E27FC236}">
+                <a16:creationId xmlns:a16="http://schemas.microsoft.com/office/drawing/2014/main" id="{BD7CEE5B-C52A-794A-BCE5-C92159F2026F}"/>
+              </a:ext>
+            </a:extLst>
+          </p:cNvPr>
+          <p:cNvSpPr>
+            <a:spLocks noGrp="1" noChangeArrowheads="1"/>
+          </p:cNvSpPr>
+          <p:nvPr>
+            <p:ph type="body" idx="1"/>
+          </p:nvPr>
+        </p:nvSpPr>
+        <p:spPr>
+          <a:xfrm>
+            <a:off x="123290" y="842481"/>
+            <a:ext cx="8763856" cy="4541177"/>
+          </a:xfrm>
+        </p:spPr>
+        <p:txBody>
+          <a:bodyPr>
+            <a:normAutofit/>
+          </a:bodyPr>
+          <a:lstStyle/>
+          <a:p>
+            <a:pPr marL="0" indent="0">
+              <a:buNone/>
+            </a:pPr>
+            <a:r>
+              <a:rPr lang="en-US" dirty="0"/>
+              <a:t>Some problems cannot be solved in a reasonable amount of time because there is no efficient algorithm for solving them. In these cases, approximate solutions are sought. </a:t>
+            </a:r>
+          </a:p>
+          <a:p>
+            <a:pPr marL="0" indent="0">
+              <a:buNone/>
+            </a:pPr>
+            <a:endParaRPr lang="en-US" dirty="0"/>
+          </a:p>
+          <a:p>
+            <a:pPr marL="0" indent="0">
+              <a:buNone/>
+            </a:pPr>
+            <a:r>
+              <a:rPr lang="en-US" dirty="0"/>
+              <a:t>Algorithms with a polynomial efficiency(constant, linear, square, cube, etc.)</a:t>
+            </a:r>
+            <a:br>
+              <a:rPr lang="en-US" dirty="0"/>
+            </a:br>
+            <a:r>
+              <a:rPr lang="en-US" dirty="0"/>
+              <a:t>are said to run in a </a:t>
+            </a:r>
+            <a:r>
+              <a:rPr lang="en-US" b="1" dirty="0"/>
+              <a:t>reasonable amount of time</a:t>
+            </a:r>
+            <a:r>
+              <a:rPr lang="en-US" dirty="0"/>
+              <a:t>. They can be executed quickly on a modern processor. </a:t>
+            </a:r>
+          </a:p>
+          <a:p>
+            <a:pPr marL="0" indent="0">
+              <a:buNone/>
+            </a:pPr>
+            <a:endParaRPr lang="en-US" dirty="0"/>
+          </a:p>
+          <a:p>
+            <a:pPr marL="0" indent="0">
+              <a:buNone/>
+            </a:pPr>
+            <a:r>
+              <a:rPr lang="en-US" dirty="0"/>
+              <a:t>However, there exists important and practical problems for which there exists no known polynomial time algorithm.  Algorithms with exponential or factorial efficiencies are examples of algorithms that run in an </a:t>
+            </a:r>
+            <a:r>
+              <a:rPr lang="en-US" b="1" dirty="0"/>
+              <a:t>unreasonable amount of time.</a:t>
+            </a:r>
+            <a:r>
+              <a:rPr lang="en-US" sz="2000" b="1" dirty="0">
+                <a:latin typeface="Gill Sans MT" panose="020B0502020104020203" pitchFamily="34" charset="77"/>
+                <a:ea typeface="ＭＳ Ｐゴシック" panose="020B0600070205080204" pitchFamily="34" charset="-128"/>
+              </a:rPr>
+              <a:t> </a:t>
+            </a:r>
+            <a:endParaRPr lang="en-US" altLang="en-US" sz="2000" b="1" dirty="0">
+              <a:latin typeface="Gill Sans MT" panose="020B0502020104020203" pitchFamily="34" charset="77"/>
+              <a:ea typeface="ＭＳ Ｐゴシック" panose="020B0600070205080204" pitchFamily="34" charset="-128"/>
+            </a:endParaRPr>
+          </a:p>
+          <a:p>
+            <a:pPr marL="0" indent="0">
+              <a:buNone/>
+            </a:pPr>
+            <a:endParaRPr lang="en-US" dirty="0"/>
+          </a:p>
+          <a:p>
+            <a:pPr marL="0" indent="0">
+              <a:buNone/>
+            </a:pPr>
+            <a:endParaRPr lang="en-US" sz="2000" dirty="0"/>
+          </a:p>
+          <a:p>
+            <a:pPr marL="0" indent="0">
+              <a:buNone/>
+            </a:pPr>
+            <a:endParaRPr lang="en-US" altLang="en-US" sz="2000" b="1" dirty="0">
+              <a:solidFill>
+                <a:srgbClr val="008000"/>
+              </a:solidFill>
+              <a:latin typeface="Gill Sans MT" panose="020B0502020104020203" pitchFamily="34" charset="77"/>
+            </a:endParaRPr>
+          </a:p>
+        </p:txBody>
+      </p:sp>
+      <p:sp>
+        <p:nvSpPr>
+          <p:cNvPr id="2" name="Slide Number Placeholder 1">
+            <a:extLst>
+              <a:ext uri="{FF2B5EF4-FFF2-40B4-BE49-F238E27FC236}">
+                <a16:creationId xmlns:a16="http://schemas.microsoft.com/office/drawing/2014/main" id="{699FD964-70C4-F341-B4C5-F152247F1F1B}"/>
+              </a:ext>
+            </a:extLst>
+          </p:cNvPr>
+          <p:cNvSpPr>
+            <a:spLocks noGrp="1"/>
+          </p:cNvSpPr>
+          <p:nvPr>
+            <p:ph type="sldNum" sz="quarter" idx="12"/>
+          </p:nvPr>
+        </p:nvSpPr>
+        <p:spPr/>
+        <p:txBody>
+          <a:bodyPr/>
+          <a:lstStyle/>
+          <a:p>
+            <a:fld id="{D57F1E4F-1CFF-5643-939E-02111984F565}" type="slidenum">
+              <a:rPr lang="en-US" smtClean="0"/>
+              <a:t>62</a:t>
+            </a:fld>
+            <a:endParaRPr lang="en-US" dirty="0"/>
+          </a:p>
+        </p:txBody>
+      </p:sp>
+    </p:spTree>
+    <p:extLst>
+      <p:ext uri="{BB962C8B-B14F-4D97-AF65-F5344CB8AC3E}">
+        <p14:creationId xmlns:p14="http://schemas.microsoft.com/office/powerpoint/2010/main" val="1200012388"/>
+      </p:ext>
+    </p:extLst>
+  </p:cSld>
+  <p:clrMapOvr>
+    <a:masterClrMapping/>
+  </p:clrMapOvr>
+  <p:transition/>
+</p:sld>
+</file>
+
+<file path=ppt/slides/slide63.xml><?xml version="1.0" encoding="utf-8"?>
+<p:sld xmlns:a="http://schemas.openxmlformats.org/drawingml/2006/main" xmlns:r="http://schemas.openxmlformats.org/officeDocument/2006/relationships" xmlns:p="http://schemas.openxmlformats.org/presentationml/2006/main">
+  <p:cSld>
+    <p:spTree>
+      <p:nvGrpSpPr>
+        <p:cNvPr id="1" name=""/>
+        <p:cNvGrpSpPr/>
+        <p:nvPr/>
+      </p:nvGrpSpPr>
+      <p:grpSpPr>
+        <a:xfrm>
+          <a:off x="0" y="0"/>
+          <a:ext cx="0" cy="0"/>
+          <a:chOff x="0" y="0"/>
+          <a:chExt cx="0" cy="0"/>
+        </a:xfrm>
+      </p:grpSpPr>
+      <p:sp>
+        <p:nvSpPr>
+          <p:cNvPr id="40961" name="Rectangle 2">
+            <a:extLst>
+              <a:ext uri="{FF2B5EF4-FFF2-40B4-BE49-F238E27FC236}">
+                <a16:creationId xmlns:a16="http://schemas.microsoft.com/office/drawing/2014/main" id="{FE63D7D0-16AC-974E-AF55-6BAED8C880F6}"/>
+              </a:ext>
+            </a:extLst>
+          </p:cNvPr>
+          <p:cNvSpPr>
+            <a:spLocks noGrp="1" noChangeArrowheads="1"/>
+          </p:cNvSpPr>
+          <p:nvPr>
+            <p:ph type="title"/>
+          </p:nvPr>
+        </p:nvSpPr>
+        <p:spPr>
+          <a:xfrm>
+            <a:off x="0" y="127000"/>
+            <a:ext cx="7888626" cy="638345"/>
+          </a:xfrm>
+        </p:spPr>
+        <p:txBody>
+          <a:bodyPr/>
+          <a:lstStyle/>
+          <a:p>
+            <a:pPr eaLnBrk="1" hangingPunct="1"/>
+            <a:r>
+              <a:rPr lang="en-US" altLang="en-US" sz="2500" dirty="0">
+                <a:latin typeface="Tahoma" panose="020B0604030504040204" pitchFamily="34" charset="0"/>
+                <a:ea typeface="ＭＳ Ｐゴシック" panose="020B0600070205080204" pitchFamily="34" charset="-128"/>
+              </a:rPr>
+              <a:t>Algorithmic Efficiency</a:t>
+            </a:r>
+          </a:p>
+        </p:txBody>
+      </p:sp>
+      <p:sp>
+        <p:nvSpPr>
+          <p:cNvPr id="26627" name="Rectangle 3">
+            <a:extLst>
+              <a:ext uri="{FF2B5EF4-FFF2-40B4-BE49-F238E27FC236}">
+                <a16:creationId xmlns:a16="http://schemas.microsoft.com/office/drawing/2014/main" id="{BD7CEE5B-C52A-794A-BCE5-C92159F2026F}"/>
+              </a:ext>
+            </a:extLst>
+          </p:cNvPr>
+          <p:cNvSpPr>
+            <a:spLocks noGrp="1" noChangeArrowheads="1"/>
+          </p:cNvSpPr>
+          <p:nvPr>
+            <p:ph type="body" idx="1"/>
+          </p:nvPr>
+        </p:nvSpPr>
+        <p:spPr>
+          <a:xfrm>
+            <a:off x="123290" y="842481"/>
+            <a:ext cx="8763856" cy="4541177"/>
+          </a:xfrm>
+        </p:spPr>
+        <p:txBody>
+          <a:bodyPr>
+            <a:normAutofit/>
+          </a:bodyPr>
+          <a:lstStyle/>
+          <a:p>
+            <a:pPr marL="0" indent="0">
+              <a:buNone/>
+            </a:pPr>
+            <a:endParaRPr lang="en-US" sz="2400" dirty="0"/>
+          </a:p>
+          <a:p>
+            <a:pPr marL="0" indent="0">
+              <a:buNone/>
+            </a:pPr>
+            <a:r>
+              <a:rPr lang="en-US" dirty="0"/>
+              <a:t>A </a:t>
+            </a:r>
+            <a:r>
+              <a:rPr lang="en-US" b="1" dirty="0"/>
+              <a:t>heuristic</a:t>
+            </a:r>
+            <a:r>
+              <a:rPr lang="en-US" i="1" dirty="0"/>
+              <a:t> </a:t>
+            </a:r>
+            <a:r>
+              <a:rPr lang="en-US" dirty="0"/>
+              <a:t>is an approach to a problem that produces a solution that is not guaranteed to be optimal but may be used when techniques that are guaranteed to always find an optimal solution are impractical. </a:t>
+            </a:r>
+          </a:p>
+          <a:p>
+            <a:pPr marL="0" indent="0">
+              <a:buNone/>
+            </a:pPr>
+            <a:endParaRPr lang="en-US" sz="2400" dirty="0"/>
+          </a:p>
+          <a:p>
+            <a:pPr marL="0" indent="0">
+              <a:buNone/>
+            </a:pPr>
+            <a:r>
+              <a:rPr lang="en-US" dirty="0"/>
+              <a:t>For example, ﻿a file-organizing algorithm determines the content of a file based on a certain number of bytes in the beginning of the file. This is an approximate solution since only a few bytes are examined. But it is more practical and faster to run than examining every byte of every file. </a:t>
+            </a:r>
+          </a:p>
+          <a:p>
+            <a:pPr marL="0" indent="0">
+              <a:buNone/>
+            </a:pPr>
+            <a:endParaRPr lang="en-US" sz="2400" dirty="0"/>
+          </a:p>
+        </p:txBody>
+      </p:sp>
+      <p:sp>
+        <p:nvSpPr>
+          <p:cNvPr id="2" name="Slide Number Placeholder 1">
+            <a:extLst>
+              <a:ext uri="{FF2B5EF4-FFF2-40B4-BE49-F238E27FC236}">
+                <a16:creationId xmlns:a16="http://schemas.microsoft.com/office/drawing/2014/main" id="{699FD964-70C4-F341-B4C5-F152247F1F1B}"/>
+              </a:ext>
+            </a:extLst>
+          </p:cNvPr>
+          <p:cNvSpPr>
+            <a:spLocks noGrp="1"/>
+          </p:cNvSpPr>
+          <p:nvPr>
+            <p:ph type="sldNum" sz="quarter" idx="12"/>
+          </p:nvPr>
+        </p:nvSpPr>
+        <p:spPr/>
+        <p:txBody>
+          <a:bodyPr/>
+          <a:lstStyle/>
+          <a:p>
+            <a:fld id="{D57F1E4F-1CFF-5643-939E-02111984F565}" type="slidenum">
+              <a:rPr lang="en-US" smtClean="0"/>
+              <a:t>63</a:t>
+            </a:fld>
+            <a:endParaRPr lang="en-US" dirty="0"/>
+          </a:p>
+        </p:txBody>
+      </p:sp>
+    </p:spTree>
+    <p:extLst>
+      <p:ext uri="{BB962C8B-B14F-4D97-AF65-F5344CB8AC3E}">
+        <p14:creationId xmlns:p14="http://schemas.microsoft.com/office/powerpoint/2010/main" val="660055805"/>
+      </p:ext>
+    </p:extLst>
+  </p:cSld>
+  <p:clrMapOvr>
+    <a:masterClrMapping/>
+  </p:clrMapOvr>
+  <p:transition/>
+</p:sld>
+</file>
+
+<file path=ppt/slides/slide64.xml><?xml version="1.0" encoding="utf-8"?>
+<p:sld xmlns:a="http://schemas.openxmlformats.org/drawingml/2006/main" xmlns:r="http://schemas.openxmlformats.org/officeDocument/2006/relationships" xmlns:p="http://schemas.openxmlformats.org/presentationml/2006/main">
+  <p:cSld>
+    <p:spTree>
+      <p:nvGrpSpPr>
+        <p:cNvPr id="1" name=""/>
+        <p:cNvGrpSpPr/>
+        <p:nvPr/>
+      </p:nvGrpSpPr>
+      <p:grpSpPr>
+        <a:xfrm>
+          <a:off x="0" y="0"/>
+          <a:ext cx="0" cy="0"/>
+          <a:chOff x="0" y="0"/>
+          <a:chExt cx="0" cy="0"/>
+        </a:xfrm>
+      </p:grpSpPr>
+      <p:sp>
+        <p:nvSpPr>
+          <p:cNvPr id="3" name="Content Placeholder 2">
+            <a:extLst>
+              <a:ext uri="{FF2B5EF4-FFF2-40B4-BE49-F238E27FC236}">
+                <a16:creationId xmlns:a16="http://schemas.microsoft.com/office/drawing/2014/main" id="{1C4C3784-BDB6-584A-AFB0-C1D2E1193CE9}"/>
+              </a:ext>
+            </a:extLst>
+          </p:cNvPr>
+          <p:cNvSpPr>
+            <a:spLocks noGrp="1"/>
+          </p:cNvSpPr>
+          <p:nvPr>
+            <p:ph idx="1"/>
+          </p:nvPr>
+        </p:nvSpPr>
+        <p:spPr>
+          <a:xfrm>
+            <a:off x="237995" y="263048"/>
+            <a:ext cx="8705589" cy="5160722"/>
+          </a:xfrm>
+        </p:spPr>
+        <p:txBody>
+          <a:bodyPr/>
+          <a:lstStyle/>
+          <a:p>
+            <a:pPr marL="0" indent="0">
+              <a:buNone/>
+            </a:pPr>
+            <a:r>
+              <a:rPr lang="en-US" dirty="0"/>
+              <a:t>Programmers break down problems into smaller and more manageable pieces. By creating procedures and leveraging parameters, programmers generalize processes that can be reused. </a:t>
+            </a:r>
+          </a:p>
+          <a:p>
+            <a:pPr marL="0" indent="0">
+              <a:buNone/>
+            </a:pPr>
+            <a:endParaRPr lang="en-US" dirty="0"/>
+          </a:p>
+          <a:p>
+            <a:pPr marL="0" indent="0">
+              <a:buNone/>
+            </a:pPr>
+            <a:r>
+              <a:rPr lang="en-US" dirty="0"/>
+              <a:t>Procedures allow programmers to draw upon existing code that has already been tested, allowing them to write programs more quickly and with more confidence. </a:t>
+            </a:r>
+          </a:p>
+          <a:p>
+            <a:endParaRPr lang="en-US" dirty="0"/>
+          </a:p>
+          <a:p>
+            <a:pPr marL="0" indent="0">
+              <a:buNone/>
+            </a:pPr>
+            <a:r>
+              <a:rPr lang="en-US" dirty="0"/>
+              <a:t>A software library contains procedures that may be used in creating new programs. (e.g. Python's random, </a:t>
+            </a:r>
+            <a:r>
+              <a:rPr lang="en-US" dirty="0" err="1"/>
+              <a:t>numpy</a:t>
+            </a:r>
+            <a:r>
+              <a:rPr lang="en-US" dirty="0"/>
+              <a:t> libraries)</a:t>
+            </a:r>
+          </a:p>
+          <a:p>
+            <a:pPr marL="0" indent="0">
+              <a:buNone/>
+            </a:pPr>
+            <a:endParaRPr lang="en-US" dirty="0"/>
+          </a:p>
+          <a:p>
+            <a:pPr marL="0" indent="0">
+              <a:buNone/>
+            </a:pPr>
+            <a:r>
+              <a:rPr lang="en-US" dirty="0"/>
+              <a:t>The use of libraries simplifies the task of creating complex programs(abstraction). </a:t>
+            </a:r>
+          </a:p>
+          <a:p>
+            <a:pPr marL="0" indent="0">
+              <a:buNone/>
+            </a:pPr>
+            <a:endParaRPr lang="en-US" dirty="0"/>
+          </a:p>
+          <a:p>
+            <a:pPr marL="0" indent="0">
+              <a:buNone/>
+            </a:pPr>
+            <a:endParaRPr lang="en-US" dirty="0"/>
+          </a:p>
+          <a:p>
+            <a:pPr marL="0" indent="0">
+              <a:buNone/>
+            </a:pPr>
+            <a:endParaRPr lang="en-US" dirty="0"/>
+          </a:p>
+        </p:txBody>
+      </p:sp>
+      <p:sp>
+        <p:nvSpPr>
+          <p:cNvPr id="4" name="Slide Number Placeholder 3">
+            <a:extLst>
+              <a:ext uri="{FF2B5EF4-FFF2-40B4-BE49-F238E27FC236}">
+                <a16:creationId xmlns:a16="http://schemas.microsoft.com/office/drawing/2014/main" id="{7734434F-050E-4840-A667-1AF96B31D4A2}"/>
+              </a:ext>
+            </a:extLst>
+          </p:cNvPr>
+          <p:cNvSpPr>
+            <a:spLocks noGrp="1"/>
+          </p:cNvSpPr>
+          <p:nvPr>
+            <p:ph type="sldNum" sz="quarter" idx="12"/>
+          </p:nvPr>
+        </p:nvSpPr>
+        <p:spPr/>
+        <p:txBody>
+          <a:bodyPr/>
+          <a:lstStyle/>
+          <a:p>
+            <a:fld id="{D57F1E4F-1CFF-5643-939E-02111984F565}" type="slidenum">
+              <a:rPr lang="en-US" smtClean="0"/>
+              <a:t>64</a:t>
+            </a:fld>
+            <a:endParaRPr lang="en-US" dirty="0"/>
+          </a:p>
+        </p:txBody>
+      </p:sp>
+    </p:spTree>
+    <p:extLst>
+      <p:ext uri="{BB962C8B-B14F-4D97-AF65-F5344CB8AC3E}">
+        <p14:creationId xmlns:p14="http://schemas.microsoft.com/office/powerpoint/2010/main" val="4023327364"/>
+      </p:ext>
+    </p:extLst>
+  </p:cSld>
+  <p:clrMapOvr>
+    <a:masterClrMapping/>
+  </p:clrMapOvr>
+</p:sld>
+</file>
+
+<file path=ppt/slides/slide65.xml><?xml version="1.0" encoding="utf-8"?>
+<p:sld xmlns:a="http://schemas.openxmlformats.org/drawingml/2006/main" xmlns:r="http://schemas.openxmlformats.org/officeDocument/2006/relationships" xmlns:p="http://schemas.openxmlformats.org/presentationml/2006/main">
+  <p:cSld>
+    <p:spTree>
+      <p:nvGrpSpPr>
+        <p:cNvPr id="1" name=""/>
+        <p:cNvGrpSpPr/>
+        <p:nvPr/>
+      </p:nvGrpSpPr>
+      <p:grpSpPr>
+        <a:xfrm>
+          <a:off x="0" y="0"/>
+          <a:ext cx="0" cy="0"/>
+          <a:chOff x="0" y="0"/>
+          <a:chExt cx="0" cy="0"/>
+        </a:xfrm>
+      </p:grpSpPr>
+      <p:sp>
+        <p:nvSpPr>
+          <p:cNvPr id="3" name="Content Placeholder 2">
+            <a:extLst>
+              <a:ext uri="{FF2B5EF4-FFF2-40B4-BE49-F238E27FC236}">
+                <a16:creationId xmlns:a16="http://schemas.microsoft.com/office/drawing/2014/main" id="{1C4C3784-BDB6-584A-AFB0-C1D2E1193CE9}"/>
+              </a:ext>
+            </a:extLst>
+          </p:cNvPr>
+          <p:cNvSpPr>
+            <a:spLocks noGrp="1"/>
+          </p:cNvSpPr>
+          <p:nvPr>
+            <p:ph idx="1"/>
+          </p:nvPr>
+        </p:nvSpPr>
+        <p:spPr>
+          <a:xfrm>
+            <a:off x="237995" y="263048"/>
+            <a:ext cx="8705589" cy="5160722"/>
+          </a:xfrm>
+        </p:spPr>
+        <p:txBody>
+          <a:bodyPr/>
+          <a:lstStyle/>
+          <a:p>
+            <a:pPr marL="0" indent="0">
+              <a:buNone/>
+            </a:pPr>
+            <a:endParaRPr lang="en-US" dirty="0"/>
+          </a:p>
+          <a:p>
+            <a:pPr marL="0" indent="0">
+              <a:buNone/>
+            </a:pPr>
+            <a:endParaRPr lang="en-US" dirty="0"/>
+          </a:p>
+          <a:p>
+            <a:pPr marL="0" indent="0">
+              <a:buNone/>
+            </a:pPr>
+            <a:r>
+              <a:rPr lang="en-US" b="1" dirty="0"/>
+              <a:t>Application program interfaces (APIs)</a:t>
+            </a:r>
+            <a:r>
+              <a:rPr lang="en-US" dirty="0"/>
+              <a:t> are specifications for how the procedures in a library behave and can be used. </a:t>
+            </a:r>
+          </a:p>
+          <a:p>
+            <a:pPr marL="0" indent="0">
+              <a:buNone/>
+            </a:pPr>
+            <a:endParaRPr lang="en-US" dirty="0"/>
+          </a:p>
+          <a:p>
+            <a:pPr marL="0" indent="0">
+              <a:buNone/>
+            </a:pPr>
+            <a:r>
+              <a:rPr lang="en-US" dirty="0"/>
+              <a:t>For example, Twitter's API allow programmers to access and analyze tweets.</a:t>
+            </a:r>
+          </a:p>
+          <a:p>
+            <a:pPr marL="0" indent="0">
+              <a:buNone/>
+            </a:pPr>
+            <a:endParaRPr lang="en-US" dirty="0"/>
+          </a:p>
+          <a:p>
+            <a:pPr marL="0" indent="0">
+              <a:buNone/>
+            </a:pPr>
+            <a:r>
+              <a:rPr lang="en-US" dirty="0"/>
+              <a:t>Documentation for an API/library is necessary in understanding the behaviors provided by the API/library and how to use them.  Twitter has documentation that allows programmers to learn how to use their API. </a:t>
+            </a:r>
+          </a:p>
+          <a:p>
+            <a:pPr marL="0" indent="0">
+              <a:buNone/>
+            </a:pPr>
+            <a:endParaRPr lang="en-US" dirty="0"/>
+          </a:p>
+          <a:p>
+            <a:pPr marL="0" indent="0">
+              <a:buNone/>
+            </a:pPr>
+            <a:endParaRPr lang="en-US" dirty="0"/>
+          </a:p>
+        </p:txBody>
+      </p:sp>
+      <p:sp>
+        <p:nvSpPr>
+          <p:cNvPr id="4" name="Slide Number Placeholder 3">
+            <a:extLst>
+              <a:ext uri="{FF2B5EF4-FFF2-40B4-BE49-F238E27FC236}">
+                <a16:creationId xmlns:a16="http://schemas.microsoft.com/office/drawing/2014/main" id="{7734434F-050E-4840-A667-1AF96B31D4A2}"/>
+              </a:ext>
+            </a:extLst>
+          </p:cNvPr>
+          <p:cNvSpPr>
+            <a:spLocks noGrp="1"/>
+          </p:cNvSpPr>
+          <p:nvPr>
+            <p:ph type="sldNum" sz="quarter" idx="12"/>
+          </p:nvPr>
+        </p:nvSpPr>
+        <p:spPr/>
+        <p:txBody>
+          <a:bodyPr/>
+          <a:lstStyle/>
+          <a:p>
+            <a:fld id="{D57F1E4F-1CFF-5643-939E-02111984F565}" type="slidenum">
+              <a:rPr lang="en-US" smtClean="0"/>
+              <a:t>65</a:t>
+            </a:fld>
+            <a:endParaRPr lang="en-US" dirty="0"/>
+          </a:p>
+        </p:txBody>
+      </p:sp>
+    </p:spTree>
+    <p:extLst>
+      <p:ext uri="{BB962C8B-B14F-4D97-AF65-F5344CB8AC3E}">
+        <p14:creationId xmlns:p14="http://schemas.microsoft.com/office/powerpoint/2010/main" val="2179424705"/>
+      </p:ext>
+    </p:extLst>
+  </p:cSld>
+  <p:clrMapOvr>
+    <a:masterClrMapping/>
+  </p:clrMapOvr>
+</p:sld>
+</file>
+
+<file path=ppt/slides/slide66.xml><?xml version="1.0" encoding="utf-8"?>
 <p:sld xmlns:a="http://schemas.openxmlformats.org/drawingml/2006/main" xmlns:r="http://schemas.openxmlformats.org/officeDocument/2006/relationships" xmlns:p="http://schemas.openxmlformats.org/presentationml/2006/main">
   <p:cSld>
     <p:spTree>
@@ -25675,7 +29922,7 @@
           <a:p>
             <a:fld id="{D57F1E4F-1CFF-5643-939E-02111984F565}" type="slidenum">
               <a:rPr lang="en-US" smtClean="0"/>
-              <a:t>52</a:t>
+              <a:t>66</a:t>
             </a:fld>
             <a:endParaRPr lang="en-US" dirty="0"/>
           </a:p>
@@ -25685,153 +29932,6 @@
     <p:extLst>
       <p:ext uri="{BB962C8B-B14F-4D97-AF65-F5344CB8AC3E}">
         <p14:creationId xmlns:p14="http://schemas.microsoft.com/office/powerpoint/2010/main" val="1253310971"/>
-      </p:ext>
-    </p:extLst>
-  </p:cSld>
-  <p:clrMapOvr>
-    <a:masterClrMapping/>
-  </p:clrMapOvr>
-</p:sld>
-</file>
-
-<file path=ppt/slides/slide6.xml><?xml version="1.0" encoding="utf-8"?>
-<p:sld xmlns:a="http://schemas.openxmlformats.org/drawingml/2006/main" xmlns:r="http://schemas.openxmlformats.org/officeDocument/2006/relationships" xmlns:p="http://schemas.openxmlformats.org/presentationml/2006/main">
-  <p:cSld>
-    <p:spTree>
-      <p:nvGrpSpPr>
-        <p:cNvPr id="1" name=""/>
-        <p:cNvGrpSpPr/>
-        <p:nvPr/>
-      </p:nvGrpSpPr>
-      <p:grpSpPr>
-        <a:xfrm>
-          <a:off x="0" y="0"/>
-          <a:ext cx="0" cy="0"/>
-          <a:chOff x="0" y="0"/>
-          <a:chExt cx="0" cy="0"/>
-        </a:xfrm>
-      </p:grpSpPr>
-      <p:sp>
-        <p:nvSpPr>
-          <p:cNvPr id="2" name="Title 1">
-            <a:extLst>
-              <a:ext uri="{FF2B5EF4-FFF2-40B4-BE49-F238E27FC236}">
-                <a16:creationId xmlns:a16="http://schemas.microsoft.com/office/drawing/2014/main" id="{DFC6737B-C2EF-3F44-90BB-2743686986C3}"/>
-              </a:ext>
-            </a:extLst>
-          </p:cNvPr>
-          <p:cNvSpPr>
-            <a:spLocks noGrp="1"/>
-          </p:cNvSpPr>
-          <p:nvPr>
-            <p:ph type="title"/>
-          </p:nvPr>
-        </p:nvSpPr>
-        <p:spPr>
-          <a:xfrm>
-            <a:off x="87876" y="15213"/>
-            <a:ext cx="7886700" cy="1104636"/>
-          </a:xfrm>
-        </p:spPr>
-        <p:txBody>
-          <a:bodyPr/>
-          <a:lstStyle/>
-          <a:p>
-            <a:r>
-              <a:rPr lang="en-US" dirty="0"/>
-              <a:t>Big Idea 1</a:t>
-            </a:r>
-          </a:p>
-        </p:txBody>
-      </p:sp>
-      <p:sp>
-        <p:nvSpPr>
-          <p:cNvPr id="3" name="Content Placeholder 2">
-            <a:extLst>
-              <a:ext uri="{FF2B5EF4-FFF2-40B4-BE49-F238E27FC236}">
-                <a16:creationId xmlns:a16="http://schemas.microsoft.com/office/drawing/2014/main" id="{891D5E54-6C6E-A142-AA4A-FD4D80701797}"/>
-              </a:ext>
-            </a:extLst>
-          </p:cNvPr>
-          <p:cNvSpPr>
-            <a:spLocks noGrp="1"/>
-          </p:cNvSpPr>
-          <p:nvPr>
-            <p:ph idx="1"/>
-          </p:nvPr>
-        </p:nvSpPr>
-        <p:spPr/>
-        <p:txBody>
-          <a:bodyPr/>
-          <a:lstStyle/>
-          <a:p>
-            <a:endParaRPr lang="en-US" dirty="0"/>
-          </a:p>
-        </p:txBody>
-      </p:sp>
-      <p:sp>
-        <p:nvSpPr>
-          <p:cNvPr id="4" name="Slide Number Placeholder 3">
-            <a:extLst>
-              <a:ext uri="{FF2B5EF4-FFF2-40B4-BE49-F238E27FC236}">
-                <a16:creationId xmlns:a16="http://schemas.microsoft.com/office/drawing/2014/main" id="{18A2786D-28FA-B647-BAA2-FF2564358153}"/>
-              </a:ext>
-            </a:extLst>
-          </p:cNvPr>
-          <p:cNvSpPr>
-            <a:spLocks noGrp="1"/>
-          </p:cNvSpPr>
-          <p:nvPr>
-            <p:ph type="sldNum" sz="quarter" idx="12"/>
-          </p:nvPr>
-        </p:nvSpPr>
-        <p:spPr/>
-        <p:txBody>
-          <a:bodyPr/>
-          <a:lstStyle/>
-          <a:p>
-            <a:fld id="{D57F1E4F-1CFF-5643-939E-02111984F565}" type="slidenum">
-              <a:rPr lang="en-US" smtClean="0"/>
-              <a:t>6</a:t>
-            </a:fld>
-            <a:endParaRPr lang="en-US" dirty="0"/>
-          </a:p>
-        </p:txBody>
-      </p:sp>
-      <p:pic>
-        <p:nvPicPr>
-          <p:cNvPr id="5" name="Picture 4">
-            <a:extLst>
-              <a:ext uri="{FF2B5EF4-FFF2-40B4-BE49-F238E27FC236}">
-                <a16:creationId xmlns:a16="http://schemas.microsoft.com/office/drawing/2014/main" id="{85B581F6-849D-7642-BAC8-DF1ECE9A39D6}"/>
-              </a:ext>
-            </a:extLst>
-          </p:cNvPr>
-          <p:cNvPicPr>
-            <a:picLocks noChangeAspect="1"/>
-          </p:cNvPicPr>
-          <p:nvPr/>
-        </p:nvPicPr>
-        <p:blipFill>
-          <a:blip r:embed="rId2"/>
-          <a:stretch>
-            <a:fillRect/>
-          </a:stretch>
-        </p:blipFill>
-        <p:spPr>
-          <a:xfrm>
-            <a:off x="2198601" y="-15213"/>
-            <a:ext cx="6083986" cy="5715000"/>
-          </a:xfrm>
-          <a:prstGeom prst="rect">
-            <a:avLst/>
-          </a:prstGeom>
-        </p:spPr>
-      </p:pic>
-    </p:spTree>
-    <p:extLst>
-      <p:ext uri="{BB962C8B-B14F-4D97-AF65-F5344CB8AC3E}">
-        <p14:creationId xmlns:p14="http://schemas.microsoft.com/office/powerpoint/2010/main" val="593690865"/>
       </p:ext>
     </p:extLst>
   </p:cSld>

--- a/courses/apcsp/lect23.pptx
+++ b/courses/apcsp/lect23.pptx
@@ -213,7 +213,7 @@
 <file path=ppt/revisionInfo.xml><?xml version="1.0" encoding="utf-8"?>
 <p1510:revInfo xmlns:a="http://schemas.openxmlformats.org/drawingml/2006/main" xmlns:r="http://schemas.openxmlformats.org/officeDocument/2006/relationships" xmlns:p1510="http://schemas.microsoft.com/office/powerpoint/2015/10/main">
   <p1510:revLst>
-    <p1510:client id="{09EBCD6D-3E32-1447-A1AF-87925F52689B}" v="979" dt="2021-05-23T11:43:13.359"/>
+    <p1510:client id="{09EBCD6D-3E32-1447-A1AF-87925F52689B}" v="983" dt="2021-05-24T14:15:33.655"/>
   </p1510:revLst>
 </p1510:revInfo>
 </file>
@@ -3383,7 +3383,7 @@
   <pc:docChgLst>
     <pc:chgData name="Long B Nguyen" userId="f59fb8f3-a021-417a-8bc1-65c8d471c621" providerId="ADAL" clId="{09EBCD6D-3E32-1447-A1AF-87925F52689B}"/>
     <pc:docChg chg="undo custSel addSld delSld modSld">
-      <pc:chgData name="Long B Nguyen" userId="f59fb8f3-a021-417a-8bc1-65c8d471c621" providerId="ADAL" clId="{09EBCD6D-3E32-1447-A1AF-87925F52689B}" dt="2021-05-23T11:44:55.048" v="8573" actId="1076"/>
+      <pc:chgData name="Long B Nguyen" userId="f59fb8f3-a021-417a-8bc1-65c8d471c621" providerId="ADAL" clId="{09EBCD6D-3E32-1447-A1AF-87925F52689B}" dt="2021-05-24T14:15:33.653" v="8600"/>
       <pc:docMkLst>
         <pc:docMk/>
       </pc:docMkLst>
@@ -5695,8 +5695,8 @@
           </ac:picMkLst>
         </pc:picChg>
       </pc:sldChg>
-      <pc:sldChg chg="addSp delSp modSp new mod">
-        <pc:chgData name="Long B Nguyen" userId="f59fb8f3-a021-417a-8bc1-65c8d471c621" providerId="ADAL" clId="{09EBCD6D-3E32-1447-A1AF-87925F52689B}" dt="2021-05-21T15:23:01.048" v="5098" actId="1076"/>
+      <pc:sldChg chg="addSp delSp modSp new mod modAnim">
+        <pc:chgData name="Long B Nguyen" userId="f59fb8f3-a021-417a-8bc1-65c8d471c621" providerId="ADAL" clId="{09EBCD6D-3E32-1447-A1AF-87925F52689B}" dt="2021-05-24T13:56:28.252" v="8574"/>
         <pc:sldMkLst>
           <pc:docMk/>
           <pc:sldMk cId="4119284386" sldId="629"/>
@@ -5734,8 +5734,8 @@
           </ac:picMkLst>
         </pc:picChg>
       </pc:sldChg>
-      <pc:sldChg chg="addSp delSp modSp add mod">
-        <pc:chgData name="Long B Nguyen" userId="f59fb8f3-a021-417a-8bc1-65c8d471c621" providerId="ADAL" clId="{09EBCD6D-3E32-1447-A1AF-87925F52689B}" dt="2021-05-21T15:23:39.479" v="5119" actId="20577"/>
+      <pc:sldChg chg="addSp delSp modSp add mod modAnim">
+        <pc:chgData name="Long B Nguyen" userId="f59fb8f3-a021-417a-8bc1-65c8d471c621" providerId="ADAL" clId="{09EBCD6D-3E32-1447-A1AF-87925F52689B}" dt="2021-05-24T13:56:36.289" v="8575"/>
         <pc:sldMkLst>
           <pc:docMk/>
           <pc:sldMk cId="1531065732" sldId="630"/>
@@ -5929,7 +5929,7 @@
         </pc:picChg>
       </pc:sldChg>
       <pc:sldChg chg="addSp delSp modSp add mod modAnim">
-        <pc:chgData name="Long B Nguyen" userId="f59fb8f3-a021-417a-8bc1-65c8d471c621" providerId="ADAL" clId="{09EBCD6D-3E32-1447-A1AF-87925F52689B}" dt="2021-05-21T15:38:58.238" v="5904"/>
+        <pc:chgData name="Long B Nguyen" userId="f59fb8f3-a021-417a-8bc1-65c8d471c621" providerId="ADAL" clId="{09EBCD6D-3E32-1447-A1AF-87925F52689B}" dt="2021-05-24T14:04:09.248" v="8598" actId="1036"/>
         <pc:sldMkLst>
           <pc:docMk/>
           <pc:sldMk cId="3972071686" sldId="634"/>
@@ -5940,6 +5940,14 @@
             <pc:docMk/>
             <pc:sldMk cId="3972071686" sldId="634"/>
             <ac:spMk id="2" creationId="{90D002C7-24B9-A843-BED1-DD4FD02EB7BA}"/>
+          </ac:spMkLst>
+        </pc:spChg>
+        <pc:spChg chg="mod">
+          <ac:chgData name="Long B Nguyen" userId="f59fb8f3-a021-417a-8bc1-65c8d471c621" providerId="ADAL" clId="{09EBCD6D-3E32-1447-A1AF-87925F52689B}" dt="2021-05-24T14:03:58.022" v="8577" actId="1076"/>
+          <ac:spMkLst>
+            <pc:docMk/>
+            <pc:sldMk cId="3972071686" sldId="634"/>
+            <ac:spMk id="3" creationId="{B93BCAAE-8D74-EC4D-8C11-E4FC3D47A755}"/>
           </ac:spMkLst>
         </pc:spChg>
         <pc:picChg chg="add mod">
@@ -5982,8 +5990,8 @@
             <ac:picMk id="9" creationId="{A0A5CB6A-072A-E645-8CC0-D74602A1A11D}"/>
           </ac:picMkLst>
         </pc:picChg>
-        <pc:picChg chg="add mod">
-          <ac:chgData name="Long B Nguyen" userId="f59fb8f3-a021-417a-8bc1-65c8d471c621" providerId="ADAL" clId="{09EBCD6D-3E32-1447-A1AF-87925F52689B}" dt="2021-05-21T15:38:15.080" v="5894" actId="571"/>
+        <pc:picChg chg="add del mod">
+          <ac:chgData name="Long B Nguyen" userId="f59fb8f3-a021-417a-8bc1-65c8d471c621" providerId="ADAL" clId="{09EBCD6D-3E32-1447-A1AF-87925F52689B}" dt="2021-05-24T14:04:02.184" v="8579" actId="478"/>
           <ac:picMkLst>
             <pc:docMk/>
             <pc:sldMk cId="3972071686" sldId="634"/>
@@ -5991,7 +5999,7 @@
           </ac:picMkLst>
         </pc:picChg>
         <pc:picChg chg="add mod">
-          <ac:chgData name="Long B Nguyen" userId="f59fb8f3-a021-417a-8bc1-65c8d471c621" providerId="ADAL" clId="{09EBCD6D-3E32-1447-A1AF-87925F52689B}" dt="2021-05-21T15:38:16.867" v="5895" actId="571"/>
+          <ac:chgData name="Long B Nguyen" userId="f59fb8f3-a021-417a-8bc1-65c8d471c621" providerId="ADAL" clId="{09EBCD6D-3E32-1447-A1AF-87925F52689B}" dt="2021-05-24T14:04:09.248" v="8598" actId="1036"/>
           <ac:picMkLst>
             <pc:docMk/>
             <pc:sldMk cId="3972071686" sldId="634"/>
@@ -6156,8 +6164,8 @@
           </ac:picMkLst>
         </pc:picChg>
       </pc:sldChg>
-      <pc:sldChg chg="addSp delSp modSp add mod">
-        <pc:chgData name="Long B Nguyen" userId="f59fb8f3-a021-417a-8bc1-65c8d471c621" providerId="ADAL" clId="{09EBCD6D-3E32-1447-A1AF-87925F52689B}" dt="2021-05-21T17:18:42.933" v="6236" actId="20577"/>
+      <pc:sldChg chg="addSp delSp modSp add mod modAnim">
+        <pc:chgData name="Long B Nguyen" userId="f59fb8f3-a021-417a-8bc1-65c8d471c621" providerId="ADAL" clId="{09EBCD6D-3E32-1447-A1AF-87925F52689B}" dt="2021-05-24T14:10:27.657" v="8599"/>
         <pc:sldMkLst>
           <pc:docMk/>
           <pc:sldMk cId="2208213074" sldId="637"/>
@@ -6242,8 +6250,8 @@
           </ac:spMkLst>
         </pc:spChg>
       </pc:sldChg>
-      <pc:sldChg chg="addSp delSp modSp add mod">
-        <pc:chgData name="Long B Nguyen" userId="f59fb8f3-a021-417a-8bc1-65c8d471c621" providerId="ADAL" clId="{09EBCD6D-3E32-1447-A1AF-87925F52689B}" dt="2021-05-21T17:49:50.498" v="6572" actId="478"/>
+      <pc:sldChg chg="addSp delSp modSp add mod modAnim">
+        <pc:chgData name="Long B Nguyen" userId="f59fb8f3-a021-417a-8bc1-65c8d471c621" providerId="ADAL" clId="{09EBCD6D-3E32-1447-A1AF-87925F52689B}" dt="2021-05-24T14:15:33.653" v="8600"/>
         <pc:sldMkLst>
           <pc:docMk/>
           <pc:sldMk cId="1296861205" sldId="638"/>
@@ -10659,7 +10667,7 @@
           <a:p>
             <a:fld id="{6EDD99D2-A624-5E4F-A4E3-584054837B5A}" type="datetimeFigureOut">
               <a:rPr lang="en-US" smtClean="0"/>
-              <a:t>5/22/21</a:t>
+              <a:t>5/24/21</a:t>
             </a:fld>
             <a:endParaRPr lang="en-US"/>
           </a:p>
@@ -12236,7 +12244,7 @@
           <a:p>
             <a:fld id="{C96F47CA-F895-6945-BE27-26692229FACF}" type="datetime1">
               <a:rPr lang="en-US" smtClean="0"/>
-              <a:t>5/22/21</a:t>
+              <a:t>5/24/21</a:t>
             </a:fld>
             <a:endParaRPr lang="en-US" dirty="0"/>
           </a:p>
@@ -12406,7 +12414,7 @@
           <a:p>
             <a:fld id="{AF706D67-2012-D043-9F80-5C2BDD609BD3}" type="datetime1">
               <a:rPr lang="en-US" smtClean="0"/>
-              <a:t>5/22/21</a:t>
+              <a:t>5/24/21</a:t>
             </a:fld>
             <a:endParaRPr lang="en-US" dirty="0"/>
           </a:p>
@@ -12586,7 +12594,7 @@
           <a:p>
             <a:fld id="{5B79ACE4-03B6-794A-A48C-13F9598CCD28}" type="datetime1">
               <a:rPr lang="en-US" smtClean="0"/>
-              <a:t>5/22/21</a:t>
+              <a:t>5/24/21</a:t>
             </a:fld>
             <a:endParaRPr lang="en-US" dirty="0"/>
           </a:p>
@@ -12756,7 +12764,7 @@
           <a:p>
             <a:fld id="{6DA7C96B-D6FF-5D47-8EF3-542FD5A88E7C}" type="datetime1">
               <a:rPr lang="en-US" smtClean="0"/>
-              <a:t>5/22/21</a:t>
+              <a:t>5/24/21</a:t>
             </a:fld>
             <a:endParaRPr lang="en-US" dirty="0"/>
           </a:p>
@@ -13002,7 +13010,7 @@
           <a:p>
             <a:fld id="{5A6358E7-4856-3046-9420-8ADBF7A86D8C}" type="datetime1">
               <a:rPr lang="en-US" smtClean="0"/>
-              <a:t>5/22/21</a:t>
+              <a:t>5/24/21</a:t>
             </a:fld>
             <a:endParaRPr lang="en-US" dirty="0"/>
           </a:p>
@@ -13234,7 +13242,7 @@
           <a:p>
             <a:fld id="{6779F35A-9F43-7048-AA95-2DCA7E8C0780}" type="datetime1">
               <a:rPr lang="en-US" smtClean="0"/>
-              <a:t>5/22/21</a:t>
+              <a:t>5/24/21</a:t>
             </a:fld>
             <a:endParaRPr lang="en-US" dirty="0"/>
           </a:p>
@@ -13601,7 +13609,7 @@
           <a:p>
             <a:fld id="{B7CB2D7C-E370-DC40-8D10-DF8CB1A188CA}" type="datetime1">
               <a:rPr lang="en-US" smtClean="0"/>
-              <a:t>5/22/21</a:t>
+              <a:t>5/24/21</a:t>
             </a:fld>
             <a:endParaRPr lang="en-US" dirty="0"/>
           </a:p>
@@ -13719,7 +13727,7 @@
           <a:p>
             <a:fld id="{68AA69A2-3CD0-BE49-AF6E-9E037A40F43F}" type="datetime1">
               <a:rPr lang="en-US" smtClean="0"/>
-              <a:t>5/22/21</a:t>
+              <a:t>5/24/21</a:t>
             </a:fld>
             <a:endParaRPr lang="en-US" dirty="0"/>
           </a:p>
@@ -13814,7 +13822,7 @@
           <a:p>
             <a:fld id="{1EB50D9D-ACA9-3C4A-A3FC-7A265C0CEBD3}" type="datetime1">
               <a:rPr lang="en-US" smtClean="0"/>
-              <a:t>5/22/21</a:t>
+              <a:t>5/24/21</a:t>
             </a:fld>
             <a:endParaRPr lang="en-US" dirty="0"/>
           </a:p>
@@ -14091,7 +14099,7 @@
           <a:p>
             <a:fld id="{A08B2DD4-8739-D748-B308-CD7D801B0131}" type="datetime1">
               <a:rPr lang="en-US" smtClean="0"/>
-              <a:t>5/22/21</a:t>
+              <a:t>5/24/21</a:t>
             </a:fld>
             <a:endParaRPr lang="en-US" dirty="0"/>
           </a:p>
@@ -14348,7 +14356,7 @@
           <a:p>
             <a:fld id="{98622575-E24A-D548-838B-E385F9D0E59A}" type="datetime1">
               <a:rPr lang="en-US" smtClean="0"/>
-              <a:t>5/22/21</a:t>
+              <a:t>5/24/21</a:t>
             </a:fld>
             <a:endParaRPr lang="en-US" dirty="0"/>
           </a:p>
@@ -14561,7 +14569,7 @@
           <a:p>
             <a:fld id="{272BAF4E-9F7C-284D-B40D-0B83E546F887}" type="datetime1">
               <a:rPr lang="en-US" smtClean="0"/>
-              <a:t>5/22/21</a:t>
+              <a:t>5/24/21</a:t>
             </a:fld>
             <a:endParaRPr lang="en-US" dirty="0"/>
           </a:p>
@@ -36207,6 +36215,81 @@
   <p:clrMapOvr>
     <a:masterClrMapping/>
   </p:clrMapOvr>
+  <p:timing>
+    <p:tnLst>
+      <p:par>
+        <p:cTn id="1" dur="indefinite" restart="never" nodeType="tmRoot">
+          <p:childTnLst>
+            <p:seq concurrent="1" nextAc="seek">
+              <p:cTn id="2" dur="indefinite" nodeType="mainSeq">
+                <p:childTnLst>
+                  <p:par>
+                    <p:cTn id="3" fill="hold">
+                      <p:stCondLst>
+                        <p:cond delay="indefinite"/>
+                      </p:stCondLst>
+                      <p:childTnLst>
+                        <p:par>
+                          <p:cTn id="4" fill="hold">
+                            <p:stCondLst>
+                              <p:cond delay="0"/>
+                            </p:stCondLst>
+                            <p:childTnLst>
+                              <p:par>
+                                <p:cTn id="5" presetID="1" presetClass="entr" presetSubtype="0" fill="hold" nodeType="clickEffect">
+                                  <p:stCondLst>
+                                    <p:cond delay="0"/>
+                                  </p:stCondLst>
+                                  <p:childTnLst>
+                                    <p:set>
+                                      <p:cBhvr>
+                                        <p:cTn id="6" dur="1" fill="hold">
+                                          <p:stCondLst>
+                                            <p:cond delay="0"/>
+                                          </p:stCondLst>
+                                        </p:cTn>
+                                        <p:tgtEl>
+                                          <p:spTgt spid="6"/>
+                                        </p:tgtEl>
+                                        <p:attrNameLst>
+                                          <p:attrName>style.visibility</p:attrName>
+                                        </p:attrNameLst>
+                                      </p:cBhvr>
+                                      <p:to>
+                                        <p:strVal val="visible"/>
+                                      </p:to>
+                                    </p:set>
+                                  </p:childTnLst>
+                                </p:cTn>
+                              </p:par>
+                            </p:childTnLst>
+                          </p:cTn>
+                        </p:par>
+                      </p:childTnLst>
+                    </p:cTn>
+                  </p:par>
+                </p:childTnLst>
+              </p:cTn>
+              <p:prevCondLst>
+                <p:cond evt="onPrev" delay="0">
+                  <p:tgtEl>
+                    <p:sldTgt/>
+                  </p:tgtEl>
+                </p:cond>
+              </p:prevCondLst>
+              <p:nextCondLst>
+                <p:cond evt="onNext" delay="0">
+                  <p:tgtEl>
+                    <p:sldTgt/>
+                  </p:tgtEl>
+                </p:cond>
+              </p:nextCondLst>
+            </p:seq>
+          </p:childTnLst>
+        </p:cTn>
+      </p:par>
+    </p:tnLst>
+  </p:timing>
 </p:sld>
 </file>
 
@@ -36395,6 +36478,85 @@
   <p:clrMapOvr>
     <a:masterClrMapping/>
   </p:clrMapOvr>
+  <p:timing>
+    <p:tnLst>
+      <p:par>
+        <p:cTn id="1" dur="indefinite" restart="never" nodeType="tmRoot">
+          <p:childTnLst>
+            <p:seq concurrent="1" nextAc="seek">
+              <p:cTn id="2" dur="indefinite" nodeType="mainSeq">
+                <p:childTnLst>
+                  <p:par>
+                    <p:cTn id="3" fill="hold">
+                      <p:stCondLst>
+                        <p:cond delay="indefinite"/>
+                      </p:stCondLst>
+                      <p:childTnLst>
+                        <p:par>
+                          <p:cTn id="4" fill="hold">
+                            <p:stCondLst>
+                              <p:cond delay="0"/>
+                            </p:stCondLst>
+                            <p:childTnLst>
+                              <p:par>
+                                <p:cTn id="5" presetID="1" presetClass="entr" presetSubtype="0" fill="hold" nodeType="clickEffect">
+                                  <p:stCondLst>
+                                    <p:cond delay="0"/>
+                                  </p:stCondLst>
+                                  <p:childTnLst>
+                                    <p:set>
+                                      <p:cBhvr>
+                                        <p:cTn id="6" dur="1" fill="hold">
+                                          <p:stCondLst>
+                                            <p:cond delay="0"/>
+                                          </p:stCondLst>
+                                        </p:cTn>
+                                        <p:tgtEl>
+                                          <p:spTgt spid="3">
+                                            <p:txEl>
+                                              <p:pRg st="10" end="10"/>
+                                            </p:txEl>
+                                          </p:spTgt>
+                                        </p:tgtEl>
+                                        <p:attrNameLst>
+                                          <p:attrName>style.visibility</p:attrName>
+                                        </p:attrNameLst>
+                                      </p:cBhvr>
+                                      <p:to>
+                                        <p:strVal val="visible"/>
+                                      </p:to>
+                                    </p:set>
+                                  </p:childTnLst>
+                                </p:cTn>
+                              </p:par>
+                            </p:childTnLst>
+                          </p:cTn>
+                        </p:par>
+                      </p:childTnLst>
+                    </p:cTn>
+                  </p:par>
+                </p:childTnLst>
+              </p:cTn>
+              <p:prevCondLst>
+                <p:cond evt="onPrev" delay="0">
+                  <p:tgtEl>
+                    <p:sldTgt/>
+                  </p:tgtEl>
+                </p:cond>
+              </p:prevCondLst>
+              <p:nextCondLst>
+                <p:cond evt="onNext" delay="0">
+                  <p:tgtEl>
+                    <p:sldTgt/>
+                  </p:tgtEl>
+                </p:cond>
+              </p:nextCondLst>
+            </p:seq>
+          </p:childTnLst>
+        </p:cTn>
+      </p:par>
+    </p:tnLst>
+  </p:timing>
 </p:sld>
 </file>
 
@@ -36856,7 +37018,7 @@
         </p:nvSpPr>
         <p:spPr>
           <a:xfrm>
-            <a:off x="152661" y="901874"/>
+            <a:off x="794663" y="867296"/>
             <a:ext cx="8778397" cy="4699356"/>
           </a:xfrm>
         </p:spPr>
@@ -37011,10 +37173,10 @@
       </p:pic>
       <p:pic>
         <p:nvPicPr>
-          <p:cNvPr id="10" name="Picture 9">
-            <a:extLst>
-              <a:ext uri="{FF2B5EF4-FFF2-40B4-BE49-F238E27FC236}">
-                <a16:creationId xmlns:a16="http://schemas.microsoft.com/office/drawing/2014/main" id="{EB5568AD-19CB-D342-B788-0EF079692BC1}"/>
+          <p:cNvPr id="11" name="Picture 10">
+            <a:extLst>
+              <a:ext uri="{FF2B5EF4-FFF2-40B4-BE49-F238E27FC236}">
+                <a16:creationId xmlns:a16="http://schemas.microsoft.com/office/drawing/2014/main" id="{C0E5CA17-49B6-3F4E-98E3-E65A6FF37588}"/>
               </a:ext>
             </a:extLst>
           </p:cNvPr>
@@ -37031,37 +37193,7 @@
         </p:blipFill>
         <p:spPr>
           <a:xfrm>
-            <a:off x="1983462" y="3126202"/>
-            <a:ext cx="3632200" cy="1206500"/>
-          </a:xfrm>
-          <a:prstGeom prst="rect">
-            <a:avLst/>
-          </a:prstGeom>
-        </p:spPr>
-      </p:pic>
-      <p:pic>
-        <p:nvPicPr>
-          <p:cNvPr id="11" name="Picture 10">
-            <a:extLst>
-              <a:ext uri="{FF2B5EF4-FFF2-40B4-BE49-F238E27FC236}">
-                <a16:creationId xmlns:a16="http://schemas.microsoft.com/office/drawing/2014/main" id="{C0E5CA17-49B6-3F4E-98E3-E65A6FF37588}"/>
-              </a:ext>
-            </a:extLst>
-          </p:cNvPr>
-          <p:cNvPicPr>
-            <a:picLocks noChangeAspect="1"/>
-          </p:cNvPicPr>
-          <p:nvPr/>
-        </p:nvPicPr>
-        <p:blipFill>
-          <a:blip r:embed="rId5"/>
-          <a:stretch>
-            <a:fillRect/>
-          </a:stretch>
-        </p:blipFill>
-        <p:spPr>
-          <a:xfrm>
-            <a:off x="1831062" y="3191199"/>
+            <a:off x="2021221" y="3112983"/>
             <a:ext cx="3632200" cy="1206500"/>
           </a:xfrm>
           <a:prstGeom prst="rect">
@@ -38358,6 +38490,81 @@
   <p:clrMapOvr>
     <a:masterClrMapping/>
   </p:clrMapOvr>
+  <p:timing>
+    <p:tnLst>
+      <p:par>
+        <p:cTn id="1" dur="indefinite" restart="never" nodeType="tmRoot">
+          <p:childTnLst>
+            <p:seq concurrent="1" nextAc="seek">
+              <p:cTn id="2" dur="indefinite" nodeType="mainSeq">
+                <p:childTnLst>
+                  <p:par>
+                    <p:cTn id="3" fill="hold">
+                      <p:stCondLst>
+                        <p:cond delay="indefinite"/>
+                      </p:stCondLst>
+                      <p:childTnLst>
+                        <p:par>
+                          <p:cTn id="4" fill="hold">
+                            <p:stCondLst>
+                              <p:cond delay="0"/>
+                            </p:stCondLst>
+                            <p:childTnLst>
+                              <p:par>
+                                <p:cTn id="5" presetID="1" presetClass="entr" presetSubtype="0" fill="hold" nodeType="clickEffect">
+                                  <p:stCondLst>
+                                    <p:cond delay="0"/>
+                                  </p:stCondLst>
+                                  <p:childTnLst>
+                                    <p:set>
+                                      <p:cBhvr>
+                                        <p:cTn id="6" dur="1" fill="hold">
+                                          <p:stCondLst>
+                                            <p:cond delay="0"/>
+                                          </p:stCondLst>
+                                        </p:cTn>
+                                        <p:tgtEl>
+                                          <p:spTgt spid="10"/>
+                                        </p:tgtEl>
+                                        <p:attrNameLst>
+                                          <p:attrName>style.visibility</p:attrName>
+                                        </p:attrNameLst>
+                                      </p:cBhvr>
+                                      <p:to>
+                                        <p:strVal val="visible"/>
+                                      </p:to>
+                                    </p:set>
+                                  </p:childTnLst>
+                                </p:cTn>
+                              </p:par>
+                            </p:childTnLst>
+                          </p:cTn>
+                        </p:par>
+                      </p:childTnLst>
+                    </p:cTn>
+                  </p:par>
+                </p:childTnLst>
+              </p:cTn>
+              <p:prevCondLst>
+                <p:cond evt="onPrev" delay="0">
+                  <p:tgtEl>
+                    <p:sldTgt/>
+                  </p:tgtEl>
+                </p:cond>
+              </p:prevCondLst>
+              <p:nextCondLst>
+                <p:cond evt="onNext" delay="0">
+                  <p:tgtEl>
+                    <p:sldTgt/>
+                  </p:tgtEl>
+                </p:cond>
+              </p:nextCondLst>
+            </p:seq>
+          </p:childTnLst>
+        </p:cTn>
+      </p:par>
+    </p:tnLst>
+  </p:timing>
 </p:sld>
 </file>
 
@@ -38620,6 +38827,81 @@
   <p:clrMapOvr>
     <a:masterClrMapping/>
   </p:clrMapOvr>
+  <p:timing>
+    <p:tnLst>
+      <p:par>
+        <p:cTn id="1" dur="indefinite" restart="never" nodeType="tmRoot">
+          <p:childTnLst>
+            <p:seq concurrent="1" nextAc="seek">
+              <p:cTn id="2" dur="indefinite" nodeType="mainSeq">
+                <p:childTnLst>
+                  <p:par>
+                    <p:cTn id="3" fill="hold">
+                      <p:stCondLst>
+                        <p:cond delay="indefinite"/>
+                      </p:stCondLst>
+                      <p:childTnLst>
+                        <p:par>
+                          <p:cTn id="4" fill="hold">
+                            <p:stCondLst>
+                              <p:cond delay="0"/>
+                            </p:stCondLst>
+                            <p:childTnLst>
+                              <p:par>
+                                <p:cTn id="5" presetID="1" presetClass="entr" presetSubtype="0" fill="hold" nodeType="clickEffect">
+                                  <p:stCondLst>
+                                    <p:cond delay="0"/>
+                                  </p:stCondLst>
+                                  <p:childTnLst>
+                                    <p:set>
+                                      <p:cBhvr>
+                                        <p:cTn id="6" dur="1" fill="hold">
+                                          <p:stCondLst>
+                                            <p:cond delay="0"/>
+                                          </p:stCondLst>
+                                        </p:cTn>
+                                        <p:tgtEl>
+                                          <p:spTgt spid="6"/>
+                                        </p:tgtEl>
+                                        <p:attrNameLst>
+                                          <p:attrName>style.visibility</p:attrName>
+                                        </p:attrNameLst>
+                                      </p:cBhvr>
+                                      <p:to>
+                                        <p:strVal val="visible"/>
+                                      </p:to>
+                                    </p:set>
+                                  </p:childTnLst>
+                                </p:cTn>
+                              </p:par>
+                            </p:childTnLst>
+                          </p:cTn>
+                        </p:par>
+                      </p:childTnLst>
+                    </p:cTn>
+                  </p:par>
+                </p:childTnLst>
+              </p:cTn>
+              <p:prevCondLst>
+                <p:cond evt="onPrev" delay="0">
+                  <p:tgtEl>
+                    <p:sldTgt/>
+                  </p:tgtEl>
+                </p:cond>
+              </p:prevCondLst>
+              <p:nextCondLst>
+                <p:cond evt="onNext" delay="0">
+                  <p:tgtEl>
+                    <p:sldTgt/>
+                  </p:tgtEl>
+                </p:cond>
+              </p:nextCondLst>
+            </p:seq>
+          </p:childTnLst>
+        </p:cTn>
+      </p:par>
+    </p:tnLst>
+  </p:timing>
 </p:sld>
 </file>
 

--- a/courses/apcsp/lect23.pptx
+++ b/courses/apcsp/lect23.pptx
@@ -213,7 +213,7 @@
 <file path=ppt/revisionInfo.xml><?xml version="1.0" encoding="utf-8"?>
 <p1510:revInfo xmlns:a="http://schemas.openxmlformats.org/drawingml/2006/main" xmlns:r="http://schemas.openxmlformats.org/officeDocument/2006/relationships" xmlns:p1510="http://schemas.microsoft.com/office/powerpoint/2015/10/main">
   <p1510:revLst>
-    <p1510:client id="{09EBCD6D-3E32-1447-A1AF-87925F52689B}" v="983" dt="2021-05-24T14:15:33.655"/>
+    <p1510:client id="{09EBCD6D-3E32-1447-A1AF-87925F52689B}" v="993" dt="2021-05-25T13:34:00.318"/>
   </p1510:revLst>
 </p1510:revInfo>
 </file>
@@ -3383,7 +3383,7 @@
   <pc:docChgLst>
     <pc:chgData name="Long B Nguyen" userId="f59fb8f3-a021-417a-8bc1-65c8d471c621" providerId="ADAL" clId="{09EBCD6D-3E32-1447-A1AF-87925F52689B}"/>
     <pc:docChg chg="undo custSel addSld delSld modSld">
-      <pc:chgData name="Long B Nguyen" userId="f59fb8f3-a021-417a-8bc1-65c8d471c621" providerId="ADAL" clId="{09EBCD6D-3E32-1447-A1AF-87925F52689B}" dt="2021-05-24T14:15:33.653" v="8600"/>
+      <pc:chgData name="Long B Nguyen" userId="f59fb8f3-a021-417a-8bc1-65c8d471c621" providerId="ADAL" clId="{09EBCD6D-3E32-1447-A1AF-87925F52689B}" dt="2021-05-25T13:34:08.367" v="8791" actId="1038"/>
       <pc:docMkLst>
         <pc:docMk/>
       </pc:docMkLst>
@@ -5851,7 +5851,7 @@
         </pc:picChg>
       </pc:sldChg>
       <pc:sldChg chg="addSp delSp modSp add mod">
-        <pc:chgData name="Long B Nguyen" userId="f59fb8f3-a021-417a-8bc1-65c8d471c621" providerId="ADAL" clId="{09EBCD6D-3E32-1447-A1AF-87925F52689B}" dt="2021-05-21T15:37:15.053" v="5885" actId="20577"/>
+        <pc:chgData name="Long B Nguyen" userId="f59fb8f3-a021-417a-8bc1-65c8d471c621" providerId="ADAL" clId="{09EBCD6D-3E32-1447-A1AF-87925F52689B}" dt="2021-05-25T13:34:08.367" v="8791" actId="1038"/>
         <pc:sldMkLst>
           <pc:docMk/>
           <pc:sldMk cId="390817172" sldId="633"/>
@@ -5878,6 +5878,14 @@
             <pc:docMk/>
             <pc:sldMk cId="390817172" sldId="633"/>
             <ac:picMk id="5" creationId="{405F2909-82B0-0E4E-9749-4CD75C4EC2D6}"/>
+          </ac:picMkLst>
+        </pc:picChg>
+        <pc:picChg chg="add mod">
+          <ac:chgData name="Long B Nguyen" userId="f59fb8f3-a021-417a-8bc1-65c8d471c621" providerId="ADAL" clId="{09EBCD6D-3E32-1447-A1AF-87925F52689B}" dt="2021-05-25T13:34:08.367" v="8791" actId="1038"/>
+          <ac:picMkLst>
+            <pc:docMk/>
+            <pc:sldMk cId="390817172" sldId="633"/>
+            <ac:picMk id="6" creationId="{7E46ADD9-ABE1-7E4E-A928-7EB614FBD5D7}"/>
           </ac:picMkLst>
         </pc:picChg>
         <pc:picChg chg="del">
@@ -6024,7 +6032,7 @@
         </pc:picChg>
       </pc:sldChg>
       <pc:sldChg chg="addSp delSp modSp add mod">
-        <pc:chgData name="Long B Nguyen" userId="f59fb8f3-a021-417a-8bc1-65c8d471c621" providerId="ADAL" clId="{09EBCD6D-3E32-1447-A1AF-87925F52689B}" dt="2021-05-21T15:41:23.790" v="5934" actId="1076"/>
+        <pc:chgData name="Long B Nguyen" userId="f59fb8f3-a021-417a-8bc1-65c8d471c621" providerId="ADAL" clId="{09EBCD6D-3E32-1447-A1AF-87925F52689B}" dt="2021-05-25T13:31:40.419" v="8686" actId="1036"/>
         <pc:sldMkLst>
           <pc:docMk/>
           <pc:sldMk cId="3717689186" sldId="635"/>
@@ -6101,6 +6109,14 @@
             <ac:picMk id="11" creationId="{E55A0C12-4F89-EE44-A89B-614832C525D1}"/>
           </ac:picMkLst>
         </pc:picChg>
+        <pc:cxnChg chg="add mod">
+          <ac:chgData name="Long B Nguyen" userId="f59fb8f3-a021-417a-8bc1-65c8d471c621" providerId="ADAL" clId="{09EBCD6D-3E32-1447-A1AF-87925F52689B}" dt="2021-05-25T13:31:40.419" v="8686" actId="1036"/>
+          <ac:cxnSpMkLst>
+            <pc:docMk/>
+            <pc:sldMk cId="3717689186" sldId="635"/>
+            <ac:cxnSpMk id="12" creationId="{B0C7D7B6-55E9-AE4F-A583-B73A55C8BBD4}"/>
+          </ac:cxnSpMkLst>
+        </pc:cxnChg>
       </pc:sldChg>
       <pc:sldChg chg="add del">
         <pc:chgData name="Long B Nguyen" userId="f59fb8f3-a021-417a-8bc1-65c8d471c621" providerId="ADAL" clId="{09EBCD6D-3E32-1447-A1AF-87925F52689B}" dt="2021-05-21T15:39:15.685" v="5907" actId="2696"/>
@@ -6110,7 +6126,7 @@
         </pc:sldMkLst>
       </pc:sldChg>
       <pc:sldChg chg="addSp delSp modSp add mod">
-        <pc:chgData name="Long B Nguyen" userId="f59fb8f3-a021-417a-8bc1-65c8d471c621" providerId="ADAL" clId="{09EBCD6D-3E32-1447-A1AF-87925F52689B}" dt="2021-05-21T15:43:20.082" v="6025" actId="1038"/>
+        <pc:chgData name="Long B Nguyen" userId="f59fb8f3-a021-417a-8bc1-65c8d471c621" providerId="ADAL" clId="{09EBCD6D-3E32-1447-A1AF-87925F52689B}" dt="2021-05-25T13:32:01.405" v="8705" actId="1036"/>
         <pc:sldMkLst>
           <pc:docMk/>
           <pc:sldMk cId="3221876358" sldId="636"/>
@@ -6137,6 +6153,14 @@
             <pc:docMk/>
             <pc:sldMk cId="3221876358" sldId="636"/>
             <ac:picMk id="5" creationId="{EAC18EDF-1B77-084B-880D-A52440DE888D}"/>
+          </ac:picMkLst>
+        </pc:picChg>
+        <pc:picChg chg="add mod">
+          <ac:chgData name="Long B Nguyen" userId="f59fb8f3-a021-417a-8bc1-65c8d471c621" providerId="ADAL" clId="{09EBCD6D-3E32-1447-A1AF-87925F52689B}" dt="2021-05-25T13:03:18.424" v="8616" actId="1076"/>
+          <ac:picMkLst>
+            <pc:docMk/>
+            <pc:sldMk cId="3221876358" sldId="636"/>
+            <ac:picMk id="6" creationId="{31870A4D-7297-F14C-9BF8-476369050B1A}"/>
           </ac:picMkLst>
         </pc:picChg>
         <pc:picChg chg="add del mod">
@@ -6147,25 +6171,57 @@
             <ac:picMk id="6" creationId="{9DED08F7-1086-AE4D-90F6-C935BBB2C858}"/>
           </ac:picMkLst>
         </pc:picChg>
-        <pc:picChg chg="add mod">
-          <ac:chgData name="Long B Nguyen" userId="f59fb8f3-a021-417a-8bc1-65c8d471c621" providerId="ADAL" clId="{09EBCD6D-3E32-1447-A1AF-87925F52689B}" dt="2021-05-21T15:43:20.082" v="6025" actId="1038"/>
+        <pc:picChg chg="add del mod">
+          <ac:chgData name="Long B Nguyen" userId="f59fb8f3-a021-417a-8bc1-65c8d471c621" providerId="ADAL" clId="{09EBCD6D-3E32-1447-A1AF-87925F52689B}" dt="2021-05-25T13:03:13.080" v="8614" actId="478"/>
           <ac:picMkLst>
             <pc:docMk/>
             <pc:sldMk cId="3221876358" sldId="636"/>
             <ac:picMk id="7" creationId="{C5EAF51D-233B-C249-88B9-5A10D54B452F}"/>
           </ac:picMkLst>
         </pc:picChg>
-        <pc:picChg chg="add mod">
-          <ac:chgData name="Long B Nguyen" userId="f59fb8f3-a021-417a-8bc1-65c8d471c621" providerId="ADAL" clId="{09EBCD6D-3E32-1447-A1AF-87925F52689B}" dt="2021-05-21T15:43:11.108" v="6015" actId="1035"/>
+        <pc:picChg chg="add del mod">
+          <ac:chgData name="Long B Nguyen" userId="f59fb8f3-a021-417a-8bc1-65c8d471c621" providerId="ADAL" clId="{09EBCD6D-3E32-1447-A1AF-87925F52689B}" dt="2021-05-25T13:02:54.510" v="8609" actId="478"/>
           <ac:picMkLst>
             <pc:docMk/>
             <pc:sldMk cId="3221876358" sldId="636"/>
             <ac:picMk id="8" creationId="{98E5BF41-0331-524A-980D-28782C5D9CC3}"/>
           </ac:picMkLst>
         </pc:picChg>
+        <pc:picChg chg="add mod">
+          <ac:chgData name="Long B Nguyen" userId="f59fb8f3-a021-417a-8bc1-65c8d471c621" providerId="ADAL" clId="{09EBCD6D-3E32-1447-A1AF-87925F52689B}" dt="2021-05-25T13:03:17.073" v="8615" actId="1076"/>
+          <ac:picMkLst>
+            <pc:docMk/>
+            <pc:sldMk cId="3221876358" sldId="636"/>
+            <ac:picMk id="9" creationId="{5B870091-6031-DF40-A653-313598B083A0}"/>
+          </ac:picMkLst>
+        </pc:picChg>
+        <pc:picChg chg="add mod">
+          <ac:chgData name="Long B Nguyen" userId="f59fb8f3-a021-417a-8bc1-65c8d471c621" providerId="ADAL" clId="{09EBCD6D-3E32-1447-A1AF-87925F52689B}" dt="2021-05-25T13:02:57.698" v="8610" actId="1076"/>
+          <ac:picMkLst>
+            <pc:docMk/>
+            <pc:sldMk cId="3221876358" sldId="636"/>
+            <ac:picMk id="10" creationId="{97D77703-60B7-2F45-A909-4020B59D21D0}"/>
+          </ac:picMkLst>
+        </pc:picChg>
+        <pc:picChg chg="add mod">
+          <ac:chgData name="Long B Nguyen" userId="f59fb8f3-a021-417a-8bc1-65c8d471c621" providerId="ADAL" clId="{09EBCD6D-3E32-1447-A1AF-87925F52689B}" dt="2021-05-25T13:03:23.604" v="8617" actId="1076"/>
+          <ac:picMkLst>
+            <pc:docMk/>
+            <pc:sldMk cId="3221876358" sldId="636"/>
+            <ac:picMk id="11" creationId="{66D4F52A-E567-A940-88C3-2610771A6E00}"/>
+          </ac:picMkLst>
+        </pc:picChg>
+        <pc:cxnChg chg="add mod">
+          <ac:chgData name="Long B Nguyen" userId="f59fb8f3-a021-417a-8bc1-65c8d471c621" providerId="ADAL" clId="{09EBCD6D-3E32-1447-A1AF-87925F52689B}" dt="2021-05-25T13:32:01.405" v="8705" actId="1036"/>
+          <ac:cxnSpMkLst>
+            <pc:docMk/>
+            <pc:sldMk cId="3221876358" sldId="636"/>
+            <ac:cxnSpMk id="12" creationId="{D3E4155D-97CA-6743-9072-16CF458BD022}"/>
+          </ac:cxnSpMkLst>
+        </pc:cxnChg>
       </pc:sldChg>
       <pc:sldChg chg="addSp delSp modSp add mod modAnim">
-        <pc:chgData name="Long B Nguyen" userId="f59fb8f3-a021-417a-8bc1-65c8d471c621" providerId="ADAL" clId="{09EBCD6D-3E32-1447-A1AF-87925F52689B}" dt="2021-05-24T14:10:27.657" v="8599"/>
+        <pc:chgData name="Long B Nguyen" userId="f59fb8f3-a021-417a-8bc1-65c8d471c621" providerId="ADAL" clId="{09EBCD6D-3E32-1447-A1AF-87925F52689B}" dt="2021-05-25T13:32:20.472" v="8742" actId="1036"/>
         <pc:sldMkLst>
           <pc:docMk/>
           <pc:sldMk cId="2208213074" sldId="637"/>
@@ -6234,6 +6290,14 @@
             <ac:picMk id="10" creationId="{927F59CF-CE6D-B84A-BFA0-3B50A02D4311}"/>
           </ac:picMkLst>
         </pc:picChg>
+        <pc:cxnChg chg="add mod">
+          <ac:chgData name="Long B Nguyen" userId="f59fb8f3-a021-417a-8bc1-65c8d471c621" providerId="ADAL" clId="{09EBCD6D-3E32-1447-A1AF-87925F52689B}" dt="2021-05-25T13:32:20.472" v="8742" actId="1036"/>
+          <ac:cxnSpMkLst>
+            <pc:docMk/>
+            <pc:sldMk cId="2208213074" sldId="637"/>
+            <ac:cxnSpMk id="7" creationId="{A1EB075F-2343-8B43-825C-539125AC94BE}"/>
+          </ac:cxnSpMkLst>
+        </pc:cxnChg>
       </pc:sldChg>
       <pc:sldChg chg="modSp add del mod">
         <pc:chgData name="Long B Nguyen" userId="f59fb8f3-a021-417a-8bc1-65c8d471c621" providerId="ADAL" clId="{09EBCD6D-3E32-1447-A1AF-87925F52689B}" dt="2021-05-21T15:39:37.165" v="5910" actId="2696"/>
@@ -6251,7 +6315,7 @@
         </pc:spChg>
       </pc:sldChg>
       <pc:sldChg chg="addSp delSp modSp add mod modAnim">
-        <pc:chgData name="Long B Nguyen" userId="f59fb8f3-a021-417a-8bc1-65c8d471c621" providerId="ADAL" clId="{09EBCD6D-3E32-1447-A1AF-87925F52689B}" dt="2021-05-24T14:15:33.653" v="8600"/>
+        <pc:chgData name="Long B Nguyen" userId="f59fb8f3-a021-417a-8bc1-65c8d471c621" providerId="ADAL" clId="{09EBCD6D-3E32-1447-A1AF-87925F52689B}" dt="2021-05-25T13:33:06.406" v="8757" actId="1037"/>
         <pc:sldMkLst>
           <pc:docMk/>
           <pc:sldMk cId="1296861205" sldId="638"/>
@@ -6304,9 +6368,25 @@
             <ac:picMk id="10" creationId="{927F59CF-CE6D-B84A-BFA0-3B50A02D4311}"/>
           </ac:picMkLst>
         </pc:picChg>
-      </pc:sldChg>
-      <pc:sldChg chg="delSp modSp add mod">
-        <pc:chgData name="Long B Nguyen" userId="f59fb8f3-a021-417a-8bc1-65c8d471c621" providerId="ADAL" clId="{09EBCD6D-3E32-1447-A1AF-87925F52689B}" dt="2021-05-21T17:21:19.488" v="6366" actId="20577"/>
+        <pc:cxnChg chg="add mod">
+          <ac:chgData name="Long B Nguyen" userId="f59fb8f3-a021-417a-8bc1-65c8d471c621" providerId="ADAL" clId="{09EBCD6D-3E32-1447-A1AF-87925F52689B}" dt="2021-05-25T13:32:57.673" v="8750" actId="1036"/>
+          <ac:cxnSpMkLst>
+            <pc:docMk/>
+            <pc:sldMk cId="1296861205" sldId="638"/>
+            <ac:cxnSpMk id="7" creationId="{FF1348A0-776D-9A40-9F62-A2D0C186E577}"/>
+          </ac:cxnSpMkLst>
+        </pc:cxnChg>
+        <pc:cxnChg chg="add mod">
+          <ac:chgData name="Long B Nguyen" userId="f59fb8f3-a021-417a-8bc1-65c8d471c621" providerId="ADAL" clId="{09EBCD6D-3E32-1447-A1AF-87925F52689B}" dt="2021-05-25T13:33:06.406" v="8757" actId="1037"/>
+          <ac:cxnSpMkLst>
+            <pc:docMk/>
+            <pc:sldMk cId="1296861205" sldId="638"/>
+            <ac:cxnSpMk id="9" creationId="{1DFABF50-7BB0-0E43-B815-E91ADEF46637}"/>
+          </ac:cxnSpMkLst>
+        </pc:cxnChg>
+      </pc:sldChg>
+      <pc:sldChg chg="addSp delSp modSp add mod">
+        <pc:chgData name="Long B Nguyen" userId="f59fb8f3-a021-417a-8bc1-65c8d471c621" providerId="ADAL" clId="{09EBCD6D-3E32-1447-A1AF-87925F52689B}" dt="2021-05-25T13:33:19.909" v="8783" actId="1036"/>
         <pc:sldMkLst>
           <pc:docMk/>
           <pc:sldMk cId="1885070025" sldId="639"/>
@@ -6351,6 +6431,14 @@
             <ac:picMk id="7" creationId="{6A22383F-E38A-AE44-B689-5E142DA78BE2}"/>
           </ac:picMkLst>
         </pc:picChg>
+        <pc:cxnChg chg="add mod">
+          <ac:chgData name="Long B Nguyen" userId="f59fb8f3-a021-417a-8bc1-65c8d471c621" providerId="ADAL" clId="{09EBCD6D-3E32-1447-A1AF-87925F52689B}" dt="2021-05-25T13:33:19.909" v="8783" actId="1036"/>
+          <ac:cxnSpMkLst>
+            <pc:docMk/>
+            <pc:sldMk cId="1885070025" sldId="639"/>
+            <ac:cxnSpMk id="6" creationId="{42671960-01DF-D644-9621-0126550943E2}"/>
+          </ac:cxnSpMkLst>
+        </pc:cxnChg>
       </pc:sldChg>
       <pc:sldChg chg="addSp delSp modSp add mod">
         <pc:chgData name="Long B Nguyen" userId="f59fb8f3-a021-417a-8bc1-65c8d471c621" providerId="ADAL" clId="{09EBCD6D-3E32-1447-A1AF-87925F52689B}" dt="2021-05-23T11:44:55.048" v="8573" actId="1076"/>
@@ -10667,7 +10755,7 @@
           <a:p>
             <a:fld id="{6EDD99D2-A624-5E4F-A4E3-584054837B5A}" type="datetimeFigureOut">
               <a:rPr lang="en-US" smtClean="0"/>
-              <a:t>5/24/21</a:t>
+              <a:t>5/25/21</a:t>
             </a:fld>
             <a:endParaRPr lang="en-US"/>
           </a:p>
@@ -12244,7 +12332,7 @@
           <a:p>
             <a:fld id="{C96F47CA-F895-6945-BE27-26692229FACF}" type="datetime1">
               <a:rPr lang="en-US" smtClean="0"/>
-              <a:t>5/24/21</a:t>
+              <a:t>5/25/21</a:t>
             </a:fld>
             <a:endParaRPr lang="en-US" dirty="0"/>
           </a:p>
@@ -12414,7 +12502,7 @@
           <a:p>
             <a:fld id="{AF706D67-2012-D043-9F80-5C2BDD609BD3}" type="datetime1">
               <a:rPr lang="en-US" smtClean="0"/>
-              <a:t>5/24/21</a:t>
+              <a:t>5/25/21</a:t>
             </a:fld>
             <a:endParaRPr lang="en-US" dirty="0"/>
           </a:p>
@@ -12594,7 +12682,7 @@
           <a:p>
             <a:fld id="{5B79ACE4-03B6-794A-A48C-13F9598CCD28}" type="datetime1">
               <a:rPr lang="en-US" smtClean="0"/>
-              <a:t>5/24/21</a:t>
+              <a:t>5/25/21</a:t>
             </a:fld>
             <a:endParaRPr lang="en-US" dirty="0"/>
           </a:p>
@@ -12764,7 +12852,7 @@
           <a:p>
             <a:fld id="{6DA7C96B-D6FF-5D47-8EF3-542FD5A88E7C}" type="datetime1">
               <a:rPr lang="en-US" smtClean="0"/>
-              <a:t>5/24/21</a:t>
+              <a:t>5/25/21</a:t>
             </a:fld>
             <a:endParaRPr lang="en-US" dirty="0"/>
           </a:p>
@@ -13010,7 +13098,7 @@
           <a:p>
             <a:fld id="{5A6358E7-4856-3046-9420-8ADBF7A86D8C}" type="datetime1">
               <a:rPr lang="en-US" smtClean="0"/>
-              <a:t>5/24/21</a:t>
+              <a:t>5/25/21</a:t>
             </a:fld>
             <a:endParaRPr lang="en-US" dirty="0"/>
           </a:p>
@@ -13242,7 +13330,7 @@
           <a:p>
             <a:fld id="{6779F35A-9F43-7048-AA95-2DCA7E8C0780}" type="datetime1">
               <a:rPr lang="en-US" smtClean="0"/>
-              <a:t>5/24/21</a:t>
+              <a:t>5/25/21</a:t>
             </a:fld>
             <a:endParaRPr lang="en-US" dirty="0"/>
           </a:p>
@@ -13609,7 +13697,7 @@
           <a:p>
             <a:fld id="{B7CB2D7C-E370-DC40-8D10-DF8CB1A188CA}" type="datetime1">
               <a:rPr lang="en-US" smtClean="0"/>
-              <a:t>5/24/21</a:t>
+              <a:t>5/25/21</a:t>
             </a:fld>
             <a:endParaRPr lang="en-US" dirty="0"/>
           </a:p>
@@ -13727,7 +13815,7 @@
           <a:p>
             <a:fld id="{68AA69A2-3CD0-BE49-AF6E-9E037A40F43F}" type="datetime1">
               <a:rPr lang="en-US" smtClean="0"/>
-              <a:t>5/24/21</a:t>
+              <a:t>5/25/21</a:t>
             </a:fld>
             <a:endParaRPr lang="en-US" dirty="0"/>
           </a:p>
@@ -13822,7 +13910,7 @@
           <a:p>
             <a:fld id="{1EB50D9D-ACA9-3C4A-A3FC-7A265C0CEBD3}" type="datetime1">
               <a:rPr lang="en-US" smtClean="0"/>
-              <a:t>5/24/21</a:t>
+              <a:t>5/25/21</a:t>
             </a:fld>
             <a:endParaRPr lang="en-US" dirty="0"/>
           </a:p>
@@ -14099,7 +14187,7 @@
           <a:p>
             <a:fld id="{A08B2DD4-8739-D748-B308-CD7D801B0131}" type="datetime1">
               <a:rPr lang="en-US" smtClean="0"/>
-              <a:t>5/24/21</a:t>
+              <a:t>5/25/21</a:t>
             </a:fld>
             <a:endParaRPr lang="en-US" dirty="0"/>
           </a:p>
@@ -14356,7 +14444,7 @@
           <a:p>
             <a:fld id="{98622575-E24A-D548-838B-E385F9D0E59A}" type="datetime1">
               <a:rPr lang="en-US" smtClean="0"/>
-              <a:t>5/24/21</a:t>
+              <a:t>5/25/21</a:t>
             </a:fld>
             <a:endParaRPr lang="en-US" dirty="0"/>
           </a:p>
@@ -14569,7 +14657,7 @@
           <a:p>
             <a:fld id="{272BAF4E-9F7C-284D-B40D-0B83E546F887}" type="datetime1">
               <a:rPr lang="en-US" smtClean="0"/>
-              <a:t>5/24/21</a:t>
+              <a:t>5/25/21</a:t>
             </a:fld>
             <a:endParaRPr lang="en-US" dirty="0"/>
           </a:p>
@@ -37660,6 +37748,36 @@
           </a:prstGeom>
         </p:spPr>
       </p:pic>
+      <p:pic>
+        <p:nvPicPr>
+          <p:cNvPr id="6" name="Picture 5">
+            <a:extLst>
+              <a:ext uri="{FF2B5EF4-FFF2-40B4-BE49-F238E27FC236}">
+                <a16:creationId xmlns:a16="http://schemas.microsoft.com/office/drawing/2014/main" id="{7E46ADD9-ABE1-7E4E-A928-7EB614FBD5D7}"/>
+              </a:ext>
+            </a:extLst>
+          </p:cNvPr>
+          <p:cNvPicPr>
+            <a:picLocks noChangeAspect="1"/>
+          </p:cNvPicPr>
+          <p:nvPr/>
+        </p:nvPicPr>
+        <p:blipFill>
+          <a:blip r:embed="rId3"/>
+          <a:stretch>
+            <a:fillRect/>
+          </a:stretch>
+        </p:blipFill>
+        <p:spPr>
+          <a:xfrm>
+            <a:off x="3120050" y="3673142"/>
+            <a:ext cx="1479245" cy="325434"/>
+          </a:xfrm>
+          <a:prstGeom prst="rect">
+            <a:avLst/>
+          </a:prstGeom>
+        </p:spPr>
+      </p:pic>
     </p:spTree>
     <p:extLst>
       <p:ext uri="{BB962C8B-B14F-4D97-AF65-F5344CB8AC3E}">
@@ -37984,6 +38102,50 @@
           </a:prstGeom>
         </p:spPr>
       </p:pic>
+      <p:cxnSp>
+        <p:nvCxnSpPr>
+          <p:cNvPr id="12" name="Straight Arrow Connector 11">
+            <a:extLst>
+              <a:ext uri="{FF2B5EF4-FFF2-40B4-BE49-F238E27FC236}">
+                <a16:creationId xmlns:a16="http://schemas.microsoft.com/office/drawing/2014/main" id="{B0C7D7B6-55E9-AE4F-A583-B73A55C8BBD4}"/>
+              </a:ext>
+            </a:extLst>
+          </p:cNvPr>
+          <p:cNvCxnSpPr>
+            <a:cxnSpLocks/>
+          </p:cNvCxnSpPr>
+          <p:nvPr/>
+        </p:nvCxnSpPr>
+        <p:spPr>
+          <a:xfrm flipH="1">
+            <a:off x="2019863" y="4076750"/>
+            <a:ext cx="311954" cy="0"/>
+          </a:xfrm>
+          <a:prstGeom prst="straightConnector1">
+            <a:avLst/>
+          </a:prstGeom>
+          <a:ln w="38100">
+            <a:solidFill>
+              <a:schemeClr val="tx1"/>
+            </a:solidFill>
+            <a:tailEnd type="triangle"/>
+          </a:ln>
+        </p:spPr>
+        <p:style>
+          <a:lnRef idx="1">
+            <a:schemeClr val="accent1"/>
+          </a:lnRef>
+          <a:fillRef idx="0">
+            <a:schemeClr val="accent1"/>
+          </a:fillRef>
+          <a:effectRef idx="0">
+            <a:schemeClr val="accent1"/>
+          </a:effectRef>
+          <a:fontRef idx="minor">
+            <a:schemeClr val="tx1"/>
+          </a:fontRef>
+        </p:style>
+      </p:cxnSp>
     </p:spTree>
     <p:extLst>
       <p:ext uri="{BB962C8B-B14F-4D97-AF65-F5344CB8AC3E}">
@@ -38160,10 +38322,10 @@
       </p:pic>
       <p:pic>
         <p:nvPicPr>
-          <p:cNvPr id="7" name="Picture 6">
-            <a:extLst>
-              <a:ext uri="{FF2B5EF4-FFF2-40B4-BE49-F238E27FC236}">
-                <a16:creationId xmlns:a16="http://schemas.microsoft.com/office/drawing/2014/main" id="{C5EAF51D-233B-C249-88B9-5A10D54B452F}"/>
+          <p:cNvPr id="6" name="Picture 5">
+            <a:extLst>
+              <a:ext uri="{FF2B5EF4-FFF2-40B4-BE49-F238E27FC236}">
+                <a16:creationId xmlns:a16="http://schemas.microsoft.com/office/drawing/2014/main" id="{31870A4D-7297-F14C-9BF8-476369050B1A}"/>
               </a:ext>
             </a:extLst>
           </p:cNvPr>
@@ -38180,8 +38342,8 @@
         </p:blipFill>
         <p:spPr>
           <a:xfrm>
-            <a:off x="951978" y="4097660"/>
-            <a:ext cx="2824620" cy="1354558"/>
+            <a:off x="1238511" y="3413283"/>
+            <a:ext cx="2857500" cy="660400"/>
           </a:xfrm>
           <a:prstGeom prst="rect">
             <a:avLst/>
@@ -38190,10 +38352,10 @@
       </p:pic>
       <p:pic>
         <p:nvPicPr>
-          <p:cNvPr id="8" name="Picture 7">
-            <a:extLst>
-              <a:ext uri="{FF2B5EF4-FFF2-40B4-BE49-F238E27FC236}">
-                <a16:creationId xmlns:a16="http://schemas.microsoft.com/office/drawing/2014/main" id="{98E5BF41-0331-524A-980D-28782C5D9CC3}"/>
+          <p:cNvPr id="9" name="Picture 8">
+            <a:extLst>
+              <a:ext uri="{FF2B5EF4-FFF2-40B4-BE49-F238E27FC236}">
+                <a16:creationId xmlns:a16="http://schemas.microsoft.com/office/drawing/2014/main" id="{5B870091-6031-DF40-A653-313598B083A0}"/>
               </a:ext>
             </a:extLst>
           </p:cNvPr>
@@ -38210,14 +38372,118 @@
         </p:blipFill>
         <p:spPr>
           <a:xfrm>
-            <a:off x="782876" y="2718672"/>
-            <a:ext cx="3527643" cy="1378988"/>
+            <a:off x="1132764" y="4194730"/>
+            <a:ext cx="2413000" cy="317500"/>
           </a:xfrm>
           <a:prstGeom prst="rect">
             <a:avLst/>
           </a:prstGeom>
         </p:spPr>
       </p:pic>
+      <p:pic>
+        <p:nvPicPr>
+          <p:cNvPr id="10" name="Picture 9">
+            <a:extLst>
+              <a:ext uri="{FF2B5EF4-FFF2-40B4-BE49-F238E27FC236}">
+                <a16:creationId xmlns:a16="http://schemas.microsoft.com/office/drawing/2014/main" id="{97D77703-60B7-2F45-A909-4020B59D21D0}"/>
+              </a:ext>
+            </a:extLst>
+          </p:cNvPr>
+          <p:cNvPicPr>
+            <a:picLocks noChangeAspect="1"/>
+          </p:cNvPicPr>
+          <p:nvPr/>
+        </p:nvPicPr>
+        <p:blipFill>
+          <a:blip r:embed="rId5"/>
+          <a:stretch>
+            <a:fillRect/>
+          </a:stretch>
+        </p:blipFill>
+        <p:spPr>
+          <a:xfrm>
+            <a:off x="712331" y="2713040"/>
+            <a:ext cx="2527300" cy="711200"/>
+          </a:xfrm>
+          <a:prstGeom prst="rect">
+            <a:avLst/>
+          </a:prstGeom>
+        </p:spPr>
+      </p:pic>
+      <p:pic>
+        <p:nvPicPr>
+          <p:cNvPr id="11" name="Picture 10">
+            <a:extLst>
+              <a:ext uri="{FF2B5EF4-FFF2-40B4-BE49-F238E27FC236}">
+                <a16:creationId xmlns:a16="http://schemas.microsoft.com/office/drawing/2014/main" id="{66D4F52A-E567-A940-88C3-2610771A6E00}"/>
+              </a:ext>
+            </a:extLst>
+          </p:cNvPr>
+          <p:cNvPicPr>
+            <a:picLocks noChangeAspect="1"/>
+          </p:cNvPicPr>
+          <p:nvPr/>
+        </p:nvPicPr>
+        <p:blipFill>
+          <a:blip r:embed="rId6"/>
+          <a:stretch>
+            <a:fillRect/>
+          </a:stretch>
+        </p:blipFill>
+        <p:spPr>
+          <a:xfrm>
+            <a:off x="782876" y="4547130"/>
+            <a:ext cx="2667000" cy="1054100"/>
+          </a:xfrm>
+          <a:prstGeom prst="rect">
+            <a:avLst/>
+          </a:prstGeom>
+        </p:spPr>
+      </p:pic>
+      <p:cxnSp>
+        <p:nvCxnSpPr>
+          <p:cNvPr id="12" name="Straight Arrow Connector 11">
+            <a:extLst>
+              <a:ext uri="{FF2B5EF4-FFF2-40B4-BE49-F238E27FC236}">
+                <a16:creationId xmlns:a16="http://schemas.microsoft.com/office/drawing/2014/main" id="{D3E4155D-97CA-6743-9072-16CF458BD022}"/>
+              </a:ext>
+            </a:extLst>
+          </p:cNvPr>
+          <p:cNvCxnSpPr>
+            <a:cxnSpLocks/>
+          </p:cNvCxnSpPr>
+          <p:nvPr/>
+        </p:nvCxnSpPr>
+        <p:spPr>
+          <a:xfrm flipH="1">
+            <a:off x="1951623" y="3912974"/>
+            <a:ext cx="311954" cy="0"/>
+          </a:xfrm>
+          <a:prstGeom prst="straightConnector1">
+            <a:avLst/>
+          </a:prstGeom>
+          <a:ln w="38100">
+            <a:solidFill>
+              <a:schemeClr val="tx1"/>
+            </a:solidFill>
+            <a:tailEnd type="triangle"/>
+          </a:ln>
+        </p:spPr>
+        <p:style>
+          <a:lnRef idx="1">
+            <a:schemeClr val="accent1"/>
+          </a:lnRef>
+          <a:fillRef idx="0">
+            <a:schemeClr val="accent1"/>
+          </a:fillRef>
+          <a:effectRef idx="0">
+            <a:schemeClr val="accent1"/>
+          </a:effectRef>
+          <a:fontRef idx="minor">
+            <a:schemeClr val="tx1"/>
+          </a:fontRef>
+        </p:style>
+      </p:cxnSp>
     </p:spTree>
     <p:extLst>
       <p:ext uri="{BB962C8B-B14F-4D97-AF65-F5344CB8AC3E}">
@@ -38480,6 +38746,50 @@
           </a:prstGeom>
         </p:spPr>
       </p:pic>
+      <p:cxnSp>
+        <p:nvCxnSpPr>
+          <p:cNvPr id="7" name="Straight Arrow Connector 6">
+            <a:extLst>
+              <a:ext uri="{FF2B5EF4-FFF2-40B4-BE49-F238E27FC236}">
+                <a16:creationId xmlns:a16="http://schemas.microsoft.com/office/drawing/2014/main" id="{A1EB075F-2343-8B43-825C-539125AC94BE}"/>
+              </a:ext>
+            </a:extLst>
+          </p:cNvPr>
+          <p:cNvCxnSpPr>
+            <a:cxnSpLocks/>
+          </p:cNvCxnSpPr>
+          <p:nvPr/>
+        </p:nvCxnSpPr>
+        <p:spPr>
+          <a:xfrm flipH="1">
+            <a:off x="2251878" y="3680962"/>
+            <a:ext cx="311954" cy="0"/>
+          </a:xfrm>
+          <a:prstGeom prst="straightConnector1">
+            <a:avLst/>
+          </a:prstGeom>
+          <a:ln w="38100">
+            <a:solidFill>
+              <a:schemeClr val="tx1"/>
+            </a:solidFill>
+            <a:tailEnd type="triangle"/>
+          </a:ln>
+        </p:spPr>
+        <p:style>
+          <a:lnRef idx="1">
+            <a:schemeClr val="accent1"/>
+          </a:lnRef>
+          <a:fillRef idx="0">
+            <a:schemeClr val="accent1"/>
+          </a:fillRef>
+          <a:effectRef idx="0">
+            <a:schemeClr val="accent1"/>
+          </a:effectRef>
+          <a:fontRef idx="minor">
+            <a:schemeClr val="tx1"/>
+          </a:fontRef>
+        </p:style>
+      </p:cxnSp>
     </p:spTree>
     <p:extLst>
       <p:ext uri="{BB962C8B-B14F-4D97-AF65-F5344CB8AC3E}">
@@ -38817,6 +39127,94 @@
           </a:prstGeom>
         </p:spPr>
       </p:pic>
+      <p:cxnSp>
+        <p:nvCxnSpPr>
+          <p:cNvPr id="7" name="Straight Arrow Connector 6">
+            <a:extLst>
+              <a:ext uri="{FF2B5EF4-FFF2-40B4-BE49-F238E27FC236}">
+                <a16:creationId xmlns:a16="http://schemas.microsoft.com/office/drawing/2014/main" id="{FF1348A0-776D-9A40-9F62-A2D0C186E577}"/>
+              </a:ext>
+            </a:extLst>
+          </p:cNvPr>
+          <p:cNvCxnSpPr>
+            <a:cxnSpLocks/>
+          </p:cNvCxnSpPr>
+          <p:nvPr/>
+        </p:nvCxnSpPr>
+        <p:spPr>
+          <a:xfrm flipH="1">
+            <a:off x="1187352" y="3626371"/>
+            <a:ext cx="311954" cy="0"/>
+          </a:xfrm>
+          <a:prstGeom prst="straightConnector1">
+            <a:avLst/>
+          </a:prstGeom>
+          <a:ln w="38100">
+            <a:solidFill>
+              <a:schemeClr val="tx1"/>
+            </a:solidFill>
+            <a:tailEnd type="triangle"/>
+          </a:ln>
+        </p:spPr>
+        <p:style>
+          <a:lnRef idx="1">
+            <a:schemeClr val="accent1"/>
+          </a:lnRef>
+          <a:fillRef idx="0">
+            <a:schemeClr val="accent1"/>
+          </a:fillRef>
+          <a:effectRef idx="0">
+            <a:schemeClr val="accent1"/>
+          </a:effectRef>
+          <a:fontRef idx="minor">
+            <a:schemeClr val="tx1"/>
+          </a:fontRef>
+        </p:style>
+      </p:cxnSp>
+      <p:cxnSp>
+        <p:nvCxnSpPr>
+          <p:cNvPr id="9" name="Straight Arrow Connector 8">
+            <a:extLst>
+              <a:ext uri="{FF2B5EF4-FFF2-40B4-BE49-F238E27FC236}">
+                <a16:creationId xmlns:a16="http://schemas.microsoft.com/office/drawing/2014/main" id="{1DFABF50-7BB0-0E43-B815-E91ADEF46637}"/>
+              </a:ext>
+            </a:extLst>
+          </p:cNvPr>
+          <p:cNvCxnSpPr>
+            <a:cxnSpLocks/>
+          </p:cNvCxnSpPr>
+          <p:nvPr/>
+        </p:nvCxnSpPr>
+        <p:spPr>
+          <a:xfrm flipH="1">
+            <a:off x="1173704" y="4336055"/>
+            <a:ext cx="298306" cy="0"/>
+          </a:xfrm>
+          <a:prstGeom prst="straightConnector1">
+            <a:avLst/>
+          </a:prstGeom>
+          <a:ln w="38100">
+            <a:solidFill>
+              <a:schemeClr val="tx1"/>
+            </a:solidFill>
+            <a:tailEnd type="triangle"/>
+          </a:ln>
+        </p:spPr>
+        <p:style>
+          <a:lnRef idx="1">
+            <a:schemeClr val="accent1"/>
+          </a:lnRef>
+          <a:fillRef idx="0">
+            <a:schemeClr val="accent1"/>
+          </a:fillRef>
+          <a:effectRef idx="0">
+            <a:schemeClr val="accent1"/>
+          </a:effectRef>
+          <a:fontRef idx="minor">
+            <a:schemeClr val="tx1"/>
+          </a:fontRef>
+        </p:style>
+      </p:cxnSp>
     </p:spTree>
     <p:extLst>
       <p:ext uri="{BB962C8B-B14F-4D97-AF65-F5344CB8AC3E}">
@@ -39357,6 +39755,50 @@
           </a:prstGeom>
         </p:spPr>
       </p:pic>
+      <p:cxnSp>
+        <p:nvCxnSpPr>
+          <p:cNvPr id="6" name="Straight Arrow Connector 5">
+            <a:extLst>
+              <a:ext uri="{FF2B5EF4-FFF2-40B4-BE49-F238E27FC236}">
+                <a16:creationId xmlns:a16="http://schemas.microsoft.com/office/drawing/2014/main" id="{42671960-01DF-D644-9621-0126550943E2}"/>
+              </a:ext>
+            </a:extLst>
+          </p:cNvPr>
+          <p:cNvCxnSpPr>
+            <a:cxnSpLocks/>
+          </p:cNvCxnSpPr>
+          <p:nvPr/>
+        </p:nvCxnSpPr>
+        <p:spPr>
+          <a:xfrm flipH="1">
+            <a:off x="1692318" y="3872033"/>
+            <a:ext cx="311954" cy="0"/>
+          </a:xfrm>
+          <a:prstGeom prst="straightConnector1">
+            <a:avLst/>
+          </a:prstGeom>
+          <a:ln w="38100">
+            <a:solidFill>
+              <a:schemeClr val="tx1"/>
+            </a:solidFill>
+            <a:tailEnd type="triangle"/>
+          </a:ln>
+        </p:spPr>
+        <p:style>
+          <a:lnRef idx="1">
+            <a:schemeClr val="accent1"/>
+          </a:lnRef>
+          <a:fillRef idx="0">
+            <a:schemeClr val="accent1"/>
+          </a:fillRef>
+          <a:effectRef idx="0">
+            <a:schemeClr val="accent1"/>
+          </a:effectRef>
+          <a:fontRef idx="minor">
+            <a:schemeClr val="tx1"/>
+          </a:fontRef>
+        </p:style>
+      </p:cxnSp>
     </p:spTree>
     <p:extLst>
       <p:ext uri="{BB962C8B-B14F-4D97-AF65-F5344CB8AC3E}">

--- a/courses/apcsp/lect23.pptx
+++ b/courses/apcsp/lect23.pptx
@@ -5,7 +5,7 @@
     <p:sldMasterId id="2147483791" r:id="rId1"/>
   </p:sldMasterIdLst>
   <p:notesMasterIdLst>
-    <p:notesMasterId r:id="rId98"/>
+    <p:notesMasterId r:id="rId122"/>
   </p:notesMasterIdLst>
   <p:sldIdLst>
     <p:sldId id="256" r:id="rId2"/>
@@ -103,7 +103,31 @@
     <p:sldId id="626" r:id="rId94"/>
     <p:sldId id="592" r:id="rId95"/>
     <p:sldId id="605" r:id="rId96"/>
-    <p:sldId id="549" r:id="rId97"/>
+    <p:sldId id="658" r:id="rId97"/>
+    <p:sldId id="657" r:id="rId98"/>
+    <p:sldId id="659" r:id="rId99"/>
+    <p:sldId id="660" r:id="rId100"/>
+    <p:sldId id="661" r:id="rId101"/>
+    <p:sldId id="662" r:id="rId102"/>
+    <p:sldId id="663" r:id="rId103"/>
+    <p:sldId id="664" r:id="rId104"/>
+    <p:sldId id="666" r:id="rId105"/>
+    <p:sldId id="665" r:id="rId106"/>
+    <p:sldId id="667" r:id="rId107"/>
+    <p:sldId id="668" r:id="rId108"/>
+    <p:sldId id="669" r:id="rId109"/>
+    <p:sldId id="670" r:id="rId110"/>
+    <p:sldId id="673" r:id="rId111"/>
+    <p:sldId id="672" r:id="rId112"/>
+    <p:sldId id="674" r:id="rId113"/>
+    <p:sldId id="624" r:id="rId114"/>
+    <p:sldId id="676" r:id="rId115"/>
+    <p:sldId id="677" r:id="rId116"/>
+    <p:sldId id="679" r:id="rId117"/>
+    <p:sldId id="680" r:id="rId118"/>
+    <p:sldId id="681" r:id="rId119"/>
+    <p:sldId id="682" r:id="rId120"/>
+    <p:sldId id="549" r:id="rId121"/>
   </p:sldIdLst>
   <p:sldSz cx="9144000" cy="5715000" type="screen16x10"/>
   <p:notesSz cx="6858000" cy="9144000"/>
@@ -213,7 +237,7 @@
 <file path=ppt/revisionInfo.xml><?xml version="1.0" encoding="utf-8"?>
 <p1510:revInfo xmlns:a="http://schemas.openxmlformats.org/drawingml/2006/main" xmlns:r="http://schemas.openxmlformats.org/officeDocument/2006/relationships" xmlns:p1510="http://schemas.microsoft.com/office/powerpoint/2015/10/main">
   <p1510:revLst>
-    <p1510:client id="{09EBCD6D-3E32-1447-A1AF-87925F52689B}" v="993" dt="2021-05-25T13:34:00.318"/>
+    <p1510:client id="{09EBCD6D-3E32-1447-A1AF-87925F52689B}" v="1144" dt="2021-06-01T12:05:29.076"/>
   </p1510:revLst>
 </p1510:revInfo>
 </file>
@@ -3383,7 +3407,7 @@
   <pc:docChgLst>
     <pc:chgData name="Long B Nguyen" userId="f59fb8f3-a021-417a-8bc1-65c8d471c621" providerId="ADAL" clId="{09EBCD6D-3E32-1447-A1AF-87925F52689B}"/>
     <pc:docChg chg="undo custSel addSld delSld modSld">
-      <pc:chgData name="Long B Nguyen" userId="f59fb8f3-a021-417a-8bc1-65c8d471c621" providerId="ADAL" clId="{09EBCD6D-3E32-1447-A1AF-87925F52689B}" dt="2021-05-25T13:34:08.367" v="8791" actId="1038"/>
+      <pc:chgData name="Long B Nguyen" userId="f59fb8f3-a021-417a-8bc1-65c8d471c621" providerId="ADAL" clId="{09EBCD6D-3E32-1447-A1AF-87925F52689B}" dt="2021-06-01T12:06:07.791" v="9674" actId="20577"/>
       <pc:docMkLst>
         <pc:docMk/>
       </pc:docMkLst>
@@ -5499,13 +5523,13 @@
         </pc:picChg>
       </pc:sldChg>
       <pc:sldChg chg="modSp add mod">
-        <pc:chgData name="Long B Nguyen" userId="f59fb8f3-a021-417a-8bc1-65c8d471c621" providerId="ADAL" clId="{09EBCD6D-3E32-1447-A1AF-87925F52689B}" dt="2021-05-21T15:17:20.541" v="4960" actId="113"/>
+        <pc:chgData name="Long B Nguyen" userId="f59fb8f3-a021-417a-8bc1-65c8d471c621" providerId="ADAL" clId="{09EBCD6D-3E32-1447-A1AF-87925F52689B}" dt="2021-05-31T17:31:58.885" v="8793"/>
         <pc:sldMkLst>
           <pc:docMk/>
           <pc:sldMk cId="2179424705" sldId="605"/>
         </pc:sldMkLst>
         <pc:spChg chg="mod">
-          <ac:chgData name="Long B Nguyen" userId="f59fb8f3-a021-417a-8bc1-65c8d471c621" providerId="ADAL" clId="{09EBCD6D-3E32-1447-A1AF-87925F52689B}" dt="2021-05-21T15:17:20.541" v="4960" actId="113"/>
+          <ac:chgData name="Long B Nguyen" userId="f59fb8f3-a021-417a-8bc1-65c8d471c621" providerId="ADAL" clId="{09EBCD6D-3E32-1447-A1AF-87925F52689B}" dt="2021-05-31T17:31:58.885" v="8793"/>
           <ac:spMkLst>
             <pc:docMk/>
             <pc:sldMk cId="2179424705" sldId="605"/>
@@ -5610,6 +5634,21 @@
           <pc:docMk/>
           <pc:sldMk cId="1444664834" sldId="624"/>
         </pc:sldMkLst>
+      </pc:sldChg>
+      <pc:sldChg chg="modSp add">
+        <pc:chgData name="Long B Nguyen" userId="f59fb8f3-a021-417a-8bc1-65c8d471c621" providerId="ADAL" clId="{09EBCD6D-3E32-1447-A1AF-87925F52689B}" dt="2021-05-31T19:31:00.002" v="9463"/>
+        <pc:sldMkLst>
+          <pc:docMk/>
+          <pc:sldMk cId="4223814934" sldId="624"/>
+        </pc:sldMkLst>
+        <pc:spChg chg="mod">
+          <ac:chgData name="Long B Nguyen" userId="f59fb8f3-a021-417a-8bc1-65c8d471c621" providerId="ADAL" clId="{09EBCD6D-3E32-1447-A1AF-87925F52689B}" dt="2021-05-31T19:31:00.002" v="9463"/>
+          <ac:spMkLst>
+            <pc:docMk/>
+            <pc:sldMk cId="4223814934" sldId="624"/>
+            <ac:spMk id="26625" creationId="{D38D7ADF-E686-184F-A04A-069F9601FE24}"/>
+          </ac:spMkLst>
+        </pc:spChg>
       </pc:sldChg>
       <pc:sldChg chg="addSp delSp modSp add mod">
         <pc:chgData name="Long B Nguyen" userId="f59fb8f3-a021-417a-8bc1-65c8d471c621" providerId="ADAL" clId="{09EBCD6D-3E32-1447-A1AF-87925F52689B}" dt="2021-05-21T15:19:47.898" v="4979"/>
@@ -7072,6 +7111,576 @@
             <pc:docMk/>
             <pc:sldMk cId="858332265" sldId="656"/>
             <ac:spMk id="3" creationId="{689F41DF-6236-1149-815E-F26D01409338}"/>
+          </ac:spMkLst>
+        </pc:spChg>
+      </pc:sldChg>
+      <pc:sldChg chg="modSp new mod modAnim">
+        <pc:chgData name="Long B Nguyen" userId="f59fb8f3-a021-417a-8bc1-65c8d471c621" providerId="ADAL" clId="{09EBCD6D-3E32-1447-A1AF-87925F52689B}" dt="2021-06-01T11:52:50.172" v="9583"/>
+        <pc:sldMkLst>
+          <pc:docMk/>
+          <pc:sldMk cId="469267058" sldId="657"/>
+        </pc:sldMkLst>
+        <pc:spChg chg="mod">
+          <ac:chgData name="Long B Nguyen" userId="f59fb8f3-a021-417a-8bc1-65c8d471c621" providerId="ADAL" clId="{09EBCD6D-3E32-1447-A1AF-87925F52689B}" dt="2021-05-31T17:42:11.884" v="8883" actId="20577"/>
+          <ac:spMkLst>
+            <pc:docMk/>
+            <pc:sldMk cId="469267058" sldId="657"/>
+            <ac:spMk id="2" creationId="{7EBA3FED-EEF1-464C-A9A0-7EBDB1DA46E8}"/>
+          </ac:spMkLst>
+        </pc:spChg>
+        <pc:spChg chg="mod">
+          <ac:chgData name="Long B Nguyen" userId="f59fb8f3-a021-417a-8bc1-65c8d471c621" providerId="ADAL" clId="{09EBCD6D-3E32-1447-A1AF-87925F52689B}" dt="2021-05-31T17:43:53.431" v="8898" actId="20577"/>
+          <ac:spMkLst>
+            <pc:docMk/>
+            <pc:sldMk cId="469267058" sldId="657"/>
+            <ac:spMk id="3" creationId="{3770FE9B-403E-D54D-910D-E86CFE4C2FAF}"/>
+          </ac:spMkLst>
+        </pc:spChg>
+      </pc:sldChg>
+      <pc:sldChg chg="addSp delSp modSp add mod">
+        <pc:chgData name="Long B Nguyen" userId="f59fb8f3-a021-417a-8bc1-65c8d471c621" providerId="ADAL" clId="{09EBCD6D-3E32-1447-A1AF-87925F52689B}" dt="2021-05-31T17:41:24.021" v="8833" actId="1076"/>
+        <pc:sldMkLst>
+          <pc:docMk/>
+          <pc:sldMk cId="2232575206" sldId="658"/>
+        </pc:sldMkLst>
+        <pc:spChg chg="mod">
+          <ac:chgData name="Long B Nguyen" userId="f59fb8f3-a021-417a-8bc1-65c8d471c621" providerId="ADAL" clId="{09EBCD6D-3E32-1447-A1AF-87925F52689B}" dt="2021-05-31T17:38:18.523" v="8829" actId="20577"/>
+          <ac:spMkLst>
+            <pc:docMk/>
+            <pc:sldMk cId="2232575206" sldId="658"/>
+            <ac:spMk id="2" creationId="{DFC6737B-C2EF-3F44-90BB-2743686986C3}"/>
+          </ac:spMkLst>
+        </pc:spChg>
+        <pc:picChg chg="add mod">
+          <ac:chgData name="Long B Nguyen" userId="f59fb8f3-a021-417a-8bc1-65c8d471c621" providerId="ADAL" clId="{09EBCD6D-3E32-1447-A1AF-87925F52689B}" dt="2021-05-31T17:41:24.021" v="8833" actId="1076"/>
+          <ac:picMkLst>
+            <pc:docMk/>
+            <pc:sldMk cId="2232575206" sldId="658"/>
+            <ac:picMk id="3" creationId="{B210FD03-9900-694E-B070-C24875B8B9C8}"/>
+          </ac:picMkLst>
+        </pc:picChg>
+        <pc:picChg chg="del">
+          <ac:chgData name="Long B Nguyen" userId="f59fb8f3-a021-417a-8bc1-65c8d471c621" providerId="ADAL" clId="{09EBCD6D-3E32-1447-A1AF-87925F52689B}" dt="2021-05-31T17:38:20.759" v="8830" actId="478"/>
+          <ac:picMkLst>
+            <pc:docMk/>
+            <pc:sldMk cId="2232575206" sldId="658"/>
+            <ac:picMk id="5" creationId="{6EDB77B3-DC80-0942-8B49-9AC0B78BDB1E}"/>
+          </ac:picMkLst>
+        </pc:picChg>
+      </pc:sldChg>
+      <pc:sldChg chg="modSp add mod modAnim">
+        <pc:chgData name="Long B Nguyen" userId="f59fb8f3-a021-417a-8bc1-65c8d471c621" providerId="ADAL" clId="{09EBCD6D-3E32-1447-A1AF-87925F52689B}" dt="2021-06-01T11:55:04.336" v="9587"/>
+        <pc:sldMkLst>
+          <pc:docMk/>
+          <pc:sldMk cId="1494335352" sldId="659"/>
+        </pc:sldMkLst>
+        <pc:spChg chg="mod">
+          <ac:chgData name="Long B Nguyen" userId="f59fb8f3-a021-417a-8bc1-65c8d471c621" providerId="ADAL" clId="{09EBCD6D-3E32-1447-A1AF-87925F52689B}" dt="2021-05-31T17:44:55.323" v="8911" actId="1076"/>
+          <ac:spMkLst>
+            <pc:docMk/>
+            <pc:sldMk cId="1494335352" sldId="659"/>
+            <ac:spMk id="2" creationId="{7EBA3FED-EEF1-464C-A9A0-7EBDB1DA46E8}"/>
+          </ac:spMkLst>
+        </pc:spChg>
+        <pc:spChg chg="mod">
+          <ac:chgData name="Long B Nguyen" userId="f59fb8f3-a021-417a-8bc1-65c8d471c621" providerId="ADAL" clId="{09EBCD6D-3E32-1447-A1AF-87925F52689B}" dt="2021-06-01T11:53:08.100" v="9585" actId="113"/>
+          <ac:spMkLst>
+            <pc:docMk/>
+            <pc:sldMk cId="1494335352" sldId="659"/>
+            <ac:spMk id="3" creationId="{3770FE9B-403E-D54D-910D-E86CFE4C2FAF}"/>
+          </ac:spMkLst>
+        </pc:spChg>
+      </pc:sldChg>
+      <pc:sldChg chg="add del">
+        <pc:chgData name="Long B Nguyen" userId="f59fb8f3-a021-417a-8bc1-65c8d471c621" providerId="ADAL" clId="{09EBCD6D-3E32-1447-A1AF-87925F52689B}" dt="2021-05-31T17:41:28.390" v="8834" actId="2696"/>
+        <pc:sldMkLst>
+          <pc:docMk/>
+          <pc:sldMk cId="1789260868" sldId="659"/>
+        </pc:sldMkLst>
+      </pc:sldChg>
+      <pc:sldChg chg="addSp delSp modSp add mod modAnim">
+        <pc:chgData name="Long B Nguyen" userId="f59fb8f3-a021-417a-8bc1-65c8d471c621" providerId="ADAL" clId="{09EBCD6D-3E32-1447-A1AF-87925F52689B}" dt="2021-06-01T11:55:13.513" v="9590"/>
+        <pc:sldMkLst>
+          <pc:docMk/>
+          <pc:sldMk cId="764318037" sldId="660"/>
+        </pc:sldMkLst>
+        <pc:spChg chg="mod">
+          <ac:chgData name="Long B Nguyen" userId="f59fb8f3-a021-417a-8bc1-65c8d471c621" providerId="ADAL" clId="{09EBCD6D-3E32-1447-A1AF-87925F52689B}" dt="2021-05-31T17:47:36.030" v="8933" actId="20577"/>
+          <ac:spMkLst>
+            <pc:docMk/>
+            <pc:sldMk cId="764318037" sldId="660"/>
+            <ac:spMk id="3" creationId="{3770FE9B-403E-D54D-910D-E86CFE4C2FAF}"/>
+          </ac:spMkLst>
+        </pc:spChg>
+        <pc:spChg chg="add del mod">
+          <ac:chgData name="Long B Nguyen" userId="f59fb8f3-a021-417a-8bc1-65c8d471c621" providerId="ADAL" clId="{09EBCD6D-3E32-1447-A1AF-87925F52689B}" dt="2021-05-31T17:47:09.823" v="8930"/>
+          <ac:spMkLst>
+            <pc:docMk/>
+            <pc:sldMk cId="764318037" sldId="660"/>
+            <ac:spMk id="5" creationId="{E1F3F0E8-0EC3-9646-969A-0360A0E97D3C}"/>
+          </ac:spMkLst>
+        </pc:spChg>
+      </pc:sldChg>
+      <pc:sldChg chg="modSp add mod modAnim">
+        <pc:chgData name="Long B Nguyen" userId="f59fb8f3-a021-417a-8bc1-65c8d471c621" providerId="ADAL" clId="{09EBCD6D-3E32-1447-A1AF-87925F52689B}" dt="2021-06-01T11:55:51.593" v="9596" actId="113"/>
+        <pc:sldMkLst>
+          <pc:docMk/>
+          <pc:sldMk cId="1963086115" sldId="661"/>
+        </pc:sldMkLst>
+        <pc:spChg chg="mod">
+          <ac:chgData name="Long B Nguyen" userId="f59fb8f3-a021-417a-8bc1-65c8d471c621" providerId="ADAL" clId="{09EBCD6D-3E32-1447-A1AF-87925F52689B}" dt="2021-06-01T11:55:51.593" v="9596" actId="113"/>
+          <ac:spMkLst>
+            <pc:docMk/>
+            <pc:sldMk cId="1963086115" sldId="661"/>
+            <ac:spMk id="3" creationId="{3770FE9B-403E-D54D-910D-E86CFE4C2FAF}"/>
+          </ac:spMkLst>
+        </pc:spChg>
+      </pc:sldChg>
+      <pc:sldChg chg="modSp add mod modAnim">
+        <pc:chgData name="Long B Nguyen" userId="f59fb8f3-a021-417a-8bc1-65c8d471c621" providerId="ADAL" clId="{09EBCD6D-3E32-1447-A1AF-87925F52689B}" dt="2021-06-01T11:56:01.119" v="9598"/>
+        <pc:sldMkLst>
+          <pc:docMk/>
+          <pc:sldMk cId="4142331081" sldId="662"/>
+        </pc:sldMkLst>
+        <pc:spChg chg="mod">
+          <ac:chgData name="Long B Nguyen" userId="f59fb8f3-a021-417a-8bc1-65c8d471c621" providerId="ADAL" clId="{09EBCD6D-3E32-1447-A1AF-87925F52689B}" dt="2021-05-31T17:52:55.559" v="8976" actId="20577"/>
+          <ac:spMkLst>
+            <pc:docMk/>
+            <pc:sldMk cId="4142331081" sldId="662"/>
+            <ac:spMk id="3" creationId="{3770FE9B-403E-D54D-910D-E86CFE4C2FAF}"/>
+          </ac:spMkLst>
+        </pc:spChg>
+      </pc:sldChg>
+      <pc:sldChg chg="modSp add mod modAnim">
+        <pc:chgData name="Long B Nguyen" userId="f59fb8f3-a021-417a-8bc1-65c8d471c621" providerId="ADAL" clId="{09EBCD6D-3E32-1447-A1AF-87925F52689B}" dt="2021-06-01T11:57:00.825" v="9602"/>
+        <pc:sldMkLst>
+          <pc:docMk/>
+          <pc:sldMk cId="3550438817" sldId="663"/>
+        </pc:sldMkLst>
+        <pc:spChg chg="mod">
+          <ac:chgData name="Long B Nguyen" userId="f59fb8f3-a021-417a-8bc1-65c8d471c621" providerId="ADAL" clId="{09EBCD6D-3E32-1447-A1AF-87925F52689B}" dt="2021-06-01T11:56:51.902" v="9600" actId="113"/>
+          <ac:spMkLst>
+            <pc:docMk/>
+            <pc:sldMk cId="3550438817" sldId="663"/>
+            <ac:spMk id="3" creationId="{3770FE9B-403E-D54D-910D-E86CFE4C2FAF}"/>
+          </ac:spMkLst>
+        </pc:spChg>
+      </pc:sldChg>
+      <pc:sldChg chg="addSp modSp add mod modAnim">
+        <pc:chgData name="Long B Nguyen" userId="f59fb8f3-a021-417a-8bc1-65c8d471c621" providerId="ADAL" clId="{09EBCD6D-3E32-1447-A1AF-87925F52689B}" dt="2021-06-01T11:57:07.486" v="9604"/>
+        <pc:sldMkLst>
+          <pc:docMk/>
+          <pc:sldMk cId="1723668777" sldId="664"/>
+        </pc:sldMkLst>
+        <pc:spChg chg="mod">
+          <ac:chgData name="Long B Nguyen" userId="f59fb8f3-a021-417a-8bc1-65c8d471c621" providerId="ADAL" clId="{09EBCD6D-3E32-1447-A1AF-87925F52689B}" dt="2021-05-31T17:57:49.737" v="9014" actId="20577"/>
+          <ac:spMkLst>
+            <pc:docMk/>
+            <pc:sldMk cId="1723668777" sldId="664"/>
+            <ac:spMk id="3" creationId="{3770FE9B-403E-D54D-910D-E86CFE4C2FAF}"/>
+          </ac:spMkLst>
+        </pc:spChg>
+        <pc:picChg chg="add mod">
+          <ac:chgData name="Long B Nguyen" userId="f59fb8f3-a021-417a-8bc1-65c8d471c621" providerId="ADAL" clId="{09EBCD6D-3E32-1447-A1AF-87925F52689B}" dt="2021-05-31T17:57:54.543" v="9016" actId="1076"/>
+          <ac:picMkLst>
+            <pc:docMk/>
+            <pc:sldMk cId="1723668777" sldId="664"/>
+            <ac:picMk id="5" creationId="{F1E7E57D-4CDC-AC45-8FB0-5FFC1FAAD931}"/>
+          </ac:picMkLst>
+        </pc:picChg>
+      </pc:sldChg>
+      <pc:sldChg chg="addSp modSp add mod modAnim">
+        <pc:chgData name="Long B Nguyen" userId="f59fb8f3-a021-417a-8bc1-65c8d471c621" providerId="ADAL" clId="{09EBCD6D-3E32-1447-A1AF-87925F52689B}" dt="2021-06-01T11:57:18.248" v="9607"/>
+        <pc:sldMkLst>
+          <pc:docMk/>
+          <pc:sldMk cId="548205039" sldId="665"/>
+        </pc:sldMkLst>
+        <pc:spChg chg="mod">
+          <ac:chgData name="Long B Nguyen" userId="f59fb8f3-a021-417a-8bc1-65c8d471c621" providerId="ADAL" clId="{09EBCD6D-3E32-1447-A1AF-87925F52689B}" dt="2021-05-31T18:00:57.865" v="9091" actId="20577"/>
+          <ac:spMkLst>
+            <pc:docMk/>
+            <pc:sldMk cId="548205039" sldId="665"/>
+            <ac:spMk id="3" creationId="{3770FE9B-403E-D54D-910D-E86CFE4C2FAF}"/>
+          </ac:spMkLst>
+        </pc:spChg>
+        <pc:picChg chg="add mod">
+          <ac:chgData name="Long B Nguyen" userId="f59fb8f3-a021-417a-8bc1-65c8d471c621" providerId="ADAL" clId="{09EBCD6D-3E32-1447-A1AF-87925F52689B}" dt="2021-05-31T18:00:51.291" v="9081" actId="1036"/>
+          <ac:picMkLst>
+            <pc:docMk/>
+            <pc:sldMk cId="548205039" sldId="665"/>
+            <ac:picMk id="5" creationId="{0250FDB6-FCA8-9549-A4F4-08FD0633C8A0}"/>
+          </ac:picMkLst>
+        </pc:picChg>
+      </pc:sldChg>
+      <pc:sldChg chg="addSp delSp modSp add mod modAnim">
+        <pc:chgData name="Long B Nguyen" userId="f59fb8f3-a021-417a-8bc1-65c8d471c621" providerId="ADAL" clId="{09EBCD6D-3E32-1447-A1AF-87925F52689B}" dt="2021-06-01T11:57:13.518" v="9606"/>
+        <pc:sldMkLst>
+          <pc:docMk/>
+          <pc:sldMk cId="4290814165" sldId="666"/>
+        </pc:sldMkLst>
+        <pc:spChg chg="mod">
+          <ac:chgData name="Long B Nguyen" userId="f59fb8f3-a021-417a-8bc1-65c8d471c621" providerId="ADAL" clId="{09EBCD6D-3E32-1447-A1AF-87925F52689B}" dt="2021-05-31T17:59:00.026" v="9066" actId="20577"/>
+          <ac:spMkLst>
+            <pc:docMk/>
+            <pc:sldMk cId="4290814165" sldId="666"/>
+            <ac:spMk id="3" creationId="{3770FE9B-403E-D54D-910D-E86CFE4C2FAF}"/>
+          </ac:spMkLst>
+        </pc:spChg>
+        <pc:picChg chg="del">
+          <ac:chgData name="Long B Nguyen" userId="f59fb8f3-a021-417a-8bc1-65c8d471c621" providerId="ADAL" clId="{09EBCD6D-3E32-1447-A1AF-87925F52689B}" dt="2021-05-31T17:58:10.874" v="9018" actId="478"/>
+          <ac:picMkLst>
+            <pc:docMk/>
+            <pc:sldMk cId="4290814165" sldId="666"/>
+            <ac:picMk id="5" creationId="{F1E7E57D-4CDC-AC45-8FB0-5FFC1FAAD931}"/>
+          </ac:picMkLst>
+        </pc:picChg>
+        <pc:picChg chg="add mod">
+          <ac:chgData name="Long B Nguyen" userId="f59fb8f3-a021-417a-8bc1-65c8d471c621" providerId="ADAL" clId="{09EBCD6D-3E32-1447-A1AF-87925F52689B}" dt="2021-05-31T17:58:43.162" v="9054" actId="1035"/>
+          <ac:picMkLst>
+            <pc:docMk/>
+            <pc:sldMk cId="4290814165" sldId="666"/>
+            <ac:picMk id="6" creationId="{73823EA6-7238-0748-A6A0-164BD038FCF2}"/>
+          </ac:picMkLst>
+        </pc:picChg>
+      </pc:sldChg>
+      <pc:sldChg chg="modSp add mod modAnim">
+        <pc:chgData name="Long B Nguyen" userId="f59fb8f3-a021-417a-8bc1-65c8d471c621" providerId="ADAL" clId="{09EBCD6D-3E32-1447-A1AF-87925F52689B}" dt="2021-06-01T11:57:24.441" v="9609"/>
+        <pc:sldMkLst>
+          <pc:docMk/>
+          <pc:sldMk cId="674914638" sldId="667"/>
+        </pc:sldMkLst>
+        <pc:spChg chg="mod">
+          <ac:chgData name="Long B Nguyen" userId="f59fb8f3-a021-417a-8bc1-65c8d471c621" providerId="ADAL" clId="{09EBCD6D-3E32-1447-A1AF-87925F52689B}" dt="2021-05-31T18:03:31.260" v="9102" actId="20577"/>
+          <ac:spMkLst>
+            <pc:docMk/>
+            <pc:sldMk cId="674914638" sldId="667"/>
+            <ac:spMk id="3" creationId="{3770FE9B-403E-D54D-910D-E86CFE4C2FAF}"/>
+          </ac:spMkLst>
+        </pc:spChg>
+      </pc:sldChg>
+      <pc:sldChg chg="new del">
+        <pc:chgData name="Long B Nguyen" userId="f59fb8f3-a021-417a-8bc1-65c8d471c621" providerId="ADAL" clId="{09EBCD6D-3E32-1447-A1AF-87925F52689B}" dt="2021-05-31T17:59:59.497" v="9068" actId="2696"/>
+        <pc:sldMkLst>
+          <pc:docMk/>
+          <pc:sldMk cId="2326370841" sldId="667"/>
+        </pc:sldMkLst>
+      </pc:sldChg>
+      <pc:sldChg chg="modSp add mod modAnim">
+        <pc:chgData name="Long B Nguyen" userId="f59fb8f3-a021-417a-8bc1-65c8d471c621" providerId="ADAL" clId="{09EBCD6D-3E32-1447-A1AF-87925F52689B}" dt="2021-06-01T11:57:32.522" v="9612"/>
+        <pc:sldMkLst>
+          <pc:docMk/>
+          <pc:sldMk cId="1851026642" sldId="668"/>
+        </pc:sldMkLst>
+        <pc:spChg chg="mod">
+          <ac:chgData name="Long B Nguyen" userId="f59fb8f3-a021-417a-8bc1-65c8d471c621" providerId="ADAL" clId="{09EBCD6D-3E32-1447-A1AF-87925F52689B}" dt="2021-05-31T18:04:00.075" v="9111" actId="20577"/>
+          <ac:spMkLst>
+            <pc:docMk/>
+            <pc:sldMk cId="1851026642" sldId="668"/>
+            <ac:spMk id="3" creationId="{3770FE9B-403E-D54D-910D-E86CFE4C2FAF}"/>
+          </ac:spMkLst>
+        </pc:spChg>
+      </pc:sldChg>
+      <pc:sldChg chg="addSp delSp modSp add mod">
+        <pc:chgData name="Long B Nguyen" userId="f59fb8f3-a021-417a-8bc1-65c8d471c621" providerId="ADAL" clId="{09EBCD6D-3E32-1447-A1AF-87925F52689B}" dt="2021-05-31T18:05:11.536" v="9139" actId="20577"/>
+        <pc:sldMkLst>
+          <pc:docMk/>
+          <pc:sldMk cId="3179411414" sldId="669"/>
+        </pc:sldMkLst>
+        <pc:spChg chg="mod">
+          <ac:chgData name="Long B Nguyen" userId="f59fb8f3-a021-417a-8bc1-65c8d471c621" providerId="ADAL" clId="{09EBCD6D-3E32-1447-A1AF-87925F52689B}" dt="2021-05-31T18:05:11.536" v="9139" actId="20577"/>
+          <ac:spMkLst>
+            <pc:docMk/>
+            <pc:sldMk cId="3179411414" sldId="669"/>
+            <ac:spMk id="2" creationId="{DFC6737B-C2EF-3F44-90BB-2743686986C3}"/>
+          </ac:spMkLst>
+        </pc:spChg>
+        <pc:picChg chg="del">
+          <ac:chgData name="Long B Nguyen" userId="f59fb8f3-a021-417a-8bc1-65c8d471c621" providerId="ADAL" clId="{09EBCD6D-3E32-1447-A1AF-87925F52689B}" dt="2021-05-31T18:04:18.257" v="9113" actId="478"/>
+          <ac:picMkLst>
+            <pc:docMk/>
+            <pc:sldMk cId="3179411414" sldId="669"/>
+            <ac:picMk id="3" creationId="{B210FD03-9900-694E-B070-C24875B8B9C8}"/>
+          </ac:picMkLst>
+        </pc:picChg>
+        <pc:picChg chg="add mod">
+          <ac:chgData name="Long B Nguyen" userId="f59fb8f3-a021-417a-8bc1-65c8d471c621" providerId="ADAL" clId="{09EBCD6D-3E32-1447-A1AF-87925F52689B}" dt="2021-05-31T18:05:00.539" v="9116" actId="1076"/>
+          <ac:picMkLst>
+            <pc:docMk/>
+            <pc:sldMk cId="3179411414" sldId="669"/>
+            <ac:picMk id="5" creationId="{33D7B1DB-3B30-6C42-8064-9F51328ECCD2}"/>
+          </ac:picMkLst>
+        </pc:picChg>
+      </pc:sldChg>
+      <pc:sldChg chg="modSp add mod modAnim">
+        <pc:chgData name="Long B Nguyen" userId="f59fb8f3-a021-417a-8bc1-65c8d471c621" providerId="ADAL" clId="{09EBCD6D-3E32-1447-A1AF-87925F52689B}" dt="2021-06-01T11:57:53.104" v="9615"/>
+        <pc:sldMkLst>
+          <pc:docMk/>
+          <pc:sldMk cId="2396694308" sldId="670"/>
+        </pc:sldMkLst>
+        <pc:spChg chg="mod">
+          <ac:chgData name="Long B Nguyen" userId="f59fb8f3-a021-417a-8bc1-65c8d471c621" providerId="ADAL" clId="{09EBCD6D-3E32-1447-A1AF-87925F52689B}" dt="2021-05-31T18:05:25.310" v="9163" actId="20577"/>
+          <ac:spMkLst>
+            <pc:docMk/>
+            <pc:sldMk cId="2396694308" sldId="670"/>
+            <ac:spMk id="2" creationId="{7EBA3FED-EEF1-464C-A9A0-7EBDB1DA46E8}"/>
+          </ac:spMkLst>
+        </pc:spChg>
+        <pc:spChg chg="mod">
+          <ac:chgData name="Long B Nguyen" userId="f59fb8f3-a021-417a-8bc1-65c8d471c621" providerId="ADAL" clId="{09EBCD6D-3E32-1447-A1AF-87925F52689B}" dt="2021-05-31T19:16:04.163" v="9172" actId="113"/>
+          <ac:spMkLst>
+            <pc:docMk/>
+            <pc:sldMk cId="2396694308" sldId="670"/>
+            <ac:spMk id="3" creationId="{3770FE9B-403E-D54D-910D-E86CFE4C2FAF}"/>
+          </ac:spMkLst>
+        </pc:spChg>
+      </pc:sldChg>
+      <pc:sldChg chg="modSp new del mod">
+        <pc:chgData name="Long B Nguyen" userId="f59fb8f3-a021-417a-8bc1-65c8d471c621" providerId="ADAL" clId="{09EBCD6D-3E32-1447-A1AF-87925F52689B}" dt="2021-05-31T19:36:53.278" v="9479" actId="2696"/>
+        <pc:sldMkLst>
+          <pc:docMk/>
+          <pc:sldMk cId="1560317742" sldId="671"/>
+        </pc:sldMkLst>
+        <pc:spChg chg="mod">
+          <ac:chgData name="Long B Nguyen" userId="f59fb8f3-a021-417a-8bc1-65c8d471c621" providerId="ADAL" clId="{09EBCD6D-3E32-1447-A1AF-87925F52689B}" dt="2021-05-31T19:23:15.690" v="9207" actId="20577"/>
+          <ac:spMkLst>
+            <pc:docMk/>
+            <pc:sldMk cId="1560317742" sldId="671"/>
+            <ac:spMk id="3" creationId="{384D2316-DC9B-5843-89D0-8D3E2737195E}"/>
+          </ac:spMkLst>
+        </pc:spChg>
+      </pc:sldChg>
+      <pc:sldChg chg="modSp add del mod">
+        <pc:chgData name="Long B Nguyen" userId="f59fb8f3-a021-417a-8bc1-65c8d471c621" providerId="ADAL" clId="{09EBCD6D-3E32-1447-A1AF-87925F52689B}" dt="2021-06-01T11:58:21.885" v="9619" actId="2696"/>
+        <pc:sldMkLst>
+          <pc:docMk/>
+          <pc:sldMk cId="2223653801" sldId="672"/>
+        </pc:sldMkLst>
+        <pc:spChg chg="mod">
+          <ac:chgData name="Long B Nguyen" userId="f59fb8f3-a021-417a-8bc1-65c8d471c621" providerId="ADAL" clId="{09EBCD6D-3E32-1447-A1AF-87925F52689B}" dt="2021-06-01T11:58:09.627" v="9617" actId="20577"/>
+          <ac:spMkLst>
+            <pc:docMk/>
+            <pc:sldMk cId="2223653801" sldId="672"/>
+            <ac:spMk id="3" creationId="{3770FE9B-403E-D54D-910D-E86CFE4C2FAF}"/>
+          </ac:spMkLst>
+        </pc:spChg>
+      </pc:sldChg>
+      <pc:sldChg chg="add modAnim">
+        <pc:chgData name="Long B Nguyen" userId="f59fb8f3-a021-417a-8bc1-65c8d471c621" providerId="ADAL" clId="{09EBCD6D-3E32-1447-A1AF-87925F52689B}" dt="2021-06-01T11:59:17.787" v="9627"/>
+        <pc:sldMkLst>
+          <pc:docMk/>
+          <pc:sldMk cId="3832706411" sldId="672"/>
+        </pc:sldMkLst>
+      </pc:sldChg>
+      <pc:sldChg chg="addSp modSp add mod modAnim">
+        <pc:chgData name="Long B Nguyen" userId="f59fb8f3-a021-417a-8bc1-65c8d471c621" providerId="ADAL" clId="{09EBCD6D-3E32-1447-A1AF-87925F52689B}" dt="2021-06-01T11:59:04.308" v="9625"/>
+        <pc:sldMkLst>
+          <pc:docMk/>
+          <pc:sldMk cId="587377709" sldId="673"/>
+        </pc:sldMkLst>
+        <pc:spChg chg="mod">
+          <ac:chgData name="Long B Nguyen" userId="f59fb8f3-a021-417a-8bc1-65c8d471c621" providerId="ADAL" clId="{09EBCD6D-3E32-1447-A1AF-87925F52689B}" dt="2021-06-01T11:58:19.636" v="9618" actId="113"/>
+          <ac:spMkLst>
+            <pc:docMk/>
+            <pc:sldMk cId="587377709" sldId="673"/>
+            <ac:spMk id="3" creationId="{3770FE9B-403E-D54D-910D-E86CFE4C2FAF}"/>
+          </ac:spMkLst>
+        </pc:spChg>
+        <pc:picChg chg="add mod">
+          <ac:chgData name="Long B Nguyen" userId="f59fb8f3-a021-417a-8bc1-65c8d471c621" providerId="ADAL" clId="{09EBCD6D-3E32-1447-A1AF-87925F52689B}" dt="2021-05-31T19:18:33.942" v="9193" actId="1076"/>
+          <ac:picMkLst>
+            <pc:docMk/>
+            <pc:sldMk cId="587377709" sldId="673"/>
+            <ac:picMk id="5" creationId="{FBED0713-ABB0-3245-9C1E-4FF8AA0BBE0C}"/>
+          </ac:picMkLst>
+        </pc:picChg>
+        <pc:picChg chg="add mod">
+          <ac:chgData name="Long B Nguyen" userId="f59fb8f3-a021-417a-8bc1-65c8d471c621" providerId="ADAL" clId="{09EBCD6D-3E32-1447-A1AF-87925F52689B}" dt="2021-05-31T19:19:03.826" v="9198" actId="1035"/>
+          <ac:picMkLst>
+            <pc:docMk/>
+            <pc:sldMk cId="587377709" sldId="673"/>
+            <ac:picMk id="6" creationId="{984F14B2-79FB-6E4A-BBA0-4AC54D4F31EE}"/>
+          </ac:picMkLst>
+        </pc:picChg>
+        <pc:picChg chg="add mod">
+          <ac:chgData name="Long B Nguyen" userId="f59fb8f3-a021-417a-8bc1-65c8d471c621" providerId="ADAL" clId="{09EBCD6D-3E32-1447-A1AF-87925F52689B}" dt="2021-05-31T19:19:02.702" v="9197" actId="1076"/>
+          <ac:picMkLst>
+            <pc:docMk/>
+            <pc:sldMk cId="587377709" sldId="673"/>
+            <ac:picMk id="7" creationId="{756B2BF6-CDF1-EF45-A76C-322382E06A3E}"/>
+          </ac:picMkLst>
+        </pc:picChg>
+      </pc:sldChg>
+      <pc:sldChg chg="modSp add mod modAnim">
+        <pc:chgData name="Long B Nguyen" userId="f59fb8f3-a021-417a-8bc1-65c8d471c621" providerId="ADAL" clId="{09EBCD6D-3E32-1447-A1AF-87925F52689B}" dt="2021-06-01T11:59:23.698" v="9629"/>
+        <pc:sldMkLst>
+          <pc:docMk/>
+          <pc:sldMk cId="3005322827" sldId="674"/>
+        </pc:sldMkLst>
+        <pc:spChg chg="mod">
+          <ac:chgData name="Long B Nguyen" userId="f59fb8f3-a021-417a-8bc1-65c8d471c621" providerId="ADAL" clId="{09EBCD6D-3E32-1447-A1AF-87925F52689B}" dt="2021-06-01T11:58:42.722" v="9622" actId="113"/>
+          <ac:spMkLst>
+            <pc:docMk/>
+            <pc:sldMk cId="3005322827" sldId="674"/>
+            <ac:spMk id="3" creationId="{3770FE9B-403E-D54D-910D-E86CFE4C2FAF}"/>
+          </ac:spMkLst>
+        </pc:spChg>
+      </pc:sldChg>
+      <pc:sldChg chg="modSp add del mod">
+        <pc:chgData name="Long B Nguyen" userId="f59fb8f3-a021-417a-8bc1-65c8d471c621" providerId="ADAL" clId="{09EBCD6D-3E32-1447-A1AF-87925F52689B}" dt="2021-05-31T19:49:09.982" v="9566" actId="2696"/>
+        <pc:sldMkLst>
+          <pc:docMk/>
+          <pc:sldMk cId="69096210" sldId="675"/>
+        </pc:sldMkLst>
+        <pc:spChg chg="mod">
+          <ac:chgData name="Long B Nguyen" userId="f59fb8f3-a021-417a-8bc1-65c8d471c621" providerId="ADAL" clId="{09EBCD6D-3E32-1447-A1AF-87925F52689B}" dt="2021-05-31T19:48:46.086" v="9560" actId="21"/>
+          <ac:spMkLst>
+            <pc:docMk/>
+            <pc:sldMk cId="69096210" sldId="675"/>
+            <ac:spMk id="3" creationId="{3770FE9B-403E-D54D-910D-E86CFE4C2FAF}"/>
+          </ac:spMkLst>
+        </pc:spChg>
+      </pc:sldChg>
+      <pc:sldChg chg="addSp modSp add mod modAnim">
+        <pc:chgData name="Long B Nguyen" userId="f59fb8f3-a021-417a-8bc1-65c8d471c621" providerId="ADAL" clId="{09EBCD6D-3E32-1447-A1AF-87925F52689B}" dt="2021-06-01T11:59:57.811" v="9635" actId="113"/>
+        <pc:sldMkLst>
+          <pc:docMk/>
+          <pc:sldMk cId="2438674098" sldId="676"/>
+        </pc:sldMkLst>
+        <pc:spChg chg="mod">
+          <ac:chgData name="Long B Nguyen" userId="f59fb8f3-a021-417a-8bc1-65c8d471c621" providerId="ADAL" clId="{09EBCD6D-3E32-1447-A1AF-87925F52689B}" dt="2021-06-01T11:59:57.811" v="9635" actId="113"/>
+          <ac:spMkLst>
+            <pc:docMk/>
+            <pc:sldMk cId="2438674098" sldId="676"/>
+            <ac:spMk id="3" creationId="{3770FE9B-403E-D54D-910D-E86CFE4C2FAF}"/>
+          </ac:spMkLst>
+        </pc:spChg>
+        <pc:picChg chg="add mod">
+          <ac:chgData name="Long B Nguyen" userId="f59fb8f3-a021-417a-8bc1-65c8d471c621" providerId="ADAL" clId="{09EBCD6D-3E32-1447-A1AF-87925F52689B}" dt="2021-05-31T19:34:28.822" v="9474" actId="1076"/>
+          <ac:picMkLst>
+            <pc:docMk/>
+            <pc:sldMk cId="2438674098" sldId="676"/>
+            <ac:picMk id="5" creationId="{15D7B97F-DF09-4042-8BBF-63B865B0EDAA}"/>
+          </ac:picMkLst>
+        </pc:picChg>
+        <pc:picChg chg="add mod">
+          <ac:chgData name="Long B Nguyen" userId="f59fb8f3-a021-417a-8bc1-65c8d471c621" providerId="ADAL" clId="{09EBCD6D-3E32-1447-A1AF-87925F52689B}" dt="2021-05-31T19:34:39.481" v="9476" actId="1076"/>
+          <ac:picMkLst>
+            <pc:docMk/>
+            <pc:sldMk cId="2438674098" sldId="676"/>
+            <ac:picMk id="6" creationId="{92A1D1F3-D2EB-2848-BF7F-60CC84C45F51}"/>
+          </ac:picMkLst>
+        </pc:picChg>
+      </pc:sldChg>
+      <pc:sldChg chg="modSp add mod modAnim">
+        <pc:chgData name="Long B Nguyen" userId="f59fb8f3-a021-417a-8bc1-65c8d471c621" providerId="ADAL" clId="{09EBCD6D-3E32-1447-A1AF-87925F52689B}" dt="2021-06-01T12:00:06.765" v="9636" actId="113"/>
+        <pc:sldMkLst>
+          <pc:docMk/>
+          <pc:sldMk cId="2330243084" sldId="677"/>
+        </pc:sldMkLst>
+        <pc:spChg chg="mod">
+          <ac:chgData name="Long B Nguyen" userId="f59fb8f3-a021-417a-8bc1-65c8d471c621" providerId="ADAL" clId="{09EBCD6D-3E32-1447-A1AF-87925F52689B}" dt="2021-06-01T12:00:06.765" v="9636" actId="113"/>
+          <ac:spMkLst>
+            <pc:docMk/>
+            <pc:sldMk cId="2330243084" sldId="677"/>
+            <ac:spMk id="3" creationId="{3770FE9B-403E-D54D-910D-E86CFE4C2FAF}"/>
+          </ac:spMkLst>
+        </pc:spChg>
+      </pc:sldChg>
+      <pc:sldChg chg="modSp add del mod">
+        <pc:chgData name="Long B Nguyen" userId="f59fb8f3-a021-417a-8bc1-65c8d471c621" providerId="ADAL" clId="{09EBCD6D-3E32-1447-A1AF-87925F52689B}" dt="2021-05-31T19:49:43.185" v="9573" actId="2696"/>
+        <pc:sldMkLst>
+          <pc:docMk/>
+          <pc:sldMk cId="2817983511" sldId="678"/>
+        </pc:sldMkLst>
+        <pc:spChg chg="mod">
+          <ac:chgData name="Long B Nguyen" userId="f59fb8f3-a021-417a-8bc1-65c8d471c621" providerId="ADAL" clId="{09EBCD6D-3E32-1447-A1AF-87925F52689B}" dt="2021-05-31T19:49:22.276" v="9567" actId="21"/>
+          <ac:spMkLst>
+            <pc:docMk/>
+            <pc:sldMk cId="2817983511" sldId="678"/>
+            <ac:spMk id="3" creationId="{3770FE9B-403E-D54D-910D-E86CFE4C2FAF}"/>
+          </ac:spMkLst>
+        </pc:spChg>
+        <pc:spChg chg="mod">
+          <ac:chgData name="Long B Nguyen" userId="f59fb8f3-a021-417a-8bc1-65c8d471c621" providerId="ADAL" clId="{09EBCD6D-3E32-1447-A1AF-87925F52689B}" dt="2021-05-31T19:45:43.435" v="9529" actId="20577"/>
+          <ac:spMkLst>
+            <pc:docMk/>
+            <pc:sldMk cId="2817983511" sldId="678"/>
+            <ac:spMk id="4" creationId="{AD4E55E8-1CA4-A544-9032-E81BBD4E2B1F}"/>
+          </ac:spMkLst>
+        </pc:spChg>
+      </pc:sldChg>
+      <pc:sldChg chg="modSp add mod modAnim">
+        <pc:chgData name="Long B Nguyen" userId="f59fb8f3-a021-417a-8bc1-65c8d471c621" providerId="ADAL" clId="{09EBCD6D-3E32-1447-A1AF-87925F52689B}" dt="2021-06-01T12:00:36.292" v="9639"/>
+        <pc:sldMkLst>
+          <pc:docMk/>
+          <pc:sldMk cId="619972637" sldId="679"/>
+        </pc:sldMkLst>
+        <pc:spChg chg="mod">
+          <ac:chgData name="Long B Nguyen" userId="f59fb8f3-a021-417a-8bc1-65c8d471c621" providerId="ADAL" clId="{09EBCD6D-3E32-1447-A1AF-87925F52689B}" dt="2021-06-01T12:00:23.430" v="9637" actId="113"/>
+          <ac:spMkLst>
+            <pc:docMk/>
+            <pc:sldMk cId="619972637" sldId="679"/>
+            <ac:spMk id="3" creationId="{3770FE9B-403E-D54D-910D-E86CFE4C2FAF}"/>
+          </ac:spMkLst>
+        </pc:spChg>
+      </pc:sldChg>
+      <pc:sldChg chg="modSp add mod modAnim">
+        <pc:chgData name="Long B Nguyen" userId="f59fb8f3-a021-417a-8bc1-65c8d471c621" providerId="ADAL" clId="{09EBCD6D-3E32-1447-A1AF-87925F52689B}" dt="2021-06-01T12:01:56.156" v="9651"/>
+        <pc:sldMkLst>
+          <pc:docMk/>
+          <pc:sldMk cId="703136257" sldId="680"/>
+        </pc:sldMkLst>
+        <pc:spChg chg="mod">
+          <ac:chgData name="Long B Nguyen" userId="f59fb8f3-a021-417a-8bc1-65c8d471c621" providerId="ADAL" clId="{09EBCD6D-3E32-1447-A1AF-87925F52689B}" dt="2021-06-01T12:01:46.563" v="9649" actId="113"/>
+          <ac:spMkLst>
+            <pc:docMk/>
+            <pc:sldMk cId="703136257" sldId="680"/>
+            <ac:spMk id="3" creationId="{3770FE9B-403E-D54D-910D-E86CFE4C2FAF}"/>
+          </ac:spMkLst>
+        </pc:spChg>
+      </pc:sldChg>
+      <pc:sldChg chg="modSp add mod">
+        <pc:chgData name="Long B Nguyen" userId="f59fb8f3-a021-417a-8bc1-65c8d471c621" providerId="ADAL" clId="{09EBCD6D-3E32-1447-A1AF-87925F52689B}" dt="2021-06-01T12:06:07.791" v="9674" actId="20577"/>
+        <pc:sldMkLst>
+          <pc:docMk/>
+          <pc:sldMk cId="393581662" sldId="681"/>
+        </pc:sldMkLst>
+        <pc:spChg chg="mod">
+          <ac:chgData name="Long B Nguyen" userId="f59fb8f3-a021-417a-8bc1-65c8d471c621" providerId="ADAL" clId="{09EBCD6D-3E32-1447-A1AF-87925F52689B}" dt="2021-06-01T12:06:07.791" v="9674" actId="20577"/>
+          <ac:spMkLst>
+            <pc:docMk/>
+            <pc:sldMk cId="393581662" sldId="681"/>
+            <ac:spMk id="3" creationId="{3770FE9B-403E-D54D-910D-E86CFE4C2FAF}"/>
+          </ac:spMkLst>
+        </pc:spChg>
+      </pc:sldChg>
+      <pc:sldChg chg="modSp add del mod">
+        <pc:chgData name="Long B Nguyen" userId="f59fb8f3-a021-417a-8bc1-65c8d471c621" providerId="ADAL" clId="{09EBCD6D-3E32-1447-A1AF-87925F52689B}" dt="2021-05-31T19:47:35.864" v="9556" actId="2696"/>
+        <pc:sldMkLst>
+          <pc:docMk/>
+          <pc:sldMk cId="2824012676" sldId="681"/>
+        </pc:sldMkLst>
+        <pc:spChg chg="mod">
+          <ac:chgData name="Long B Nguyen" userId="f59fb8f3-a021-417a-8bc1-65c8d471c621" providerId="ADAL" clId="{09EBCD6D-3E32-1447-A1AF-87925F52689B}" dt="2021-05-31T19:46:12.694" v="9545" actId="20577"/>
+          <ac:spMkLst>
+            <pc:docMk/>
+            <pc:sldMk cId="2824012676" sldId="681"/>
+            <ac:spMk id="3" creationId="{3770FE9B-403E-D54D-910D-E86CFE4C2FAF}"/>
+          </ac:spMkLst>
+        </pc:spChg>
+      </pc:sldChg>
+      <pc:sldChg chg="modSp add mod">
+        <pc:chgData name="Long B Nguyen" userId="f59fb8f3-a021-417a-8bc1-65c8d471c621" providerId="ADAL" clId="{09EBCD6D-3E32-1447-A1AF-87925F52689B}" dt="2021-06-01T12:05:59.667" v="9672" actId="113"/>
+        <pc:sldMkLst>
+          <pc:docMk/>
+          <pc:sldMk cId="128763582" sldId="682"/>
+        </pc:sldMkLst>
+        <pc:spChg chg="mod">
+          <ac:chgData name="Long B Nguyen" userId="f59fb8f3-a021-417a-8bc1-65c8d471c621" providerId="ADAL" clId="{09EBCD6D-3E32-1447-A1AF-87925F52689B}" dt="2021-06-01T12:05:59.667" v="9672" actId="113"/>
+          <ac:spMkLst>
+            <pc:docMk/>
+            <pc:sldMk cId="128763582" sldId="682"/>
+            <ac:spMk id="3" creationId="{3770FE9B-403E-D54D-910D-E86CFE4C2FAF}"/>
           </ac:spMkLst>
         </pc:spChg>
       </pc:sldChg>
@@ -10755,7 +11364,7 @@
           <a:p>
             <a:fld id="{6EDD99D2-A624-5E4F-A4E3-584054837B5A}" type="datetimeFigureOut">
               <a:rPr lang="en-US" smtClean="0"/>
-              <a:t>5/25/21</a:t>
+              <a:t>5/31/21</a:t>
             </a:fld>
             <a:endParaRPr lang="en-US"/>
           </a:p>
@@ -12201,6 +12810,294 @@
 </p:notes>
 </file>
 
+<file path=ppt/notesSlides/notesSlide5.xml><?xml version="1.0" encoding="utf-8"?>
+<p:notes xmlns:a="http://schemas.openxmlformats.org/drawingml/2006/main" xmlns:r="http://schemas.openxmlformats.org/officeDocument/2006/relationships" xmlns:p="http://schemas.openxmlformats.org/presentationml/2006/main">
+  <p:cSld>
+    <p:spTree>
+      <p:nvGrpSpPr>
+        <p:cNvPr id="1" name=""/>
+        <p:cNvGrpSpPr/>
+        <p:nvPr/>
+      </p:nvGrpSpPr>
+      <p:grpSpPr>
+        <a:xfrm>
+          <a:off x="0" y="0"/>
+          <a:ext cx="0" cy="0"/>
+          <a:chOff x="0" y="0"/>
+          <a:chExt cx="0" cy="0"/>
+        </a:xfrm>
+      </p:grpSpPr>
+      <p:sp>
+        <p:nvSpPr>
+          <p:cNvPr id="27649" name="Rectangle 7">
+            <a:extLst>
+              <a:ext uri="{FF2B5EF4-FFF2-40B4-BE49-F238E27FC236}">
+                <a16:creationId xmlns:a16="http://schemas.microsoft.com/office/drawing/2014/main" id="{564F60CE-40E8-8D4F-A57C-292CFD3E307D}"/>
+              </a:ext>
+            </a:extLst>
+          </p:cNvPr>
+          <p:cNvSpPr>
+            <a:spLocks noGrp="1" noChangeArrowheads="1"/>
+          </p:cNvSpPr>
+          <p:nvPr>
+            <p:ph type="sldNum" sz="quarter" idx="5"/>
+          </p:nvPr>
+        </p:nvSpPr>
+        <p:spPr bwMode="auto">
+          <a:noFill/>
+          <a:extLst>
+            <a:ext uri="{909E8E84-426E-40DD-AFC4-6F175D3DCCD1}">
+              <a14:hiddenFill xmlns:a14="http://schemas.microsoft.com/office/drawing/2010/main">
+                <a:solidFill>
+                  <a:srgbClr val="FFFFFF"/>
+                </a:solidFill>
+              </a14:hiddenFill>
+            </a:ext>
+            <a:ext uri="{91240B29-F687-4F45-9708-019B960494DF}">
+              <a14:hiddenLine xmlns:a14="http://schemas.microsoft.com/office/drawing/2010/main" w="9525">
+                <a:solidFill>
+                  <a:srgbClr val="000000"/>
+                </a:solidFill>
+                <a:miter lim="800000"/>
+                <a:headEnd/>
+                <a:tailEnd/>
+              </a14:hiddenLine>
+            </a:ext>
+          </a:extLst>
+        </p:spPr>
+        <p:txBody>
+          <a:bodyPr/>
+          <a:lstStyle>
+            <a:lvl1pPr>
+              <a:defRPr>
+                <a:solidFill>
+                  <a:schemeClr val="tx1"/>
+                </a:solidFill>
+                <a:latin typeface="Arial" panose="020B0604020202020204" pitchFamily="34" charset="0"/>
+                <a:ea typeface="ＭＳ Ｐゴシック" panose="020B0600070205080204" pitchFamily="34" charset="-128"/>
+              </a:defRPr>
+            </a:lvl1pPr>
+            <a:lvl2pPr marL="742950" indent="-285750">
+              <a:defRPr>
+                <a:solidFill>
+                  <a:schemeClr val="tx1"/>
+                </a:solidFill>
+                <a:latin typeface="Arial" panose="020B0604020202020204" pitchFamily="34" charset="0"/>
+                <a:ea typeface="ＭＳ Ｐゴシック" panose="020B0600070205080204" pitchFamily="34" charset="-128"/>
+              </a:defRPr>
+            </a:lvl2pPr>
+            <a:lvl3pPr marL="1143000" indent="-228600">
+              <a:defRPr>
+                <a:solidFill>
+                  <a:schemeClr val="tx1"/>
+                </a:solidFill>
+                <a:latin typeface="Arial" panose="020B0604020202020204" pitchFamily="34" charset="0"/>
+                <a:ea typeface="ＭＳ Ｐゴシック" panose="020B0600070205080204" pitchFamily="34" charset="-128"/>
+              </a:defRPr>
+            </a:lvl3pPr>
+            <a:lvl4pPr marL="1600200" indent="-228600">
+              <a:defRPr>
+                <a:solidFill>
+                  <a:schemeClr val="tx1"/>
+                </a:solidFill>
+                <a:latin typeface="Arial" panose="020B0604020202020204" pitchFamily="34" charset="0"/>
+                <a:ea typeface="ＭＳ Ｐゴシック" panose="020B0600070205080204" pitchFamily="34" charset="-128"/>
+              </a:defRPr>
+            </a:lvl4pPr>
+            <a:lvl5pPr marL="2057400" indent="-228600">
+              <a:defRPr>
+                <a:solidFill>
+                  <a:schemeClr val="tx1"/>
+                </a:solidFill>
+                <a:latin typeface="Arial" panose="020B0604020202020204" pitchFamily="34" charset="0"/>
+                <a:ea typeface="ＭＳ Ｐゴシック" panose="020B0600070205080204" pitchFamily="34" charset="-128"/>
+              </a:defRPr>
+            </a:lvl5pPr>
+            <a:lvl6pPr marL="2514600" indent="-228600" eaLnBrk="0" fontAlgn="base" hangingPunct="0">
+              <a:spcBef>
+                <a:spcPct val="0"/>
+              </a:spcBef>
+              <a:spcAft>
+                <a:spcPct val="0"/>
+              </a:spcAft>
+              <a:defRPr>
+                <a:solidFill>
+                  <a:schemeClr val="tx1"/>
+                </a:solidFill>
+                <a:latin typeface="Arial" panose="020B0604020202020204" pitchFamily="34" charset="0"/>
+                <a:ea typeface="ＭＳ Ｐゴシック" panose="020B0600070205080204" pitchFamily="34" charset="-128"/>
+              </a:defRPr>
+            </a:lvl6pPr>
+            <a:lvl7pPr marL="2971800" indent="-228600" eaLnBrk="0" fontAlgn="base" hangingPunct="0">
+              <a:spcBef>
+                <a:spcPct val="0"/>
+              </a:spcBef>
+              <a:spcAft>
+                <a:spcPct val="0"/>
+              </a:spcAft>
+              <a:defRPr>
+                <a:solidFill>
+                  <a:schemeClr val="tx1"/>
+                </a:solidFill>
+                <a:latin typeface="Arial" panose="020B0604020202020204" pitchFamily="34" charset="0"/>
+                <a:ea typeface="ＭＳ Ｐゴシック" panose="020B0600070205080204" pitchFamily="34" charset="-128"/>
+              </a:defRPr>
+            </a:lvl7pPr>
+            <a:lvl8pPr marL="3429000" indent="-228600" eaLnBrk="0" fontAlgn="base" hangingPunct="0">
+              <a:spcBef>
+                <a:spcPct val="0"/>
+              </a:spcBef>
+              <a:spcAft>
+                <a:spcPct val="0"/>
+              </a:spcAft>
+              <a:defRPr>
+                <a:solidFill>
+                  <a:schemeClr val="tx1"/>
+                </a:solidFill>
+                <a:latin typeface="Arial" panose="020B0604020202020204" pitchFamily="34" charset="0"/>
+                <a:ea typeface="ＭＳ Ｐゴシック" panose="020B0600070205080204" pitchFamily="34" charset="-128"/>
+              </a:defRPr>
+            </a:lvl8pPr>
+            <a:lvl9pPr marL="3886200" indent="-228600" eaLnBrk="0" fontAlgn="base" hangingPunct="0">
+              <a:spcBef>
+                <a:spcPct val="0"/>
+              </a:spcBef>
+              <a:spcAft>
+                <a:spcPct val="0"/>
+              </a:spcAft>
+              <a:defRPr>
+                <a:solidFill>
+                  <a:schemeClr val="tx1"/>
+                </a:solidFill>
+                <a:latin typeface="Arial" panose="020B0604020202020204" pitchFamily="34" charset="0"/>
+                <a:ea typeface="ＭＳ Ｐゴシック" panose="020B0600070205080204" pitchFamily="34" charset="-128"/>
+              </a:defRPr>
+            </a:lvl9pPr>
+          </a:lstStyle>
+          <a:p>
+            <a:fld id="{FAB34E33-6D03-AA4F-B16B-52DEBA44FAAB}" type="slidenum">
+              <a:rPr lang="en-US" altLang="en-US"/>
+              <a:pPr/>
+              <a:t>113</a:t>
+            </a:fld>
+            <a:endParaRPr lang="en-US" altLang="en-US"/>
+          </a:p>
+        </p:txBody>
+      </p:sp>
+      <p:sp>
+        <p:nvSpPr>
+          <p:cNvPr id="27650" name="Rectangle 2">
+            <a:extLst>
+              <a:ext uri="{FF2B5EF4-FFF2-40B4-BE49-F238E27FC236}">
+                <a16:creationId xmlns:a16="http://schemas.microsoft.com/office/drawing/2014/main" id="{66CA89A8-73FD-214D-AD03-01BE1F185E60}"/>
+              </a:ext>
+            </a:extLst>
+          </p:cNvPr>
+          <p:cNvSpPr>
+            <a:spLocks noGrp="1" noRot="1" noChangeAspect="1" noChangeArrowheads="1" noTextEdit="1"/>
+          </p:cNvSpPr>
+          <p:nvPr>
+            <p:ph type="sldImg"/>
+          </p:nvPr>
+        </p:nvSpPr>
+        <p:spPr bwMode="auto">
+          <a:xfrm>
+            <a:off x="687388" y="685800"/>
+            <a:ext cx="5486400" cy="3429000"/>
+          </a:xfrm>
+          <a:noFill/>
+          <a:ln>
+            <a:solidFill>
+              <a:srgbClr val="000000"/>
+            </a:solidFill>
+            <a:miter lim="800000"/>
+            <a:headEnd/>
+            <a:tailEnd/>
+          </a:ln>
+          <a:extLst>
+            <a:ext uri="{909E8E84-426E-40DD-AFC4-6F175D3DCCD1}">
+              <a14:hiddenFill xmlns:a14="http://schemas.microsoft.com/office/drawing/2010/main">
+                <a:solidFill>
+                  <a:srgbClr val="FFFFFF"/>
+                </a:solidFill>
+              </a14:hiddenFill>
+            </a:ext>
+          </a:extLst>
+        </p:spPr>
+      </p:sp>
+      <p:sp>
+        <p:nvSpPr>
+          <p:cNvPr id="27651" name="Rectangle 3">
+            <a:extLst>
+              <a:ext uri="{FF2B5EF4-FFF2-40B4-BE49-F238E27FC236}">
+                <a16:creationId xmlns:a16="http://schemas.microsoft.com/office/drawing/2014/main" id="{492DBFA1-631A-6F43-A17C-6B403067B566}"/>
+              </a:ext>
+            </a:extLst>
+          </p:cNvPr>
+          <p:cNvSpPr>
+            <a:spLocks noGrp="1" noChangeArrowheads="1"/>
+          </p:cNvSpPr>
+          <p:nvPr>
+            <p:ph type="body" idx="1"/>
+          </p:nvPr>
+        </p:nvSpPr>
+        <p:spPr bwMode="auto">
+          <a:xfrm>
+            <a:off x="914400" y="4343400"/>
+            <a:ext cx="5029200" cy="4114800"/>
+          </a:xfrm>
+          <a:noFill/>
+          <a:extLst>
+            <a:ext uri="{909E8E84-426E-40DD-AFC4-6F175D3DCCD1}">
+              <a14:hiddenFill xmlns:a14="http://schemas.microsoft.com/office/drawing/2010/main">
+                <a:solidFill>
+                  <a:srgbClr val="FFFFFF"/>
+                </a:solidFill>
+              </a14:hiddenFill>
+            </a:ext>
+            <a:ext uri="{91240B29-F687-4F45-9708-019B960494DF}">
+              <a14:hiddenLine xmlns:a14="http://schemas.microsoft.com/office/drawing/2010/main" w="9525">
+                <a:solidFill>
+                  <a:srgbClr val="000000"/>
+                </a:solidFill>
+                <a:miter lim="800000"/>
+                <a:headEnd/>
+                <a:tailEnd/>
+              </a14:hiddenLine>
+            </a:ext>
+          </a:extLst>
+        </p:spPr>
+        <p:txBody>
+          <a:bodyPr wrap="square" numCol="1" anchor="t" anchorCtr="0" compatLnSpc="1">
+            <a:prstTxWarp prst="textNoShape">
+              <a:avLst/>
+            </a:prstTxWarp>
+          </a:bodyPr>
+          <a:lstStyle/>
+          <a:p>
+            <a:pPr eaLnBrk="1" hangingPunct="1"/>
+            <a:r>
+              <a:rPr lang="en-US" altLang="en-US">
+                <a:ea typeface="ＭＳ Ｐゴシック" panose="020B0600070205080204" pitchFamily="34" charset="-128"/>
+              </a:rPr>
+              <a:t>https://www.smartgrid.gov/the_smart_grid/smart_grid.html</a:t>
+            </a:r>
+          </a:p>
+        </p:txBody>
+      </p:sp>
+    </p:spTree>
+    <p:extLst>
+      <p:ext uri="{BB962C8B-B14F-4D97-AF65-F5344CB8AC3E}">
+        <p14:creationId xmlns:p14="http://schemas.microsoft.com/office/powerpoint/2010/main" val="4122713181"/>
+      </p:ext>
+    </p:extLst>
+  </p:cSld>
+  <p:clrMapOvr>
+    <a:masterClrMapping/>
+  </p:clrMapOvr>
+</p:notes>
+</file>
+
 <file path=ppt/slideLayouts/slideLayout1.xml><?xml version="1.0" encoding="utf-8"?>
 <p:sldLayout xmlns:a="http://schemas.openxmlformats.org/drawingml/2006/main" xmlns:r="http://schemas.openxmlformats.org/officeDocument/2006/relationships" xmlns:p="http://schemas.openxmlformats.org/presentationml/2006/main" type="title" preserve="1">
   <p:cSld name="Title Slide">
@@ -12332,7 +13229,7 @@
           <a:p>
             <a:fld id="{C96F47CA-F895-6945-BE27-26692229FACF}" type="datetime1">
               <a:rPr lang="en-US" smtClean="0"/>
-              <a:t>5/25/21</a:t>
+              <a:t>5/31/21</a:t>
             </a:fld>
             <a:endParaRPr lang="en-US" dirty="0"/>
           </a:p>
@@ -12502,7 +13399,7 @@
           <a:p>
             <a:fld id="{AF706D67-2012-D043-9F80-5C2BDD609BD3}" type="datetime1">
               <a:rPr lang="en-US" smtClean="0"/>
-              <a:t>5/25/21</a:t>
+              <a:t>5/31/21</a:t>
             </a:fld>
             <a:endParaRPr lang="en-US" dirty="0"/>
           </a:p>
@@ -12682,7 +13579,7 @@
           <a:p>
             <a:fld id="{5B79ACE4-03B6-794A-A48C-13F9598CCD28}" type="datetime1">
               <a:rPr lang="en-US" smtClean="0"/>
-              <a:t>5/25/21</a:t>
+              <a:t>5/31/21</a:t>
             </a:fld>
             <a:endParaRPr lang="en-US" dirty="0"/>
           </a:p>
@@ -12852,7 +13749,7 @@
           <a:p>
             <a:fld id="{6DA7C96B-D6FF-5D47-8EF3-542FD5A88E7C}" type="datetime1">
               <a:rPr lang="en-US" smtClean="0"/>
-              <a:t>5/25/21</a:t>
+              <a:t>5/31/21</a:t>
             </a:fld>
             <a:endParaRPr lang="en-US" dirty="0"/>
           </a:p>
@@ -13098,7 +13995,7 @@
           <a:p>
             <a:fld id="{5A6358E7-4856-3046-9420-8ADBF7A86D8C}" type="datetime1">
               <a:rPr lang="en-US" smtClean="0"/>
-              <a:t>5/25/21</a:t>
+              <a:t>5/31/21</a:t>
             </a:fld>
             <a:endParaRPr lang="en-US" dirty="0"/>
           </a:p>
@@ -13330,7 +14227,7 @@
           <a:p>
             <a:fld id="{6779F35A-9F43-7048-AA95-2DCA7E8C0780}" type="datetime1">
               <a:rPr lang="en-US" smtClean="0"/>
-              <a:t>5/25/21</a:t>
+              <a:t>5/31/21</a:t>
             </a:fld>
             <a:endParaRPr lang="en-US" dirty="0"/>
           </a:p>
@@ -13697,7 +14594,7 @@
           <a:p>
             <a:fld id="{B7CB2D7C-E370-DC40-8D10-DF8CB1A188CA}" type="datetime1">
               <a:rPr lang="en-US" smtClean="0"/>
-              <a:t>5/25/21</a:t>
+              <a:t>5/31/21</a:t>
             </a:fld>
             <a:endParaRPr lang="en-US" dirty="0"/>
           </a:p>
@@ -13815,7 +14712,7 @@
           <a:p>
             <a:fld id="{68AA69A2-3CD0-BE49-AF6E-9E037A40F43F}" type="datetime1">
               <a:rPr lang="en-US" smtClean="0"/>
-              <a:t>5/25/21</a:t>
+              <a:t>5/31/21</a:t>
             </a:fld>
             <a:endParaRPr lang="en-US" dirty="0"/>
           </a:p>
@@ -13910,7 +14807,7 @@
           <a:p>
             <a:fld id="{1EB50D9D-ACA9-3C4A-A3FC-7A265C0CEBD3}" type="datetime1">
               <a:rPr lang="en-US" smtClean="0"/>
-              <a:t>5/25/21</a:t>
+              <a:t>5/31/21</a:t>
             </a:fld>
             <a:endParaRPr lang="en-US" dirty="0"/>
           </a:p>
@@ -14187,7 +15084,7 @@
           <a:p>
             <a:fld id="{A08B2DD4-8739-D748-B308-CD7D801B0131}" type="datetime1">
               <a:rPr lang="en-US" smtClean="0"/>
-              <a:t>5/25/21</a:t>
+              <a:t>5/31/21</a:t>
             </a:fld>
             <a:endParaRPr lang="en-US" dirty="0"/>
           </a:p>
@@ -14444,7 +15341,7 @@
           <a:p>
             <a:fld id="{98622575-E24A-D548-838B-E385F9D0E59A}" type="datetime1">
               <a:rPr lang="en-US" smtClean="0"/>
-              <a:t>5/25/21</a:t>
+              <a:t>5/31/21</a:t>
             </a:fld>
             <a:endParaRPr lang="en-US" dirty="0"/>
           </a:p>
@@ -14657,7 +15554,7 @@
           <a:p>
             <a:fld id="{272BAF4E-9F7C-284D-B40D-0B83E546F887}" type="datetime1">
               <a:rPr lang="en-US" smtClean="0"/>
-              <a:t>5/25/21</a:t>
+              <a:t>5/31/21</a:t>
             </a:fld>
             <a:endParaRPr lang="en-US" dirty="0"/>
           </a:p>
@@ -15840,6 +16737,3137 @@
 </p:sld>
 </file>
 
+<file path=ppt/slides/slide100.xml><?xml version="1.0" encoding="utf-8"?>
+<p:sld xmlns:a="http://schemas.openxmlformats.org/drawingml/2006/main" xmlns:r="http://schemas.openxmlformats.org/officeDocument/2006/relationships" xmlns:p="http://schemas.openxmlformats.org/presentationml/2006/main">
+  <p:cSld>
+    <p:spTree>
+      <p:nvGrpSpPr>
+        <p:cNvPr id="1" name=""/>
+        <p:cNvGrpSpPr/>
+        <p:nvPr/>
+      </p:nvGrpSpPr>
+      <p:grpSpPr>
+        <a:xfrm>
+          <a:off x="0" y="0"/>
+          <a:ext cx="0" cy="0"/>
+          <a:chOff x="0" y="0"/>
+          <a:chExt cx="0" cy="0"/>
+        </a:xfrm>
+      </p:grpSpPr>
+      <p:sp>
+        <p:nvSpPr>
+          <p:cNvPr id="2" name="Title 1">
+            <a:extLst>
+              <a:ext uri="{FF2B5EF4-FFF2-40B4-BE49-F238E27FC236}">
+                <a16:creationId xmlns:a16="http://schemas.microsoft.com/office/drawing/2014/main" id="{7EBA3FED-EEF1-464C-A9A0-7EBDB1DA46E8}"/>
+              </a:ext>
+            </a:extLst>
+          </p:cNvPr>
+          <p:cNvSpPr>
+            <a:spLocks noGrp="1"/>
+          </p:cNvSpPr>
+          <p:nvPr>
+            <p:ph type="title"/>
+          </p:nvPr>
+        </p:nvSpPr>
+        <p:spPr>
+          <a:xfrm>
+            <a:off x="164626" y="113770"/>
+            <a:ext cx="7886700" cy="691448"/>
+          </a:xfrm>
+        </p:spPr>
+        <p:txBody>
+          <a:bodyPr/>
+          <a:lstStyle/>
+          <a:p>
+            <a:r>
+              <a:rPr lang="en-US" dirty="0"/>
+              <a:t>Big Idea 4: Computer Systems and Networks</a:t>
+            </a:r>
+          </a:p>
+        </p:txBody>
+      </p:sp>
+      <p:sp>
+        <p:nvSpPr>
+          <p:cNvPr id="3" name="Content Placeholder 2">
+            <a:extLst>
+              <a:ext uri="{FF2B5EF4-FFF2-40B4-BE49-F238E27FC236}">
+                <a16:creationId xmlns:a16="http://schemas.microsoft.com/office/drawing/2014/main" id="{3770FE9B-403E-D54D-910D-E86CFE4C2FAF}"/>
+              </a:ext>
+            </a:extLst>
+          </p:cNvPr>
+          <p:cNvSpPr>
+            <a:spLocks noGrp="1"/>
+          </p:cNvSpPr>
+          <p:nvPr>
+            <p:ph idx="1"/>
+          </p:nvPr>
+        </p:nvSpPr>
+        <p:spPr>
+          <a:xfrm>
+            <a:off x="164626" y="805218"/>
+            <a:ext cx="8814748" cy="4796012"/>
+          </a:xfrm>
+        </p:spPr>
+        <p:txBody>
+          <a:bodyPr/>
+          <a:lstStyle/>
+          <a:p>
+            <a:pPr marL="0" indent="0">
+              <a:buNone/>
+            </a:pPr>
+            <a:r>
+              <a:rPr lang="en-US" dirty="0"/>
+              <a:t>﻿Currently, we are switching between the fourth and sixth versions of the internet protocol. </a:t>
+            </a:r>
+          </a:p>
+          <a:p>
+            <a:pPr marL="0" indent="0">
+              <a:buNone/>
+            </a:pPr>
+            <a:endParaRPr lang="en-US" dirty="0"/>
+          </a:p>
+          <a:p>
+            <a:pPr marL="0" indent="0">
+              <a:buNone/>
+            </a:pPr>
+            <a:r>
+              <a:rPr lang="en-US" dirty="0"/>
+              <a:t>The fourth version (IPv4) uses 32 bits to store IP addresses. These 32 bits can hold 2^32 IP addresses. When multiplied out, 2^32 is actually 4,294,967,296 unique addresses. </a:t>
+            </a:r>
+          </a:p>
+          <a:p>
+            <a:pPr marL="0" indent="0">
+              <a:buNone/>
+            </a:pPr>
+            <a:endParaRPr lang="en-US" dirty="0"/>
+          </a:p>
+          <a:p>
+            <a:pPr marL="0" indent="0">
+              <a:buNone/>
+            </a:pPr>
+            <a:r>
+              <a:rPr lang="en-US" dirty="0"/>
+              <a:t>The newer version, IPv6, uses 128 bits, which can hold 2^128 IP addresses.</a:t>
+            </a:r>
+          </a:p>
+          <a:p>
+            <a:pPr marL="0" indent="0">
+              <a:buNone/>
+            </a:pPr>
+            <a:endParaRPr lang="en-US" b="1" dirty="0"/>
+          </a:p>
+          <a:p>
+            <a:pPr marL="0" indent="0">
+              <a:buNone/>
+            </a:pPr>
+            <a:r>
+              <a:rPr lang="en-US" b="1" dirty="0"/>
+              <a:t>﻿Transmission control protocol (TCP)</a:t>
+            </a:r>
+            <a:r>
+              <a:rPr lang="en-US" dirty="0"/>
+              <a:t> is a protocol that defines how computers send packets of data to each other. Data traveling in the internet is broken down into small chunks of data called </a:t>
+            </a:r>
+            <a:r>
+              <a:rPr lang="en-US" b="1" dirty="0"/>
+              <a:t>packets</a:t>
+            </a:r>
+            <a:r>
+              <a:rPr lang="en-US" dirty="0"/>
+              <a:t>. TCP protocols guide the rules on how data are subdivided into packets before transmission.</a:t>
+            </a:r>
+          </a:p>
+          <a:p>
+            <a:pPr marL="0" indent="0">
+              <a:buNone/>
+            </a:pPr>
+            <a:endParaRPr lang="en-US" dirty="0"/>
+          </a:p>
+        </p:txBody>
+      </p:sp>
+      <p:sp>
+        <p:nvSpPr>
+          <p:cNvPr id="4" name="Slide Number Placeholder 3">
+            <a:extLst>
+              <a:ext uri="{FF2B5EF4-FFF2-40B4-BE49-F238E27FC236}">
+                <a16:creationId xmlns:a16="http://schemas.microsoft.com/office/drawing/2014/main" id="{AD4E55E8-1CA4-A544-9032-E81BBD4E2B1F}"/>
+              </a:ext>
+            </a:extLst>
+          </p:cNvPr>
+          <p:cNvSpPr>
+            <a:spLocks noGrp="1"/>
+          </p:cNvSpPr>
+          <p:nvPr>
+            <p:ph type="sldNum" sz="quarter" idx="12"/>
+          </p:nvPr>
+        </p:nvSpPr>
+        <p:spPr/>
+        <p:txBody>
+          <a:bodyPr/>
+          <a:lstStyle/>
+          <a:p>
+            <a:fld id="{D57F1E4F-1CFF-5643-939E-02111984F565}" type="slidenum">
+              <a:rPr lang="en-US" smtClean="0"/>
+              <a:t>100</a:t>
+            </a:fld>
+            <a:endParaRPr lang="en-US" dirty="0"/>
+          </a:p>
+        </p:txBody>
+      </p:sp>
+    </p:spTree>
+    <p:extLst>
+      <p:ext uri="{BB962C8B-B14F-4D97-AF65-F5344CB8AC3E}">
+        <p14:creationId xmlns:p14="http://schemas.microsoft.com/office/powerpoint/2010/main" val="1963086115"/>
+      </p:ext>
+    </p:extLst>
+  </p:cSld>
+  <p:clrMapOvr>
+    <a:masterClrMapping/>
+  </p:clrMapOvr>
+  <p:timing>
+    <p:tnLst>
+      <p:par>
+        <p:cTn id="1" dur="indefinite" restart="never" nodeType="tmRoot">
+          <p:childTnLst>
+            <p:seq concurrent="1" nextAc="seek">
+              <p:cTn id="2" dur="indefinite" nodeType="mainSeq">
+                <p:childTnLst>
+                  <p:par>
+                    <p:cTn id="3" fill="hold">
+                      <p:stCondLst>
+                        <p:cond delay="indefinite"/>
+                      </p:stCondLst>
+                      <p:childTnLst>
+                        <p:par>
+                          <p:cTn id="4" fill="hold">
+                            <p:stCondLst>
+                              <p:cond delay="0"/>
+                            </p:stCondLst>
+                            <p:childTnLst>
+                              <p:par>
+                                <p:cTn id="5" presetID="1" presetClass="entr" presetSubtype="0" fill="hold" nodeType="clickEffect">
+                                  <p:stCondLst>
+                                    <p:cond delay="0"/>
+                                  </p:stCondLst>
+                                  <p:childTnLst>
+                                    <p:set>
+                                      <p:cBhvr>
+                                        <p:cTn id="6" dur="1" fill="hold">
+                                          <p:stCondLst>
+                                            <p:cond delay="0"/>
+                                          </p:stCondLst>
+                                        </p:cTn>
+                                        <p:tgtEl>
+                                          <p:spTgt spid="3">
+                                            <p:txEl>
+                                              <p:pRg st="2" end="2"/>
+                                            </p:txEl>
+                                          </p:spTgt>
+                                        </p:tgtEl>
+                                        <p:attrNameLst>
+                                          <p:attrName>style.visibility</p:attrName>
+                                        </p:attrNameLst>
+                                      </p:cBhvr>
+                                      <p:to>
+                                        <p:strVal val="visible"/>
+                                      </p:to>
+                                    </p:set>
+                                  </p:childTnLst>
+                                </p:cTn>
+                              </p:par>
+                            </p:childTnLst>
+                          </p:cTn>
+                        </p:par>
+                      </p:childTnLst>
+                    </p:cTn>
+                  </p:par>
+                  <p:par>
+                    <p:cTn id="7" fill="hold">
+                      <p:stCondLst>
+                        <p:cond delay="indefinite"/>
+                      </p:stCondLst>
+                      <p:childTnLst>
+                        <p:par>
+                          <p:cTn id="8" fill="hold">
+                            <p:stCondLst>
+                              <p:cond delay="0"/>
+                            </p:stCondLst>
+                            <p:childTnLst>
+                              <p:par>
+                                <p:cTn id="9" presetID="1" presetClass="entr" presetSubtype="0" fill="hold" nodeType="clickEffect">
+                                  <p:stCondLst>
+                                    <p:cond delay="0"/>
+                                  </p:stCondLst>
+                                  <p:childTnLst>
+                                    <p:set>
+                                      <p:cBhvr>
+                                        <p:cTn id="10" dur="1" fill="hold">
+                                          <p:stCondLst>
+                                            <p:cond delay="0"/>
+                                          </p:stCondLst>
+                                        </p:cTn>
+                                        <p:tgtEl>
+                                          <p:spTgt spid="3">
+                                            <p:txEl>
+                                              <p:pRg st="4" end="4"/>
+                                            </p:txEl>
+                                          </p:spTgt>
+                                        </p:tgtEl>
+                                        <p:attrNameLst>
+                                          <p:attrName>style.visibility</p:attrName>
+                                        </p:attrNameLst>
+                                      </p:cBhvr>
+                                      <p:to>
+                                        <p:strVal val="visible"/>
+                                      </p:to>
+                                    </p:set>
+                                  </p:childTnLst>
+                                </p:cTn>
+                              </p:par>
+                            </p:childTnLst>
+                          </p:cTn>
+                        </p:par>
+                      </p:childTnLst>
+                    </p:cTn>
+                  </p:par>
+                  <p:par>
+                    <p:cTn id="11" fill="hold">
+                      <p:stCondLst>
+                        <p:cond delay="indefinite"/>
+                      </p:stCondLst>
+                      <p:childTnLst>
+                        <p:par>
+                          <p:cTn id="12" fill="hold">
+                            <p:stCondLst>
+                              <p:cond delay="0"/>
+                            </p:stCondLst>
+                            <p:childTnLst>
+                              <p:par>
+                                <p:cTn id="13" presetID="1" presetClass="entr" presetSubtype="0" fill="hold" nodeType="clickEffect">
+                                  <p:stCondLst>
+                                    <p:cond delay="0"/>
+                                  </p:stCondLst>
+                                  <p:childTnLst>
+                                    <p:set>
+                                      <p:cBhvr>
+                                        <p:cTn id="14" dur="1" fill="hold">
+                                          <p:stCondLst>
+                                            <p:cond delay="0"/>
+                                          </p:stCondLst>
+                                        </p:cTn>
+                                        <p:tgtEl>
+                                          <p:spTgt spid="3">
+                                            <p:txEl>
+                                              <p:pRg st="6" end="6"/>
+                                            </p:txEl>
+                                          </p:spTgt>
+                                        </p:tgtEl>
+                                        <p:attrNameLst>
+                                          <p:attrName>style.visibility</p:attrName>
+                                        </p:attrNameLst>
+                                      </p:cBhvr>
+                                      <p:to>
+                                        <p:strVal val="visible"/>
+                                      </p:to>
+                                    </p:set>
+                                  </p:childTnLst>
+                                </p:cTn>
+                              </p:par>
+                            </p:childTnLst>
+                          </p:cTn>
+                        </p:par>
+                      </p:childTnLst>
+                    </p:cTn>
+                  </p:par>
+                </p:childTnLst>
+              </p:cTn>
+              <p:prevCondLst>
+                <p:cond evt="onPrev" delay="0">
+                  <p:tgtEl>
+                    <p:sldTgt/>
+                  </p:tgtEl>
+                </p:cond>
+              </p:prevCondLst>
+              <p:nextCondLst>
+                <p:cond evt="onNext" delay="0">
+                  <p:tgtEl>
+                    <p:sldTgt/>
+                  </p:tgtEl>
+                </p:cond>
+              </p:nextCondLst>
+            </p:seq>
+          </p:childTnLst>
+        </p:cTn>
+      </p:par>
+    </p:tnLst>
+  </p:timing>
+</p:sld>
+</file>
+
+<file path=ppt/slides/slide101.xml><?xml version="1.0" encoding="utf-8"?>
+<p:sld xmlns:a="http://schemas.openxmlformats.org/drawingml/2006/main" xmlns:r="http://schemas.openxmlformats.org/officeDocument/2006/relationships" xmlns:p="http://schemas.openxmlformats.org/presentationml/2006/main">
+  <p:cSld>
+    <p:spTree>
+      <p:nvGrpSpPr>
+        <p:cNvPr id="1" name=""/>
+        <p:cNvGrpSpPr/>
+        <p:nvPr/>
+      </p:nvGrpSpPr>
+      <p:grpSpPr>
+        <a:xfrm>
+          <a:off x="0" y="0"/>
+          <a:ext cx="0" cy="0"/>
+          <a:chOff x="0" y="0"/>
+          <a:chExt cx="0" cy="0"/>
+        </a:xfrm>
+      </p:grpSpPr>
+      <p:sp>
+        <p:nvSpPr>
+          <p:cNvPr id="2" name="Title 1">
+            <a:extLst>
+              <a:ext uri="{FF2B5EF4-FFF2-40B4-BE49-F238E27FC236}">
+                <a16:creationId xmlns:a16="http://schemas.microsoft.com/office/drawing/2014/main" id="{7EBA3FED-EEF1-464C-A9A0-7EBDB1DA46E8}"/>
+              </a:ext>
+            </a:extLst>
+          </p:cNvPr>
+          <p:cNvSpPr>
+            <a:spLocks noGrp="1"/>
+          </p:cNvSpPr>
+          <p:nvPr>
+            <p:ph type="title"/>
+          </p:nvPr>
+        </p:nvSpPr>
+        <p:spPr>
+          <a:xfrm>
+            <a:off x="164626" y="113770"/>
+            <a:ext cx="7886700" cy="691448"/>
+          </a:xfrm>
+        </p:spPr>
+        <p:txBody>
+          <a:bodyPr/>
+          <a:lstStyle/>
+          <a:p>
+            <a:r>
+              <a:rPr lang="en-US" dirty="0"/>
+              <a:t>Big Idea 4: Computer Systems and Networks</a:t>
+            </a:r>
+          </a:p>
+        </p:txBody>
+      </p:sp>
+      <p:sp>
+        <p:nvSpPr>
+          <p:cNvPr id="3" name="Content Placeholder 2">
+            <a:extLst>
+              <a:ext uri="{FF2B5EF4-FFF2-40B4-BE49-F238E27FC236}">
+                <a16:creationId xmlns:a16="http://schemas.microsoft.com/office/drawing/2014/main" id="{3770FE9B-403E-D54D-910D-E86CFE4C2FAF}"/>
+              </a:ext>
+            </a:extLst>
+          </p:cNvPr>
+          <p:cNvSpPr>
+            <a:spLocks noGrp="1"/>
+          </p:cNvSpPr>
+          <p:nvPr>
+            <p:ph idx="1"/>
+          </p:nvPr>
+        </p:nvSpPr>
+        <p:spPr>
+          <a:xfrm>
+            <a:off x="164626" y="805218"/>
+            <a:ext cx="8814748" cy="4796012"/>
+          </a:xfrm>
+        </p:spPr>
+        <p:txBody>
+          <a:bodyPr/>
+          <a:lstStyle/>
+          <a:p>
+            <a:pPr marL="0" indent="0">
+              <a:buNone/>
+            </a:pPr>
+            <a:r>
+              <a:rPr lang="en-US" b="1" dirty="0"/>
+              <a:t>﻿User datagram protocol (UDP)</a:t>
+            </a:r>
+            <a:r>
+              <a:rPr lang="en-US" dirty="0"/>
+              <a:t> is a protocol that allows computer applications to send messages without checking for missing packets to save on time needed to retransmit missing packets. UDP is not as reliable as TCP, which does resend packets lost when transmitting.</a:t>
+            </a:r>
+          </a:p>
+          <a:p>
+            <a:pPr marL="0" indent="0">
+              <a:buNone/>
+            </a:pPr>
+            <a:endParaRPr lang="en-US" dirty="0"/>
+          </a:p>
+          <a:p>
+            <a:pPr marL="0" indent="0">
+              <a:buNone/>
+            </a:pPr>
+            <a:r>
+              <a:rPr lang="en-US" dirty="0"/>
+              <a:t>﻿The internet has been engineered to be </a:t>
+            </a:r>
+            <a:r>
+              <a:rPr lang="en-US" b="1" dirty="0"/>
+              <a:t>fault tolerant</a:t>
+            </a:r>
+            <a:r>
+              <a:rPr lang="en-US" dirty="0"/>
+              <a:t>. If a system fails, a different path can be chosen between the sending computer and the receiving computer. </a:t>
+            </a:r>
+          </a:p>
+          <a:p>
+            <a:pPr marL="0" indent="0">
+              <a:buNone/>
+            </a:pPr>
+            <a:endParaRPr lang="en-US" dirty="0"/>
+          </a:p>
+          <a:p>
+            <a:pPr marL="0" indent="0">
+              <a:buNone/>
+            </a:pPr>
+            <a:r>
+              <a:rPr lang="en-US" b="1" dirty="0"/>
+              <a:t>Redundancy</a:t>
+            </a:r>
+            <a:r>
+              <a:rPr lang="en-US" dirty="0"/>
+              <a:t> is the inclusion of extra paths that can mitigate the failure of a system if other components fail. This is important because elements can fail at any time, and fault tolerance allows users to continue to use the network.</a:t>
+            </a:r>
+          </a:p>
+          <a:p>
+            <a:pPr marL="0" indent="0">
+              <a:buNone/>
+            </a:pPr>
+            <a:endParaRPr lang="en-US" dirty="0"/>
+          </a:p>
+          <a:p>
+            <a:pPr marL="0" indent="0">
+              <a:buNone/>
+            </a:pPr>
+            <a:endParaRPr lang="en-US" dirty="0"/>
+          </a:p>
+        </p:txBody>
+      </p:sp>
+      <p:sp>
+        <p:nvSpPr>
+          <p:cNvPr id="4" name="Slide Number Placeholder 3">
+            <a:extLst>
+              <a:ext uri="{FF2B5EF4-FFF2-40B4-BE49-F238E27FC236}">
+                <a16:creationId xmlns:a16="http://schemas.microsoft.com/office/drawing/2014/main" id="{AD4E55E8-1CA4-A544-9032-E81BBD4E2B1F}"/>
+              </a:ext>
+            </a:extLst>
+          </p:cNvPr>
+          <p:cNvSpPr>
+            <a:spLocks noGrp="1"/>
+          </p:cNvSpPr>
+          <p:nvPr>
+            <p:ph type="sldNum" sz="quarter" idx="12"/>
+          </p:nvPr>
+        </p:nvSpPr>
+        <p:spPr/>
+        <p:txBody>
+          <a:bodyPr/>
+          <a:lstStyle/>
+          <a:p>
+            <a:fld id="{D57F1E4F-1CFF-5643-939E-02111984F565}" type="slidenum">
+              <a:rPr lang="en-US" smtClean="0"/>
+              <a:t>101</a:t>
+            </a:fld>
+            <a:endParaRPr lang="en-US" dirty="0"/>
+          </a:p>
+        </p:txBody>
+      </p:sp>
+    </p:spTree>
+    <p:extLst>
+      <p:ext uri="{BB962C8B-B14F-4D97-AF65-F5344CB8AC3E}">
+        <p14:creationId xmlns:p14="http://schemas.microsoft.com/office/powerpoint/2010/main" val="4142331081"/>
+      </p:ext>
+    </p:extLst>
+  </p:cSld>
+  <p:clrMapOvr>
+    <a:masterClrMapping/>
+  </p:clrMapOvr>
+  <p:timing>
+    <p:tnLst>
+      <p:par>
+        <p:cTn id="1" dur="indefinite" restart="never" nodeType="tmRoot">
+          <p:childTnLst>
+            <p:seq concurrent="1" nextAc="seek">
+              <p:cTn id="2" dur="indefinite" nodeType="mainSeq">
+                <p:childTnLst>
+                  <p:par>
+                    <p:cTn id="3" fill="hold">
+                      <p:stCondLst>
+                        <p:cond delay="indefinite"/>
+                      </p:stCondLst>
+                      <p:childTnLst>
+                        <p:par>
+                          <p:cTn id="4" fill="hold">
+                            <p:stCondLst>
+                              <p:cond delay="0"/>
+                            </p:stCondLst>
+                            <p:childTnLst>
+                              <p:par>
+                                <p:cTn id="5" presetID="1" presetClass="entr" presetSubtype="0" fill="hold" nodeType="clickEffect">
+                                  <p:stCondLst>
+                                    <p:cond delay="0"/>
+                                  </p:stCondLst>
+                                  <p:childTnLst>
+                                    <p:set>
+                                      <p:cBhvr>
+                                        <p:cTn id="6" dur="1" fill="hold">
+                                          <p:stCondLst>
+                                            <p:cond delay="0"/>
+                                          </p:stCondLst>
+                                        </p:cTn>
+                                        <p:tgtEl>
+                                          <p:spTgt spid="3">
+                                            <p:txEl>
+                                              <p:pRg st="2" end="2"/>
+                                            </p:txEl>
+                                          </p:spTgt>
+                                        </p:tgtEl>
+                                        <p:attrNameLst>
+                                          <p:attrName>style.visibility</p:attrName>
+                                        </p:attrNameLst>
+                                      </p:cBhvr>
+                                      <p:to>
+                                        <p:strVal val="visible"/>
+                                      </p:to>
+                                    </p:set>
+                                  </p:childTnLst>
+                                </p:cTn>
+                              </p:par>
+                            </p:childTnLst>
+                          </p:cTn>
+                        </p:par>
+                      </p:childTnLst>
+                    </p:cTn>
+                  </p:par>
+                  <p:par>
+                    <p:cTn id="7" fill="hold">
+                      <p:stCondLst>
+                        <p:cond delay="indefinite"/>
+                      </p:stCondLst>
+                      <p:childTnLst>
+                        <p:par>
+                          <p:cTn id="8" fill="hold">
+                            <p:stCondLst>
+                              <p:cond delay="0"/>
+                            </p:stCondLst>
+                            <p:childTnLst>
+                              <p:par>
+                                <p:cTn id="9" presetID="1" presetClass="entr" presetSubtype="0" fill="hold" nodeType="clickEffect">
+                                  <p:stCondLst>
+                                    <p:cond delay="0"/>
+                                  </p:stCondLst>
+                                  <p:childTnLst>
+                                    <p:set>
+                                      <p:cBhvr>
+                                        <p:cTn id="10" dur="1" fill="hold">
+                                          <p:stCondLst>
+                                            <p:cond delay="0"/>
+                                          </p:stCondLst>
+                                        </p:cTn>
+                                        <p:tgtEl>
+                                          <p:spTgt spid="3">
+                                            <p:txEl>
+                                              <p:pRg st="4" end="4"/>
+                                            </p:txEl>
+                                          </p:spTgt>
+                                        </p:tgtEl>
+                                        <p:attrNameLst>
+                                          <p:attrName>style.visibility</p:attrName>
+                                        </p:attrNameLst>
+                                      </p:cBhvr>
+                                      <p:to>
+                                        <p:strVal val="visible"/>
+                                      </p:to>
+                                    </p:set>
+                                  </p:childTnLst>
+                                </p:cTn>
+                              </p:par>
+                            </p:childTnLst>
+                          </p:cTn>
+                        </p:par>
+                      </p:childTnLst>
+                    </p:cTn>
+                  </p:par>
+                </p:childTnLst>
+              </p:cTn>
+              <p:prevCondLst>
+                <p:cond evt="onPrev" delay="0">
+                  <p:tgtEl>
+                    <p:sldTgt/>
+                  </p:tgtEl>
+                </p:cond>
+              </p:prevCondLst>
+              <p:nextCondLst>
+                <p:cond evt="onNext" delay="0">
+                  <p:tgtEl>
+                    <p:sldTgt/>
+                  </p:tgtEl>
+                </p:cond>
+              </p:nextCondLst>
+            </p:seq>
+          </p:childTnLst>
+        </p:cTn>
+      </p:par>
+    </p:tnLst>
+  </p:timing>
+</p:sld>
+</file>
+
+<file path=ppt/slides/slide102.xml><?xml version="1.0" encoding="utf-8"?>
+<p:sld xmlns:a="http://schemas.openxmlformats.org/drawingml/2006/main" xmlns:r="http://schemas.openxmlformats.org/officeDocument/2006/relationships" xmlns:p="http://schemas.openxmlformats.org/presentationml/2006/main">
+  <p:cSld>
+    <p:spTree>
+      <p:nvGrpSpPr>
+        <p:cNvPr id="1" name=""/>
+        <p:cNvGrpSpPr/>
+        <p:nvPr/>
+      </p:nvGrpSpPr>
+      <p:grpSpPr>
+        <a:xfrm>
+          <a:off x="0" y="0"/>
+          <a:ext cx="0" cy="0"/>
+          <a:chOff x="0" y="0"/>
+          <a:chExt cx="0" cy="0"/>
+        </a:xfrm>
+      </p:grpSpPr>
+      <p:sp>
+        <p:nvSpPr>
+          <p:cNvPr id="2" name="Title 1">
+            <a:extLst>
+              <a:ext uri="{FF2B5EF4-FFF2-40B4-BE49-F238E27FC236}">
+                <a16:creationId xmlns:a16="http://schemas.microsoft.com/office/drawing/2014/main" id="{7EBA3FED-EEF1-464C-A9A0-7EBDB1DA46E8}"/>
+              </a:ext>
+            </a:extLst>
+          </p:cNvPr>
+          <p:cNvSpPr>
+            <a:spLocks noGrp="1"/>
+          </p:cNvSpPr>
+          <p:nvPr>
+            <p:ph type="title"/>
+          </p:nvPr>
+        </p:nvSpPr>
+        <p:spPr>
+          <a:xfrm>
+            <a:off x="164626" y="113770"/>
+            <a:ext cx="7886700" cy="691448"/>
+          </a:xfrm>
+        </p:spPr>
+        <p:txBody>
+          <a:bodyPr/>
+          <a:lstStyle/>
+          <a:p>
+            <a:r>
+              <a:rPr lang="en-US" dirty="0"/>
+              <a:t>Big Idea 4: Computer Systems and Networks</a:t>
+            </a:r>
+          </a:p>
+        </p:txBody>
+      </p:sp>
+      <p:sp>
+        <p:nvSpPr>
+          <p:cNvPr id="3" name="Content Placeholder 2">
+            <a:extLst>
+              <a:ext uri="{FF2B5EF4-FFF2-40B4-BE49-F238E27FC236}">
+                <a16:creationId xmlns:a16="http://schemas.microsoft.com/office/drawing/2014/main" id="{3770FE9B-403E-D54D-910D-E86CFE4C2FAF}"/>
+              </a:ext>
+            </a:extLst>
+          </p:cNvPr>
+          <p:cNvSpPr>
+            <a:spLocks noGrp="1"/>
+          </p:cNvSpPr>
+          <p:nvPr>
+            <p:ph idx="1"/>
+          </p:nvPr>
+        </p:nvSpPr>
+        <p:spPr>
+          <a:xfrm>
+            <a:off x="164626" y="805218"/>
+            <a:ext cx="8814748" cy="4796012"/>
+          </a:xfrm>
+        </p:spPr>
+        <p:txBody>
+          <a:bodyPr/>
+          <a:lstStyle/>
+          <a:p>
+            <a:pPr marL="0" indent="0">
+              <a:buNone/>
+            </a:pPr>
+            <a:r>
+              <a:rPr lang="en-US" dirty="0"/>
+              <a:t>﻿The </a:t>
+            </a:r>
+            <a:r>
+              <a:rPr lang="en-US" b="1" dirty="0"/>
+              <a:t>internet</a:t>
+            </a:r>
+            <a:r>
+              <a:rPr lang="en-US" dirty="0"/>
+              <a:t> refers to the hardware. It is made up of the computers, cables, routers, and many more components that make up the entire network. It is a global decentralized network connecting millions of computers. </a:t>
+            </a:r>
+          </a:p>
+          <a:p>
+            <a:pPr marL="0" indent="0">
+              <a:buNone/>
+            </a:pPr>
+            <a:endParaRPr lang="en-US" dirty="0"/>
+          </a:p>
+          <a:p>
+            <a:pPr marL="0" indent="0">
+              <a:buNone/>
+            </a:pPr>
+            <a:r>
+              <a:rPr lang="en-US" dirty="0"/>
+              <a:t>The </a:t>
+            </a:r>
+            <a:r>
+              <a:rPr lang="en-US" b="1" dirty="0"/>
+              <a:t>World Wide Web</a:t>
+            </a:r>
+            <a:r>
+              <a:rPr lang="en-US" dirty="0"/>
+              <a:t>, in contrast, refers to the software used on the internet. HTTP is a protocol used by the World Wide Web to transmit data. </a:t>
+            </a:r>
+          </a:p>
+          <a:p>
+            <a:pPr marL="0" indent="0">
+              <a:buNone/>
+            </a:pPr>
+            <a:endParaRPr lang="en-US" dirty="0"/>
+          </a:p>
+          <a:p>
+            <a:pPr marL="0" indent="0">
+              <a:buNone/>
+            </a:pPr>
+            <a:r>
+              <a:rPr lang="en-US" dirty="0"/>
+              <a:t>The internet allows access to the World Wide Web, which is a system of linked pages, programs, and files.</a:t>
+            </a:r>
+          </a:p>
+          <a:p>
+            <a:pPr marL="0" indent="0">
+              <a:buNone/>
+            </a:pPr>
+            <a:endParaRPr lang="en-US" dirty="0"/>
+          </a:p>
+        </p:txBody>
+      </p:sp>
+      <p:sp>
+        <p:nvSpPr>
+          <p:cNvPr id="4" name="Slide Number Placeholder 3">
+            <a:extLst>
+              <a:ext uri="{FF2B5EF4-FFF2-40B4-BE49-F238E27FC236}">
+                <a16:creationId xmlns:a16="http://schemas.microsoft.com/office/drawing/2014/main" id="{AD4E55E8-1CA4-A544-9032-E81BBD4E2B1F}"/>
+              </a:ext>
+            </a:extLst>
+          </p:cNvPr>
+          <p:cNvSpPr>
+            <a:spLocks noGrp="1"/>
+          </p:cNvSpPr>
+          <p:nvPr>
+            <p:ph type="sldNum" sz="quarter" idx="12"/>
+          </p:nvPr>
+        </p:nvSpPr>
+        <p:spPr/>
+        <p:txBody>
+          <a:bodyPr/>
+          <a:lstStyle/>
+          <a:p>
+            <a:fld id="{D57F1E4F-1CFF-5643-939E-02111984F565}" type="slidenum">
+              <a:rPr lang="en-US" smtClean="0"/>
+              <a:t>102</a:t>
+            </a:fld>
+            <a:endParaRPr lang="en-US" dirty="0"/>
+          </a:p>
+        </p:txBody>
+      </p:sp>
+    </p:spTree>
+    <p:extLst>
+      <p:ext uri="{BB962C8B-B14F-4D97-AF65-F5344CB8AC3E}">
+        <p14:creationId xmlns:p14="http://schemas.microsoft.com/office/powerpoint/2010/main" val="3550438817"/>
+      </p:ext>
+    </p:extLst>
+  </p:cSld>
+  <p:clrMapOvr>
+    <a:masterClrMapping/>
+  </p:clrMapOvr>
+  <p:timing>
+    <p:tnLst>
+      <p:par>
+        <p:cTn id="1" dur="indefinite" restart="never" nodeType="tmRoot">
+          <p:childTnLst>
+            <p:seq concurrent="1" nextAc="seek">
+              <p:cTn id="2" dur="indefinite" nodeType="mainSeq">
+                <p:childTnLst>
+                  <p:par>
+                    <p:cTn id="3" fill="hold">
+                      <p:stCondLst>
+                        <p:cond delay="indefinite"/>
+                      </p:stCondLst>
+                      <p:childTnLst>
+                        <p:par>
+                          <p:cTn id="4" fill="hold">
+                            <p:stCondLst>
+                              <p:cond delay="0"/>
+                            </p:stCondLst>
+                            <p:childTnLst>
+                              <p:par>
+                                <p:cTn id="5" presetID="1" presetClass="entr" presetSubtype="0" fill="hold" nodeType="clickEffect">
+                                  <p:stCondLst>
+                                    <p:cond delay="0"/>
+                                  </p:stCondLst>
+                                  <p:childTnLst>
+                                    <p:set>
+                                      <p:cBhvr>
+                                        <p:cTn id="6" dur="1" fill="hold">
+                                          <p:stCondLst>
+                                            <p:cond delay="0"/>
+                                          </p:stCondLst>
+                                        </p:cTn>
+                                        <p:tgtEl>
+                                          <p:spTgt spid="3">
+                                            <p:txEl>
+                                              <p:pRg st="2" end="2"/>
+                                            </p:txEl>
+                                          </p:spTgt>
+                                        </p:tgtEl>
+                                        <p:attrNameLst>
+                                          <p:attrName>style.visibility</p:attrName>
+                                        </p:attrNameLst>
+                                      </p:cBhvr>
+                                      <p:to>
+                                        <p:strVal val="visible"/>
+                                      </p:to>
+                                    </p:set>
+                                  </p:childTnLst>
+                                </p:cTn>
+                              </p:par>
+                            </p:childTnLst>
+                          </p:cTn>
+                        </p:par>
+                      </p:childTnLst>
+                    </p:cTn>
+                  </p:par>
+                  <p:par>
+                    <p:cTn id="7" fill="hold">
+                      <p:stCondLst>
+                        <p:cond delay="indefinite"/>
+                      </p:stCondLst>
+                      <p:childTnLst>
+                        <p:par>
+                          <p:cTn id="8" fill="hold">
+                            <p:stCondLst>
+                              <p:cond delay="0"/>
+                            </p:stCondLst>
+                            <p:childTnLst>
+                              <p:par>
+                                <p:cTn id="9" presetID="1" presetClass="entr" presetSubtype="0" fill="hold" nodeType="clickEffect">
+                                  <p:stCondLst>
+                                    <p:cond delay="0"/>
+                                  </p:stCondLst>
+                                  <p:childTnLst>
+                                    <p:set>
+                                      <p:cBhvr>
+                                        <p:cTn id="10" dur="1" fill="hold">
+                                          <p:stCondLst>
+                                            <p:cond delay="0"/>
+                                          </p:stCondLst>
+                                        </p:cTn>
+                                        <p:tgtEl>
+                                          <p:spTgt spid="3">
+                                            <p:txEl>
+                                              <p:pRg st="4" end="4"/>
+                                            </p:txEl>
+                                          </p:spTgt>
+                                        </p:tgtEl>
+                                        <p:attrNameLst>
+                                          <p:attrName>style.visibility</p:attrName>
+                                        </p:attrNameLst>
+                                      </p:cBhvr>
+                                      <p:to>
+                                        <p:strVal val="visible"/>
+                                      </p:to>
+                                    </p:set>
+                                  </p:childTnLst>
+                                </p:cTn>
+                              </p:par>
+                            </p:childTnLst>
+                          </p:cTn>
+                        </p:par>
+                      </p:childTnLst>
+                    </p:cTn>
+                  </p:par>
+                </p:childTnLst>
+              </p:cTn>
+              <p:prevCondLst>
+                <p:cond evt="onPrev" delay="0">
+                  <p:tgtEl>
+                    <p:sldTgt/>
+                  </p:tgtEl>
+                </p:cond>
+              </p:prevCondLst>
+              <p:nextCondLst>
+                <p:cond evt="onNext" delay="0">
+                  <p:tgtEl>
+                    <p:sldTgt/>
+                  </p:tgtEl>
+                </p:cond>
+              </p:nextCondLst>
+            </p:seq>
+          </p:childTnLst>
+        </p:cTn>
+      </p:par>
+    </p:tnLst>
+  </p:timing>
+</p:sld>
+</file>
+
+<file path=ppt/slides/slide103.xml><?xml version="1.0" encoding="utf-8"?>
+<p:sld xmlns:a="http://schemas.openxmlformats.org/drawingml/2006/main" xmlns:r="http://schemas.openxmlformats.org/officeDocument/2006/relationships" xmlns:p="http://schemas.openxmlformats.org/presentationml/2006/main">
+  <p:cSld>
+    <p:spTree>
+      <p:nvGrpSpPr>
+        <p:cNvPr id="1" name=""/>
+        <p:cNvGrpSpPr/>
+        <p:nvPr/>
+      </p:nvGrpSpPr>
+      <p:grpSpPr>
+        <a:xfrm>
+          <a:off x="0" y="0"/>
+          <a:ext cx="0" cy="0"/>
+          <a:chOff x="0" y="0"/>
+          <a:chExt cx="0" cy="0"/>
+        </a:xfrm>
+      </p:grpSpPr>
+      <p:sp>
+        <p:nvSpPr>
+          <p:cNvPr id="2" name="Title 1">
+            <a:extLst>
+              <a:ext uri="{FF2B5EF4-FFF2-40B4-BE49-F238E27FC236}">
+                <a16:creationId xmlns:a16="http://schemas.microsoft.com/office/drawing/2014/main" id="{7EBA3FED-EEF1-464C-A9A0-7EBDB1DA46E8}"/>
+              </a:ext>
+            </a:extLst>
+          </p:cNvPr>
+          <p:cNvSpPr>
+            <a:spLocks noGrp="1"/>
+          </p:cNvSpPr>
+          <p:nvPr>
+            <p:ph type="title"/>
+          </p:nvPr>
+        </p:nvSpPr>
+        <p:spPr>
+          <a:xfrm>
+            <a:off x="164626" y="113770"/>
+            <a:ext cx="7886700" cy="691448"/>
+          </a:xfrm>
+        </p:spPr>
+        <p:txBody>
+          <a:bodyPr/>
+          <a:lstStyle/>
+          <a:p>
+            <a:r>
+              <a:rPr lang="en-US" dirty="0"/>
+              <a:t>Big Idea 4: Computer Systems and Networks</a:t>
+            </a:r>
+          </a:p>
+        </p:txBody>
+      </p:sp>
+      <p:sp>
+        <p:nvSpPr>
+          <p:cNvPr id="3" name="Content Placeholder 2">
+            <a:extLst>
+              <a:ext uri="{FF2B5EF4-FFF2-40B4-BE49-F238E27FC236}">
+                <a16:creationId xmlns:a16="http://schemas.microsoft.com/office/drawing/2014/main" id="{3770FE9B-403E-D54D-910D-E86CFE4C2FAF}"/>
+              </a:ext>
+            </a:extLst>
+          </p:cNvPr>
+          <p:cNvSpPr>
+            <a:spLocks noGrp="1"/>
+          </p:cNvSpPr>
+          <p:nvPr>
+            <p:ph idx="1"/>
+          </p:nvPr>
+        </p:nvSpPr>
+        <p:spPr>
+          <a:xfrm>
+            <a:off x="164626" y="805218"/>
+            <a:ext cx="8814748" cy="4796012"/>
+          </a:xfrm>
+        </p:spPr>
+        <p:txBody>
+          <a:bodyPr/>
+          <a:lstStyle/>
+          <a:p>
+            <a:pPr marL="0" indent="0">
+              <a:buNone/>
+            </a:pPr>
+            <a:r>
+              <a:rPr lang="en-US" dirty="0"/>
+              <a:t>﻿</a:t>
+            </a:r>
+            <a:r>
+              <a:rPr lang="en-US" b="1" dirty="0"/>
+              <a:t>Sequential computing </a:t>
+            </a:r>
+            <a:r>
+              <a:rPr lang="en-US" dirty="0"/>
+              <a:t>is a computational model in which operations are performed in order one at a time. A sequential solution takes as long as the sum of all of the steps. </a:t>
+            </a:r>
+          </a:p>
+          <a:p>
+            <a:pPr marL="0" indent="0">
+              <a:buNone/>
+            </a:pPr>
+            <a:endParaRPr lang="en-US" dirty="0"/>
+          </a:p>
+          <a:p>
+            <a:pPr marL="0" indent="0">
+              <a:buNone/>
+            </a:pPr>
+            <a:endParaRPr lang="en-US" dirty="0"/>
+          </a:p>
+          <a:p>
+            <a:pPr marL="0" indent="0">
+              <a:buNone/>
+            </a:pPr>
+            <a:endParaRPr lang="en-US" dirty="0"/>
+          </a:p>
+          <a:p>
+            <a:pPr marL="0" indent="0">
+              <a:buNone/>
+            </a:pPr>
+            <a:endParaRPr lang="en-US" dirty="0"/>
+          </a:p>
+          <a:p>
+            <a:pPr marL="0" indent="0">
+              <a:buNone/>
+            </a:pPr>
+            <a:endParaRPr lang="en-US" dirty="0"/>
+          </a:p>
+          <a:p>
+            <a:pPr marL="0" indent="0">
+              <a:buNone/>
+            </a:pPr>
+            <a:endParaRPr lang="en-US" dirty="0"/>
+          </a:p>
+          <a:p>
+            <a:pPr marL="0" indent="0">
+              <a:buNone/>
+            </a:pPr>
+            <a:r>
+              <a:rPr lang="en-US" dirty="0"/>
+              <a:t>﻿A sequential computing solution takes as long as the sum of all its steps. In the above example, the total processing time is 4 + 1 + 6 + 2 + 3 + 1 + 5 + 1 = 23 seconds.</a:t>
+            </a:r>
+          </a:p>
+          <a:p>
+            <a:pPr marL="0" indent="0">
+              <a:buNone/>
+            </a:pPr>
+            <a:endParaRPr lang="en-US" dirty="0"/>
+          </a:p>
+        </p:txBody>
+      </p:sp>
+      <p:sp>
+        <p:nvSpPr>
+          <p:cNvPr id="4" name="Slide Number Placeholder 3">
+            <a:extLst>
+              <a:ext uri="{FF2B5EF4-FFF2-40B4-BE49-F238E27FC236}">
+                <a16:creationId xmlns:a16="http://schemas.microsoft.com/office/drawing/2014/main" id="{AD4E55E8-1CA4-A544-9032-E81BBD4E2B1F}"/>
+              </a:ext>
+            </a:extLst>
+          </p:cNvPr>
+          <p:cNvSpPr>
+            <a:spLocks noGrp="1"/>
+          </p:cNvSpPr>
+          <p:nvPr>
+            <p:ph type="sldNum" sz="quarter" idx="12"/>
+          </p:nvPr>
+        </p:nvSpPr>
+        <p:spPr/>
+        <p:txBody>
+          <a:bodyPr/>
+          <a:lstStyle/>
+          <a:p>
+            <a:fld id="{D57F1E4F-1CFF-5643-939E-02111984F565}" type="slidenum">
+              <a:rPr lang="en-US" smtClean="0"/>
+              <a:t>103</a:t>
+            </a:fld>
+            <a:endParaRPr lang="en-US" dirty="0"/>
+          </a:p>
+        </p:txBody>
+      </p:sp>
+      <p:pic>
+        <p:nvPicPr>
+          <p:cNvPr id="5" name="Picture 4">
+            <a:extLst>
+              <a:ext uri="{FF2B5EF4-FFF2-40B4-BE49-F238E27FC236}">
+                <a16:creationId xmlns:a16="http://schemas.microsoft.com/office/drawing/2014/main" id="{F1E7E57D-4CDC-AC45-8FB0-5FFC1FAAD931}"/>
+              </a:ext>
+            </a:extLst>
+          </p:cNvPr>
+          <p:cNvPicPr>
+            <a:picLocks noChangeAspect="1"/>
+          </p:cNvPicPr>
+          <p:nvPr/>
+        </p:nvPicPr>
+        <p:blipFill>
+          <a:blip r:embed="rId2"/>
+          <a:stretch>
+            <a:fillRect/>
+          </a:stretch>
+        </p:blipFill>
+        <p:spPr>
+          <a:xfrm>
+            <a:off x="942490" y="1776957"/>
+            <a:ext cx="7108836" cy="2161086"/>
+          </a:xfrm>
+          <a:prstGeom prst="rect">
+            <a:avLst/>
+          </a:prstGeom>
+        </p:spPr>
+      </p:pic>
+    </p:spTree>
+    <p:extLst>
+      <p:ext uri="{BB962C8B-B14F-4D97-AF65-F5344CB8AC3E}">
+        <p14:creationId xmlns:p14="http://schemas.microsoft.com/office/powerpoint/2010/main" val="1723668777"/>
+      </p:ext>
+    </p:extLst>
+  </p:cSld>
+  <p:clrMapOvr>
+    <a:masterClrMapping/>
+  </p:clrMapOvr>
+  <p:timing>
+    <p:tnLst>
+      <p:par>
+        <p:cTn id="1" dur="indefinite" restart="never" nodeType="tmRoot">
+          <p:childTnLst>
+            <p:seq concurrent="1" nextAc="seek">
+              <p:cTn id="2" dur="indefinite" nodeType="mainSeq">
+                <p:childTnLst>
+                  <p:par>
+                    <p:cTn id="3" fill="hold">
+                      <p:stCondLst>
+                        <p:cond delay="indefinite"/>
+                      </p:stCondLst>
+                      <p:childTnLst>
+                        <p:par>
+                          <p:cTn id="4" fill="hold">
+                            <p:stCondLst>
+                              <p:cond delay="0"/>
+                            </p:stCondLst>
+                            <p:childTnLst>
+                              <p:par>
+                                <p:cTn id="5" presetID="1" presetClass="entr" presetSubtype="0" fill="hold" nodeType="clickEffect">
+                                  <p:stCondLst>
+                                    <p:cond delay="0"/>
+                                  </p:stCondLst>
+                                  <p:childTnLst>
+                                    <p:set>
+                                      <p:cBhvr>
+                                        <p:cTn id="6" dur="1" fill="hold">
+                                          <p:stCondLst>
+                                            <p:cond delay="0"/>
+                                          </p:stCondLst>
+                                        </p:cTn>
+                                        <p:tgtEl>
+                                          <p:spTgt spid="5"/>
+                                        </p:tgtEl>
+                                        <p:attrNameLst>
+                                          <p:attrName>style.visibility</p:attrName>
+                                        </p:attrNameLst>
+                                      </p:cBhvr>
+                                      <p:to>
+                                        <p:strVal val="visible"/>
+                                      </p:to>
+                                    </p:set>
+                                  </p:childTnLst>
+                                </p:cTn>
+                              </p:par>
+                            </p:childTnLst>
+                          </p:cTn>
+                        </p:par>
+                      </p:childTnLst>
+                    </p:cTn>
+                  </p:par>
+                  <p:par>
+                    <p:cTn id="7" fill="hold">
+                      <p:stCondLst>
+                        <p:cond delay="indefinite"/>
+                      </p:stCondLst>
+                      <p:childTnLst>
+                        <p:par>
+                          <p:cTn id="8" fill="hold">
+                            <p:stCondLst>
+                              <p:cond delay="0"/>
+                            </p:stCondLst>
+                            <p:childTnLst>
+                              <p:par>
+                                <p:cTn id="9" presetID="1" presetClass="entr" presetSubtype="0" fill="hold" nodeType="clickEffect">
+                                  <p:stCondLst>
+                                    <p:cond delay="0"/>
+                                  </p:stCondLst>
+                                  <p:childTnLst>
+                                    <p:set>
+                                      <p:cBhvr>
+                                        <p:cTn id="10" dur="1" fill="hold">
+                                          <p:stCondLst>
+                                            <p:cond delay="0"/>
+                                          </p:stCondLst>
+                                        </p:cTn>
+                                        <p:tgtEl>
+                                          <p:spTgt spid="3">
+                                            <p:txEl>
+                                              <p:pRg st="7" end="7"/>
+                                            </p:txEl>
+                                          </p:spTgt>
+                                        </p:tgtEl>
+                                        <p:attrNameLst>
+                                          <p:attrName>style.visibility</p:attrName>
+                                        </p:attrNameLst>
+                                      </p:cBhvr>
+                                      <p:to>
+                                        <p:strVal val="visible"/>
+                                      </p:to>
+                                    </p:set>
+                                  </p:childTnLst>
+                                </p:cTn>
+                              </p:par>
+                            </p:childTnLst>
+                          </p:cTn>
+                        </p:par>
+                      </p:childTnLst>
+                    </p:cTn>
+                  </p:par>
+                </p:childTnLst>
+              </p:cTn>
+              <p:prevCondLst>
+                <p:cond evt="onPrev" delay="0">
+                  <p:tgtEl>
+                    <p:sldTgt/>
+                  </p:tgtEl>
+                </p:cond>
+              </p:prevCondLst>
+              <p:nextCondLst>
+                <p:cond evt="onNext" delay="0">
+                  <p:tgtEl>
+                    <p:sldTgt/>
+                  </p:tgtEl>
+                </p:cond>
+              </p:nextCondLst>
+            </p:seq>
+          </p:childTnLst>
+        </p:cTn>
+      </p:par>
+    </p:tnLst>
+  </p:timing>
+</p:sld>
+</file>
+
+<file path=ppt/slides/slide104.xml><?xml version="1.0" encoding="utf-8"?>
+<p:sld xmlns:a="http://schemas.openxmlformats.org/drawingml/2006/main" xmlns:r="http://schemas.openxmlformats.org/officeDocument/2006/relationships" xmlns:p="http://schemas.openxmlformats.org/presentationml/2006/main">
+  <p:cSld>
+    <p:spTree>
+      <p:nvGrpSpPr>
+        <p:cNvPr id="1" name=""/>
+        <p:cNvGrpSpPr/>
+        <p:nvPr/>
+      </p:nvGrpSpPr>
+      <p:grpSpPr>
+        <a:xfrm>
+          <a:off x="0" y="0"/>
+          <a:ext cx="0" cy="0"/>
+          <a:chOff x="0" y="0"/>
+          <a:chExt cx="0" cy="0"/>
+        </a:xfrm>
+      </p:grpSpPr>
+      <p:sp>
+        <p:nvSpPr>
+          <p:cNvPr id="2" name="Title 1">
+            <a:extLst>
+              <a:ext uri="{FF2B5EF4-FFF2-40B4-BE49-F238E27FC236}">
+                <a16:creationId xmlns:a16="http://schemas.microsoft.com/office/drawing/2014/main" id="{7EBA3FED-EEF1-464C-A9A0-7EBDB1DA46E8}"/>
+              </a:ext>
+            </a:extLst>
+          </p:cNvPr>
+          <p:cNvSpPr>
+            <a:spLocks noGrp="1"/>
+          </p:cNvSpPr>
+          <p:nvPr>
+            <p:ph type="title"/>
+          </p:nvPr>
+        </p:nvSpPr>
+        <p:spPr>
+          <a:xfrm>
+            <a:off x="164626" y="113770"/>
+            <a:ext cx="7886700" cy="691448"/>
+          </a:xfrm>
+        </p:spPr>
+        <p:txBody>
+          <a:bodyPr/>
+          <a:lstStyle/>
+          <a:p>
+            <a:r>
+              <a:rPr lang="en-US" dirty="0"/>
+              <a:t>Big Idea 4: Computer Systems and Networks</a:t>
+            </a:r>
+          </a:p>
+        </p:txBody>
+      </p:sp>
+      <p:sp>
+        <p:nvSpPr>
+          <p:cNvPr id="3" name="Content Placeholder 2">
+            <a:extLst>
+              <a:ext uri="{FF2B5EF4-FFF2-40B4-BE49-F238E27FC236}">
+                <a16:creationId xmlns:a16="http://schemas.microsoft.com/office/drawing/2014/main" id="{3770FE9B-403E-D54D-910D-E86CFE4C2FAF}"/>
+              </a:ext>
+            </a:extLst>
+          </p:cNvPr>
+          <p:cNvSpPr>
+            <a:spLocks noGrp="1"/>
+          </p:cNvSpPr>
+          <p:nvPr>
+            <p:ph idx="1"/>
+          </p:nvPr>
+        </p:nvSpPr>
+        <p:spPr>
+          <a:xfrm>
+            <a:off x="164626" y="805218"/>
+            <a:ext cx="8814748" cy="4796012"/>
+          </a:xfrm>
+        </p:spPr>
+        <p:txBody>
+          <a:bodyPr/>
+          <a:lstStyle/>
+          <a:p>
+            <a:pPr marL="0" indent="0">
+              <a:buNone/>
+            </a:pPr>
+            <a:r>
+              <a:rPr lang="en-US" dirty="0"/>
+              <a:t>In contrast, </a:t>
+            </a:r>
+            <a:r>
+              <a:rPr lang="en-US" b="1" dirty="0"/>
+              <a:t>parallel computing </a:t>
+            </a:r>
+            <a:r>
+              <a:rPr lang="en-US" dirty="0"/>
+              <a:t>involves breaking up a task into smaller, sequential pieces. Then those sequential pieces are all executed at the same time, each on its own processor or on a set of computers that have been networked together. </a:t>
+            </a:r>
+          </a:p>
+          <a:p>
+            <a:pPr marL="0" indent="0">
+              <a:buNone/>
+            </a:pPr>
+            <a:endParaRPr lang="en-US" dirty="0"/>
+          </a:p>
+          <a:p>
+            <a:pPr marL="0" indent="0">
+              <a:buNone/>
+            </a:pPr>
+            <a:endParaRPr lang="en-US" dirty="0"/>
+          </a:p>
+          <a:p>
+            <a:pPr marL="0" indent="0">
+              <a:buNone/>
+            </a:pPr>
+            <a:endParaRPr lang="en-US" dirty="0"/>
+          </a:p>
+          <a:p>
+            <a:pPr marL="0" indent="0">
+              <a:buNone/>
+            </a:pPr>
+            <a:endParaRPr lang="en-US" dirty="0"/>
+          </a:p>
+          <a:p>
+            <a:pPr marL="0" indent="0">
+              <a:buNone/>
+            </a:pPr>
+            <a:endParaRPr lang="en-US" dirty="0"/>
+          </a:p>
+          <a:p>
+            <a:pPr marL="0" indent="0">
+              <a:buNone/>
+            </a:pPr>
+            <a:endParaRPr lang="en-US" dirty="0"/>
+          </a:p>
+          <a:p>
+            <a:pPr marL="0" indent="0">
+              <a:buNone/>
+            </a:pPr>
+            <a:endParaRPr lang="en-US" dirty="0"/>
+          </a:p>
+          <a:p>
+            <a:pPr marL="0" indent="0">
+              <a:buNone/>
+            </a:pPr>
+            <a:r>
+              <a:rPr lang="en-US" dirty="0"/>
+              <a:t>A parallel solution takes at least as long as the longest branch in the program. ﻿In the above example, the total processing time is 9 seconds.</a:t>
+            </a:r>
+          </a:p>
+          <a:p>
+            <a:pPr marL="0" indent="0">
+              <a:buNone/>
+            </a:pPr>
+            <a:endParaRPr lang="en-US" dirty="0"/>
+          </a:p>
+          <a:p>
+            <a:pPr marL="0" indent="0">
+              <a:buNone/>
+            </a:pPr>
+            <a:endParaRPr lang="en-US" dirty="0"/>
+          </a:p>
+          <a:p>
+            <a:pPr marL="0" indent="0">
+              <a:buNone/>
+            </a:pPr>
+            <a:endParaRPr lang="en-US" dirty="0"/>
+          </a:p>
+        </p:txBody>
+      </p:sp>
+      <p:sp>
+        <p:nvSpPr>
+          <p:cNvPr id="4" name="Slide Number Placeholder 3">
+            <a:extLst>
+              <a:ext uri="{FF2B5EF4-FFF2-40B4-BE49-F238E27FC236}">
+                <a16:creationId xmlns:a16="http://schemas.microsoft.com/office/drawing/2014/main" id="{AD4E55E8-1CA4-A544-9032-E81BBD4E2B1F}"/>
+              </a:ext>
+            </a:extLst>
+          </p:cNvPr>
+          <p:cNvSpPr>
+            <a:spLocks noGrp="1"/>
+          </p:cNvSpPr>
+          <p:nvPr>
+            <p:ph type="sldNum" sz="quarter" idx="12"/>
+          </p:nvPr>
+        </p:nvSpPr>
+        <p:spPr/>
+        <p:txBody>
+          <a:bodyPr/>
+          <a:lstStyle/>
+          <a:p>
+            <a:fld id="{D57F1E4F-1CFF-5643-939E-02111984F565}" type="slidenum">
+              <a:rPr lang="en-US" smtClean="0"/>
+              <a:t>104</a:t>
+            </a:fld>
+            <a:endParaRPr lang="en-US" dirty="0"/>
+          </a:p>
+        </p:txBody>
+      </p:sp>
+      <p:pic>
+        <p:nvPicPr>
+          <p:cNvPr id="6" name="Picture 5">
+            <a:extLst>
+              <a:ext uri="{FF2B5EF4-FFF2-40B4-BE49-F238E27FC236}">
+                <a16:creationId xmlns:a16="http://schemas.microsoft.com/office/drawing/2014/main" id="{73823EA6-7238-0748-A6A0-164BD038FCF2}"/>
+              </a:ext>
+            </a:extLst>
+          </p:cNvPr>
+          <p:cNvPicPr>
+            <a:picLocks noChangeAspect="1"/>
+          </p:cNvPicPr>
+          <p:nvPr/>
+        </p:nvPicPr>
+        <p:blipFill>
+          <a:blip r:embed="rId2"/>
+          <a:stretch>
+            <a:fillRect/>
+          </a:stretch>
+        </p:blipFill>
+        <p:spPr>
+          <a:xfrm>
+            <a:off x="1441450" y="2125481"/>
+            <a:ext cx="6261100" cy="2463800"/>
+          </a:xfrm>
+          <a:prstGeom prst="rect">
+            <a:avLst/>
+          </a:prstGeom>
+        </p:spPr>
+      </p:pic>
+    </p:spTree>
+    <p:extLst>
+      <p:ext uri="{BB962C8B-B14F-4D97-AF65-F5344CB8AC3E}">
+        <p14:creationId xmlns:p14="http://schemas.microsoft.com/office/powerpoint/2010/main" val="4290814165"/>
+      </p:ext>
+    </p:extLst>
+  </p:cSld>
+  <p:clrMapOvr>
+    <a:masterClrMapping/>
+  </p:clrMapOvr>
+  <p:timing>
+    <p:tnLst>
+      <p:par>
+        <p:cTn id="1" dur="indefinite" restart="never" nodeType="tmRoot">
+          <p:childTnLst>
+            <p:seq concurrent="1" nextAc="seek">
+              <p:cTn id="2" dur="indefinite" nodeType="mainSeq">
+                <p:childTnLst>
+                  <p:par>
+                    <p:cTn id="3" fill="hold">
+                      <p:stCondLst>
+                        <p:cond delay="indefinite"/>
+                      </p:stCondLst>
+                      <p:childTnLst>
+                        <p:par>
+                          <p:cTn id="4" fill="hold">
+                            <p:stCondLst>
+                              <p:cond delay="0"/>
+                            </p:stCondLst>
+                            <p:childTnLst>
+                              <p:par>
+                                <p:cTn id="5" presetID="1" presetClass="entr" presetSubtype="0" fill="hold" nodeType="clickEffect">
+                                  <p:stCondLst>
+                                    <p:cond delay="0"/>
+                                  </p:stCondLst>
+                                  <p:childTnLst>
+                                    <p:set>
+                                      <p:cBhvr>
+                                        <p:cTn id="6" dur="1" fill="hold">
+                                          <p:stCondLst>
+                                            <p:cond delay="0"/>
+                                          </p:stCondLst>
+                                        </p:cTn>
+                                        <p:tgtEl>
+                                          <p:spTgt spid="6"/>
+                                        </p:tgtEl>
+                                        <p:attrNameLst>
+                                          <p:attrName>style.visibility</p:attrName>
+                                        </p:attrNameLst>
+                                      </p:cBhvr>
+                                      <p:to>
+                                        <p:strVal val="visible"/>
+                                      </p:to>
+                                    </p:set>
+                                  </p:childTnLst>
+                                </p:cTn>
+                              </p:par>
+                            </p:childTnLst>
+                          </p:cTn>
+                        </p:par>
+                      </p:childTnLst>
+                    </p:cTn>
+                  </p:par>
+                  <p:par>
+                    <p:cTn id="7" fill="hold">
+                      <p:stCondLst>
+                        <p:cond delay="indefinite"/>
+                      </p:stCondLst>
+                      <p:childTnLst>
+                        <p:par>
+                          <p:cTn id="8" fill="hold">
+                            <p:stCondLst>
+                              <p:cond delay="0"/>
+                            </p:stCondLst>
+                            <p:childTnLst>
+                              <p:par>
+                                <p:cTn id="9" presetID="1" presetClass="entr" presetSubtype="0" fill="hold" nodeType="clickEffect">
+                                  <p:stCondLst>
+                                    <p:cond delay="0"/>
+                                  </p:stCondLst>
+                                  <p:childTnLst>
+                                    <p:set>
+                                      <p:cBhvr>
+                                        <p:cTn id="10" dur="1" fill="hold">
+                                          <p:stCondLst>
+                                            <p:cond delay="0"/>
+                                          </p:stCondLst>
+                                        </p:cTn>
+                                        <p:tgtEl>
+                                          <p:spTgt spid="3">
+                                            <p:txEl>
+                                              <p:pRg st="8" end="8"/>
+                                            </p:txEl>
+                                          </p:spTgt>
+                                        </p:tgtEl>
+                                        <p:attrNameLst>
+                                          <p:attrName>style.visibility</p:attrName>
+                                        </p:attrNameLst>
+                                      </p:cBhvr>
+                                      <p:to>
+                                        <p:strVal val="visible"/>
+                                      </p:to>
+                                    </p:set>
+                                  </p:childTnLst>
+                                </p:cTn>
+                              </p:par>
+                            </p:childTnLst>
+                          </p:cTn>
+                        </p:par>
+                      </p:childTnLst>
+                    </p:cTn>
+                  </p:par>
+                </p:childTnLst>
+              </p:cTn>
+              <p:prevCondLst>
+                <p:cond evt="onPrev" delay="0">
+                  <p:tgtEl>
+                    <p:sldTgt/>
+                  </p:tgtEl>
+                </p:cond>
+              </p:prevCondLst>
+              <p:nextCondLst>
+                <p:cond evt="onNext" delay="0">
+                  <p:tgtEl>
+                    <p:sldTgt/>
+                  </p:tgtEl>
+                </p:cond>
+              </p:nextCondLst>
+            </p:seq>
+          </p:childTnLst>
+        </p:cTn>
+      </p:par>
+    </p:tnLst>
+  </p:timing>
+</p:sld>
+</file>
+
+<file path=ppt/slides/slide105.xml><?xml version="1.0" encoding="utf-8"?>
+<p:sld xmlns:a="http://schemas.openxmlformats.org/drawingml/2006/main" xmlns:r="http://schemas.openxmlformats.org/officeDocument/2006/relationships" xmlns:p="http://schemas.openxmlformats.org/presentationml/2006/main">
+  <p:cSld>
+    <p:spTree>
+      <p:nvGrpSpPr>
+        <p:cNvPr id="1" name=""/>
+        <p:cNvGrpSpPr/>
+        <p:nvPr/>
+      </p:nvGrpSpPr>
+      <p:grpSpPr>
+        <a:xfrm>
+          <a:off x="0" y="0"/>
+          <a:ext cx="0" cy="0"/>
+          <a:chOff x="0" y="0"/>
+          <a:chExt cx="0" cy="0"/>
+        </a:xfrm>
+      </p:grpSpPr>
+      <p:sp>
+        <p:nvSpPr>
+          <p:cNvPr id="2" name="Title 1">
+            <a:extLst>
+              <a:ext uri="{FF2B5EF4-FFF2-40B4-BE49-F238E27FC236}">
+                <a16:creationId xmlns:a16="http://schemas.microsoft.com/office/drawing/2014/main" id="{7EBA3FED-EEF1-464C-A9A0-7EBDB1DA46E8}"/>
+              </a:ext>
+            </a:extLst>
+          </p:cNvPr>
+          <p:cNvSpPr>
+            <a:spLocks noGrp="1"/>
+          </p:cNvSpPr>
+          <p:nvPr>
+            <p:ph type="title"/>
+          </p:nvPr>
+        </p:nvSpPr>
+        <p:spPr>
+          <a:xfrm>
+            <a:off x="164626" y="113770"/>
+            <a:ext cx="7886700" cy="691448"/>
+          </a:xfrm>
+        </p:spPr>
+        <p:txBody>
+          <a:bodyPr/>
+          <a:lstStyle/>
+          <a:p>
+            <a:r>
+              <a:rPr lang="en-US" dirty="0"/>
+              <a:t>Big Idea 4: Computer Systems and Networks</a:t>
+            </a:r>
+          </a:p>
+        </p:txBody>
+      </p:sp>
+      <p:sp>
+        <p:nvSpPr>
+          <p:cNvPr id="3" name="Content Placeholder 2">
+            <a:extLst>
+              <a:ext uri="{FF2B5EF4-FFF2-40B4-BE49-F238E27FC236}">
+                <a16:creationId xmlns:a16="http://schemas.microsoft.com/office/drawing/2014/main" id="{3770FE9B-403E-D54D-910D-E86CFE4C2FAF}"/>
+              </a:ext>
+            </a:extLst>
+          </p:cNvPr>
+          <p:cNvSpPr>
+            <a:spLocks noGrp="1"/>
+          </p:cNvSpPr>
+          <p:nvPr>
+            <p:ph idx="1"/>
+          </p:nvPr>
+        </p:nvSpPr>
+        <p:spPr>
+          <a:xfrm>
+            <a:off x="164626" y="805218"/>
+            <a:ext cx="8814748" cy="4796012"/>
+          </a:xfrm>
+        </p:spPr>
+        <p:txBody>
+          <a:bodyPr/>
+          <a:lstStyle/>
+          <a:p>
+            <a:pPr marL="0" indent="0">
+              <a:buNone/>
+            </a:pPr>
+            <a:r>
+              <a:rPr lang="en-US" dirty="0"/>
+              <a:t>﻿Parallel computing can consist of a parallel portion and a sequential portion. A parallel computing solution takes as long as its sequential tasks plus the longest of its parallel tasks. Most modern computers are parallel in architecture with multiple processors.</a:t>
+            </a:r>
+          </a:p>
+          <a:p>
+            <a:pPr marL="0" indent="0">
+              <a:buNone/>
+            </a:pPr>
+            <a:endParaRPr lang="en-US" dirty="0"/>
+          </a:p>
+          <a:p>
+            <a:pPr marL="0" indent="0">
+              <a:buNone/>
+            </a:pPr>
+            <a:endParaRPr lang="en-US" dirty="0"/>
+          </a:p>
+          <a:p>
+            <a:pPr marL="0" indent="0">
+              <a:buNone/>
+            </a:pPr>
+            <a:endParaRPr lang="en-US" dirty="0"/>
+          </a:p>
+          <a:p>
+            <a:pPr marL="0" indent="0">
+              <a:buNone/>
+            </a:pPr>
+            <a:endParaRPr lang="en-US" dirty="0"/>
+          </a:p>
+          <a:p>
+            <a:pPr marL="0" indent="0">
+              <a:buNone/>
+            </a:pPr>
+            <a:endParaRPr lang="en-US" dirty="0"/>
+          </a:p>
+          <a:p>
+            <a:pPr marL="0" indent="0">
+              <a:buNone/>
+            </a:pPr>
+            <a:endParaRPr lang="en-US" dirty="0"/>
+          </a:p>
+          <a:p>
+            <a:pPr marL="0" indent="0">
+              <a:buNone/>
+            </a:pPr>
+            <a:endParaRPr lang="en-US" dirty="0"/>
+          </a:p>
+          <a:p>
+            <a:pPr marL="0" indent="0">
+              <a:buNone/>
+            </a:pPr>
+            <a:r>
+              <a:rPr lang="en-US" dirty="0"/>
+              <a:t>﻿In the above example, the total processing time is 2 + 1 + 4 + 3 + 1 = 11 seconds.</a:t>
+            </a:r>
+          </a:p>
+          <a:p>
+            <a:pPr marL="0" indent="0">
+              <a:buNone/>
+            </a:pPr>
+            <a:endParaRPr lang="en-US" dirty="0"/>
+          </a:p>
+          <a:p>
+            <a:pPr marL="0" indent="0">
+              <a:buNone/>
+            </a:pPr>
+            <a:endParaRPr lang="en-US" dirty="0"/>
+          </a:p>
+        </p:txBody>
+      </p:sp>
+      <p:sp>
+        <p:nvSpPr>
+          <p:cNvPr id="4" name="Slide Number Placeholder 3">
+            <a:extLst>
+              <a:ext uri="{FF2B5EF4-FFF2-40B4-BE49-F238E27FC236}">
+                <a16:creationId xmlns:a16="http://schemas.microsoft.com/office/drawing/2014/main" id="{AD4E55E8-1CA4-A544-9032-E81BBD4E2B1F}"/>
+              </a:ext>
+            </a:extLst>
+          </p:cNvPr>
+          <p:cNvSpPr>
+            <a:spLocks noGrp="1"/>
+          </p:cNvSpPr>
+          <p:nvPr>
+            <p:ph type="sldNum" sz="quarter" idx="12"/>
+          </p:nvPr>
+        </p:nvSpPr>
+        <p:spPr/>
+        <p:txBody>
+          <a:bodyPr/>
+          <a:lstStyle/>
+          <a:p>
+            <a:fld id="{D57F1E4F-1CFF-5643-939E-02111984F565}" type="slidenum">
+              <a:rPr lang="en-US" smtClean="0"/>
+              <a:t>105</a:t>
+            </a:fld>
+            <a:endParaRPr lang="en-US" dirty="0"/>
+          </a:p>
+        </p:txBody>
+      </p:sp>
+      <p:pic>
+        <p:nvPicPr>
+          <p:cNvPr id="5" name="Picture 4">
+            <a:extLst>
+              <a:ext uri="{FF2B5EF4-FFF2-40B4-BE49-F238E27FC236}">
+                <a16:creationId xmlns:a16="http://schemas.microsoft.com/office/drawing/2014/main" id="{0250FDB6-FCA8-9549-A4F4-08FD0633C8A0}"/>
+              </a:ext>
+            </a:extLst>
+          </p:cNvPr>
+          <p:cNvPicPr>
+            <a:picLocks noChangeAspect="1"/>
+          </p:cNvPicPr>
+          <p:nvPr/>
+        </p:nvPicPr>
+        <p:blipFill>
+          <a:blip r:embed="rId2"/>
+          <a:stretch>
+            <a:fillRect/>
+          </a:stretch>
+        </p:blipFill>
+        <p:spPr>
+          <a:xfrm>
+            <a:off x="1289050" y="2023358"/>
+            <a:ext cx="6565900" cy="2578100"/>
+          </a:xfrm>
+          <a:prstGeom prst="rect">
+            <a:avLst/>
+          </a:prstGeom>
+        </p:spPr>
+      </p:pic>
+    </p:spTree>
+    <p:extLst>
+      <p:ext uri="{BB962C8B-B14F-4D97-AF65-F5344CB8AC3E}">
+        <p14:creationId xmlns:p14="http://schemas.microsoft.com/office/powerpoint/2010/main" val="548205039"/>
+      </p:ext>
+    </p:extLst>
+  </p:cSld>
+  <p:clrMapOvr>
+    <a:masterClrMapping/>
+  </p:clrMapOvr>
+  <p:timing>
+    <p:tnLst>
+      <p:par>
+        <p:cTn id="1" dur="indefinite" restart="never" nodeType="tmRoot">
+          <p:childTnLst>
+            <p:seq concurrent="1" nextAc="seek">
+              <p:cTn id="2" dur="indefinite" nodeType="mainSeq">
+                <p:childTnLst>
+                  <p:par>
+                    <p:cTn id="3" fill="hold">
+                      <p:stCondLst>
+                        <p:cond delay="indefinite"/>
+                      </p:stCondLst>
+                      <p:childTnLst>
+                        <p:par>
+                          <p:cTn id="4" fill="hold">
+                            <p:stCondLst>
+                              <p:cond delay="0"/>
+                            </p:stCondLst>
+                            <p:childTnLst>
+                              <p:par>
+                                <p:cTn id="5" presetID="1" presetClass="entr" presetSubtype="0" fill="hold" nodeType="clickEffect">
+                                  <p:stCondLst>
+                                    <p:cond delay="0"/>
+                                  </p:stCondLst>
+                                  <p:childTnLst>
+                                    <p:set>
+                                      <p:cBhvr>
+                                        <p:cTn id="6" dur="1" fill="hold">
+                                          <p:stCondLst>
+                                            <p:cond delay="0"/>
+                                          </p:stCondLst>
+                                        </p:cTn>
+                                        <p:tgtEl>
+                                          <p:spTgt spid="3">
+                                            <p:txEl>
+                                              <p:pRg st="8" end="8"/>
+                                            </p:txEl>
+                                          </p:spTgt>
+                                        </p:tgtEl>
+                                        <p:attrNameLst>
+                                          <p:attrName>style.visibility</p:attrName>
+                                        </p:attrNameLst>
+                                      </p:cBhvr>
+                                      <p:to>
+                                        <p:strVal val="visible"/>
+                                      </p:to>
+                                    </p:set>
+                                  </p:childTnLst>
+                                </p:cTn>
+                              </p:par>
+                            </p:childTnLst>
+                          </p:cTn>
+                        </p:par>
+                      </p:childTnLst>
+                    </p:cTn>
+                  </p:par>
+                </p:childTnLst>
+              </p:cTn>
+              <p:prevCondLst>
+                <p:cond evt="onPrev" delay="0">
+                  <p:tgtEl>
+                    <p:sldTgt/>
+                  </p:tgtEl>
+                </p:cond>
+              </p:prevCondLst>
+              <p:nextCondLst>
+                <p:cond evt="onNext" delay="0">
+                  <p:tgtEl>
+                    <p:sldTgt/>
+                  </p:tgtEl>
+                </p:cond>
+              </p:nextCondLst>
+            </p:seq>
+          </p:childTnLst>
+        </p:cTn>
+      </p:par>
+    </p:tnLst>
+  </p:timing>
+</p:sld>
+</file>
+
+<file path=ppt/slides/slide106.xml><?xml version="1.0" encoding="utf-8"?>
+<p:sld xmlns:a="http://schemas.openxmlformats.org/drawingml/2006/main" xmlns:r="http://schemas.openxmlformats.org/officeDocument/2006/relationships" xmlns:p="http://schemas.openxmlformats.org/presentationml/2006/main">
+  <p:cSld>
+    <p:spTree>
+      <p:nvGrpSpPr>
+        <p:cNvPr id="1" name=""/>
+        <p:cNvGrpSpPr/>
+        <p:nvPr/>
+      </p:nvGrpSpPr>
+      <p:grpSpPr>
+        <a:xfrm>
+          <a:off x="0" y="0"/>
+          <a:ext cx="0" cy="0"/>
+          <a:chOff x="0" y="0"/>
+          <a:chExt cx="0" cy="0"/>
+        </a:xfrm>
+      </p:grpSpPr>
+      <p:sp>
+        <p:nvSpPr>
+          <p:cNvPr id="2" name="Title 1">
+            <a:extLst>
+              <a:ext uri="{FF2B5EF4-FFF2-40B4-BE49-F238E27FC236}">
+                <a16:creationId xmlns:a16="http://schemas.microsoft.com/office/drawing/2014/main" id="{7EBA3FED-EEF1-464C-A9A0-7EBDB1DA46E8}"/>
+              </a:ext>
+            </a:extLst>
+          </p:cNvPr>
+          <p:cNvSpPr>
+            <a:spLocks noGrp="1"/>
+          </p:cNvSpPr>
+          <p:nvPr>
+            <p:ph type="title"/>
+          </p:nvPr>
+        </p:nvSpPr>
+        <p:spPr>
+          <a:xfrm>
+            <a:off x="164626" y="113770"/>
+            <a:ext cx="7886700" cy="691448"/>
+          </a:xfrm>
+        </p:spPr>
+        <p:txBody>
+          <a:bodyPr/>
+          <a:lstStyle/>
+          <a:p>
+            <a:r>
+              <a:rPr lang="en-US" dirty="0"/>
+              <a:t>Big Idea 4: Computer Systems and Networks</a:t>
+            </a:r>
+          </a:p>
+        </p:txBody>
+      </p:sp>
+      <p:sp>
+        <p:nvSpPr>
+          <p:cNvPr id="3" name="Content Placeholder 2">
+            <a:extLst>
+              <a:ext uri="{FF2B5EF4-FFF2-40B4-BE49-F238E27FC236}">
+                <a16:creationId xmlns:a16="http://schemas.microsoft.com/office/drawing/2014/main" id="{3770FE9B-403E-D54D-910D-E86CFE4C2FAF}"/>
+              </a:ext>
+            </a:extLst>
+          </p:cNvPr>
+          <p:cNvSpPr>
+            <a:spLocks noGrp="1"/>
+          </p:cNvSpPr>
+          <p:nvPr>
+            <p:ph idx="1"/>
+          </p:nvPr>
+        </p:nvSpPr>
+        <p:spPr>
+          <a:xfrm>
+            <a:off x="164626" y="805218"/>
+            <a:ext cx="8814748" cy="4796012"/>
+          </a:xfrm>
+        </p:spPr>
+        <p:txBody>
+          <a:bodyPr/>
+          <a:lstStyle/>
+          <a:p>
+            <a:pPr marL="0" indent="0">
+              <a:buNone/>
+            </a:pPr>
+            <a:r>
+              <a:rPr lang="en-US" dirty="0"/>
+              <a:t>﻿Some examples of complex computer simulations that benefit from parallel computing include weather forecasting, flight simulators, car crash modeling, seismic surveying, and so on. </a:t>
+            </a:r>
+          </a:p>
+          <a:p>
+            <a:pPr marL="0" indent="0">
+              <a:buNone/>
+            </a:pPr>
+            <a:endParaRPr lang="en-US" dirty="0"/>
+          </a:p>
+          <a:p>
+            <a:pPr marL="0" indent="0">
+              <a:buNone/>
+            </a:pPr>
+            <a:r>
+              <a:rPr lang="en-US" dirty="0"/>
+              <a:t>The </a:t>
+            </a:r>
+            <a:r>
+              <a:rPr lang="en-US" b="1" dirty="0"/>
+              <a:t>“speedup”</a:t>
+            </a:r>
+            <a:r>
+              <a:rPr lang="en-US" dirty="0"/>
+              <a:t> of a parallel solution is measured in the time to complete the task sequentially divided by the time to complete the task when done in parallel: </a:t>
+            </a:r>
+          </a:p>
+          <a:p>
+            <a:pPr marL="0" indent="0">
+              <a:buNone/>
+            </a:pPr>
+            <a:r>
+              <a:rPr lang="en-US" dirty="0"/>
+              <a:t>	Speedup = (sequential run time)/(parallel run time)</a:t>
+            </a:r>
+          </a:p>
+          <a:p>
+            <a:pPr marL="0" indent="0">
+              <a:buNone/>
+            </a:pPr>
+            <a:endParaRPr lang="en-US" dirty="0"/>
+          </a:p>
+        </p:txBody>
+      </p:sp>
+      <p:sp>
+        <p:nvSpPr>
+          <p:cNvPr id="4" name="Slide Number Placeholder 3">
+            <a:extLst>
+              <a:ext uri="{FF2B5EF4-FFF2-40B4-BE49-F238E27FC236}">
+                <a16:creationId xmlns:a16="http://schemas.microsoft.com/office/drawing/2014/main" id="{AD4E55E8-1CA4-A544-9032-E81BBD4E2B1F}"/>
+              </a:ext>
+            </a:extLst>
+          </p:cNvPr>
+          <p:cNvSpPr>
+            <a:spLocks noGrp="1"/>
+          </p:cNvSpPr>
+          <p:nvPr>
+            <p:ph type="sldNum" sz="quarter" idx="12"/>
+          </p:nvPr>
+        </p:nvSpPr>
+        <p:spPr/>
+        <p:txBody>
+          <a:bodyPr/>
+          <a:lstStyle/>
+          <a:p>
+            <a:fld id="{D57F1E4F-1CFF-5643-939E-02111984F565}" type="slidenum">
+              <a:rPr lang="en-US" smtClean="0"/>
+              <a:t>106</a:t>
+            </a:fld>
+            <a:endParaRPr lang="en-US" dirty="0"/>
+          </a:p>
+        </p:txBody>
+      </p:sp>
+    </p:spTree>
+    <p:extLst>
+      <p:ext uri="{BB962C8B-B14F-4D97-AF65-F5344CB8AC3E}">
+        <p14:creationId xmlns:p14="http://schemas.microsoft.com/office/powerpoint/2010/main" val="674914638"/>
+      </p:ext>
+    </p:extLst>
+  </p:cSld>
+  <p:clrMapOvr>
+    <a:masterClrMapping/>
+  </p:clrMapOvr>
+  <p:timing>
+    <p:tnLst>
+      <p:par>
+        <p:cTn id="1" dur="indefinite" restart="never" nodeType="tmRoot">
+          <p:childTnLst>
+            <p:seq concurrent="1" nextAc="seek">
+              <p:cTn id="2" dur="indefinite" nodeType="mainSeq">
+                <p:childTnLst>
+                  <p:par>
+                    <p:cTn id="3" fill="hold">
+                      <p:stCondLst>
+                        <p:cond delay="indefinite"/>
+                      </p:stCondLst>
+                      <p:childTnLst>
+                        <p:par>
+                          <p:cTn id="4" fill="hold">
+                            <p:stCondLst>
+                              <p:cond delay="0"/>
+                            </p:stCondLst>
+                            <p:childTnLst>
+                              <p:par>
+                                <p:cTn id="5" presetID="1" presetClass="entr" presetSubtype="0" fill="hold" nodeType="clickEffect">
+                                  <p:stCondLst>
+                                    <p:cond delay="0"/>
+                                  </p:stCondLst>
+                                  <p:childTnLst>
+                                    <p:set>
+                                      <p:cBhvr>
+                                        <p:cTn id="6" dur="1" fill="hold">
+                                          <p:stCondLst>
+                                            <p:cond delay="0"/>
+                                          </p:stCondLst>
+                                        </p:cTn>
+                                        <p:tgtEl>
+                                          <p:spTgt spid="3">
+                                            <p:txEl>
+                                              <p:pRg st="2" end="2"/>
+                                            </p:txEl>
+                                          </p:spTgt>
+                                        </p:tgtEl>
+                                        <p:attrNameLst>
+                                          <p:attrName>style.visibility</p:attrName>
+                                        </p:attrNameLst>
+                                      </p:cBhvr>
+                                      <p:to>
+                                        <p:strVal val="visible"/>
+                                      </p:to>
+                                    </p:set>
+                                  </p:childTnLst>
+                                </p:cTn>
+                              </p:par>
+                            </p:childTnLst>
+                          </p:cTn>
+                        </p:par>
+                      </p:childTnLst>
+                    </p:cTn>
+                  </p:par>
+                  <p:par>
+                    <p:cTn id="7" fill="hold">
+                      <p:stCondLst>
+                        <p:cond delay="indefinite"/>
+                      </p:stCondLst>
+                      <p:childTnLst>
+                        <p:par>
+                          <p:cTn id="8" fill="hold">
+                            <p:stCondLst>
+                              <p:cond delay="0"/>
+                            </p:stCondLst>
+                            <p:childTnLst>
+                              <p:par>
+                                <p:cTn id="9" presetID="1" presetClass="entr" presetSubtype="0" fill="hold" nodeType="clickEffect">
+                                  <p:stCondLst>
+                                    <p:cond delay="0"/>
+                                  </p:stCondLst>
+                                  <p:childTnLst>
+                                    <p:set>
+                                      <p:cBhvr>
+                                        <p:cTn id="10" dur="1" fill="hold">
+                                          <p:stCondLst>
+                                            <p:cond delay="0"/>
+                                          </p:stCondLst>
+                                        </p:cTn>
+                                        <p:tgtEl>
+                                          <p:spTgt spid="3">
+                                            <p:txEl>
+                                              <p:pRg st="3" end="3"/>
+                                            </p:txEl>
+                                          </p:spTgt>
+                                        </p:tgtEl>
+                                        <p:attrNameLst>
+                                          <p:attrName>style.visibility</p:attrName>
+                                        </p:attrNameLst>
+                                      </p:cBhvr>
+                                      <p:to>
+                                        <p:strVal val="visible"/>
+                                      </p:to>
+                                    </p:set>
+                                  </p:childTnLst>
+                                </p:cTn>
+                              </p:par>
+                            </p:childTnLst>
+                          </p:cTn>
+                        </p:par>
+                      </p:childTnLst>
+                    </p:cTn>
+                  </p:par>
+                </p:childTnLst>
+              </p:cTn>
+              <p:prevCondLst>
+                <p:cond evt="onPrev" delay="0">
+                  <p:tgtEl>
+                    <p:sldTgt/>
+                  </p:tgtEl>
+                </p:cond>
+              </p:prevCondLst>
+              <p:nextCondLst>
+                <p:cond evt="onNext" delay="0">
+                  <p:tgtEl>
+                    <p:sldTgt/>
+                  </p:tgtEl>
+                </p:cond>
+              </p:nextCondLst>
+            </p:seq>
+          </p:childTnLst>
+        </p:cTn>
+      </p:par>
+    </p:tnLst>
+  </p:timing>
+</p:sld>
+</file>
+
+<file path=ppt/slides/slide107.xml><?xml version="1.0" encoding="utf-8"?>
+<p:sld xmlns:a="http://schemas.openxmlformats.org/drawingml/2006/main" xmlns:r="http://schemas.openxmlformats.org/officeDocument/2006/relationships" xmlns:p="http://schemas.openxmlformats.org/presentationml/2006/main">
+  <p:cSld>
+    <p:spTree>
+      <p:nvGrpSpPr>
+        <p:cNvPr id="1" name=""/>
+        <p:cNvGrpSpPr/>
+        <p:nvPr/>
+      </p:nvGrpSpPr>
+      <p:grpSpPr>
+        <a:xfrm>
+          <a:off x="0" y="0"/>
+          <a:ext cx="0" cy="0"/>
+          <a:chOff x="0" y="0"/>
+          <a:chExt cx="0" cy="0"/>
+        </a:xfrm>
+      </p:grpSpPr>
+      <p:sp>
+        <p:nvSpPr>
+          <p:cNvPr id="2" name="Title 1">
+            <a:extLst>
+              <a:ext uri="{FF2B5EF4-FFF2-40B4-BE49-F238E27FC236}">
+                <a16:creationId xmlns:a16="http://schemas.microsoft.com/office/drawing/2014/main" id="{7EBA3FED-EEF1-464C-A9A0-7EBDB1DA46E8}"/>
+              </a:ext>
+            </a:extLst>
+          </p:cNvPr>
+          <p:cNvSpPr>
+            <a:spLocks noGrp="1"/>
+          </p:cNvSpPr>
+          <p:nvPr>
+            <p:ph type="title"/>
+          </p:nvPr>
+        </p:nvSpPr>
+        <p:spPr>
+          <a:xfrm>
+            <a:off x="164626" y="113770"/>
+            <a:ext cx="7886700" cy="691448"/>
+          </a:xfrm>
+        </p:spPr>
+        <p:txBody>
+          <a:bodyPr/>
+          <a:lstStyle/>
+          <a:p>
+            <a:r>
+              <a:rPr lang="en-US" dirty="0"/>
+              <a:t>Big Idea 4: Computer Systems and Networks</a:t>
+            </a:r>
+          </a:p>
+        </p:txBody>
+      </p:sp>
+      <p:sp>
+        <p:nvSpPr>
+          <p:cNvPr id="3" name="Content Placeholder 2">
+            <a:extLst>
+              <a:ext uri="{FF2B5EF4-FFF2-40B4-BE49-F238E27FC236}">
+                <a16:creationId xmlns:a16="http://schemas.microsoft.com/office/drawing/2014/main" id="{3770FE9B-403E-D54D-910D-E86CFE4C2FAF}"/>
+              </a:ext>
+            </a:extLst>
+          </p:cNvPr>
+          <p:cNvSpPr>
+            <a:spLocks noGrp="1"/>
+          </p:cNvSpPr>
+          <p:nvPr>
+            <p:ph idx="1"/>
+          </p:nvPr>
+        </p:nvSpPr>
+        <p:spPr>
+          <a:xfrm>
+            <a:off x="164626" y="805218"/>
+            <a:ext cx="8814748" cy="4796012"/>
+          </a:xfrm>
+        </p:spPr>
+        <p:txBody>
+          <a:bodyPr/>
+          <a:lstStyle/>
+          <a:p>
+            <a:pPr marL="0" indent="0">
+              <a:buNone/>
+            </a:pPr>
+            <a:r>
+              <a:rPr lang="en-US" dirty="0"/>
+              <a:t>﻿Many problems are so large and complex that it is impractical to solve them on a single computer, especially given limited computer memory. </a:t>
+            </a:r>
+            <a:r>
+              <a:rPr lang="en-US" b="1" dirty="0"/>
+              <a:t>Distributed computing</a:t>
+            </a:r>
+            <a:r>
+              <a:rPr lang="en-US" dirty="0"/>
+              <a:t> is a computational model in which multiple devices are used to run a program. </a:t>
+            </a:r>
+          </a:p>
+          <a:p>
+            <a:pPr marL="0" indent="0">
+              <a:buNone/>
+            </a:pPr>
+            <a:endParaRPr lang="en-US" dirty="0"/>
+          </a:p>
+          <a:p>
+            <a:pPr marL="0" indent="0">
+              <a:buNone/>
+            </a:pPr>
+            <a:r>
+              <a:rPr lang="en-US" dirty="0"/>
+              <a:t>Distributed computing allows problems to be solved that could not be solved on a single computer because of either the processing time or storage needs involved. </a:t>
+            </a:r>
+          </a:p>
+          <a:p>
+            <a:pPr marL="0" indent="0">
+              <a:buNone/>
+            </a:pPr>
+            <a:endParaRPr lang="en-US" dirty="0"/>
+          </a:p>
+          <a:p>
+            <a:pPr marL="0" indent="0">
+              <a:buNone/>
+            </a:pPr>
+            <a:r>
+              <a:rPr lang="en-US" dirty="0"/>
+              <a:t>Much larger problems can be solved more quickly using distributed computing than using a single computer. </a:t>
+            </a:r>
+          </a:p>
+          <a:p>
+            <a:pPr marL="0" indent="0">
+              <a:buNone/>
+            </a:pPr>
+            <a:endParaRPr lang="en-US" dirty="0"/>
+          </a:p>
+          <a:p>
+            <a:pPr marL="0" indent="0">
+              <a:buNone/>
+            </a:pPr>
+            <a:r>
+              <a:rPr lang="en-US" dirty="0"/>
+              <a:t>Parallel computing uses a single computer with multiple processors. Distributed computing uses multiple computing devices to process those tasks.</a:t>
+            </a:r>
+          </a:p>
+          <a:p>
+            <a:pPr marL="0" indent="0">
+              <a:buNone/>
+            </a:pPr>
+            <a:endParaRPr lang="en-US" dirty="0"/>
+          </a:p>
+        </p:txBody>
+      </p:sp>
+      <p:sp>
+        <p:nvSpPr>
+          <p:cNvPr id="4" name="Slide Number Placeholder 3">
+            <a:extLst>
+              <a:ext uri="{FF2B5EF4-FFF2-40B4-BE49-F238E27FC236}">
+                <a16:creationId xmlns:a16="http://schemas.microsoft.com/office/drawing/2014/main" id="{AD4E55E8-1CA4-A544-9032-E81BBD4E2B1F}"/>
+              </a:ext>
+            </a:extLst>
+          </p:cNvPr>
+          <p:cNvSpPr>
+            <a:spLocks noGrp="1"/>
+          </p:cNvSpPr>
+          <p:nvPr>
+            <p:ph type="sldNum" sz="quarter" idx="12"/>
+          </p:nvPr>
+        </p:nvSpPr>
+        <p:spPr/>
+        <p:txBody>
+          <a:bodyPr/>
+          <a:lstStyle/>
+          <a:p>
+            <a:fld id="{D57F1E4F-1CFF-5643-939E-02111984F565}" type="slidenum">
+              <a:rPr lang="en-US" smtClean="0"/>
+              <a:t>107</a:t>
+            </a:fld>
+            <a:endParaRPr lang="en-US" dirty="0"/>
+          </a:p>
+        </p:txBody>
+      </p:sp>
+    </p:spTree>
+    <p:extLst>
+      <p:ext uri="{BB962C8B-B14F-4D97-AF65-F5344CB8AC3E}">
+        <p14:creationId xmlns:p14="http://schemas.microsoft.com/office/powerpoint/2010/main" val="1851026642"/>
+      </p:ext>
+    </p:extLst>
+  </p:cSld>
+  <p:clrMapOvr>
+    <a:masterClrMapping/>
+  </p:clrMapOvr>
+  <p:timing>
+    <p:tnLst>
+      <p:par>
+        <p:cTn id="1" dur="indefinite" restart="never" nodeType="tmRoot">
+          <p:childTnLst>
+            <p:seq concurrent="1" nextAc="seek">
+              <p:cTn id="2" dur="indefinite" nodeType="mainSeq">
+                <p:childTnLst>
+                  <p:par>
+                    <p:cTn id="3" fill="hold">
+                      <p:stCondLst>
+                        <p:cond delay="indefinite"/>
+                      </p:stCondLst>
+                      <p:childTnLst>
+                        <p:par>
+                          <p:cTn id="4" fill="hold">
+                            <p:stCondLst>
+                              <p:cond delay="0"/>
+                            </p:stCondLst>
+                            <p:childTnLst>
+                              <p:par>
+                                <p:cTn id="5" presetID="1" presetClass="entr" presetSubtype="0" fill="hold" nodeType="clickEffect">
+                                  <p:stCondLst>
+                                    <p:cond delay="0"/>
+                                  </p:stCondLst>
+                                  <p:childTnLst>
+                                    <p:set>
+                                      <p:cBhvr>
+                                        <p:cTn id="6" dur="1" fill="hold">
+                                          <p:stCondLst>
+                                            <p:cond delay="0"/>
+                                          </p:stCondLst>
+                                        </p:cTn>
+                                        <p:tgtEl>
+                                          <p:spTgt spid="3">
+                                            <p:txEl>
+                                              <p:pRg st="2" end="2"/>
+                                            </p:txEl>
+                                          </p:spTgt>
+                                        </p:tgtEl>
+                                        <p:attrNameLst>
+                                          <p:attrName>style.visibility</p:attrName>
+                                        </p:attrNameLst>
+                                      </p:cBhvr>
+                                      <p:to>
+                                        <p:strVal val="visible"/>
+                                      </p:to>
+                                    </p:set>
+                                  </p:childTnLst>
+                                </p:cTn>
+                              </p:par>
+                            </p:childTnLst>
+                          </p:cTn>
+                        </p:par>
+                      </p:childTnLst>
+                    </p:cTn>
+                  </p:par>
+                  <p:par>
+                    <p:cTn id="7" fill="hold">
+                      <p:stCondLst>
+                        <p:cond delay="indefinite"/>
+                      </p:stCondLst>
+                      <p:childTnLst>
+                        <p:par>
+                          <p:cTn id="8" fill="hold">
+                            <p:stCondLst>
+                              <p:cond delay="0"/>
+                            </p:stCondLst>
+                            <p:childTnLst>
+                              <p:par>
+                                <p:cTn id="9" presetID="1" presetClass="entr" presetSubtype="0" fill="hold" nodeType="clickEffect">
+                                  <p:stCondLst>
+                                    <p:cond delay="0"/>
+                                  </p:stCondLst>
+                                  <p:childTnLst>
+                                    <p:set>
+                                      <p:cBhvr>
+                                        <p:cTn id="10" dur="1" fill="hold">
+                                          <p:stCondLst>
+                                            <p:cond delay="0"/>
+                                          </p:stCondLst>
+                                        </p:cTn>
+                                        <p:tgtEl>
+                                          <p:spTgt spid="3">
+                                            <p:txEl>
+                                              <p:pRg st="4" end="4"/>
+                                            </p:txEl>
+                                          </p:spTgt>
+                                        </p:tgtEl>
+                                        <p:attrNameLst>
+                                          <p:attrName>style.visibility</p:attrName>
+                                        </p:attrNameLst>
+                                      </p:cBhvr>
+                                      <p:to>
+                                        <p:strVal val="visible"/>
+                                      </p:to>
+                                    </p:set>
+                                  </p:childTnLst>
+                                </p:cTn>
+                              </p:par>
+                            </p:childTnLst>
+                          </p:cTn>
+                        </p:par>
+                      </p:childTnLst>
+                    </p:cTn>
+                  </p:par>
+                  <p:par>
+                    <p:cTn id="11" fill="hold">
+                      <p:stCondLst>
+                        <p:cond delay="indefinite"/>
+                      </p:stCondLst>
+                      <p:childTnLst>
+                        <p:par>
+                          <p:cTn id="12" fill="hold">
+                            <p:stCondLst>
+                              <p:cond delay="0"/>
+                            </p:stCondLst>
+                            <p:childTnLst>
+                              <p:par>
+                                <p:cTn id="13" presetID="1" presetClass="entr" presetSubtype="0" fill="hold" nodeType="clickEffect">
+                                  <p:stCondLst>
+                                    <p:cond delay="0"/>
+                                  </p:stCondLst>
+                                  <p:childTnLst>
+                                    <p:set>
+                                      <p:cBhvr>
+                                        <p:cTn id="14" dur="1" fill="hold">
+                                          <p:stCondLst>
+                                            <p:cond delay="0"/>
+                                          </p:stCondLst>
+                                        </p:cTn>
+                                        <p:tgtEl>
+                                          <p:spTgt spid="3">
+                                            <p:txEl>
+                                              <p:pRg st="6" end="6"/>
+                                            </p:txEl>
+                                          </p:spTgt>
+                                        </p:tgtEl>
+                                        <p:attrNameLst>
+                                          <p:attrName>style.visibility</p:attrName>
+                                        </p:attrNameLst>
+                                      </p:cBhvr>
+                                      <p:to>
+                                        <p:strVal val="visible"/>
+                                      </p:to>
+                                    </p:set>
+                                  </p:childTnLst>
+                                </p:cTn>
+                              </p:par>
+                            </p:childTnLst>
+                          </p:cTn>
+                        </p:par>
+                      </p:childTnLst>
+                    </p:cTn>
+                  </p:par>
+                </p:childTnLst>
+              </p:cTn>
+              <p:prevCondLst>
+                <p:cond evt="onPrev" delay="0">
+                  <p:tgtEl>
+                    <p:sldTgt/>
+                  </p:tgtEl>
+                </p:cond>
+              </p:prevCondLst>
+              <p:nextCondLst>
+                <p:cond evt="onNext" delay="0">
+                  <p:tgtEl>
+                    <p:sldTgt/>
+                  </p:tgtEl>
+                </p:cond>
+              </p:nextCondLst>
+            </p:seq>
+          </p:childTnLst>
+        </p:cTn>
+      </p:par>
+    </p:tnLst>
+  </p:timing>
+</p:sld>
+</file>
+
+<file path=ppt/slides/slide108.xml><?xml version="1.0" encoding="utf-8"?>
+<p:sld xmlns:a="http://schemas.openxmlformats.org/drawingml/2006/main" xmlns:r="http://schemas.openxmlformats.org/officeDocument/2006/relationships" xmlns:p="http://schemas.openxmlformats.org/presentationml/2006/main">
+  <p:cSld>
+    <p:spTree>
+      <p:nvGrpSpPr>
+        <p:cNvPr id="1" name=""/>
+        <p:cNvGrpSpPr/>
+        <p:nvPr/>
+      </p:nvGrpSpPr>
+      <p:grpSpPr>
+        <a:xfrm>
+          <a:off x="0" y="0"/>
+          <a:ext cx="0" cy="0"/>
+          <a:chOff x="0" y="0"/>
+          <a:chExt cx="0" cy="0"/>
+        </a:xfrm>
+      </p:grpSpPr>
+      <p:sp>
+        <p:nvSpPr>
+          <p:cNvPr id="2" name="Title 1">
+            <a:extLst>
+              <a:ext uri="{FF2B5EF4-FFF2-40B4-BE49-F238E27FC236}">
+                <a16:creationId xmlns:a16="http://schemas.microsoft.com/office/drawing/2014/main" id="{DFC6737B-C2EF-3F44-90BB-2743686986C3}"/>
+              </a:ext>
+            </a:extLst>
+          </p:cNvPr>
+          <p:cNvSpPr>
+            <a:spLocks noGrp="1"/>
+          </p:cNvSpPr>
+          <p:nvPr>
+            <p:ph type="title"/>
+          </p:nvPr>
+        </p:nvSpPr>
+        <p:spPr>
+          <a:xfrm>
+            <a:off x="87876" y="15213"/>
+            <a:ext cx="7886700" cy="1104636"/>
+          </a:xfrm>
+        </p:spPr>
+        <p:txBody>
+          <a:bodyPr/>
+          <a:lstStyle/>
+          <a:p>
+            <a:r>
+              <a:rPr lang="en-US" dirty="0"/>
+              <a:t>Big Idea 5: Impact of Computing</a:t>
+            </a:r>
+          </a:p>
+        </p:txBody>
+      </p:sp>
+      <p:sp>
+        <p:nvSpPr>
+          <p:cNvPr id="4" name="Slide Number Placeholder 3">
+            <a:extLst>
+              <a:ext uri="{FF2B5EF4-FFF2-40B4-BE49-F238E27FC236}">
+                <a16:creationId xmlns:a16="http://schemas.microsoft.com/office/drawing/2014/main" id="{18A2786D-28FA-B647-BAA2-FF2564358153}"/>
+              </a:ext>
+            </a:extLst>
+          </p:cNvPr>
+          <p:cNvSpPr>
+            <a:spLocks noGrp="1"/>
+          </p:cNvSpPr>
+          <p:nvPr>
+            <p:ph type="sldNum" sz="quarter" idx="12"/>
+          </p:nvPr>
+        </p:nvSpPr>
+        <p:spPr/>
+        <p:txBody>
+          <a:bodyPr/>
+          <a:lstStyle/>
+          <a:p>
+            <a:fld id="{D57F1E4F-1CFF-5643-939E-02111984F565}" type="slidenum">
+              <a:rPr lang="en-US" smtClean="0"/>
+              <a:t>108</a:t>
+            </a:fld>
+            <a:endParaRPr lang="en-US" dirty="0"/>
+          </a:p>
+        </p:txBody>
+      </p:sp>
+      <p:pic>
+        <p:nvPicPr>
+          <p:cNvPr id="5" name="Picture 4">
+            <a:extLst>
+              <a:ext uri="{FF2B5EF4-FFF2-40B4-BE49-F238E27FC236}">
+                <a16:creationId xmlns:a16="http://schemas.microsoft.com/office/drawing/2014/main" id="{33D7B1DB-3B30-6C42-8064-9F51328ECCD2}"/>
+              </a:ext>
+            </a:extLst>
+          </p:cNvPr>
+          <p:cNvPicPr>
+            <a:picLocks noChangeAspect="1"/>
+          </p:cNvPicPr>
+          <p:nvPr/>
+        </p:nvPicPr>
+        <p:blipFill>
+          <a:blip r:embed="rId2"/>
+          <a:stretch>
+            <a:fillRect/>
+          </a:stretch>
+        </p:blipFill>
+        <p:spPr>
+          <a:xfrm>
+            <a:off x="1169424" y="1029332"/>
+            <a:ext cx="6012149" cy="4670455"/>
+          </a:xfrm>
+          <a:prstGeom prst="rect">
+            <a:avLst/>
+          </a:prstGeom>
+        </p:spPr>
+      </p:pic>
+    </p:spTree>
+    <p:extLst>
+      <p:ext uri="{BB962C8B-B14F-4D97-AF65-F5344CB8AC3E}">
+        <p14:creationId xmlns:p14="http://schemas.microsoft.com/office/powerpoint/2010/main" val="3179411414"/>
+      </p:ext>
+    </p:extLst>
+  </p:cSld>
+  <p:clrMapOvr>
+    <a:masterClrMapping/>
+  </p:clrMapOvr>
+</p:sld>
+</file>
+
+<file path=ppt/slides/slide109.xml><?xml version="1.0" encoding="utf-8"?>
+<p:sld xmlns:a="http://schemas.openxmlformats.org/drawingml/2006/main" xmlns:r="http://schemas.openxmlformats.org/officeDocument/2006/relationships" xmlns:p="http://schemas.openxmlformats.org/presentationml/2006/main">
+  <p:cSld>
+    <p:spTree>
+      <p:nvGrpSpPr>
+        <p:cNvPr id="1" name=""/>
+        <p:cNvGrpSpPr/>
+        <p:nvPr/>
+      </p:nvGrpSpPr>
+      <p:grpSpPr>
+        <a:xfrm>
+          <a:off x="0" y="0"/>
+          <a:ext cx="0" cy="0"/>
+          <a:chOff x="0" y="0"/>
+          <a:chExt cx="0" cy="0"/>
+        </a:xfrm>
+      </p:grpSpPr>
+      <p:sp>
+        <p:nvSpPr>
+          <p:cNvPr id="2" name="Title 1">
+            <a:extLst>
+              <a:ext uri="{FF2B5EF4-FFF2-40B4-BE49-F238E27FC236}">
+                <a16:creationId xmlns:a16="http://schemas.microsoft.com/office/drawing/2014/main" id="{7EBA3FED-EEF1-464C-A9A0-7EBDB1DA46E8}"/>
+              </a:ext>
+            </a:extLst>
+          </p:cNvPr>
+          <p:cNvSpPr>
+            <a:spLocks noGrp="1"/>
+          </p:cNvSpPr>
+          <p:nvPr>
+            <p:ph type="title"/>
+          </p:nvPr>
+        </p:nvSpPr>
+        <p:spPr>
+          <a:xfrm>
+            <a:off x="164626" y="113770"/>
+            <a:ext cx="7886700" cy="691448"/>
+          </a:xfrm>
+        </p:spPr>
+        <p:txBody>
+          <a:bodyPr/>
+          <a:lstStyle/>
+          <a:p>
+            <a:r>
+              <a:rPr lang="en-US" dirty="0"/>
+              <a:t>Big Idea 5: Impact of Computing</a:t>
+            </a:r>
+          </a:p>
+        </p:txBody>
+      </p:sp>
+      <p:sp>
+        <p:nvSpPr>
+          <p:cNvPr id="3" name="Content Placeholder 2">
+            <a:extLst>
+              <a:ext uri="{FF2B5EF4-FFF2-40B4-BE49-F238E27FC236}">
+                <a16:creationId xmlns:a16="http://schemas.microsoft.com/office/drawing/2014/main" id="{3770FE9B-403E-D54D-910D-E86CFE4C2FAF}"/>
+              </a:ext>
+            </a:extLst>
+          </p:cNvPr>
+          <p:cNvSpPr>
+            <a:spLocks noGrp="1"/>
+          </p:cNvSpPr>
+          <p:nvPr>
+            <p:ph idx="1"/>
+          </p:nvPr>
+        </p:nvSpPr>
+        <p:spPr>
+          <a:xfrm>
+            <a:off x="164626" y="805218"/>
+            <a:ext cx="8814748" cy="4796012"/>
+          </a:xfrm>
+        </p:spPr>
+        <p:txBody>
+          <a:bodyPr/>
+          <a:lstStyle/>
+          <a:p>
+            <a:pPr marL="0" indent="0">
+              <a:buNone/>
+            </a:pPr>
+            <a:r>
+              <a:rPr lang="en-US" dirty="0"/>
+              <a:t>﻿The </a:t>
+            </a:r>
+            <a:r>
+              <a:rPr lang="en-US" b="1" dirty="0"/>
+              <a:t>digital divide</a:t>
+            </a:r>
+            <a:r>
+              <a:rPr lang="en-US" dirty="0"/>
+              <a:t> is the difference in access to technology including access to computers and the internet. </a:t>
+            </a:r>
+          </a:p>
+          <a:p>
+            <a:pPr marL="0" indent="0">
+              <a:buNone/>
+            </a:pPr>
+            <a:endParaRPr lang="en-US" dirty="0"/>
+          </a:p>
+          <a:p>
+            <a:pPr marL="0" indent="0">
+              <a:buNone/>
+            </a:pPr>
+            <a:r>
+              <a:rPr lang="en-US" dirty="0"/>
+              <a:t>Several variables affect the digital divide: </a:t>
+            </a:r>
+          </a:p>
+          <a:p>
+            <a:pPr marL="0" indent="0">
+              <a:buNone/>
+            </a:pPr>
+            <a:r>
+              <a:rPr lang="en-US" dirty="0"/>
+              <a:t>■​Infrastructure—Some parts of the world do not have access to the internet. ■​Education—A person could have access to the internet but not have the education to use it. </a:t>
+            </a:r>
+          </a:p>
+          <a:p>
+            <a:pPr marL="0" indent="0">
+              <a:buNone/>
+            </a:pPr>
+            <a:r>
+              <a:rPr lang="en-US" dirty="0"/>
+              <a:t>■​Indifference—A person could have access to the internet but choose not to use it. </a:t>
+            </a:r>
+          </a:p>
+          <a:p>
+            <a:pPr marL="0" indent="0">
+              <a:buNone/>
+            </a:pPr>
+            <a:r>
+              <a:rPr lang="en-US" dirty="0"/>
+              <a:t>■​Cost—The cost of accessing the internet could make using it unaffordable.</a:t>
+            </a:r>
+          </a:p>
+          <a:p>
+            <a:pPr marL="0" indent="0">
+              <a:buNone/>
+            </a:pPr>
+            <a:endParaRPr lang="en-US" dirty="0"/>
+          </a:p>
+        </p:txBody>
+      </p:sp>
+      <p:sp>
+        <p:nvSpPr>
+          <p:cNvPr id="4" name="Slide Number Placeholder 3">
+            <a:extLst>
+              <a:ext uri="{FF2B5EF4-FFF2-40B4-BE49-F238E27FC236}">
+                <a16:creationId xmlns:a16="http://schemas.microsoft.com/office/drawing/2014/main" id="{AD4E55E8-1CA4-A544-9032-E81BBD4E2B1F}"/>
+              </a:ext>
+            </a:extLst>
+          </p:cNvPr>
+          <p:cNvSpPr>
+            <a:spLocks noGrp="1"/>
+          </p:cNvSpPr>
+          <p:nvPr>
+            <p:ph type="sldNum" sz="quarter" idx="12"/>
+          </p:nvPr>
+        </p:nvSpPr>
+        <p:spPr/>
+        <p:txBody>
+          <a:bodyPr/>
+          <a:lstStyle/>
+          <a:p>
+            <a:fld id="{D57F1E4F-1CFF-5643-939E-02111984F565}" type="slidenum">
+              <a:rPr lang="en-US" smtClean="0"/>
+              <a:t>109</a:t>
+            </a:fld>
+            <a:endParaRPr lang="en-US" dirty="0"/>
+          </a:p>
+        </p:txBody>
+      </p:sp>
+    </p:spTree>
+    <p:extLst>
+      <p:ext uri="{BB962C8B-B14F-4D97-AF65-F5344CB8AC3E}">
+        <p14:creationId xmlns:p14="http://schemas.microsoft.com/office/powerpoint/2010/main" val="2396694308"/>
+      </p:ext>
+    </p:extLst>
+  </p:cSld>
+  <p:clrMapOvr>
+    <a:masterClrMapping/>
+  </p:clrMapOvr>
+  <p:timing>
+    <p:tnLst>
+      <p:par>
+        <p:cTn id="1" dur="indefinite" restart="never" nodeType="tmRoot">
+          <p:childTnLst>
+            <p:seq concurrent="1" nextAc="seek">
+              <p:cTn id="2" dur="indefinite" nodeType="mainSeq">
+                <p:childTnLst>
+                  <p:par>
+                    <p:cTn id="3" fill="hold">
+                      <p:stCondLst>
+                        <p:cond delay="indefinite"/>
+                      </p:stCondLst>
+                      <p:childTnLst>
+                        <p:par>
+                          <p:cTn id="4" fill="hold">
+                            <p:stCondLst>
+                              <p:cond delay="0"/>
+                            </p:stCondLst>
+                            <p:childTnLst>
+                              <p:par>
+                                <p:cTn id="5" presetID="1" presetClass="entr" presetSubtype="0" fill="hold" nodeType="clickEffect">
+                                  <p:stCondLst>
+                                    <p:cond delay="0"/>
+                                  </p:stCondLst>
+                                  <p:childTnLst>
+                                    <p:set>
+                                      <p:cBhvr>
+                                        <p:cTn id="6" dur="1" fill="hold">
+                                          <p:stCondLst>
+                                            <p:cond delay="0"/>
+                                          </p:stCondLst>
+                                        </p:cTn>
+                                        <p:tgtEl>
+                                          <p:spTgt spid="3">
+                                            <p:txEl>
+                                              <p:pRg st="3" end="3"/>
+                                            </p:txEl>
+                                          </p:spTgt>
+                                        </p:tgtEl>
+                                        <p:attrNameLst>
+                                          <p:attrName>style.visibility</p:attrName>
+                                        </p:attrNameLst>
+                                      </p:cBhvr>
+                                      <p:to>
+                                        <p:strVal val="visible"/>
+                                      </p:to>
+                                    </p:set>
+                                  </p:childTnLst>
+                                </p:cTn>
+                              </p:par>
+                            </p:childTnLst>
+                          </p:cTn>
+                        </p:par>
+                      </p:childTnLst>
+                    </p:cTn>
+                  </p:par>
+                  <p:par>
+                    <p:cTn id="7" fill="hold">
+                      <p:stCondLst>
+                        <p:cond delay="indefinite"/>
+                      </p:stCondLst>
+                      <p:childTnLst>
+                        <p:par>
+                          <p:cTn id="8" fill="hold">
+                            <p:stCondLst>
+                              <p:cond delay="0"/>
+                            </p:stCondLst>
+                            <p:childTnLst>
+                              <p:par>
+                                <p:cTn id="9" presetID="1" presetClass="entr" presetSubtype="0" fill="hold" nodeType="clickEffect">
+                                  <p:stCondLst>
+                                    <p:cond delay="0"/>
+                                  </p:stCondLst>
+                                  <p:childTnLst>
+                                    <p:set>
+                                      <p:cBhvr>
+                                        <p:cTn id="10" dur="1" fill="hold">
+                                          <p:stCondLst>
+                                            <p:cond delay="0"/>
+                                          </p:stCondLst>
+                                        </p:cTn>
+                                        <p:tgtEl>
+                                          <p:spTgt spid="3">
+                                            <p:txEl>
+                                              <p:pRg st="4" end="4"/>
+                                            </p:txEl>
+                                          </p:spTgt>
+                                        </p:tgtEl>
+                                        <p:attrNameLst>
+                                          <p:attrName>style.visibility</p:attrName>
+                                        </p:attrNameLst>
+                                      </p:cBhvr>
+                                      <p:to>
+                                        <p:strVal val="visible"/>
+                                      </p:to>
+                                    </p:set>
+                                  </p:childTnLst>
+                                </p:cTn>
+                              </p:par>
+                            </p:childTnLst>
+                          </p:cTn>
+                        </p:par>
+                      </p:childTnLst>
+                    </p:cTn>
+                  </p:par>
+                  <p:par>
+                    <p:cTn id="11" fill="hold">
+                      <p:stCondLst>
+                        <p:cond delay="indefinite"/>
+                      </p:stCondLst>
+                      <p:childTnLst>
+                        <p:par>
+                          <p:cTn id="12" fill="hold">
+                            <p:stCondLst>
+                              <p:cond delay="0"/>
+                            </p:stCondLst>
+                            <p:childTnLst>
+                              <p:par>
+                                <p:cTn id="13" presetID="1" presetClass="entr" presetSubtype="0" fill="hold" nodeType="clickEffect">
+                                  <p:stCondLst>
+                                    <p:cond delay="0"/>
+                                  </p:stCondLst>
+                                  <p:childTnLst>
+                                    <p:set>
+                                      <p:cBhvr>
+                                        <p:cTn id="14" dur="1" fill="hold">
+                                          <p:stCondLst>
+                                            <p:cond delay="0"/>
+                                          </p:stCondLst>
+                                        </p:cTn>
+                                        <p:tgtEl>
+                                          <p:spTgt spid="3">
+                                            <p:txEl>
+                                              <p:pRg st="5" end="5"/>
+                                            </p:txEl>
+                                          </p:spTgt>
+                                        </p:tgtEl>
+                                        <p:attrNameLst>
+                                          <p:attrName>style.visibility</p:attrName>
+                                        </p:attrNameLst>
+                                      </p:cBhvr>
+                                      <p:to>
+                                        <p:strVal val="visible"/>
+                                      </p:to>
+                                    </p:set>
+                                  </p:childTnLst>
+                                </p:cTn>
+                              </p:par>
+                            </p:childTnLst>
+                          </p:cTn>
+                        </p:par>
+                      </p:childTnLst>
+                    </p:cTn>
+                  </p:par>
+                </p:childTnLst>
+              </p:cTn>
+              <p:prevCondLst>
+                <p:cond evt="onPrev" delay="0">
+                  <p:tgtEl>
+                    <p:sldTgt/>
+                  </p:tgtEl>
+                </p:cond>
+              </p:prevCondLst>
+              <p:nextCondLst>
+                <p:cond evt="onNext" delay="0">
+                  <p:tgtEl>
+                    <p:sldTgt/>
+                  </p:tgtEl>
+                </p:cond>
+              </p:nextCondLst>
+            </p:seq>
+          </p:childTnLst>
+        </p:cTn>
+      </p:par>
+    </p:tnLst>
+  </p:timing>
+</p:sld>
+</file>
+
 <file path=ppt/slides/slide11.xml><?xml version="1.0" encoding="utf-8"?>
 <p:sld xmlns:a="http://schemas.openxmlformats.org/drawingml/2006/main" xmlns:r="http://schemas.openxmlformats.org/officeDocument/2006/relationships" xmlns:p="http://schemas.openxmlformats.org/presentationml/2006/main">
   <p:cSld>
@@ -16224,6 +20252,3906 @@
 </p:sld>
 </file>
 
+<file path=ppt/slides/slide110.xml><?xml version="1.0" encoding="utf-8"?>
+<p:sld xmlns:a="http://schemas.openxmlformats.org/drawingml/2006/main" xmlns:r="http://schemas.openxmlformats.org/officeDocument/2006/relationships" xmlns:p="http://schemas.openxmlformats.org/presentationml/2006/main">
+  <p:cSld>
+    <p:spTree>
+      <p:nvGrpSpPr>
+        <p:cNvPr id="1" name=""/>
+        <p:cNvGrpSpPr/>
+        <p:nvPr/>
+      </p:nvGrpSpPr>
+      <p:grpSpPr>
+        <a:xfrm>
+          <a:off x="0" y="0"/>
+          <a:ext cx="0" cy="0"/>
+          <a:chOff x="0" y="0"/>
+          <a:chExt cx="0" cy="0"/>
+        </a:xfrm>
+      </p:grpSpPr>
+      <p:sp>
+        <p:nvSpPr>
+          <p:cNvPr id="2" name="Title 1">
+            <a:extLst>
+              <a:ext uri="{FF2B5EF4-FFF2-40B4-BE49-F238E27FC236}">
+                <a16:creationId xmlns:a16="http://schemas.microsoft.com/office/drawing/2014/main" id="{7EBA3FED-EEF1-464C-A9A0-7EBDB1DA46E8}"/>
+              </a:ext>
+            </a:extLst>
+          </p:cNvPr>
+          <p:cNvSpPr>
+            <a:spLocks noGrp="1"/>
+          </p:cNvSpPr>
+          <p:nvPr>
+            <p:ph type="title"/>
+          </p:nvPr>
+        </p:nvSpPr>
+        <p:spPr>
+          <a:xfrm>
+            <a:off x="164626" y="113770"/>
+            <a:ext cx="7886700" cy="691448"/>
+          </a:xfrm>
+        </p:spPr>
+        <p:txBody>
+          <a:bodyPr/>
+          <a:lstStyle/>
+          <a:p>
+            <a:r>
+              <a:rPr lang="en-US" dirty="0"/>
+              <a:t>Big Idea 5: Impact of Computing</a:t>
+            </a:r>
+          </a:p>
+        </p:txBody>
+      </p:sp>
+      <p:sp>
+        <p:nvSpPr>
+          <p:cNvPr id="3" name="Content Placeholder 2">
+            <a:extLst>
+              <a:ext uri="{FF2B5EF4-FFF2-40B4-BE49-F238E27FC236}">
+                <a16:creationId xmlns:a16="http://schemas.microsoft.com/office/drawing/2014/main" id="{3770FE9B-403E-D54D-910D-E86CFE4C2FAF}"/>
+              </a:ext>
+            </a:extLst>
+          </p:cNvPr>
+          <p:cNvSpPr>
+            <a:spLocks noGrp="1"/>
+          </p:cNvSpPr>
+          <p:nvPr>
+            <p:ph idx="1"/>
+          </p:nvPr>
+        </p:nvSpPr>
+        <p:spPr>
+          <a:xfrm>
+            <a:off x="164626" y="805218"/>
+            <a:ext cx="8814748" cy="4796012"/>
+          </a:xfrm>
+        </p:spPr>
+        <p:txBody>
+          <a:bodyPr/>
+          <a:lstStyle/>
+          <a:p>
+            <a:pPr marL="0" indent="0">
+              <a:buNone/>
+            </a:pPr>
+            <a:r>
+              <a:rPr lang="en-US" dirty="0"/>
+              <a:t>﻿A </a:t>
+            </a:r>
+            <a:r>
+              <a:rPr lang="en-US" b="1" dirty="0"/>
+              <a:t>computing innovation</a:t>
+            </a:r>
+            <a:r>
+              <a:rPr lang="en-US" dirty="0"/>
+              <a:t> includes a program as an integral part of its function. Some examples of modern computing innovations include the following:</a:t>
+            </a:r>
+          </a:p>
+          <a:p>
+            <a:pPr marL="0" indent="0">
+              <a:buNone/>
+            </a:pPr>
+            <a:endParaRPr lang="en-US" dirty="0"/>
+          </a:p>
+          <a:p>
+            <a:pPr marL="0" indent="0">
+              <a:buNone/>
+            </a:pPr>
+            <a:endParaRPr lang="en-US" dirty="0"/>
+          </a:p>
+        </p:txBody>
+      </p:sp>
+      <p:sp>
+        <p:nvSpPr>
+          <p:cNvPr id="4" name="Slide Number Placeholder 3">
+            <a:extLst>
+              <a:ext uri="{FF2B5EF4-FFF2-40B4-BE49-F238E27FC236}">
+                <a16:creationId xmlns:a16="http://schemas.microsoft.com/office/drawing/2014/main" id="{AD4E55E8-1CA4-A544-9032-E81BBD4E2B1F}"/>
+              </a:ext>
+            </a:extLst>
+          </p:cNvPr>
+          <p:cNvSpPr>
+            <a:spLocks noGrp="1"/>
+          </p:cNvSpPr>
+          <p:nvPr>
+            <p:ph type="sldNum" sz="quarter" idx="12"/>
+          </p:nvPr>
+        </p:nvSpPr>
+        <p:spPr/>
+        <p:txBody>
+          <a:bodyPr/>
+          <a:lstStyle/>
+          <a:p>
+            <a:fld id="{D57F1E4F-1CFF-5643-939E-02111984F565}" type="slidenum">
+              <a:rPr lang="en-US" smtClean="0"/>
+              <a:t>110</a:t>
+            </a:fld>
+            <a:endParaRPr lang="en-US" dirty="0"/>
+          </a:p>
+        </p:txBody>
+      </p:sp>
+      <p:pic>
+        <p:nvPicPr>
+          <p:cNvPr id="5" name="Picture 4">
+            <a:extLst>
+              <a:ext uri="{FF2B5EF4-FFF2-40B4-BE49-F238E27FC236}">
+                <a16:creationId xmlns:a16="http://schemas.microsoft.com/office/drawing/2014/main" id="{FBED0713-ABB0-3245-9C1E-4FF8AA0BBE0C}"/>
+              </a:ext>
+            </a:extLst>
+          </p:cNvPr>
+          <p:cNvPicPr>
+            <a:picLocks noChangeAspect="1"/>
+          </p:cNvPicPr>
+          <p:nvPr/>
+        </p:nvPicPr>
+        <p:blipFill>
+          <a:blip r:embed="rId2"/>
+          <a:stretch>
+            <a:fillRect/>
+          </a:stretch>
+        </p:blipFill>
+        <p:spPr>
+          <a:xfrm>
+            <a:off x="291152" y="1781088"/>
+            <a:ext cx="3048000" cy="2540000"/>
+          </a:xfrm>
+          <a:prstGeom prst="rect">
+            <a:avLst/>
+          </a:prstGeom>
+        </p:spPr>
+      </p:pic>
+      <p:pic>
+        <p:nvPicPr>
+          <p:cNvPr id="6" name="Picture 5">
+            <a:extLst>
+              <a:ext uri="{FF2B5EF4-FFF2-40B4-BE49-F238E27FC236}">
+                <a16:creationId xmlns:a16="http://schemas.microsoft.com/office/drawing/2014/main" id="{984F14B2-79FB-6E4A-BBA0-4AC54D4F31EE}"/>
+              </a:ext>
+            </a:extLst>
+          </p:cNvPr>
+          <p:cNvPicPr>
+            <a:picLocks noChangeAspect="1"/>
+          </p:cNvPicPr>
+          <p:nvPr/>
+        </p:nvPicPr>
+        <p:blipFill>
+          <a:blip r:embed="rId3"/>
+          <a:stretch>
+            <a:fillRect/>
+          </a:stretch>
+        </p:blipFill>
+        <p:spPr>
+          <a:xfrm>
+            <a:off x="3613150" y="1767440"/>
+            <a:ext cx="1917700" cy="2730500"/>
+          </a:xfrm>
+          <a:prstGeom prst="rect">
+            <a:avLst/>
+          </a:prstGeom>
+        </p:spPr>
+      </p:pic>
+      <p:pic>
+        <p:nvPicPr>
+          <p:cNvPr id="7" name="Picture 6">
+            <a:extLst>
+              <a:ext uri="{FF2B5EF4-FFF2-40B4-BE49-F238E27FC236}">
+                <a16:creationId xmlns:a16="http://schemas.microsoft.com/office/drawing/2014/main" id="{756B2BF6-CDF1-EF45-A76C-322382E06A3E}"/>
+              </a:ext>
+            </a:extLst>
+          </p:cNvPr>
+          <p:cNvPicPr>
+            <a:picLocks noChangeAspect="1"/>
+          </p:cNvPicPr>
+          <p:nvPr/>
+        </p:nvPicPr>
+        <p:blipFill>
+          <a:blip r:embed="rId4"/>
+          <a:stretch>
+            <a:fillRect/>
+          </a:stretch>
+        </p:blipFill>
+        <p:spPr>
+          <a:xfrm>
+            <a:off x="272150" y="4446809"/>
+            <a:ext cx="5168900" cy="1219200"/>
+          </a:xfrm>
+          <a:prstGeom prst="rect">
+            <a:avLst/>
+          </a:prstGeom>
+        </p:spPr>
+      </p:pic>
+    </p:spTree>
+    <p:extLst>
+      <p:ext uri="{BB962C8B-B14F-4D97-AF65-F5344CB8AC3E}">
+        <p14:creationId xmlns:p14="http://schemas.microsoft.com/office/powerpoint/2010/main" val="587377709"/>
+      </p:ext>
+    </p:extLst>
+  </p:cSld>
+  <p:clrMapOvr>
+    <a:masterClrMapping/>
+  </p:clrMapOvr>
+  <p:timing>
+    <p:tnLst>
+      <p:par>
+        <p:cTn id="1" dur="indefinite" restart="never" nodeType="tmRoot">
+          <p:childTnLst>
+            <p:seq concurrent="1" nextAc="seek">
+              <p:cTn id="2" dur="indefinite" nodeType="mainSeq">
+                <p:childTnLst>
+                  <p:par>
+                    <p:cTn id="3" fill="hold">
+                      <p:stCondLst>
+                        <p:cond delay="indefinite"/>
+                      </p:stCondLst>
+                      <p:childTnLst>
+                        <p:par>
+                          <p:cTn id="4" fill="hold">
+                            <p:stCondLst>
+                              <p:cond delay="0"/>
+                            </p:stCondLst>
+                            <p:childTnLst>
+                              <p:par>
+                                <p:cTn id="5" presetID="1" presetClass="entr" presetSubtype="0" fill="hold" nodeType="clickEffect">
+                                  <p:stCondLst>
+                                    <p:cond delay="0"/>
+                                  </p:stCondLst>
+                                  <p:childTnLst>
+                                    <p:set>
+                                      <p:cBhvr>
+                                        <p:cTn id="6" dur="1" fill="hold">
+                                          <p:stCondLst>
+                                            <p:cond delay="0"/>
+                                          </p:stCondLst>
+                                        </p:cTn>
+                                        <p:tgtEl>
+                                          <p:spTgt spid="5"/>
+                                        </p:tgtEl>
+                                        <p:attrNameLst>
+                                          <p:attrName>style.visibility</p:attrName>
+                                        </p:attrNameLst>
+                                      </p:cBhvr>
+                                      <p:to>
+                                        <p:strVal val="visible"/>
+                                      </p:to>
+                                    </p:set>
+                                  </p:childTnLst>
+                                </p:cTn>
+                              </p:par>
+                            </p:childTnLst>
+                          </p:cTn>
+                        </p:par>
+                      </p:childTnLst>
+                    </p:cTn>
+                  </p:par>
+                  <p:par>
+                    <p:cTn id="7" fill="hold">
+                      <p:stCondLst>
+                        <p:cond delay="indefinite"/>
+                      </p:stCondLst>
+                      <p:childTnLst>
+                        <p:par>
+                          <p:cTn id="8" fill="hold">
+                            <p:stCondLst>
+                              <p:cond delay="0"/>
+                            </p:stCondLst>
+                            <p:childTnLst>
+                              <p:par>
+                                <p:cTn id="9" presetID="1" presetClass="entr" presetSubtype="0" fill="hold" nodeType="clickEffect">
+                                  <p:stCondLst>
+                                    <p:cond delay="0"/>
+                                  </p:stCondLst>
+                                  <p:childTnLst>
+                                    <p:set>
+                                      <p:cBhvr>
+                                        <p:cTn id="10" dur="1" fill="hold">
+                                          <p:stCondLst>
+                                            <p:cond delay="0"/>
+                                          </p:stCondLst>
+                                        </p:cTn>
+                                        <p:tgtEl>
+                                          <p:spTgt spid="6"/>
+                                        </p:tgtEl>
+                                        <p:attrNameLst>
+                                          <p:attrName>style.visibility</p:attrName>
+                                        </p:attrNameLst>
+                                      </p:cBhvr>
+                                      <p:to>
+                                        <p:strVal val="visible"/>
+                                      </p:to>
+                                    </p:set>
+                                  </p:childTnLst>
+                                </p:cTn>
+                              </p:par>
+                            </p:childTnLst>
+                          </p:cTn>
+                        </p:par>
+                      </p:childTnLst>
+                    </p:cTn>
+                  </p:par>
+                  <p:par>
+                    <p:cTn id="11" fill="hold">
+                      <p:stCondLst>
+                        <p:cond delay="indefinite"/>
+                      </p:stCondLst>
+                      <p:childTnLst>
+                        <p:par>
+                          <p:cTn id="12" fill="hold">
+                            <p:stCondLst>
+                              <p:cond delay="0"/>
+                            </p:stCondLst>
+                            <p:childTnLst>
+                              <p:par>
+                                <p:cTn id="13" presetID="1" presetClass="entr" presetSubtype="0" fill="hold" nodeType="clickEffect">
+                                  <p:stCondLst>
+                                    <p:cond delay="0"/>
+                                  </p:stCondLst>
+                                  <p:childTnLst>
+                                    <p:set>
+                                      <p:cBhvr>
+                                        <p:cTn id="14" dur="1" fill="hold">
+                                          <p:stCondLst>
+                                            <p:cond delay="0"/>
+                                          </p:stCondLst>
+                                        </p:cTn>
+                                        <p:tgtEl>
+                                          <p:spTgt spid="7"/>
+                                        </p:tgtEl>
+                                        <p:attrNameLst>
+                                          <p:attrName>style.visibility</p:attrName>
+                                        </p:attrNameLst>
+                                      </p:cBhvr>
+                                      <p:to>
+                                        <p:strVal val="visible"/>
+                                      </p:to>
+                                    </p:set>
+                                  </p:childTnLst>
+                                </p:cTn>
+                              </p:par>
+                            </p:childTnLst>
+                          </p:cTn>
+                        </p:par>
+                      </p:childTnLst>
+                    </p:cTn>
+                  </p:par>
+                </p:childTnLst>
+              </p:cTn>
+              <p:prevCondLst>
+                <p:cond evt="onPrev" delay="0">
+                  <p:tgtEl>
+                    <p:sldTgt/>
+                  </p:tgtEl>
+                </p:cond>
+              </p:prevCondLst>
+              <p:nextCondLst>
+                <p:cond evt="onNext" delay="0">
+                  <p:tgtEl>
+                    <p:sldTgt/>
+                  </p:tgtEl>
+                </p:cond>
+              </p:nextCondLst>
+            </p:seq>
+          </p:childTnLst>
+        </p:cTn>
+      </p:par>
+    </p:tnLst>
+  </p:timing>
+</p:sld>
+</file>
+
+<file path=ppt/slides/slide111.xml><?xml version="1.0" encoding="utf-8"?>
+<p:sld xmlns:a="http://schemas.openxmlformats.org/drawingml/2006/main" xmlns:r="http://schemas.openxmlformats.org/officeDocument/2006/relationships" xmlns:p="http://schemas.openxmlformats.org/presentationml/2006/main">
+  <p:cSld>
+    <p:spTree>
+      <p:nvGrpSpPr>
+        <p:cNvPr id="1" name=""/>
+        <p:cNvGrpSpPr/>
+        <p:nvPr/>
+      </p:nvGrpSpPr>
+      <p:grpSpPr>
+        <a:xfrm>
+          <a:off x="0" y="0"/>
+          <a:ext cx="0" cy="0"/>
+          <a:chOff x="0" y="0"/>
+          <a:chExt cx="0" cy="0"/>
+        </a:xfrm>
+      </p:grpSpPr>
+      <p:sp>
+        <p:nvSpPr>
+          <p:cNvPr id="2" name="Title 1">
+            <a:extLst>
+              <a:ext uri="{FF2B5EF4-FFF2-40B4-BE49-F238E27FC236}">
+                <a16:creationId xmlns:a16="http://schemas.microsoft.com/office/drawing/2014/main" id="{7EBA3FED-EEF1-464C-A9A0-7EBDB1DA46E8}"/>
+              </a:ext>
+            </a:extLst>
+          </p:cNvPr>
+          <p:cNvSpPr>
+            <a:spLocks noGrp="1"/>
+          </p:cNvSpPr>
+          <p:nvPr>
+            <p:ph type="title"/>
+          </p:nvPr>
+        </p:nvSpPr>
+        <p:spPr>
+          <a:xfrm>
+            <a:off x="164626" y="113770"/>
+            <a:ext cx="7886700" cy="691448"/>
+          </a:xfrm>
+        </p:spPr>
+        <p:txBody>
+          <a:bodyPr/>
+          <a:lstStyle/>
+          <a:p>
+            <a:r>
+              <a:rPr lang="en-US" dirty="0"/>
+              <a:t>Big Idea 5: Impact of Computing</a:t>
+            </a:r>
+          </a:p>
+        </p:txBody>
+      </p:sp>
+      <p:sp>
+        <p:nvSpPr>
+          <p:cNvPr id="3" name="Content Placeholder 2">
+            <a:extLst>
+              <a:ext uri="{FF2B5EF4-FFF2-40B4-BE49-F238E27FC236}">
+                <a16:creationId xmlns:a16="http://schemas.microsoft.com/office/drawing/2014/main" id="{3770FE9B-403E-D54D-910D-E86CFE4C2FAF}"/>
+              </a:ext>
+            </a:extLst>
+          </p:cNvPr>
+          <p:cNvSpPr>
+            <a:spLocks noGrp="1"/>
+          </p:cNvSpPr>
+          <p:nvPr>
+            <p:ph idx="1"/>
+          </p:nvPr>
+        </p:nvSpPr>
+        <p:spPr>
+          <a:xfrm>
+            <a:off x="164626" y="805218"/>
+            <a:ext cx="8814748" cy="4796012"/>
+          </a:xfrm>
+        </p:spPr>
+        <p:txBody>
+          <a:bodyPr/>
+          <a:lstStyle/>
+          <a:p>
+            <a:pPr marL="0" indent="0">
+              <a:buNone/>
+            </a:pPr>
+            <a:r>
+              <a:rPr lang="en-US" dirty="0"/>
+              <a:t>﻿A computing innovation can have both a beneficial and a harmful effect on societies, cultures, or economies. An effect may be an impact, a result, or an outcome. Beneficial and/or harmful effects are contextual and interpretive. </a:t>
+            </a:r>
+          </a:p>
+          <a:p>
+            <a:pPr marL="0" indent="0">
+              <a:buNone/>
+            </a:pPr>
+            <a:endParaRPr lang="en-US" dirty="0"/>
+          </a:p>
+          <a:p>
+            <a:pPr marL="0" indent="0">
+              <a:buNone/>
+            </a:pPr>
+            <a:r>
+              <a:rPr lang="en-US" dirty="0"/>
+              <a:t>A single effect can be viewed as both beneficial and harmful by different people or even by the same person. </a:t>
+            </a:r>
+          </a:p>
+          <a:p>
+            <a:pPr marL="0" indent="0">
+              <a:buNone/>
+            </a:pPr>
+            <a:endParaRPr lang="en-US" dirty="0"/>
+          </a:p>
+          <a:p>
+            <a:pPr marL="0" indent="0">
+              <a:buNone/>
+            </a:pPr>
+            <a:r>
+              <a:rPr lang="en-US" dirty="0"/>
+              <a:t>For example, GPS in a car can predict the time of arrival during a long car trip by tracking the speed of a car and the distance needed to travel. This can be beneficial to the driver to know his or her time of arrival. However, this same innovation can be harmful to the user if the police gain access to this data and give the driver a speeding ticket.</a:t>
+            </a:r>
+          </a:p>
+          <a:p>
+            <a:pPr marL="0" indent="0">
+              <a:buNone/>
+            </a:pPr>
+            <a:endParaRPr lang="en-US" dirty="0"/>
+          </a:p>
+          <a:p>
+            <a:pPr marL="0" indent="0">
+              <a:buNone/>
+            </a:pPr>
+            <a:endParaRPr lang="en-US" dirty="0"/>
+          </a:p>
+        </p:txBody>
+      </p:sp>
+      <p:sp>
+        <p:nvSpPr>
+          <p:cNvPr id="4" name="Slide Number Placeholder 3">
+            <a:extLst>
+              <a:ext uri="{FF2B5EF4-FFF2-40B4-BE49-F238E27FC236}">
+                <a16:creationId xmlns:a16="http://schemas.microsoft.com/office/drawing/2014/main" id="{AD4E55E8-1CA4-A544-9032-E81BBD4E2B1F}"/>
+              </a:ext>
+            </a:extLst>
+          </p:cNvPr>
+          <p:cNvSpPr>
+            <a:spLocks noGrp="1"/>
+          </p:cNvSpPr>
+          <p:nvPr>
+            <p:ph type="sldNum" sz="quarter" idx="12"/>
+          </p:nvPr>
+        </p:nvSpPr>
+        <p:spPr/>
+        <p:txBody>
+          <a:bodyPr/>
+          <a:lstStyle/>
+          <a:p>
+            <a:fld id="{D57F1E4F-1CFF-5643-939E-02111984F565}" type="slidenum">
+              <a:rPr lang="en-US" smtClean="0"/>
+              <a:t>111</a:t>
+            </a:fld>
+            <a:endParaRPr lang="en-US" dirty="0"/>
+          </a:p>
+        </p:txBody>
+      </p:sp>
+    </p:spTree>
+    <p:extLst>
+      <p:ext uri="{BB962C8B-B14F-4D97-AF65-F5344CB8AC3E}">
+        <p14:creationId xmlns:p14="http://schemas.microsoft.com/office/powerpoint/2010/main" val="3832706411"/>
+      </p:ext>
+    </p:extLst>
+  </p:cSld>
+  <p:clrMapOvr>
+    <a:masterClrMapping/>
+  </p:clrMapOvr>
+  <p:timing>
+    <p:tnLst>
+      <p:par>
+        <p:cTn id="1" dur="indefinite" restart="never" nodeType="tmRoot">
+          <p:childTnLst>
+            <p:seq concurrent="1" nextAc="seek">
+              <p:cTn id="2" dur="indefinite" nodeType="mainSeq">
+                <p:childTnLst>
+                  <p:par>
+                    <p:cTn id="3" fill="hold">
+                      <p:stCondLst>
+                        <p:cond delay="indefinite"/>
+                      </p:stCondLst>
+                      <p:childTnLst>
+                        <p:par>
+                          <p:cTn id="4" fill="hold">
+                            <p:stCondLst>
+                              <p:cond delay="0"/>
+                            </p:stCondLst>
+                            <p:childTnLst>
+                              <p:par>
+                                <p:cTn id="5" presetID="1" presetClass="entr" presetSubtype="0" fill="hold" nodeType="clickEffect">
+                                  <p:stCondLst>
+                                    <p:cond delay="0"/>
+                                  </p:stCondLst>
+                                  <p:childTnLst>
+                                    <p:set>
+                                      <p:cBhvr>
+                                        <p:cTn id="6" dur="1" fill="hold">
+                                          <p:stCondLst>
+                                            <p:cond delay="0"/>
+                                          </p:stCondLst>
+                                        </p:cTn>
+                                        <p:tgtEl>
+                                          <p:spTgt spid="3">
+                                            <p:txEl>
+                                              <p:pRg st="2" end="2"/>
+                                            </p:txEl>
+                                          </p:spTgt>
+                                        </p:tgtEl>
+                                        <p:attrNameLst>
+                                          <p:attrName>style.visibility</p:attrName>
+                                        </p:attrNameLst>
+                                      </p:cBhvr>
+                                      <p:to>
+                                        <p:strVal val="visible"/>
+                                      </p:to>
+                                    </p:set>
+                                  </p:childTnLst>
+                                </p:cTn>
+                              </p:par>
+                            </p:childTnLst>
+                          </p:cTn>
+                        </p:par>
+                      </p:childTnLst>
+                    </p:cTn>
+                  </p:par>
+                  <p:par>
+                    <p:cTn id="7" fill="hold">
+                      <p:stCondLst>
+                        <p:cond delay="indefinite"/>
+                      </p:stCondLst>
+                      <p:childTnLst>
+                        <p:par>
+                          <p:cTn id="8" fill="hold">
+                            <p:stCondLst>
+                              <p:cond delay="0"/>
+                            </p:stCondLst>
+                            <p:childTnLst>
+                              <p:par>
+                                <p:cTn id="9" presetID="1" presetClass="entr" presetSubtype="0" fill="hold" nodeType="clickEffect">
+                                  <p:stCondLst>
+                                    <p:cond delay="0"/>
+                                  </p:stCondLst>
+                                  <p:childTnLst>
+                                    <p:set>
+                                      <p:cBhvr>
+                                        <p:cTn id="10" dur="1" fill="hold">
+                                          <p:stCondLst>
+                                            <p:cond delay="0"/>
+                                          </p:stCondLst>
+                                        </p:cTn>
+                                        <p:tgtEl>
+                                          <p:spTgt spid="3">
+                                            <p:txEl>
+                                              <p:pRg st="4" end="4"/>
+                                            </p:txEl>
+                                          </p:spTgt>
+                                        </p:tgtEl>
+                                        <p:attrNameLst>
+                                          <p:attrName>style.visibility</p:attrName>
+                                        </p:attrNameLst>
+                                      </p:cBhvr>
+                                      <p:to>
+                                        <p:strVal val="visible"/>
+                                      </p:to>
+                                    </p:set>
+                                  </p:childTnLst>
+                                </p:cTn>
+                              </p:par>
+                            </p:childTnLst>
+                          </p:cTn>
+                        </p:par>
+                      </p:childTnLst>
+                    </p:cTn>
+                  </p:par>
+                </p:childTnLst>
+              </p:cTn>
+              <p:prevCondLst>
+                <p:cond evt="onPrev" delay="0">
+                  <p:tgtEl>
+                    <p:sldTgt/>
+                  </p:tgtEl>
+                </p:cond>
+              </p:prevCondLst>
+              <p:nextCondLst>
+                <p:cond evt="onNext" delay="0">
+                  <p:tgtEl>
+                    <p:sldTgt/>
+                  </p:tgtEl>
+                </p:cond>
+              </p:nextCondLst>
+            </p:seq>
+          </p:childTnLst>
+        </p:cTn>
+      </p:par>
+    </p:tnLst>
+  </p:timing>
+</p:sld>
+</file>
+
+<file path=ppt/slides/slide112.xml><?xml version="1.0" encoding="utf-8"?>
+<p:sld xmlns:a="http://schemas.openxmlformats.org/drawingml/2006/main" xmlns:r="http://schemas.openxmlformats.org/officeDocument/2006/relationships" xmlns:p="http://schemas.openxmlformats.org/presentationml/2006/main">
+  <p:cSld>
+    <p:spTree>
+      <p:nvGrpSpPr>
+        <p:cNvPr id="1" name=""/>
+        <p:cNvGrpSpPr/>
+        <p:nvPr/>
+      </p:nvGrpSpPr>
+      <p:grpSpPr>
+        <a:xfrm>
+          <a:off x="0" y="0"/>
+          <a:ext cx="0" cy="0"/>
+          <a:chOff x="0" y="0"/>
+          <a:chExt cx="0" cy="0"/>
+        </a:xfrm>
+      </p:grpSpPr>
+      <p:sp>
+        <p:nvSpPr>
+          <p:cNvPr id="2" name="Title 1">
+            <a:extLst>
+              <a:ext uri="{FF2B5EF4-FFF2-40B4-BE49-F238E27FC236}">
+                <a16:creationId xmlns:a16="http://schemas.microsoft.com/office/drawing/2014/main" id="{7EBA3FED-EEF1-464C-A9A0-7EBDB1DA46E8}"/>
+              </a:ext>
+            </a:extLst>
+          </p:cNvPr>
+          <p:cNvSpPr>
+            <a:spLocks noGrp="1"/>
+          </p:cNvSpPr>
+          <p:nvPr>
+            <p:ph type="title"/>
+          </p:nvPr>
+        </p:nvSpPr>
+        <p:spPr>
+          <a:xfrm>
+            <a:off x="164626" y="113770"/>
+            <a:ext cx="7886700" cy="691448"/>
+          </a:xfrm>
+        </p:spPr>
+        <p:txBody>
+          <a:bodyPr/>
+          <a:lstStyle/>
+          <a:p>
+            <a:r>
+              <a:rPr lang="en-US" dirty="0"/>
+              <a:t>Big Idea 5: Impact of Computing</a:t>
+            </a:r>
+          </a:p>
+        </p:txBody>
+      </p:sp>
+      <p:sp>
+        <p:nvSpPr>
+          <p:cNvPr id="3" name="Content Placeholder 2">
+            <a:extLst>
+              <a:ext uri="{FF2B5EF4-FFF2-40B4-BE49-F238E27FC236}">
+                <a16:creationId xmlns:a16="http://schemas.microsoft.com/office/drawing/2014/main" id="{3770FE9B-403E-D54D-910D-E86CFE4C2FAF}"/>
+              </a:ext>
+            </a:extLst>
+          </p:cNvPr>
+          <p:cNvSpPr>
+            <a:spLocks noGrp="1"/>
+          </p:cNvSpPr>
+          <p:nvPr>
+            <p:ph idx="1"/>
+          </p:nvPr>
+        </p:nvSpPr>
+        <p:spPr>
+          <a:xfrm>
+            <a:off x="164626" y="805218"/>
+            <a:ext cx="8814748" cy="4796012"/>
+          </a:xfrm>
+        </p:spPr>
+        <p:txBody>
+          <a:bodyPr/>
+          <a:lstStyle/>
+          <a:p>
+            <a:pPr marL="0" indent="0">
+              <a:buNone/>
+            </a:pPr>
+            <a:r>
+              <a:rPr lang="en-US" dirty="0"/>
+              <a:t>Computing innovations can reflect existing human bias.﻿Since computing innovations are created by people, the innovations created can reflect bias that the programmers bring with them. Programmers should take action to reduce biases at all levels of software development. Machine learning algorithms that are trained on biased datasets will give biased results. </a:t>
+            </a:r>
+          </a:p>
+          <a:p>
+            <a:pPr marL="0" indent="0">
+              <a:buNone/>
+            </a:pPr>
+            <a:endParaRPr lang="en-US" dirty="0"/>
+          </a:p>
+          <a:p>
+            <a:pPr marL="0" indent="0">
+              <a:buNone/>
+            </a:pPr>
+            <a:r>
+              <a:rPr lang="en-US" b="1" dirty="0"/>
+              <a:t>Crowdsourcing</a:t>
+            </a:r>
+            <a:r>
+              <a:rPr lang="en-US" dirty="0"/>
+              <a:t> is a sourcing model in which individuals or organizations obtain goods and services, including ideas and finances, from a large group of internet users. Examples include "idea competitions" and "innovation contests" such as Netflix Prize and Lego Ideas.</a:t>
+            </a:r>
+          </a:p>
+          <a:p>
+            <a:pPr marL="0" indent="0">
+              <a:buNone/>
+            </a:pPr>
+            <a:endParaRPr lang="en-US" dirty="0"/>
+          </a:p>
+          <a:p>
+            <a:pPr marL="0" indent="0">
+              <a:buNone/>
+            </a:pPr>
+            <a:r>
+              <a:rPr lang="en-US" b="1" dirty="0">
+                <a:latin typeface="Gill Sans MT" panose="020B0502020104020203" pitchFamily="34" charset="77"/>
+                <a:ea typeface="Tahoma" panose="020B0604030504040204" pitchFamily="34" charset="0"/>
+                <a:cs typeface="Tahoma" panose="020B0604030504040204" pitchFamily="34" charset="0"/>
+              </a:rPr>
+              <a:t>Citizen science </a:t>
+            </a:r>
+            <a:r>
+              <a:rPr lang="en-US" dirty="0">
+                <a:latin typeface="Gill Sans MT" panose="020B0502020104020203" pitchFamily="34" charset="77"/>
+                <a:ea typeface="Tahoma" panose="020B0604030504040204" pitchFamily="34" charset="0"/>
+                <a:cs typeface="Tahoma" panose="020B0604030504040204" pitchFamily="34" charset="0"/>
+              </a:rPr>
+              <a:t>is scientific research conducted in whole or part by distributed individuals, many of whom may not be scientists, who contribute relevant data to research using their own computing devices e.g.</a:t>
+            </a:r>
+            <a:r>
+              <a:rPr lang="en-US" altLang="en-US" dirty="0">
+                <a:latin typeface="Gill Sans MT" panose="020B0502020104020203" pitchFamily="34" charset="77"/>
+              </a:rPr>
+              <a:t> </a:t>
+            </a:r>
+            <a:r>
+              <a:rPr lang="en-US" altLang="en-US" dirty="0" err="1">
+                <a:latin typeface="Gill Sans MT" panose="020B0502020104020203" pitchFamily="34" charset="77"/>
+              </a:rPr>
+              <a:t>folding@home</a:t>
+            </a:r>
+            <a:r>
+              <a:rPr lang="en-US" altLang="en-US" dirty="0">
+                <a:latin typeface="Gill Sans MT" panose="020B0502020104020203" pitchFamily="34" charset="77"/>
+              </a:rPr>
+              <a:t>(protein folding) and Galaxy Zoo(classify galaxies).</a:t>
+            </a:r>
+            <a:endParaRPr lang="en-US" dirty="0">
+              <a:latin typeface="Gill Sans MT" panose="020B0502020104020203" pitchFamily="34" charset="77"/>
+              <a:ea typeface="Tahoma" panose="020B0604030504040204" pitchFamily="34" charset="0"/>
+              <a:cs typeface="Tahoma" panose="020B0604030504040204" pitchFamily="34" charset="0"/>
+            </a:endParaRPr>
+          </a:p>
+          <a:p>
+            <a:pPr marL="0" indent="0">
+              <a:buNone/>
+            </a:pPr>
+            <a:endParaRPr lang="en-US" dirty="0"/>
+          </a:p>
+          <a:p>
+            <a:pPr marL="0" indent="0">
+              <a:buNone/>
+            </a:pPr>
+            <a:endParaRPr lang="en-US" dirty="0"/>
+          </a:p>
+        </p:txBody>
+      </p:sp>
+      <p:sp>
+        <p:nvSpPr>
+          <p:cNvPr id="4" name="Slide Number Placeholder 3">
+            <a:extLst>
+              <a:ext uri="{FF2B5EF4-FFF2-40B4-BE49-F238E27FC236}">
+                <a16:creationId xmlns:a16="http://schemas.microsoft.com/office/drawing/2014/main" id="{AD4E55E8-1CA4-A544-9032-E81BBD4E2B1F}"/>
+              </a:ext>
+            </a:extLst>
+          </p:cNvPr>
+          <p:cNvSpPr>
+            <a:spLocks noGrp="1"/>
+          </p:cNvSpPr>
+          <p:nvPr>
+            <p:ph type="sldNum" sz="quarter" idx="12"/>
+          </p:nvPr>
+        </p:nvSpPr>
+        <p:spPr/>
+        <p:txBody>
+          <a:bodyPr/>
+          <a:lstStyle/>
+          <a:p>
+            <a:fld id="{D57F1E4F-1CFF-5643-939E-02111984F565}" type="slidenum">
+              <a:rPr lang="en-US" smtClean="0"/>
+              <a:t>112</a:t>
+            </a:fld>
+            <a:endParaRPr lang="en-US" dirty="0"/>
+          </a:p>
+        </p:txBody>
+      </p:sp>
+    </p:spTree>
+    <p:extLst>
+      <p:ext uri="{BB962C8B-B14F-4D97-AF65-F5344CB8AC3E}">
+        <p14:creationId xmlns:p14="http://schemas.microsoft.com/office/powerpoint/2010/main" val="3005322827"/>
+      </p:ext>
+    </p:extLst>
+  </p:cSld>
+  <p:clrMapOvr>
+    <a:masterClrMapping/>
+  </p:clrMapOvr>
+  <p:timing>
+    <p:tnLst>
+      <p:par>
+        <p:cTn id="1" dur="indefinite" restart="never" nodeType="tmRoot">
+          <p:childTnLst>
+            <p:seq concurrent="1" nextAc="seek">
+              <p:cTn id="2" dur="indefinite" nodeType="mainSeq">
+                <p:childTnLst>
+                  <p:par>
+                    <p:cTn id="3" fill="hold">
+                      <p:stCondLst>
+                        <p:cond delay="indefinite"/>
+                      </p:stCondLst>
+                      <p:childTnLst>
+                        <p:par>
+                          <p:cTn id="4" fill="hold">
+                            <p:stCondLst>
+                              <p:cond delay="0"/>
+                            </p:stCondLst>
+                            <p:childTnLst>
+                              <p:par>
+                                <p:cTn id="5" presetID="1" presetClass="entr" presetSubtype="0" fill="hold" nodeType="clickEffect">
+                                  <p:stCondLst>
+                                    <p:cond delay="0"/>
+                                  </p:stCondLst>
+                                  <p:childTnLst>
+                                    <p:set>
+                                      <p:cBhvr>
+                                        <p:cTn id="6" dur="1" fill="hold">
+                                          <p:stCondLst>
+                                            <p:cond delay="0"/>
+                                          </p:stCondLst>
+                                        </p:cTn>
+                                        <p:tgtEl>
+                                          <p:spTgt spid="3">
+                                            <p:txEl>
+                                              <p:pRg st="2" end="2"/>
+                                            </p:txEl>
+                                          </p:spTgt>
+                                        </p:tgtEl>
+                                        <p:attrNameLst>
+                                          <p:attrName>style.visibility</p:attrName>
+                                        </p:attrNameLst>
+                                      </p:cBhvr>
+                                      <p:to>
+                                        <p:strVal val="visible"/>
+                                      </p:to>
+                                    </p:set>
+                                  </p:childTnLst>
+                                </p:cTn>
+                              </p:par>
+                            </p:childTnLst>
+                          </p:cTn>
+                        </p:par>
+                      </p:childTnLst>
+                    </p:cTn>
+                  </p:par>
+                  <p:par>
+                    <p:cTn id="7" fill="hold">
+                      <p:stCondLst>
+                        <p:cond delay="indefinite"/>
+                      </p:stCondLst>
+                      <p:childTnLst>
+                        <p:par>
+                          <p:cTn id="8" fill="hold">
+                            <p:stCondLst>
+                              <p:cond delay="0"/>
+                            </p:stCondLst>
+                            <p:childTnLst>
+                              <p:par>
+                                <p:cTn id="9" presetID="1" presetClass="entr" presetSubtype="0" fill="hold" nodeType="clickEffect">
+                                  <p:stCondLst>
+                                    <p:cond delay="0"/>
+                                  </p:stCondLst>
+                                  <p:childTnLst>
+                                    <p:set>
+                                      <p:cBhvr>
+                                        <p:cTn id="10" dur="1" fill="hold">
+                                          <p:stCondLst>
+                                            <p:cond delay="0"/>
+                                          </p:stCondLst>
+                                        </p:cTn>
+                                        <p:tgtEl>
+                                          <p:spTgt spid="3">
+                                            <p:txEl>
+                                              <p:pRg st="4" end="4"/>
+                                            </p:txEl>
+                                          </p:spTgt>
+                                        </p:tgtEl>
+                                        <p:attrNameLst>
+                                          <p:attrName>style.visibility</p:attrName>
+                                        </p:attrNameLst>
+                                      </p:cBhvr>
+                                      <p:to>
+                                        <p:strVal val="visible"/>
+                                      </p:to>
+                                    </p:set>
+                                  </p:childTnLst>
+                                </p:cTn>
+                              </p:par>
+                            </p:childTnLst>
+                          </p:cTn>
+                        </p:par>
+                      </p:childTnLst>
+                    </p:cTn>
+                  </p:par>
+                </p:childTnLst>
+              </p:cTn>
+              <p:prevCondLst>
+                <p:cond evt="onPrev" delay="0">
+                  <p:tgtEl>
+                    <p:sldTgt/>
+                  </p:tgtEl>
+                </p:cond>
+              </p:prevCondLst>
+              <p:nextCondLst>
+                <p:cond evt="onNext" delay="0">
+                  <p:tgtEl>
+                    <p:sldTgt/>
+                  </p:tgtEl>
+                </p:cond>
+              </p:nextCondLst>
+            </p:seq>
+          </p:childTnLst>
+        </p:cTn>
+      </p:par>
+    </p:tnLst>
+  </p:timing>
+</p:sld>
+</file>
+
+<file path=ppt/slides/slide113.xml><?xml version="1.0" encoding="utf-8"?>
+<p:sld xmlns:a="http://schemas.openxmlformats.org/drawingml/2006/main" xmlns:r="http://schemas.openxmlformats.org/officeDocument/2006/relationships" xmlns:p="http://schemas.openxmlformats.org/presentationml/2006/main">
+  <p:cSld>
+    <p:spTree>
+      <p:nvGrpSpPr>
+        <p:cNvPr id="1" name=""/>
+        <p:cNvGrpSpPr/>
+        <p:nvPr/>
+      </p:nvGrpSpPr>
+      <p:grpSpPr>
+        <a:xfrm>
+          <a:off x="0" y="0"/>
+          <a:ext cx="0" cy="0"/>
+          <a:chOff x="0" y="0"/>
+          <a:chExt cx="0" cy="0"/>
+        </a:xfrm>
+      </p:grpSpPr>
+      <p:sp>
+        <p:nvSpPr>
+          <p:cNvPr id="26625" name="Rectangle 2">
+            <a:extLst>
+              <a:ext uri="{FF2B5EF4-FFF2-40B4-BE49-F238E27FC236}">
+                <a16:creationId xmlns:a16="http://schemas.microsoft.com/office/drawing/2014/main" id="{D38D7ADF-E686-184F-A04A-069F9601FE24}"/>
+              </a:ext>
+            </a:extLst>
+          </p:cNvPr>
+          <p:cNvSpPr>
+            <a:spLocks noGrp="1" noChangeArrowheads="1"/>
+          </p:cNvSpPr>
+          <p:nvPr>
+            <p:ph type="title"/>
+          </p:nvPr>
+        </p:nvSpPr>
+        <p:spPr>
+          <a:xfrm>
+            <a:off x="129105" y="97852"/>
+            <a:ext cx="7586786" cy="552318"/>
+          </a:xfrm>
+        </p:spPr>
+        <p:txBody>
+          <a:bodyPr/>
+          <a:lstStyle/>
+          <a:p>
+            <a:r>
+              <a:rPr lang="en-US" dirty="0"/>
+              <a:t>Big Idea 5: Impact of Computing</a:t>
+            </a:r>
+            <a:endParaRPr lang="en-US" altLang="en-US" dirty="0">
+              <a:latin typeface="Tahoma" panose="020B0604030504040204" pitchFamily="34" charset="0"/>
+              <a:ea typeface="ＭＳ Ｐゴシック" panose="020B0600070205080204" pitchFamily="34" charset="-128"/>
+            </a:endParaRPr>
+          </a:p>
+        </p:txBody>
+      </p:sp>
+      <p:sp>
+        <p:nvSpPr>
+          <p:cNvPr id="16386" name="Rectangle 3">
+            <a:extLst>
+              <a:ext uri="{FF2B5EF4-FFF2-40B4-BE49-F238E27FC236}">
+                <a16:creationId xmlns:a16="http://schemas.microsoft.com/office/drawing/2014/main" id="{2CA53A1D-0CFC-9346-9F25-D3084700DDD8}"/>
+              </a:ext>
+            </a:extLst>
+          </p:cNvPr>
+          <p:cNvSpPr>
+            <a:spLocks noGrp="1" noChangeArrowheads="1"/>
+          </p:cNvSpPr>
+          <p:nvPr>
+            <p:ph type="body" idx="1"/>
+          </p:nvPr>
+        </p:nvSpPr>
+        <p:spPr>
+          <a:xfrm>
+            <a:off x="215757" y="697177"/>
+            <a:ext cx="8650841" cy="4890824"/>
+          </a:xfrm>
+        </p:spPr>
+        <p:txBody>
+          <a:bodyPr/>
+          <a:lstStyle/>
+          <a:p>
+            <a:pPr marL="0" indent="0" eaLnBrk="1" hangingPunct="1">
+              <a:buNone/>
+            </a:pPr>
+            <a:r>
+              <a:rPr lang="en-US" altLang="en-US" sz="1667" b="1" dirty="0">
+                <a:latin typeface="Tahoma" panose="020B0604030504040204" pitchFamily="34" charset="0"/>
+                <a:ea typeface="ＭＳ Ｐゴシック" panose="020B0600070205080204" pitchFamily="34" charset="-128"/>
+              </a:rPr>
+              <a:t>Open Access</a:t>
+            </a:r>
+            <a:r>
+              <a:rPr lang="en-US" altLang="en-US" sz="1667" dirty="0">
+                <a:latin typeface="Tahoma" panose="020B0604030504040204" pitchFamily="34" charset="0"/>
+                <a:ea typeface="ＭＳ Ｐゴシック" panose="020B0600070205080204" pitchFamily="34" charset="-128"/>
+              </a:rPr>
+              <a:t> and </a:t>
+            </a:r>
+            <a:r>
+              <a:rPr lang="en-US" altLang="en-US" sz="1667" b="1" dirty="0">
+                <a:latin typeface="Tahoma" panose="020B0604030504040204" pitchFamily="34" charset="0"/>
+                <a:ea typeface="ＭＳ Ｐゴシック" panose="020B0600070205080204" pitchFamily="34" charset="-128"/>
+              </a:rPr>
+              <a:t>Creative Commons</a:t>
+            </a:r>
+            <a:r>
+              <a:rPr lang="en-US" altLang="en-US" sz="1667" dirty="0">
+                <a:latin typeface="Tahoma" panose="020B0604030504040204" pitchFamily="34" charset="0"/>
+                <a:ea typeface="ＭＳ Ｐゴシック" panose="020B0600070205080204" pitchFamily="34" charset="-128"/>
+              </a:rPr>
+              <a:t> have enabled broad access to digital information. Open and curated scientific databases have benefited scientific researchers.</a:t>
+            </a:r>
+          </a:p>
+          <a:p>
+            <a:pPr marL="0" indent="0" eaLnBrk="1" hangingPunct="1">
+              <a:buNone/>
+            </a:pPr>
+            <a:endParaRPr lang="en-US" altLang="en-US" sz="1667" dirty="0">
+              <a:latin typeface="Tahoma" panose="020B0604030504040204" pitchFamily="34" charset="0"/>
+              <a:ea typeface="ＭＳ Ｐゴシック" panose="020B0600070205080204" pitchFamily="34" charset="-128"/>
+            </a:endParaRPr>
+          </a:p>
+          <a:p>
+            <a:pPr marL="0" indent="0">
+              <a:buNone/>
+            </a:pPr>
+            <a:r>
+              <a:rPr lang="en-US" altLang="en-US" sz="1667" b="1" dirty="0">
+                <a:latin typeface="Tahoma" panose="020B0604030504040204" pitchFamily="34" charset="0"/>
+                <a:ea typeface="ＭＳ Ｐゴシック" panose="020B0600070205080204" pitchFamily="34" charset="-128"/>
+              </a:rPr>
+              <a:t>Creative Commons</a:t>
+            </a:r>
+            <a:r>
+              <a:rPr lang="en-US" altLang="en-US" sz="1667" dirty="0">
+                <a:latin typeface="Tahoma" panose="020B0604030504040204" pitchFamily="34" charset="0"/>
+                <a:ea typeface="ＭＳ Ｐゴシック" panose="020B0600070205080204" pitchFamily="34" charset="-128"/>
+              </a:rPr>
+              <a:t>—a public copyright license that enables the free distribution</a:t>
+            </a:r>
+            <a:br>
+              <a:rPr lang="en-US" altLang="en-US" sz="1667" dirty="0">
+                <a:latin typeface="Tahoma" panose="020B0604030504040204" pitchFamily="34" charset="0"/>
+                <a:ea typeface="ＭＳ Ｐゴシック" panose="020B0600070205080204" pitchFamily="34" charset="-128"/>
+              </a:rPr>
+            </a:br>
+            <a:r>
+              <a:rPr lang="en-US" altLang="en-US" sz="1667" dirty="0">
+                <a:latin typeface="Tahoma" panose="020B0604030504040204" pitchFamily="34" charset="0"/>
+                <a:ea typeface="ＭＳ Ｐゴシック" panose="020B0600070205080204" pitchFamily="34" charset="-128"/>
+              </a:rPr>
+              <a:t>of an otherwise copyrighted work. This is used when the content creator wants to give others the right to share, use, and build upon the work they have created. </a:t>
+            </a:r>
+          </a:p>
+          <a:p>
+            <a:pPr marL="0" indent="0" eaLnBrk="1" hangingPunct="1">
+              <a:buNone/>
+            </a:pPr>
+            <a:endParaRPr lang="en-US" altLang="en-US" sz="1667" dirty="0">
+              <a:latin typeface="Tahoma" panose="020B0604030504040204" pitchFamily="34" charset="0"/>
+              <a:ea typeface="ＭＳ Ｐゴシック" panose="020B0600070205080204" pitchFamily="34" charset="-128"/>
+            </a:endParaRPr>
+          </a:p>
+          <a:p>
+            <a:pPr marL="0" indent="0" eaLnBrk="1" hangingPunct="1">
+              <a:buNone/>
+            </a:pPr>
+            <a:endParaRPr lang="en-US" altLang="en-US" sz="1667" dirty="0">
+              <a:latin typeface="Tahoma" panose="020B0604030504040204" pitchFamily="34" charset="0"/>
+              <a:ea typeface="ＭＳ Ｐゴシック" panose="020B0600070205080204" pitchFamily="34" charset="-128"/>
+            </a:endParaRPr>
+          </a:p>
+          <a:p>
+            <a:pPr marL="0" indent="0">
+              <a:buNone/>
+            </a:pPr>
+            <a:r>
+              <a:rPr lang="en-US" altLang="en-US" sz="1667" b="1" dirty="0">
+                <a:latin typeface="Tahoma" panose="020B0604030504040204" pitchFamily="34" charset="0"/>
+                <a:ea typeface="ＭＳ Ｐゴシック" panose="020B0600070205080204" pitchFamily="34" charset="-128"/>
+              </a:rPr>
+              <a:t>open source</a:t>
+            </a:r>
+            <a:r>
+              <a:rPr lang="en-US" altLang="en-US" sz="1667" dirty="0">
+                <a:latin typeface="Tahoma" panose="020B0604030504040204" pitchFamily="34" charset="0"/>
+                <a:ea typeface="ＭＳ Ｐゴシック" panose="020B0600070205080204" pitchFamily="34" charset="-128"/>
+              </a:rPr>
+              <a:t>—programs that are made freely available and may be redistributed and modified(examples: Firefox browser, OpenOffice(in competition with Microsoft Office).</a:t>
+            </a:r>
+          </a:p>
+          <a:p>
+            <a:pPr marL="0" indent="0">
+              <a:buNone/>
+            </a:pPr>
+            <a:endParaRPr lang="en-US" altLang="en-US" sz="1667" dirty="0">
+              <a:latin typeface="Tahoma" panose="020B0604030504040204" pitchFamily="34" charset="0"/>
+              <a:ea typeface="ＭＳ Ｐゴシック" panose="020B0600070205080204" pitchFamily="34" charset="-128"/>
+            </a:endParaRPr>
+          </a:p>
+          <a:p>
+            <a:pPr marL="0" indent="0">
+              <a:buNone/>
+            </a:pPr>
+            <a:r>
+              <a:rPr lang="en-US" altLang="en-US" sz="1667" b="1" dirty="0">
+                <a:latin typeface="Tahoma" panose="020B0604030504040204" pitchFamily="34" charset="0"/>
+                <a:ea typeface="ＭＳ Ｐゴシック" panose="020B0600070205080204" pitchFamily="34" charset="-128"/>
+              </a:rPr>
+              <a:t>open access</a:t>
+            </a:r>
+            <a:r>
+              <a:rPr lang="en-US" altLang="en-US" sz="1667" dirty="0">
+                <a:latin typeface="Tahoma" panose="020B0604030504040204" pitchFamily="34" charset="0"/>
+                <a:ea typeface="ＭＳ Ｐゴシック" panose="020B0600070205080204" pitchFamily="34" charset="-128"/>
+              </a:rPr>
+              <a:t>—online research output free of any and all restrictions on access and free of many restrictions on use, such as copyright or license restrictions </a:t>
+            </a:r>
+          </a:p>
+          <a:p>
+            <a:pPr marL="0" indent="0">
+              <a:buNone/>
+            </a:pPr>
+            <a:endParaRPr lang="en-US" altLang="en-US" sz="1667" dirty="0">
+              <a:latin typeface="Tahoma" panose="020B0604030504040204" pitchFamily="34" charset="0"/>
+              <a:ea typeface="ＭＳ Ｐゴシック" panose="020B0600070205080204" pitchFamily="34" charset="-128"/>
+            </a:endParaRPr>
+          </a:p>
+          <a:p>
+            <a:pPr marL="0" indent="0" eaLnBrk="1" hangingPunct="1">
+              <a:buNone/>
+            </a:pPr>
+            <a:endParaRPr lang="en-US" altLang="en-US" sz="1667" dirty="0">
+              <a:latin typeface="Tahoma" panose="020B0604030504040204" pitchFamily="34" charset="0"/>
+              <a:ea typeface="ＭＳ Ｐゴシック" panose="020B0600070205080204" pitchFamily="34" charset="-128"/>
+            </a:endParaRPr>
+          </a:p>
+        </p:txBody>
+      </p:sp>
+      <p:pic>
+        <p:nvPicPr>
+          <p:cNvPr id="26627" name="Picture 1">
+            <a:extLst>
+              <a:ext uri="{FF2B5EF4-FFF2-40B4-BE49-F238E27FC236}">
+                <a16:creationId xmlns:a16="http://schemas.microsoft.com/office/drawing/2014/main" id="{8E500075-EA97-AA49-B495-75D97CC93715}"/>
+              </a:ext>
+            </a:extLst>
+          </p:cNvPr>
+          <p:cNvPicPr>
+            <a:picLocks noChangeAspect="1"/>
+          </p:cNvPicPr>
+          <p:nvPr/>
+        </p:nvPicPr>
+        <p:blipFill>
+          <a:blip r:embed="rId3">
+            <a:extLst>
+              <a:ext uri="{28A0092B-C50C-407E-A947-70E740481C1C}">
+                <a14:useLocalDpi xmlns:a14="http://schemas.microsoft.com/office/drawing/2010/main" val="0"/>
+              </a:ext>
+            </a:extLst>
+          </a:blip>
+          <a:srcRect/>
+          <a:stretch>
+            <a:fillRect/>
+          </a:stretch>
+        </p:blipFill>
+        <p:spPr bwMode="auto">
+          <a:xfrm>
+            <a:off x="1079416" y="2378238"/>
+            <a:ext cx="2002896" cy="478896"/>
+          </a:xfrm>
+          <a:prstGeom prst="rect">
+            <a:avLst/>
+          </a:prstGeom>
+          <a:noFill/>
+          <a:ln>
+            <a:noFill/>
+          </a:ln>
+          <a:extLst>
+            <a:ext uri="{909E8E84-426E-40DD-AFC4-6F175D3DCCD1}">
+              <a14:hiddenFill xmlns:a14="http://schemas.microsoft.com/office/drawing/2010/main">
+                <a:solidFill>
+                  <a:srgbClr val="FFFFFF"/>
+                </a:solidFill>
+              </a14:hiddenFill>
+            </a:ext>
+            <a:ext uri="{91240B29-F687-4F45-9708-019B960494DF}">
+              <a14:hiddenLine xmlns:a14="http://schemas.microsoft.com/office/drawing/2010/main" w="9525">
+                <a:solidFill>
+                  <a:srgbClr val="000000"/>
+                </a:solidFill>
+                <a:miter lim="800000"/>
+                <a:headEnd/>
+                <a:tailEnd/>
+              </a14:hiddenLine>
+            </a:ext>
+          </a:extLst>
+        </p:spPr>
+      </p:pic>
+      <p:pic>
+        <p:nvPicPr>
+          <p:cNvPr id="26629" name="Picture 3">
+            <a:extLst>
+              <a:ext uri="{FF2B5EF4-FFF2-40B4-BE49-F238E27FC236}">
+                <a16:creationId xmlns:a16="http://schemas.microsoft.com/office/drawing/2014/main" id="{9B31DD18-EA56-DD47-95FC-383AD8B4C321}"/>
+              </a:ext>
+            </a:extLst>
+          </p:cNvPr>
+          <p:cNvPicPr>
+            <a:picLocks noChangeAspect="1"/>
+          </p:cNvPicPr>
+          <p:nvPr/>
+        </p:nvPicPr>
+        <p:blipFill>
+          <a:blip r:embed="rId4">
+            <a:extLst>
+              <a:ext uri="{28A0092B-C50C-407E-A947-70E740481C1C}">
+                <a14:useLocalDpi xmlns:a14="http://schemas.microsoft.com/office/drawing/2010/main" val="0"/>
+              </a:ext>
+            </a:extLst>
+          </a:blip>
+          <a:srcRect/>
+          <a:stretch>
+            <a:fillRect/>
+          </a:stretch>
+        </p:blipFill>
+        <p:spPr bwMode="auto">
+          <a:xfrm>
+            <a:off x="979287" y="4501377"/>
+            <a:ext cx="653521" cy="1019969"/>
+          </a:xfrm>
+          <a:prstGeom prst="rect">
+            <a:avLst/>
+          </a:prstGeom>
+          <a:noFill/>
+          <a:ln>
+            <a:noFill/>
+          </a:ln>
+          <a:extLst>
+            <a:ext uri="{909E8E84-426E-40DD-AFC4-6F175D3DCCD1}">
+              <a14:hiddenFill xmlns:a14="http://schemas.microsoft.com/office/drawing/2010/main">
+                <a:solidFill>
+                  <a:srgbClr val="FFFFFF"/>
+                </a:solidFill>
+              </a14:hiddenFill>
+            </a:ext>
+            <a:ext uri="{91240B29-F687-4F45-9708-019B960494DF}">
+              <a14:hiddenLine xmlns:a14="http://schemas.microsoft.com/office/drawing/2010/main" w="9525">
+                <a:solidFill>
+                  <a:srgbClr val="000000"/>
+                </a:solidFill>
+                <a:miter lim="800000"/>
+                <a:headEnd/>
+                <a:tailEnd/>
+              </a14:hiddenLine>
+            </a:ext>
+          </a:extLst>
+        </p:spPr>
+      </p:pic>
+      <p:sp>
+        <p:nvSpPr>
+          <p:cNvPr id="26630" name="TextBox 4">
+            <a:extLst>
+              <a:ext uri="{FF2B5EF4-FFF2-40B4-BE49-F238E27FC236}">
+                <a16:creationId xmlns:a16="http://schemas.microsoft.com/office/drawing/2014/main" id="{672F2BC1-5427-3747-BA9D-8CE15AA370E3}"/>
+              </a:ext>
+            </a:extLst>
+          </p:cNvPr>
+          <p:cNvSpPr txBox="1">
+            <a:spLocks noChangeArrowheads="1"/>
+          </p:cNvSpPr>
+          <p:nvPr/>
+        </p:nvSpPr>
+        <p:spPr bwMode="auto">
+          <a:xfrm>
+            <a:off x="1763746" y="4777860"/>
+            <a:ext cx="1318566" cy="323165"/>
+          </a:xfrm>
+          <a:prstGeom prst="rect">
+            <a:avLst/>
+          </a:prstGeom>
+          <a:noFill/>
+          <a:ln>
+            <a:noFill/>
+          </a:ln>
+          <a:extLst>
+            <a:ext uri="{909E8E84-426E-40DD-AFC4-6F175D3DCCD1}">
+              <a14:hiddenFill xmlns:a14="http://schemas.microsoft.com/office/drawing/2010/main">
+                <a:solidFill>
+                  <a:srgbClr val="FFFFFF"/>
+                </a:solidFill>
+              </a14:hiddenFill>
+            </a:ext>
+            <a:ext uri="{91240B29-F687-4F45-9708-019B960494DF}">
+              <a14:hiddenLine xmlns:a14="http://schemas.microsoft.com/office/drawing/2010/main" w="9525">
+                <a:solidFill>
+                  <a:srgbClr val="000000"/>
+                </a:solidFill>
+                <a:miter lim="800000"/>
+                <a:headEnd/>
+                <a:tailEnd/>
+              </a14:hiddenLine>
+            </a:ext>
+          </a:extLst>
+        </p:spPr>
+        <p:txBody>
+          <a:bodyPr wrap="none">
+            <a:spAutoFit/>
+          </a:bodyPr>
+          <a:lstStyle>
+            <a:lvl1pPr>
+              <a:spcBef>
+                <a:spcPct val="20000"/>
+              </a:spcBef>
+              <a:buChar char="•"/>
+              <a:defRPr sz="3200">
+                <a:solidFill>
+                  <a:schemeClr val="tx1"/>
+                </a:solidFill>
+                <a:latin typeface="Arial" panose="020B0604020202020204" pitchFamily="34" charset="0"/>
+                <a:ea typeface="ＭＳ Ｐゴシック" panose="020B0600070205080204" pitchFamily="34" charset="-128"/>
+                <a:cs typeface="Arial" panose="020B0604020202020204" pitchFamily="34" charset="0"/>
+              </a:defRPr>
+            </a:lvl1pPr>
+            <a:lvl2pPr marL="742950" indent="-285750">
+              <a:spcBef>
+                <a:spcPct val="20000"/>
+              </a:spcBef>
+              <a:buChar char="–"/>
+              <a:defRPr sz="2800">
+                <a:solidFill>
+                  <a:schemeClr val="tx1"/>
+                </a:solidFill>
+                <a:latin typeface="Arial" panose="020B0604020202020204" pitchFamily="34" charset="0"/>
+                <a:ea typeface="Arial" panose="020B0604020202020204" pitchFamily="34" charset="0"/>
+                <a:cs typeface="Arial" panose="020B0604020202020204" pitchFamily="34" charset="0"/>
+              </a:defRPr>
+            </a:lvl2pPr>
+            <a:lvl3pPr marL="1143000" indent="-228600">
+              <a:spcBef>
+                <a:spcPct val="20000"/>
+              </a:spcBef>
+              <a:buChar char="•"/>
+              <a:defRPr sz="2400">
+                <a:solidFill>
+                  <a:schemeClr val="tx1"/>
+                </a:solidFill>
+                <a:latin typeface="Arial" panose="020B0604020202020204" pitchFamily="34" charset="0"/>
+                <a:ea typeface="Arial" panose="020B0604020202020204" pitchFamily="34" charset="0"/>
+                <a:cs typeface="Arial" panose="020B0604020202020204" pitchFamily="34" charset="0"/>
+              </a:defRPr>
+            </a:lvl3pPr>
+            <a:lvl4pPr marL="1600200" indent="-228600">
+              <a:spcBef>
+                <a:spcPct val="20000"/>
+              </a:spcBef>
+              <a:buChar char="–"/>
+              <a:defRPr sz="2000">
+                <a:solidFill>
+                  <a:schemeClr val="tx1"/>
+                </a:solidFill>
+                <a:latin typeface="Arial" panose="020B0604020202020204" pitchFamily="34" charset="0"/>
+                <a:ea typeface="Arial" panose="020B0604020202020204" pitchFamily="34" charset="0"/>
+                <a:cs typeface="Arial" panose="020B0604020202020204" pitchFamily="34" charset="0"/>
+              </a:defRPr>
+            </a:lvl4pPr>
+            <a:lvl5pPr marL="2057400" indent="-228600">
+              <a:spcBef>
+                <a:spcPct val="20000"/>
+              </a:spcBef>
+              <a:buChar char="»"/>
+              <a:defRPr sz="2000">
+                <a:solidFill>
+                  <a:schemeClr val="tx1"/>
+                </a:solidFill>
+                <a:latin typeface="Arial" panose="020B0604020202020204" pitchFamily="34" charset="0"/>
+                <a:ea typeface="Arial" panose="020B0604020202020204" pitchFamily="34" charset="0"/>
+                <a:cs typeface="Arial" panose="020B0604020202020204" pitchFamily="34" charset="0"/>
+              </a:defRPr>
+            </a:lvl5pPr>
+            <a:lvl6pPr marL="2514600" indent="-228600" eaLnBrk="0" fontAlgn="base" hangingPunct="0">
+              <a:spcBef>
+                <a:spcPct val="20000"/>
+              </a:spcBef>
+              <a:spcAft>
+                <a:spcPct val="0"/>
+              </a:spcAft>
+              <a:buChar char="»"/>
+              <a:defRPr sz="2000">
+                <a:solidFill>
+                  <a:schemeClr val="tx1"/>
+                </a:solidFill>
+                <a:latin typeface="Arial" panose="020B0604020202020204" pitchFamily="34" charset="0"/>
+                <a:ea typeface="Arial" panose="020B0604020202020204" pitchFamily="34" charset="0"/>
+                <a:cs typeface="Arial" panose="020B0604020202020204" pitchFamily="34" charset="0"/>
+              </a:defRPr>
+            </a:lvl6pPr>
+            <a:lvl7pPr marL="2971800" indent="-228600" eaLnBrk="0" fontAlgn="base" hangingPunct="0">
+              <a:spcBef>
+                <a:spcPct val="20000"/>
+              </a:spcBef>
+              <a:spcAft>
+                <a:spcPct val="0"/>
+              </a:spcAft>
+              <a:buChar char="»"/>
+              <a:defRPr sz="2000">
+                <a:solidFill>
+                  <a:schemeClr val="tx1"/>
+                </a:solidFill>
+                <a:latin typeface="Arial" panose="020B0604020202020204" pitchFamily="34" charset="0"/>
+                <a:ea typeface="Arial" panose="020B0604020202020204" pitchFamily="34" charset="0"/>
+                <a:cs typeface="Arial" panose="020B0604020202020204" pitchFamily="34" charset="0"/>
+              </a:defRPr>
+            </a:lvl7pPr>
+            <a:lvl8pPr marL="3429000" indent="-228600" eaLnBrk="0" fontAlgn="base" hangingPunct="0">
+              <a:spcBef>
+                <a:spcPct val="20000"/>
+              </a:spcBef>
+              <a:spcAft>
+                <a:spcPct val="0"/>
+              </a:spcAft>
+              <a:buChar char="»"/>
+              <a:defRPr sz="2000">
+                <a:solidFill>
+                  <a:schemeClr val="tx1"/>
+                </a:solidFill>
+                <a:latin typeface="Arial" panose="020B0604020202020204" pitchFamily="34" charset="0"/>
+                <a:ea typeface="Arial" panose="020B0604020202020204" pitchFamily="34" charset="0"/>
+                <a:cs typeface="Arial" panose="020B0604020202020204" pitchFamily="34" charset="0"/>
+              </a:defRPr>
+            </a:lvl8pPr>
+            <a:lvl9pPr marL="3886200" indent="-228600" eaLnBrk="0" fontAlgn="base" hangingPunct="0">
+              <a:spcBef>
+                <a:spcPct val="20000"/>
+              </a:spcBef>
+              <a:spcAft>
+                <a:spcPct val="0"/>
+              </a:spcAft>
+              <a:buChar char="»"/>
+              <a:defRPr sz="2000">
+                <a:solidFill>
+                  <a:schemeClr val="tx1"/>
+                </a:solidFill>
+                <a:latin typeface="Arial" panose="020B0604020202020204" pitchFamily="34" charset="0"/>
+                <a:ea typeface="Arial" panose="020B0604020202020204" pitchFamily="34" charset="0"/>
+                <a:cs typeface="Arial" panose="020B0604020202020204" pitchFamily="34" charset="0"/>
+              </a:defRPr>
+            </a:lvl9pPr>
+          </a:lstStyle>
+          <a:p>
+            <a:pPr>
+              <a:spcBef>
+                <a:spcPct val="0"/>
+              </a:spcBef>
+              <a:buFontTx/>
+              <a:buNone/>
+            </a:pPr>
+            <a:r>
+              <a:rPr lang="en-US" altLang="en-US" sz="1500" dirty="0"/>
+              <a:t>Open Access</a:t>
+            </a:r>
+          </a:p>
+        </p:txBody>
+      </p:sp>
+    </p:spTree>
+    <p:extLst>
+      <p:ext uri="{BB962C8B-B14F-4D97-AF65-F5344CB8AC3E}">
+        <p14:creationId xmlns:p14="http://schemas.microsoft.com/office/powerpoint/2010/main" val="4223814934"/>
+      </p:ext>
+    </p:extLst>
+  </p:cSld>
+  <p:clrMapOvr>
+    <a:masterClrMapping/>
+  </p:clrMapOvr>
+  <p:transition/>
+  <p:timing>
+    <p:tnLst>
+      <p:par>
+        <p:cTn id="1" dur="indefinite" restart="never" nodeType="tmRoot">
+          <p:childTnLst>
+            <p:seq concurrent="1" nextAc="seek">
+              <p:cTn id="2" dur="indefinite" nodeType="mainSeq">
+                <p:childTnLst>
+                  <p:par>
+                    <p:cTn id="3" fill="hold" nodeType="clickPar">
+                      <p:stCondLst>
+                        <p:cond delay="indefinite"/>
+                      </p:stCondLst>
+                      <p:childTnLst>
+                        <p:par>
+                          <p:cTn id="4" fill="hold" nodeType="withGroup">
+                            <p:stCondLst>
+                              <p:cond delay="0"/>
+                            </p:stCondLst>
+                            <p:childTnLst>
+                              <p:par>
+                                <p:cTn id="5" presetID="1" presetClass="entr" presetSubtype="0" fill="hold" nodeType="clickEffect">
+                                  <p:stCondLst>
+                                    <p:cond delay="0"/>
+                                  </p:stCondLst>
+                                  <p:childTnLst>
+                                    <p:set>
+                                      <p:cBhvr>
+                                        <p:cTn id="6" dur="1" fill="hold">
+                                          <p:stCondLst>
+                                            <p:cond delay="0"/>
+                                          </p:stCondLst>
+                                        </p:cTn>
+                                        <p:tgtEl>
+                                          <p:spTgt spid="16386">
+                                            <p:txEl>
+                                              <p:pRg st="0" end="0"/>
+                                            </p:txEl>
+                                          </p:spTgt>
+                                        </p:tgtEl>
+                                        <p:attrNameLst>
+                                          <p:attrName>style.visibility</p:attrName>
+                                        </p:attrNameLst>
+                                      </p:cBhvr>
+                                      <p:to>
+                                        <p:strVal val="visible"/>
+                                      </p:to>
+                                    </p:set>
+                                  </p:childTnLst>
+                                </p:cTn>
+                              </p:par>
+                            </p:childTnLst>
+                          </p:cTn>
+                        </p:par>
+                      </p:childTnLst>
+                    </p:cTn>
+                  </p:par>
+                  <p:par>
+                    <p:cTn id="7" fill="hold">
+                      <p:stCondLst>
+                        <p:cond delay="indefinite"/>
+                      </p:stCondLst>
+                      <p:childTnLst>
+                        <p:par>
+                          <p:cTn id="8" fill="hold">
+                            <p:stCondLst>
+                              <p:cond delay="0"/>
+                            </p:stCondLst>
+                            <p:childTnLst>
+                              <p:par>
+                                <p:cTn id="9" presetID="1" presetClass="entr" presetSubtype="0" fill="hold" nodeType="clickEffect">
+                                  <p:stCondLst>
+                                    <p:cond delay="0"/>
+                                  </p:stCondLst>
+                                  <p:childTnLst>
+                                    <p:set>
+                                      <p:cBhvr>
+                                        <p:cTn id="10" dur="1" fill="hold">
+                                          <p:stCondLst>
+                                            <p:cond delay="0"/>
+                                          </p:stCondLst>
+                                        </p:cTn>
+                                        <p:tgtEl>
+                                          <p:spTgt spid="16386">
+                                            <p:txEl>
+                                              <p:pRg st="2" end="2"/>
+                                            </p:txEl>
+                                          </p:spTgt>
+                                        </p:tgtEl>
+                                        <p:attrNameLst>
+                                          <p:attrName>style.visibility</p:attrName>
+                                        </p:attrNameLst>
+                                      </p:cBhvr>
+                                      <p:to>
+                                        <p:strVal val="visible"/>
+                                      </p:to>
+                                    </p:set>
+                                  </p:childTnLst>
+                                </p:cTn>
+                              </p:par>
+                            </p:childTnLst>
+                          </p:cTn>
+                        </p:par>
+                      </p:childTnLst>
+                    </p:cTn>
+                  </p:par>
+                  <p:par>
+                    <p:cTn id="11" fill="hold">
+                      <p:stCondLst>
+                        <p:cond delay="indefinite"/>
+                      </p:stCondLst>
+                      <p:childTnLst>
+                        <p:par>
+                          <p:cTn id="12" fill="hold">
+                            <p:stCondLst>
+                              <p:cond delay="0"/>
+                            </p:stCondLst>
+                            <p:childTnLst>
+                              <p:par>
+                                <p:cTn id="13" presetID="1" presetClass="entr" presetSubtype="0" fill="hold" nodeType="clickEffect">
+                                  <p:stCondLst>
+                                    <p:cond delay="0"/>
+                                  </p:stCondLst>
+                                  <p:childTnLst>
+                                    <p:set>
+                                      <p:cBhvr>
+                                        <p:cTn id="14" dur="1" fill="hold">
+                                          <p:stCondLst>
+                                            <p:cond delay="0"/>
+                                          </p:stCondLst>
+                                        </p:cTn>
+                                        <p:tgtEl>
+                                          <p:spTgt spid="26627"/>
+                                        </p:tgtEl>
+                                        <p:attrNameLst>
+                                          <p:attrName>style.visibility</p:attrName>
+                                        </p:attrNameLst>
+                                      </p:cBhvr>
+                                      <p:to>
+                                        <p:strVal val="visible"/>
+                                      </p:to>
+                                    </p:set>
+                                  </p:childTnLst>
+                                </p:cTn>
+                              </p:par>
+                            </p:childTnLst>
+                          </p:cTn>
+                        </p:par>
+                      </p:childTnLst>
+                    </p:cTn>
+                  </p:par>
+                  <p:par>
+                    <p:cTn id="15" fill="hold">
+                      <p:stCondLst>
+                        <p:cond delay="indefinite"/>
+                      </p:stCondLst>
+                      <p:childTnLst>
+                        <p:par>
+                          <p:cTn id="16" fill="hold">
+                            <p:stCondLst>
+                              <p:cond delay="0"/>
+                            </p:stCondLst>
+                            <p:childTnLst>
+                              <p:par>
+                                <p:cTn id="17" presetID="1" presetClass="entr" presetSubtype="0" fill="hold" nodeType="clickEffect">
+                                  <p:stCondLst>
+                                    <p:cond delay="0"/>
+                                  </p:stCondLst>
+                                  <p:childTnLst>
+                                    <p:set>
+                                      <p:cBhvr>
+                                        <p:cTn id="18" dur="1" fill="hold">
+                                          <p:stCondLst>
+                                            <p:cond delay="0"/>
+                                          </p:stCondLst>
+                                        </p:cTn>
+                                        <p:tgtEl>
+                                          <p:spTgt spid="16386">
+                                            <p:txEl>
+                                              <p:pRg st="5" end="5"/>
+                                            </p:txEl>
+                                          </p:spTgt>
+                                        </p:tgtEl>
+                                        <p:attrNameLst>
+                                          <p:attrName>style.visibility</p:attrName>
+                                        </p:attrNameLst>
+                                      </p:cBhvr>
+                                      <p:to>
+                                        <p:strVal val="visible"/>
+                                      </p:to>
+                                    </p:set>
+                                  </p:childTnLst>
+                                </p:cTn>
+                              </p:par>
+                            </p:childTnLst>
+                          </p:cTn>
+                        </p:par>
+                      </p:childTnLst>
+                    </p:cTn>
+                  </p:par>
+                  <p:par>
+                    <p:cTn id="19" fill="hold">
+                      <p:stCondLst>
+                        <p:cond delay="indefinite"/>
+                      </p:stCondLst>
+                      <p:childTnLst>
+                        <p:par>
+                          <p:cTn id="20" fill="hold">
+                            <p:stCondLst>
+                              <p:cond delay="0"/>
+                            </p:stCondLst>
+                            <p:childTnLst>
+                              <p:par>
+                                <p:cTn id="21" presetID="1" presetClass="entr" presetSubtype="0" fill="hold" nodeType="clickEffect">
+                                  <p:stCondLst>
+                                    <p:cond delay="0"/>
+                                  </p:stCondLst>
+                                  <p:childTnLst>
+                                    <p:set>
+                                      <p:cBhvr>
+                                        <p:cTn id="22" dur="1" fill="hold">
+                                          <p:stCondLst>
+                                            <p:cond delay="0"/>
+                                          </p:stCondLst>
+                                        </p:cTn>
+                                        <p:tgtEl>
+                                          <p:spTgt spid="16386">
+                                            <p:txEl>
+                                              <p:pRg st="7" end="7"/>
+                                            </p:txEl>
+                                          </p:spTgt>
+                                        </p:tgtEl>
+                                        <p:attrNameLst>
+                                          <p:attrName>style.visibility</p:attrName>
+                                        </p:attrNameLst>
+                                      </p:cBhvr>
+                                      <p:to>
+                                        <p:strVal val="visible"/>
+                                      </p:to>
+                                    </p:set>
+                                  </p:childTnLst>
+                                </p:cTn>
+                              </p:par>
+                            </p:childTnLst>
+                          </p:cTn>
+                        </p:par>
+                      </p:childTnLst>
+                    </p:cTn>
+                  </p:par>
+                  <p:par>
+                    <p:cTn id="23" fill="hold">
+                      <p:stCondLst>
+                        <p:cond delay="indefinite"/>
+                      </p:stCondLst>
+                      <p:childTnLst>
+                        <p:par>
+                          <p:cTn id="24" fill="hold">
+                            <p:stCondLst>
+                              <p:cond delay="0"/>
+                            </p:stCondLst>
+                            <p:childTnLst>
+                              <p:par>
+                                <p:cTn id="25" presetID="1" presetClass="entr" presetSubtype="0" fill="hold" nodeType="clickEffect">
+                                  <p:stCondLst>
+                                    <p:cond delay="0"/>
+                                  </p:stCondLst>
+                                  <p:childTnLst>
+                                    <p:set>
+                                      <p:cBhvr>
+                                        <p:cTn id="26" dur="1" fill="hold">
+                                          <p:stCondLst>
+                                            <p:cond delay="0"/>
+                                          </p:stCondLst>
+                                        </p:cTn>
+                                        <p:tgtEl>
+                                          <p:spTgt spid="26629"/>
+                                        </p:tgtEl>
+                                        <p:attrNameLst>
+                                          <p:attrName>style.visibility</p:attrName>
+                                        </p:attrNameLst>
+                                      </p:cBhvr>
+                                      <p:to>
+                                        <p:strVal val="visible"/>
+                                      </p:to>
+                                    </p:set>
+                                  </p:childTnLst>
+                                </p:cTn>
+                              </p:par>
+                            </p:childTnLst>
+                          </p:cTn>
+                        </p:par>
+                      </p:childTnLst>
+                    </p:cTn>
+                  </p:par>
+                  <p:par>
+                    <p:cTn id="27" fill="hold">
+                      <p:stCondLst>
+                        <p:cond delay="indefinite"/>
+                      </p:stCondLst>
+                      <p:childTnLst>
+                        <p:par>
+                          <p:cTn id="28" fill="hold">
+                            <p:stCondLst>
+                              <p:cond delay="0"/>
+                            </p:stCondLst>
+                            <p:childTnLst>
+                              <p:par>
+                                <p:cTn id="29" presetID="1" presetClass="entr" presetSubtype="0" fill="hold" grpId="0" nodeType="clickEffect">
+                                  <p:stCondLst>
+                                    <p:cond delay="0"/>
+                                  </p:stCondLst>
+                                  <p:childTnLst>
+                                    <p:set>
+                                      <p:cBhvr>
+                                        <p:cTn id="30" dur="1" fill="hold">
+                                          <p:stCondLst>
+                                            <p:cond delay="0"/>
+                                          </p:stCondLst>
+                                        </p:cTn>
+                                        <p:tgtEl>
+                                          <p:spTgt spid="26630"/>
+                                        </p:tgtEl>
+                                        <p:attrNameLst>
+                                          <p:attrName>style.visibility</p:attrName>
+                                        </p:attrNameLst>
+                                      </p:cBhvr>
+                                      <p:to>
+                                        <p:strVal val="visible"/>
+                                      </p:to>
+                                    </p:set>
+                                  </p:childTnLst>
+                                </p:cTn>
+                              </p:par>
+                            </p:childTnLst>
+                          </p:cTn>
+                        </p:par>
+                      </p:childTnLst>
+                    </p:cTn>
+                  </p:par>
+                </p:childTnLst>
+              </p:cTn>
+              <p:prevCondLst>
+                <p:cond evt="onPrev" delay="0">
+                  <p:tgtEl>
+                    <p:sldTgt/>
+                  </p:tgtEl>
+                </p:cond>
+              </p:prevCondLst>
+              <p:nextCondLst>
+                <p:cond evt="onNext" delay="0">
+                  <p:tgtEl>
+                    <p:sldTgt/>
+                  </p:tgtEl>
+                </p:cond>
+              </p:nextCondLst>
+            </p:seq>
+          </p:childTnLst>
+        </p:cTn>
+      </p:par>
+    </p:tnLst>
+    <p:bldLst>
+      <p:bldP spid="26630" grpId="0"/>
+    </p:bldLst>
+  </p:timing>
+</p:sld>
+</file>
+
+<file path=ppt/slides/slide114.xml><?xml version="1.0" encoding="utf-8"?>
+<p:sld xmlns:a="http://schemas.openxmlformats.org/drawingml/2006/main" xmlns:r="http://schemas.openxmlformats.org/officeDocument/2006/relationships" xmlns:p="http://schemas.openxmlformats.org/presentationml/2006/main">
+  <p:cSld>
+    <p:spTree>
+      <p:nvGrpSpPr>
+        <p:cNvPr id="1" name=""/>
+        <p:cNvGrpSpPr/>
+        <p:nvPr/>
+      </p:nvGrpSpPr>
+      <p:grpSpPr>
+        <a:xfrm>
+          <a:off x="0" y="0"/>
+          <a:ext cx="0" cy="0"/>
+          <a:chOff x="0" y="0"/>
+          <a:chExt cx="0" cy="0"/>
+        </a:xfrm>
+      </p:grpSpPr>
+      <p:sp>
+        <p:nvSpPr>
+          <p:cNvPr id="2" name="Title 1">
+            <a:extLst>
+              <a:ext uri="{FF2B5EF4-FFF2-40B4-BE49-F238E27FC236}">
+                <a16:creationId xmlns:a16="http://schemas.microsoft.com/office/drawing/2014/main" id="{7EBA3FED-EEF1-464C-A9A0-7EBDB1DA46E8}"/>
+              </a:ext>
+            </a:extLst>
+          </p:cNvPr>
+          <p:cNvSpPr>
+            <a:spLocks noGrp="1"/>
+          </p:cNvSpPr>
+          <p:nvPr>
+            <p:ph type="title"/>
+          </p:nvPr>
+        </p:nvSpPr>
+        <p:spPr>
+          <a:xfrm>
+            <a:off x="164626" y="113770"/>
+            <a:ext cx="7886700" cy="691448"/>
+          </a:xfrm>
+        </p:spPr>
+        <p:txBody>
+          <a:bodyPr/>
+          <a:lstStyle/>
+          <a:p>
+            <a:r>
+              <a:rPr lang="en-US" dirty="0"/>
+              <a:t>Big Idea 5: Impact of Computing</a:t>
+            </a:r>
+          </a:p>
+        </p:txBody>
+      </p:sp>
+      <p:sp>
+        <p:nvSpPr>
+          <p:cNvPr id="3" name="Content Placeholder 2">
+            <a:extLst>
+              <a:ext uri="{FF2B5EF4-FFF2-40B4-BE49-F238E27FC236}">
+                <a16:creationId xmlns:a16="http://schemas.microsoft.com/office/drawing/2014/main" id="{3770FE9B-403E-D54D-910D-E86CFE4C2FAF}"/>
+              </a:ext>
+            </a:extLst>
+          </p:cNvPr>
+          <p:cNvSpPr>
+            <a:spLocks noGrp="1"/>
+          </p:cNvSpPr>
+          <p:nvPr>
+            <p:ph idx="1"/>
+          </p:nvPr>
+        </p:nvSpPr>
+        <p:spPr>
+          <a:xfrm>
+            <a:off x="164626" y="805218"/>
+            <a:ext cx="8814748" cy="4796012"/>
+          </a:xfrm>
+        </p:spPr>
+        <p:txBody>
+          <a:bodyPr/>
+          <a:lstStyle/>
+          <a:p>
+            <a:pPr marL="0" indent="0">
+              <a:buNone/>
+            </a:pPr>
+            <a:r>
+              <a:rPr lang="en-US" dirty="0"/>
+              <a:t>﻿</a:t>
+            </a:r>
+            <a:r>
+              <a:rPr lang="en-US" b="1" dirty="0"/>
+              <a:t>Security</a:t>
+            </a:r>
+            <a:r>
+              <a:rPr lang="en-US" dirty="0"/>
+              <a:t> is needed to protect the confidentiality, integrity, and availability of information. Security protects that data from cyber attacks and hacking. </a:t>
+            </a:r>
+          </a:p>
+          <a:p>
+            <a:pPr marL="0" indent="0">
+              <a:buNone/>
+            </a:pPr>
+            <a:endParaRPr lang="en-US" dirty="0"/>
+          </a:p>
+          <a:p>
+            <a:pPr marL="0" indent="0">
+              <a:buNone/>
+            </a:pPr>
+            <a:r>
+              <a:rPr lang="en-US" b="1" dirty="0"/>
+              <a:t>Privacy</a:t>
+            </a:r>
+            <a:r>
+              <a:rPr lang="en-US" dirty="0"/>
+              <a:t> is the right to control data generated by one’s usage of computing innovations and restrict the flow of that data to third parties.</a:t>
+            </a:r>
+          </a:p>
+          <a:p>
+            <a:pPr marL="0" indent="0">
+              <a:buNone/>
+            </a:pPr>
+            <a:endParaRPr lang="en-US" dirty="0"/>
+          </a:p>
+          <a:p>
+            <a:pPr marL="0" indent="0">
+              <a:buNone/>
+            </a:pPr>
+            <a:r>
+              <a:rPr lang="en-US" dirty="0"/>
+              <a:t>﻿</a:t>
+            </a:r>
+            <a:r>
+              <a:rPr lang="en-US" b="1" dirty="0"/>
+              <a:t>Personally, identifiable information (PII)</a:t>
+            </a:r>
+            <a:r>
+              <a:rPr lang="en-US" dirty="0"/>
+              <a:t> is information about an individual that identifies, links, relates, or describes that person. Examples of PII include the following:</a:t>
+            </a:r>
+          </a:p>
+          <a:p>
+            <a:pPr marL="0" indent="0">
+              <a:buNone/>
+            </a:pPr>
+            <a:endParaRPr lang="en-US" dirty="0"/>
+          </a:p>
+        </p:txBody>
+      </p:sp>
+      <p:sp>
+        <p:nvSpPr>
+          <p:cNvPr id="4" name="Slide Number Placeholder 3">
+            <a:extLst>
+              <a:ext uri="{FF2B5EF4-FFF2-40B4-BE49-F238E27FC236}">
+                <a16:creationId xmlns:a16="http://schemas.microsoft.com/office/drawing/2014/main" id="{AD4E55E8-1CA4-A544-9032-E81BBD4E2B1F}"/>
+              </a:ext>
+            </a:extLst>
+          </p:cNvPr>
+          <p:cNvSpPr>
+            <a:spLocks noGrp="1"/>
+          </p:cNvSpPr>
+          <p:nvPr>
+            <p:ph type="sldNum" sz="quarter" idx="12"/>
+          </p:nvPr>
+        </p:nvSpPr>
+        <p:spPr/>
+        <p:txBody>
+          <a:bodyPr/>
+          <a:lstStyle/>
+          <a:p>
+            <a:fld id="{D57F1E4F-1CFF-5643-939E-02111984F565}" type="slidenum">
+              <a:rPr lang="en-US" smtClean="0"/>
+              <a:t>114</a:t>
+            </a:fld>
+            <a:endParaRPr lang="en-US" dirty="0"/>
+          </a:p>
+        </p:txBody>
+      </p:sp>
+      <p:pic>
+        <p:nvPicPr>
+          <p:cNvPr id="5" name="Picture 4">
+            <a:extLst>
+              <a:ext uri="{FF2B5EF4-FFF2-40B4-BE49-F238E27FC236}">
+                <a16:creationId xmlns:a16="http://schemas.microsoft.com/office/drawing/2014/main" id="{15D7B97F-DF09-4042-8BBF-63B865B0EDAA}"/>
+              </a:ext>
+            </a:extLst>
+          </p:cNvPr>
+          <p:cNvPicPr>
+            <a:picLocks noChangeAspect="1"/>
+          </p:cNvPicPr>
+          <p:nvPr/>
+        </p:nvPicPr>
+        <p:blipFill>
+          <a:blip r:embed="rId2"/>
+          <a:stretch>
+            <a:fillRect/>
+          </a:stretch>
+        </p:blipFill>
+        <p:spPr>
+          <a:xfrm>
+            <a:off x="1270000" y="3937530"/>
+            <a:ext cx="3302000" cy="1663700"/>
+          </a:xfrm>
+          <a:prstGeom prst="rect">
+            <a:avLst/>
+          </a:prstGeom>
+        </p:spPr>
+      </p:pic>
+      <p:pic>
+        <p:nvPicPr>
+          <p:cNvPr id="6" name="Picture 5">
+            <a:extLst>
+              <a:ext uri="{FF2B5EF4-FFF2-40B4-BE49-F238E27FC236}">
+                <a16:creationId xmlns:a16="http://schemas.microsoft.com/office/drawing/2014/main" id="{92A1D1F3-D2EB-2848-BF7F-60CC84C45F51}"/>
+              </a:ext>
+            </a:extLst>
+          </p:cNvPr>
+          <p:cNvPicPr>
+            <a:picLocks noChangeAspect="1"/>
+          </p:cNvPicPr>
+          <p:nvPr/>
+        </p:nvPicPr>
+        <p:blipFill>
+          <a:blip r:embed="rId3"/>
+          <a:stretch>
+            <a:fillRect/>
+          </a:stretch>
+        </p:blipFill>
+        <p:spPr>
+          <a:xfrm>
+            <a:off x="4660900" y="3937530"/>
+            <a:ext cx="3213100" cy="1270000"/>
+          </a:xfrm>
+          <a:prstGeom prst="rect">
+            <a:avLst/>
+          </a:prstGeom>
+        </p:spPr>
+      </p:pic>
+    </p:spTree>
+    <p:extLst>
+      <p:ext uri="{BB962C8B-B14F-4D97-AF65-F5344CB8AC3E}">
+        <p14:creationId xmlns:p14="http://schemas.microsoft.com/office/powerpoint/2010/main" val="2438674098"/>
+      </p:ext>
+    </p:extLst>
+  </p:cSld>
+  <p:clrMapOvr>
+    <a:masterClrMapping/>
+  </p:clrMapOvr>
+  <p:timing>
+    <p:tnLst>
+      <p:par>
+        <p:cTn id="1" dur="indefinite" restart="never" nodeType="tmRoot">
+          <p:childTnLst>
+            <p:seq concurrent="1" nextAc="seek">
+              <p:cTn id="2" dur="indefinite" nodeType="mainSeq">
+                <p:childTnLst>
+                  <p:par>
+                    <p:cTn id="3" fill="hold">
+                      <p:stCondLst>
+                        <p:cond delay="indefinite"/>
+                      </p:stCondLst>
+                      <p:childTnLst>
+                        <p:par>
+                          <p:cTn id="4" fill="hold">
+                            <p:stCondLst>
+                              <p:cond delay="0"/>
+                            </p:stCondLst>
+                            <p:childTnLst>
+                              <p:par>
+                                <p:cTn id="5" presetID="1" presetClass="entr" presetSubtype="0" fill="hold" nodeType="clickEffect">
+                                  <p:stCondLst>
+                                    <p:cond delay="0"/>
+                                  </p:stCondLst>
+                                  <p:childTnLst>
+                                    <p:set>
+                                      <p:cBhvr>
+                                        <p:cTn id="6" dur="1" fill="hold">
+                                          <p:stCondLst>
+                                            <p:cond delay="0"/>
+                                          </p:stCondLst>
+                                        </p:cTn>
+                                        <p:tgtEl>
+                                          <p:spTgt spid="3">
+                                            <p:txEl>
+                                              <p:pRg st="2" end="2"/>
+                                            </p:txEl>
+                                          </p:spTgt>
+                                        </p:tgtEl>
+                                        <p:attrNameLst>
+                                          <p:attrName>style.visibility</p:attrName>
+                                        </p:attrNameLst>
+                                      </p:cBhvr>
+                                      <p:to>
+                                        <p:strVal val="visible"/>
+                                      </p:to>
+                                    </p:set>
+                                  </p:childTnLst>
+                                </p:cTn>
+                              </p:par>
+                            </p:childTnLst>
+                          </p:cTn>
+                        </p:par>
+                      </p:childTnLst>
+                    </p:cTn>
+                  </p:par>
+                  <p:par>
+                    <p:cTn id="7" fill="hold">
+                      <p:stCondLst>
+                        <p:cond delay="indefinite"/>
+                      </p:stCondLst>
+                      <p:childTnLst>
+                        <p:par>
+                          <p:cTn id="8" fill="hold">
+                            <p:stCondLst>
+                              <p:cond delay="0"/>
+                            </p:stCondLst>
+                            <p:childTnLst>
+                              <p:par>
+                                <p:cTn id="9" presetID="1" presetClass="entr" presetSubtype="0" fill="hold" nodeType="clickEffect">
+                                  <p:stCondLst>
+                                    <p:cond delay="0"/>
+                                  </p:stCondLst>
+                                  <p:childTnLst>
+                                    <p:set>
+                                      <p:cBhvr>
+                                        <p:cTn id="10" dur="1" fill="hold">
+                                          <p:stCondLst>
+                                            <p:cond delay="0"/>
+                                          </p:stCondLst>
+                                        </p:cTn>
+                                        <p:tgtEl>
+                                          <p:spTgt spid="3">
+                                            <p:txEl>
+                                              <p:pRg st="4" end="4"/>
+                                            </p:txEl>
+                                          </p:spTgt>
+                                        </p:tgtEl>
+                                        <p:attrNameLst>
+                                          <p:attrName>style.visibility</p:attrName>
+                                        </p:attrNameLst>
+                                      </p:cBhvr>
+                                      <p:to>
+                                        <p:strVal val="visible"/>
+                                      </p:to>
+                                    </p:set>
+                                  </p:childTnLst>
+                                </p:cTn>
+                              </p:par>
+                            </p:childTnLst>
+                          </p:cTn>
+                        </p:par>
+                      </p:childTnLst>
+                    </p:cTn>
+                  </p:par>
+                  <p:par>
+                    <p:cTn id="11" fill="hold">
+                      <p:stCondLst>
+                        <p:cond delay="indefinite"/>
+                      </p:stCondLst>
+                      <p:childTnLst>
+                        <p:par>
+                          <p:cTn id="12" fill="hold">
+                            <p:stCondLst>
+                              <p:cond delay="0"/>
+                            </p:stCondLst>
+                            <p:childTnLst>
+                              <p:par>
+                                <p:cTn id="13" presetID="1" presetClass="entr" presetSubtype="0" fill="hold" nodeType="clickEffect">
+                                  <p:stCondLst>
+                                    <p:cond delay="0"/>
+                                  </p:stCondLst>
+                                  <p:childTnLst>
+                                    <p:set>
+                                      <p:cBhvr>
+                                        <p:cTn id="14" dur="1" fill="hold">
+                                          <p:stCondLst>
+                                            <p:cond delay="0"/>
+                                          </p:stCondLst>
+                                        </p:cTn>
+                                        <p:tgtEl>
+                                          <p:spTgt spid="5"/>
+                                        </p:tgtEl>
+                                        <p:attrNameLst>
+                                          <p:attrName>style.visibility</p:attrName>
+                                        </p:attrNameLst>
+                                      </p:cBhvr>
+                                      <p:to>
+                                        <p:strVal val="visible"/>
+                                      </p:to>
+                                    </p:set>
+                                  </p:childTnLst>
+                                </p:cTn>
+                              </p:par>
+                              <p:par>
+                                <p:cTn id="15" presetID="1" presetClass="entr" presetSubtype="0" fill="hold" nodeType="withEffect">
+                                  <p:stCondLst>
+                                    <p:cond delay="0"/>
+                                  </p:stCondLst>
+                                  <p:childTnLst>
+                                    <p:set>
+                                      <p:cBhvr>
+                                        <p:cTn id="16" dur="1" fill="hold">
+                                          <p:stCondLst>
+                                            <p:cond delay="0"/>
+                                          </p:stCondLst>
+                                        </p:cTn>
+                                        <p:tgtEl>
+                                          <p:spTgt spid="6"/>
+                                        </p:tgtEl>
+                                        <p:attrNameLst>
+                                          <p:attrName>style.visibility</p:attrName>
+                                        </p:attrNameLst>
+                                      </p:cBhvr>
+                                      <p:to>
+                                        <p:strVal val="visible"/>
+                                      </p:to>
+                                    </p:set>
+                                  </p:childTnLst>
+                                </p:cTn>
+                              </p:par>
+                            </p:childTnLst>
+                          </p:cTn>
+                        </p:par>
+                      </p:childTnLst>
+                    </p:cTn>
+                  </p:par>
+                </p:childTnLst>
+              </p:cTn>
+              <p:prevCondLst>
+                <p:cond evt="onPrev" delay="0">
+                  <p:tgtEl>
+                    <p:sldTgt/>
+                  </p:tgtEl>
+                </p:cond>
+              </p:prevCondLst>
+              <p:nextCondLst>
+                <p:cond evt="onNext" delay="0">
+                  <p:tgtEl>
+                    <p:sldTgt/>
+                  </p:tgtEl>
+                </p:cond>
+              </p:nextCondLst>
+            </p:seq>
+          </p:childTnLst>
+        </p:cTn>
+      </p:par>
+    </p:tnLst>
+  </p:timing>
+</p:sld>
+</file>
+
+<file path=ppt/slides/slide115.xml><?xml version="1.0" encoding="utf-8"?>
+<p:sld xmlns:a="http://schemas.openxmlformats.org/drawingml/2006/main" xmlns:r="http://schemas.openxmlformats.org/officeDocument/2006/relationships" xmlns:p="http://schemas.openxmlformats.org/presentationml/2006/main">
+  <p:cSld>
+    <p:spTree>
+      <p:nvGrpSpPr>
+        <p:cNvPr id="1" name=""/>
+        <p:cNvGrpSpPr/>
+        <p:nvPr/>
+      </p:nvGrpSpPr>
+      <p:grpSpPr>
+        <a:xfrm>
+          <a:off x="0" y="0"/>
+          <a:ext cx="0" cy="0"/>
+          <a:chOff x="0" y="0"/>
+          <a:chExt cx="0" cy="0"/>
+        </a:xfrm>
+      </p:grpSpPr>
+      <p:sp>
+        <p:nvSpPr>
+          <p:cNvPr id="2" name="Title 1">
+            <a:extLst>
+              <a:ext uri="{FF2B5EF4-FFF2-40B4-BE49-F238E27FC236}">
+                <a16:creationId xmlns:a16="http://schemas.microsoft.com/office/drawing/2014/main" id="{7EBA3FED-EEF1-464C-A9A0-7EBDB1DA46E8}"/>
+              </a:ext>
+            </a:extLst>
+          </p:cNvPr>
+          <p:cNvSpPr>
+            <a:spLocks noGrp="1"/>
+          </p:cNvSpPr>
+          <p:nvPr>
+            <p:ph type="title"/>
+          </p:nvPr>
+        </p:nvSpPr>
+        <p:spPr>
+          <a:xfrm>
+            <a:off x="164626" y="113770"/>
+            <a:ext cx="7886700" cy="691448"/>
+          </a:xfrm>
+        </p:spPr>
+        <p:txBody>
+          <a:bodyPr/>
+          <a:lstStyle/>
+          <a:p>
+            <a:r>
+              <a:rPr lang="en-US" dirty="0"/>
+              <a:t>Big Idea 5: Impact of Computing</a:t>
+            </a:r>
+          </a:p>
+        </p:txBody>
+      </p:sp>
+      <p:sp>
+        <p:nvSpPr>
+          <p:cNvPr id="3" name="Content Placeholder 2">
+            <a:extLst>
+              <a:ext uri="{FF2B5EF4-FFF2-40B4-BE49-F238E27FC236}">
+                <a16:creationId xmlns:a16="http://schemas.microsoft.com/office/drawing/2014/main" id="{3770FE9B-403E-D54D-910D-E86CFE4C2FAF}"/>
+              </a:ext>
+            </a:extLst>
+          </p:cNvPr>
+          <p:cNvSpPr>
+            <a:spLocks noGrp="1"/>
+          </p:cNvSpPr>
+          <p:nvPr>
+            <p:ph idx="1"/>
+          </p:nvPr>
+        </p:nvSpPr>
+        <p:spPr>
+          <a:xfrm>
+            <a:off x="164626" y="805218"/>
+            <a:ext cx="8814748" cy="4796012"/>
+          </a:xfrm>
+        </p:spPr>
+        <p:txBody>
+          <a:bodyPr/>
+          <a:lstStyle/>
+          <a:p>
+            <a:pPr marL="0" indent="0">
+              <a:buNone/>
+            </a:pPr>
+            <a:r>
+              <a:rPr lang="en-US" dirty="0"/>
+              <a:t>﻿PII can be analyzed and processed by businesses and shared with other companies.﻿ PII has monetary value. The entire business model for some computing innovations is to sell user information to targeted advertisers.</a:t>
+            </a:r>
+          </a:p>
+          <a:p>
+            <a:pPr marL="0" indent="0">
+              <a:buNone/>
+            </a:pPr>
+            <a:r>
+              <a:rPr lang="en-US" dirty="0"/>
+              <a:t>﻿</a:t>
+            </a:r>
+          </a:p>
+          <a:p>
+            <a:pPr marL="0" indent="0">
+              <a:buNone/>
+            </a:pPr>
+            <a:r>
+              <a:rPr lang="en-US" dirty="0"/>
+              <a:t>As a result, concerns have been raised over how companies handle the sensitive information of their consumers.</a:t>
+            </a:r>
+          </a:p>
+          <a:p>
+            <a:pPr marL="0" indent="0">
+              <a:buNone/>
+            </a:pPr>
+            <a:endParaRPr lang="en-US" dirty="0"/>
+          </a:p>
+          <a:p>
+            <a:pPr marL="0" indent="0">
+              <a:buNone/>
+            </a:pPr>
+            <a:r>
+              <a:rPr lang="en-US" dirty="0"/>
+              <a:t>﻿A computing innovation generates metadata that can have the effect of reducing the privacy of the user. </a:t>
+            </a:r>
+            <a:r>
+              <a:rPr lang="en-US" b="1" dirty="0"/>
+              <a:t>Metadata</a:t>
+            </a:r>
+            <a:r>
+              <a:rPr lang="en-US" dirty="0"/>
+              <a:t> can include geolocation, time, date, filename, and so on. This rapid sharing of user data can often have significant impacts beyond the intended purpose or control of the programmer.</a:t>
+            </a:r>
+          </a:p>
+          <a:p>
+            <a:pPr marL="0" indent="0">
+              <a:buNone/>
+            </a:pPr>
+            <a:endParaRPr lang="en-US" dirty="0"/>
+          </a:p>
+          <a:p>
+            <a:pPr marL="0" indent="0">
+              <a:buNone/>
+            </a:pPr>
+            <a:endParaRPr lang="en-US" dirty="0"/>
+          </a:p>
+        </p:txBody>
+      </p:sp>
+      <p:sp>
+        <p:nvSpPr>
+          <p:cNvPr id="4" name="Slide Number Placeholder 3">
+            <a:extLst>
+              <a:ext uri="{FF2B5EF4-FFF2-40B4-BE49-F238E27FC236}">
+                <a16:creationId xmlns:a16="http://schemas.microsoft.com/office/drawing/2014/main" id="{AD4E55E8-1CA4-A544-9032-E81BBD4E2B1F}"/>
+              </a:ext>
+            </a:extLst>
+          </p:cNvPr>
+          <p:cNvSpPr>
+            <a:spLocks noGrp="1"/>
+          </p:cNvSpPr>
+          <p:nvPr>
+            <p:ph type="sldNum" sz="quarter" idx="12"/>
+          </p:nvPr>
+        </p:nvSpPr>
+        <p:spPr/>
+        <p:txBody>
+          <a:bodyPr/>
+          <a:lstStyle/>
+          <a:p>
+            <a:fld id="{D57F1E4F-1CFF-5643-939E-02111984F565}" type="slidenum">
+              <a:rPr lang="en-US" smtClean="0"/>
+              <a:t>115</a:t>
+            </a:fld>
+            <a:endParaRPr lang="en-US" dirty="0"/>
+          </a:p>
+        </p:txBody>
+      </p:sp>
+    </p:spTree>
+    <p:extLst>
+      <p:ext uri="{BB962C8B-B14F-4D97-AF65-F5344CB8AC3E}">
+        <p14:creationId xmlns:p14="http://schemas.microsoft.com/office/powerpoint/2010/main" val="2330243084"/>
+      </p:ext>
+    </p:extLst>
+  </p:cSld>
+  <p:clrMapOvr>
+    <a:masterClrMapping/>
+  </p:clrMapOvr>
+  <p:timing>
+    <p:tnLst>
+      <p:par>
+        <p:cTn id="1" dur="indefinite" restart="never" nodeType="tmRoot">
+          <p:childTnLst>
+            <p:seq concurrent="1" nextAc="seek">
+              <p:cTn id="2" dur="indefinite" nodeType="mainSeq">
+                <p:childTnLst>
+                  <p:par>
+                    <p:cTn id="3" fill="hold">
+                      <p:stCondLst>
+                        <p:cond delay="indefinite"/>
+                      </p:stCondLst>
+                      <p:childTnLst>
+                        <p:par>
+                          <p:cTn id="4" fill="hold">
+                            <p:stCondLst>
+                              <p:cond delay="0"/>
+                            </p:stCondLst>
+                            <p:childTnLst>
+                              <p:par>
+                                <p:cTn id="5" presetID="1" presetClass="entr" presetSubtype="0" fill="hold" nodeType="clickEffect">
+                                  <p:stCondLst>
+                                    <p:cond delay="0"/>
+                                  </p:stCondLst>
+                                  <p:childTnLst>
+                                    <p:set>
+                                      <p:cBhvr>
+                                        <p:cTn id="6" dur="1" fill="hold">
+                                          <p:stCondLst>
+                                            <p:cond delay="0"/>
+                                          </p:stCondLst>
+                                        </p:cTn>
+                                        <p:tgtEl>
+                                          <p:spTgt spid="3">
+                                            <p:txEl>
+                                              <p:pRg st="2" end="2"/>
+                                            </p:txEl>
+                                          </p:spTgt>
+                                        </p:tgtEl>
+                                        <p:attrNameLst>
+                                          <p:attrName>style.visibility</p:attrName>
+                                        </p:attrNameLst>
+                                      </p:cBhvr>
+                                      <p:to>
+                                        <p:strVal val="visible"/>
+                                      </p:to>
+                                    </p:set>
+                                  </p:childTnLst>
+                                </p:cTn>
+                              </p:par>
+                            </p:childTnLst>
+                          </p:cTn>
+                        </p:par>
+                      </p:childTnLst>
+                    </p:cTn>
+                  </p:par>
+                  <p:par>
+                    <p:cTn id="7" fill="hold">
+                      <p:stCondLst>
+                        <p:cond delay="indefinite"/>
+                      </p:stCondLst>
+                      <p:childTnLst>
+                        <p:par>
+                          <p:cTn id="8" fill="hold">
+                            <p:stCondLst>
+                              <p:cond delay="0"/>
+                            </p:stCondLst>
+                            <p:childTnLst>
+                              <p:par>
+                                <p:cTn id="9" presetID="1" presetClass="entr" presetSubtype="0" fill="hold" nodeType="clickEffect">
+                                  <p:stCondLst>
+                                    <p:cond delay="0"/>
+                                  </p:stCondLst>
+                                  <p:childTnLst>
+                                    <p:set>
+                                      <p:cBhvr>
+                                        <p:cTn id="10" dur="1" fill="hold">
+                                          <p:stCondLst>
+                                            <p:cond delay="0"/>
+                                          </p:stCondLst>
+                                        </p:cTn>
+                                        <p:tgtEl>
+                                          <p:spTgt spid="3">
+                                            <p:txEl>
+                                              <p:pRg st="4" end="4"/>
+                                            </p:txEl>
+                                          </p:spTgt>
+                                        </p:tgtEl>
+                                        <p:attrNameLst>
+                                          <p:attrName>style.visibility</p:attrName>
+                                        </p:attrNameLst>
+                                      </p:cBhvr>
+                                      <p:to>
+                                        <p:strVal val="visible"/>
+                                      </p:to>
+                                    </p:set>
+                                  </p:childTnLst>
+                                </p:cTn>
+                              </p:par>
+                            </p:childTnLst>
+                          </p:cTn>
+                        </p:par>
+                      </p:childTnLst>
+                    </p:cTn>
+                  </p:par>
+                </p:childTnLst>
+              </p:cTn>
+              <p:prevCondLst>
+                <p:cond evt="onPrev" delay="0">
+                  <p:tgtEl>
+                    <p:sldTgt/>
+                  </p:tgtEl>
+                </p:cond>
+              </p:prevCondLst>
+              <p:nextCondLst>
+                <p:cond evt="onNext" delay="0">
+                  <p:tgtEl>
+                    <p:sldTgt/>
+                  </p:tgtEl>
+                </p:cond>
+              </p:nextCondLst>
+            </p:seq>
+          </p:childTnLst>
+        </p:cTn>
+      </p:par>
+    </p:tnLst>
+  </p:timing>
+</p:sld>
+</file>
+
+<file path=ppt/slides/slide116.xml><?xml version="1.0" encoding="utf-8"?>
+<p:sld xmlns:a="http://schemas.openxmlformats.org/drawingml/2006/main" xmlns:r="http://schemas.openxmlformats.org/officeDocument/2006/relationships" xmlns:p="http://schemas.openxmlformats.org/presentationml/2006/main">
+  <p:cSld>
+    <p:spTree>
+      <p:nvGrpSpPr>
+        <p:cNvPr id="1" name=""/>
+        <p:cNvGrpSpPr/>
+        <p:nvPr/>
+      </p:nvGrpSpPr>
+      <p:grpSpPr>
+        <a:xfrm>
+          <a:off x="0" y="0"/>
+          <a:ext cx="0" cy="0"/>
+          <a:chOff x="0" y="0"/>
+          <a:chExt cx="0" cy="0"/>
+        </a:xfrm>
+      </p:grpSpPr>
+      <p:sp>
+        <p:nvSpPr>
+          <p:cNvPr id="2" name="Title 1">
+            <a:extLst>
+              <a:ext uri="{FF2B5EF4-FFF2-40B4-BE49-F238E27FC236}">
+                <a16:creationId xmlns:a16="http://schemas.microsoft.com/office/drawing/2014/main" id="{7EBA3FED-EEF1-464C-A9A0-7EBDB1DA46E8}"/>
+              </a:ext>
+            </a:extLst>
+          </p:cNvPr>
+          <p:cNvSpPr>
+            <a:spLocks noGrp="1"/>
+          </p:cNvSpPr>
+          <p:nvPr>
+            <p:ph type="title"/>
+          </p:nvPr>
+        </p:nvSpPr>
+        <p:spPr>
+          <a:xfrm>
+            <a:off x="164626" y="113770"/>
+            <a:ext cx="7886700" cy="691448"/>
+          </a:xfrm>
+        </p:spPr>
+        <p:txBody>
+          <a:bodyPr/>
+          <a:lstStyle/>
+          <a:p>
+            <a:r>
+              <a:rPr lang="en-US" dirty="0"/>
+              <a:t>Big Idea 5: Impact of Computing</a:t>
+            </a:r>
+          </a:p>
+        </p:txBody>
+      </p:sp>
+      <p:sp>
+        <p:nvSpPr>
+          <p:cNvPr id="3" name="Content Placeholder 2">
+            <a:extLst>
+              <a:ext uri="{FF2B5EF4-FFF2-40B4-BE49-F238E27FC236}">
+                <a16:creationId xmlns:a16="http://schemas.microsoft.com/office/drawing/2014/main" id="{3770FE9B-403E-D54D-910D-E86CFE4C2FAF}"/>
+              </a:ext>
+            </a:extLst>
+          </p:cNvPr>
+          <p:cNvSpPr>
+            <a:spLocks noGrp="1"/>
+          </p:cNvSpPr>
+          <p:nvPr>
+            <p:ph idx="1"/>
+          </p:nvPr>
+        </p:nvSpPr>
+        <p:spPr>
+          <a:xfrm>
+            <a:off x="164626" y="805218"/>
+            <a:ext cx="8814748" cy="4796012"/>
+          </a:xfrm>
+        </p:spPr>
+        <p:txBody>
+          <a:bodyPr/>
+          <a:lstStyle/>
+          <a:p>
+            <a:pPr marL="0" indent="0">
+              <a:buNone/>
+            </a:pPr>
+            <a:r>
+              <a:rPr lang="en-US" dirty="0"/>
+              <a:t>﻿Authentication measures protect devices and information from unauthorized access. Examples of authentication measures include passwords and multifactor authentication. A strong password should be easy to remember but difficult for someone else to guess.</a:t>
+            </a:r>
+          </a:p>
+          <a:p>
+            <a:pPr marL="0" indent="0">
+              <a:buNone/>
+            </a:pPr>
+            <a:endParaRPr lang="en-US" dirty="0"/>
+          </a:p>
+          <a:p>
+            <a:pPr marL="0" indent="0">
+              <a:buNone/>
+            </a:pPr>
+            <a:r>
+              <a:rPr lang="en-US" dirty="0"/>
+              <a:t>﻿</a:t>
+            </a:r>
+            <a:r>
+              <a:rPr lang="en-US" b="1" dirty="0"/>
+              <a:t>Multifactor authentication</a:t>
+            </a:r>
+            <a:r>
+              <a:rPr lang="en-US" dirty="0"/>
+              <a:t> is a method of computer access control in which a user is granted access only after successfully presenting several pieces of evidence to an authentication mechanism, typically in at least two of the following categories: </a:t>
+            </a:r>
+          </a:p>
+          <a:p>
+            <a:pPr marL="0" indent="0">
+              <a:buNone/>
+            </a:pPr>
+            <a:r>
+              <a:rPr lang="en-US" dirty="0"/>
+              <a:t>■​Knowledge—something the user knows </a:t>
+            </a:r>
+          </a:p>
+          <a:p>
+            <a:pPr marL="0" indent="0">
+              <a:buNone/>
+            </a:pPr>
+            <a:r>
+              <a:rPr lang="en-US" dirty="0"/>
+              <a:t>■​Possession—something the user has </a:t>
+            </a:r>
+          </a:p>
+          <a:p>
+            <a:pPr marL="0" indent="0">
+              <a:buNone/>
+            </a:pPr>
+            <a:r>
+              <a:rPr lang="en-US" dirty="0"/>
+              <a:t>■​Inherence—something the user is</a:t>
+            </a:r>
+          </a:p>
+          <a:p>
+            <a:pPr marL="0" indent="0">
+              <a:buNone/>
+            </a:pPr>
+            <a:endParaRPr lang="en-US" dirty="0"/>
+          </a:p>
+          <a:p>
+            <a:pPr marL="0" indent="0">
+              <a:buNone/>
+            </a:pPr>
+            <a:endParaRPr lang="en-US" dirty="0"/>
+          </a:p>
+        </p:txBody>
+      </p:sp>
+      <p:sp>
+        <p:nvSpPr>
+          <p:cNvPr id="4" name="Slide Number Placeholder 3">
+            <a:extLst>
+              <a:ext uri="{FF2B5EF4-FFF2-40B4-BE49-F238E27FC236}">
+                <a16:creationId xmlns:a16="http://schemas.microsoft.com/office/drawing/2014/main" id="{AD4E55E8-1CA4-A544-9032-E81BBD4E2B1F}"/>
+              </a:ext>
+            </a:extLst>
+          </p:cNvPr>
+          <p:cNvSpPr>
+            <a:spLocks noGrp="1"/>
+          </p:cNvSpPr>
+          <p:nvPr>
+            <p:ph type="sldNum" sz="quarter" idx="12"/>
+          </p:nvPr>
+        </p:nvSpPr>
+        <p:spPr/>
+        <p:txBody>
+          <a:bodyPr/>
+          <a:lstStyle/>
+          <a:p>
+            <a:fld id="{D57F1E4F-1CFF-5643-939E-02111984F565}" type="slidenum">
+              <a:rPr lang="en-US" smtClean="0"/>
+              <a:t>116</a:t>
+            </a:fld>
+            <a:endParaRPr lang="en-US" dirty="0"/>
+          </a:p>
+        </p:txBody>
+      </p:sp>
+    </p:spTree>
+    <p:extLst>
+      <p:ext uri="{BB962C8B-B14F-4D97-AF65-F5344CB8AC3E}">
+        <p14:creationId xmlns:p14="http://schemas.microsoft.com/office/powerpoint/2010/main" val="619972637"/>
+      </p:ext>
+    </p:extLst>
+  </p:cSld>
+  <p:clrMapOvr>
+    <a:masterClrMapping/>
+  </p:clrMapOvr>
+  <p:timing>
+    <p:tnLst>
+      <p:par>
+        <p:cTn id="1" dur="indefinite" restart="never" nodeType="tmRoot">
+          <p:childTnLst>
+            <p:seq concurrent="1" nextAc="seek">
+              <p:cTn id="2" dur="indefinite" nodeType="mainSeq">
+                <p:childTnLst>
+                  <p:par>
+                    <p:cTn id="3" fill="hold">
+                      <p:stCondLst>
+                        <p:cond delay="indefinite"/>
+                      </p:stCondLst>
+                      <p:childTnLst>
+                        <p:par>
+                          <p:cTn id="4" fill="hold">
+                            <p:stCondLst>
+                              <p:cond delay="0"/>
+                            </p:stCondLst>
+                            <p:childTnLst>
+                              <p:par>
+                                <p:cTn id="5" presetID="1" presetClass="entr" presetSubtype="0" fill="hold" nodeType="clickEffect">
+                                  <p:stCondLst>
+                                    <p:cond delay="0"/>
+                                  </p:stCondLst>
+                                  <p:childTnLst>
+                                    <p:set>
+                                      <p:cBhvr>
+                                        <p:cTn id="6" dur="1" fill="hold">
+                                          <p:stCondLst>
+                                            <p:cond delay="0"/>
+                                          </p:stCondLst>
+                                        </p:cTn>
+                                        <p:tgtEl>
+                                          <p:spTgt spid="3">
+                                            <p:txEl>
+                                              <p:pRg st="2" end="2"/>
+                                            </p:txEl>
+                                          </p:spTgt>
+                                        </p:tgtEl>
+                                        <p:attrNameLst>
+                                          <p:attrName>style.visibility</p:attrName>
+                                        </p:attrNameLst>
+                                      </p:cBhvr>
+                                      <p:to>
+                                        <p:strVal val="visible"/>
+                                      </p:to>
+                                    </p:set>
+                                  </p:childTnLst>
+                                </p:cTn>
+                              </p:par>
+                            </p:childTnLst>
+                          </p:cTn>
+                        </p:par>
+                      </p:childTnLst>
+                    </p:cTn>
+                  </p:par>
+                  <p:par>
+                    <p:cTn id="7" fill="hold">
+                      <p:stCondLst>
+                        <p:cond delay="indefinite"/>
+                      </p:stCondLst>
+                      <p:childTnLst>
+                        <p:par>
+                          <p:cTn id="8" fill="hold">
+                            <p:stCondLst>
+                              <p:cond delay="0"/>
+                            </p:stCondLst>
+                            <p:childTnLst>
+                              <p:par>
+                                <p:cTn id="9" presetID="1" presetClass="entr" presetSubtype="0" fill="hold" nodeType="clickEffect">
+                                  <p:stCondLst>
+                                    <p:cond delay="0"/>
+                                  </p:stCondLst>
+                                  <p:childTnLst>
+                                    <p:set>
+                                      <p:cBhvr>
+                                        <p:cTn id="10" dur="1" fill="hold">
+                                          <p:stCondLst>
+                                            <p:cond delay="0"/>
+                                          </p:stCondLst>
+                                        </p:cTn>
+                                        <p:tgtEl>
+                                          <p:spTgt spid="3">
+                                            <p:txEl>
+                                              <p:pRg st="3" end="3"/>
+                                            </p:txEl>
+                                          </p:spTgt>
+                                        </p:tgtEl>
+                                        <p:attrNameLst>
+                                          <p:attrName>style.visibility</p:attrName>
+                                        </p:attrNameLst>
+                                      </p:cBhvr>
+                                      <p:to>
+                                        <p:strVal val="visible"/>
+                                      </p:to>
+                                    </p:set>
+                                  </p:childTnLst>
+                                </p:cTn>
+                              </p:par>
+                              <p:par>
+                                <p:cTn id="11" presetID="1" presetClass="entr" presetSubtype="0" fill="hold" nodeType="withEffect">
+                                  <p:stCondLst>
+                                    <p:cond delay="0"/>
+                                  </p:stCondLst>
+                                  <p:childTnLst>
+                                    <p:set>
+                                      <p:cBhvr>
+                                        <p:cTn id="12" dur="1" fill="hold">
+                                          <p:stCondLst>
+                                            <p:cond delay="0"/>
+                                          </p:stCondLst>
+                                        </p:cTn>
+                                        <p:tgtEl>
+                                          <p:spTgt spid="3">
+                                            <p:txEl>
+                                              <p:pRg st="4" end="4"/>
+                                            </p:txEl>
+                                          </p:spTgt>
+                                        </p:tgtEl>
+                                        <p:attrNameLst>
+                                          <p:attrName>style.visibility</p:attrName>
+                                        </p:attrNameLst>
+                                      </p:cBhvr>
+                                      <p:to>
+                                        <p:strVal val="visible"/>
+                                      </p:to>
+                                    </p:set>
+                                  </p:childTnLst>
+                                </p:cTn>
+                              </p:par>
+                              <p:par>
+                                <p:cTn id="13" presetID="1" presetClass="entr" presetSubtype="0" fill="hold" nodeType="withEffect">
+                                  <p:stCondLst>
+                                    <p:cond delay="0"/>
+                                  </p:stCondLst>
+                                  <p:childTnLst>
+                                    <p:set>
+                                      <p:cBhvr>
+                                        <p:cTn id="14" dur="1" fill="hold">
+                                          <p:stCondLst>
+                                            <p:cond delay="0"/>
+                                          </p:stCondLst>
+                                        </p:cTn>
+                                        <p:tgtEl>
+                                          <p:spTgt spid="3">
+                                            <p:txEl>
+                                              <p:pRg st="5" end="5"/>
+                                            </p:txEl>
+                                          </p:spTgt>
+                                        </p:tgtEl>
+                                        <p:attrNameLst>
+                                          <p:attrName>style.visibility</p:attrName>
+                                        </p:attrNameLst>
+                                      </p:cBhvr>
+                                      <p:to>
+                                        <p:strVal val="visible"/>
+                                      </p:to>
+                                    </p:set>
+                                  </p:childTnLst>
+                                </p:cTn>
+                              </p:par>
+                            </p:childTnLst>
+                          </p:cTn>
+                        </p:par>
+                      </p:childTnLst>
+                    </p:cTn>
+                  </p:par>
+                </p:childTnLst>
+              </p:cTn>
+              <p:prevCondLst>
+                <p:cond evt="onPrev" delay="0">
+                  <p:tgtEl>
+                    <p:sldTgt/>
+                  </p:tgtEl>
+                </p:cond>
+              </p:prevCondLst>
+              <p:nextCondLst>
+                <p:cond evt="onNext" delay="0">
+                  <p:tgtEl>
+                    <p:sldTgt/>
+                  </p:tgtEl>
+                </p:cond>
+              </p:nextCondLst>
+            </p:seq>
+          </p:childTnLst>
+        </p:cTn>
+      </p:par>
+    </p:tnLst>
+  </p:timing>
+</p:sld>
+</file>
+
+<file path=ppt/slides/slide117.xml><?xml version="1.0" encoding="utf-8"?>
+<p:sld xmlns:a="http://schemas.openxmlformats.org/drawingml/2006/main" xmlns:r="http://schemas.openxmlformats.org/officeDocument/2006/relationships" xmlns:p="http://schemas.openxmlformats.org/presentationml/2006/main">
+  <p:cSld>
+    <p:spTree>
+      <p:nvGrpSpPr>
+        <p:cNvPr id="1" name=""/>
+        <p:cNvGrpSpPr/>
+        <p:nvPr/>
+      </p:nvGrpSpPr>
+      <p:grpSpPr>
+        <a:xfrm>
+          <a:off x="0" y="0"/>
+          <a:ext cx="0" cy="0"/>
+          <a:chOff x="0" y="0"/>
+          <a:chExt cx="0" cy="0"/>
+        </a:xfrm>
+      </p:grpSpPr>
+      <p:sp>
+        <p:nvSpPr>
+          <p:cNvPr id="2" name="Title 1">
+            <a:extLst>
+              <a:ext uri="{FF2B5EF4-FFF2-40B4-BE49-F238E27FC236}">
+                <a16:creationId xmlns:a16="http://schemas.microsoft.com/office/drawing/2014/main" id="{7EBA3FED-EEF1-464C-A9A0-7EBDB1DA46E8}"/>
+              </a:ext>
+            </a:extLst>
+          </p:cNvPr>
+          <p:cNvSpPr>
+            <a:spLocks noGrp="1"/>
+          </p:cNvSpPr>
+          <p:nvPr>
+            <p:ph type="title"/>
+          </p:nvPr>
+        </p:nvSpPr>
+        <p:spPr>
+          <a:xfrm>
+            <a:off x="164626" y="113770"/>
+            <a:ext cx="7886700" cy="691448"/>
+          </a:xfrm>
+        </p:spPr>
+        <p:txBody>
+          <a:bodyPr/>
+          <a:lstStyle/>
+          <a:p>
+            <a:r>
+              <a:rPr lang="en-US" dirty="0"/>
+              <a:t>Big Idea 5: Impact of Computing</a:t>
+            </a:r>
+          </a:p>
+        </p:txBody>
+      </p:sp>
+      <p:sp>
+        <p:nvSpPr>
+          <p:cNvPr id="3" name="Content Placeholder 2">
+            <a:extLst>
+              <a:ext uri="{FF2B5EF4-FFF2-40B4-BE49-F238E27FC236}">
+                <a16:creationId xmlns:a16="http://schemas.microsoft.com/office/drawing/2014/main" id="{3770FE9B-403E-D54D-910D-E86CFE4C2FAF}"/>
+              </a:ext>
+            </a:extLst>
+          </p:cNvPr>
+          <p:cNvSpPr>
+            <a:spLocks noGrp="1"/>
+          </p:cNvSpPr>
+          <p:nvPr>
+            <p:ph idx="1"/>
+          </p:nvPr>
+        </p:nvSpPr>
+        <p:spPr>
+          <a:xfrm>
+            <a:off x="164626" y="696036"/>
+            <a:ext cx="8979374" cy="5018964"/>
+          </a:xfrm>
+        </p:spPr>
+        <p:txBody>
+          <a:bodyPr/>
+          <a:lstStyle/>
+          <a:p>
+            <a:pPr marL="0" indent="0">
+              <a:buNone/>
+            </a:pPr>
+            <a:r>
+              <a:rPr lang="en-US" dirty="0"/>
+              <a:t>﻿</a:t>
+            </a:r>
+            <a:r>
+              <a:rPr lang="en-US" b="1" dirty="0"/>
+              <a:t>Digital certificate authorities</a:t>
+            </a:r>
+            <a:r>
+              <a:rPr lang="en-US" dirty="0"/>
+              <a:t> issue </a:t>
+            </a:r>
+            <a:r>
+              <a:rPr lang="en-US" b="1" dirty="0"/>
+              <a:t>digital certificates</a:t>
+            </a:r>
+            <a:r>
+              <a:rPr lang="en-US" dirty="0"/>
+              <a:t> that validate the ownership of encryption keys used in secure communications and are based on a trust model.</a:t>
+            </a:r>
+          </a:p>
+          <a:p>
+            <a:pPr marL="0" indent="0">
+              <a:buNone/>
+            </a:pPr>
+            <a:endParaRPr lang="en-US" dirty="0"/>
+          </a:p>
+          <a:p>
+            <a:pPr marL="0" indent="0">
+              <a:buNone/>
+            </a:pPr>
+            <a:r>
+              <a:rPr lang="en-US" dirty="0"/>
+              <a:t>﻿To increase security, encryption is used. Encryption uses cryptographic algorithms to encrypt data. </a:t>
+            </a:r>
+            <a:r>
+              <a:rPr lang="en-US" b="1" dirty="0"/>
+              <a:t>Encryption</a:t>
+            </a:r>
+            <a:r>
+              <a:rPr lang="en-US" dirty="0"/>
+              <a:t> is the process of encoding data to prevent unauthorized access. </a:t>
+            </a:r>
+            <a:r>
+              <a:rPr lang="en-US" b="1" dirty="0"/>
+              <a:t>Decryption</a:t>
+            </a:r>
+            <a:r>
+              <a:rPr lang="en-US" dirty="0"/>
+              <a:t> is the process of decoding the data. </a:t>
+            </a:r>
+          </a:p>
+          <a:p>
+            <a:pPr marL="0" indent="0">
+              <a:buNone/>
+            </a:pPr>
+            <a:endParaRPr lang="en-US" dirty="0"/>
+          </a:p>
+          <a:p>
+            <a:pPr marL="0" indent="0">
+              <a:buNone/>
+            </a:pPr>
+            <a:r>
+              <a:rPr lang="en-US" b="1" dirty="0"/>
+              <a:t>Symmetric key encryption</a:t>
+            </a:r>
+            <a:r>
+              <a:rPr lang="en-US" dirty="0"/>
+              <a:t> uses the same key for both encryption and decryption. The one key is a shared secret and relies on both sides keeping their key secret.</a:t>
+            </a:r>
+          </a:p>
+          <a:p>
+            <a:pPr marL="0" indent="0">
+              <a:buNone/>
+            </a:pPr>
+            <a:endParaRPr lang="en-US" dirty="0"/>
+          </a:p>
+          <a:p>
+            <a:pPr marL="0" indent="0">
+              <a:buNone/>
+            </a:pPr>
+            <a:r>
+              <a:rPr lang="en-US" dirty="0"/>
+              <a:t>﻿</a:t>
+            </a:r>
+            <a:r>
+              <a:rPr lang="en-US" b="1" dirty="0"/>
+              <a:t>Public key encryption</a:t>
+            </a:r>
+            <a:r>
+              <a:rPr lang="en-US" dirty="0"/>
+              <a:t> (also called </a:t>
+            </a:r>
+            <a:r>
+              <a:rPr lang="en-US" b="1" dirty="0"/>
+              <a:t>asymmetric encryption</a:t>
+            </a:r>
+            <a:r>
+              <a:rPr lang="en-US" dirty="0"/>
+              <a:t>) uses two keys—one private and one public. Anyone with the public key can encrypt data, and the public key is public. To decrypt, a second key, which is private, is needed.</a:t>
+            </a:r>
+          </a:p>
+          <a:p>
+            <a:pPr marL="0" indent="0">
+              <a:buNone/>
+            </a:pPr>
+            <a:endParaRPr lang="en-US" dirty="0"/>
+          </a:p>
+        </p:txBody>
+      </p:sp>
+      <p:sp>
+        <p:nvSpPr>
+          <p:cNvPr id="4" name="Slide Number Placeholder 3">
+            <a:extLst>
+              <a:ext uri="{FF2B5EF4-FFF2-40B4-BE49-F238E27FC236}">
+                <a16:creationId xmlns:a16="http://schemas.microsoft.com/office/drawing/2014/main" id="{AD4E55E8-1CA4-A544-9032-E81BBD4E2B1F}"/>
+              </a:ext>
+            </a:extLst>
+          </p:cNvPr>
+          <p:cNvSpPr>
+            <a:spLocks noGrp="1"/>
+          </p:cNvSpPr>
+          <p:nvPr>
+            <p:ph type="sldNum" sz="quarter" idx="12"/>
+          </p:nvPr>
+        </p:nvSpPr>
+        <p:spPr/>
+        <p:txBody>
+          <a:bodyPr/>
+          <a:lstStyle/>
+          <a:p>
+            <a:fld id="{D57F1E4F-1CFF-5643-939E-02111984F565}" type="slidenum">
+              <a:rPr lang="en-US" smtClean="0"/>
+              <a:t>117</a:t>
+            </a:fld>
+            <a:endParaRPr lang="en-US" dirty="0"/>
+          </a:p>
+        </p:txBody>
+      </p:sp>
+    </p:spTree>
+    <p:extLst>
+      <p:ext uri="{BB962C8B-B14F-4D97-AF65-F5344CB8AC3E}">
+        <p14:creationId xmlns:p14="http://schemas.microsoft.com/office/powerpoint/2010/main" val="703136257"/>
+      </p:ext>
+    </p:extLst>
+  </p:cSld>
+  <p:clrMapOvr>
+    <a:masterClrMapping/>
+  </p:clrMapOvr>
+  <p:timing>
+    <p:tnLst>
+      <p:par>
+        <p:cTn id="1" dur="indefinite" restart="never" nodeType="tmRoot">
+          <p:childTnLst>
+            <p:seq concurrent="1" nextAc="seek">
+              <p:cTn id="2" dur="indefinite" nodeType="mainSeq">
+                <p:childTnLst>
+                  <p:par>
+                    <p:cTn id="3" fill="hold">
+                      <p:stCondLst>
+                        <p:cond delay="indefinite"/>
+                      </p:stCondLst>
+                      <p:childTnLst>
+                        <p:par>
+                          <p:cTn id="4" fill="hold">
+                            <p:stCondLst>
+                              <p:cond delay="0"/>
+                            </p:stCondLst>
+                            <p:childTnLst>
+                              <p:par>
+                                <p:cTn id="5" presetID="1" presetClass="entr" presetSubtype="0" fill="hold" nodeType="clickEffect">
+                                  <p:stCondLst>
+                                    <p:cond delay="0"/>
+                                  </p:stCondLst>
+                                  <p:childTnLst>
+                                    <p:set>
+                                      <p:cBhvr>
+                                        <p:cTn id="6" dur="1" fill="hold">
+                                          <p:stCondLst>
+                                            <p:cond delay="0"/>
+                                          </p:stCondLst>
+                                        </p:cTn>
+                                        <p:tgtEl>
+                                          <p:spTgt spid="3">
+                                            <p:txEl>
+                                              <p:pRg st="2" end="2"/>
+                                            </p:txEl>
+                                          </p:spTgt>
+                                        </p:tgtEl>
+                                        <p:attrNameLst>
+                                          <p:attrName>style.visibility</p:attrName>
+                                        </p:attrNameLst>
+                                      </p:cBhvr>
+                                      <p:to>
+                                        <p:strVal val="visible"/>
+                                      </p:to>
+                                    </p:set>
+                                  </p:childTnLst>
+                                </p:cTn>
+                              </p:par>
+                            </p:childTnLst>
+                          </p:cTn>
+                        </p:par>
+                      </p:childTnLst>
+                    </p:cTn>
+                  </p:par>
+                  <p:par>
+                    <p:cTn id="7" fill="hold">
+                      <p:stCondLst>
+                        <p:cond delay="indefinite"/>
+                      </p:stCondLst>
+                      <p:childTnLst>
+                        <p:par>
+                          <p:cTn id="8" fill="hold">
+                            <p:stCondLst>
+                              <p:cond delay="0"/>
+                            </p:stCondLst>
+                            <p:childTnLst>
+                              <p:par>
+                                <p:cTn id="9" presetID="1" presetClass="entr" presetSubtype="0" fill="hold" nodeType="clickEffect">
+                                  <p:stCondLst>
+                                    <p:cond delay="0"/>
+                                  </p:stCondLst>
+                                  <p:childTnLst>
+                                    <p:set>
+                                      <p:cBhvr>
+                                        <p:cTn id="10" dur="1" fill="hold">
+                                          <p:stCondLst>
+                                            <p:cond delay="0"/>
+                                          </p:stCondLst>
+                                        </p:cTn>
+                                        <p:tgtEl>
+                                          <p:spTgt spid="3">
+                                            <p:txEl>
+                                              <p:pRg st="4" end="4"/>
+                                            </p:txEl>
+                                          </p:spTgt>
+                                        </p:tgtEl>
+                                        <p:attrNameLst>
+                                          <p:attrName>style.visibility</p:attrName>
+                                        </p:attrNameLst>
+                                      </p:cBhvr>
+                                      <p:to>
+                                        <p:strVal val="visible"/>
+                                      </p:to>
+                                    </p:set>
+                                  </p:childTnLst>
+                                </p:cTn>
+                              </p:par>
+                            </p:childTnLst>
+                          </p:cTn>
+                        </p:par>
+                      </p:childTnLst>
+                    </p:cTn>
+                  </p:par>
+                  <p:par>
+                    <p:cTn id="11" fill="hold">
+                      <p:stCondLst>
+                        <p:cond delay="indefinite"/>
+                      </p:stCondLst>
+                      <p:childTnLst>
+                        <p:par>
+                          <p:cTn id="12" fill="hold">
+                            <p:stCondLst>
+                              <p:cond delay="0"/>
+                            </p:stCondLst>
+                            <p:childTnLst>
+                              <p:par>
+                                <p:cTn id="13" presetID="1" presetClass="entr" presetSubtype="0" fill="hold" nodeType="clickEffect">
+                                  <p:stCondLst>
+                                    <p:cond delay="0"/>
+                                  </p:stCondLst>
+                                  <p:childTnLst>
+                                    <p:set>
+                                      <p:cBhvr>
+                                        <p:cTn id="14" dur="1" fill="hold">
+                                          <p:stCondLst>
+                                            <p:cond delay="0"/>
+                                          </p:stCondLst>
+                                        </p:cTn>
+                                        <p:tgtEl>
+                                          <p:spTgt spid="3">
+                                            <p:txEl>
+                                              <p:pRg st="6" end="6"/>
+                                            </p:txEl>
+                                          </p:spTgt>
+                                        </p:tgtEl>
+                                        <p:attrNameLst>
+                                          <p:attrName>style.visibility</p:attrName>
+                                        </p:attrNameLst>
+                                      </p:cBhvr>
+                                      <p:to>
+                                        <p:strVal val="visible"/>
+                                      </p:to>
+                                    </p:set>
+                                  </p:childTnLst>
+                                </p:cTn>
+                              </p:par>
+                            </p:childTnLst>
+                          </p:cTn>
+                        </p:par>
+                      </p:childTnLst>
+                    </p:cTn>
+                  </p:par>
+                </p:childTnLst>
+              </p:cTn>
+              <p:prevCondLst>
+                <p:cond evt="onPrev" delay="0">
+                  <p:tgtEl>
+                    <p:sldTgt/>
+                  </p:tgtEl>
+                </p:cond>
+              </p:prevCondLst>
+              <p:nextCondLst>
+                <p:cond evt="onNext" delay="0">
+                  <p:tgtEl>
+                    <p:sldTgt/>
+                  </p:tgtEl>
+                </p:cond>
+              </p:nextCondLst>
+            </p:seq>
+          </p:childTnLst>
+        </p:cTn>
+      </p:par>
+    </p:tnLst>
+  </p:timing>
+</p:sld>
+</file>
+
+<file path=ppt/slides/slide118.xml><?xml version="1.0" encoding="utf-8"?>
+<p:sld xmlns:a="http://schemas.openxmlformats.org/drawingml/2006/main" xmlns:r="http://schemas.openxmlformats.org/officeDocument/2006/relationships" xmlns:p="http://schemas.openxmlformats.org/presentationml/2006/main">
+  <p:cSld>
+    <p:spTree>
+      <p:nvGrpSpPr>
+        <p:cNvPr id="1" name=""/>
+        <p:cNvGrpSpPr/>
+        <p:nvPr/>
+      </p:nvGrpSpPr>
+      <p:grpSpPr>
+        <a:xfrm>
+          <a:off x="0" y="0"/>
+          <a:ext cx="0" cy="0"/>
+          <a:chOff x="0" y="0"/>
+          <a:chExt cx="0" cy="0"/>
+        </a:xfrm>
+      </p:grpSpPr>
+      <p:sp>
+        <p:nvSpPr>
+          <p:cNvPr id="2" name="Title 1">
+            <a:extLst>
+              <a:ext uri="{FF2B5EF4-FFF2-40B4-BE49-F238E27FC236}">
+                <a16:creationId xmlns:a16="http://schemas.microsoft.com/office/drawing/2014/main" id="{7EBA3FED-EEF1-464C-A9A0-7EBDB1DA46E8}"/>
+              </a:ext>
+            </a:extLst>
+          </p:cNvPr>
+          <p:cNvSpPr>
+            <a:spLocks noGrp="1"/>
+          </p:cNvSpPr>
+          <p:nvPr>
+            <p:ph type="title"/>
+          </p:nvPr>
+        </p:nvSpPr>
+        <p:spPr>
+          <a:xfrm>
+            <a:off x="164626" y="113770"/>
+            <a:ext cx="7886700" cy="691448"/>
+          </a:xfrm>
+        </p:spPr>
+        <p:txBody>
+          <a:bodyPr/>
+          <a:lstStyle/>
+          <a:p>
+            <a:r>
+              <a:rPr lang="en-US" dirty="0"/>
+              <a:t>Big Idea 5: Impact of Computing</a:t>
+            </a:r>
+          </a:p>
+        </p:txBody>
+      </p:sp>
+      <p:sp>
+        <p:nvSpPr>
+          <p:cNvPr id="3" name="Content Placeholder 2">
+            <a:extLst>
+              <a:ext uri="{FF2B5EF4-FFF2-40B4-BE49-F238E27FC236}">
+                <a16:creationId xmlns:a16="http://schemas.microsoft.com/office/drawing/2014/main" id="{3770FE9B-403E-D54D-910D-E86CFE4C2FAF}"/>
+              </a:ext>
+            </a:extLst>
+          </p:cNvPr>
+          <p:cNvSpPr>
+            <a:spLocks noGrp="1"/>
+          </p:cNvSpPr>
+          <p:nvPr>
+            <p:ph idx="1"/>
+          </p:nvPr>
+        </p:nvSpPr>
+        <p:spPr>
+          <a:xfrm>
+            <a:off x="164626" y="805218"/>
+            <a:ext cx="8814748" cy="4796012"/>
+          </a:xfrm>
+        </p:spPr>
+        <p:txBody>
+          <a:bodyPr/>
+          <a:lstStyle/>
+          <a:p>
+            <a:pPr marL="0" indent="0">
+              <a:buNone/>
+            </a:pPr>
+            <a:r>
+              <a:rPr lang="en-US" dirty="0"/>
+              <a:t>﻿</a:t>
+            </a:r>
+          </a:p>
+          <a:p>
+            <a:pPr marL="0" indent="0">
+              <a:buNone/>
+            </a:pPr>
+            <a:endParaRPr lang="en-US" b="1"/>
+          </a:p>
+          <a:p>
+            <a:pPr marL="0" indent="0">
+              <a:buNone/>
+            </a:pPr>
+            <a:r>
+              <a:rPr lang="en-US" b="1"/>
+              <a:t>Malware</a:t>
+            </a:r>
+            <a:r>
+              <a:rPr lang="en-US"/>
+              <a:t> </a:t>
+            </a:r>
+            <a:r>
+              <a:rPr lang="en-US" dirty="0"/>
+              <a:t>is malicious software intended to damage a computing system or take partial control or its operations. Malware can be spread over email, executable files, instant messaging, social media, freeware, shareware, and many other methods.</a:t>
+            </a:r>
+          </a:p>
+          <a:p>
+            <a:pPr marL="0" indent="0">
+              <a:buNone/>
+            </a:pPr>
+            <a:endParaRPr lang="en-US" dirty="0"/>
+          </a:p>
+          <a:p>
+            <a:pPr marL="0" indent="0">
+              <a:buNone/>
+            </a:pPr>
+            <a:r>
+              <a:rPr lang="en-US" dirty="0"/>
+              <a:t>﻿Computer </a:t>
+            </a:r>
+            <a:r>
+              <a:rPr lang="en-US" b="1" dirty="0"/>
+              <a:t>viruses</a:t>
+            </a:r>
+            <a:r>
+              <a:rPr lang="en-US" dirty="0"/>
+              <a:t> are malicious programs that can copy themselves and gain access to a computer in an unauthorized way. Viruses often perform some type of harmful activity on infected host computers.</a:t>
+            </a:r>
+          </a:p>
+          <a:p>
+            <a:pPr marL="0" indent="0">
+              <a:buNone/>
+            </a:pPr>
+            <a:endParaRPr lang="en-US" dirty="0"/>
+          </a:p>
+        </p:txBody>
+      </p:sp>
+      <p:sp>
+        <p:nvSpPr>
+          <p:cNvPr id="4" name="Slide Number Placeholder 3">
+            <a:extLst>
+              <a:ext uri="{FF2B5EF4-FFF2-40B4-BE49-F238E27FC236}">
+                <a16:creationId xmlns:a16="http://schemas.microsoft.com/office/drawing/2014/main" id="{AD4E55E8-1CA4-A544-9032-E81BBD4E2B1F}"/>
+              </a:ext>
+            </a:extLst>
+          </p:cNvPr>
+          <p:cNvSpPr>
+            <a:spLocks noGrp="1"/>
+          </p:cNvSpPr>
+          <p:nvPr>
+            <p:ph type="sldNum" sz="quarter" idx="12"/>
+          </p:nvPr>
+        </p:nvSpPr>
+        <p:spPr/>
+        <p:txBody>
+          <a:bodyPr/>
+          <a:lstStyle/>
+          <a:p>
+            <a:fld id="{D57F1E4F-1CFF-5643-939E-02111984F565}" type="slidenum">
+              <a:rPr lang="en-US" smtClean="0"/>
+              <a:t>118</a:t>
+            </a:fld>
+            <a:endParaRPr lang="en-US" dirty="0"/>
+          </a:p>
+        </p:txBody>
+      </p:sp>
+    </p:spTree>
+    <p:extLst>
+      <p:ext uri="{BB962C8B-B14F-4D97-AF65-F5344CB8AC3E}">
+        <p14:creationId xmlns:p14="http://schemas.microsoft.com/office/powerpoint/2010/main" val="393581662"/>
+      </p:ext>
+    </p:extLst>
+  </p:cSld>
+  <p:clrMapOvr>
+    <a:masterClrMapping/>
+  </p:clrMapOvr>
+</p:sld>
+</file>
+
+<file path=ppt/slides/slide119.xml><?xml version="1.0" encoding="utf-8"?>
+<p:sld xmlns:a="http://schemas.openxmlformats.org/drawingml/2006/main" xmlns:r="http://schemas.openxmlformats.org/officeDocument/2006/relationships" xmlns:p="http://schemas.openxmlformats.org/presentationml/2006/main">
+  <p:cSld>
+    <p:spTree>
+      <p:nvGrpSpPr>
+        <p:cNvPr id="1" name=""/>
+        <p:cNvGrpSpPr/>
+        <p:nvPr/>
+      </p:nvGrpSpPr>
+      <p:grpSpPr>
+        <a:xfrm>
+          <a:off x="0" y="0"/>
+          <a:ext cx="0" cy="0"/>
+          <a:chOff x="0" y="0"/>
+          <a:chExt cx="0" cy="0"/>
+        </a:xfrm>
+      </p:grpSpPr>
+      <p:sp>
+        <p:nvSpPr>
+          <p:cNvPr id="2" name="Title 1">
+            <a:extLst>
+              <a:ext uri="{FF2B5EF4-FFF2-40B4-BE49-F238E27FC236}">
+                <a16:creationId xmlns:a16="http://schemas.microsoft.com/office/drawing/2014/main" id="{7EBA3FED-EEF1-464C-A9A0-7EBDB1DA46E8}"/>
+              </a:ext>
+            </a:extLst>
+          </p:cNvPr>
+          <p:cNvSpPr>
+            <a:spLocks noGrp="1"/>
+          </p:cNvSpPr>
+          <p:nvPr>
+            <p:ph type="title"/>
+          </p:nvPr>
+        </p:nvSpPr>
+        <p:spPr>
+          <a:xfrm>
+            <a:off x="164626" y="113770"/>
+            <a:ext cx="7886700" cy="691448"/>
+          </a:xfrm>
+        </p:spPr>
+        <p:txBody>
+          <a:bodyPr/>
+          <a:lstStyle/>
+          <a:p>
+            <a:r>
+              <a:rPr lang="en-US" dirty="0"/>
+              <a:t>Big Idea 5: Impact of Computing</a:t>
+            </a:r>
+          </a:p>
+        </p:txBody>
+      </p:sp>
+      <p:sp>
+        <p:nvSpPr>
+          <p:cNvPr id="3" name="Content Placeholder 2">
+            <a:extLst>
+              <a:ext uri="{FF2B5EF4-FFF2-40B4-BE49-F238E27FC236}">
+                <a16:creationId xmlns:a16="http://schemas.microsoft.com/office/drawing/2014/main" id="{3770FE9B-403E-D54D-910D-E86CFE4C2FAF}"/>
+              </a:ext>
+            </a:extLst>
+          </p:cNvPr>
+          <p:cNvSpPr>
+            <a:spLocks noGrp="1"/>
+          </p:cNvSpPr>
+          <p:nvPr>
+            <p:ph idx="1"/>
+          </p:nvPr>
+        </p:nvSpPr>
+        <p:spPr>
+          <a:xfrm>
+            <a:off x="164626" y="805218"/>
+            <a:ext cx="8814748" cy="4796012"/>
+          </a:xfrm>
+        </p:spPr>
+        <p:txBody>
+          <a:bodyPr/>
+          <a:lstStyle/>
+          <a:p>
+            <a:pPr marL="0" indent="0">
+              <a:buNone/>
+            </a:pPr>
+            <a:r>
+              <a:rPr lang="en-US" dirty="0"/>
+              <a:t>﻿Unauthorized access can be gained to computers in several ways. One method is phishing. </a:t>
+            </a:r>
+            <a:r>
+              <a:rPr lang="en-US" b="1" dirty="0"/>
+              <a:t>Phishing</a:t>
+            </a:r>
+            <a:r>
+              <a:rPr lang="en-US" dirty="0"/>
+              <a:t> is a technique that directs users to unrelated sites that trick the user into giving personal data. Phishing is a technique used by cyber criminals posing as a legitimate institution to lure individuals into providing sensitive data, such as PII, banking and credit card details, and passwords.</a:t>
+            </a:r>
+          </a:p>
+          <a:p>
+            <a:pPr marL="0" indent="0">
+              <a:buNone/>
+            </a:pPr>
+            <a:endParaRPr lang="en-US" dirty="0"/>
+          </a:p>
+          <a:p>
+            <a:pPr marL="0" indent="0">
+              <a:buNone/>
+            </a:pPr>
+            <a:r>
+              <a:rPr lang="en-US" dirty="0"/>
+              <a:t>﻿</a:t>
+            </a:r>
+            <a:r>
+              <a:rPr lang="en-US" b="1" dirty="0"/>
+              <a:t>Keylogging</a:t>
+            </a:r>
+            <a:r>
+              <a:rPr lang="en-US" dirty="0"/>
+              <a:t> is another method involving unauthorized access to a computer. Keylogging is the use of a program to record every keystroke made by the computer user in order to gain fraudulent access to passwords and other confidential information.</a:t>
+            </a:r>
+          </a:p>
+          <a:p>
+            <a:pPr marL="0" indent="0">
+              <a:buNone/>
+            </a:pPr>
+            <a:endParaRPr lang="en-US" dirty="0"/>
+          </a:p>
+          <a:p>
+            <a:pPr marL="0" indent="0">
+              <a:buNone/>
+            </a:pPr>
+            <a:r>
+              <a:rPr lang="en-US" dirty="0"/>
+              <a:t>﻿Data sent over public networks can be intercepted, analyzed, and modified. One way that this can happen is through a </a:t>
+            </a:r>
+            <a:r>
+              <a:rPr lang="en-US" b="1" dirty="0"/>
+              <a:t>rogue access point</a:t>
+            </a:r>
+            <a:r>
+              <a:rPr lang="en-US" dirty="0"/>
+              <a:t>. A rogue access point is a wireless access point that gives unauthorized access to secure networks.</a:t>
+            </a:r>
+          </a:p>
+          <a:p>
+            <a:pPr marL="0" indent="0">
+              <a:buNone/>
+            </a:pPr>
+            <a:endParaRPr lang="en-US" dirty="0"/>
+          </a:p>
+          <a:p>
+            <a:pPr marL="0" indent="0">
+              <a:buNone/>
+            </a:pPr>
+            <a:endParaRPr lang="en-US" dirty="0"/>
+          </a:p>
+          <a:p>
+            <a:pPr marL="0" indent="0">
+              <a:buNone/>
+            </a:pPr>
+            <a:endParaRPr lang="en-US" dirty="0"/>
+          </a:p>
+        </p:txBody>
+      </p:sp>
+      <p:sp>
+        <p:nvSpPr>
+          <p:cNvPr id="4" name="Slide Number Placeholder 3">
+            <a:extLst>
+              <a:ext uri="{FF2B5EF4-FFF2-40B4-BE49-F238E27FC236}">
+                <a16:creationId xmlns:a16="http://schemas.microsoft.com/office/drawing/2014/main" id="{AD4E55E8-1CA4-A544-9032-E81BBD4E2B1F}"/>
+              </a:ext>
+            </a:extLst>
+          </p:cNvPr>
+          <p:cNvSpPr>
+            <a:spLocks noGrp="1"/>
+          </p:cNvSpPr>
+          <p:nvPr>
+            <p:ph type="sldNum" sz="quarter" idx="12"/>
+          </p:nvPr>
+        </p:nvSpPr>
+        <p:spPr/>
+        <p:txBody>
+          <a:bodyPr/>
+          <a:lstStyle/>
+          <a:p>
+            <a:fld id="{D57F1E4F-1CFF-5643-939E-02111984F565}" type="slidenum">
+              <a:rPr lang="en-US" smtClean="0"/>
+              <a:t>119</a:t>
+            </a:fld>
+            <a:endParaRPr lang="en-US" dirty="0"/>
+          </a:p>
+        </p:txBody>
+      </p:sp>
+    </p:spTree>
+    <p:extLst>
+      <p:ext uri="{BB962C8B-B14F-4D97-AF65-F5344CB8AC3E}">
+        <p14:creationId xmlns:p14="http://schemas.microsoft.com/office/powerpoint/2010/main" val="128763582"/>
+      </p:ext>
+    </p:extLst>
+  </p:cSld>
+  <p:clrMapOvr>
+    <a:masterClrMapping/>
+  </p:clrMapOvr>
+</p:sld>
+</file>
+
 <file path=ppt/slides/slide12.xml><?xml version="1.0" encoding="utf-8"?>
 <p:sld xmlns:a="http://schemas.openxmlformats.org/drawingml/2006/main" xmlns:r="http://schemas.openxmlformats.org/officeDocument/2006/relationships" xmlns:p="http://schemas.openxmlformats.org/presentationml/2006/main">
   <p:cSld>
@@ -16407,6 +24335,164 @@
     <p:extLst>
       <p:ext uri="{BB962C8B-B14F-4D97-AF65-F5344CB8AC3E}">
         <p14:creationId xmlns:p14="http://schemas.microsoft.com/office/powerpoint/2010/main" val="2482590100"/>
+      </p:ext>
+    </p:extLst>
+  </p:cSld>
+  <p:clrMapOvr>
+    <a:masterClrMapping/>
+  </p:clrMapOvr>
+</p:sld>
+</file>
+
+<file path=ppt/slides/slide120.xml><?xml version="1.0" encoding="utf-8"?>
+<p:sld xmlns:a="http://schemas.openxmlformats.org/drawingml/2006/main" xmlns:r="http://schemas.openxmlformats.org/officeDocument/2006/relationships" xmlns:p="http://schemas.openxmlformats.org/presentationml/2006/main">
+  <p:cSld>
+    <p:spTree>
+      <p:nvGrpSpPr>
+        <p:cNvPr id="1" name=""/>
+        <p:cNvGrpSpPr/>
+        <p:nvPr/>
+      </p:nvGrpSpPr>
+      <p:grpSpPr>
+        <a:xfrm>
+          <a:off x="0" y="0"/>
+          <a:ext cx="0" cy="0"/>
+          <a:chOff x="0" y="0"/>
+          <a:chExt cx="0" cy="0"/>
+        </a:xfrm>
+      </p:grpSpPr>
+      <p:sp>
+        <p:nvSpPr>
+          <p:cNvPr id="2" name="Title 1">
+            <a:extLst>
+              <a:ext uri="{FF2B5EF4-FFF2-40B4-BE49-F238E27FC236}">
+                <a16:creationId xmlns:a16="http://schemas.microsoft.com/office/drawing/2014/main" id="{893AF10F-C12D-6B4A-84C5-206A244BF7C6}"/>
+              </a:ext>
+            </a:extLst>
+          </p:cNvPr>
+          <p:cNvSpPr>
+            <a:spLocks noGrp="1"/>
+          </p:cNvSpPr>
+          <p:nvPr>
+            <p:ph type="title"/>
+          </p:nvPr>
+        </p:nvSpPr>
+        <p:spPr>
+          <a:xfrm>
+            <a:off x="127205" y="111030"/>
+            <a:ext cx="7886700" cy="841376"/>
+          </a:xfrm>
+        </p:spPr>
+        <p:txBody>
+          <a:bodyPr/>
+          <a:lstStyle/>
+          <a:p>
+            <a:r>
+              <a:rPr lang="en-US" dirty="0"/>
+              <a:t>References</a:t>
+            </a:r>
+          </a:p>
+        </p:txBody>
+      </p:sp>
+      <p:sp>
+        <p:nvSpPr>
+          <p:cNvPr id="3" name="Content Placeholder 2">
+            <a:extLst>
+              <a:ext uri="{FF2B5EF4-FFF2-40B4-BE49-F238E27FC236}">
+                <a16:creationId xmlns:a16="http://schemas.microsoft.com/office/drawing/2014/main" id="{8EE44610-8AB0-B84C-9003-2B8BA850F328}"/>
+              </a:ext>
+            </a:extLst>
+          </p:cNvPr>
+          <p:cNvSpPr>
+            <a:spLocks noGrp="1"/>
+          </p:cNvSpPr>
+          <p:nvPr>
+            <p:ph idx="1"/>
+          </p:nvPr>
+        </p:nvSpPr>
+        <p:spPr>
+          <a:xfrm>
+            <a:off x="196645" y="855406"/>
+            <a:ext cx="8701549" cy="4745824"/>
+          </a:xfrm>
+        </p:spPr>
+        <p:txBody>
+          <a:bodyPr/>
+          <a:lstStyle/>
+          <a:p>
+            <a:pPr marL="0" indent="0">
+              <a:buNone/>
+            </a:pPr>
+            <a:endParaRPr lang="en-US" dirty="0"/>
+          </a:p>
+          <a:p>
+            <a:pPr marL="0" indent="0">
+              <a:buNone/>
+            </a:pPr>
+            <a:endParaRPr lang="en-US" dirty="0"/>
+          </a:p>
+          <a:p>
+            <a:pPr marL="0" indent="0">
+              <a:buNone/>
+            </a:pPr>
+            <a:endParaRPr lang="en-US" dirty="0"/>
+          </a:p>
+          <a:p>
+            <a:pPr marL="0" indent="0">
+              <a:buNone/>
+            </a:pPr>
+            <a:r>
+              <a:rPr lang="en-US" dirty="0" err="1"/>
+              <a:t>Reichelson</a:t>
+            </a:r>
+            <a:r>
+              <a:rPr lang="en-US" dirty="0"/>
+              <a:t>, Seth. AP Computer Science Principles Premium with 6 Practice Tests (Barron's Test Prep) (p. 92). </a:t>
+            </a:r>
+            <a:r>
+              <a:rPr lang="en-US" dirty="0" err="1"/>
+              <a:t>Barrons</a:t>
+            </a:r>
+            <a:r>
+              <a:rPr lang="en-US" dirty="0"/>
+              <a:t> Educational Series. </a:t>
+            </a:r>
+          </a:p>
+        </p:txBody>
+      </p:sp>
+      <p:sp>
+        <p:nvSpPr>
+          <p:cNvPr id="4" name="Slide Number Placeholder 3">
+            <a:extLst>
+              <a:ext uri="{FF2B5EF4-FFF2-40B4-BE49-F238E27FC236}">
+                <a16:creationId xmlns:a16="http://schemas.microsoft.com/office/drawing/2014/main" id="{75C7B0F0-6928-7047-81B0-E8C50BC3208B}"/>
+              </a:ext>
+            </a:extLst>
+          </p:cNvPr>
+          <p:cNvSpPr>
+            <a:spLocks noGrp="1"/>
+          </p:cNvSpPr>
+          <p:nvPr>
+            <p:ph type="sldNum" sz="quarter" idx="12"/>
+          </p:nvPr>
+        </p:nvSpPr>
+        <p:spPr/>
+        <p:txBody>
+          <a:bodyPr/>
+          <a:lstStyle/>
+          <a:p>
+            <a:fld id="{D57F1E4F-1CFF-5643-939E-02111984F565}" type="slidenum">
+              <a:rPr lang="en-US" smtClean="0"/>
+              <a:t>120</a:t>
+            </a:fld>
+            <a:endParaRPr lang="en-US" dirty="0"/>
+          </a:p>
+        </p:txBody>
+      </p:sp>
+    </p:spTree>
+    <p:extLst>
+      <p:ext uri="{BB962C8B-B14F-4D97-AF65-F5344CB8AC3E}">
+        <p14:creationId xmlns:p14="http://schemas.microsoft.com/office/powerpoint/2010/main" val="1253310971"/>
       </p:ext>
     </p:extLst>
   </p:cSld>
@@ -40881,6 +48967,42 @@
             <a:pPr marL="0" indent="0">
               <a:buNone/>
             </a:pPr>
+            <a:r>
+              <a:rPr lang="en-US" dirty="0"/>
+              <a:t>﻿A computing device is a physical artifact that can run a program. Some examples include computers, tablets, servers, routers, and smart sensors. The device must be able to take inputs, process the inputs, and then calculate results based on those inputs.</a:t>
+            </a:r>
+          </a:p>
+          <a:p>
+            <a:pPr marL="0" indent="0">
+              <a:buNone/>
+            </a:pPr>
+            <a:endParaRPr lang="en-US" dirty="0"/>
+          </a:p>
+          <a:p>
+            <a:pPr marL="0" indent="0">
+              <a:buNone/>
+            </a:pPr>
+            <a:r>
+              <a:rPr lang="en-US" dirty="0" err="1"/>
+              <a:t>Reichelson</a:t>
+            </a:r>
+            <a:r>
+              <a:rPr lang="en-US" dirty="0"/>
+              <a:t>, Seth. AP Computer Science Principles Premium with 6 Practice Tests (Barron's Test Prep) (p. 321). </a:t>
+            </a:r>
+            <a:r>
+              <a:rPr lang="en-US" dirty="0" err="1"/>
+              <a:t>Barrons</a:t>
+            </a:r>
+            <a:r>
+              <a:rPr lang="en-US" dirty="0"/>
+              <a:t> Educational Series. Kindle Edition. </a:t>
+            </a:r>
+          </a:p>
+          <a:p>
+            <a:pPr marL="0" indent="0">
+              <a:buNone/>
+            </a:pPr>
             <a:endParaRPr lang="en-US" dirty="0"/>
           </a:p>
         </p:txBody>
@@ -40949,7 +49071,7 @@
           <p:cNvPr id="2" name="Title 1">
             <a:extLst>
               <a:ext uri="{FF2B5EF4-FFF2-40B4-BE49-F238E27FC236}">
-                <a16:creationId xmlns:a16="http://schemas.microsoft.com/office/drawing/2014/main" id="{893AF10F-C12D-6B4A-84C5-206A244BF7C6}"/>
+                <a16:creationId xmlns:a16="http://schemas.microsoft.com/office/drawing/2014/main" id="{DFC6737B-C2EF-3F44-90BB-2743686986C3}"/>
               </a:ext>
             </a:extLst>
           </p:cNvPr>
@@ -40962,8 +49084,8 @@
         </p:nvSpPr>
         <p:spPr>
           <a:xfrm>
-            <a:off x="127205" y="111030"/>
-            <a:ext cx="7886700" cy="841376"/>
+            <a:off x="87876" y="15213"/>
+            <a:ext cx="7886700" cy="1104636"/>
           </a:xfrm>
         </p:spPr>
         <p:txBody>
@@ -40972,73 +49094,7 @@
           <a:p>
             <a:r>
               <a:rPr lang="en-US" dirty="0"/>
-              <a:t>References</a:t>
-            </a:r>
-          </a:p>
-        </p:txBody>
-      </p:sp>
-      <p:sp>
-        <p:nvSpPr>
-          <p:cNvPr id="3" name="Content Placeholder 2">
-            <a:extLst>
-              <a:ext uri="{FF2B5EF4-FFF2-40B4-BE49-F238E27FC236}">
-                <a16:creationId xmlns:a16="http://schemas.microsoft.com/office/drawing/2014/main" id="{8EE44610-8AB0-B84C-9003-2B8BA850F328}"/>
-              </a:ext>
-            </a:extLst>
-          </p:cNvPr>
-          <p:cNvSpPr>
-            <a:spLocks noGrp="1"/>
-          </p:cNvSpPr>
-          <p:nvPr>
-            <p:ph idx="1"/>
-          </p:nvPr>
-        </p:nvSpPr>
-        <p:spPr>
-          <a:xfrm>
-            <a:off x="196645" y="855406"/>
-            <a:ext cx="8701549" cy="4745824"/>
-          </a:xfrm>
-        </p:spPr>
-        <p:txBody>
-          <a:bodyPr/>
-          <a:lstStyle/>
-          <a:p>
-            <a:pPr marL="0" indent="0">
-              <a:buNone/>
-            </a:pPr>
-            <a:endParaRPr lang="en-US" dirty="0"/>
-          </a:p>
-          <a:p>
-            <a:pPr marL="0" indent="0">
-              <a:buNone/>
-            </a:pPr>
-            <a:endParaRPr lang="en-US" dirty="0"/>
-          </a:p>
-          <a:p>
-            <a:pPr marL="0" indent="0">
-              <a:buNone/>
-            </a:pPr>
-            <a:endParaRPr lang="en-US" dirty="0"/>
-          </a:p>
-          <a:p>
-            <a:pPr marL="0" indent="0">
-              <a:buNone/>
-            </a:pPr>
-            <a:r>
-              <a:rPr lang="en-US" dirty="0" err="1"/>
-              <a:t>Reichelson</a:t>
-            </a:r>
-            <a:r>
-              <a:rPr lang="en-US" dirty="0"/>
-              <a:t>, Seth. AP Computer Science Principles Premium with 6 Practice Tests (Barron's Test Prep) (p. 92). </a:t>
-            </a:r>
-            <a:r>
-              <a:rPr lang="en-US" dirty="0" err="1"/>
-              <a:t>Barrons</a:t>
-            </a:r>
-            <a:r>
-              <a:rPr lang="en-US" dirty="0"/>
-              <a:t> Educational Series. </a:t>
+              <a:t>Big Idea 4: Computer Systems and Network</a:t>
             </a:r>
           </a:p>
         </p:txBody>
@@ -41048,7 +49104,7 @@
           <p:cNvPr id="4" name="Slide Number Placeholder 3">
             <a:extLst>
               <a:ext uri="{FF2B5EF4-FFF2-40B4-BE49-F238E27FC236}">
-                <a16:creationId xmlns:a16="http://schemas.microsoft.com/office/drawing/2014/main" id="{75C7B0F0-6928-7047-81B0-E8C50BC3208B}"/>
+                <a16:creationId xmlns:a16="http://schemas.microsoft.com/office/drawing/2014/main" id="{18A2786D-28FA-B647-BAA2-FF2564358153}"/>
               </a:ext>
             </a:extLst>
           </p:cNvPr>
@@ -41072,16 +49128,1050 @@
           </a:p>
         </p:txBody>
       </p:sp>
+      <p:pic>
+        <p:nvPicPr>
+          <p:cNvPr id="3" name="Picture 2">
+            <a:extLst>
+              <a:ext uri="{FF2B5EF4-FFF2-40B4-BE49-F238E27FC236}">
+                <a16:creationId xmlns:a16="http://schemas.microsoft.com/office/drawing/2014/main" id="{B210FD03-9900-694E-B070-C24875B8B9C8}"/>
+              </a:ext>
+            </a:extLst>
+          </p:cNvPr>
+          <p:cNvPicPr>
+            <a:picLocks noChangeAspect="1"/>
+          </p:cNvPicPr>
+          <p:nvPr/>
+        </p:nvPicPr>
+        <p:blipFill>
+          <a:blip r:embed="rId2"/>
+          <a:stretch>
+            <a:fillRect/>
+          </a:stretch>
+        </p:blipFill>
+        <p:spPr>
+          <a:xfrm>
+            <a:off x="87876" y="1119849"/>
+            <a:ext cx="9093200" cy="3987800"/>
+          </a:xfrm>
+          <a:prstGeom prst="rect">
+            <a:avLst/>
+          </a:prstGeom>
+        </p:spPr>
+      </p:pic>
     </p:spTree>
     <p:extLst>
       <p:ext uri="{BB962C8B-B14F-4D97-AF65-F5344CB8AC3E}">
-        <p14:creationId xmlns:p14="http://schemas.microsoft.com/office/powerpoint/2010/main" val="1253310971"/>
+        <p14:creationId xmlns:p14="http://schemas.microsoft.com/office/powerpoint/2010/main" val="2232575206"/>
       </p:ext>
     </p:extLst>
   </p:cSld>
   <p:clrMapOvr>
     <a:masterClrMapping/>
   </p:clrMapOvr>
+</p:sld>
+</file>
+
+<file path=ppt/slides/slide97.xml><?xml version="1.0" encoding="utf-8"?>
+<p:sld xmlns:a="http://schemas.openxmlformats.org/drawingml/2006/main" xmlns:r="http://schemas.openxmlformats.org/officeDocument/2006/relationships" xmlns:p="http://schemas.openxmlformats.org/presentationml/2006/main">
+  <p:cSld>
+    <p:spTree>
+      <p:nvGrpSpPr>
+        <p:cNvPr id="1" name=""/>
+        <p:cNvGrpSpPr/>
+        <p:nvPr/>
+      </p:nvGrpSpPr>
+      <p:grpSpPr>
+        <a:xfrm>
+          <a:off x="0" y="0"/>
+          <a:ext cx="0" cy="0"/>
+          <a:chOff x="0" y="0"/>
+          <a:chExt cx="0" cy="0"/>
+        </a:xfrm>
+      </p:grpSpPr>
+      <p:sp>
+        <p:nvSpPr>
+          <p:cNvPr id="2" name="Title 1">
+            <a:extLst>
+              <a:ext uri="{FF2B5EF4-FFF2-40B4-BE49-F238E27FC236}">
+                <a16:creationId xmlns:a16="http://schemas.microsoft.com/office/drawing/2014/main" id="{7EBA3FED-EEF1-464C-A9A0-7EBDB1DA46E8}"/>
+              </a:ext>
+            </a:extLst>
+          </p:cNvPr>
+          <p:cNvSpPr>
+            <a:spLocks noGrp="1"/>
+          </p:cNvSpPr>
+          <p:nvPr>
+            <p:ph type="title"/>
+          </p:nvPr>
+        </p:nvSpPr>
+        <p:spPr>
+          <a:xfrm>
+            <a:off x="164626" y="113770"/>
+            <a:ext cx="7886700" cy="691448"/>
+          </a:xfrm>
+        </p:spPr>
+        <p:txBody>
+          <a:bodyPr/>
+          <a:lstStyle/>
+          <a:p>
+            <a:r>
+              <a:rPr lang="en-US" dirty="0"/>
+              <a:t>Big Idea 4: Computer Systems and Networks</a:t>
+            </a:r>
+          </a:p>
+        </p:txBody>
+      </p:sp>
+      <p:sp>
+        <p:nvSpPr>
+          <p:cNvPr id="3" name="Content Placeholder 2">
+            <a:extLst>
+              <a:ext uri="{FF2B5EF4-FFF2-40B4-BE49-F238E27FC236}">
+                <a16:creationId xmlns:a16="http://schemas.microsoft.com/office/drawing/2014/main" id="{3770FE9B-403E-D54D-910D-E86CFE4C2FAF}"/>
+              </a:ext>
+            </a:extLst>
+          </p:cNvPr>
+          <p:cNvSpPr>
+            <a:spLocks noGrp="1"/>
+          </p:cNvSpPr>
+          <p:nvPr>
+            <p:ph idx="1"/>
+          </p:nvPr>
+        </p:nvSpPr>
+        <p:spPr>
+          <a:xfrm>
+            <a:off x="164626" y="805218"/>
+            <a:ext cx="8814748" cy="4796012"/>
+          </a:xfrm>
+        </p:spPr>
+        <p:txBody>
+          <a:bodyPr/>
+          <a:lstStyle/>
+          <a:p>
+            <a:pPr marL="0" indent="0">
+              <a:buNone/>
+            </a:pPr>
+            <a:r>
+              <a:rPr lang="en-US" dirty="0"/>
+              <a:t>﻿A </a:t>
+            </a:r>
+            <a:r>
+              <a:rPr lang="en-US" b="1" dirty="0"/>
+              <a:t>computing device</a:t>
+            </a:r>
+            <a:r>
+              <a:rPr lang="en-US" dirty="0"/>
+              <a:t> is a physical artifact that can run a program. Some examples include computers, tablets, servers, routers, and smart sensors. The device must be able to take inputs, process the inputs, and then calculate results based on those inputs.</a:t>
+            </a:r>
+          </a:p>
+          <a:p>
+            <a:pPr marL="0" indent="0">
+              <a:buNone/>
+            </a:pPr>
+            <a:endParaRPr lang="en-US" dirty="0"/>
+          </a:p>
+          <a:p>
+            <a:pPr marL="0" indent="0">
+              <a:buNone/>
+            </a:pPr>
+            <a:r>
+              <a:rPr lang="en-US" dirty="0"/>
+              <a:t>﻿A </a:t>
+            </a:r>
+            <a:r>
+              <a:rPr lang="en-US" b="1" dirty="0"/>
+              <a:t>computing system </a:t>
+            </a:r>
+            <a:r>
+              <a:rPr lang="en-US" dirty="0"/>
+              <a:t>is a group of computing devices and programs working together for a common purpose. A type of computing system is a computer network. A computer network is a group of interconnected computing devices capable of sending or receiving data.</a:t>
+            </a:r>
+          </a:p>
+          <a:p>
+            <a:pPr marL="0" indent="0">
+              <a:buNone/>
+            </a:pPr>
+            <a:endParaRPr lang="en-US" dirty="0"/>
+          </a:p>
+          <a:p>
+            <a:pPr marL="0" indent="0">
+              <a:buNone/>
+            </a:pPr>
+            <a:r>
+              <a:rPr lang="en-US" dirty="0"/>
+              <a:t>﻿The </a:t>
+            </a:r>
+            <a:r>
+              <a:rPr lang="en-US" b="1" dirty="0"/>
+              <a:t>bandwidth</a:t>
+            </a:r>
+            <a:r>
+              <a:rPr lang="en-US" dirty="0"/>
+              <a:t> of a computer network is the maximum amount of data that can be sent in a fixed amount of time.</a:t>
+            </a:r>
+          </a:p>
+          <a:p>
+            <a:pPr marL="0" indent="0">
+              <a:buNone/>
+            </a:pPr>
+            <a:endParaRPr lang="en-US" dirty="0"/>
+          </a:p>
+        </p:txBody>
+      </p:sp>
+      <p:sp>
+        <p:nvSpPr>
+          <p:cNvPr id="4" name="Slide Number Placeholder 3">
+            <a:extLst>
+              <a:ext uri="{FF2B5EF4-FFF2-40B4-BE49-F238E27FC236}">
+                <a16:creationId xmlns:a16="http://schemas.microsoft.com/office/drawing/2014/main" id="{AD4E55E8-1CA4-A544-9032-E81BBD4E2B1F}"/>
+              </a:ext>
+            </a:extLst>
+          </p:cNvPr>
+          <p:cNvSpPr>
+            <a:spLocks noGrp="1"/>
+          </p:cNvSpPr>
+          <p:nvPr>
+            <p:ph type="sldNum" sz="quarter" idx="12"/>
+          </p:nvPr>
+        </p:nvSpPr>
+        <p:spPr/>
+        <p:txBody>
+          <a:bodyPr/>
+          <a:lstStyle/>
+          <a:p>
+            <a:fld id="{D57F1E4F-1CFF-5643-939E-02111984F565}" type="slidenum">
+              <a:rPr lang="en-US" smtClean="0"/>
+              <a:t>97</a:t>
+            </a:fld>
+            <a:endParaRPr lang="en-US" dirty="0"/>
+          </a:p>
+        </p:txBody>
+      </p:sp>
+    </p:spTree>
+    <p:extLst>
+      <p:ext uri="{BB962C8B-B14F-4D97-AF65-F5344CB8AC3E}">
+        <p14:creationId xmlns:p14="http://schemas.microsoft.com/office/powerpoint/2010/main" val="469267058"/>
+      </p:ext>
+    </p:extLst>
+  </p:cSld>
+  <p:clrMapOvr>
+    <a:masterClrMapping/>
+  </p:clrMapOvr>
+  <p:timing>
+    <p:tnLst>
+      <p:par>
+        <p:cTn id="1" dur="indefinite" restart="never" nodeType="tmRoot">
+          <p:childTnLst>
+            <p:seq concurrent="1" nextAc="seek">
+              <p:cTn id="2" dur="indefinite" nodeType="mainSeq">
+                <p:childTnLst>
+                  <p:par>
+                    <p:cTn id="3" fill="hold">
+                      <p:stCondLst>
+                        <p:cond delay="indefinite"/>
+                      </p:stCondLst>
+                      <p:childTnLst>
+                        <p:par>
+                          <p:cTn id="4" fill="hold">
+                            <p:stCondLst>
+                              <p:cond delay="0"/>
+                            </p:stCondLst>
+                            <p:childTnLst>
+                              <p:par>
+                                <p:cTn id="5" presetID="1" presetClass="entr" presetSubtype="0" fill="hold" nodeType="clickEffect">
+                                  <p:stCondLst>
+                                    <p:cond delay="0"/>
+                                  </p:stCondLst>
+                                  <p:childTnLst>
+                                    <p:set>
+                                      <p:cBhvr>
+                                        <p:cTn id="6" dur="1" fill="hold">
+                                          <p:stCondLst>
+                                            <p:cond delay="0"/>
+                                          </p:stCondLst>
+                                        </p:cTn>
+                                        <p:tgtEl>
+                                          <p:spTgt spid="3">
+                                            <p:txEl>
+                                              <p:pRg st="2" end="2"/>
+                                            </p:txEl>
+                                          </p:spTgt>
+                                        </p:tgtEl>
+                                        <p:attrNameLst>
+                                          <p:attrName>style.visibility</p:attrName>
+                                        </p:attrNameLst>
+                                      </p:cBhvr>
+                                      <p:to>
+                                        <p:strVal val="visible"/>
+                                      </p:to>
+                                    </p:set>
+                                  </p:childTnLst>
+                                </p:cTn>
+                              </p:par>
+                            </p:childTnLst>
+                          </p:cTn>
+                        </p:par>
+                      </p:childTnLst>
+                    </p:cTn>
+                  </p:par>
+                  <p:par>
+                    <p:cTn id="7" fill="hold">
+                      <p:stCondLst>
+                        <p:cond delay="indefinite"/>
+                      </p:stCondLst>
+                      <p:childTnLst>
+                        <p:par>
+                          <p:cTn id="8" fill="hold">
+                            <p:stCondLst>
+                              <p:cond delay="0"/>
+                            </p:stCondLst>
+                            <p:childTnLst>
+                              <p:par>
+                                <p:cTn id="9" presetID="1" presetClass="entr" presetSubtype="0" fill="hold" nodeType="clickEffect">
+                                  <p:stCondLst>
+                                    <p:cond delay="0"/>
+                                  </p:stCondLst>
+                                  <p:childTnLst>
+                                    <p:set>
+                                      <p:cBhvr>
+                                        <p:cTn id="10" dur="1" fill="hold">
+                                          <p:stCondLst>
+                                            <p:cond delay="0"/>
+                                          </p:stCondLst>
+                                        </p:cTn>
+                                        <p:tgtEl>
+                                          <p:spTgt spid="3">
+                                            <p:txEl>
+                                              <p:pRg st="4" end="4"/>
+                                            </p:txEl>
+                                          </p:spTgt>
+                                        </p:tgtEl>
+                                        <p:attrNameLst>
+                                          <p:attrName>style.visibility</p:attrName>
+                                        </p:attrNameLst>
+                                      </p:cBhvr>
+                                      <p:to>
+                                        <p:strVal val="visible"/>
+                                      </p:to>
+                                    </p:set>
+                                  </p:childTnLst>
+                                </p:cTn>
+                              </p:par>
+                            </p:childTnLst>
+                          </p:cTn>
+                        </p:par>
+                      </p:childTnLst>
+                    </p:cTn>
+                  </p:par>
+                </p:childTnLst>
+              </p:cTn>
+              <p:prevCondLst>
+                <p:cond evt="onPrev" delay="0">
+                  <p:tgtEl>
+                    <p:sldTgt/>
+                  </p:tgtEl>
+                </p:cond>
+              </p:prevCondLst>
+              <p:nextCondLst>
+                <p:cond evt="onNext" delay="0">
+                  <p:tgtEl>
+                    <p:sldTgt/>
+                  </p:tgtEl>
+                </p:cond>
+              </p:nextCondLst>
+            </p:seq>
+          </p:childTnLst>
+        </p:cTn>
+      </p:par>
+    </p:tnLst>
+  </p:timing>
+</p:sld>
+</file>
+
+<file path=ppt/slides/slide98.xml><?xml version="1.0" encoding="utf-8"?>
+<p:sld xmlns:a="http://schemas.openxmlformats.org/drawingml/2006/main" xmlns:r="http://schemas.openxmlformats.org/officeDocument/2006/relationships" xmlns:p="http://schemas.openxmlformats.org/presentationml/2006/main">
+  <p:cSld>
+    <p:spTree>
+      <p:nvGrpSpPr>
+        <p:cNvPr id="1" name=""/>
+        <p:cNvGrpSpPr/>
+        <p:nvPr/>
+      </p:nvGrpSpPr>
+      <p:grpSpPr>
+        <a:xfrm>
+          <a:off x="0" y="0"/>
+          <a:ext cx="0" cy="0"/>
+          <a:chOff x="0" y="0"/>
+          <a:chExt cx="0" cy="0"/>
+        </a:xfrm>
+      </p:grpSpPr>
+      <p:sp>
+        <p:nvSpPr>
+          <p:cNvPr id="2" name="Title 1">
+            <a:extLst>
+              <a:ext uri="{FF2B5EF4-FFF2-40B4-BE49-F238E27FC236}">
+                <a16:creationId xmlns:a16="http://schemas.microsoft.com/office/drawing/2014/main" id="{7EBA3FED-EEF1-464C-A9A0-7EBDB1DA46E8}"/>
+              </a:ext>
+            </a:extLst>
+          </p:cNvPr>
+          <p:cNvSpPr>
+            <a:spLocks noGrp="1"/>
+          </p:cNvSpPr>
+          <p:nvPr>
+            <p:ph type="title"/>
+          </p:nvPr>
+        </p:nvSpPr>
+        <p:spPr>
+          <a:xfrm>
+            <a:off x="0" y="0"/>
+            <a:ext cx="7886700" cy="691448"/>
+          </a:xfrm>
+        </p:spPr>
+        <p:txBody>
+          <a:bodyPr/>
+          <a:lstStyle/>
+          <a:p>
+            <a:r>
+              <a:rPr lang="en-US" dirty="0"/>
+              <a:t>Big Idea 4: Computer Systems and Networks</a:t>
+            </a:r>
+          </a:p>
+        </p:txBody>
+      </p:sp>
+      <p:sp>
+        <p:nvSpPr>
+          <p:cNvPr id="3" name="Content Placeholder 2">
+            <a:extLst>
+              <a:ext uri="{FF2B5EF4-FFF2-40B4-BE49-F238E27FC236}">
+                <a16:creationId xmlns:a16="http://schemas.microsoft.com/office/drawing/2014/main" id="{3770FE9B-403E-D54D-910D-E86CFE4C2FAF}"/>
+              </a:ext>
+            </a:extLst>
+          </p:cNvPr>
+          <p:cNvSpPr>
+            <a:spLocks noGrp="1"/>
+          </p:cNvSpPr>
+          <p:nvPr>
+            <p:ph idx="1"/>
+          </p:nvPr>
+        </p:nvSpPr>
+        <p:spPr>
+          <a:xfrm>
+            <a:off x="136478" y="573206"/>
+            <a:ext cx="8842896" cy="5028024"/>
+          </a:xfrm>
+        </p:spPr>
+        <p:txBody>
+          <a:bodyPr/>
+          <a:lstStyle/>
+          <a:p>
+            <a:pPr marL="0" indent="0">
+              <a:buNone/>
+            </a:pPr>
+            <a:r>
+              <a:rPr lang="en-US" dirty="0"/>
+              <a:t>﻿A </a:t>
+            </a:r>
+            <a:r>
+              <a:rPr lang="en-US" b="1" dirty="0"/>
+              <a:t>path</a:t>
+            </a:r>
+            <a:r>
+              <a:rPr lang="en-US" dirty="0"/>
+              <a:t> between two computing devices on a computer network (a sender and receiver) is a sequence of directly connected computing devices that begins at the sender and ends at the receiver. </a:t>
+            </a:r>
+            <a:r>
+              <a:rPr lang="en-US" b="1" dirty="0"/>
+              <a:t>Routing</a:t>
+            </a:r>
+            <a:r>
+              <a:rPr lang="en-US" dirty="0"/>
+              <a:t> is the process of finding a path from sender to receiver.</a:t>
+            </a:r>
+          </a:p>
+          <a:p>
+            <a:pPr marL="0" indent="0">
+              <a:buNone/>
+            </a:pPr>
+            <a:endParaRPr lang="en-US" dirty="0"/>
+          </a:p>
+          <a:p>
+            <a:pPr marL="0" indent="0">
+              <a:buNone/>
+            </a:pPr>
+            <a:r>
+              <a:rPr lang="en-US" dirty="0"/>
+              <a:t>﻿If the path from sender to receiver is broken, the path will be rerouted. This fault-tolerant nature of the internet makes connections between computing devices more reliable.</a:t>
+            </a:r>
+          </a:p>
+          <a:p>
+            <a:pPr marL="0" indent="0">
+              <a:buNone/>
+            </a:pPr>
+            <a:endParaRPr lang="en-US" dirty="0"/>
+          </a:p>
+          <a:p>
+            <a:pPr marL="0" indent="0">
+              <a:buNone/>
+            </a:pPr>
+            <a:r>
+              <a:rPr lang="en-US" dirty="0"/>
+              <a:t>﻿The internet connects devices and networks from all over the world. The internet is a physical network of fiber optics, radio transmitters, and cabling. Devices and networks that make up the internet are connected and communicate using standardized, open communication protocols. </a:t>
+            </a:r>
+          </a:p>
+          <a:p>
+            <a:pPr marL="0" indent="0">
+              <a:buNone/>
+            </a:pPr>
+            <a:endParaRPr lang="en-US" dirty="0"/>
+          </a:p>
+        </p:txBody>
+      </p:sp>
+      <p:sp>
+        <p:nvSpPr>
+          <p:cNvPr id="4" name="Slide Number Placeholder 3">
+            <a:extLst>
+              <a:ext uri="{FF2B5EF4-FFF2-40B4-BE49-F238E27FC236}">
+                <a16:creationId xmlns:a16="http://schemas.microsoft.com/office/drawing/2014/main" id="{AD4E55E8-1CA4-A544-9032-E81BBD4E2B1F}"/>
+              </a:ext>
+            </a:extLst>
+          </p:cNvPr>
+          <p:cNvSpPr>
+            <a:spLocks noGrp="1"/>
+          </p:cNvSpPr>
+          <p:nvPr>
+            <p:ph type="sldNum" sz="quarter" idx="12"/>
+          </p:nvPr>
+        </p:nvSpPr>
+        <p:spPr/>
+        <p:txBody>
+          <a:bodyPr/>
+          <a:lstStyle/>
+          <a:p>
+            <a:fld id="{D57F1E4F-1CFF-5643-939E-02111984F565}" type="slidenum">
+              <a:rPr lang="en-US" smtClean="0"/>
+              <a:t>98</a:t>
+            </a:fld>
+            <a:endParaRPr lang="en-US" dirty="0"/>
+          </a:p>
+        </p:txBody>
+      </p:sp>
+    </p:spTree>
+    <p:extLst>
+      <p:ext uri="{BB962C8B-B14F-4D97-AF65-F5344CB8AC3E}">
+        <p14:creationId xmlns:p14="http://schemas.microsoft.com/office/powerpoint/2010/main" val="1494335352"/>
+      </p:ext>
+    </p:extLst>
+  </p:cSld>
+  <p:clrMapOvr>
+    <a:masterClrMapping/>
+  </p:clrMapOvr>
+  <p:timing>
+    <p:tnLst>
+      <p:par>
+        <p:cTn id="1" dur="indefinite" restart="never" nodeType="tmRoot">
+          <p:childTnLst>
+            <p:seq concurrent="1" nextAc="seek">
+              <p:cTn id="2" dur="indefinite" nodeType="mainSeq">
+                <p:childTnLst>
+                  <p:par>
+                    <p:cTn id="3" fill="hold">
+                      <p:stCondLst>
+                        <p:cond delay="indefinite"/>
+                      </p:stCondLst>
+                      <p:childTnLst>
+                        <p:par>
+                          <p:cTn id="4" fill="hold">
+                            <p:stCondLst>
+                              <p:cond delay="0"/>
+                            </p:stCondLst>
+                            <p:childTnLst>
+                              <p:par>
+                                <p:cTn id="5" presetID="1" presetClass="entr" presetSubtype="0" fill="hold" nodeType="clickEffect">
+                                  <p:stCondLst>
+                                    <p:cond delay="0"/>
+                                  </p:stCondLst>
+                                  <p:childTnLst>
+                                    <p:set>
+                                      <p:cBhvr>
+                                        <p:cTn id="6" dur="1" fill="hold">
+                                          <p:stCondLst>
+                                            <p:cond delay="0"/>
+                                          </p:stCondLst>
+                                        </p:cTn>
+                                        <p:tgtEl>
+                                          <p:spTgt spid="3">
+                                            <p:txEl>
+                                              <p:pRg st="2" end="2"/>
+                                            </p:txEl>
+                                          </p:spTgt>
+                                        </p:tgtEl>
+                                        <p:attrNameLst>
+                                          <p:attrName>style.visibility</p:attrName>
+                                        </p:attrNameLst>
+                                      </p:cBhvr>
+                                      <p:to>
+                                        <p:strVal val="visible"/>
+                                      </p:to>
+                                    </p:set>
+                                  </p:childTnLst>
+                                </p:cTn>
+                              </p:par>
+                            </p:childTnLst>
+                          </p:cTn>
+                        </p:par>
+                      </p:childTnLst>
+                    </p:cTn>
+                  </p:par>
+                  <p:par>
+                    <p:cTn id="7" fill="hold">
+                      <p:stCondLst>
+                        <p:cond delay="indefinite"/>
+                      </p:stCondLst>
+                      <p:childTnLst>
+                        <p:par>
+                          <p:cTn id="8" fill="hold">
+                            <p:stCondLst>
+                              <p:cond delay="0"/>
+                            </p:stCondLst>
+                            <p:childTnLst>
+                              <p:par>
+                                <p:cTn id="9" presetID="1" presetClass="entr" presetSubtype="0" fill="hold" nodeType="clickEffect">
+                                  <p:stCondLst>
+                                    <p:cond delay="0"/>
+                                  </p:stCondLst>
+                                  <p:childTnLst>
+                                    <p:set>
+                                      <p:cBhvr>
+                                        <p:cTn id="10" dur="1" fill="hold">
+                                          <p:stCondLst>
+                                            <p:cond delay="0"/>
+                                          </p:stCondLst>
+                                        </p:cTn>
+                                        <p:tgtEl>
+                                          <p:spTgt spid="3">
+                                            <p:txEl>
+                                              <p:pRg st="4" end="4"/>
+                                            </p:txEl>
+                                          </p:spTgt>
+                                        </p:tgtEl>
+                                        <p:attrNameLst>
+                                          <p:attrName>style.visibility</p:attrName>
+                                        </p:attrNameLst>
+                                      </p:cBhvr>
+                                      <p:to>
+                                        <p:strVal val="visible"/>
+                                      </p:to>
+                                    </p:set>
+                                  </p:childTnLst>
+                                </p:cTn>
+                              </p:par>
+                            </p:childTnLst>
+                          </p:cTn>
+                        </p:par>
+                      </p:childTnLst>
+                    </p:cTn>
+                  </p:par>
+                </p:childTnLst>
+              </p:cTn>
+              <p:prevCondLst>
+                <p:cond evt="onPrev" delay="0">
+                  <p:tgtEl>
+                    <p:sldTgt/>
+                  </p:tgtEl>
+                </p:cond>
+              </p:prevCondLst>
+              <p:nextCondLst>
+                <p:cond evt="onNext" delay="0">
+                  <p:tgtEl>
+                    <p:sldTgt/>
+                  </p:tgtEl>
+                </p:cond>
+              </p:nextCondLst>
+            </p:seq>
+          </p:childTnLst>
+        </p:cTn>
+      </p:par>
+    </p:tnLst>
+  </p:timing>
+</p:sld>
+</file>
+
+<file path=ppt/slides/slide99.xml><?xml version="1.0" encoding="utf-8"?>
+<p:sld xmlns:a="http://schemas.openxmlformats.org/drawingml/2006/main" xmlns:r="http://schemas.openxmlformats.org/officeDocument/2006/relationships" xmlns:p="http://schemas.openxmlformats.org/presentationml/2006/main">
+  <p:cSld>
+    <p:spTree>
+      <p:nvGrpSpPr>
+        <p:cNvPr id="1" name=""/>
+        <p:cNvGrpSpPr/>
+        <p:nvPr/>
+      </p:nvGrpSpPr>
+      <p:grpSpPr>
+        <a:xfrm>
+          <a:off x="0" y="0"/>
+          <a:ext cx="0" cy="0"/>
+          <a:chOff x="0" y="0"/>
+          <a:chExt cx="0" cy="0"/>
+        </a:xfrm>
+      </p:grpSpPr>
+      <p:sp>
+        <p:nvSpPr>
+          <p:cNvPr id="2" name="Title 1">
+            <a:extLst>
+              <a:ext uri="{FF2B5EF4-FFF2-40B4-BE49-F238E27FC236}">
+                <a16:creationId xmlns:a16="http://schemas.microsoft.com/office/drawing/2014/main" id="{7EBA3FED-EEF1-464C-A9A0-7EBDB1DA46E8}"/>
+              </a:ext>
+            </a:extLst>
+          </p:cNvPr>
+          <p:cNvSpPr>
+            <a:spLocks noGrp="1"/>
+          </p:cNvSpPr>
+          <p:nvPr>
+            <p:ph type="title"/>
+          </p:nvPr>
+        </p:nvSpPr>
+        <p:spPr>
+          <a:xfrm>
+            <a:off x="164626" y="113770"/>
+            <a:ext cx="7886700" cy="691448"/>
+          </a:xfrm>
+        </p:spPr>
+        <p:txBody>
+          <a:bodyPr/>
+          <a:lstStyle/>
+          <a:p>
+            <a:r>
+              <a:rPr lang="en-US" dirty="0"/>
+              <a:t>Big Idea 4: Computer Systems and Networks</a:t>
+            </a:r>
+          </a:p>
+        </p:txBody>
+      </p:sp>
+      <p:sp>
+        <p:nvSpPr>
+          <p:cNvPr id="3" name="Content Placeholder 2">
+            <a:extLst>
+              <a:ext uri="{FF2B5EF4-FFF2-40B4-BE49-F238E27FC236}">
+                <a16:creationId xmlns:a16="http://schemas.microsoft.com/office/drawing/2014/main" id="{3770FE9B-403E-D54D-910D-E86CFE4C2FAF}"/>
+              </a:ext>
+            </a:extLst>
+          </p:cNvPr>
+          <p:cNvSpPr>
+            <a:spLocks noGrp="1"/>
+          </p:cNvSpPr>
+          <p:nvPr>
+            <p:ph idx="1"/>
+          </p:nvPr>
+        </p:nvSpPr>
+        <p:spPr>
+          <a:xfrm>
+            <a:off x="164626" y="805218"/>
+            <a:ext cx="8814748" cy="4796012"/>
+          </a:xfrm>
+        </p:spPr>
+        <p:txBody>
+          <a:bodyPr/>
+          <a:lstStyle/>
+          <a:p>
+            <a:pPr marL="0" indent="0">
+              <a:buNone/>
+            </a:pPr>
+            <a:r>
+              <a:rPr lang="en-US" dirty="0"/>
+              <a:t>A </a:t>
+            </a:r>
+            <a:r>
+              <a:rPr lang="en-US" b="1" dirty="0"/>
+              <a:t>protocol</a:t>
+            </a:r>
+            <a:r>
+              <a:rPr lang="en-US" dirty="0"/>
+              <a:t> is an agreed-upon set of rules that specify the behavior of a system. </a:t>
+            </a:r>
+          </a:p>
+          <a:p>
+            <a:pPr marL="0" indent="0">
+              <a:buNone/>
+            </a:pPr>
+            <a:endParaRPr lang="en-US" dirty="0"/>
+          </a:p>
+          <a:p>
+            <a:pPr marL="0" indent="0">
+              <a:buNone/>
+            </a:pPr>
+            <a:r>
+              <a:rPr lang="en-US" dirty="0"/>
+              <a:t>These internet protocols, including those for addresses and names, have evolved to allow for the internet to be scalable. </a:t>
+            </a:r>
+          </a:p>
+          <a:p>
+            <a:pPr marL="0" indent="0">
+              <a:buNone/>
+            </a:pPr>
+            <a:endParaRPr lang="en-US" dirty="0"/>
+          </a:p>
+          <a:p>
+            <a:pPr marL="0" indent="0">
+              <a:buNone/>
+            </a:pPr>
+            <a:r>
+              <a:rPr lang="en-US" dirty="0"/>
+              <a:t>The </a:t>
+            </a:r>
+            <a:r>
+              <a:rPr lang="en-US" b="1" dirty="0"/>
+              <a:t>scalability</a:t>
+            </a:r>
+            <a:r>
+              <a:rPr lang="en-US" dirty="0"/>
+              <a:t> of a system is the capacity for the system to change in size and scale to meet new demands.</a:t>
+            </a:r>
+          </a:p>
+          <a:p>
+            <a:pPr marL="0" indent="0">
+              <a:buNone/>
+            </a:pPr>
+            <a:endParaRPr lang="en-US" dirty="0"/>
+          </a:p>
+          <a:p>
+            <a:pPr marL="0" indent="0">
+              <a:buNone/>
+            </a:pPr>
+            <a:r>
+              <a:rPr lang="en-US" dirty="0"/>
+              <a:t>﻿</a:t>
+            </a:r>
+            <a:r>
+              <a:rPr lang="en-US" b="1" dirty="0"/>
+              <a:t>Internet protocol (IP)</a:t>
+            </a:r>
+            <a:r>
+              <a:rPr lang="en-US" dirty="0"/>
+              <a:t> is responsible for addressing and routing your online requests. For a device to connect to the internet, it is first assigned an internet protocol address.</a:t>
+            </a:r>
+          </a:p>
+          <a:p>
+            <a:pPr marL="0" indent="0">
+              <a:buNone/>
+            </a:pPr>
+            <a:endParaRPr lang="en-US" dirty="0"/>
+          </a:p>
+        </p:txBody>
+      </p:sp>
+      <p:sp>
+        <p:nvSpPr>
+          <p:cNvPr id="4" name="Slide Number Placeholder 3">
+            <a:extLst>
+              <a:ext uri="{FF2B5EF4-FFF2-40B4-BE49-F238E27FC236}">
+                <a16:creationId xmlns:a16="http://schemas.microsoft.com/office/drawing/2014/main" id="{AD4E55E8-1CA4-A544-9032-E81BBD4E2B1F}"/>
+              </a:ext>
+            </a:extLst>
+          </p:cNvPr>
+          <p:cNvSpPr>
+            <a:spLocks noGrp="1"/>
+          </p:cNvSpPr>
+          <p:nvPr>
+            <p:ph type="sldNum" sz="quarter" idx="12"/>
+          </p:nvPr>
+        </p:nvSpPr>
+        <p:spPr/>
+        <p:txBody>
+          <a:bodyPr/>
+          <a:lstStyle/>
+          <a:p>
+            <a:fld id="{D57F1E4F-1CFF-5643-939E-02111984F565}" type="slidenum">
+              <a:rPr lang="en-US" smtClean="0"/>
+              <a:t>99</a:t>
+            </a:fld>
+            <a:endParaRPr lang="en-US" dirty="0"/>
+          </a:p>
+        </p:txBody>
+      </p:sp>
+    </p:spTree>
+    <p:extLst>
+      <p:ext uri="{BB962C8B-B14F-4D97-AF65-F5344CB8AC3E}">
+        <p14:creationId xmlns:p14="http://schemas.microsoft.com/office/powerpoint/2010/main" val="764318037"/>
+      </p:ext>
+    </p:extLst>
+  </p:cSld>
+  <p:clrMapOvr>
+    <a:masterClrMapping/>
+  </p:clrMapOvr>
+  <p:timing>
+    <p:tnLst>
+      <p:par>
+        <p:cTn id="1" dur="indefinite" restart="never" nodeType="tmRoot">
+          <p:childTnLst>
+            <p:seq concurrent="1" nextAc="seek">
+              <p:cTn id="2" dur="indefinite" nodeType="mainSeq">
+                <p:childTnLst>
+                  <p:par>
+                    <p:cTn id="3" fill="hold">
+                      <p:stCondLst>
+                        <p:cond delay="indefinite"/>
+                      </p:stCondLst>
+                      <p:childTnLst>
+                        <p:par>
+                          <p:cTn id="4" fill="hold">
+                            <p:stCondLst>
+                              <p:cond delay="0"/>
+                            </p:stCondLst>
+                            <p:childTnLst>
+                              <p:par>
+                                <p:cTn id="5" presetID="1" presetClass="entr" presetSubtype="0" fill="hold" nodeType="clickEffect">
+                                  <p:stCondLst>
+                                    <p:cond delay="0"/>
+                                  </p:stCondLst>
+                                  <p:childTnLst>
+                                    <p:set>
+                                      <p:cBhvr>
+                                        <p:cTn id="6" dur="1" fill="hold">
+                                          <p:stCondLst>
+                                            <p:cond delay="0"/>
+                                          </p:stCondLst>
+                                        </p:cTn>
+                                        <p:tgtEl>
+                                          <p:spTgt spid="3">
+                                            <p:txEl>
+                                              <p:pRg st="2" end="2"/>
+                                            </p:txEl>
+                                          </p:spTgt>
+                                        </p:tgtEl>
+                                        <p:attrNameLst>
+                                          <p:attrName>style.visibility</p:attrName>
+                                        </p:attrNameLst>
+                                      </p:cBhvr>
+                                      <p:to>
+                                        <p:strVal val="visible"/>
+                                      </p:to>
+                                    </p:set>
+                                  </p:childTnLst>
+                                </p:cTn>
+                              </p:par>
+                            </p:childTnLst>
+                          </p:cTn>
+                        </p:par>
+                      </p:childTnLst>
+                    </p:cTn>
+                  </p:par>
+                  <p:par>
+                    <p:cTn id="7" fill="hold">
+                      <p:stCondLst>
+                        <p:cond delay="indefinite"/>
+                      </p:stCondLst>
+                      <p:childTnLst>
+                        <p:par>
+                          <p:cTn id="8" fill="hold">
+                            <p:stCondLst>
+                              <p:cond delay="0"/>
+                            </p:stCondLst>
+                            <p:childTnLst>
+                              <p:par>
+                                <p:cTn id="9" presetID="1" presetClass="entr" presetSubtype="0" fill="hold" nodeType="clickEffect">
+                                  <p:stCondLst>
+                                    <p:cond delay="0"/>
+                                  </p:stCondLst>
+                                  <p:childTnLst>
+                                    <p:set>
+                                      <p:cBhvr>
+                                        <p:cTn id="10" dur="1" fill="hold">
+                                          <p:stCondLst>
+                                            <p:cond delay="0"/>
+                                          </p:stCondLst>
+                                        </p:cTn>
+                                        <p:tgtEl>
+                                          <p:spTgt spid="3">
+                                            <p:txEl>
+                                              <p:pRg st="4" end="4"/>
+                                            </p:txEl>
+                                          </p:spTgt>
+                                        </p:tgtEl>
+                                        <p:attrNameLst>
+                                          <p:attrName>style.visibility</p:attrName>
+                                        </p:attrNameLst>
+                                      </p:cBhvr>
+                                      <p:to>
+                                        <p:strVal val="visible"/>
+                                      </p:to>
+                                    </p:set>
+                                  </p:childTnLst>
+                                </p:cTn>
+                              </p:par>
+                            </p:childTnLst>
+                          </p:cTn>
+                        </p:par>
+                      </p:childTnLst>
+                    </p:cTn>
+                  </p:par>
+                  <p:par>
+                    <p:cTn id="11" fill="hold">
+                      <p:stCondLst>
+                        <p:cond delay="indefinite"/>
+                      </p:stCondLst>
+                      <p:childTnLst>
+                        <p:par>
+                          <p:cTn id="12" fill="hold">
+                            <p:stCondLst>
+                              <p:cond delay="0"/>
+                            </p:stCondLst>
+                            <p:childTnLst>
+                              <p:par>
+                                <p:cTn id="13" presetID="1" presetClass="entr" presetSubtype="0" fill="hold" nodeType="clickEffect">
+                                  <p:stCondLst>
+                                    <p:cond delay="0"/>
+                                  </p:stCondLst>
+                                  <p:childTnLst>
+                                    <p:set>
+                                      <p:cBhvr>
+                                        <p:cTn id="14" dur="1" fill="hold">
+                                          <p:stCondLst>
+                                            <p:cond delay="0"/>
+                                          </p:stCondLst>
+                                        </p:cTn>
+                                        <p:tgtEl>
+                                          <p:spTgt spid="3">
+                                            <p:txEl>
+                                              <p:pRg st="6" end="6"/>
+                                            </p:txEl>
+                                          </p:spTgt>
+                                        </p:tgtEl>
+                                        <p:attrNameLst>
+                                          <p:attrName>style.visibility</p:attrName>
+                                        </p:attrNameLst>
+                                      </p:cBhvr>
+                                      <p:to>
+                                        <p:strVal val="visible"/>
+                                      </p:to>
+                                    </p:set>
+                                  </p:childTnLst>
+                                </p:cTn>
+                              </p:par>
+                            </p:childTnLst>
+                          </p:cTn>
+                        </p:par>
+                      </p:childTnLst>
+                    </p:cTn>
+                  </p:par>
+                </p:childTnLst>
+              </p:cTn>
+              <p:prevCondLst>
+                <p:cond evt="onPrev" delay="0">
+                  <p:tgtEl>
+                    <p:sldTgt/>
+                  </p:tgtEl>
+                </p:cond>
+              </p:prevCondLst>
+              <p:nextCondLst>
+                <p:cond evt="onNext" delay="0">
+                  <p:tgtEl>
+                    <p:sldTgt/>
+                  </p:tgtEl>
+                </p:cond>
+              </p:nextCondLst>
+            </p:seq>
+          </p:childTnLst>
+        </p:cTn>
+      </p:par>
+    </p:tnLst>
+  </p:timing>
 </p:sld>
 </file>
 
